--- a/theory/lecture-drawings.pptx
+++ b/theory/lecture-drawings.pptx
@@ -15,6 +15,9 @@
     <p:sldId id="264" r:id="rId9"/>
     <p:sldId id="265" r:id="rId10"/>
     <p:sldId id="266" r:id="rId11"/>
+    <p:sldId id="267" r:id="rId12"/>
+    <p:sldId id="268" r:id="rId13"/>
+    <p:sldId id="269" r:id="rId14"/>
   </p:sldIdLst>
   <p:sldSz cx="12192000" cy="6858000"/>
   <p:notesSz cx="6858000" cy="9144000"/>
@@ -113,6 +116,11 @@
       </a:defRPr>
     </a:lvl9pPr>
   </p:defaultTextStyle>
+  <p:extLst>
+    <p:ext uri="{EFAFB233-063F-42B5-8137-9DF3F51BA10A}">
+      <p15:sldGuideLst xmlns:p15="http://schemas.microsoft.com/office/powerpoint/2012/main"/>
+    </p:ext>
+  </p:extLst>
 </p:presentation>
 </file>
 
@@ -263,7 +271,7 @@
           <a:p>
             <a:fld id="{2FDE7089-442F-4E99-86D8-0A1D11EB158F}" type="datetimeFigureOut">
               <a:rPr lang="en-US" smtClean="0"/>
-              <a:t>9/24/2024</a:t>
+              <a:t>9/25/2024</a:t>
             </a:fld>
             <a:endParaRPr lang="en-US"/>
           </a:p>
@@ -461,7 +469,7 @@
           <a:p>
             <a:fld id="{2FDE7089-442F-4E99-86D8-0A1D11EB158F}" type="datetimeFigureOut">
               <a:rPr lang="en-US" smtClean="0"/>
-              <a:t>9/24/2024</a:t>
+              <a:t>9/25/2024</a:t>
             </a:fld>
             <a:endParaRPr lang="en-US"/>
           </a:p>
@@ -669,7 +677,7 @@
           <a:p>
             <a:fld id="{2FDE7089-442F-4E99-86D8-0A1D11EB158F}" type="datetimeFigureOut">
               <a:rPr lang="en-US" smtClean="0"/>
-              <a:t>9/24/2024</a:t>
+              <a:t>9/25/2024</a:t>
             </a:fld>
             <a:endParaRPr lang="en-US"/>
           </a:p>
@@ -867,7 +875,7 @@
           <a:p>
             <a:fld id="{2FDE7089-442F-4E99-86D8-0A1D11EB158F}" type="datetimeFigureOut">
               <a:rPr lang="en-US" smtClean="0"/>
-              <a:t>9/24/2024</a:t>
+              <a:t>9/25/2024</a:t>
             </a:fld>
             <a:endParaRPr lang="en-US"/>
           </a:p>
@@ -1142,7 +1150,7 @@
           <a:p>
             <a:fld id="{2FDE7089-442F-4E99-86D8-0A1D11EB158F}" type="datetimeFigureOut">
               <a:rPr lang="en-US" smtClean="0"/>
-              <a:t>9/24/2024</a:t>
+              <a:t>9/25/2024</a:t>
             </a:fld>
             <a:endParaRPr lang="en-US"/>
           </a:p>
@@ -1407,7 +1415,7 @@
           <a:p>
             <a:fld id="{2FDE7089-442F-4E99-86D8-0A1D11EB158F}" type="datetimeFigureOut">
               <a:rPr lang="en-US" smtClean="0"/>
-              <a:t>9/24/2024</a:t>
+              <a:t>9/25/2024</a:t>
             </a:fld>
             <a:endParaRPr lang="en-US"/>
           </a:p>
@@ -1819,7 +1827,7 @@
           <a:p>
             <a:fld id="{2FDE7089-442F-4E99-86D8-0A1D11EB158F}" type="datetimeFigureOut">
               <a:rPr lang="en-US" smtClean="0"/>
-              <a:t>9/24/2024</a:t>
+              <a:t>9/25/2024</a:t>
             </a:fld>
             <a:endParaRPr lang="en-US"/>
           </a:p>
@@ -1960,7 +1968,7 @@
           <a:p>
             <a:fld id="{2FDE7089-442F-4E99-86D8-0A1D11EB158F}" type="datetimeFigureOut">
               <a:rPr lang="en-US" smtClean="0"/>
-              <a:t>9/24/2024</a:t>
+              <a:t>9/25/2024</a:t>
             </a:fld>
             <a:endParaRPr lang="en-US"/>
           </a:p>
@@ -2073,7 +2081,7 @@
           <a:p>
             <a:fld id="{2FDE7089-442F-4E99-86D8-0A1D11EB158F}" type="datetimeFigureOut">
               <a:rPr lang="en-US" smtClean="0"/>
-              <a:t>9/24/2024</a:t>
+              <a:t>9/25/2024</a:t>
             </a:fld>
             <a:endParaRPr lang="en-US"/>
           </a:p>
@@ -2384,7 +2392,7 @@
           <a:p>
             <a:fld id="{2FDE7089-442F-4E99-86D8-0A1D11EB158F}" type="datetimeFigureOut">
               <a:rPr lang="en-US" smtClean="0"/>
-              <a:t>9/24/2024</a:t>
+              <a:t>9/25/2024</a:t>
             </a:fld>
             <a:endParaRPr lang="en-US"/>
           </a:p>
@@ -2672,7 +2680,7 @@
           <a:p>
             <a:fld id="{2FDE7089-442F-4E99-86D8-0A1D11EB158F}" type="datetimeFigureOut">
               <a:rPr lang="en-US" smtClean="0"/>
-              <a:t>9/24/2024</a:t>
+              <a:t>9/25/2024</a:t>
             </a:fld>
             <a:endParaRPr lang="en-US"/>
           </a:p>
@@ -2913,7 +2921,7 @@
           <a:p>
             <a:fld id="{2FDE7089-442F-4E99-86D8-0A1D11EB158F}" type="datetimeFigureOut">
               <a:rPr lang="en-US" smtClean="0"/>
-              <a:t>9/24/2024</a:t>
+              <a:t>9/25/2024</a:t>
             </a:fld>
             <a:endParaRPr lang="en-US"/>
           </a:p>
@@ -5152,8 +5160,8 @@
           </a:fontRef>
         </p:style>
       </p:cxnSp>
-      <mc:AlternateContent xmlns:mc="http://schemas.openxmlformats.org/markup-compatibility/2006">
-        <mc:Choice xmlns:a14="http://schemas.microsoft.com/office/drawing/2010/main" Requires="a14">
+      <mc:AlternateContent xmlns:mc="http://schemas.openxmlformats.org/markup-compatibility/2006" xmlns:a14="http://schemas.microsoft.com/office/drawing/2010/main">
+        <mc:Choice Requires="a14">
           <p:sp>
             <p:nvSpPr>
               <p:cNvPr id="24" name="TextBox 23">
@@ -5182,6 +5190,7 @@
               </a:bodyPr>
               <a:lstStyle/>
               <a:p>
+                <a:pPr/>
                 <a14:m>
                   <m:oMathPara xmlns:m="http://schemas.openxmlformats.org/officeDocument/2006/math">
                     <m:oMathParaPr>
@@ -5221,7 +5230,7 @@
             </p:txBody>
           </p:sp>
         </mc:Choice>
-        <mc:Fallback>
+        <mc:Fallback xmlns="">
           <p:sp>
             <p:nvSpPr>
               <p:cNvPr id="24" name="TextBox 23">
@@ -5266,8 +5275,8 @@
           </p:sp>
         </mc:Fallback>
       </mc:AlternateContent>
-      <mc:AlternateContent xmlns:mc="http://schemas.openxmlformats.org/markup-compatibility/2006">
-        <mc:Choice xmlns:a14="http://schemas.microsoft.com/office/drawing/2010/main" Requires="a14">
+      <mc:AlternateContent xmlns:mc="http://schemas.openxmlformats.org/markup-compatibility/2006" xmlns:a14="http://schemas.microsoft.com/office/drawing/2010/main">
+        <mc:Choice Requires="a14">
           <p:sp>
             <p:nvSpPr>
               <p:cNvPr id="25" name="TextBox 24">
@@ -5296,6 +5305,7 @@
               </a:bodyPr>
               <a:lstStyle/>
               <a:p>
+                <a:pPr/>
                 <a14:m>
                   <m:oMathPara xmlns:m="http://schemas.openxmlformats.org/officeDocument/2006/math">
                     <m:oMathParaPr>
@@ -5335,7 +5345,7 @@
             </p:txBody>
           </p:sp>
         </mc:Choice>
-        <mc:Fallback>
+        <mc:Fallback xmlns="">
           <p:sp>
             <p:nvSpPr>
               <p:cNvPr id="25" name="TextBox 24">
@@ -5380,8 +5390,8 @@
           </p:sp>
         </mc:Fallback>
       </mc:AlternateContent>
-      <mc:AlternateContent xmlns:mc="http://schemas.openxmlformats.org/markup-compatibility/2006">
-        <mc:Choice xmlns:a14="http://schemas.microsoft.com/office/drawing/2010/main" Requires="a14">
+      <mc:AlternateContent xmlns:mc="http://schemas.openxmlformats.org/markup-compatibility/2006" xmlns:a14="http://schemas.microsoft.com/office/drawing/2010/main">
+        <mc:Choice Requires="a14">
           <p:sp>
             <p:nvSpPr>
               <p:cNvPr id="26" name="TextBox 25">
@@ -5410,6 +5420,7 @@
               </a:bodyPr>
               <a:lstStyle/>
               <a:p>
+                <a:pPr/>
                 <a14:m>
                   <m:oMathPara xmlns:m="http://schemas.openxmlformats.org/officeDocument/2006/math">
                     <m:oMathParaPr>
@@ -5449,7 +5460,7 @@
             </p:txBody>
           </p:sp>
         </mc:Choice>
-        <mc:Fallback>
+        <mc:Fallback xmlns="">
           <p:sp>
             <p:nvSpPr>
               <p:cNvPr id="26" name="TextBox 25">
@@ -5494,8 +5505,8 @@
           </p:sp>
         </mc:Fallback>
       </mc:AlternateContent>
-      <mc:AlternateContent xmlns:mc="http://schemas.openxmlformats.org/markup-compatibility/2006">
-        <mc:Choice xmlns:a14="http://schemas.microsoft.com/office/drawing/2010/main" Requires="a14">
+      <mc:AlternateContent xmlns:mc="http://schemas.openxmlformats.org/markup-compatibility/2006" xmlns:a14="http://schemas.microsoft.com/office/drawing/2010/main">
+        <mc:Choice Requires="a14">
           <p:sp>
             <p:nvSpPr>
               <p:cNvPr id="28" name="TextBox 27">
@@ -5524,6 +5535,7 @@
               </a:bodyPr>
               <a:lstStyle/>
               <a:p>
+                <a:pPr/>
                 <a14:m>
                   <m:oMathPara xmlns:m="http://schemas.openxmlformats.org/officeDocument/2006/math">
                     <m:oMathParaPr>
@@ -5563,7 +5575,7 @@
             </p:txBody>
           </p:sp>
         </mc:Choice>
-        <mc:Fallback>
+        <mc:Fallback xmlns="">
           <p:sp>
             <p:nvSpPr>
               <p:cNvPr id="28" name="TextBox 27">
@@ -5621,6 +5633,6822 @@
 </p:sld>
 </file>
 
+<file path=ppt/slides/slide11.xml><?xml version="1.0" encoding="utf-8"?>
+<p:sld xmlns:a="http://schemas.openxmlformats.org/drawingml/2006/main" xmlns:r="http://schemas.openxmlformats.org/officeDocument/2006/relationships" xmlns:p="http://schemas.openxmlformats.org/presentationml/2006/main">
+  <p:cSld>
+    <p:spTree>
+      <p:nvGrpSpPr>
+        <p:cNvPr id="1" name=""/>
+        <p:cNvGrpSpPr/>
+        <p:nvPr/>
+      </p:nvGrpSpPr>
+      <p:grpSpPr>
+        <a:xfrm>
+          <a:off x="0" y="0"/>
+          <a:ext cx="0" cy="0"/>
+          <a:chOff x="0" y="0"/>
+          <a:chExt cx="0" cy="0"/>
+        </a:xfrm>
+      </p:grpSpPr>
+      <p:cxnSp>
+        <p:nvCxnSpPr>
+          <p:cNvPr id="2" name="Straight Connector 1">
+            <a:extLst>
+              <a:ext uri="{FF2B5EF4-FFF2-40B4-BE49-F238E27FC236}">
+                <a16:creationId xmlns:a16="http://schemas.microsoft.com/office/drawing/2014/main" id="{B7DE9885-EEE9-3A66-B00B-D9E77951AB6B}"/>
+              </a:ext>
+            </a:extLst>
+          </p:cNvPr>
+          <p:cNvCxnSpPr>
+            <a:cxnSpLocks/>
+          </p:cNvCxnSpPr>
+          <p:nvPr/>
+        </p:nvCxnSpPr>
+        <p:spPr>
+          <a:xfrm>
+            <a:off x="3263861" y="2596243"/>
+            <a:ext cx="2353168" cy="0"/>
+          </a:xfrm>
+          <a:prstGeom prst="line">
+            <a:avLst/>
+          </a:prstGeom>
+          <a:ln>
+            <a:solidFill>
+              <a:schemeClr val="tx1"/>
+            </a:solidFill>
+          </a:ln>
+        </p:spPr>
+        <p:style>
+          <a:lnRef idx="2">
+            <a:schemeClr val="accent1"/>
+          </a:lnRef>
+          <a:fillRef idx="0">
+            <a:schemeClr val="accent1"/>
+          </a:fillRef>
+          <a:effectRef idx="1">
+            <a:schemeClr val="accent1"/>
+          </a:effectRef>
+          <a:fontRef idx="minor">
+            <a:schemeClr val="tx1"/>
+          </a:fontRef>
+        </p:style>
+      </p:cxnSp>
+      <p:cxnSp>
+        <p:nvCxnSpPr>
+          <p:cNvPr id="5" name="Straight Connector 4">
+            <a:extLst>
+              <a:ext uri="{FF2B5EF4-FFF2-40B4-BE49-F238E27FC236}">
+                <a16:creationId xmlns:a16="http://schemas.microsoft.com/office/drawing/2014/main" id="{F2A58E99-12AD-0E39-9DBD-5EA492C591DE}"/>
+              </a:ext>
+            </a:extLst>
+          </p:cNvPr>
+          <p:cNvCxnSpPr>
+            <a:cxnSpLocks/>
+          </p:cNvCxnSpPr>
+          <p:nvPr/>
+        </p:nvCxnSpPr>
+        <p:spPr>
+          <a:xfrm>
+            <a:off x="4349815" y="2835279"/>
+            <a:ext cx="1377885" cy="1254121"/>
+          </a:xfrm>
+          <a:prstGeom prst="line">
+            <a:avLst/>
+          </a:prstGeom>
+        </p:spPr>
+        <p:style>
+          <a:lnRef idx="2">
+            <a:schemeClr val="accent1"/>
+          </a:lnRef>
+          <a:fillRef idx="0">
+            <a:schemeClr val="accent1"/>
+          </a:fillRef>
+          <a:effectRef idx="1">
+            <a:schemeClr val="accent1"/>
+          </a:effectRef>
+          <a:fontRef idx="minor">
+            <a:schemeClr val="tx1"/>
+          </a:fontRef>
+        </p:style>
+      </p:cxnSp>
+      <p:sp>
+        <p:nvSpPr>
+          <p:cNvPr id="8" name="Isosceles Triangle 7">
+            <a:extLst>
+              <a:ext uri="{FF2B5EF4-FFF2-40B4-BE49-F238E27FC236}">
+                <a16:creationId xmlns:a16="http://schemas.microsoft.com/office/drawing/2014/main" id="{1153E262-1E48-3454-C724-C3295C34CCFB}"/>
+              </a:ext>
+            </a:extLst>
+          </p:cNvPr>
+          <p:cNvSpPr/>
+          <p:nvPr/>
+        </p:nvSpPr>
+        <p:spPr>
+          <a:xfrm rot="10800000">
+            <a:off x="4250433" y="2605771"/>
+            <a:ext cx="211465" cy="248557"/>
+          </a:xfrm>
+          <a:prstGeom prst="triangle">
+            <a:avLst>
+              <a:gd name="adj" fmla="val 50233"/>
+            </a:avLst>
+          </a:prstGeom>
+          <a:solidFill>
+            <a:schemeClr val="tx1"/>
+          </a:solidFill>
+          <a:ln>
+            <a:noFill/>
+          </a:ln>
+        </p:spPr>
+        <p:style>
+          <a:lnRef idx="2">
+            <a:schemeClr val="accent1">
+              <a:shade val="15000"/>
+            </a:schemeClr>
+          </a:lnRef>
+          <a:fillRef idx="1">
+            <a:schemeClr val="accent1"/>
+          </a:fillRef>
+          <a:effectRef idx="0">
+            <a:schemeClr val="accent1"/>
+          </a:effectRef>
+          <a:fontRef idx="minor">
+            <a:schemeClr val="lt1"/>
+          </a:fontRef>
+        </p:style>
+        <p:txBody>
+          <a:bodyPr rtlCol="0" anchor="ctr"/>
+          <a:lstStyle/>
+          <a:p>
+            <a:pPr algn="ctr"/>
+            <a:endParaRPr lang="en-US"/>
+          </a:p>
+        </p:txBody>
+      </p:sp>
+      <p:cxnSp>
+        <p:nvCxnSpPr>
+          <p:cNvPr id="10" name="Straight Connector 9">
+            <a:extLst>
+              <a:ext uri="{FF2B5EF4-FFF2-40B4-BE49-F238E27FC236}">
+                <a16:creationId xmlns:a16="http://schemas.microsoft.com/office/drawing/2014/main" id="{4464F009-6651-AD2D-CFE7-914396041144}"/>
+              </a:ext>
+            </a:extLst>
+          </p:cNvPr>
+          <p:cNvCxnSpPr>
+            <a:cxnSpLocks/>
+          </p:cNvCxnSpPr>
+          <p:nvPr/>
+        </p:nvCxnSpPr>
+        <p:spPr>
+          <a:xfrm>
+            <a:off x="4349815" y="2835279"/>
+            <a:ext cx="1870074" cy="41434"/>
+          </a:xfrm>
+          <a:prstGeom prst="line">
+            <a:avLst/>
+          </a:prstGeom>
+        </p:spPr>
+        <p:style>
+          <a:lnRef idx="2">
+            <a:schemeClr val="accent1"/>
+          </a:lnRef>
+          <a:fillRef idx="0">
+            <a:schemeClr val="accent1"/>
+          </a:fillRef>
+          <a:effectRef idx="1">
+            <a:schemeClr val="accent1"/>
+          </a:effectRef>
+          <a:fontRef idx="minor">
+            <a:schemeClr val="tx1"/>
+          </a:fontRef>
+        </p:style>
+      </p:cxnSp>
+      <p:sp>
+        <p:nvSpPr>
+          <p:cNvPr id="14" name="Arc 13">
+            <a:extLst>
+              <a:ext uri="{FF2B5EF4-FFF2-40B4-BE49-F238E27FC236}">
+                <a16:creationId xmlns:a16="http://schemas.microsoft.com/office/drawing/2014/main" id="{A800CC85-07D8-2F31-2EB8-B30D305D5C92}"/>
+              </a:ext>
+            </a:extLst>
+          </p:cNvPr>
+          <p:cNvSpPr/>
+          <p:nvPr/>
+        </p:nvSpPr>
+        <p:spPr>
+          <a:xfrm rot="10800000">
+            <a:off x="2479740" y="859975"/>
+            <a:ext cx="3740149" cy="3740149"/>
+          </a:xfrm>
+          <a:prstGeom prst="arc">
+            <a:avLst>
+              <a:gd name="adj1" fmla="val 10808750"/>
+              <a:gd name="adj2" fmla="val 19099434"/>
+            </a:avLst>
+          </a:prstGeom>
+          <a:ln w="15875">
+            <a:gradFill>
+              <a:gsLst>
+                <a:gs pos="0">
+                  <a:schemeClr val="bg1"/>
+                </a:gs>
+                <a:gs pos="83000">
+                  <a:schemeClr val="tx1"/>
+                </a:gs>
+                <a:gs pos="99000">
+                  <a:schemeClr val="tx1"/>
+                </a:gs>
+              </a:gsLst>
+              <a:lin ang="10800000" scaled="0"/>
+            </a:gradFill>
+            <a:prstDash val="dash"/>
+          </a:ln>
+        </p:spPr>
+        <p:style>
+          <a:lnRef idx="2">
+            <a:schemeClr val="accent1"/>
+          </a:lnRef>
+          <a:fillRef idx="0">
+            <a:schemeClr val="accent1"/>
+          </a:fillRef>
+          <a:effectRef idx="1">
+            <a:schemeClr val="accent1"/>
+          </a:effectRef>
+          <a:fontRef idx="minor">
+            <a:schemeClr val="tx1"/>
+          </a:fontRef>
+        </p:style>
+        <p:txBody>
+          <a:bodyPr rtlCol="0" anchor="ctr"/>
+          <a:lstStyle/>
+          <a:p>
+            <a:pPr algn="ctr"/>
+            <a:endParaRPr lang="en-US"/>
+          </a:p>
+        </p:txBody>
+      </p:sp>
+      <p:sp>
+        <p:nvSpPr>
+          <p:cNvPr id="16" name="Oval 15">
+            <a:extLst>
+              <a:ext uri="{FF2B5EF4-FFF2-40B4-BE49-F238E27FC236}">
+                <a16:creationId xmlns:a16="http://schemas.microsoft.com/office/drawing/2014/main" id="{24C80F81-7DFA-7886-BB76-CD7FD841FD5F}"/>
+              </a:ext>
+            </a:extLst>
+          </p:cNvPr>
+          <p:cNvSpPr/>
+          <p:nvPr/>
+        </p:nvSpPr>
+        <p:spPr>
+          <a:xfrm>
+            <a:off x="6140482" y="2811172"/>
+            <a:ext cx="131081" cy="131081"/>
+          </a:xfrm>
+          <a:prstGeom prst="ellipse">
+            <a:avLst/>
+          </a:prstGeom>
+          <a:solidFill>
+            <a:schemeClr val="tx1"/>
+          </a:solidFill>
+          <a:ln>
+            <a:noFill/>
+          </a:ln>
+        </p:spPr>
+        <p:style>
+          <a:lnRef idx="2">
+            <a:schemeClr val="accent1">
+              <a:shade val="15000"/>
+            </a:schemeClr>
+          </a:lnRef>
+          <a:fillRef idx="1">
+            <a:schemeClr val="accent1"/>
+          </a:fillRef>
+          <a:effectRef idx="0">
+            <a:schemeClr val="accent1"/>
+          </a:effectRef>
+          <a:fontRef idx="minor">
+            <a:schemeClr val="lt1"/>
+          </a:fontRef>
+        </p:style>
+        <p:txBody>
+          <a:bodyPr rtlCol="0" anchor="ctr"/>
+          <a:lstStyle/>
+          <a:p>
+            <a:pPr algn="ctr"/>
+            <a:endParaRPr lang="en-US"/>
+          </a:p>
+        </p:txBody>
+      </p:sp>
+      <p:sp>
+        <p:nvSpPr>
+          <p:cNvPr id="17" name="Oval 16">
+            <a:extLst>
+              <a:ext uri="{FF2B5EF4-FFF2-40B4-BE49-F238E27FC236}">
+                <a16:creationId xmlns:a16="http://schemas.microsoft.com/office/drawing/2014/main" id="{5CF84A03-6229-7EEA-3B7E-94ACBC599A65}"/>
+              </a:ext>
+            </a:extLst>
+          </p:cNvPr>
+          <p:cNvSpPr/>
+          <p:nvPr/>
+        </p:nvSpPr>
+        <p:spPr>
+          <a:xfrm>
+            <a:off x="5622456" y="3982426"/>
+            <a:ext cx="131081" cy="131081"/>
+          </a:xfrm>
+          <a:prstGeom prst="ellipse">
+            <a:avLst/>
+          </a:prstGeom>
+          <a:solidFill>
+            <a:schemeClr val="tx1"/>
+          </a:solidFill>
+          <a:ln>
+            <a:noFill/>
+          </a:ln>
+        </p:spPr>
+        <p:style>
+          <a:lnRef idx="2">
+            <a:schemeClr val="accent1">
+              <a:shade val="15000"/>
+            </a:schemeClr>
+          </a:lnRef>
+          <a:fillRef idx="1">
+            <a:schemeClr val="accent1"/>
+          </a:fillRef>
+          <a:effectRef idx="0">
+            <a:schemeClr val="accent1"/>
+          </a:effectRef>
+          <a:fontRef idx="minor">
+            <a:schemeClr val="lt1"/>
+          </a:fontRef>
+        </p:style>
+        <p:txBody>
+          <a:bodyPr rtlCol="0" anchor="ctr"/>
+          <a:lstStyle/>
+          <a:p>
+            <a:pPr algn="ctr"/>
+            <a:endParaRPr lang="en-US"/>
+          </a:p>
+        </p:txBody>
+      </p:sp>
+      <p:cxnSp>
+        <p:nvCxnSpPr>
+          <p:cNvPr id="18" name="Straight Connector 17">
+            <a:extLst>
+              <a:ext uri="{FF2B5EF4-FFF2-40B4-BE49-F238E27FC236}">
+                <a16:creationId xmlns:a16="http://schemas.microsoft.com/office/drawing/2014/main" id="{4765B717-16DB-DD18-876C-4CB9B88EE937}"/>
+              </a:ext>
+            </a:extLst>
+          </p:cNvPr>
+          <p:cNvCxnSpPr>
+            <a:cxnSpLocks/>
+          </p:cNvCxnSpPr>
+          <p:nvPr/>
+        </p:nvCxnSpPr>
+        <p:spPr>
+          <a:xfrm flipV="1">
+            <a:off x="5692128" y="2868049"/>
+            <a:ext cx="0" cy="1179917"/>
+          </a:xfrm>
+          <a:prstGeom prst="line">
+            <a:avLst/>
+          </a:prstGeom>
+          <a:ln w="12700">
+            <a:solidFill>
+              <a:schemeClr val="tx1"/>
+            </a:solidFill>
+          </a:ln>
+        </p:spPr>
+        <p:style>
+          <a:lnRef idx="2">
+            <a:schemeClr val="accent1"/>
+          </a:lnRef>
+          <a:fillRef idx="0">
+            <a:schemeClr val="accent1"/>
+          </a:fillRef>
+          <a:effectRef idx="1">
+            <a:schemeClr val="accent1"/>
+          </a:effectRef>
+          <a:fontRef idx="minor">
+            <a:schemeClr val="tx1"/>
+          </a:fontRef>
+        </p:style>
+      </p:cxnSp>
+      <p:cxnSp>
+        <p:nvCxnSpPr>
+          <p:cNvPr id="20" name="Straight Arrow Connector 19">
+            <a:extLst>
+              <a:ext uri="{FF2B5EF4-FFF2-40B4-BE49-F238E27FC236}">
+                <a16:creationId xmlns:a16="http://schemas.microsoft.com/office/drawing/2014/main" id="{C345B9E7-FA5C-9F24-83A3-EAF7530F16FB}"/>
+              </a:ext>
+            </a:extLst>
+          </p:cNvPr>
+          <p:cNvCxnSpPr>
+            <a:cxnSpLocks/>
+            <a:stCxn id="17" idx="1"/>
+          </p:cNvCxnSpPr>
+          <p:nvPr/>
+        </p:nvCxnSpPr>
+        <p:spPr>
+          <a:xfrm flipH="1" flipV="1">
+            <a:off x="5136125" y="3548810"/>
+            <a:ext cx="505527" cy="452812"/>
+          </a:xfrm>
+          <a:prstGeom prst="straightConnector1">
+            <a:avLst/>
+          </a:prstGeom>
+          <a:ln w="31750">
+            <a:solidFill>
+              <a:schemeClr val="tx1"/>
+            </a:solidFill>
+            <a:tailEnd type="stealth" w="med" len="lg"/>
+          </a:ln>
+        </p:spPr>
+        <p:style>
+          <a:lnRef idx="2">
+            <a:schemeClr val="accent1"/>
+          </a:lnRef>
+          <a:fillRef idx="0">
+            <a:schemeClr val="accent1"/>
+          </a:fillRef>
+          <a:effectRef idx="1">
+            <a:schemeClr val="accent1"/>
+          </a:effectRef>
+          <a:fontRef idx="minor">
+            <a:schemeClr val="tx1"/>
+          </a:fontRef>
+        </p:style>
+      </p:cxnSp>
+      <mc:AlternateContent xmlns:mc="http://schemas.openxmlformats.org/markup-compatibility/2006">
+        <mc:Choice xmlns:a14="http://schemas.microsoft.com/office/drawing/2010/main" Requires="a14">
+          <p:sp>
+            <p:nvSpPr>
+              <p:cNvPr id="21" name="TextBox 20">
+                <a:extLst>
+                  <a:ext uri="{FF2B5EF4-FFF2-40B4-BE49-F238E27FC236}">
+                    <a16:creationId xmlns:a16="http://schemas.microsoft.com/office/drawing/2014/main" id="{8499F675-4F00-A7DD-53A4-F0C153BFF61F}"/>
+                  </a:ext>
+                </a:extLst>
+              </p:cNvPr>
+              <p:cNvSpPr txBox="1"/>
+              <p:nvPr/>
+            </p:nvSpPr>
+            <p:spPr>
+              <a:xfrm>
+                <a:off x="5089935" y="3691024"/>
+                <a:ext cx="189411" cy="310598"/>
+              </a:xfrm>
+              <a:prstGeom prst="rect">
+                <a:avLst/>
+              </a:prstGeom>
+              <a:noFill/>
+            </p:spPr>
+            <p:txBody>
+              <a:bodyPr wrap="none" lIns="0" tIns="0" rIns="0" bIns="0" rtlCol="0">
+                <a:spAutoFit/>
+              </a:bodyPr>
+              <a:lstStyle/>
+              <a:p>
+                <a:pPr/>
+                <a14:m>
+                  <m:oMathPara xmlns:m="http://schemas.openxmlformats.org/officeDocument/2006/math">
+                    <m:oMathParaPr>
+                      <m:jc m:val="centerGroup"/>
+                    </m:oMathParaPr>
+                    <m:oMath xmlns:m="http://schemas.openxmlformats.org/officeDocument/2006/math">
+                      <m:acc>
+                        <m:accPr>
+                          <m:chr m:val="⃗"/>
+                          <m:ctrlPr>
+                            <a:rPr lang="en-US" i="1">
+                              <a:latin typeface="Cambria Math" panose="02040503050406030204" pitchFamily="18" charset="0"/>
+                            </a:rPr>
+                          </m:ctrlPr>
+                        </m:accPr>
+                        <m:e>
+                          <m:r>
+                            <a:rPr lang="en-US" i="1">
+                              <a:latin typeface="Cambria Math" panose="02040503050406030204" pitchFamily="18" charset="0"/>
+                            </a:rPr>
+                            <m:t>𝑇</m:t>
+                          </m:r>
+                        </m:e>
+                      </m:acc>
+                    </m:oMath>
+                  </m:oMathPara>
+                </a14:m>
+                <a:endParaRPr lang="en-US" dirty="0"/>
+              </a:p>
+            </p:txBody>
+          </p:sp>
+        </mc:Choice>
+        <mc:Fallback>
+          <p:sp>
+            <p:nvSpPr>
+              <p:cNvPr id="21" name="TextBox 20">
+                <a:extLst>
+                  <a:ext uri="{FF2B5EF4-FFF2-40B4-BE49-F238E27FC236}">
+                    <a16:creationId xmlns:a16="http://schemas.microsoft.com/office/drawing/2014/main" id="{8499F675-4F00-A7DD-53A4-F0C153BFF61F}"/>
+                  </a:ext>
+                </a:extLst>
+              </p:cNvPr>
+              <p:cNvSpPr txBox="1">
+                <a:spLocks noRot="1" noChangeAspect="1" noMove="1" noResize="1" noEditPoints="1" noAdjustHandles="1" noChangeArrowheads="1" noChangeShapeType="1" noTextEdit="1"/>
+              </p:cNvSpPr>
+              <p:nvPr/>
+            </p:nvSpPr>
+            <p:spPr>
+              <a:xfrm>
+                <a:off x="5089935" y="3691024"/>
+                <a:ext cx="189411" cy="310598"/>
+              </a:xfrm>
+              <a:prstGeom prst="rect">
+                <a:avLst/>
+              </a:prstGeom>
+              <a:blipFill>
+                <a:blip r:embed="rId2"/>
+                <a:stretch>
+                  <a:fillRect l="-32258" r="-29032" b="-5882"/>
+                </a:stretch>
+              </a:blipFill>
+            </p:spPr>
+            <p:txBody>
+              <a:bodyPr/>
+              <a:lstStyle/>
+              <a:p>
+                <a:r>
+                  <a:rPr lang="en-US">
+                    <a:noFill/>
+                  </a:rPr>
+                  <a:t> </a:t>
+                </a:r>
+              </a:p>
+            </p:txBody>
+          </p:sp>
+        </mc:Fallback>
+      </mc:AlternateContent>
+      <p:cxnSp>
+        <p:nvCxnSpPr>
+          <p:cNvPr id="29" name="Straight Connector 28">
+            <a:extLst>
+              <a:ext uri="{FF2B5EF4-FFF2-40B4-BE49-F238E27FC236}">
+                <a16:creationId xmlns:a16="http://schemas.microsoft.com/office/drawing/2014/main" id="{6CD96651-3ADE-610B-98EC-7078DC481B2E}"/>
+              </a:ext>
+            </a:extLst>
+          </p:cNvPr>
+          <p:cNvCxnSpPr>
+            <a:cxnSpLocks/>
+          </p:cNvCxnSpPr>
+          <p:nvPr/>
+        </p:nvCxnSpPr>
+        <p:spPr>
+          <a:xfrm>
+            <a:off x="4347389" y="2768786"/>
+            <a:ext cx="18277" cy="1077537"/>
+          </a:xfrm>
+          <a:prstGeom prst="line">
+            <a:avLst/>
+          </a:prstGeom>
+          <a:ln w="12700">
+            <a:solidFill>
+              <a:schemeClr val="tx1"/>
+            </a:solidFill>
+            <a:prstDash val="dash"/>
+          </a:ln>
+        </p:spPr>
+        <p:style>
+          <a:lnRef idx="2">
+            <a:schemeClr val="accent1"/>
+          </a:lnRef>
+          <a:fillRef idx="0">
+            <a:schemeClr val="accent1"/>
+          </a:fillRef>
+          <a:effectRef idx="1">
+            <a:schemeClr val="accent1"/>
+          </a:effectRef>
+          <a:fontRef idx="minor">
+            <a:schemeClr val="tx1"/>
+          </a:fontRef>
+        </p:style>
+      </p:cxnSp>
+      <p:sp>
+        <p:nvSpPr>
+          <p:cNvPr id="32" name="Arc 31">
+            <a:extLst>
+              <a:ext uri="{FF2B5EF4-FFF2-40B4-BE49-F238E27FC236}">
+                <a16:creationId xmlns:a16="http://schemas.microsoft.com/office/drawing/2014/main" id="{DF63B04F-9408-D5E3-F141-E55F8C1E9C98}"/>
+              </a:ext>
+            </a:extLst>
+          </p:cNvPr>
+          <p:cNvSpPr/>
+          <p:nvPr/>
+        </p:nvSpPr>
+        <p:spPr>
+          <a:xfrm rot="6526634">
+            <a:off x="4262008" y="2806489"/>
+            <a:ext cx="259542" cy="280846"/>
+          </a:xfrm>
+          <a:prstGeom prst="arc">
+            <a:avLst/>
+          </a:prstGeom>
+          <a:ln>
+            <a:solidFill>
+              <a:schemeClr val="tx1"/>
+            </a:solidFill>
+          </a:ln>
+        </p:spPr>
+        <p:style>
+          <a:lnRef idx="2">
+            <a:schemeClr val="accent1"/>
+          </a:lnRef>
+          <a:fillRef idx="0">
+            <a:schemeClr val="accent1"/>
+          </a:fillRef>
+          <a:effectRef idx="1">
+            <a:schemeClr val="accent1"/>
+          </a:effectRef>
+          <a:fontRef idx="minor">
+            <a:schemeClr val="tx1"/>
+          </a:fontRef>
+        </p:style>
+        <p:txBody>
+          <a:bodyPr rtlCol="0" anchor="ctr"/>
+          <a:lstStyle/>
+          <a:p>
+            <a:pPr algn="ctr"/>
+            <a:endParaRPr lang="en-US"/>
+          </a:p>
+        </p:txBody>
+      </p:sp>
+      <mc:AlternateContent xmlns:mc="http://schemas.openxmlformats.org/markup-compatibility/2006">
+        <mc:Choice xmlns:a14="http://schemas.microsoft.com/office/drawing/2010/main" Requires="a14">
+          <p:sp>
+            <p:nvSpPr>
+              <p:cNvPr id="33" name="TextBox 32">
+                <a:extLst>
+                  <a:ext uri="{FF2B5EF4-FFF2-40B4-BE49-F238E27FC236}">
+                    <a16:creationId xmlns:a16="http://schemas.microsoft.com/office/drawing/2014/main" id="{D6B7D2A0-03D3-6B3E-2F46-A6578B0E7872}"/>
+                  </a:ext>
+                </a:extLst>
+              </p:cNvPr>
+              <p:cNvSpPr txBox="1"/>
+              <p:nvPr/>
+            </p:nvSpPr>
+            <p:spPr>
+              <a:xfrm>
+                <a:off x="4416142" y="3020955"/>
+                <a:ext cx="244682" cy="369332"/>
+              </a:xfrm>
+              <a:prstGeom prst="rect">
+                <a:avLst/>
+              </a:prstGeom>
+              <a:noFill/>
+            </p:spPr>
+            <p:txBody>
+              <a:bodyPr wrap="none" lIns="0" tIns="0" rIns="0" bIns="0" rtlCol="0">
+                <a:spAutoFit/>
+              </a:bodyPr>
+              <a:lstStyle/>
+              <a:p>
+                <a:pPr/>
+                <a14:m>
+                  <m:oMathPara xmlns:m="http://schemas.openxmlformats.org/officeDocument/2006/math">
+                    <m:oMathParaPr>
+                      <m:jc m:val="centerGroup"/>
+                    </m:oMathParaPr>
+                    <m:oMath xmlns:m="http://schemas.openxmlformats.org/officeDocument/2006/math">
+                      <m:r>
+                        <a:rPr lang="en-US" sz="2400" i="1" smtClean="0">
+                          <a:latin typeface="Cambria Math" panose="02040503050406030204" pitchFamily="18" charset="0"/>
+                          <a:ea typeface="Cambria Math" panose="02040503050406030204" pitchFamily="18" charset="0"/>
+                        </a:rPr>
+                        <m:t>𝜃</m:t>
+                      </m:r>
+                    </m:oMath>
+                  </m:oMathPara>
+                </a14:m>
+                <a:endParaRPr lang="en-US" sz="2400" dirty="0"/>
+              </a:p>
+            </p:txBody>
+          </p:sp>
+        </mc:Choice>
+        <mc:Fallback>
+          <p:sp>
+            <p:nvSpPr>
+              <p:cNvPr id="33" name="TextBox 32">
+                <a:extLst>
+                  <a:ext uri="{FF2B5EF4-FFF2-40B4-BE49-F238E27FC236}">
+                    <a16:creationId xmlns:a16="http://schemas.microsoft.com/office/drawing/2014/main" id="{D6B7D2A0-03D3-6B3E-2F46-A6578B0E7872}"/>
+                  </a:ext>
+                </a:extLst>
+              </p:cNvPr>
+              <p:cNvSpPr txBox="1">
+                <a:spLocks noRot="1" noChangeAspect="1" noMove="1" noResize="1" noEditPoints="1" noAdjustHandles="1" noChangeArrowheads="1" noChangeShapeType="1" noTextEdit="1"/>
+              </p:cNvSpPr>
+              <p:nvPr/>
+            </p:nvSpPr>
+            <p:spPr>
+              <a:xfrm>
+                <a:off x="4416142" y="3020955"/>
+                <a:ext cx="244682" cy="369332"/>
+              </a:xfrm>
+              <a:prstGeom prst="rect">
+                <a:avLst/>
+              </a:prstGeom>
+              <a:blipFill>
+                <a:blip r:embed="rId3"/>
+                <a:stretch>
+                  <a:fillRect l="-29268" r="-24390" b="-5000"/>
+                </a:stretch>
+              </a:blipFill>
+            </p:spPr>
+            <p:txBody>
+              <a:bodyPr/>
+              <a:lstStyle/>
+              <a:p>
+                <a:r>
+                  <a:rPr lang="en-US">
+                    <a:noFill/>
+                  </a:rPr>
+                  <a:t> </a:t>
+                </a:r>
+              </a:p>
+            </p:txBody>
+          </p:sp>
+        </mc:Fallback>
+      </mc:AlternateContent>
+      <p:cxnSp>
+        <p:nvCxnSpPr>
+          <p:cNvPr id="34" name="Straight Arrow Connector 33">
+            <a:extLst>
+              <a:ext uri="{FF2B5EF4-FFF2-40B4-BE49-F238E27FC236}">
+                <a16:creationId xmlns:a16="http://schemas.microsoft.com/office/drawing/2014/main" id="{8E939501-1BFC-B5B0-EAC3-ECCB023D2307}"/>
+              </a:ext>
+            </a:extLst>
+          </p:cNvPr>
+          <p:cNvCxnSpPr>
+            <a:cxnSpLocks/>
+          </p:cNvCxnSpPr>
+          <p:nvPr/>
+        </p:nvCxnSpPr>
+        <p:spPr>
+          <a:xfrm flipH="1">
+            <a:off x="5180025" y="4082510"/>
+            <a:ext cx="495634" cy="392402"/>
+          </a:xfrm>
+          <a:prstGeom prst="straightConnector1">
+            <a:avLst/>
+          </a:prstGeom>
+          <a:ln w="31750">
+            <a:solidFill>
+              <a:schemeClr val="tx1"/>
+            </a:solidFill>
+            <a:tailEnd type="stealth" w="med" len="lg"/>
+          </a:ln>
+        </p:spPr>
+        <p:style>
+          <a:lnRef idx="2">
+            <a:schemeClr val="accent1"/>
+          </a:lnRef>
+          <a:fillRef idx="0">
+            <a:schemeClr val="accent1"/>
+          </a:fillRef>
+          <a:effectRef idx="1">
+            <a:schemeClr val="accent1"/>
+          </a:effectRef>
+          <a:fontRef idx="minor">
+            <a:schemeClr val="tx1"/>
+          </a:fontRef>
+        </p:style>
+      </p:cxnSp>
+      <mc:AlternateContent xmlns:mc="http://schemas.openxmlformats.org/markup-compatibility/2006">
+        <mc:Choice xmlns:a14="http://schemas.microsoft.com/office/drawing/2010/main" Requires="a14">
+          <p:sp>
+            <p:nvSpPr>
+              <p:cNvPr id="37" name="TextBox 36">
+                <a:extLst>
+                  <a:ext uri="{FF2B5EF4-FFF2-40B4-BE49-F238E27FC236}">
+                    <a16:creationId xmlns:a16="http://schemas.microsoft.com/office/drawing/2014/main" id="{C8217F18-661B-ED63-07B5-FF0C9AEDB0EE}"/>
+                  </a:ext>
+                </a:extLst>
+              </p:cNvPr>
+              <p:cNvSpPr txBox="1"/>
+              <p:nvPr/>
+            </p:nvSpPr>
+            <p:spPr>
+              <a:xfrm>
+                <a:off x="5299761" y="4303758"/>
+                <a:ext cx="178254" cy="276999"/>
+              </a:xfrm>
+              <a:prstGeom prst="rect">
+                <a:avLst/>
+              </a:prstGeom>
+              <a:noFill/>
+            </p:spPr>
+            <p:txBody>
+              <a:bodyPr wrap="square" lIns="0" tIns="0" rIns="0" bIns="0" rtlCol="0">
+                <a:spAutoFit/>
+              </a:bodyPr>
+              <a:lstStyle/>
+              <a:p>
+                <a:pPr/>
+                <a14:m>
+                  <m:oMathPara xmlns:m="http://schemas.openxmlformats.org/officeDocument/2006/math">
+                    <m:oMathParaPr>
+                      <m:jc m:val="centerGroup"/>
+                    </m:oMathParaPr>
+                    <m:oMath xmlns:m="http://schemas.openxmlformats.org/officeDocument/2006/math">
+                      <m:acc>
+                        <m:accPr>
+                          <m:chr m:val="⃗"/>
+                          <m:ctrlPr>
+                            <a:rPr lang="en-US" i="1" smtClean="0">
+                              <a:latin typeface="Cambria Math" panose="02040503050406030204" pitchFamily="18" charset="0"/>
+                            </a:rPr>
+                          </m:ctrlPr>
+                        </m:accPr>
+                        <m:e>
+                          <m:r>
+                            <a:rPr lang="en-US" b="0" i="1" smtClean="0">
+                              <a:latin typeface="Cambria Math" panose="02040503050406030204" pitchFamily="18" charset="0"/>
+                            </a:rPr>
+                            <m:t>𝑣</m:t>
+                          </m:r>
+                        </m:e>
+                      </m:acc>
+                    </m:oMath>
+                  </m:oMathPara>
+                </a14:m>
+                <a:endParaRPr lang="en-US" dirty="0"/>
+              </a:p>
+            </p:txBody>
+          </p:sp>
+        </mc:Choice>
+        <mc:Fallback>
+          <p:sp>
+            <p:nvSpPr>
+              <p:cNvPr id="37" name="TextBox 36">
+                <a:extLst>
+                  <a:ext uri="{FF2B5EF4-FFF2-40B4-BE49-F238E27FC236}">
+                    <a16:creationId xmlns:a16="http://schemas.microsoft.com/office/drawing/2014/main" id="{C8217F18-661B-ED63-07B5-FF0C9AEDB0EE}"/>
+                  </a:ext>
+                </a:extLst>
+              </p:cNvPr>
+              <p:cNvSpPr txBox="1">
+                <a:spLocks noRot="1" noChangeAspect="1" noMove="1" noResize="1" noEditPoints="1" noAdjustHandles="1" noChangeArrowheads="1" noChangeShapeType="1" noTextEdit="1"/>
+              </p:cNvSpPr>
+              <p:nvPr/>
+            </p:nvSpPr>
+            <p:spPr>
+              <a:xfrm>
+                <a:off x="5299761" y="4303758"/>
+                <a:ext cx="178254" cy="276999"/>
+              </a:xfrm>
+              <a:prstGeom prst="rect">
+                <a:avLst/>
+              </a:prstGeom>
+              <a:blipFill>
+                <a:blip r:embed="rId4"/>
+                <a:stretch>
+                  <a:fillRect l="-30000" t="-48889" r="-103333" b="-8889"/>
+                </a:stretch>
+              </a:blipFill>
+            </p:spPr>
+            <p:txBody>
+              <a:bodyPr/>
+              <a:lstStyle/>
+              <a:p>
+                <a:r>
+                  <a:rPr lang="en-US">
+                    <a:noFill/>
+                  </a:rPr>
+                  <a:t> </a:t>
+                </a:r>
+              </a:p>
+            </p:txBody>
+          </p:sp>
+        </mc:Fallback>
+      </mc:AlternateContent>
+      <p:sp>
+        <p:nvSpPr>
+          <p:cNvPr id="38" name="Rectangle 37">
+            <a:extLst>
+              <a:ext uri="{FF2B5EF4-FFF2-40B4-BE49-F238E27FC236}">
+                <a16:creationId xmlns:a16="http://schemas.microsoft.com/office/drawing/2014/main" id="{EF08A869-02B0-A726-CF90-20753C4946D6}"/>
+              </a:ext>
+            </a:extLst>
+          </p:cNvPr>
+          <p:cNvSpPr/>
+          <p:nvPr/>
+        </p:nvSpPr>
+        <p:spPr>
+          <a:xfrm>
+            <a:off x="5575300" y="2871051"/>
+            <a:ext cx="116895" cy="123723"/>
+          </a:xfrm>
+          <a:prstGeom prst="rect">
+            <a:avLst/>
+          </a:prstGeom>
+          <a:noFill/>
+        </p:spPr>
+        <p:style>
+          <a:lnRef idx="2">
+            <a:schemeClr val="accent1">
+              <a:shade val="15000"/>
+            </a:schemeClr>
+          </a:lnRef>
+          <a:fillRef idx="1">
+            <a:schemeClr val="accent1"/>
+          </a:fillRef>
+          <a:effectRef idx="0">
+            <a:schemeClr val="accent1"/>
+          </a:effectRef>
+          <a:fontRef idx="minor">
+            <a:schemeClr val="lt1"/>
+          </a:fontRef>
+        </p:style>
+        <p:txBody>
+          <a:bodyPr rtlCol="0" anchor="ctr"/>
+          <a:lstStyle/>
+          <a:p>
+            <a:pPr algn="ctr"/>
+            <a:endParaRPr lang="en-US"/>
+          </a:p>
+        </p:txBody>
+      </p:sp>
+      <p:cxnSp>
+        <p:nvCxnSpPr>
+          <p:cNvPr id="39" name="Straight Arrow Connector 38">
+            <a:extLst>
+              <a:ext uri="{FF2B5EF4-FFF2-40B4-BE49-F238E27FC236}">
+                <a16:creationId xmlns:a16="http://schemas.microsoft.com/office/drawing/2014/main" id="{91DD3EA2-ED36-5D6E-CB8A-987E2ACEA5D5}"/>
+              </a:ext>
+            </a:extLst>
+          </p:cNvPr>
+          <p:cNvCxnSpPr>
+            <a:cxnSpLocks/>
+          </p:cNvCxnSpPr>
+          <p:nvPr/>
+        </p:nvCxnSpPr>
+        <p:spPr>
+          <a:xfrm>
+            <a:off x="5692727" y="4057795"/>
+            <a:ext cx="5691" cy="684305"/>
+          </a:xfrm>
+          <a:prstGeom prst="straightConnector1">
+            <a:avLst/>
+          </a:prstGeom>
+          <a:ln w="25400">
+            <a:solidFill>
+              <a:schemeClr val="tx1"/>
+            </a:solidFill>
+            <a:tailEnd type="stealth" w="med" len="lg"/>
+          </a:ln>
+        </p:spPr>
+        <p:style>
+          <a:lnRef idx="2">
+            <a:schemeClr val="accent1"/>
+          </a:lnRef>
+          <a:fillRef idx="0">
+            <a:schemeClr val="accent1"/>
+          </a:fillRef>
+          <a:effectRef idx="1">
+            <a:schemeClr val="accent1"/>
+          </a:effectRef>
+          <a:fontRef idx="minor">
+            <a:schemeClr val="tx1"/>
+          </a:fontRef>
+        </p:style>
+      </p:cxnSp>
+      <mc:AlternateContent xmlns:mc="http://schemas.openxmlformats.org/markup-compatibility/2006">
+        <mc:Choice xmlns:a14="http://schemas.microsoft.com/office/drawing/2010/main" Requires="a14">
+          <p:sp>
+            <p:nvSpPr>
+              <p:cNvPr id="41" name="TextBox 40">
+                <a:extLst>
+                  <a:ext uri="{FF2B5EF4-FFF2-40B4-BE49-F238E27FC236}">
+                    <a16:creationId xmlns:a16="http://schemas.microsoft.com/office/drawing/2014/main" id="{C7030953-CD0C-6D7B-8F6A-AE6FA1DDD38A}"/>
+                  </a:ext>
+                </a:extLst>
+              </p:cNvPr>
+              <p:cNvSpPr txBox="1"/>
+              <p:nvPr/>
+            </p:nvSpPr>
+            <p:spPr>
+              <a:xfrm>
+                <a:off x="5753537" y="4442258"/>
+                <a:ext cx="389466" cy="276999"/>
+              </a:xfrm>
+              <a:prstGeom prst="rect">
+                <a:avLst/>
+              </a:prstGeom>
+              <a:noFill/>
+            </p:spPr>
+            <p:txBody>
+              <a:bodyPr wrap="none" lIns="0" tIns="0" rIns="0" bIns="0" rtlCol="0">
+                <a:spAutoFit/>
+              </a:bodyPr>
+              <a:lstStyle/>
+              <a:p>
+                <a:pPr/>
+                <a14:m>
+                  <m:oMathPara xmlns:m="http://schemas.openxmlformats.org/officeDocument/2006/math">
+                    <m:oMathParaPr>
+                      <m:jc m:val="centerGroup"/>
+                    </m:oMathParaPr>
+                    <m:oMath xmlns:m="http://schemas.openxmlformats.org/officeDocument/2006/math">
+                      <m:r>
+                        <a:rPr lang="en-US" b="0" i="1" smtClean="0">
+                          <a:latin typeface="Cambria Math" panose="02040503050406030204" pitchFamily="18" charset="0"/>
+                        </a:rPr>
+                        <m:t>𝑚</m:t>
+                      </m:r>
+                      <m:acc>
+                        <m:accPr>
+                          <m:chr m:val="⃗"/>
+                          <m:ctrlPr>
+                            <a:rPr lang="en-US" i="1" smtClean="0">
+                              <a:latin typeface="Cambria Math" panose="02040503050406030204" pitchFamily="18" charset="0"/>
+                            </a:rPr>
+                          </m:ctrlPr>
+                        </m:accPr>
+                        <m:e>
+                          <m:r>
+                            <a:rPr lang="en-US" b="0" i="1" smtClean="0">
+                              <a:latin typeface="Cambria Math" panose="02040503050406030204" pitchFamily="18" charset="0"/>
+                            </a:rPr>
+                            <m:t>𝑔</m:t>
+                          </m:r>
+                        </m:e>
+                      </m:acc>
+                    </m:oMath>
+                  </m:oMathPara>
+                </a14:m>
+                <a:endParaRPr lang="en-US" dirty="0"/>
+              </a:p>
+            </p:txBody>
+          </p:sp>
+        </mc:Choice>
+        <mc:Fallback>
+          <p:sp>
+            <p:nvSpPr>
+              <p:cNvPr id="41" name="TextBox 40">
+                <a:extLst>
+                  <a:ext uri="{FF2B5EF4-FFF2-40B4-BE49-F238E27FC236}">
+                    <a16:creationId xmlns:a16="http://schemas.microsoft.com/office/drawing/2014/main" id="{C7030953-CD0C-6D7B-8F6A-AE6FA1DDD38A}"/>
+                  </a:ext>
+                </a:extLst>
+              </p:cNvPr>
+              <p:cNvSpPr txBox="1">
+                <a:spLocks noRot="1" noChangeAspect="1" noMove="1" noResize="1" noEditPoints="1" noAdjustHandles="1" noChangeArrowheads="1" noChangeShapeType="1" noTextEdit="1"/>
+              </p:cNvSpPr>
+              <p:nvPr/>
+            </p:nvSpPr>
+            <p:spPr>
+              <a:xfrm>
+                <a:off x="5753537" y="4442258"/>
+                <a:ext cx="389466" cy="276999"/>
+              </a:xfrm>
+              <a:prstGeom prst="rect">
+                <a:avLst/>
+              </a:prstGeom>
+              <a:blipFill>
+                <a:blip r:embed="rId5"/>
+                <a:stretch>
+                  <a:fillRect l="-9375" t="-48889" r="-89063" b="-26667"/>
+                </a:stretch>
+              </a:blipFill>
+            </p:spPr>
+            <p:txBody>
+              <a:bodyPr/>
+              <a:lstStyle/>
+              <a:p>
+                <a:r>
+                  <a:rPr lang="en-US">
+                    <a:noFill/>
+                  </a:rPr>
+                  <a:t> </a:t>
+                </a:r>
+              </a:p>
+            </p:txBody>
+          </p:sp>
+        </mc:Fallback>
+      </mc:AlternateContent>
+      <p:cxnSp>
+        <p:nvCxnSpPr>
+          <p:cNvPr id="45" name="Straight Connector 44">
+            <a:extLst>
+              <a:ext uri="{FF2B5EF4-FFF2-40B4-BE49-F238E27FC236}">
+                <a16:creationId xmlns:a16="http://schemas.microsoft.com/office/drawing/2014/main" id="{7255B781-1D5A-7962-1CB3-9698822EB015}"/>
+              </a:ext>
+            </a:extLst>
+          </p:cNvPr>
+          <p:cNvCxnSpPr>
+            <a:cxnSpLocks/>
+          </p:cNvCxnSpPr>
+          <p:nvPr/>
+        </p:nvCxnSpPr>
+        <p:spPr>
+          <a:xfrm>
+            <a:off x="4708776" y="4199875"/>
+            <a:ext cx="983475" cy="538768"/>
+          </a:xfrm>
+          <a:prstGeom prst="line">
+            <a:avLst/>
+          </a:prstGeom>
+          <a:ln w="12700">
+            <a:solidFill>
+              <a:schemeClr val="tx1"/>
+            </a:solidFill>
+            <a:prstDash val="dash"/>
+          </a:ln>
+        </p:spPr>
+        <p:style>
+          <a:lnRef idx="2">
+            <a:schemeClr val="accent1"/>
+          </a:lnRef>
+          <a:fillRef idx="0">
+            <a:schemeClr val="accent1"/>
+          </a:fillRef>
+          <a:effectRef idx="1">
+            <a:schemeClr val="accent1"/>
+          </a:effectRef>
+          <a:fontRef idx="minor">
+            <a:schemeClr val="tx1"/>
+          </a:fontRef>
+        </p:style>
+      </p:cxnSp>
+      <p:sp>
+        <p:nvSpPr>
+          <p:cNvPr id="47" name="Arc 46">
+            <a:extLst>
+              <a:ext uri="{FF2B5EF4-FFF2-40B4-BE49-F238E27FC236}">
+                <a16:creationId xmlns:a16="http://schemas.microsoft.com/office/drawing/2014/main" id="{C2EA4722-5AFD-8424-DF23-592BE52B9263}"/>
+              </a:ext>
+            </a:extLst>
+          </p:cNvPr>
+          <p:cNvSpPr/>
+          <p:nvPr/>
+        </p:nvSpPr>
+        <p:spPr>
+          <a:xfrm rot="16625698">
+            <a:off x="5577866" y="4569805"/>
+            <a:ext cx="224193" cy="242595"/>
+          </a:xfrm>
+          <a:prstGeom prst="arc">
+            <a:avLst/>
+          </a:prstGeom>
+          <a:ln w="12700">
+            <a:solidFill>
+              <a:schemeClr val="tx1"/>
+            </a:solidFill>
+          </a:ln>
+        </p:spPr>
+        <p:style>
+          <a:lnRef idx="2">
+            <a:schemeClr val="accent1"/>
+          </a:lnRef>
+          <a:fillRef idx="0">
+            <a:schemeClr val="accent1"/>
+          </a:fillRef>
+          <a:effectRef idx="1">
+            <a:schemeClr val="accent1"/>
+          </a:effectRef>
+          <a:fontRef idx="minor">
+            <a:schemeClr val="tx1"/>
+          </a:fontRef>
+        </p:style>
+        <p:txBody>
+          <a:bodyPr rtlCol="0" anchor="ctr"/>
+          <a:lstStyle/>
+          <a:p>
+            <a:pPr algn="ctr"/>
+            <a:endParaRPr lang="en-US"/>
+          </a:p>
+        </p:txBody>
+      </p:sp>
+      <mc:AlternateContent xmlns:mc="http://schemas.openxmlformats.org/markup-compatibility/2006">
+        <mc:Choice xmlns:a14="http://schemas.microsoft.com/office/drawing/2010/main" Requires="a14">
+          <p:sp>
+            <p:nvSpPr>
+              <p:cNvPr id="48" name="TextBox 47">
+                <a:extLst>
+                  <a:ext uri="{FF2B5EF4-FFF2-40B4-BE49-F238E27FC236}">
+                    <a16:creationId xmlns:a16="http://schemas.microsoft.com/office/drawing/2014/main" id="{DA673575-9415-86EB-4A9F-1C74846DE31A}"/>
+                  </a:ext>
+                </a:extLst>
+              </p:cNvPr>
+              <p:cNvSpPr txBox="1"/>
+              <p:nvPr/>
+            </p:nvSpPr>
+            <p:spPr>
+              <a:xfrm>
+                <a:off x="5524874" y="4386674"/>
+                <a:ext cx="163122" cy="246221"/>
+              </a:xfrm>
+              <a:prstGeom prst="rect">
+                <a:avLst/>
+              </a:prstGeom>
+              <a:noFill/>
+            </p:spPr>
+            <p:txBody>
+              <a:bodyPr wrap="none" lIns="0" tIns="0" rIns="0" bIns="0" rtlCol="0">
+                <a:spAutoFit/>
+              </a:bodyPr>
+              <a:lstStyle/>
+              <a:p>
+                <a:pPr/>
+                <a14:m>
+                  <m:oMathPara xmlns:m="http://schemas.openxmlformats.org/officeDocument/2006/math">
+                    <m:oMathParaPr>
+                      <m:jc m:val="centerGroup"/>
+                    </m:oMathParaPr>
+                    <m:oMath xmlns:m="http://schemas.openxmlformats.org/officeDocument/2006/math">
+                      <m:r>
+                        <a:rPr lang="en-US" sz="1600" i="1" smtClean="0">
+                          <a:latin typeface="Cambria Math" panose="02040503050406030204" pitchFamily="18" charset="0"/>
+                          <a:ea typeface="Cambria Math" panose="02040503050406030204" pitchFamily="18" charset="0"/>
+                        </a:rPr>
+                        <m:t>𝜃</m:t>
+                      </m:r>
+                    </m:oMath>
+                  </m:oMathPara>
+                </a14:m>
+                <a:endParaRPr lang="en-US" sz="1600" dirty="0"/>
+              </a:p>
+            </p:txBody>
+          </p:sp>
+        </mc:Choice>
+        <mc:Fallback>
+          <p:sp>
+            <p:nvSpPr>
+              <p:cNvPr id="48" name="TextBox 47">
+                <a:extLst>
+                  <a:ext uri="{FF2B5EF4-FFF2-40B4-BE49-F238E27FC236}">
+                    <a16:creationId xmlns:a16="http://schemas.microsoft.com/office/drawing/2014/main" id="{DA673575-9415-86EB-4A9F-1C74846DE31A}"/>
+                  </a:ext>
+                </a:extLst>
+              </p:cNvPr>
+              <p:cNvSpPr txBox="1">
+                <a:spLocks noRot="1" noChangeAspect="1" noMove="1" noResize="1" noEditPoints="1" noAdjustHandles="1" noChangeArrowheads="1" noChangeShapeType="1" noTextEdit="1"/>
+              </p:cNvSpPr>
+              <p:nvPr/>
+            </p:nvSpPr>
+            <p:spPr>
+              <a:xfrm>
+                <a:off x="5524874" y="4386674"/>
+                <a:ext cx="163122" cy="246221"/>
+              </a:xfrm>
+              <a:prstGeom prst="rect">
+                <a:avLst/>
+              </a:prstGeom>
+              <a:blipFill>
+                <a:blip r:embed="rId6"/>
+                <a:stretch>
+                  <a:fillRect l="-33333" r="-25926" b="-7500"/>
+                </a:stretch>
+              </a:blipFill>
+            </p:spPr>
+            <p:txBody>
+              <a:bodyPr/>
+              <a:lstStyle/>
+              <a:p>
+                <a:r>
+                  <a:rPr lang="en-US">
+                    <a:noFill/>
+                  </a:rPr>
+                  <a:t> </a:t>
+                </a:r>
+              </a:p>
+            </p:txBody>
+          </p:sp>
+        </mc:Fallback>
+      </mc:AlternateContent>
+      <p:cxnSp>
+        <p:nvCxnSpPr>
+          <p:cNvPr id="49" name="Straight Arrow Connector 48">
+            <a:extLst>
+              <a:ext uri="{FF2B5EF4-FFF2-40B4-BE49-F238E27FC236}">
+                <a16:creationId xmlns:a16="http://schemas.microsoft.com/office/drawing/2014/main" id="{DAC41CE0-878D-B8A5-6CC5-21F1456D6D73}"/>
+              </a:ext>
+            </a:extLst>
+          </p:cNvPr>
+          <p:cNvCxnSpPr>
+            <a:cxnSpLocks/>
+          </p:cNvCxnSpPr>
+          <p:nvPr/>
+        </p:nvCxnSpPr>
+        <p:spPr>
+          <a:xfrm>
+            <a:off x="3348897" y="3124934"/>
+            <a:ext cx="5691" cy="684305"/>
+          </a:xfrm>
+          <a:prstGeom prst="straightConnector1">
+            <a:avLst/>
+          </a:prstGeom>
+          <a:ln w="25400">
+            <a:solidFill>
+              <a:schemeClr val="tx1"/>
+            </a:solidFill>
+            <a:tailEnd type="stealth" w="med" len="lg"/>
+          </a:ln>
+        </p:spPr>
+        <p:style>
+          <a:lnRef idx="2">
+            <a:schemeClr val="accent1"/>
+          </a:lnRef>
+          <a:fillRef idx="0">
+            <a:schemeClr val="accent1"/>
+          </a:fillRef>
+          <a:effectRef idx="1">
+            <a:schemeClr val="accent1"/>
+          </a:effectRef>
+          <a:fontRef idx="minor">
+            <a:schemeClr val="tx1"/>
+          </a:fontRef>
+        </p:style>
+      </p:cxnSp>
+      <mc:AlternateContent xmlns:mc="http://schemas.openxmlformats.org/markup-compatibility/2006">
+        <mc:Choice xmlns:a14="http://schemas.microsoft.com/office/drawing/2010/main" Requires="a14">
+          <p:sp>
+            <p:nvSpPr>
+              <p:cNvPr id="50" name="TextBox 49">
+                <a:extLst>
+                  <a:ext uri="{FF2B5EF4-FFF2-40B4-BE49-F238E27FC236}">
+                    <a16:creationId xmlns:a16="http://schemas.microsoft.com/office/drawing/2014/main" id="{9F90BCD4-210F-3604-4787-3B4D26BE9C5B}"/>
+                  </a:ext>
+                </a:extLst>
+              </p:cNvPr>
+              <p:cNvSpPr txBox="1"/>
+              <p:nvPr/>
+            </p:nvSpPr>
+            <p:spPr>
+              <a:xfrm>
+                <a:off x="3409156" y="3510863"/>
+                <a:ext cx="191526" cy="276999"/>
+              </a:xfrm>
+              <a:prstGeom prst="rect">
+                <a:avLst/>
+              </a:prstGeom>
+              <a:noFill/>
+            </p:spPr>
+            <p:txBody>
+              <a:bodyPr wrap="none" lIns="0" tIns="0" rIns="0" bIns="0" rtlCol="0">
+                <a:spAutoFit/>
+              </a:bodyPr>
+              <a:lstStyle/>
+              <a:p>
+                <a:pPr/>
+                <a14:m>
+                  <m:oMathPara xmlns:m="http://schemas.openxmlformats.org/officeDocument/2006/math">
+                    <m:oMathParaPr>
+                      <m:jc m:val="centerGroup"/>
+                    </m:oMathParaPr>
+                    <m:oMath xmlns:m="http://schemas.openxmlformats.org/officeDocument/2006/math">
+                      <m:acc>
+                        <m:accPr>
+                          <m:chr m:val="⃗"/>
+                          <m:ctrlPr>
+                            <a:rPr lang="en-US" i="1" smtClean="0">
+                              <a:latin typeface="Cambria Math" panose="02040503050406030204" pitchFamily="18" charset="0"/>
+                            </a:rPr>
+                          </m:ctrlPr>
+                        </m:accPr>
+                        <m:e>
+                          <m:r>
+                            <a:rPr lang="en-US" b="0" i="1" smtClean="0">
+                              <a:latin typeface="Cambria Math" panose="02040503050406030204" pitchFamily="18" charset="0"/>
+                            </a:rPr>
+                            <m:t>𝑔</m:t>
+                          </m:r>
+                        </m:e>
+                      </m:acc>
+                    </m:oMath>
+                  </m:oMathPara>
+                </a14:m>
+                <a:endParaRPr lang="en-US" dirty="0"/>
+              </a:p>
+            </p:txBody>
+          </p:sp>
+        </mc:Choice>
+        <mc:Fallback>
+          <p:sp>
+            <p:nvSpPr>
+              <p:cNvPr id="50" name="TextBox 49">
+                <a:extLst>
+                  <a:ext uri="{FF2B5EF4-FFF2-40B4-BE49-F238E27FC236}">
+                    <a16:creationId xmlns:a16="http://schemas.microsoft.com/office/drawing/2014/main" id="{9F90BCD4-210F-3604-4787-3B4D26BE9C5B}"/>
+                  </a:ext>
+                </a:extLst>
+              </p:cNvPr>
+              <p:cNvSpPr txBox="1">
+                <a:spLocks noRot="1" noChangeAspect="1" noMove="1" noResize="1" noEditPoints="1" noAdjustHandles="1" noChangeArrowheads="1" noChangeShapeType="1" noTextEdit="1"/>
+              </p:cNvSpPr>
+              <p:nvPr/>
+            </p:nvSpPr>
+            <p:spPr>
+              <a:xfrm>
+                <a:off x="3409156" y="3510863"/>
+                <a:ext cx="191526" cy="276999"/>
+              </a:xfrm>
+              <a:prstGeom prst="rect">
+                <a:avLst/>
+              </a:prstGeom>
+              <a:blipFill>
+                <a:blip r:embed="rId7"/>
+                <a:stretch>
+                  <a:fillRect l="-31250" t="-48889" r="-103125" b="-26667"/>
+                </a:stretch>
+              </a:blipFill>
+            </p:spPr>
+            <p:txBody>
+              <a:bodyPr/>
+              <a:lstStyle/>
+              <a:p>
+                <a:r>
+                  <a:rPr lang="en-US">
+                    <a:noFill/>
+                  </a:rPr>
+                  <a:t> </a:t>
+                </a:r>
+              </a:p>
+            </p:txBody>
+          </p:sp>
+        </mc:Fallback>
+      </mc:AlternateContent>
+    </p:spTree>
+    <p:extLst>
+      <p:ext uri="{BB962C8B-B14F-4D97-AF65-F5344CB8AC3E}">
+        <p14:creationId xmlns:p14="http://schemas.microsoft.com/office/powerpoint/2010/main" val="2890795861"/>
+      </p:ext>
+    </p:extLst>
+  </p:cSld>
+  <p:clrMapOvr>
+    <a:masterClrMapping/>
+  </p:clrMapOvr>
+</p:sld>
+</file>
+
+<file path=ppt/slides/slide12.xml><?xml version="1.0" encoding="utf-8"?>
+<p:sld xmlns:a="http://schemas.openxmlformats.org/drawingml/2006/main" xmlns:r="http://schemas.openxmlformats.org/officeDocument/2006/relationships" xmlns:p="http://schemas.openxmlformats.org/presentationml/2006/main">
+  <p:cSld>
+    <p:spTree>
+      <p:nvGrpSpPr>
+        <p:cNvPr id="1" name=""/>
+        <p:cNvGrpSpPr/>
+        <p:nvPr/>
+      </p:nvGrpSpPr>
+      <p:grpSpPr>
+        <a:xfrm>
+          <a:off x="0" y="0"/>
+          <a:ext cx="0" cy="0"/>
+          <a:chOff x="0" y="0"/>
+          <a:chExt cx="0" cy="0"/>
+        </a:xfrm>
+      </p:grpSpPr>
+      <p:sp>
+        <p:nvSpPr>
+          <p:cNvPr id="16" name="Oval 15">
+            <a:extLst>
+              <a:ext uri="{FF2B5EF4-FFF2-40B4-BE49-F238E27FC236}">
+                <a16:creationId xmlns:a16="http://schemas.microsoft.com/office/drawing/2014/main" id="{ECE378A6-000A-1F7E-E6F3-3515C8EF86EE}"/>
+              </a:ext>
+            </a:extLst>
+          </p:cNvPr>
+          <p:cNvSpPr/>
+          <p:nvPr/>
+        </p:nvSpPr>
+        <p:spPr>
+          <a:xfrm>
+            <a:off x="3888635" y="3986814"/>
+            <a:ext cx="160644" cy="151224"/>
+          </a:xfrm>
+          <a:prstGeom prst="ellipse">
+            <a:avLst/>
+          </a:prstGeom>
+          <a:solidFill>
+            <a:schemeClr val="tx1"/>
+          </a:solidFill>
+          <a:ln>
+            <a:noFill/>
+          </a:ln>
+        </p:spPr>
+        <p:style>
+          <a:lnRef idx="2">
+            <a:schemeClr val="accent1">
+              <a:shade val="15000"/>
+            </a:schemeClr>
+          </a:lnRef>
+          <a:fillRef idx="1">
+            <a:schemeClr val="accent1"/>
+          </a:fillRef>
+          <a:effectRef idx="0">
+            <a:schemeClr val="accent1"/>
+          </a:effectRef>
+          <a:fontRef idx="minor">
+            <a:schemeClr val="lt1"/>
+          </a:fontRef>
+        </p:style>
+        <p:txBody>
+          <a:bodyPr rtlCol="0" anchor="ctr"/>
+          <a:lstStyle/>
+          <a:p>
+            <a:pPr algn="ctr"/>
+            <a:endParaRPr lang="en-US"/>
+          </a:p>
+        </p:txBody>
+      </p:sp>
+      <p:sp>
+        <p:nvSpPr>
+          <p:cNvPr id="18" name="Oval 17">
+            <a:extLst>
+              <a:ext uri="{FF2B5EF4-FFF2-40B4-BE49-F238E27FC236}">
+                <a16:creationId xmlns:a16="http://schemas.microsoft.com/office/drawing/2014/main" id="{116DEBF1-BF23-7C6E-A651-F2DE0A03B084}"/>
+              </a:ext>
+            </a:extLst>
+          </p:cNvPr>
+          <p:cNvSpPr/>
+          <p:nvPr/>
+        </p:nvSpPr>
+        <p:spPr>
+          <a:xfrm>
+            <a:off x="1991142" y="1186205"/>
+            <a:ext cx="4016828" cy="4016828"/>
+          </a:xfrm>
+          <a:prstGeom prst="ellipse">
+            <a:avLst/>
+          </a:prstGeom>
+          <a:noFill/>
+          <a:ln>
+            <a:prstDash val="dash"/>
+          </a:ln>
+        </p:spPr>
+        <p:style>
+          <a:lnRef idx="2">
+            <a:schemeClr val="accent1">
+              <a:shade val="15000"/>
+            </a:schemeClr>
+          </a:lnRef>
+          <a:fillRef idx="1">
+            <a:schemeClr val="accent1"/>
+          </a:fillRef>
+          <a:effectRef idx="0">
+            <a:schemeClr val="accent1"/>
+          </a:effectRef>
+          <a:fontRef idx="minor">
+            <a:schemeClr val="lt1"/>
+          </a:fontRef>
+        </p:style>
+        <p:txBody>
+          <a:bodyPr rtlCol="0" anchor="ctr"/>
+          <a:lstStyle/>
+          <a:p>
+            <a:pPr algn="ctr"/>
+            <a:endParaRPr lang="en-US"/>
+          </a:p>
+        </p:txBody>
+      </p:sp>
+      <p:cxnSp>
+        <p:nvCxnSpPr>
+          <p:cNvPr id="19" name="Straight Arrow Connector 18">
+            <a:extLst>
+              <a:ext uri="{FF2B5EF4-FFF2-40B4-BE49-F238E27FC236}">
+                <a16:creationId xmlns:a16="http://schemas.microsoft.com/office/drawing/2014/main" id="{68B6B45D-2AC0-52C5-423C-96BBAB975FCA}"/>
+              </a:ext>
+            </a:extLst>
+          </p:cNvPr>
+          <p:cNvCxnSpPr>
+            <a:cxnSpLocks/>
+            <a:endCxn id="18" idx="0"/>
+          </p:cNvCxnSpPr>
+          <p:nvPr/>
+        </p:nvCxnSpPr>
+        <p:spPr>
+          <a:xfrm flipV="1">
+            <a:off x="3991426" y="1186205"/>
+            <a:ext cx="8130" cy="2912058"/>
+          </a:xfrm>
+          <a:prstGeom prst="straightConnector1">
+            <a:avLst/>
+          </a:prstGeom>
+          <a:ln w="34925">
+            <a:solidFill>
+              <a:schemeClr val="tx1"/>
+            </a:solidFill>
+            <a:tailEnd type="stealth" w="med" len="lg"/>
+          </a:ln>
+        </p:spPr>
+        <p:style>
+          <a:lnRef idx="2">
+            <a:schemeClr val="accent1"/>
+          </a:lnRef>
+          <a:fillRef idx="0">
+            <a:schemeClr val="accent1"/>
+          </a:fillRef>
+          <a:effectRef idx="1">
+            <a:schemeClr val="accent1"/>
+          </a:effectRef>
+          <a:fontRef idx="minor">
+            <a:schemeClr val="tx1"/>
+          </a:fontRef>
+        </p:style>
+      </p:cxnSp>
+      <p:cxnSp>
+        <p:nvCxnSpPr>
+          <p:cNvPr id="22" name="Straight Arrow Connector 21">
+            <a:extLst>
+              <a:ext uri="{FF2B5EF4-FFF2-40B4-BE49-F238E27FC236}">
+                <a16:creationId xmlns:a16="http://schemas.microsoft.com/office/drawing/2014/main" id="{203E99D6-CC68-965A-ECAC-80294964C294}"/>
+              </a:ext>
+            </a:extLst>
+          </p:cNvPr>
+          <p:cNvCxnSpPr>
+            <a:cxnSpLocks/>
+          </p:cNvCxnSpPr>
+          <p:nvPr/>
+        </p:nvCxnSpPr>
+        <p:spPr>
+          <a:xfrm flipH="1" flipV="1">
+            <a:off x="3339966" y="1309036"/>
+            <a:ext cx="651010" cy="2789227"/>
+          </a:xfrm>
+          <a:prstGeom prst="straightConnector1">
+            <a:avLst/>
+          </a:prstGeom>
+          <a:ln w="34925">
+            <a:solidFill>
+              <a:schemeClr val="tx1"/>
+            </a:solidFill>
+            <a:tailEnd type="stealth" w="med" len="lg"/>
+          </a:ln>
+        </p:spPr>
+        <p:style>
+          <a:lnRef idx="2">
+            <a:schemeClr val="accent1"/>
+          </a:lnRef>
+          <a:fillRef idx="0">
+            <a:schemeClr val="accent1"/>
+          </a:fillRef>
+          <a:effectRef idx="1">
+            <a:schemeClr val="accent1"/>
+          </a:effectRef>
+          <a:fontRef idx="minor">
+            <a:schemeClr val="tx1"/>
+          </a:fontRef>
+        </p:style>
+      </p:cxnSp>
+      <p:cxnSp>
+        <p:nvCxnSpPr>
+          <p:cNvPr id="24" name="Straight Arrow Connector 23">
+            <a:extLst>
+              <a:ext uri="{FF2B5EF4-FFF2-40B4-BE49-F238E27FC236}">
+                <a16:creationId xmlns:a16="http://schemas.microsoft.com/office/drawing/2014/main" id="{069F70B9-4360-92B7-8170-C3A6B9F7D97F}"/>
+              </a:ext>
+            </a:extLst>
+          </p:cNvPr>
+          <p:cNvCxnSpPr>
+            <a:cxnSpLocks/>
+            <a:endCxn id="18" idx="1"/>
+          </p:cNvCxnSpPr>
+          <p:nvPr/>
+        </p:nvCxnSpPr>
+        <p:spPr>
+          <a:xfrm flipH="1" flipV="1">
+            <a:off x="2579393" y="1774456"/>
+            <a:ext cx="1400233" cy="2293681"/>
+          </a:xfrm>
+          <a:prstGeom prst="straightConnector1">
+            <a:avLst/>
+          </a:prstGeom>
+          <a:ln w="34925">
+            <a:solidFill>
+              <a:schemeClr val="tx1"/>
+            </a:solidFill>
+            <a:tailEnd type="stealth" w="med" len="lg"/>
+          </a:ln>
+        </p:spPr>
+        <p:style>
+          <a:lnRef idx="2">
+            <a:schemeClr val="accent1"/>
+          </a:lnRef>
+          <a:fillRef idx="0">
+            <a:schemeClr val="accent1"/>
+          </a:fillRef>
+          <a:effectRef idx="1">
+            <a:schemeClr val="accent1"/>
+          </a:effectRef>
+          <a:fontRef idx="minor">
+            <a:schemeClr val="tx1"/>
+          </a:fontRef>
+        </p:style>
+      </p:cxnSp>
+      <p:cxnSp>
+        <p:nvCxnSpPr>
+          <p:cNvPr id="26" name="Straight Arrow Connector 25">
+            <a:extLst>
+              <a:ext uri="{FF2B5EF4-FFF2-40B4-BE49-F238E27FC236}">
+                <a16:creationId xmlns:a16="http://schemas.microsoft.com/office/drawing/2014/main" id="{100EC664-4751-AC6F-6052-FBC39E950662}"/>
+              </a:ext>
+            </a:extLst>
+          </p:cNvPr>
+          <p:cNvCxnSpPr>
+            <a:cxnSpLocks/>
+          </p:cNvCxnSpPr>
+          <p:nvPr/>
+        </p:nvCxnSpPr>
+        <p:spPr>
+          <a:xfrm flipH="1" flipV="1">
+            <a:off x="2002262" y="2794256"/>
+            <a:ext cx="2004356" cy="1256310"/>
+          </a:xfrm>
+          <a:prstGeom prst="straightConnector1">
+            <a:avLst/>
+          </a:prstGeom>
+          <a:ln w="34925">
+            <a:solidFill>
+              <a:schemeClr val="tx1"/>
+            </a:solidFill>
+            <a:tailEnd type="stealth" w="med" len="lg"/>
+          </a:ln>
+        </p:spPr>
+        <p:style>
+          <a:lnRef idx="2">
+            <a:schemeClr val="accent1"/>
+          </a:lnRef>
+          <a:fillRef idx="0">
+            <a:schemeClr val="accent1"/>
+          </a:fillRef>
+          <a:effectRef idx="1">
+            <a:schemeClr val="accent1"/>
+          </a:effectRef>
+          <a:fontRef idx="minor">
+            <a:schemeClr val="tx1"/>
+          </a:fontRef>
+        </p:style>
+      </p:cxnSp>
+      <p:cxnSp>
+        <p:nvCxnSpPr>
+          <p:cNvPr id="28" name="Straight Arrow Connector 27">
+            <a:extLst>
+              <a:ext uri="{FF2B5EF4-FFF2-40B4-BE49-F238E27FC236}">
+                <a16:creationId xmlns:a16="http://schemas.microsoft.com/office/drawing/2014/main" id="{8910F6BE-D67E-9812-976D-288959554C32}"/>
+              </a:ext>
+            </a:extLst>
+          </p:cNvPr>
+          <p:cNvCxnSpPr>
+            <a:cxnSpLocks/>
+          </p:cNvCxnSpPr>
+          <p:nvPr/>
+        </p:nvCxnSpPr>
+        <p:spPr>
+          <a:xfrm flipH="1" flipV="1">
+            <a:off x="2067560" y="3688450"/>
+            <a:ext cx="1966917" cy="368584"/>
+          </a:xfrm>
+          <a:prstGeom prst="straightConnector1">
+            <a:avLst/>
+          </a:prstGeom>
+          <a:ln w="34925">
+            <a:solidFill>
+              <a:schemeClr val="tx1"/>
+            </a:solidFill>
+            <a:tailEnd type="stealth" w="med" len="lg"/>
+          </a:ln>
+        </p:spPr>
+        <p:style>
+          <a:lnRef idx="2">
+            <a:schemeClr val="accent1"/>
+          </a:lnRef>
+          <a:fillRef idx="0">
+            <a:schemeClr val="accent1"/>
+          </a:fillRef>
+          <a:effectRef idx="1">
+            <a:schemeClr val="accent1"/>
+          </a:effectRef>
+          <a:fontRef idx="minor">
+            <a:schemeClr val="tx1"/>
+          </a:fontRef>
+        </p:style>
+      </p:cxnSp>
+      <p:cxnSp>
+        <p:nvCxnSpPr>
+          <p:cNvPr id="33" name="Straight Arrow Connector 32">
+            <a:extLst>
+              <a:ext uri="{FF2B5EF4-FFF2-40B4-BE49-F238E27FC236}">
+                <a16:creationId xmlns:a16="http://schemas.microsoft.com/office/drawing/2014/main" id="{F7BE7C37-D374-4B44-B53A-C41BD942E642}"/>
+              </a:ext>
+            </a:extLst>
+          </p:cNvPr>
+          <p:cNvCxnSpPr>
+            <a:cxnSpLocks/>
+          </p:cNvCxnSpPr>
+          <p:nvPr/>
+        </p:nvCxnSpPr>
+        <p:spPr>
+          <a:xfrm flipH="1">
+            <a:off x="2552579" y="4054177"/>
+            <a:ext cx="1431446" cy="543601"/>
+          </a:xfrm>
+          <a:prstGeom prst="straightConnector1">
+            <a:avLst/>
+          </a:prstGeom>
+          <a:ln w="34925">
+            <a:solidFill>
+              <a:schemeClr val="tx1"/>
+            </a:solidFill>
+            <a:tailEnd type="stealth" w="med" len="lg"/>
+          </a:ln>
+        </p:spPr>
+        <p:style>
+          <a:lnRef idx="2">
+            <a:schemeClr val="accent1"/>
+          </a:lnRef>
+          <a:fillRef idx="0">
+            <a:schemeClr val="accent1"/>
+          </a:fillRef>
+          <a:effectRef idx="1">
+            <a:schemeClr val="accent1"/>
+          </a:effectRef>
+          <a:fontRef idx="minor">
+            <a:schemeClr val="tx1"/>
+          </a:fontRef>
+        </p:style>
+      </p:cxnSp>
+      <p:cxnSp>
+        <p:nvCxnSpPr>
+          <p:cNvPr id="36" name="Straight Arrow Connector 35">
+            <a:extLst>
+              <a:ext uri="{FF2B5EF4-FFF2-40B4-BE49-F238E27FC236}">
+                <a16:creationId xmlns:a16="http://schemas.microsoft.com/office/drawing/2014/main" id="{E818B59E-F2DD-F6B3-D50D-22E29CCC388B}"/>
+              </a:ext>
+            </a:extLst>
+          </p:cNvPr>
+          <p:cNvCxnSpPr>
+            <a:cxnSpLocks/>
+            <a:stCxn id="16" idx="0"/>
+          </p:cNvCxnSpPr>
+          <p:nvPr/>
+        </p:nvCxnSpPr>
+        <p:spPr>
+          <a:xfrm flipH="1">
+            <a:off x="3926276" y="3986814"/>
+            <a:ext cx="42681" cy="1231282"/>
+          </a:xfrm>
+          <a:prstGeom prst="straightConnector1">
+            <a:avLst/>
+          </a:prstGeom>
+          <a:ln w="34925">
+            <a:solidFill>
+              <a:schemeClr val="tx1"/>
+            </a:solidFill>
+            <a:tailEnd type="stealth" w="med" len="lg"/>
+          </a:ln>
+        </p:spPr>
+        <p:style>
+          <a:lnRef idx="2">
+            <a:schemeClr val="accent1"/>
+          </a:lnRef>
+          <a:fillRef idx="0">
+            <a:schemeClr val="accent1"/>
+          </a:fillRef>
+          <a:effectRef idx="1">
+            <a:schemeClr val="accent1"/>
+          </a:effectRef>
+          <a:fontRef idx="minor">
+            <a:schemeClr val="tx1"/>
+          </a:fontRef>
+        </p:style>
+      </p:cxnSp>
+      <mc:AlternateContent xmlns:mc="http://schemas.openxmlformats.org/markup-compatibility/2006">
+        <mc:Choice xmlns:a14="http://schemas.microsoft.com/office/drawing/2010/main" Requires="a14">
+          <p:sp>
+            <p:nvSpPr>
+              <p:cNvPr id="41" name="TextBox 40">
+                <a:extLst>
+                  <a:ext uri="{FF2B5EF4-FFF2-40B4-BE49-F238E27FC236}">
+                    <a16:creationId xmlns:a16="http://schemas.microsoft.com/office/drawing/2014/main" id="{AEB9D472-94F7-7D14-A660-281A3D6FD1E9}"/>
+                  </a:ext>
+                </a:extLst>
+              </p:cNvPr>
+              <p:cNvSpPr txBox="1"/>
+              <p:nvPr/>
+            </p:nvSpPr>
+            <p:spPr>
+              <a:xfrm>
+                <a:off x="4027179" y="4436402"/>
+                <a:ext cx="190505" cy="430887"/>
+              </a:xfrm>
+              <a:prstGeom prst="rect">
+                <a:avLst/>
+              </a:prstGeom>
+              <a:noFill/>
+            </p:spPr>
+            <p:txBody>
+              <a:bodyPr wrap="square" lIns="0" tIns="0" rIns="0" bIns="0" rtlCol="0">
+                <a:spAutoFit/>
+              </a:bodyPr>
+              <a:lstStyle/>
+              <a:p>
+                <a:pPr/>
+                <a14:m>
+                  <m:oMathPara xmlns:m="http://schemas.openxmlformats.org/officeDocument/2006/math">
+                    <m:oMathParaPr>
+                      <m:jc m:val="centerGroup"/>
+                    </m:oMathParaPr>
+                    <m:oMath xmlns:m="http://schemas.openxmlformats.org/officeDocument/2006/math">
+                      <m:acc>
+                        <m:accPr>
+                          <m:chr m:val="⃗"/>
+                          <m:ctrlPr>
+                            <a:rPr lang="en-US" sz="2800" b="0" i="1" smtClean="0">
+                              <a:latin typeface="Cambria Math" panose="02040503050406030204" pitchFamily="18" charset="0"/>
+                            </a:rPr>
+                          </m:ctrlPr>
+                        </m:accPr>
+                        <m:e>
+                          <m:r>
+                            <a:rPr lang="en-US" sz="2800" b="0" i="1" smtClean="0">
+                              <a:latin typeface="Cambria Math" panose="02040503050406030204" pitchFamily="18" charset="0"/>
+                            </a:rPr>
+                            <m:t>𝑔</m:t>
+                          </m:r>
+                        </m:e>
+                      </m:acc>
+                    </m:oMath>
+                  </m:oMathPara>
+                </a14:m>
+                <a:endParaRPr lang="en-US" sz="2800" dirty="0"/>
+              </a:p>
+            </p:txBody>
+          </p:sp>
+        </mc:Choice>
+        <mc:Fallback>
+          <p:sp>
+            <p:nvSpPr>
+              <p:cNvPr id="41" name="TextBox 40">
+                <a:extLst>
+                  <a:ext uri="{FF2B5EF4-FFF2-40B4-BE49-F238E27FC236}">
+                    <a16:creationId xmlns:a16="http://schemas.microsoft.com/office/drawing/2014/main" id="{AEB9D472-94F7-7D14-A660-281A3D6FD1E9}"/>
+                  </a:ext>
+                </a:extLst>
+              </p:cNvPr>
+              <p:cNvSpPr txBox="1">
+                <a:spLocks noRot="1" noChangeAspect="1" noMove="1" noResize="1" noEditPoints="1" noAdjustHandles="1" noChangeArrowheads="1" noChangeShapeType="1" noTextEdit="1"/>
+              </p:cNvSpPr>
+              <p:nvPr/>
+            </p:nvSpPr>
+            <p:spPr>
+              <a:xfrm>
+                <a:off x="4027179" y="4436402"/>
+                <a:ext cx="190505" cy="430887"/>
+              </a:xfrm>
+              <a:prstGeom prst="rect">
+                <a:avLst/>
+              </a:prstGeom>
+              <a:blipFill>
+                <a:blip r:embed="rId2"/>
+                <a:stretch>
+                  <a:fillRect r="-9677"/>
+                </a:stretch>
+              </a:blipFill>
+            </p:spPr>
+            <p:txBody>
+              <a:bodyPr/>
+              <a:lstStyle/>
+              <a:p>
+                <a:r>
+                  <a:rPr lang="en-US">
+                    <a:noFill/>
+                  </a:rPr>
+                  <a:t> </a:t>
+                </a:r>
+              </a:p>
+            </p:txBody>
+          </p:sp>
+        </mc:Fallback>
+      </mc:AlternateContent>
+      <mc:AlternateContent xmlns:mc="http://schemas.openxmlformats.org/markup-compatibility/2006">
+        <mc:Choice xmlns:a14="http://schemas.microsoft.com/office/drawing/2010/main" Requires="a14">
+          <p:sp>
+            <p:nvSpPr>
+              <p:cNvPr id="42" name="TextBox 41">
+                <a:extLst>
+                  <a:ext uri="{FF2B5EF4-FFF2-40B4-BE49-F238E27FC236}">
+                    <a16:creationId xmlns:a16="http://schemas.microsoft.com/office/drawing/2014/main" id="{55BADBB7-BCB1-2B4D-2168-680E9CE1A110}"/>
+                  </a:ext>
+                </a:extLst>
+              </p:cNvPr>
+              <p:cNvSpPr txBox="1"/>
+              <p:nvPr/>
+            </p:nvSpPr>
+            <p:spPr>
+              <a:xfrm>
+                <a:off x="4028147" y="2944372"/>
+                <a:ext cx="190505" cy="430887"/>
+              </a:xfrm>
+              <a:prstGeom prst="rect">
+                <a:avLst/>
+              </a:prstGeom>
+              <a:noFill/>
+            </p:spPr>
+            <p:txBody>
+              <a:bodyPr wrap="square" lIns="0" tIns="0" rIns="0" bIns="0" rtlCol="0">
+                <a:spAutoFit/>
+              </a:bodyPr>
+              <a:lstStyle/>
+              <a:p>
+                <a:pPr/>
+                <a14:m>
+                  <m:oMathPara xmlns:m="http://schemas.openxmlformats.org/officeDocument/2006/math">
+                    <m:oMathParaPr>
+                      <m:jc m:val="centerGroup"/>
+                    </m:oMathParaPr>
+                    <m:oMath xmlns:m="http://schemas.openxmlformats.org/officeDocument/2006/math">
+                      <m:r>
+                        <a:rPr lang="en-US" sz="2800" b="0" i="1" smtClean="0">
+                          <a:latin typeface="Cambria Math" panose="02040503050406030204" pitchFamily="18" charset="0"/>
+                        </a:rPr>
+                        <m:t>−2</m:t>
+                      </m:r>
+                      <m:acc>
+                        <m:accPr>
+                          <m:chr m:val="⃗"/>
+                          <m:ctrlPr>
+                            <a:rPr lang="en-US" sz="2800" b="0" i="1" smtClean="0">
+                              <a:latin typeface="Cambria Math" panose="02040503050406030204" pitchFamily="18" charset="0"/>
+                            </a:rPr>
+                          </m:ctrlPr>
+                        </m:accPr>
+                        <m:e>
+                          <m:r>
+                            <a:rPr lang="en-US" sz="2800" b="0" i="1" smtClean="0">
+                              <a:latin typeface="Cambria Math" panose="02040503050406030204" pitchFamily="18" charset="0"/>
+                            </a:rPr>
+                            <m:t>𝑔</m:t>
+                          </m:r>
+                        </m:e>
+                      </m:acc>
+                    </m:oMath>
+                  </m:oMathPara>
+                </a14:m>
+                <a:endParaRPr lang="en-US" sz="2800" dirty="0"/>
+              </a:p>
+            </p:txBody>
+          </p:sp>
+        </mc:Choice>
+        <mc:Fallback>
+          <p:sp>
+            <p:nvSpPr>
+              <p:cNvPr id="42" name="TextBox 41">
+                <a:extLst>
+                  <a:ext uri="{FF2B5EF4-FFF2-40B4-BE49-F238E27FC236}">
+                    <a16:creationId xmlns:a16="http://schemas.microsoft.com/office/drawing/2014/main" id="{55BADBB7-BCB1-2B4D-2168-680E9CE1A110}"/>
+                  </a:ext>
+                </a:extLst>
+              </p:cNvPr>
+              <p:cNvSpPr txBox="1">
+                <a:spLocks noRot="1" noChangeAspect="1" noMove="1" noResize="1" noEditPoints="1" noAdjustHandles="1" noChangeArrowheads="1" noChangeShapeType="1" noTextEdit="1"/>
+              </p:cNvSpPr>
+              <p:nvPr/>
+            </p:nvSpPr>
+            <p:spPr>
+              <a:xfrm>
+                <a:off x="4028147" y="2944372"/>
+                <a:ext cx="190505" cy="430887"/>
+              </a:xfrm>
+              <a:prstGeom prst="rect">
+                <a:avLst/>
+              </a:prstGeom>
+              <a:blipFill>
+                <a:blip r:embed="rId3"/>
+                <a:stretch>
+                  <a:fillRect r="-258065"/>
+                </a:stretch>
+              </a:blipFill>
+            </p:spPr>
+            <p:txBody>
+              <a:bodyPr/>
+              <a:lstStyle/>
+              <a:p>
+                <a:r>
+                  <a:rPr lang="en-US">
+                    <a:noFill/>
+                  </a:rPr>
+                  <a:t> </a:t>
+                </a:r>
+              </a:p>
+            </p:txBody>
+          </p:sp>
+        </mc:Fallback>
+      </mc:AlternateContent>
+      <p:cxnSp>
+        <p:nvCxnSpPr>
+          <p:cNvPr id="43" name="Straight Arrow Connector 42">
+            <a:extLst>
+              <a:ext uri="{FF2B5EF4-FFF2-40B4-BE49-F238E27FC236}">
+                <a16:creationId xmlns:a16="http://schemas.microsoft.com/office/drawing/2014/main" id="{B1DC793B-98E4-ADAB-A737-97DD7DFD86DE}"/>
+              </a:ext>
+            </a:extLst>
+          </p:cNvPr>
+          <p:cNvCxnSpPr>
+            <a:cxnSpLocks/>
+          </p:cNvCxnSpPr>
+          <p:nvPr/>
+        </p:nvCxnSpPr>
+        <p:spPr>
+          <a:xfrm flipH="1" flipV="1">
+            <a:off x="9262180" y="3230880"/>
+            <a:ext cx="752927" cy="867383"/>
+          </a:xfrm>
+          <a:prstGeom prst="straightConnector1">
+            <a:avLst/>
+          </a:prstGeom>
+          <a:ln w="31750">
+            <a:solidFill>
+              <a:schemeClr val="tx1"/>
+            </a:solidFill>
+            <a:tailEnd type="stealth" w="med" len="lg"/>
+          </a:ln>
+        </p:spPr>
+        <p:style>
+          <a:lnRef idx="2">
+            <a:schemeClr val="accent1"/>
+          </a:lnRef>
+          <a:fillRef idx="0">
+            <a:schemeClr val="accent1"/>
+          </a:fillRef>
+          <a:effectRef idx="1">
+            <a:schemeClr val="accent1"/>
+          </a:effectRef>
+          <a:fontRef idx="minor">
+            <a:schemeClr val="tx1"/>
+          </a:fontRef>
+        </p:style>
+      </p:cxnSp>
+      <mc:AlternateContent xmlns:mc="http://schemas.openxmlformats.org/markup-compatibility/2006">
+        <mc:Choice xmlns:a14="http://schemas.microsoft.com/office/drawing/2010/main" Requires="a14">
+          <p:sp>
+            <p:nvSpPr>
+              <p:cNvPr id="44" name="TextBox 43">
+                <a:extLst>
+                  <a:ext uri="{FF2B5EF4-FFF2-40B4-BE49-F238E27FC236}">
+                    <a16:creationId xmlns:a16="http://schemas.microsoft.com/office/drawing/2014/main" id="{0CD6E254-972C-474B-ABC3-4181FD7FB5FA}"/>
+                  </a:ext>
+                </a:extLst>
+              </p:cNvPr>
+              <p:cNvSpPr txBox="1"/>
+              <p:nvPr/>
+            </p:nvSpPr>
+            <p:spPr>
+              <a:xfrm>
+                <a:off x="9388511" y="3109912"/>
+                <a:ext cx="254260" cy="276999"/>
+              </a:xfrm>
+              <a:prstGeom prst="rect">
+                <a:avLst/>
+              </a:prstGeom>
+              <a:noFill/>
+            </p:spPr>
+            <p:txBody>
+              <a:bodyPr wrap="square" lIns="0" tIns="0" rIns="0" bIns="0" rtlCol="0">
+                <a:spAutoFit/>
+              </a:bodyPr>
+              <a:lstStyle/>
+              <a:p>
+                <a:pPr/>
+                <a14:m>
+                  <m:oMathPara xmlns:m="http://schemas.openxmlformats.org/officeDocument/2006/math">
+                    <m:oMathParaPr>
+                      <m:jc m:val="centerGroup"/>
+                    </m:oMathParaPr>
+                    <m:oMath xmlns:m="http://schemas.openxmlformats.org/officeDocument/2006/math">
+                      <m:sSub>
+                        <m:sSubPr>
+                          <m:ctrlPr>
+                            <a:rPr lang="en-US" i="1" smtClean="0">
+                              <a:latin typeface="Cambria Math" panose="02040503050406030204" pitchFamily="18" charset="0"/>
+                              <a:ea typeface="Cambria Math" panose="02040503050406030204" pitchFamily="18" charset="0"/>
+                            </a:rPr>
+                          </m:ctrlPr>
+                        </m:sSubPr>
+                        <m:e>
+                          <m:acc>
+                            <m:accPr>
+                              <m:chr m:val="⃗"/>
+                              <m:ctrlPr>
+                                <a:rPr lang="en-US" i="1" smtClean="0">
+                                  <a:latin typeface="Cambria Math" panose="02040503050406030204" pitchFamily="18" charset="0"/>
+                                  <a:ea typeface="Cambria Math" panose="02040503050406030204" pitchFamily="18" charset="0"/>
+                                </a:rPr>
+                              </m:ctrlPr>
+                            </m:accPr>
+                            <m:e>
+                              <m:r>
+                                <a:rPr lang="en-US" i="1" smtClean="0">
+                                  <a:latin typeface="Cambria Math" panose="02040503050406030204" pitchFamily="18" charset="0"/>
+                                  <a:ea typeface="Cambria Math" panose="02040503050406030204" pitchFamily="18" charset="0"/>
+                                </a:rPr>
+                                <m:t>𝑎</m:t>
+                              </m:r>
+                            </m:e>
+                          </m:acc>
+                        </m:e>
+                        <m:sub>
+                          <m:r>
+                            <a:rPr lang="en-US" b="0" i="1" smtClean="0">
+                              <a:latin typeface="Cambria Math" panose="02040503050406030204" pitchFamily="18" charset="0"/>
+                              <a:ea typeface="Cambria Math" panose="02040503050406030204" pitchFamily="18" charset="0"/>
+                            </a:rPr>
+                            <m:t>𝑛</m:t>
+                          </m:r>
+                        </m:sub>
+                      </m:sSub>
+                    </m:oMath>
+                  </m:oMathPara>
+                </a14:m>
+                <a:endParaRPr lang="en-US" dirty="0"/>
+              </a:p>
+            </p:txBody>
+          </p:sp>
+        </mc:Choice>
+        <mc:Fallback>
+          <p:sp>
+            <p:nvSpPr>
+              <p:cNvPr id="44" name="TextBox 43">
+                <a:extLst>
+                  <a:ext uri="{FF2B5EF4-FFF2-40B4-BE49-F238E27FC236}">
+                    <a16:creationId xmlns:a16="http://schemas.microsoft.com/office/drawing/2014/main" id="{0CD6E254-972C-474B-ABC3-4181FD7FB5FA}"/>
+                  </a:ext>
+                </a:extLst>
+              </p:cNvPr>
+              <p:cNvSpPr txBox="1">
+                <a:spLocks noRot="1" noChangeAspect="1" noMove="1" noResize="1" noEditPoints="1" noAdjustHandles="1" noChangeArrowheads="1" noChangeShapeType="1" noTextEdit="1"/>
+              </p:cNvSpPr>
+              <p:nvPr/>
+            </p:nvSpPr>
+            <p:spPr>
+              <a:xfrm>
+                <a:off x="9388511" y="3109912"/>
+                <a:ext cx="254260" cy="276999"/>
+              </a:xfrm>
+              <a:prstGeom prst="rect">
+                <a:avLst/>
+              </a:prstGeom>
+              <a:blipFill>
+                <a:blip r:embed="rId4"/>
+                <a:stretch>
+                  <a:fillRect l="-30952" t="-45652" r="-66667" b="-10870"/>
+                </a:stretch>
+              </a:blipFill>
+            </p:spPr>
+            <p:txBody>
+              <a:bodyPr/>
+              <a:lstStyle/>
+              <a:p>
+                <a:r>
+                  <a:rPr lang="en-US">
+                    <a:noFill/>
+                  </a:rPr>
+                  <a:t> </a:t>
+                </a:r>
+              </a:p>
+            </p:txBody>
+          </p:sp>
+        </mc:Fallback>
+      </mc:AlternateContent>
+      <p:cxnSp>
+        <p:nvCxnSpPr>
+          <p:cNvPr id="47" name="Straight Arrow Connector 46">
+            <a:extLst>
+              <a:ext uri="{FF2B5EF4-FFF2-40B4-BE49-F238E27FC236}">
+                <a16:creationId xmlns:a16="http://schemas.microsoft.com/office/drawing/2014/main" id="{578D7ABC-86A8-7799-D611-51957E7BA409}"/>
+              </a:ext>
+            </a:extLst>
+          </p:cNvPr>
+          <p:cNvCxnSpPr>
+            <a:cxnSpLocks/>
+          </p:cNvCxnSpPr>
+          <p:nvPr/>
+        </p:nvCxnSpPr>
+        <p:spPr>
+          <a:xfrm>
+            <a:off x="8474075" y="4098263"/>
+            <a:ext cx="1541031" cy="0"/>
+          </a:xfrm>
+          <a:prstGeom prst="straightConnector1">
+            <a:avLst/>
+          </a:prstGeom>
+          <a:ln w="22225">
+            <a:solidFill>
+              <a:schemeClr val="tx1"/>
+            </a:solidFill>
+            <a:headEnd type="stealth" w="med" len="lg"/>
+            <a:tailEnd type="none" w="med" len="lg"/>
+          </a:ln>
+        </p:spPr>
+        <p:style>
+          <a:lnRef idx="2">
+            <a:schemeClr val="accent1"/>
+          </a:lnRef>
+          <a:fillRef idx="0">
+            <a:schemeClr val="accent1"/>
+          </a:fillRef>
+          <a:effectRef idx="1">
+            <a:schemeClr val="accent1"/>
+          </a:effectRef>
+          <a:fontRef idx="minor">
+            <a:schemeClr val="tx1"/>
+          </a:fontRef>
+        </p:style>
+      </p:cxnSp>
+      <p:sp>
+        <p:nvSpPr>
+          <p:cNvPr id="48" name="Arc 47">
+            <a:extLst>
+              <a:ext uri="{FF2B5EF4-FFF2-40B4-BE49-F238E27FC236}">
+                <a16:creationId xmlns:a16="http://schemas.microsoft.com/office/drawing/2014/main" id="{1EBA8ACA-FF5D-BA74-6598-772428ADA5A8}"/>
+              </a:ext>
+            </a:extLst>
+          </p:cNvPr>
+          <p:cNvSpPr/>
+          <p:nvPr/>
+        </p:nvSpPr>
+        <p:spPr>
+          <a:xfrm rot="11766785">
+            <a:off x="9758906" y="3992255"/>
+            <a:ext cx="238322" cy="261916"/>
+          </a:xfrm>
+          <a:prstGeom prst="arc">
+            <a:avLst/>
+          </a:prstGeom>
+          <a:ln>
+            <a:solidFill>
+              <a:schemeClr val="tx1"/>
+            </a:solidFill>
+          </a:ln>
+        </p:spPr>
+        <p:style>
+          <a:lnRef idx="2">
+            <a:schemeClr val="accent1"/>
+          </a:lnRef>
+          <a:fillRef idx="0">
+            <a:schemeClr val="accent1"/>
+          </a:fillRef>
+          <a:effectRef idx="1">
+            <a:schemeClr val="accent1"/>
+          </a:effectRef>
+          <a:fontRef idx="minor">
+            <a:schemeClr val="tx1"/>
+          </a:fontRef>
+        </p:style>
+        <p:txBody>
+          <a:bodyPr rtlCol="0" anchor="ctr"/>
+          <a:lstStyle/>
+          <a:p>
+            <a:pPr algn="ctr"/>
+            <a:endParaRPr lang="en-US"/>
+          </a:p>
+        </p:txBody>
+      </p:sp>
+      <p:cxnSp>
+        <p:nvCxnSpPr>
+          <p:cNvPr id="51" name="Straight Arrow Connector 50">
+            <a:extLst>
+              <a:ext uri="{FF2B5EF4-FFF2-40B4-BE49-F238E27FC236}">
+                <a16:creationId xmlns:a16="http://schemas.microsoft.com/office/drawing/2014/main" id="{5B65D451-0B66-E04E-63BD-46F039F17E5C}"/>
+              </a:ext>
+            </a:extLst>
+          </p:cNvPr>
+          <p:cNvCxnSpPr>
+            <a:cxnSpLocks/>
+          </p:cNvCxnSpPr>
+          <p:nvPr/>
+        </p:nvCxnSpPr>
+        <p:spPr>
+          <a:xfrm flipV="1">
+            <a:off x="10015106" y="2944372"/>
+            <a:ext cx="0" cy="1952965"/>
+          </a:xfrm>
+          <a:prstGeom prst="straightConnector1">
+            <a:avLst/>
+          </a:prstGeom>
+          <a:ln w="31750">
+            <a:solidFill>
+              <a:schemeClr val="tx1"/>
+            </a:solidFill>
+            <a:tailEnd type="stealth" w="med" len="lg"/>
+          </a:ln>
+        </p:spPr>
+        <p:style>
+          <a:lnRef idx="2">
+            <a:schemeClr val="accent1"/>
+          </a:lnRef>
+          <a:fillRef idx="0">
+            <a:schemeClr val="accent1"/>
+          </a:fillRef>
+          <a:effectRef idx="1">
+            <a:schemeClr val="accent1"/>
+          </a:effectRef>
+          <a:fontRef idx="minor">
+            <a:schemeClr val="tx1"/>
+          </a:fontRef>
+        </p:style>
+      </p:cxnSp>
+      <mc:AlternateContent xmlns:mc="http://schemas.openxmlformats.org/markup-compatibility/2006">
+        <mc:Choice xmlns:a14="http://schemas.microsoft.com/office/drawing/2010/main" Requires="a14">
+          <p:sp>
+            <p:nvSpPr>
+              <p:cNvPr id="54" name="TextBox 53">
+                <a:extLst>
+                  <a:ext uri="{FF2B5EF4-FFF2-40B4-BE49-F238E27FC236}">
+                    <a16:creationId xmlns:a16="http://schemas.microsoft.com/office/drawing/2014/main" id="{D8539082-A6E0-A0BF-49E1-7A859D989B9D}"/>
+                  </a:ext>
+                </a:extLst>
+              </p:cNvPr>
+              <p:cNvSpPr txBox="1"/>
+              <p:nvPr/>
+            </p:nvSpPr>
+            <p:spPr>
+              <a:xfrm>
+                <a:off x="10102678" y="2923976"/>
+                <a:ext cx="295786" cy="298928"/>
+              </a:xfrm>
+              <a:prstGeom prst="rect">
+                <a:avLst/>
+              </a:prstGeom>
+              <a:noFill/>
+            </p:spPr>
+            <p:txBody>
+              <a:bodyPr wrap="none" lIns="0" tIns="0" rIns="0" bIns="0" rtlCol="0">
+                <a:spAutoFit/>
+              </a:bodyPr>
+              <a:lstStyle/>
+              <a:p>
+                <a:pPr/>
+                <a14:m>
+                  <m:oMathPara xmlns:m="http://schemas.openxmlformats.org/officeDocument/2006/math">
+                    <m:oMathParaPr>
+                      <m:jc m:val="centerGroup"/>
+                    </m:oMathParaPr>
+                    <m:oMath xmlns:m="http://schemas.openxmlformats.org/officeDocument/2006/math">
+                      <m:sSub>
+                        <m:sSubPr>
+                          <m:ctrlPr>
+                            <a:rPr lang="en-US" i="1" smtClean="0">
+                              <a:latin typeface="Cambria Math" panose="02040503050406030204" pitchFamily="18" charset="0"/>
+                              <a:ea typeface="Cambria Math" panose="02040503050406030204" pitchFamily="18" charset="0"/>
+                            </a:rPr>
+                          </m:ctrlPr>
+                        </m:sSubPr>
+                        <m:e>
+                          <m:acc>
+                            <m:accPr>
+                              <m:chr m:val="⃗"/>
+                              <m:ctrlPr>
+                                <a:rPr lang="en-US" i="1" smtClean="0">
+                                  <a:latin typeface="Cambria Math" panose="02040503050406030204" pitchFamily="18" charset="0"/>
+                                  <a:ea typeface="Cambria Math" panose="02040503050406030204" pitchFamily="18" charset="0"/>
+                                </a:rPr>
+                              </m:ctrlPr>
+                            </m:accPr>
+                            <m:e>
+                              <m:r>
+                                <a:rPr lang="en-US" i="1" smtClean="0">
+                                  <a:latin typeface="Cambria Math" panose="02040503050406030204" pitchFamily="18" charset="0"/>
+                                  <a:ea typeface="Cambria Math" panose="02040503050406030204" pitchFamily="18" charset="0"/>
+                                </a:rPr>
+                                <m:t>𝑎</m:t>
+                              </m:r>
+                            </m:e>
+                          </m:acc>
+                        </m:e>
+                        <m:sub>
+                          <m:r>
+                            <a:rPr lang="en-US" b="0" i="1" smtClean="0">
+                              <a:latin typeface="Cambria Math" panose="02040503050406030204" pitchFamily="18" charset="0"/>
+                              <a:ea typeface="Cambria Math" panose="02040503050406030204" pitchFamily="18" charset="0"/>
+                            </a:rPr>
+                            <m:t>𝑦</m:t>
+                          </m:r>
+                        </m:sub>
+                      </m:sSub>
+                    </m:oMath>
+                  </m:oMathPara>
+                </a14:m>
+                <a:endParaRPr lang="en-US" dirty="0"/>
+              </a:p>
+            </p:txBody>
+          </p:sp>
+        </mc:Choice>
+        <mc:Fallback>
+          <p:sp>
+            <p:nvSpPr>
+              <p:cNvPr id="54" name="TextBox 53">
+                <a:extLst>
+                  <a:ext uri="{FF2B5EF4-FFF2-40B4-BE49-F238E27FC236}">
+                    <a16:creationId xmlns:a16="http://schemas.microsoft.com/office/drawing/2014/main" id="{D8539082-A6E0-A0BF-49E1-7A859D989B9D}"/>
+                  </a:ext>
+                </a:extLst>
+              </p:cNvPr>
+              <p:cNvSpPr txBox="1">
+                <a:spLocks noRot="1" noChangeAspect="1" noMove="1" noResize="1" noEditPoints="1" noAdjustHandles="1" noChangeArrowheads="1" noChangeShapeType="1" noTextEdit="1"/>
+              </p:cNvSpPr>
+              <p:nvPr/>
+            </p:nvSpPr>
+            <p:spPr>
+              <a:xfrm>
+                <a:off x="10102678" y="2923976"/>
+                <a:ext cx="295786" cy="298928"/>
+              </a:xfrm>
+              <a:prstGeom prst="rect">
+                <a:avLst/>
+              </a:prstGeom>
+              <a:blipFill>
+                <a:blip r:embed="rId5"/>
+                <a:stretch>
+                  <a:fillRect l="-20408" t="-42857" r="-61224" b="-20408"/>
+                </a:stretch>
+              </a:blipFill>
+            </p:spPr>
+            <p:txBody>
+              <a:bodyPr/>
+              <a:lstStyle/>
+              <a:p>
+                <a:r>
+                  <a:rPr lang="en-US">
+                    <a:noFill/>
+                  </a:rPr>
+                  <a:t> </a:t>
+                </a:r>
+              </a:p>
+            </p:txBody>
+          </p:sp>
+        </mc:Fallback>
+      </mc:AlternateContent>
+      <p:cxnSp>
+        <p:nvCxnSpPr>
+          <p:cNvPr id="58" name="Straight Arrow Connector 57">
+            <a:extLst>
+              <a:ext uri="{FF2B5EF4-FFF2-40B4-BE49-F238E27FC236}">
+                <a16:creationId xmlns:a16="http://schemas.microsoft.com/office/drawing/2014/main" id="{6DE4C42C-35FB-5A0B-DA4B-143C38C80D83}"/>
+              </a:ext>
+            </a:extLst>
+          </p:cNvPr>
+          <p:cNvCxnSpPr>
+            <a:cxnSpLocks/>
+          </p:cNvCxnSpPr>
+          <p:nvPr/>
+        </p:nvCxnSpPr>
+        <p:spPr>
+          <a:xfrm flipH="1">
+            <a:off x="9155238" y="4098263"/>
+            <a:ext cx="859868" cy="745756"/>
+          </a:xfrm>
+          <a:prstGeom prst="straightConnector1">
+            <a:avLst/>
+          </a:prstGeom>
+          <a:ln w="31750">
+            <a:solidFill>
+              <a:schemeClr val="tx1"/>
+            </a:solidFill>
+            <a:tailEnd type="stealth" w="med" len="lg"/>
+          </a:ln>
+        </p:spPr>
+        <p:style>
+          <a:lnRef idx="2">
+            <a:schemeClr val="accent1"/>
+          </a:lnRef>
+          <a:fillRef idx="0">
+            <a:schemeClr val="accent1"/>
+          </a:fillRef>
+          <a:effectRef idx="1">
+            <a:schemeClr val="accent1"/>
+          </a:effectRef>
+          <a:fontRef idx="minor">
+            <a:schemeClr val="tx1"/>
+          </a:fontRef>
+        </p:style>
+      </p:cxnSp>
+      <mc:AlternateContent xmlns:mc="http://schemas.openxmlformats.org/markup-compatibility/2006">
+        <mc:Choice xmlns:a14="http://schemas.microsoft.com/office/drawing/2010/main" Requires="a14">
+          <p:sp>
+            <p:nvSpPr>
+              <p:cNvPr id="62" name="TextBox 61">
+                <a:extLst>
+                  <a:ext uri="{FF2B5EF4-FFF2-40B4-BE49-F238E27FC236}">
+                    <a16:creationId xmlns:a16="http://schemas.microsoft.com/office/drawing/2014/main" id="{4050B78C-687E-2DE1-19AF-91765714CFF6}"/>
+                  </a:ext>
+                </a:extLst>
+              </p:cNvPr>
+              <p:cNvSpPr txBox="1"/>
+              <p:nvPr/>
+            </p:nvSpPr>
+            <p:spPr>
+              <a:xfrm>
+                <a:off x="9301392" y="4688647"/>
+                <a:ext cx="272832" cy="276999"/>
+              </a:xfrm>
+              <a:prstGeom prst="rect">
+                <a:avLst/>
+              </a:prstGeom>
+              <a:noFill/>
+            </p:spPr>
+            <p:txBody>
+              <a:bodyPr wrap="none" lIns="0" tIns="0" rIns="0" bIns="0" rtlCol="0">
+                <a:spAutoFit/>
+              </a:bodyPr>
+              <a:lstStyle/>
+              <a:p>
+                <a:pPr/>
+                <a14:m>
+                  <m:oMathPara xmlns:m="http://schemas.openxmlformats.org/officeDocument/2006/math">
+                    <m:oMathParaPr>
+                      <m:jc m:val="centerGroup"/>
+                    </m:oMathParaPr>
+                    <m:oMath xmlns:m="http://schemas.openxmlformats.org/officeDocument/2006/math">
+                      <m:sSub>
+                        <m:sSubPr>
+                          <m:ctrlPr>
+                            <a:rPr lang="en-US" i="1" smtClean="0">
+                              <a:latin typeface="Cambria Math" panose="02040503050406030204" pitchFamily="18" charset="0"/>
+                              <a:ea typeface="Cambria Math" panose="02040503050406030204" pitchFamily="18" charset="0"/>
+                            </a:rPr>
+                          </m:ctrlPr>
+                        </m:sSubPr>
+                        <m:e>
+                          <m:acc>
+                            <m:accPr>
+                              <m:chr m:val="⃗"/>
+                              <m:ctrlPr>
+                                <a:rPr lang="en-US" i="1" smtClean="0">
+                                  <a:latin typeface="Cambria Math" panose="02040503050406030204" pitchFamily="18" charset="0"/>
+                                  <a:ea typeface="Cambria Math" panose="02040503050406030204" pitchFamily="18" charset="0"/>
+                                </a:rPr>
+                              </m:ctrlPr>
+                            </m:accPr>
+                            <m:e>
+                              <m:r>
+                                <a:rPr lang="en-US" i="1" smtClean="0">
+                                  <a:latin typeface="Cambria Math" panose="02040503050406030204" pitchFamily="18" charset="0"/>
+                                  <a:ea typeface="Cambria Math" panose="02040503050406030204" pitchFamily="18" charset="0"/>
+                                </a:rPr>
+                                <m:t>𝑎</m:t>
+                              </m:r>
+                            </m:e>
+                          </m:acc>
+                        </m:e>
+                        <m:sub>
+                          <m:r>
+                            <a:rPr lang="en-US" b="0" i="1" smtClean="0">
+                              <a:latin typeface="Cambria Math" panose="02040503050406030204" pitchFamily="18" charset="0"/>
+                              <a:ea typeface="Cambria Math" panose="02040503050406030204" pitchFamily="18" charset="0"/>
+                            </a:rPr>
+                            <m:t>𝜏</m:t>
+                          </m:r>
+                        </m:sub>
+                      </m:sSub>
+                    </m:oMath>
+                  </m:oMathPara>
+                </a14:m>
+                <a:endParaRPr lang="en-US" dirty="0"/>
+              </a:p>
+            </p:txBody>
+          </p:sp>
+        </mc:Choice>
+        <mc:Fallback>
+          <p:sp>
+            <p:nvSpPr>
+              <p:cNvPr id="62" name="TextBox 61">
+                <a:extLst>
+                  <a:ext uri="{FF2B5EF4-FFF2-40B4-BE49-F238E27FC236}">
+                    <a16:creationId xmlns:a16="http://schemas.microsoft.com/office/drawing/2014/main" id="{4050B78C-687E-2DE1-19AF-91765714CFF6}"/>
+                  </a:ext>
+                </a:extLst>
+              </p:cNvPr>
+              <p:cNvSpPr txBox="1">
+                <a:spLocks noRot="1" noChangeAspect="1" noMove="1" noResize="1" noEditPoints="1" noAdjustHandles="1" noChangeArrowheads="1" noChangeShapeType="1" noTextEdit="1"/>
+              </p:cNvSpPr>
+              <p:nvPr/>
+            </p:nvSpPr>
+            <p:spPr>
+              <a:xfrm>
+                <a:off x="9301392" y="4688647"/>
+                <a:ext cx="272832" cy="276999"/>
+              </a:xfrm>
+              <a:prstGeom prst="rect">
+                <a:avLst/>
+              </a:prstGeom>
+              <a:blipFill>
+                <a:blip r:embed="rId6"/>
+                <a:stretch>
+                  <a:fillRect l="-24444" t="-45652" r="-66667" b="-10870"/>
+                </a:stretch>
+              </a:blipFill>
+            </p:spPr>
+            <p:txBody>
+              <a:bodyPr/>
+              <a:lstStyle/>
+              <a:p>
+                <a:r>
+                  <a:rPr lang="en-US">
+                    <a:noFill/>
+                  </a:rPr>
+                  <a:t> </a:t>
+                </a:r>
+              </a:p>
+            </p:txBody>
+          </p:sp>
+        </mc:Fallback>
+      </mc:AlternateContent>
+      <p:cxnSp>
+        <p:nvCxnSpPr>
+          <p:cNvPr id="63" name="Straight Arrow Connector 62">
+            <a:extLst>
+              <a:ext uri="{FF2B5EF4-FFF2-40B4-BE49-F238E27FC236}">
+                <a16:creationId xmlns:a16="http://schemas.microsoft.com/office/drawing/2014/main" id="{038D1189-33A7-7E23-7977-E2276FE8AF72}"/>
+              </a:ext>
+            </a:extLst>
+          </p:cNvPr>
+          <p:cNvCxnSpPr>
+            <a:cxnSpLocks/>
+          </p:cNvCxnSpPr>
+          <p:nvPr/>
+        </p:nvCxnSpPr>
+        <p:spPr>
+          <a:xfrm flipH="1">
+            <a:off x="8474075" y="3248411"/>
+            <a:ext cx="788105" cy="829611"/>
+          </a:xfrm>
+          <a:prstGeom prst="straightConnector1">
+            <a:avLst/>
+          </a:prstGeom>
+          <a:ln w="25400">
+            <a:solidFill>
+              <a:schemeClr val="tx1"/>
+            </a:solidFill>
+            <a:prstDash val="dash"/>
+            <a:tailEnd type="none" w="med" len="lg"/>
+          </a:ln>
+        </p:spPr>
+        <p:style>
+          <a:lnRef idx="2">
+            <a:schemeClr val="accent1"/>
+          </a:lnRef>
+          <a:fillRef idx="0">
+            <a:schemeClr val="accent1"/>
+          </a:fillRef>
+          <a:effectRef idx="1">
+            <a:schemeClr val="accent1"/>
+          </a:effectRef>
+          <a:fontRef idx="minor">
+            <a:schemeClr val="tx1"/>
+          </a:fontRef>
+        </p:style>
+      </p:cxnSp>
+      <p:cxnSp>
+        <p:nvCxnSpPr>
+          <p:cNvPr id="64" name="Straight Arrow Connector 63">
+            <a:extLst>
+              <a:ext uri="{FF2B5EF4-FFF2-40B4-BE49-F238E27FC236}">
+                <a16:creationId xmlns:a16="http://schemas.microsoft.com/office/drawing/2014/main" id="{501C84F9-A3F2-9787-6151-39A1DA41ED8F}"/>
+              </a:ext>
+            </a:extLst>
+          </p:cNvPr>
+          <p:cNvCxnSpPr>
+            <a:cxnSpLocks/>
+          </p:cNvCxnSpPr>
+          <p:nvPr/>
+        </p:nvCxnSpPr>
+        <p:spPr>
+          <a:xfrm flipH="1" flipV="1">
+            <a:off x="8462837" y="4098264"/>
+            <a:ext cx="681163" cy="711351"/>
+          </a:xfrm>
+          <a:prstGeom prst="straightConnector1">
+            <a:avLst/>
+          </a:prstGeom>
+          <a:ln w="25400">
+            <a:solidFill>
+              <a:schemeClr val="tx1"/>
+            </a:solidFill>
+            <a:prstDash val="dash"/>
+            <a:tailEnd type="none" w="med" len="lg"/>
+          </a:ln>
+        </p:spPr>
+        <p:style>
+          <a:lnRef idx="2">
+            <a:schemeClr val="accent1"/>
+          </a:lnRef>
+          <a:fillRef idx="0">
+            <a:schemeClr val="accent1"/>
+          </a:fillRef>
+          <a:effectRef idx="1">
+            <a:schemeClr val="accent1"/>
+          </a:effectRef>
+          <a:fontRef idx="minor">
+            <a:schemeClr val="tx1"/>
+          </a:fontRef>
+        </p:style>
+      </p:cxnSp>
+      <mc:AlternateContent xmlns:mc="http://schemas.openxmlformats.org/markup-compatibility/2006">
+        <mc:Choice xmlns:a14="http://schemas.microsoft.com/office/drawing/2010/main" Requires="a14">
+          <p:sp>
+            <p:nvSpPr>
+              <p:cNvPr id="76" name="TextBox 75">
+                <a:extLst>
+                  <a:ext uri="{FF2B5EF4-FFF2-40B4-BE49-F238E27FC236}">
+                    <a16:creationId xmlns:a16="http://schemas.microsoft.com/office/drawing/2014/main" id="{2C1EBC21-61C8-D224-B161-0DE661C01858}"/>
+                  </a:ext>
+                </a:extLst>
+              </p:cNvPr>
+              <p:cNvSpPr txBox="1"/>
+              <p:nvPr/>
+            </p:nvSpPr>
+            <p:spPr>
+              <a:xfrm>
+                <a:off x="8698516" y="4091792"/>
+                <a:ext cx="180370" cy="276999"/>
+              </a:xfrm>
+              <a:prstGeom prst="rect">
+                <a:avLst/>
+              </a:prstGeom>
+              <a:noFill/>
+            </p:spPr>
+            <p:txBody>
+              <a:bodyPr wrap="none" lIns="0" tIns="0" rIns="0" bIns="0" rtlCol="0">
+                <a:spAutoFit/>
+              </a:bodyPr>
+              <a:lstStyle/>
+              <a:p>
+                <a:pPr/>
+                <a14:m>
+                  <m:oMathPara xmlns:m="http://schemas.openxmlformats.org/officeDocument/2006/math">
+                    <m:oMathParaPr>
+                      <m:jc m:val="centerGroup"/>
+                    </m:oMathParaPr>
+                    <m:oMath xmlns:m="http://schemas.openxmlformats.org/officeDocument/2006/math">
+                      <m:acc>
+                        <m:accPr>
+                          <m:chr m:val="⃗"/>
+                          <m:ctrlPr>
+                            <a:rPr lang="en-US" i="1">
+                              <a:latin typeface="Cambria Math" panose="02040503050406030204" pitchFamily="18" charset="0"/>
+                              <a:ea typeface="Cambria Math" panose="02040503050406030204" pitchFamily="18" charset="0"/>
+                            </a:rPr>
+                          </m:ctrlPr>
+                        </m:accPr>
+                        <m:e>
+                          <m:r>
+                            <a:rPr lang="en-US" i="1">
+                              <a:latin typeface="Cambria Math" panose="02040503050406030204" pitchFamily="18" charset="0"/>
+                              <a:ea typeface="Cambria Math" panose="02040503050406030204" pitchFamily="18" charset="0"/>
+                            </a:rPr>
+                            <m:t>𝑎</m:t>
+                          </m:r>
+                        </m:e>
+                      </m:acc>
+                    </m:oMath>
+                  </m:oMathPara>
+                </a14:m>
+                <a:endParaRPr lang="en-US" dirty="0"/>
+              </a:p>
+            </p:txBody>
+          </p:sp>
+        </mc:Choice>
+        <mc:Fallback>
+          <p:sp>
+            <p:nvSpPr>
+              <p:cNvPr id="76" name="TextBox 75">
+                <a:extLst>
+                  <a:ext uri="{FF2B5EF4-FFF2-40B4-BE49-F238E27FC236}">
+                    <a16:creationId xmlns:a16="http://schemas.microsoft.com/office/drawing/2014/main" id="{2C1EBC21-61C8-D224-B161-0DE661C01858}"/>
+                  </a:ext>
+                </a:extLst>
+              </p:cNvPr>
+              <p:cNvSpPr txBox="1">
+                <a:spLocks noRot="1" noChangeAspect="1" noMove="1" noResize="1" noEditPoints="1" noAdjustHandles="1" noChangeArrowheads="1" noChangeShapeType="1" noTextEdit="1"/>
+              </p:cNvSpPr>
+              <p:nvPr/>
+            </p:nvSpPr>
+            <p:spPr>
+              <a:xfrm>
+                <a:off x="8698516" y="4091792"/>
+                <a:ext cx="180370" cy="276999"/>
+              </a:xfrm>
+              <a:prstGeom prst="rect">
+                <a:avLst/>
+              </a:prstGeom>
+              <a:blipFill>
+                <a:blip r:embed="rId7"/>
+                <a:stretch>
+                  <a:fillRect l="-36667" t="-45652" r="-96667" b="-8696"/>
+                </a:stretch>
+              </a:blipFill>
+            </p:spPr>
+            <p:txBody>
+              <a:bodyPr/>
+              <a:lstStyle/>
+              <a:p>
+                <a:r>
+                  <a:rPr lang="en-US">
+                    <a:noFill/>
+                  </a:rPr>
+                  <a:t> </a:t>
+                </a:r>
+              </a:p>
+            </p:txBody>
+          </p:sp>
+        </mc:Fallback>
+      </mc:AlternateContent>
+      <mc:AlternateContent xmlns:mc="http://schemas.openxmlformats.org/markup-compatibility/2006">
+        <mc:Choice xmlns:a14="http://schemas.microsoft.com/office/drawing/2010/main" Requires="a14">
+          <p:sp>
+            <p:nvSpPr>
+              <p:cNvPr id="77" name="TextBox 76">
+                <a:extLst>
+                  <a:ext uri="{FF2B5EF4-FFF2-40B4-BE49-F238E27FC236}">
+                    <a16:creationId xmlns:a16="http://schemas.microsoft.com/office/drawing/2014/main" id="{7C6E2D42-B24D-CF9A-F110-EE93C033C84E}"/>
+                  </a:ext>
+                </a:extLst>
+              </p:cNvPr>
+              <p:cNvSpPr txBox="1"/>
+              <p:nvPr/>
+            </p:nvSpPr>
+            <p:spPr>
+              <a:xfrm>
+                <a:off x="9596579" y="4091792"/>
+                <a:ext cx="183063" cy="276999"/>
+              </a:xfrm>
+              <a:prstGeom prst="rect">
+                <a:avLst/>
+              </a:prstGeom>
+              <a:noFill/>
+            </p:spPr>
+            <p:txBody>
+              <a:bodyPr wrap="none" lIns="0" tIns="0" rIns="0" bIns="0" rtlCol="0">
+                <a:spAutoFit/>
+              </a:bodyPr>
+              <a:lstStyle/>
+              <a:p>
+                <a:pPr/>
+                <a14:m>
+                  <m:oMathPara xmlns:m="http://schemas.openxmlformats.org/officeDocument/2006/math">
+                    <m:oMathParaPr>
+                      <m:jc m:val="centerGroup"/>
+                    </m:oMathParaPr>
+                    <m:oMath xmlns:m="http://schemas.openxmlformats.org/officeDocument/2006/math">
+                      <m:r>
+                        <a:rPr lang="en-US" i="1" smtClean="0">
+                          <a:latin typeface="Cambria Math" panose="02040503050406030204" pitchFamily="18" charset="0"/>
+                          <a:ea typeface="Cambria Math" panose="02040503050406030204" pitchFamily="18" charset="0"/>
+                        </a:rPr>
+                        <m:t>𝜃</m:t>
+                      </m:r>
+                    </m:oMath>
+                  </m:oMathPara>
+                </a14:m>
+                <a:endParaRPr lang="en-US" dirty="0"/>
+              </a:p>
+            </p:txBody>
+          </p:sp>
+        </mc:Choice>
+        <mc:Fallback>
+          <p:sp>
+            <p:nvSpPr>
+              <p:cNvPr id="77" name="TextBox 76">
+                <a:extLst>
+                  <a:ext uri="{FF2B5EF4-FFF2-40B4-BE49-F238E27FC236}">
+                    <a16:creationId xmlns:a16="http://schemas.microsoft.com/office/drawing/2014/main" id="{7C6E2D42-B24D-CF9A-F110-EE93C033C84E}"/>
+                  </a:ext>
+                </a:extLst>
+              </p:cNvPr>
+              <p:cNvSpPr txBox="1">
+                <a:spLocks noRot="1" noChangeAspect="1" noMove="1" noResize="1" noEditPoints="1" noAdjustHandles="1" noChangeArrowheads="1" noChangeShapeType="1" noTextEdit="1"/>
+              </p:cNvSpPr>
+              <p:nvPr/>
+            </p:nvSpPr>
+            <p:spPr>
+              <a:xfrm>
+                <a:off x="9596579" y="4091792"/>
+                <a:ext cx="183063" cy="276999"/>
+              </a:xfrm>
+              <a:prstGeom prst="rect">
+                <a:avLst/>
+              </a:prstGeom>
+              <a:blipFill>
+                <a:blip r:embed="rId8"/>
+                <a:stretch>
+                  <a:fillRect l="-30000" r="-30000" b="-6522"/>
+                </a:stretch>
+              </a:blipFill>
+            </p:spPr>
+            <p:txBody>
+              <a:bodyPr/>
+              <a:lstStyle/>
+              <a:p>
+                <a:r>
+                  <a:rPr lang="en-US">
+                    <a:noFill/>
+                  </a:rPr>
+                  <a:t> </a:t>
+                </a:r>
+              </a:p>
+            </p:txBody>
+          </p:sp>
+        </mc:Fallback>
+      </mc:AlternateContent>
+    </p:spTree>
+    <p:extLst>
+      <p:ext uri="{BB962C8B-B14F-4D97-AF65-F5344CB8AC3E}">
+        <p14:creationId xmlns:p14="http://schemas.microsoft.com/office/powerpoint/2010/main" val="3957242119"/>
+      </p:ext>
+    </p:extLst>
+  </p:cSld>
+  <p:clrMapOvr>
+    <a:masterClrMapping/>
+  </p:clrMapOvr>
+</p:sld>
+</file>
+
+<file path=ppt/slides/slide13.xml><?xml version="1.0" encoding="utf-8"?>
+<p:sld xmlns:a="http://schemas.openxmlformats.org/drawingml/2006/main" xmlns:r="http://schemas.openxmlformats.org/officeDocument/2006/relationships" xmlns:p="http://schemas.openxmlformats.org/presentationml/2006/main">
+  <p:cSld>
+    <p:spTree>
+      <p:nvGrpSpPr>
+        <p:cNvPr id="1" name=""/>
+        <p:cNvGrpSpPr/>
+        <p:nvPr/>
+      </p:nvGrpSpPr>
+      <p:grpSpPr>
+        <a:xfrm>
+          <a:off x="0" y="0"/>
+          <a:ext cx="0" cy="0"/>
+          <a:chOff x="0" y="0"/>
+          <a:chExt cx="0" cy="0"/>
+        </a:xfrm>
+      </p:grpSpPr>
+      <p:cxnSp>
+        <p:nvCxnSpPr>
+          <p:cNvPr id="2" name="Straight Arrow Connector 1">
+            <a:extLst>
+              <a:ext uri="{FF2B5EF4-FFF2-40B4-BE49-F238E27FC236}">
+                <a16:creationId xmlns:a16="http://schemas.microsoft.com/office/drawing/2014/main" id="{4CB34CCC-8056-FB93-F63F-C4AA58B1FC44}"/>
+              </a:ext>
+            </a:extLst>
+          </p:cNvPr>
+          <p:cNvCxnSpPr>
+            <a:cxnSpLocks/>
+          </p:cNvCxnSpPr>
+          <p:nvPr/>
+        </p:nvCxnSpPr>
+        <p:spPr>
+          <a:xfrm>
+            <a:off x="537518" y="1712939"/>
+            <a:ext cx="2066961" cy="0"/>
+          </a:xfrm>
+          <a:prstGeom prst="straightConnector1">
+            <a:avLst/>
+          </a:prstGeom>
+          <a:ln w="22225">
+            <a:solidFill>
+              <a:schemeClr val="tx1"/>
+            </a:solidFill>
+            <a:tailEnd type="none" w="med" len="lg"/>
+          </a:ln>
+        </p:spPr>
+        <p:style>
+          <a:lnRef idx="2">
+            <a:schemeClr val="accent1"/>
+          </a:lnRef>
+          <a:fillRef idx="0">
+            <a:schemeClr val="accent1"/>
+          </a:fillRef>
+          <a:effectRef idx="1">
+            <a:schemeClr val="accent1"/>
+          </a:effectRef>
+          <a:fontRef idx="minor">
+            <a:schemeClr val="tx1"/>
+          </a:fontRef>
+        </p:style>
+      </p:cxnSp>
+      <p:sp>
+        <p:nvSpPr>
+          <p:cNvPr id="4" name="Oval 3">
+            <a:extLst>
+              <a:ext uri="{FF2B5EF4-FFF2-40B4-BE49-F238E27FC236}">
+                <a16:creationId xmlns:a16="http://schemas.microsoft.com/office/drawing/2014/main" id="{22E82FF7-36CA-F146-4A6C-2F0311782FED}"/>
+              </a:ext>
+            </a:extLst>
+          </p:cNvPr>
+          <p:cNvSpPr/>
+          <p:nvPr/>
+        </p:nvSpPr>
+        <p:spPr>
+          <a:xfrm flipV="1">
+            <a:off x="715572" y="280677"/>
+            <a:ext cx="1435941" cy="1435941"/>
+          </a:xfrm>
+          <a:prstGeom prst="ellipse">
+            <a:avLst/>
+          </a:prstGeom>
+          <a:noFill/>
+          <a:ln w="15875">
+            <a:prstDash val="solid"/>
+          </a:ln>
+        </p:spPr>
+        <p:style>
+          <a:lnRef idx="2">
+            <a:schemeClr val="accent1">
+              <a:shade val="15000"/>
+            </a:schemeClr>
+          </a:lnRef>
+          <a:fillRef idx="1">
+            <a:schemeClr val="accent1"/>
+          </a:fillRef>
+          <a:effectRef idx="0">
+            <a:schemeClr val="accent1"/>
+          </a:effectRef>
+          <a:fontRef idx="minor">
+            <a:schemeClr val="lt1"/>
+          </a:fontRef>
+        </p:style>
+        <p:txBody>
+          <a:bodyPr rtlCol="0" anchor="ctr"/>
+          <a:lstStyle/>
+          <a:p>
+            <a:pPr algn="ctr"/>
+            <a:endParaRPr lang="en-US"/>
+          </a:p>
+        </p:txBody>
+      </p:sp>
+      <p:cxnSp>
+        <p:nvCxnSpPr>
+          <p:cNvPr id="5" name="Straight Arrow Connector 4">
+            <a:extLst>
+              <a:ext uri="{FF2B5EF4-FFF2-40B4-BE49-F238E27FC236}">
+                <a16:creationId xmlns:a16="http://schemas.microsoft.com/office/drawing/2014/main" id="{ED7B5B26-5DFC-C8BC-860A-6E46C64EEAF7}"/>
+              </a:ext>
+            </a:extLst>
+          </p:cNvPr>
+          <p:cNvCxnSpPr>
+            <a:cxnSpLocks/>
+          </p:cNvCxnSpPr>
+          <p:nvPr/>
+        </p:nvCxnSpPr>
+        <p:spPr>
+          <a:xfrm>
+            <a:off x="951363" y="1712939"/>
+            <a:ext cx="534724" cy="0"/>
+          </a:xfrm>
+          <a:prstGeom prst="straightConnector1">
+            <a:avLst/>
+          </a:prstGeom>
+          <a:ln w="22225">
+            <a:solidFill>
+              <a:schemeClr val="tx1"/>
+            </a:solidFill>
+            <a:headEnd type="stealth" w="med" len="lg"/>
+            <a:tailEnd type="none" w="med" len="lg"/>
+          </a:ln>
+        </p:spPr>
+        <p:style>
+          <a:lnRef idx="2">
+            <a:schemeClr val="accent1"/>
+          </a:lnRef>
+          <a:fillRef idx="0">
+            <a:schemeClr val="accent1"/>
+          </a:fillRef>
+          <a:effectRef idx="1">
+            <a:schemeClr val="accent1"/>
+          </a:effectRef>
+          <a:fontRef idx="minor">
+            <a:schemeClr val="tx1"/>
+          </a:fontRef>
+        </p:style>
+      </p:cxnSp>
+      <p:cxnSp>
+        <p:nvCxnSpPr>
+          <p:cNvPr id="10" name="Straight Arrow Connector 9">
+            <a:extLst>
+              <a:ext uri="{FF2B5EF4-FFF2-40B4-BE49-F238E27FC236}">
+                <a16:creationId xmlns:a16="http://schemas.microsoft.com/office/drawing/2014/main" id="{4B343672-B9C2-50D2-FCA3-A17417E5B747}"/>
+              </a:ext>
+            </a:extLst>
+          </p:cNvPr>
+          <p:cNvCxnSpPr>
+            <a:cxnSpLocks/>
+          </p:cNvCxnSpPr>
+          <p:nvPr/>
+        </p:nvCxnSpPr>
+        <p:spPr>
+          <a:xfrm flipH="1">
+            <a:off x="1486087" y="1712939"/>
+            <a:ext cx="513026" cy="0"/>
+          </a:xfrm>
+          <a:prstGeom prst="straightConnector1">
+            <a:avLst/>
+          </a:prstGeom>
+          <a:ln w="22225">
+            <a:solidFill>
+              <a:schemeClr val="tx1"/>
+            </a:solidFill>
+            <a:headEnd type="stealth" w="med" len="lg"/>
+            <a:tailEnd type="none" w="med" len="lg"/>
+          </a:ln>
+        </p:spPr>
+        <p:style>
+          <a:lnRef idx="2">
+            <a:schemeClr val="accent1"/>
+          </a:lnRef>
+          <a:fillRef idx="0">
+            <a:schemeClr val="accent1"/>
+          </a:fillRef>
+          <a:effectRef idx="1">
+            <a:schemeClr val="accent1"/>
+          </a:effectRef>
+          <a:fontRef idx="minor">
+            <a:schemeClr val="tx1"/>
+          </a:fontRef>
+        </p:style>
+      </p:cxnSp>
+      <p:cxnSp>
+        <p:nvCxnSpPr>
+          <p:cNvPr id="12" name="Straight Arrow Connector 11">
+            <a:extLst>
+              <a:ext uri="{FF2B5EF4-FFF2-40B4-BE49-F238E27FC236}">
+                <a16:creationId xmlns:a16="http://schemas.microsoft.com/office/drawing/2014/main" id="{E8EF61D3-8E88-691C-825B-21B82F416DAC}"/>
+              </a:ext>
+            </a:extLst>
+          </p:cNvPr>
+          <p:cNvCxnSpPr>
+            <a:cxnSpLocks/>
+          </p:cNvCxnSpPr>
+          <p:nvPr/>
+        </p:nvCxnSpPr>
+        <p:spPr>
+          <a:xfrm>
+            <a:off x="715572" y="717274"/>
+            <a:ext cx="0" cy="277586"/>
+          </a:xfrm>
+          <a:prstGeom prst="straightConnector1">
+            <a:avLst/>
+          </a:prstGeom>
+          <a:ln w="22225">
+            <a:solidFill>
+              <a:schemeClr val="tx1"/>
+            </a:solidFill>
+            <a:headEnd type="stealth" w="med" len="lg"/>
+            <a:tailEnd type="none" w="med" len="lg"/>
+          </a:ln>
+        </p:spPr>
+        <p:style>
+          <a:lnRef idx="2">
+            <a:schemeClr val="accent1"/>
+          </a:lnRef>
+          <a:fillRef idx="0">
+            <a:schemeClr val="accent1"/>
+          </a:fillRef>
+          <a:effectRef idx="1">
+            <a:schemeClr val="accent1"/>
+          </a:effectRef>
+          <a:fontRef idx="minor">
+            <a:schemeClr val="tx1"/>
+          </a:fontRef>
+        </p:style>
+      </p:cxnSp>
+      <p:cxnSp>
+        <p:nvCxnSpPr>
+          <p:cNvPr id="14" name="Straight Arrow Connector 13">
+            <a:extLst>
+              <a:ext uri="{FF2B5EF4-FFF2-40B4-BE49-F238E27FC236}">
+                <a16:creationId xmlns:a16="http://schemas.microsoft.com/office/drawing/2014/main" id="{74D47E18-1ACF-131B-407D-CFFE71FBDCFA}"/>
+              </a:ext>
+            </a:extLst>
+          </p:cNvPr>
+          <p:cNvCxnSpPr>
+            <a:cxnSpLocks/>
+          </p:cNvCxnSpPr>
+          <p:nvPr/>
+        </p:nvCxnSpPr>
+        <p:spPr>
+          <a:xfrm flipH="1">
+            <a:off x="1435238" y="280677"/>
+            <a:ext cx="411474" cy="0"/>
+          </a:xfrm>
+          <a:prstGeom prst="straightConnector1">
+            <a:avLst/>
+          </a:prstGeom>
+          <a:ln w="22225">
+            <a:solidFill>
+              <a:schemeClr val="tx1"/>
+            </a:solidFill>
+            <a:headEnd type="stealth" w="med" len="lg"/>
+            <a:tailEnd type="none" w="med" len="lg"/>
+          </a:ln>
+        </p:spPr>
+        <p:style>
+          <a:lnRef idx="2">
+            <a:schemeClr val="accent1"/>
+          </a:lnRef>
+          <a:fillRef idx="0">
+            <a:schemeClr val="accent1"/>
+          </a:fillRef>
+          <a:effectRef idx="1">
+            <a:schemeClr val="accent1"/>
+          </a:effectRef>
+          <a:fontRef idx="minor">
+            <a:schemeClr val="tx1"/>
+          </a:fontRef>
+        </p:style>
+      </p:cxnSp>
+      <p:cxnSp>
+        <p:nvCxnSpPr>
+          <p:cNvPr id="16" name="Straight Arrow Connector 15">
+            <a:extLst>
+              <a:ext uri="{FF2B5EF4-FFF2-40B4-BE49-F238E27FC236}">
+                <a16:creationId xmlns:a16="http://schemas.microsoft.com/office/drawing/2014/main" id="{85C6B10D-0224-EB65-E183-9A692986F93A}"/>
+              </a:ext>
+            </a:extLst>
+          </p:cNvPr>
+          <p:cNvCxnSpPr>
+            <a:cxnSpLocks/>
+          </p:cNvCxnSpPr>
+          <p:nvPr/>
+        </p:nvCxnSpPr>
+        <p:spPr>
+          <a:xfrm flipH="1">
+            <a:off x="715572" y="994860"/>
+            <a:ext cx="350091" cy="0"/>
+          </a:xfrm>
+          <a:prstGeom prst="straightConnector1">
+            <a:avLst/>
+          </a:prstGeom>
+          <a:ln w="22225">
+            <a:solidFill>
+              <a:schemeClr val="accent3"/>
+            </a:solidFill>
+            <a:headEnd type="stealth" w="med" len="lg"/>
+            <a:tailEnd type="none" w="med" len="lg"/>
+          </a:ln>
+        </p:spPr>
+        <p:style>
+          <a:lnRef idx="2">
+            <a:schemeClr val="accent1"/>
+          </a:lnRef>
+          <a:fillRef idx="0">
+            <a:schemeClr val="accent1"/>
+          </a:fillRef>
+          <a:effectRef idx="1">
+            <a:schemeClr val="accent1"/>
+          </a:effectRef>
+          <a:fontRef idx="minor">
+            <a:schemeClr val="tx1"/>
+          </a:fontRef>
+        </p:style>
+      </p:cxnSp>
+      <p:cxnSp>
+        <p:nvCxnSpPr>
+          <p:cNvPr id="21" name="Straight Arrow Connector 20">
+            <a:extLst>
+              <a:ext uri="{FF2B5EF4-FFF2-40B4-BE49-F238E27FC236}">
+                <a16:creationId xmlns:a16="http://schemas.microsoft.com/office/drawing/2014/main" id="{F5B8AFB2-B373-D910-4C47-B29A43E86A15}"/>
+              </a:ext>
+            </a:extLst>
+          </p:cNvPr>
+          <p:cNvCxnSpPr>
+            <a:cxnSpLocks/>
+          </p:cNvCxnSpPr>
+          <p:nvPr/>
+        </p:nvCxnSpPr>
+        <p:spPr>
+          <a:xfrm flipH="1">
+            <a:off x="1435238" y="99510"/>
+            <a:ext cx="646425" cy="0"/>
+          </a:xfrm>
+          <a:prstGeom prst="straightConnector1">
+            <a:avLst/>
+          </a:prstGeom>
+          <a:ln w="22225">
+            <a:solidFill>
+              <a:schemeClr val="accent3"/>
+            </a:solidFill>
+            <a:headEnd type="stealth" w="med" len="lg"/>
+            <a:tailEnd type="none" w="med" len="lg"/>
+          </a:ln>
+        </p:spPr>
+        <p:style>
+          <a:lnRef idx="2">
+            <a:schemeClr val="accent1"/>
+          </a:lnRef>
+          <a:fillRef idx="0">
+            <a:schemeClr val="accent1"/>
+          </a:fillRef>
+          <a:effectRef idx="1">
+            <a:schemeClr val="accent1"/>
+          </a:effectRef>
+          <a:fontRef idx="minor">
+            <a:schemeClr val="tx1"/>
+          </a:fontRef>
+        </p:style>
+      </p:cxnSp>
+      <p:cxnSp>
+        <p:nvCxnSpPr>
+          <p:cNvPr id="23" name="Straight Arrow Connector 22">
+            <a:extLst>
+              <a:ext uri="{FF2B5EF4-FFF2-40B4-BE49-F238E27FC236}">
+                <a16:creationId xmlns:a16="http://schemas.microsoft.com/office/drawing/2014/main" id="{BA92FE67-3B12-02A3-3817-281463C9276D}"/>
+              </a:ext>
+            </a:extLst>
+          </p:cNvPr>
+          <p:cNvCxnSpPr>
+            <a:cxnSpLocks/>
+          </p:cNvCxnSpPr>
+          <p:nvPr/>
+        </p:nvCxnSpPr>
+        <p:spPr>
+          <a:xfrm flipH="1" flipV="1">
+            <a:off x="2024513" y="593415"/>
+            <a:ext cx="209550" cy="300072"/>
+          </a:xfrm>
+          <a:prstGeom prst="straightConnector1">
+            <a:avLst/>
+          </a:prstGeom>
+          <a:ln w="22225">
+            <a:solidFill>
+              <a:schemeClr val="tx1"/>
+            </a:solidFill>
+            <a:headEnd type="stealth" w="med" len="lg"/>
+            <a:tailEnd type="none" w="med" len="lg"/>
+          </a:ln>
+        </p:spPr>
+        <p:style>
+          <a:lnRef idx="2">
+            <a:schemeClr val="accent1"/>
+          </a:lnRef>
+          <a:fillRef idx="0">
+            <a:schemeClr val="accent1"/>
+          </a:fillRef>
+          <a:effectRef idx="1">
+            <a:schemeClr val="accent1"/>
+          </a:effectRef>
+          <a:fontRef idx="minor">
+            <a:schemeClr val="tx1"/>
+          </a:fontRef>
+        </p:style>
+      </p:cxnSp>
+      <p:cxnSp>
+        <p:nvCxnSpPr>
+          <p:cNvPr id="27" name="Straight Arrow Connector 26">
+            <a:extLst>
+              <a:ext uri="{FF2B5EF4-FFF2-40B4-BE49-F238E27FC236}">
+                <a16:creationId xmlns:a16="http://schemas.microsoft.com/office/drawing/2014/main" id="{E5ACB366-E05A-2018-A601-3A65EC78C758}"/>
+              </a:ext>
+            </a:extLst>
+          </p:cNvPr>
+          <p:cNvCxnSpPr>
+            <a:cxnSpLocks/>
+          </p:cNvCxnSpPr>
+          <p:nvPr/>
+        </p:nvCxnSpPr>
+        <p:spPr>
+          <a:xfrm flipH="1">
+            <a:off x="2024513" y="593415"/>
+            <a:ext cx="491067" cy="0"/>
+          </a:xfrm>
+          <a:prstGeom prst="straightConnector1">
+            <a:avLst/>
+          </a:prstGeom>
+          <a:ln w="22225">
+            <a:solidFill>
+              <a:schemeClr val="accent3"/>
+            </a:solidFill>
+            <a:headEnd type="stealth" w="med" len="lg"/>
+            <a:tailEnd type="none" w="med" len="lg"/>
+          </a:ln>
+        </p:spPr>
+        <p:style>
+          <a:lnRef idx="2">
+            <a:schemeClr val="accent1"/>
+          </a:lnRef>
+          <a:fillRef idx="0">
+            <a:schemeClr val="accent1"/>
+          </a:fillRef>
+          <a:effectRef idx="1">
+            <a:schemeClr val="accent1"/>
+          </a:effectRef>
+          <a:fontRef idx="minor">
+            <a:schemeClr val="tx1"/>
+          </a:fontRef>
+        </p:style>
+      </p:cxnSp>
+      <p:cxnSp>
+        <p:nvCxnSpPr>
+          <p:cNvPr id="29" name="Straight Arrow Connector 28">
+            <a:extLst>
+              <a:ext uri="{FF2B5EF4-FFF2-40B4-BE49-F238E27FC236}">
+                <a16:creationId xmlns:a16="http://schemas.microsoft.com/office/drawing/2014/main" id="{637448C6-A113-99CD-FDCA-FFD65867D98A}"/>
+              </a:ext>
+            </a:extLst>
+          </p:cNvPr>
+          <p:cNvCxnSpPr>
+            <a:cxnSpLocks/>
+          </p:cNvCxnSpPr>
+          <p:nvPr/>
+        </p:nvCxnSpPr>
+        <p:spPr>
+          <a:xfrm flipH="1" flipV="1">
+            <a:off x="2024767" y="596177"/>
+            <a:ext cx="545846" cy="255341"/>
+          </a:xfrm>
+          <a:prstGeom prst="straightConnector1">
+            <a:avLst/>
+          </a:prstGeom>
+          <a:ln w="22225">
+            <a:solidFill>
+              <a:schemeClr val="tx1"/>
+            </a:solidFill>
+            <a:headEnd type="stealth" w="med" len="lg"/>
+            <a:tailEnd type="none" w="med" len="lg"/>
+          </a:ln>
+        </p:spPr>
+        <p:style>
+          <a:lnRef idx="2">
+            <a:schemeClr val="accent1"/>
+          </a:lnRef>
+          <a:fillRef idx="0">
+            <a:schemeClr val="accent1"/>
+          </a:fillRef>
+          <a:effectRef idx="1">
+            <a:schemeClr val="accent1"/>
+          </a:effectRef>
+          <a:fontRef idx="minor">
+            <a:schemeClr val="tx1"/>
+          </a:fontRef>
+        </p:style>
+      </p:cxnSp>
+      <p:cxnSp>
+        <p:nvCxnSpPr>
+          <p:cNvPr id="31" name="Straight Arrow Connector 30">
+            <a:extLst>
+              <a:ext uri="{FF2B5EF4-FFF2-40B4-BE49-F238E27FC236}">
+                <a16:creationId xmlns:a16="http://schemas.microsoft.com/office/drawing/2014/main" id="{C57D580D-B2B4-B757-28F1-8256F2EDC688}"/>
+              </a:ext>
+            </a:extLst>
+          </p:cNvPr>
+          <p:cNvCxnSpPr>
+            <a:cxnSpLocks/>
+          </p:cNvCxnSpPr>
+          <p:nvPr/>
+        </p:nvCxnSpPr>
+        <p:spPr>
+          <a:xfrm flipH="1">
+            <a:off x="715572" y="778657"/>
+            <a:ext cx="305641" cy="216203"/>
+          </a:xfrm>
+          <a:prstGeom prst="straightConnector1">
+            <a:avLst/>
+          </a:prstGeom>
+          <a:ln w="15875">
+            <a:solidFill>
+              <a:schemeClr val="tx1"/>
+            </a:solidFill>
+            <a:headEnd type="stealth" w="med" len="lg"/>
+            <a:tailEnd type="none" w="med" len="lg"/>
+          </a:ln>
+        </p:spPr>
+        <p:style>
+          <a:lnRef idx="2">
+            <a:schemeClr val="accent1"/>
+          </a:lnRef>
+          <a:fillRef idx="0">
+            <a:schemeClr val="accent1"/>
+          </a:fillRef>
+          <a:effectRef idx="1">
+            <a:schemeClr val="accent1"/>
+          </a:effectRef>
+          <a:fontRef idx="minor">
+            <a:schemeClr val="tx1"/>
+          </a:fontRef>
+        </p:style>
+      </p:cxnSp>
+      <p:cxnSp>
+        <p:nvCxnSpPr>
+          <p:cNvPr id="35" name="Straight Arrow Connector 34">
+            <a:extLst>
+              <a:ext uri="{FF2B5EF4-FFF2-40B4-BE49-F238E27FC236}">
+                <a16:creationId xmlns:a16="http://schemas.microsoft.com/office/drawing/2014/main" id="{216E68E2-2BC6-9495-2532-50E2101C3585}"/>
+              </a:ext>
+            </a:extLst>
+          </p:cNvPr>
+          <p:cNvCxnSpPr>
+            <a:cxnSpLocks/>
+          </p:cNvCxnSpPr>
+          <p:nvPr/>
+        </p:nvCxnSpPr>
+        <p:spPr>
+          <a:xfrm flipV="1">
+            <a:off x="2151513" y="982156"/>
+            <a:ext cx="0" cy="300268"/>
+          </a:xfrm>
+          <a:prstGeom prst="straightConnector1">
+            <a:avLst/>
+          </a:prstGeom>
+          <a:ln w="22225">
+            <a:solidFill>
+              <a:schemeClr val="tx1"/>
+            </a:solidFill>
+            <a:headEnd type="stealth" w="med" len="lg"/>
+            <a:tailEnd type="none" w="med" len="lg"/>
+          </a:ln>
+        </p:spPr>
+        <p:style>
+          <a:lnRef idx="2">
+            <a:schemeClr val="accent1"/>
+          </a:lnRef>
+          <a:fillRef idx="0">
+            <a:schemeClr val="accent1"/>
+          </a:fillRef>
+          <a:effectRef idx="1">
+            <a:schemeClr val="accent1"/>
+          </a:effectRef>
+          <a:fontRef idx="minor">
+            <a:schemeClr val="tx1"/>
+          </a:fontRef>
+        </p:style>
+      </p:cxnSp>
+      <p:cxnSp>
+        <p:nvCxnSpPr>
+          <p:cNvPr id="38" name="Straight Arrow Connector 37">
+            <a:extLst>
+              <a:ext uri="{FF2B5EF4-FFF2-40B4-BE49-F238E27FC236}">
+                <a16:creationId xmlns:a16="http://schemas.microsoft.com/office/drawing/2014/main" id="{33E1F407-AE35-22E1-E2AB-EF6181F69A29}"/>
+              </a:ext>
+            </a:extLst>
+          </p:cNvPr>
+          <p:cNvCxnSpPr>
+            <a:cxnSpLocks/>
+          </p:cNvCxnSpPr>
+          <p:nvPr/>
+        </p:nvCxnSpPr>
+        <p:spPr>
+          <a:xfrm flipH="1">
+            <a:off x="2151513" y="991651"/>
+            <a:ext cx="364067" cy="0"/>
+          </a:xfrm>
+          <a:prstGeom prst="straightConnector1">
+            <a:avLst/>
+          </a:prstGeom>
+          <a:ln w="22225">
+            <a:solidFill>
+              <a:schemeClr val="accent3"/>
+            </a:solidFill>
+            <a:headEnd type="stealth" w="med" len="lg"/>
+            <a:tailEnd type="none" w="med" len="lg"/>
+          </a:ln>
+        </p:spPr>
+        <p:style>
+          <a:lnRef idx="2">
+            <a:schemeClr val="accent1"/>
+          </a:lnRef>
+          <a:fillRef idx="0">
+            <a:schemeClr val="accent1"/>
+          </a:fillRef>
+          <a:effectRef idx="1">
+            <a:schemeClr val="accent1"/>
+          </a:effectRef>
+          <a:fontRef idx="minor">
+            <a:schemeClr val="tx1"/>
+          </a:fontRef>
+        </p:style>
+      </p:cxnSp>
+      <p:cxnSp>
+        <p:nvCxnSpPr>
+          <p:cNvPr id="41" name="Straight Arrow Connector 40">
+            <a:extLst>
+              <a:ext uri="{FF2B5EF4-FFF2-40B4-BE49-F238E27FC236}">
+                <a16:creationId xmlns:a16="http://schemas.microsoft.com/office/drawing/2014/main" id="{36B0907F-D18C-6EC5-1C8F-4B000E139A17}"/>
+              </a:ext>
+            </a:extLst>
+          </p:cNvPr>
+          <p:cNvCxnSpPr>
+            <a:cxnSpLocks/>
+          </p:cNvCxnSpPr>
+          <p:nvPr/>
+        </p:nvCxnSpPr>
+        <p:spPr>
+          <a:xfrm flipH="1" flipV="1">
+            <a:off x="2151513" y="998789"/>
+            <a:ext cx="305640" cy="255060"/>
+          </a:xfrm>
+          <a:prstGeom prst="straightConnector1">
+            <a:avLst/>
+          </a:prstGeom>
+          <a:ln w="22225">
+            <a:solidFill>
+              <a:schemeClr val="tx1"/>
+            </a:solidFill>
+            <a:headEnd type="stealth" w="med" len="lg"/>
+            <a:tailEnd type="none" w="med" len="lg"/>
+          </a:ln>
+        </p:spPr>
+        <p:style>
+          <a:lnRef idx="2">
+            <a:schemeClr val="accent1"/>
+          </a:lnRef>
+          <a:fillRef idx="0">
+            <a:schemeClr val="accent1"/>
+          </a:fillRef>
+          <a:effectRef idx="1">
+            <a:schemeClr val="accent1"/>
+          </a:effectRef>
+          <a:fontRef idx="minor">
+            <a:schemeClr val="tx1"/>
+          </a:fontRef>
+        </p:style>
+      </p:cxnSp>
+      <mc:AlternateContent xmlns:mc="http://schemas.openxmlformats.org/markup-compatibility/2006">
+        <mc:Choice xmlns:a14="http://schemas.microsoft.com/office/drawing/2010/main" Requires="a14">
+          <p:sp>
+            <p:nvSpPr>
+              <p:cNvPr id="46" name="TextBox 45">
+                <a:extLst>
+                  <a:ext uri="{FF2B5EF4-FFF2-40B4-BE49-F238E27FC236}">
+                    <a16:creationId xmlns:a16="http://schemas.microsoft.com/office/drawing/2014/main" id="{3F08B872-2C0D-4B97-416C-DDBEF2D17600}"/>
+                  </a:ext>
+                </a:extLst>
+              </p:cNvPr>
+              <p:cNvSpPr txBox="1"/>
+              <p:nvPr/>
+            </p:nvSpPr>
+            <p:spPr>
+              <a:xfrm>
+                <a:off x="1371782" y="1437135"/>
+                <a:ext cx="190505" cy="276999"/>
+              </a:xfrm>
+              <a:prstGeom prst="rect">
+                <a:avLst/>
+              </a:prstGeom>
+              <a:noFill/>
+            </p:spPr>
+            <p:txBody>
+              <a:bodyPr wrap="square" lIns="0" tIns="0" rIns="0" bIns="0" rtlCol="0">
+                <a:spAutoFit/>
+              </a:bodyPr>
+              <a:lstStyle/>
+              <a:p>
+                <a:pPr/>
+                <a14:m>
+                  <m:oMathPara xmlns:m="http://schemas.openxmlformats.org/officeDocument/2006/math">
+                    <m:oMathParaPr>
+                      <m:jc m:val="centerGroup"/>
+                    </m:oMathParaPr>
+                    <m:oMath xmlns:m="http://schemas.openxmlformats.org/officeDocument/2006/math">
+                      <m:r>
+                        <a:rPr lang="en-US" b="0" i="1" smtClean="0">
+                          <a:latin typeface="Cambria Math" panose="02040503050406030204" pitchFamily="18" charset="0"/>
+                        </a:rPr>
+                        <m:t>𝐶</m:t>
+                      </m:r>
+                    </m:oMath>
+                  </m:oMathPara>
+                </a14:m>
+                <a:endParaRPr lang="en-US" dirty="0"/>
+              </a:p>
+            </p:txBody>
+          </p:sp>
+        </mc:Choice>
+        <mc:Fallback>
+          <p:sp>
+            <p:nvSpPr>
+              <p:cNvPr id="46" name="TextBox 45">
+                <a:extLst>
+                  <a:ext uri="{FF2B5EF4-FFF2-40B4-BE49-F238E27FC236}">
+                    <a16:creationId xmlns:a16="http://schemas.microsoft.com/office/drawing/2014/main" id="{3F08B872-2C0D-4B97-416C-DDBEF2D17600}"/>
+                  </a:ext>
+                </a:extLst>
+              </p:cNvPr>
+              <p:cNvSpPr txBox="1">
+                <a:spLocks noRot="1" noChangeAspect="1" noMove="1" noResize="1" noEditPoints="1" noAdjustHandles="1" noChangeArrowheads="1" noChangeShapeType="1" noTextEdit="1"/>
+              </p:cNvSpPr>
+              <p:nvPr/>
+            </p:nvSpPr>
+            <p:spPr>
+              <a:xfrm>
+                <a:off x="1371782" y="1437135"/>
+                <a:ext cx="190505" cy="276999"/>
+              </a:xfrm>
+              <a:prstGeom prst="rect">
+                <a:avLst/>
+              </a:prstGeom>
+              <a:blipFill>
+                <a:blip r:embed="rId2"/>
+                <a:stretch>
+                  <a:fillRect l="-29032" r="-32258" b="-6667"/>
+                </a:stretch>
+              </a:blipFill>
+            </p:spPr>
+            <p:txBody>
+              <a:bodyPr/>
+              <a:lstStyle/>
+              <a:p>
+                <a:r>
+                  <a:rPr lang="en-US">
+                    <a:noFill/>
+                  </a:rPr>
+                  <a:t> </a:t>
+                </a:r>
+              </a:p>
+            </p:txBody>
+          </p:sp>
+        </mc:Fallback>
+      </mc:AlternateContent>
+      <p:sp>
+        <p:nvSpPr>
+          <p:cNvPr id="47" name="Oval 46">
+            <a:extLst>
+              <a:ext uri="{FF2B5EF4-FFF2-40B4-BE49-F238E27FC236}">
+                <a16:creationId xmlns:a16="http://schemas.microsoft.com/office/drawing/2014/main" id="{4FE83494-D985-3E9B-E697-78813D5482F4}"/>
+              </a:ext>
+            </a:extLst>
+          </p:cNvPr>
+          <p:cNvSpPr/>
+          <p:nvPr/>
+        </p:nvSpPr>
+        <p:spPr>
+          <a:xfrm>
+            <a:off x="674298" y="963289"/>
+            <a:ext cx="64338" cy="60565"/>
+          </a:xfrm>
+          <a:prstGeom prst="ellipse">
+            <a:avLst/>
+          </a:prstGeom>
+          <a:solidFill>
+            <a:schemeClr val="tx1"/>
+          </a:solidFill>
+          <a:ln>
+            <a:noFill/>
+          </a:ln>
+        </p:spPr>
+        <p:style>
+          <a:lnRef idx="2">
+            <a:schemeClr val="accent1">
+              <a:shade val="15000"/>
+            </a:schemeClr>
+          </a:lnRef>
+          <a:fillRef idx="1">
+            <a:schemeClr val="accent1"/>
+          </a:fillRef>
+          <a:effectRef idx="0">
+            <a:schemeClr val="accent1"/>
+          </a:effectRef>
+          <a:fontRef idx="minor">
+            <a:schemeClr val="lt1"/>
+          </a:fontRef>
+        </p:style>
+        <p:txBody>
+          <a:bodyPr rtlCol="0" anchor="ctr"/>
+          <a:lstStyle/>
+          <a:p>
+            <a:pPr algn="ctr"/>
+            <a:endParaRPr lang="en-US"/>
+          </a:p>
+        </p:txBody>
+      </p:sp>
+      <p:sp>
+        <p:nvSpPr>
+          <p:cNvPr id="48" name="Oval 47">
+            <a:extLst>
+              <a:ext uri="{FF2B5EF4-FFF2-40B4-BE49-F238E27FC236}">
+                <a16:creationId xmlns:a16="http://schemas.microsoft.com/office/drawing/2014/main" id="{3ACE8DA9-2ADB-10CB-CFA9-9A98E7208D15}"/>
+              </a:ext>
+            </a:extLst>
+          </p:cNvPr>
+          <p:cNvSpPr/>
+          <p:nvPr/>
+        </p:nvSpPr>
+        <p:spPr>
+          <a:xfrm>
+            <a:off x="1402696" y="1685094"/>
+            <a:ext cx="64338" cy="60565"/>
+          </a:xfrm>
+          <a:prstGeom prst="ellipse">
+            <a:avLst/>
+          </a:prstGeom>
+          <a:solidFill>
+            <a:schemeClr val="tx1"/>
+          </a:solidFill>
+          <a:ln>
+            <a:noFill/>
+          </a:ln>
+        </p:spPr>
+        <p:style>
+          <a:lnRef idx="2">
+            <a:schemeClr val="accent1">
+              <a:shade val="15000"/>
+            </a:schemeClr>
+          </a:lnRef>
+          <a:fillRef idx="1">
+            <a:schemeClr val="accent1"/>
+          </a:fillRef>
+          <a:effectRef idx="0">
+            <a:schemeClr val="accent1"/>
+          </a:effectRef>
+          <a:fontRef idx="minor">
+            <a:schemeClr val="lt1"/>
+          </a:fontRef>
+        </p:style>
+        <p:txBody>
+          <a:bodyPr rtlCol="0" anchor="ctr"/>
+          <a:lstStyle/>
+          <a:p>
+            <a:pPr algn="ctr"/>
+            <a:endParaRPr lang="en-US"/>
+          </a:p>
+        </p:txBody>
+      </p:sp>
+      <p:sp>
+        <p:nvSpPr>
+          <p:cNvPr id="49" name="Oval 48">
+            <a:extLst>
+              <a:ext uri="{FF2B5EF4-FFF2-40B4-BE49-F238E27FC236}">
+                <a16:creationId xmlns:a16="http://schemas.microsoft.com/office/drawing/2014/main" id="{4816D8DE-CFF7-27C8-A166-894E00D5557A}"/>
+              </a:ext>
+            </a:extLst>
+          </p:cNvPr>
+          <p:cNvSpPr/>
+          <p:nvPr/>
+        </p:nvSpPr>
+        <p:spPr>
+          <a:xfrm>
+            <a:off x="2129288" y="963289"/>
+            <a:ext cx="64338" cy="60565"/>
+          </a:xfrm>
+          <a:prstGeom prst="ellipse">
+            <a:avLst/>
+          </a:prstGeom>
+          <a:solidFill>
+            <a:schemeClr val="tx1"/>
+          </a:solidFill>
+          <a:ln>
+            <a:noFill/>
+          </a:ln>
+        </p:spPr>
+        <p:style>
+          <a:lnRef idx="2">
+            <a:schemeClr val="accent1">
+              <a:shade val="15000"/>
+            </a:schemeClr>
+          </a:lnRef>
+          <a:fillRef idx="1">
+            <a:schemeClr val="accent1"/>
+          </a:fillRef>
+          <a:effectRef idx="0">
+            <a:schemeClr val="accent1"/>
+          </a:effectRef>
+          <a:fontRef idx="minor">
+            <a:schemeClr val="lt1"/>
+          </a:fontRef>
+        </p:style>
+        <p:txBody>
+          <a:bodyPr rtlCol="0" anchor="ctr"/>
+          <a:lstStyle/>
+          <a:p>
+            <a:pPr algn="ctr"/>
+            <a:endParaRPr lang="en-US"/>
+          </a:p>
+        </p:txBody>
+      </p:sp>
+      <p:sp>
+        <p:nvSpPr>
+          <p:cNvPr id="50" name="Oval 49">
+            <a:extLst>
+              <a:ext uri="{FF2B5EF4-FFF2-40B4-BE49-F238E27FC236}">
+                <a16:creationId xmlns:a16="http://schemas.microsoft.com/office/drawing/2014/main" id="{FC33212D-2172-271E-3579-AEA0189F637B}"/>
+              </a:ext>
+            </a:extLst>
+          </p:cNvPr>
+          <p:cNvSpPr/>
+          <p:nvPr/>
+        </p:nvSpPr>
+        <p:spPr>
+          <a:xfrm>
+            <a:off x="1999113" y="565893"/>
+            <a:ext cx="64338" cy="60565"/>
+          </a:xfrm>
+          <a:prstGeom prst="ellipse">
+            <a:avLst/>
+          </a:prstGeom>
+          <a:solidFill>
+            <a:schemeClr val="tx1"/>
+          </a:solidFill>
+          <a:ln>
+            <a:noFill/>
+          </a:ln>
+        </p:spPr>
+        <p:style>
+          <a:lnRef idx="2">
+            <a:schemeClr val="accent1">
+              <a:shade val="15000"/>
+            </a:schemeClr>
+          </a:lnRef>
+          <a:fillRef idx="1">
+            <a:schemeClr val="accent1"/>
+          </a:fillRef>
+          <a:effectRef idx="0">
+            <a:schemeClr val="accent1"/>
+          </a:effectRef>
+          <a:fontRef idx="minor">
+            <a:schemeClr val="lt1"/>
+          </a:fontRef>
+        </p:style>
+        <p:txBody>
+          <a:bodyPr rtlCol="0" anchor="ctr"/>
+          <a:lstStyle/>
+          <a:p>
+            <a:pPr algn="ctr"/>
+            <a:endParaRPr lang="en-US"/>
+          </a:p>
+        </p:txBody>
+      </p:sp>
+      <p:sp>
+        <p:nvSpPr>
+          <p:cNvPr id="51" name="Oval 50">
+            <a:extLst>
+              <a:ext uri="{FF2B5EF4-FFF2-40B4-BE49-F238E27FC236}">
+                <a16:creationId xmlns:a16="http://schemas.microsoft.com/office/drawing/2014/main" id="{96C68EF7-E253-DD92-7549-D6A389C87F45}"/>
+              </a:ext>
+            </a:extLst>
+          </p:cNvPr>
+          <p:cNvSpPr/>
+          <p:nvPr/>
+        </p:nvSpPr>
+        <p:spPr>
+          <a:xfrm>
+            <a:off x="1404813" y="250393"/>
+            <a:ext cx="64338" cy="60565"/>
+          </a:xfrm>
+          <a:prstGeom prst="ellipse">
+            <a:avLst/>
+          </a:prstGeom>
+          <a:solidFill>
+            <a:schemeClr val="tx1"/>
+          </a:solidFill>
+          <a:ln>
+            <a:noFill/>
+          </a:ln>
+        </p:spPr>
+        <p:style>
+          <a:lnRef idx="2">
+            <a:schemeClr val="accent1">
+              <a:shade val="15000"/>
+            </a:schemeClr>
+          </a:lnRef>
+          <a:fillRef idx="1">
+            <a:schemeClr val="accent1"/>
+          </a:fillRef>
+          <a:effectRef idx="0">
+            <a:schemeClr val="accent1"/>
+          </a:effectRef>
+          <a:fontRef idx="minor">
+            <a:schemeClr val="lt1"/>
+          </a:fontRef>
+        </p:style>
+        <p:txBody>
+          <a:bodyPr rtlCol="0" anchor="ctr"/>
+          <a:lstStyle/>
+          <a:p>
+            <a:pPr algn="ctr"/>
+            <a:endParaRPr lang="en-US"/>
+          </a:p>
+        </p:txBody>
+      </p:sp>
+      <mc:AlternateContent xmlns:mc="http://schemas.openxmlformats.org/markup-compatibility/2006">
+        <mc:Choice xmlns:a14="http://schemas.microsoft.com/office/drawing/2010/main" Requires="a14">
+          <p:sp>
+            <p:nvSpPr>
+              <p:cNvPr id="52" name="TextBox 51">
+                <a:extLst>
+                  <a:ext uri="{FF2B5EF4-FFF2-40B4-BE49-F238E27FC236}">
+                    <a16:creationId xmlns:a16="http://schemas.microsoft.com/office/drawing/2014/main" id="{C2AAA125-BC6C-9182-A0CD-699E1C5C1DA9}"/>
+                  </a:ext>
+                </a:extLst>
+              </p:cNvPr>
+              <p:cNvSpPr txBox="1"/>
+              <p:nvPr/>
+            </p:nvSpPr>
+            <p:spPr>
+              <a:xfrm>
+                <a:off x="512367" y="892699"/>
+                <a:ext cx="190505" cy="276999"/>
+              </a:xfrm>
+              <a:prstGeom prst="rect">
+                <a:avLst/>
+              </a:prstGeom>
+              <a:noFill/>
+            </p:spPr>
+            <p:txBody>
+              <a:bodyPr wrap="square" lIns="0" tIns="0" rIns="0" bIns="0" rtlCol="0">
+                <a:spAutoFit/>
+              </a:bodyPr>
+              <a:lstStyle/>
+              <a:p>
+                <a:pPr/>
+                <a14:m>
+                  <m:oMathPara xmlns:m="http://schemas.openxmlformats.org/officeDocument/2006/math">
+                    <m:oMathParaPr>
+                      <m:jc m:val="centerGroup"/>
+                    </m:oMathParaPr>
+                    <m:oMath xmlns:m="http://schemas.openxmlformats.org/officeDocument/2006/math">
+                      <m:r>
+                        <a:rPr lang="en-US" b="0" i="1" smtClean="0">
+                          <a:latin typeface="Cambria Math" panose="02040503050406030204" pitchFamily="18" charset="0"/>
+                        </a:rPr>
+                        <m:t>𝐷</m:t>
+                      </m:r>
+                    </m:oMath>
+                  </m:oMathPara>
+                </a14:m>
+                <a:endParaRPr lang="en-US" dirty="0"/>
+              </a:p>
+            </p:txBody>
+          </p:sp>
+        </mc:Choice>
+        <mc:Fallback>
+          <p:sp>
+            <p:nvSpPr>
+              <p:cNvPr id="52" name="TextBox 51">
+                <a:extLst>
+                  <a:ext uri="{FF2B5EF4-FFF2-40B4-BE49-F238E27FC236}">
+                    <a16:creationId xmlns:a16="http://schemas.microsoft.com/office/drawing/2014/main" id="{C2AAA125-BC6C-9182-A0CD-699E1C5C1DA9}"/>
+                  </a:ext>
+                </a:extLst>
+              </p:cNvPr>
+              <p:cNvSpPr txBox="1">
+                <a:spLocks noRot="1" noChangeAspect="1" noMove="1" noResize="1" noEditPoints="1" noAdjustHandles="1" noChangeArrowheads="1" noChangeShapeType="1" noTextEdit="1"/>
+              </p:cNvSpPr>
+              <p:nvPr/>
+            </p:nvSpPr>
+            <p:spPr>
+              <a:xfrm>
+                <a:off x="512367" y="892699"/>
+                <a:ext cx="190505" cy="276999"/>
+              </a:xfrm>
+              <a:prstGeom prst="rect">
+                <a:avLst/>
+              </a:prstGeom>
+              <a:blipFill>
+                <a:blip r:embed="rId3"/>
+                <a:stretch>
+                  <a:fillRect l="-35484" r="-35484" b="-6522"/>
+                </a:stretch>
+              </a:blipFill>
+            </p:spPr>
+            <p:txBody>
+              <a:bodyPr/>
+              <a:lstStyle/>
+              <a:p>
+                <a:r>
+                  <a:rPr lang="en-US">
+                    <a:noFill/>
+                  </a:rPr>
+                  <a:t> </a:t>
+                </a:r>
+              </a:p>
+            </p:txBody>
+          </p:sp>
+        </mc:Fallback>
+      </mc:AlternateContent>
+      <mc:AlternateContent xmlns:mc="http://schemas.openxmlformats.org/markup-compatibility/2006">
+        <mc:Choice xmlns:a14="http://schemas.microsoft.com/office/drawing/2010/main" Requires="a14">
+          <p:sp>
+            <p:nvSpPr>
+              <p:cNvPr id="53" name="TextBox 52">
+                <a:extLst>
+                  <a:ext uri="{FF2B5EF4-FFF2-40B4-BE49-F238E27FC236}">
+                    <a16:creationId xmlns:a16="http://schemas.microsoft.com/office/drawing/2014/main" id="{5F17AAC0-6814-0B52-4DF9-39CF3CF4A974}"/>
+                  </a:ext>
+                </a:extLst>
+              </p:cNvPr>
+              <p:cNvSpPr txBox="1"/>
+              <p:nvPr/>
+            </p:nvSpPr>
+            <p:spPr>
+              <a:xfrm>
+                <a:off x="1937945" y="875391"/>
+                <a:ext cx="190505" cy="276999"/>
+              </a:xfrm>
+              <a:prstGeom prst="rect">
+                <a:avLst/>
+              </a:prstGeom>
+              <a:noFill/>
+            </p:spPr>
+            <p:txBody>
+              <a:bodyPr wrap="square" lIns="0" tIns="0" rIns="0" bIns="0" rtlCol="0">
+                <a:spAutoFit/>
+              </a:bodyPr>
+              <a:lstStyle/>
+              <a:p>
+                <a:pPr/>
+                <a14:m>
+                  <m:oMathPara xmlns:m="http://schemas.openxmlformats.org/officeDocument/2006/math">
+                    <m:oMathParaPr>
+                      <m:jc m:val="centerGroup"/>
+                    </m:oMathParaPr>
+                    <m:oMath xmlns:m="http://schemas.openxmlformats.org/officeDocument/2006/math">
+                      <m:r>
+                        <a:rPr lang="en-US" b="0" i="1" smtClean="0">
+                          <a:latin typeface="Cambria Math" panose="02040503050406030204" pitchFamily="18" charset="0"/>
+                        </a:rPr>
+                        <m:t>𝐵</m:t>
+                      </m:r>
+                    </m:oMath>
+                  </m:oMathPara>
+                </a14:m>
+                <a:endParaRPr lang="en-US" dirty="0"/>
+              </a:p>
+            </p:txBody>
+          </p:sp>
+        </mc:Choice>
+        <mc:Fallback>
+          <p:sp>
+            <p:nvSpPr>
+              <p:cNvPr id="53" name="TextBox 52">
+                <a:extLst>
+                  <a:ext uri="{FF2B5EF4-FFF2-40B4-BE49-F238E27FC236}">
+                    <a16:creationId xmlns:a16="http://schemas.microsoft.com/office/drawing/2014/main" id="{5F17AAC0-6814-0B52-4DF9-39CF3CF4A974}"/>
+                  </a:ext>
+                </a:extLst>
+              </p:cNvPr>
+              <p:cNvSpPr txBox="1">
+                <a:spLocks noRot="1" noChangeAspect="1" noMove="1" noResize="1" noEditPoints="1" noAdjustHandles="1" noChangeArrowheads="1" noChangeShapeType="1" noTextEdit="1"/>
+              </p:cNvSpPr>
+              <p:nvPr/>
+            </p:nvSpPr>
+            <p:spPr>
+              <a:xfrm>
+                <a:off x="1937945" y="875391"/>
+                <a:ext cx="190505" cy="276999"/>
+              </a:xfrm>
+              <a:prstGeom prst="rect">
+                <a:avLst/>
+              </a:prstGeom>
+              <a:blipFill>
+                <a:blip r:embed="rId4"/>
+                <a:stretch>
+                  <a:fillRect l="-35484" r="-32258" b="-6667"/>
+                </a:stretch>
+              </a:blipFill>
+            </p:spPr>
+            <p:txBody>
+              <a:bodyPr/>
+              <a:lstStyle/>
+              <a:p>
+                <a:r>
+                  <a:rPr lang="en-US">
+                    <a:noFill/>
+                  </a:rPr>
+                  <a:t> </a:t>
+                </a:r>
+              </a:p>
+            </p:txBody>
+          </p:sp>
+        </mc:Fallback>
+      </mc:AlternateContent>
+      <mc:AlternateContent xmlns:mc="http://schemas.openxmlformats.org/markup-compatibility/2006">
+        <mc:Choice xmlns:a14="http://schemas.microsoft.com/office/drawing/2010/main" Requires="a14">
+          <p:sp>
+            <p:nvSpPr>
+              <p:cNvPr id="54" name="TextBox 53">
+                <a:extLst>
+                  <a:ext uri="{FF2B5EF4-FFF2-40B4-BE49-F238E27FC236}">
+                    <a16:creationId xmlns:a16="http://schemas.microsoft.com/office/drawing/2014/main" id="{D779C5C7-7D7E-3E25-DA99-78B3B56906D8}"/>
+                  </a:ext>
+                </a:extLst>
+              </p:cNvPr>
+              <p:cNvSpPr txBox="1"/>
+              <p:nvPr/>
+            </p:nvSpPr>
+            <p:spPr>
+              <a:xfrm>
+                <a:off x="1245626" y="0"/>
+                <a:ext cx="190505" cy="276999"/>
+              </a:xfrm>
+              <a:prstGeom prst="rect">
+                <a:avLst/>
+              </a:prstGeom>
+              <a:noFill/>
+            </p:spPr>
+            <p:txBody>
+              <a:bodyPr wrap="square" lIns="0" tIns="0" rIns="0" bIns="0" rtlCol="0">
+                <a:spAutoFit/>
+              </a:bodyPr>
+              <a:lstStyle/>
+              <a:p>
+                <a:pPr/>
+                <a14:m>
+                  <m:oMathPara xmlns:m="http://schemas.openxmlformats.org/officeDocument/2006/math">
+                    <m:oMathParaPr>
+                      <m:jc m:val="centerGroup"/>
+                    </m:oMathParaPr>
+                    <m:oMath xmlns:m="http://schemas.openxmlformats.org/officeDocument/2006/math">
+                      <m:r>
+                        <a:rPr lang="en-US" b="0" i="1" smtClean="0">
+                          <a:latin typeface="Cambria Math" panose="02040503050406030204" pitchFamily="18" charset="0"/>
+                        </a:rPr>
+                        <m:t>𝐴</m:t>
+                      </m:r>
+                    </m:oMath>
+                  </m:oMathPara>
+                </a14:m>
+                <a:endParaRPr lang="en-US" dirty="0"/>
+              </a:p>
+            </p:txBody>
+          </p:sp>
+        </mc:Choice>
+        <mc:Fallback>
+          <p:sp>
+            <p:nvSpPr>
+              <p:cNvPr id="54" name="TextBox 53">
+                <a:extLst>
+                  <a:ext uri="{FF2B5EF4-FFF2-40B4-BE49-F238E27FC236}">
+                    <a16:creationId xmlns:a16="http://schemas.microsoft.com/office/drawing/2014/main" id="{D779C5C7-7D7E-3E25-DA99-78B3B56906D8}"/>
+                  </a:ext>
+                </a:extLst>
+              </p:cNvPr>
+              <p:cNvSpPr txBox="1">
+                <a:spLocks noRot="1" noChangeAspect="1" noMove="1" noResize="1" noEditPoints="1" noAdjustHandles="1" noChangeArrowheads="1" noChangeShapeType="1" noTextEdit="1"/>
+              </p:cNvSpPr>
+              <p:nvPr/>
+            </p:nvSpPr>
+            <p:spPr>
+              <a:xfrm>
+                <a:off x="1245626" y="0"/>
+                <a:ext cx="190505" cy="276999"/>
+              </a:xfrm>
+              <a:prstGeom prst="rect">
+                <a:avLst/>
+              </a:prstGeom>
+              <a:blipFill>
+                <a:blip r:embed="rId5"/>
+                <a:stretch>
+                  <a:fillRect l="-28125" r="-31250" b="-6667"/>
+                </a:stretch>
+              </a:blipFill>
+            </p:spPr>
+            <p:txBody>
+              <a:bodyPr/>
+              <a:lstStyle/>
+              <a:p>
+                <a:r>
+                  <a:rPr lang="en-US">
+                    <a:noFill/>
+                  </a:rPr>
+                  <a:t> </a:t>
+                </a:r>
+              </a:p>
+            </p:txBody>
+          </p:sp>
+        </mc:Fallback>
+      </mc:AlternateContent>
+      <mc:AlternateContent xmlns:mc="http://schemas.openxmlformats.org/markup-compatibility/2006">
+        <mc:Choice xmlns:a14="http://schemas.microsoft.com/office/drawing/2010/main" Requires="a14">
+          <p:sp>
+            <p:nvSpPr>
+              <p:cNvPr id="56" name="TextBox 55">
+                <a:extLst>
+                  <a:ext uri="{FF2B5EF4-FFF2-40B4-BE49-F238E27FC236}">
+                    <a16:creationId xmlns:a16="http://schemas.microsoft.com/office/drawing/2014/main" id="{90E742A3-E6B6-E109-E551-B5A268FC1C0A}"/>
+                  </a:ext>
+                </a:extLst>
+              </p:cNvPr>
+              <p:cNvSpPr txBox="1"/>
+              <p:nvPr/>
+            </p:nvSpPr>
+            <p:spPr>
+              <a:xfrm>
+                <a:off x="1827658" y="555725"/>
+                <a:ext cx="190505" cy="276999"/>
+              </a:xfrm>
+              <a:prstGeom prst="rect">
+                <a:avLst/>
+              </a:prstGeom>
+              <a:noFill/>
+            </p:spPr>
+            <p:txBody>
+              <a:bodyPr wrap="square" lIns="0" tIns="0" rIns="0" bIns="0" rtlCol="0">
+                <a:spAutoFit/>
+              </a:bodyPr>
+              <a:lstStyle/>
+              <a:p>
+                <a:pPr/>
+                <a14:m>
+                  <m:oMathPara xmlns:m="http://schemas.openxmlformats.org/officeDocument/2006/math">
+                    <m:oMathParaPr>
+                      <m:jc m:val="centerGroup"/>
+                    </m:oMathParaPr>
+                    <m:oMath xmlns:m="http://schemas.openxmlformats.org/officeDocument/2006/math">
+                      <m:r>
+                        <a:rPr lang="en-US" b="0" i="1" smtClean="0">
+                          <a:latin typeface="Cambria Math" panose="02040503050406030204" pitchFamily="18" charset="0"/>
+                        </a:rPr>
+                        <m:t>𝐸</m:t>
+                      </m:r>
+                    </m:oMath>
+                  </m:oMathPara>
+                </a14:m>
+                <a:endParaRPr lang="en-US" dirty="0"/>
+              </a:p>
+            </p:txBody>
+          </p:sp>
+        </mc:Choice>
+        <mc:Fallback>
+          <p:sp>
+            <p:nvSpPr>
+              <p:cNvPr id="56" name="TextBox 55">
+                <a:extLst>
+                  <a:ext uri="{FF2B5EF4-FFF2-40B4-BE49-F238E27FC236}">
+                    <a16:creationId xmlns:a16="http://schemas.microsoft.com/office/drawing/2014/main" id="{90E742A3-E6B6-E109-E551-B5A268FC1C0A}"/>
+                  </a:ext>
+                </a:extLst>
+              </p:cNvPr>
+              <p:cNvSpPr txBox="1">
+                <a:spLocks noRot="1" noChangeAspect="1" noMove="1" noResize="1" noEditPoints="1" noAdjustHandles="1" noChangeArrowheads="1" noChangeShapeType="1" noTextEdit="1"/>
+              </p:cNvSpPr>
+              <p:nvPr/>
+            </p:nvSpPr>
+            <p:spPr>
+              <a:xfrm>
+                <a:off x="1827658" y="555725"/>
+                <a:ext cx="190505" cy="276999"/>
+              </a:xfrm>
+              <a:prstGeom prst="rect">
+                <a:avLst/>
+              </a:prstGeom>
+              <a:blipFill>
+                <a:blip r:embed="rId6"/>
+                <a:stretch>
+                  <a:fillRect l="-35484" r="-29032" b="-6522"/>
+                </a:stretch>
+              </a:blipFill>
+            </p:spPr>
+            <p:txBody>
+              <a:bodyPr/>
+              <a:lstStyle/>
+              <a:p>
+                <a:r>
+                  <a:rPr lang="en-US">
+                    <a:noFill/>
+                  </a:rPr>
+                  <a:t> </a:t>
+                </a:r>
+              </a:p>
+            </p:txBody>
+          </p:sp>
+        </mc:Fallback>
+      </mc:AlternateContent>
+      <mc:AlternateContent xmlns:mc="http://schemas.openxmlformats.org/markup-compatibility/2006">
+        <mc:Choice xmlns:a14="http://schemas.microsoft.com/office/drawing/2010/main" Requires="a14">
+          <p:sp>
+            <p:nvSpPr>
+              <p:cNvPr id="57" name="TextBox 56">
+                <a:extLst>
+                  <a:ext uri="{FF2B5EF4-FFF2-40B4-BE49-F238E27FC236}">
+                    <a16:creationId xmlns:a16="http://schemas.microsoft.com/office/drawing/2014/main" id="{C0D46F7E-9318-DD18-7ECB-B05D8F3B54E5}"/>
+                  </a:ext>
+                </a:extLst>
+              </p:cNvPr>
+              <p:cNvSpPr txBox="1"/>
+              <p:nvPr/>
+            </p:nvSpPr>
+            <p:spPr>
+              <a:xfrm>
+                <a:off x="1818128" y="119356"/>
+                <a:ext cx="190505" cy="184666"/>
+              </a:xfrm>
+              <a:prstGeom prst="rect">
+                <a:avLst/>
+              </a:prstGeom>
+              <a:noFill/>
+            </p:spPr>
+            <p:txBody>
+              <a:bodyPr wrap="square" lIns="0" tIns="0" rIns="0" bIns="0" rtlCol="0">
+                <a:spAutoFit/>
+              </a:bodyPr>
+              <a:lstStyle/>
+              <a:p>
+                <a:pPr/>
+                <a14:m>
+                  <m:oMathPara xmlns:m="http://schemas.openxmlformats.org/officeDocument/2006/math">
+                    <m:oMathParaPr>
+                      <m:jc m:val="centerGroup"/>
+                    </m:oMathParaPr>
+                    <m:oMath xmlns:m="http://schemas.openxmlformats.org/officeDocument/2006/math">
+                      <m:r>
+                        <a:rPr lang="en-US" sz="1200" b="0" i="1" smtClean="0">
+                          <a:latin typeface="Cambria Math" panose="02040503050406030204" pitchFamily="18" charset="0"/>
+                        </a:rPr>
+                        <m:t>2</m:t>
+                      </m:r>
+                      <m:r>
+                        <a:rPr lang="en-US" sz="1200" b="0" i="1" smtClean="0">
+                          <a:latin typeface="Cambria Math" panose="02040503050406030204" pitchFamily="18" charset="0"/>
+                        </a:rPr>
+                        <m:t>𝑣</m:t>
+                      </m:r>
+                    </m:oMath>
+                  </m:oMathPara>
+                </a14:m>
+                <a:endParaRPr lang="en-US" sz="1200" dirty="0"/>
+              </a:p>
+            </p:txBody>
+          </p:sp>
+        </mc:Choice>
+        <mc:Fallback>
+          <p:sp>
+            <p:nvSpPr>
+              <p:cNvPr id="57" name="TextBox 56">
+                <a:extLst>
+                  <a:ext uri="{FF2B5EF4-FFF2-40B4-BE49-F238E27FC236}">
+                    <a16:creationId xmlns:a16="http://schemas.microsoft.com/office/drawing/2014/main" id="{C0D46F7E-9318-DD18-7ECB-B05D8F3B54E5}"/>
+                  </a:ext>
+                </a:extLst>
+              </p:cNvPr>
+              <p:cNvSpPr txBox="1">
+                <a:spLocks noRot="1" noChangeAspect="1" noMove="1" noResize="1" noEditPoints="1" noAdjustHandles="1" noChangeArrowheads="1" noChangeShapeType="1" noTextEdit="1"/>
+              </p:cNvSpPr>
+              <p:nvPr/>
+            </p:nvSpPr>
+            <p:spPr>
+              <a:xfrm>
+                <a:off x="1818128" y="119356"/>
+                <a:ext cx="190505" cy="184666"/>
+              </a:xfrm>
+              <a:prstGeom prst="rect">
+                <a:avLst/>
+              </a:prstGeom>
+              <a:blipFill>
+                <a:blip r:embed="rId7"/>
+                <a:stretch>
+                  <a:fillRect l="-21875" r="-21875" b="-6667"/>
+                </a:stretch>
+              </a:blipFill>
+            </p:spPr>
+            <p:txBody>
+              <a:bodyPr/>
+              <a:lstStyle/>
+              <a:p>
+                <a:r>
+                  <a:rPr lang="en-US">
+                    <a:noFill/>
+                  </a:rPr>
+                  <a:t> </a:t>
+                </a:r>
+              </a:p>
+            </p:txBody>
+          </p:sp>
+        </mc:Fallback>
+      </mc:AlternateContent>
+      <p:sp>
+        <p:nvSpPr>
+          <p:cNvPr id="58" name="Oval 57">
+            <a:extLst>
+              <a:ext uri="{FF2B5EF4-FFF2-40B4-BE49-F238E27FC236}">
+                <a16:creationId xmlns:a16="http://schemas.microsoft.com/office/drawing/2014/main" id="{E0ACC3DF-16A5-EB7B-3E93-1DD61C516E5A}"/>
+              </a:ext>
+            </a:extLst>
+          </p:cNvPr>
+          <p:cNvSpPr/>
+          <p:nvPr/>
+        </p:nvSpPr>
+        <p:spPr>
+          <a:xfrm>
+            <a:off x="1413843" y="955273"/>
+            <a:ext cx="64338" cy="60565"/>
+          </a:xfrm>
+          <a:prstGeom prst="ellipse">
+            <a:avLst/>
+          </a:prstGeom>
+          <a:solidFill>
+            <a:schemeClr val="tx1"/>
+          </a:solidFill>
+          <a:ln>
+            <a:noFill/>
+          </a:ln>
+        </p:spPr>
+        <p:style>
+          <a:lnRef idx="2">
+            <a:schemeClr val="accent1">
+              <a:shade val="15000"/>
+            </a:schemeClr>
+          </a:lnRef>
+          <a:fillRef idx="1">
+            <a:schemeClr val="accent1"/>
+          </a:fillRef>
+          <a:effectRef idx="0">
+            <a:schemeClr val="accent1"/>
+          </a:effectRef>
+          <a:fontRef idx="minor">
+            <a:schemeClr val="lt1"/>
+          </a:fontRef>
+        </p:style>
+        <p:txBody>
+          <a:bodyPr rtlCol="0" anchor="ctr"/>
+          <a:lstStyle/>
+          <a:p>
+            <a:pPr algn="ctr"/>
+            <a:endParaRPr lang="en-US"/>
+          </a:p>
+        </p:txBody>
+      </p:sp>
+      <p:cxnSp>
+        <p:nvCxnSpPr>
+          <p:cNvPr id="59" name="Straight Arrow Connector 58">
+            <a:extLst>
+              <a:ext uri="{FF2B5EF4-FFF2-40B4-BE49-F238E27FC236}">
+                <a16:creationId xmlns:a16="http://schemas.microsoft.com/office/drawing/2014/main" id="{B186F220-F292-1104-AA30-79D4C13489F2}"/>
+              </a:ext>
+            </a:extLst>
+          </p:cNvPr>
+          <p:cNvCxnSpPr>
+            <a:cxnSpLocks/>
+          </p:cNvCxnSpPr>
+          <p:nvPr/>
+        </p:nvCxnSpPr>
+        <p:spPr>
+          <a:xfrm flipH="1">
+            <a:off x="1439913" y="985555"/>
+            <a:ext cx="346292" cy="0"/>
+          </a:xfrm>
+          <a:prstGeom prst="straightConnector1">
+            <a:avLst/>
+          </a:prstGeom>
+          <a:ln w="22225">
+            <a:solidFill>
+              <a:schemeClr val="tx1"/>
+            </a:solidFill>
+            <a:headEnd type="stealth" w="med" len="lg"/>
+            <a:tailEnd type="none" w="med" len="lg"/>
+          </a:ln>
+        </p:spPr>
+        <p:style>
+          <a:lnRef idx="2">
+            <a:schemeClr val="accent1"/>
+          </a:lnRef>
+          <a:fillRef idx="0">
+            <a:schemeClr val="accent1"/>
+          </a:fillRef>
+          <a:effectRef idx="1">
+            <a:schemeClr val="accent1"/>
+          </a:effectRef>
+          <a:fontRef idx="minor">
+            <a:schemeClr val="tx1"/>
+          </a:fontRef>
+        </p:style>
+      </p:cxnSp>
+      <mc:AlternateContent xmlns:mc="http://schemas.openxmlformats.org/markup-compatibility/2006">
+        <mc:Choice xmlns:a14="http://schemas.microsoft.com/office/drawing/2010/main" Requires="a14">
+          <p:sp>
+            <p:nvSpPr>
+              <p:cNvPr id="61" name="TextBox 60">
+                <a:extLst>
+                  <a:ext uri="{FF2B5EF4-FFF2-40B4-BE49-F238E27FC236}">
+                    <a16:creationId xmlns:a16="http://schemas.microsoft.com/office/drawing/2014/main" id="{660BEA11-E5F1-4B25-FB9D-F4CAA2906520}"/>
+                  </a:ext>
+                </a:extLst>
+              </p:cNvPr>
+              <p:cNvSpPr txBox="1"/>
+              <p:nvPr/>
+            </p:nvSpPr>
+            <p:spPr>
+              <a:xfrm>
+                <a:off x="1607864" y="791510"/>
+                <a:ext cx="190505" cy="184666"/>
+              </a:xfrm>
+              <a:prstGeom prst="rect">
+                <a:avLst/>
+              </a:prstGeom>
+              <a:noFill/>
+            </p:spPr>
+            <p:txBody>
+              <a:bodyPr wrap="square" lIns="0" tIns="0" rIns="0" bIns="0" rtlCol="0">
+                <a:spAutoFit/>
+              </a:bodyPr>
+              <a:lstStyle/>
+              <a:p>
+                <a:pPr/>
+                <a14:m>
+                  <m:oMathPara xmlns:m="http://schemas.openxmlformats.org/officeDocument/2006/math">
+                    <m:oMathParaPr>
+                      <m:jc m:val="centerGroup"/>
+                    </m:oMathParaPr>
+                    <m:oMath xmlns:m="http://schemas.openxmlformats.org/officeDocument/2006/math">
+                      <m:r>
+                        <a:rPr lang="en-US" sz="1200" b="0" i="1" smtClean="0">
+                          <a:latin typeface="Cambria Math" panose="02040503050406030204" pitchFamily="18" charset="0"/>
+                        </a:rPr>
+                        <m:t>𝑣</m:t>
+                      </m:r>
+                    </m:oMath>
+                  </m:oMathPara>
+                </a14:m>
+                <a:endParaRPr lang="en-US" sz="1200" dirty="0"/>
+              </a:p>
+            </p:txBody>
+          </p:sp>
+        </mc:Choice>
+        <mc:Fallback>
+          <p:sp>
+            <p:nvSpPr>
+              <p:cNvPr id="61" name="TextBox 60">
+                <a:extLst>
+                  <a:ext uri="{FF2B5EF4-FFF2-40B4-BE49-F238E27FC236}">
+                    <a16:creationId xmlns:a16="http://schemas.microsoft.com/office/drawing/2014/main" id="{660BEA11-E5F1-4B25-FB9D-F4CAA2906520}"/>
+                  </a:ext>
+                </a:extLst>
+              </p:cNvPr>
+              <p:cNvSpPr txBox="1">
+                <a:spLocks noRot="1" noChangeAspect="1" noMove="1" noResize="1" noEditPoints="1" noAdjustHandles="1" noChangeArrowheads="1" noChangeShapeType="1" noTextEdit="1"/>
+              </p:cNvSpPr>
+              <p:nvPr/>
+            </p:nvSpPr>
+            <p:spPr>
+              <a:xfrm>
+                <a:off x="1607864" y="791510"/>
+                <a:ext cx="190505" cy="184666"/>
+              </a:xfrm>
+              <a:prstGeom prst="rect">
+                <a:avLst/>
+              </a:prstGeom>
+              <a:blipFill>
+                <a:blip r:embed="rId8"/>
+                <a:stretch>
+                  <a:fillRect/>
+                </a:stretch>
+              </a:blipFill>
+            </p:spPr>
+            <p:txBody>
+              <a:bodyPr/>
+              <a:lstStyle/>
+              <a:p>
+                <a:r>
+                  <a:rPr lang="en-US">
+                    <a:noFill/>
+                  </a:rPr>
+                  <a:t> </a:t>
+                </a:r>
+              </a:p>
+            </p:txBody>
+          </p:sp>
+        </mc:Fallback>
+      </mc:AlternateContent>
+      <p:cxnSp>
+        <p:nvCxnSpPr>
+          <p:cNvPr id="62" name="Straight Arrow Connector 61">
+            <a:extLst>
+              <a:ext uri="{FF2B5EF4-FFF2-40B4-BE49-F238E27FC236}">
+                <a16:creationId xmlns:a16="http://schemas.microsoft.com/office/drawing/2014/main" id="{BD5A1C5C-FE23-5AD6-3835-3FD8B4FC994D}"/>
+              </a:ext>
+            </a:extLst>
+          </p:cNvPr>
+          <p:cNvCxnSpPr>
+            <a:cxnSpLocks/>
+            <a:stCxn id="51" idx="4"/>
+          </p:cNvCxnSpPr>
+          <p:nvPr/>
+        </p:nvCxnSpPr>
+        <p:spPr>
+          <a:xfrm>
+            <a:off x="1436982" y="310958"/>
+            <a:ext cx="5863" cy="670652"/>
+          </a:xfrm>
+          <a:prstGeom prst="straightConnector1">
+            <a:avLst/>
+          </a:prstGeom>
+          <a:ln w="12700">
+            <a:solidFill>
+              <a:schemeClr val="tx1"/>
+            </a:solidFill>
+            <a:prstDash val="dash"/>
+            <a:headEnd type="none" w="med" len="lg"/>
+            <a:tailEnd type="none" w="med" len="lg"/>
+          </a:ln>
+        </p:spPr>
+        <p:style>
+          <a:lnRef idx="2">
+            <a:schemeClr val="accent1"/>
+          </a:lnRef>
+          <a:fillRef idx="0">
+            <a:schemeClr val="accent1"/>
+          </a:fillRef>
+          <a:effectRef idx="1">
+            <a:schemeClr val="accent1"/>
+          </a:effectRef>
+          <a:fontRef idx="minor">
+            <a:schemeClr val="tx1"/>
+          </a:fontRef>
+        </p:style>
+      </p:cxnSp>
+      <mc:AlternateContent xmlns:mc="http://schemas.openxmlformats.org/markup-compatibility/2006">
+        <mc:Choice xmlns:a14="http://schemas.microsoft.com/office/drawing/2010/main" Requires="a14">
+          <p:sp>
+            <p:nvSpPr>
+              <p:cNvPr id="65" name="TextBox 64">
+                <a:extLst>
+                  <a:ext uri="{FF2B5EF4-FFF2-40B4-BE49-F238E27FC236}">
+                    <a16:creationId xmlns:a16="http://schemas.microsoft.com/office/drawing/2014/main" id="{448C647B-583F-4925-2539-3140962E88FC}"/>
+                  </a:ext>
+                </a:extLst>
+              </p:cNvPr>
+              <p:cNvSpPr txBox="1"/>
+              <p:nvPr/>
+            </p:nvSpPr>
+            <p:spPr>
+              <a:xfrm>
+                <a:off x="2325075" y="1226261"/>
+                <a:ext cx="190505" cy="172035"/>
+              </a:xfrm>
+              <a:prstGeom prst="rect">
+                <a:avLst/>
+              </a:prstGeom>
+              <a:noFill/>
+            </p:spPr>
+            <p:txBody>
+              <a:bodyPr wrap="square" lIns="0" tIns="0" rIns="0" bIns="0" rtlCol="0">
+                <a:spAutoFit/>
+              </a:bodyPr>
+              <a:lstStyle/>
+              <a:p>
+                <a:pPr/>
+                <a14:m>
+                  <m:oMathPara xmlns:m="http://schemas.openxmlformats.org/officeDocument/2006/math">
+                    <m:oMathParaPr>
+                      <m:jc m:val="centerGroup"/>
+                    </m:oMathParaPr>
+                    <m:oMath xmlns:m="http://schemas.openxmlformats.org/officeDocument/2006/math">
+                      <m:r>
+                        <a:rPr lang="en-US" sz="1000" b="0" i="1" smtClean="0">
+                          <a:latin typeface="Cambria Math" panose="02040503050406030204" pitchFamily="18" charset="0"/>
+                        </a:rPr>
+                        <m:t>𝑣</m:t>
+                      </m:r>
+                      <m:rad>
+                        <m:radPr>
+                          <m:degHide m:val="on"/>
+                          <m:ctrlPr>
+                            <a:rPr lang="en-US" sz="1000" b="0" i="1" smtClean="0">
+                              <a:latin typeface="Cambria Math" panose="02040503050406030204" pitchFamily="18" charset="0"/>
+                            </a:rPr>
+                          </m:ctrlPr>
+                        </m:radPr>
+                        <m:deg/>
+                        <m:e>
+                          <m:r>
+                            <a:rPr lang="en-US" sz="1000" b="0" i="1" smtClean="0">
+                              <a:latin typeface="Cambria Math" panose="02040503050406030204" pitchFamily="18" charset="0"/>
+                            </a:rPr>
+                            <m:t>2</m:t>
+                          </m:r>
+                        </m:e>
+                      </m:rad>
+                    </m:oMath>
+                  </m:oMathPara>
+                </a14:m>
+                <a:endParaRPr lang="en-US" sz="1000" dirty="0"/>
+              </a:p>
+            </p:txBody>
+          </p:sp>
+        </mc:Choice>
+        <mc:Fallback>
+          <p:sp>
+            <p:nvSpPr>
+              <p:cNvPr id="65" name="TextBox 64">
+                <a:extLst>
+                  <a:ext uri="{FF2B5EF4-FFF2-40B4-BE49-F238E27FC236}">
+                    <a16:creationId xmlns:a16="http://schemas.microsoft.com/office/drawing/2014/main" id="{448C647B-583F-4925-2539-3140962E88FC}"/>
+                  </a:ext>
+                </a:extLst>
+              </p:cNvPr>
+              <p:cNvSpPr txBox="1">
+                <a:spLocks noRot="1" noChangeAspect="1" noMove="1" noResize="1" noEditPoints="1" noAdjustHandles="1" noChangeArrowheads="1" noChangeShapeType="1" noTextEdit="1"/>
+              </p:cNvSpPr>
+              <p:nvPr/>
+            </p:nvSpPr>
+            <p:spPr>
+              <a:xfrm>
+                <a:off x="2325075" y="1226261"/>
+                <a:ext cx="190505" cy="172035"/>
+              </a:xfrm>
+              <a:prstGeom prst="rect">
+                <a:avLst/>
+              </a:prstGeom>
+              <a:blipFill>
+                <a:blip r:embed="rId9"/>
+                <a:stretch>
+                  <a:fillRect l="-15625" r="-43750" b="-7143"/>
+                </a:stretch>
+              </a:blipFill>
+            </p:spPr>
+            <p:txBody>
+              <a:bodyPr/>
+              <a:lstStyle/>
+              <a:p>
+                <a:r>
+                  <a:rPr lang="en-US">
+                    <a:noFill/>
+                  </a:rPr>
+                  <a:t> </a:t>
+                </a:r>
+              </a:p>
+            </p:txBody>
+          </p:sp>
+        </mc:Fallback>
+      </mc:AlternateContent>
+      <mc:AlternateContent xmlns:mc="http://schemas.openxmlformats.org/markup-compatibility/2006">
+        <mc:Choice xmlns:a14="http://schemas.microsoft.com/office/drawing/2010/main" Requires="a14">
+          <p:sp>
+            <p:nvSpPr>
+              <p:cNvPr id="66" name="TextBox 65">
+                <a:extLst>
+                  <a:ext uri="{FF2B5EF4-FFF2-40B4-BE49-F238E27FC236}">
+                    <a16:creationId xmlns:a16="http://schemas.microsoft.com/office/drawing/2014/main" id="{36D79D02-D610-6CFC-EA43-05AEDF57009D}"/>
+                  </a:ext>
+                </a:extLst>
+              </p:cNvPr>
+              <p:cNvSpPr txBox="1"/>
+              <p:nvPr/>
+            </p:nvSpPr>
+            <p:spPr>
+              <a:xfrm>
+                <a:off x="789505" y="624836"/>
+                <a:ext cx="280402" cy="172035"/>
+              </a:xfrm>
+              <a:prstGeom prst="rect">
+                <a:avLst/>
+              </a:prstGeom>
+              <a:noFill/>
+            </p:spPr>
+            <p:txBody>
+              <a:bodyPr wrap="square" lIns="0" tIns="0" rIns="0" bIns="0" rtlCol="0">
+                <a:spAutoFit/>
+              </a:bodyPr>
+              <a:lstStyle/>
+              <a:p>
+                <a:pPr/>
+                <a14:m>
+                  <m:oMathPara xmlns:m="http://schemas.openxmlformats.org/officeDocument/2006/math">
+                    <m:oMathParaPr>
+                      <m:jc m:val="centerGroup"/>
+                    </m:oMathParaPr>
+                    <m:oMath xmlns:m="http://schemas.openxmlformats.org/officeDocument/2006/math">
+                      <m:r>
+                        <a:rPr lang="en-US" sz="1000" b="0" i="1" smtClean="0">
+                          <a:latin typeface="Cambria Math" panose="02040503050406030204" pitchFamily="18" charset="0"/>
+                        </a:rPr>
+                        <m:t>𝑣</m:t>
+                      </m:r>
+                      <m:rad>
+                        <m:radPr>
+                          <m:degHide m:val="on"/>
+                          <m:ctrlPr>
+                            <a:rPr lang="en-US" sz="1000" b="0" i="1" smtClean="0">
+                              <a:latin typeface="Cambria Math" panose="02040503050406030204" pitchFamily="18" charset="0"/>
+                            </a:rPr>
+                          </m:ctrlPr>
+                        </m:radPr>
+                        <m:deg/>
+                        <m:e>
+                          <m:r>
+                            <a:rPr lang="en-US" sz="1000" b="0" i="1" smtClean="0">
+                              <a:latin typeface="Cambria Math" panose="02040503050406030204" pitchFamily="18" charset="0"/>
+                            </a:rPr>
+                            <m:t>2</m:t>
+                          </m:r>
+                        </m:e>
+                      </m:rad>
+                    </m:oMath>
+                  </m:oMathPara>
+                </a14:m>
+                <a:endParaRPr lang="en-US" sz="1000" dirty="0"/>
+              </a:p>
+            </p:txBody>
+          </p:sp>
+        </mc:Choice>
+        <mc:Fallback>
+          <p:sp>
+            <p:nvSpPr>
+              <p:cNvPr id="66" name="TextBox 65">
+                <a:extLst>
+                  <a:ext uri="{FF2B5EF4-FFF2-40B4-BE49-F238E27FC236}">
+                    <a16:creationId xmlns:a16="http://schemas.microsoft.com/office/drawing/2014/main" id="{36D79D02-D610-6CFC-EA43-05AEDF57009D}"/>
+                  </a:ext>
+                </a:extLst>
+              </p:cNvPr>
+              <p:cNvSpPr txBox="1">
+                <a:spLocks noRot="1" noChangeAspect="1" noMove="1" noResize="1" noEditPoints="1" noAdjustHandles="1" noChangeArrowheads="1" noChangeShapeType="1" noTextEdit="1"/>
+              </p:cNvSpPr>
+              <p:nvPr/>
+            </p:nvSpPr>
+            <p:spPr>
+              <a:xfrm>
+                <a:off x="789505" y="624836"/>
+                <a:ext cx="280402" cy="172035"/>
+              </a:xfrm>
+              <a:prstGeom prst="rect">
+                <a:avLst/>
+              </a:prstGeom>
+              <a:blipFill>
+                <a:blip r:embed="rId10"/>
+                <a:stretch>
+                  <a:fillRect l="-4348" r="-6522" b="-3448"/>
+                </a:stretch>
+              </a:blipFill>
+            </p:spPr>
+            <p:txBody>
+              <a:bodyPr/>
+              <a:lstStyle/>
+              <a:p>
+                <a:r>
+                  <a:rPr lang="en-US">
+                    <a:noFill/>
+                  </a:rPr>
+                  <a:t> </a:t>
+                </a:r>
+              </a:p>
+            </p:txBody>
+          </p:sp>
+        </mc:Fallback>
+      </mc:AlternateContent>
+      <mc:AlternateContent xmlns:mc="http://schemas.openxmlformats.org/markup-compatibility/2006">
+        <mc:Choice xmlns:a14="http://schemas.microsoft.com/office/drawing/2010/main" Requires="a14">
+          <p:sp>
+            <p:nvSpPr>
+              <p:cNvPr id="67" name="TextBox 66">
+                <a:extLst>
+                  <a:ext uri="{FF2B5EF4-FFF2-40B4-BE49-F238E27FC236}">
+                    <a16:creationId xmlns:a16="http://schemas.microsoft.com/office/drawing/2014/main" id="{8AC0C741-80BE-00EC-4CE7-A81ADBAA6DE1}"/>
+                  </a:ext>
+                </a:extLst>
+              </p:cNvPr>
+              <p:cNvSpPr txBox="1"/>
+              <p:nvPr/>
+            </p:nvSpPr>
+            <p:spPr>
+              <a:xfrm>
+                <a:off x="864573" y="1514351"/>
+                <a:ext cx="190505" cy="184666"/>
+              </a:xfrm>
+              <a:prstGeom prst="rect">
+                <a:avLst/>
+              </a:prstGeom>
+              <a:noFill/>
+            </p:spPr>
+            <p:txBody>
+              <a:bodyPr wrap="square" lIns="0" tIns="0" rIns="0" bIns="0" rtlCol="0">
+                <a:spAutoFit/>
+              </a:bodyPr>
+              <a:lstStyle/>
+              <a:p>
+                <a:pPr/>
+                <a14:m>
+                  <m:oMathPara xmlns:m="http://schemas.openxmlformats.org/officeDocument/2006/math">
+                    <m:oMathParaPr>
+                      <m:jc m:val="centerGroup"/>
+                    </m:oMathParaPr>
+                    <m:oMath xmlns:m="http://schemas.openxmlformats.org/officeDocument/2006/math">
+                      <m:sSub>
+                        <m:sSubPr>
+                          <m:ctrlPr>
+                            <a:rPr lang="en-US" sz="1200" b="0" i="1" smtClean="0">
+                              <a:latin typeface="Cambria Math" panose="02040503050406030204" pitchFamily="18" charset="0"/>
+                            </a:rPr>
+                          </m:ctrlPr>
+                        </m:sSubPr>
+                        <m:e>
+                          <m:r>
+                            <a:rPr lang="en-US" sz="1200" b="0" i="1" smtClean="0">
+                              <a:latin typeface="Cambria Math" panose="02040503050406030204" pitchFamily="18" charset="0"/>
+                            </a:rPr>
+                            <m:t>𝑣</m:t>
+                          </m:r>
+                        </m:e>
+                        <m:sub>
+                          <m:r>
+                            <a:rPr lang="en-US" sz="1200" b="0" i="1" smtClean="0">
+                              <a:latin typeface="Cambria Math" panose="02040503050406030204" pitchFamily="18" charset="0"/>
+                            </a:rPr>
+                            <m:t>𝑅</m:t>
+                          </m:r>
+                        </m:sub>
+                      </m:sSub>
+                    </m:oMath>
+                  </m:oMathPara>
+                </a14:m>
+                <a:endParaRPr lang="en-US" sz="1200" dirty="0"/>
+              </a:p>
+            </p:txBody>
+          </p:sp>
+        </mc:Choice>
+        <mc:Fallback>
+          <p:sp>
+            <p:nvSpPr>
+              <p:cNvPr id="67" name="TextBox 66">
+                <a:extLst>
+                  <a:ext uri="{FF2B5EF4-FFF2-40B4-BE49-F238E27FC236}">
+                    <a16:creationId xmlns:a16="http://schemas.microsoft.com/office/drawing/2014/main" id="{8AC0C741-80BE-00EC-4CE7-A81ADBAA6DE1}"/>
+                  </a:ext>
+                </a:extLst>
+              </p:cNvPr>
+              <p:cNvSpPr txBox="1">
+                <a:spLocks noRot="1" noChangeAspect="1" noMove="1" noResize="1" noEditPoints="1" noAdjustHandles="1" noChangeArrowheads="1" noChangeShapeType="1" noTextEdit="1"/>
+              </p:cNvSpPr>
+              <p:nvPr/>
+            </p:nvSpPr>
+            <p:spPr>
+              <a:xfrm>
+                <a:off x="864573" y="1514351"/>
+                <a:ext cx="190505" cy="184666"/>
+              </a:xfrm>
+              <a:prstGeom prst="rect">
+                <a:avLst/>
+              </a:prstGeom>
+              <a:blipFill>
+                <a:blip r:embed="rId11"/>
+                <a:stretch>
+                  <a:fillRect l="-16129" r="-9677" b="-9677"/>
+                </a:stretch>
+              </a:blipFill>
+            </p:spPr>
+            <p:txBody>
+              <a:bodyPr/>
+              <a:lstStyle/>
+              <a:p>
+                <a:r>
+                  <a:rPr lang="en-US">
+                    <a:noFill/>
+                  </a:rPr>
+                  <a:t> </a:t>
+                </a:r>
+              </a:p>
+            </p:txBody>
+          </p:sp>
+        </mc:Fallback>
+      </mc:AlternateContent>
+      <p:sp>
+        <p:nvSpPr>
+          <p:cNvPr id="68" name="Rectangle 67">
+            <a:extLst>
+              <a:ext uri="{FF2B5EF4-FFF2-40B4-BE49-F238E27FC236}">
+                <a16:creationId xmlns:a16="http://schemas.microsoft.com/office/drawing/2014/main" id="{8E8687E8-2F9B-B41B-29E6-B976DD813FBC}"/>
+              </a:ext>
+            </a:extLst>
+          </p:cNvPr>
+          <p:cNvSpPr/>
+          <p:nvPr/>
+        </p:nvSpPr>
+        <p:spPr>
+          <a:xfrm>
+            <a:off x="1438081" y="290430"/>
+            <a:ext cx="100134" cy="105983"/>
+          </a:xfrm>
+          <a:prstGeom prst="rect">
+            <a:avLst/>
+          </a:prstGeom>
+          <a:noFill/>
+        </p:spPr>
+        <p:style>
+          <a:lnRef idx="2">
+            <a:schemeClr val="accent1">
+              <a:shade val="15000"/>
+            </a:schemeClr>
+          </a:lnRef>
+          <a:fillRef idx="1">
+            <a:schemeClr val="accent1"/>
+          </a:fillRef>
+          <a:effectRef idx="0">
+            <a:schemeClr val="accent1"/>
+          </a:effectRef>
+          <a:fontRef idx="minor">
+            <a:schemeClr val="lt1"/>
+          </a:fontRef>
+        </p:style>
+        <p:txBody>
+          <a:bodyPr rtlCol="0" anchor="ctr"/>
+          <a:lstStyle/>
+          <a:p>
+            <a:pPr algn="ctr"/>
+            <a:endParaRPr lang="en-US"/>
+          </a:p>
+        </p:txBody>
+      </p:sp>
+      <p:cxnSp>
+        <p:nvCxnSpPr>
+          <p:cNvPr id="69" name="Straight Connector 68">
+            <a:extLst>
+              <a:ext uri="{FF2B5EF4-FFF2-40B4-BE49-F238E27FC236}">
+                <a16:creationId xmlns:a16="http://schemas.microsoft.com/office/drawing/2014/main" id="{C7E861C2-E8F2-BA0D-222E-C009C6EE1679}"/>
+              </a:ext>
+            </a:extLst>
+          </p:cNvPr>
+          <p:cNvCxnSpPr>
+            <a:cxnSpLocks/>
+          </p:cNvCxnSpPr>
+          <p:nvPr/>
+        </p:nvCxnSpPr>
+        <p:spPr>
+          <a:xfrm flipV="1">
+            <a:off x="3999373" y="4446198"/>
+            <a:ext cx="3534902" cy="67491"/>
+          </a:xfrm>
+          <a:prstGeom prst="line">
+            <a:avLst/>
+          </a:prstGeom>
+          <a:ln w="19050">
+            <a:solidFill>
+              <a:schemeClr val="tx1"/>
+            </a:solidFill>
+            <a:tailEnd type="stealth" w="med" len="lg"/>
+          </a:ln>
+        </p:spPr>
+        <p:style>
+          <a:lnRef idx="2">
+            <a:schemeClr val="accent1"/>
+          </a:lnRef>
+          <a:fillRef idx="0">
+            <a:schemeClr val="accent1"/>
+          </a:fillRef>
+          <a:effectRef idx="1">
+            <a:schemeClr val="accent1"/>
+          </a:effectRef>
+          <a:fontRef idx="minor">
+            <a:schemeClr val="tx1"/>
+          </a:fontRef>
+        </p:style>
+      </p:cxnSp>
+      <p:sp>
+        <p:nvSpPr>
+          <p:cNvPr id="70" name="Arc 69">
+            <a:extLst>
+              <a:ext uri="{FF2B5EF4-FFF2-40B4-BE49-F238E27FC236}">
+                <a16:creationId xmlns:a16="http://schemas.microsoft.com/office/drawing/2014/main" id="{1004DECB-C4D1-20AE-E508-36A84E39D9C8}"/>
+              </a:ext>
+            </a:extLst>
+          </p:cNvPr>
+          <p:cNvSpPr/>
+          <p:nvPr/>
+        </p:nvSpPr>
+        <p:spPr>
+          <a:xfrm rot="19234076">
+            <a:off x="4158901" y="3684085"/>
+            <a:ext cx="2961893" cy="2672772"/>
+          </a:xfrm>
+          <a:prstGeom prst="arc">
+            <a:avLst>
+              <a:gd name="adj1" fmla="val 14518772"/>
+              <a:gd name="adj2" fmla="val 987027"/>
+            </a:avLst>
+          </a:prstGeom>
+          <a:ln>
+            <a:solidFill>
+              <a:schemeClr val="tx1"/>
+            </a:solidFill>
+            <a:prstDash val="dash"/>
+          </a:ln>
+        </p:spPr>
+        <p:style>
+          <a:lnRef idx="2">
+            <a:schemeClr val="accent1"/>
+          </a:lnRef>
+          <a:fillRef idx="0">
+            <a:schemeClr val="accent1"/>
+          </a:fillRef>
+          <a:effectRef idx="1">
+            <a:schemeClr val="accent1"/>
+          </a:effectRef>
+          <a:fontRef idx="minor">
+            <a:schemeClr val="tx1"/>
+          </a:fontRef>
+        </p:style>
+        <p:txBody>
+          <a:bodyPr rtlCol="0" anchor="ctr"/>
+          <a:lstStyle/>
+          <a:p>
+            <a:pPr algn="ctr"/>
+            <a:endParaRPr lang="en-US"/>
+          </a:p>
+        </p:txBody>
+      </p:sp>
+      <p:cxnSp>
+        <p:nvCxnSpPr>
+          <p:cNvPr id="71" name="Straight Arrow Connector 70">
+            <a:extLst>
+              <a:ext uri="{FF2B5EF4-FFF2-40B4-BE49-F238E27FC236}">
+                <a16:creationId xmlns:a16="http://schemas.microsoft.com/office/drawing/2014/main" id="{19D2F346-AD6F-C011-8C60-436A4464717F}"/>
+              </a:ext>
+            </a:extLst>
+          </p:cNvPr>
+          <p:cNvCxnSpPr>
+            <a:cxnSpLocks/>
+          </p:cNvCxnSpPr>
+          <p:nvPr/>
+        </p:nvCxnSpPr>
+        <p:spPr>
+          <a:xfrm flipV="1">
+            <a:off x="4360911" y="3834464"/>
+            <a:ext cx="411348" cy="669471"/>
+          </a:xfrm>
+          <a:prstGeom prst="straightConnector1">
+            <a:avLst/>
+          </a:prstGeom>
+          <a:ln w="34925">
+            <a:solidFill>
+              <a:schemeClr val="tx1"/>
+            </a:solidFill>
+            <a:tailEnd type="stealth" w="med" len="lg"/>
+          </a:ln>
+        </p:spPr>
+        <p:style>
+          <a:lnRef idx="2">
+            <a:schemeClr val="accent1"/>
+          </a:lnRef>
+          <a:fillRef idx="0">
+            <a:schemeClr val="accent1"/>
+          </a:fillRef>
+          <a:effectRef idx="1">
+            <a:schemeClr val="accent1"/>
+          </a:effectRef>
+          <a:fontRef idx="minor">
+            <a:schemeClr val="tx1"/>
+          </a:fontRef>
+        </p:style>
+      </p:cxnSp>
+      <mc:AlternateContent xmlns:mc="http://schemas.openxmlformats.org/markup-compatibility/2006">
+        <mc:Choice xmlns:a14="http://schemas.microsoft.com/office/drawing/2010/main" Requires="a14">
+          <p:sp>
+            <p:nvSpPr>
+              <p:cNvPr id="72" name="TextBox 71">
+                <a:extLst>
+                  <a:ext uri="{FF2B5EF4-FFF2-40B4-BE49-F238E27FC236}">
+                    <a16:creationId xmlns:a16="http://schemas.microsoft.com/office/drawing/2014/main" id="{FA974BCC-52DA-0B29-7756-F8F2885BF3B8}"/>
+                  </a:ext>
+                </a:extLst>
+              </p:cNvPr>
+              <p:cNvSpPr txBox="1"/>
+              <p:nvPr/>
+            </p:nvSpPr>
+            <p:spPr>
+              <a:xfrm>
+                <a:off x="4464358" y="3697575"/>
+                <a:ext cx="190505" cy="246221"/>
+              </a:xfrm>
+              <a:prstGeom prst="rect">
+                <a:avLst/>
+              </a:prstGeom>
+              <a:noFill/>
+            </p:spPr>
+            <p:txBody>
+              <a:bodyPr wrap="square" lIns="0" tIns="0" rIns="0" bIns="0" rtlCol="0">
+                <a:spAutoFit/>
+              </a:bodyPr>
+              <a:lstStyle/>
+              <a:p>
+                <a:pPr/>
+                <a14:m>
+                  <m:oMathPara xmlns:m="http://schemas.openxmlformats.org/officeDocument/2006/math">
+                    <m:oMathParaPr>
+                      <m:jc m:val="centerGroup"/>
+                    </m:oMathParaPr>
+                    <m:oMath xmlns:m="http://schemas.openxmlformats.org/officeDocument/2006/math">
+                      <m:acc>
+                        <m:accPr>
+                          <m:chr m:val="⃗"/>
+                          <m:ctrlPr>
+                            <a:rPr lang="en-US" sz="1600" b="0" i="1" smtClean="0">
+                              <a:latin typeface="Cambria Math" panose="02040503050406030204" pitchFamily="18" charset="0"/>
+                            </a:rPr>
+                          </m:ctrlPr>
+                        </m:accPr>
+                        <m:e>
+                          <m:sSub>
+                            <m:sSubPr>
+                              <m:ctrlPr>
+                                <a:rPr lang="en-US" sz="1600" b="0" i="1" smtClean="0">
+                                  <a:latin typeface="Cambria Math" panose="02040503050406030204" pitchFamily="18" charset="0"/>
+                                </a:rPr>
+                              </m:ctrlPr>
+                            </m:sSubPr>
+                            <m:e>
+                              <m:r>
+                                <a:rPr lang="en-US" sz="1600" b="0" i="1" smtClean="0">
+                                  <a:latin typeface="Cambria Math" panose="02040503050406030204" pitchFamily="18" charset="0"/>
+                                </a:rPr>
+                                <m:t>𝑣</m:t>
+                              </m:r>
+                            </m:e>
+                            <m:sub>
+                              <m:r>
+                                <a:rPr lang="en-US" sz="1600" b="0" i="1" smtClean="0">
+                                  <a:latin typeface="Cambria Math" panose="02040503050406030204" pitchFamily="18" charset="0"/>
+                                </a:rPr>
+                                <m:t>0</m:t>
+                              </m:r>
+                            </m:sub>
+                          </m:sSub>
+                        </m:e>
+                      </m:acc>
+                    </m:oMath>
+                  </m:oMathPara>
+                </a14:m>
+                <a:endParaRPr lang="en-US" sz="1600" dirty="0"/>
+              </a:p>
+            </p:txBody>
+          </p:sp>
+        </mc:Choice>
+        <mc:Fallback>
+          <p:sp>
+            <p:nvSpPr>
+              <p:cNvPr id="72" name="TextBox 71">
+                <a:extLst>
+                  <a:ext uri="{FF2B5EF4-FFF2-40B4-BE49-F238E27FC236}">
+                    <a16:creationId xmlns:a16="http://schemas.microsoft.com/office/drawing/2014/main" id="{FA974BCC-52DA-0B29-7756-F8F2885BF3B8}"/>
+                  </a:ext>
+                </a:extLst>
+              </p:cNvPr>
+              <p:cNvSpPr txBox="1">
+                <a:spLocks noRot="1" noChangeAspect="1" noMove="1" noResize="1" noEditPoints="1" noAdjustHandles="1" noChangeArrowheads="1" noChangeShapeType="1" noTextEdit="1"/>
+              </p:cNvSpPr>
+              <p:nvPr/>
+            </p:nvSpPr>
+            <p:spPr>
+              <a:xfrm>
+                <a:off x="4464358" y="3697575"/>
+                <a:ext cx="190505" cy="246221"/>
+              </a:xfrm>
+              <a:prstGeom prst="rect">
+                <a:avLst/>
+              </a:prstGeom>
+              <a:blipFill>
+                <a:blip r:embed="rId12"/>
+                <a:stretch>
+                  <a:fillRect l="-25000" r="-25000" b="-15000"/>
+                </a:stretch>
+              </a:blipFill>
+            </p:spPr>
+            <p:txBody>
+              <a:bodyPr/>
+              <a:lstStyle/>
+              <a:p>
+                <a:r>
+                  <a:rPr lang="en-US">
+                    <a:noFill/>
+                  </a:rPr>
+                  <a:t> </a:t>
+                </a:r>
+              </a:p>
+            </p:txBody>
+          </p:sp>
+        </mc:Fallback>
+      </mc:AlternateContent>
+      <p:sp>
+        <p:nvSpPr>
+          <p:cNvPr id="73" name="Arc 72">
+            <a:extLst>
+              <a:ext uri="{FF2B5EF4-FFF2-40B4-BE49-F238E27FC236}">
+                <a16:creationId xmlns:a16="http://schemas.microsoft.com/office/drawing/2014/main" id="{9D10492D-B141-11A6-4289-5E8BFEB06A5F}"/>
+              </a:ext>
+            </a:extLst>
+          </p:cNvPr>
+          <p:cNvSpPr/>
+          <p:nvPr/>
+        </p:nvSpPr>
+        <p:spPr>
+          <a:xfrm rot="800808">
+            <a:off x="4335956" y="4337222"/>
+            <a:ext cx="234246" cy="257436"/>
+          </a:xfrm>
+          <a:prstGeom prst="arc">
+            <a:avLst/>
+          </a:prstGeom>
+          <a:ln>
+            <a:solidFill>
+              <a:schemeClr val="tx1"/>
+            </a:solidFill>
+          </a:ln>
+        </p:spPr>
+        <p:style>
+          <a:lnRef idx="2">
+            <a:schemeClr val="accent1"/>
+          </a:lnRef>
+          <a:fillRef idx="0">
+            <a:schemeClr val="accent1"/>
+          </a:fillRef>
+          <a:effectRef idx="1">
+            <a:schemeClr val="accent1"/>
+          </a:effectRef>
+          <a:fontRef idx="minor">
+            <a:schemeClr val="tx1"/>
+          </a:fontRef>
+        </p:style>
+        <p:txBody>
+          <a:bodyPr rtlCol="0" anchor="ctr"/>
+          <a:lstStyle/>
+          <a:p>
+            <a:pPr algn="ctr"/>
+            <a:endParaRPr lang="en-US"/>
+          </a:p>
+        </p:txBody>
+      </p:sp>
+      <mc:AlternateContent xmlns:mc="http://schemas.openxmlformats.org/markup-compatibility/2006">
+        <mc:Choice xmlns:a14="http://schemas.microsoft.com/office/drawing/2010/main" Requires="a14">
+          <p:sp>
+            <p:nvSpPr>
+              <p:cNvPr id="74" name="TextBox 73">
+                <a:extLst>
+                  <a:ext uri="{FF2B5EF4-FFF2-40B4-BE49-F238E27FC236}">
+                    <a16:creationId xmlns:a16="http://schemas.microsoft.com/office/drawing/2014/main" id="{002CCCC7-585E-AD6E-809D-00597282C251}"/>
+                  </a:ext>
+                </a:extLst>
+              </p:cNvPr>
+              <p:cNvSpPr txBox="1"/>
+              <p:nvPr/>
+            </p:nvSpPr>
+            <p:spPr>
+              <a:xfrm>
+                <a:off x="4535541" y="4169199"/>
+                <a:ext cx="191334" cy="276999"/>
+              </a:xfrm>
+              <a:prstGeom prst="rect">
+                <a:avLst/>
+              </a:prstGeom>
+              <a:noFill/>
+            </p:spPr>
+            <p:txBody>
+              <a:bodyPr wrap="none" lIns="0" tIns="0" rIns="0" bIns="0" rtlCol="0">
+                <a:spAutoFit/>
+              </a:bodyPr>
+              <a:lstStyle/>
+              <a:p>
+                <a:pPr/>
+                <a14:m>
+                  <m:oMathPara xmlns:m="http://schemas.openxmlformats.org/officeDocument/2006/math">
+                    <m:oMathParaPr>
+                      <m:jc m:val="centerGroup"/>
+                    </m:oMathParaPr>
+                    <m:oMath xmlns:m="http://schemas.openxmlformats.org/officeDocument/2006/math">
+                      <m:r>
+                        <a:rPr lang="en-US" i="1" smtClean="0">
+                          <a:latin typeface="Cambria Math" panose="02040503050406030204" pitchFamily="18" charset="0"/>
+                          <a:ea typeface="Cambria Math" panose="02040503050406030204" pitchFamily="18" charset="0"/>
+                        </a:rPr>
+                        <m:t>𝛼</m:t>
+                      </m:r>
+                    </m:oMath>
+                  </m:oMathPara>
+                </a14:m>
+                <a:endParaRPr lang="en-US" dirty="0"/>
+              </a:p>
+            </p:txBody>
+          </p:sp>
+        </mc:Choice>
+        <mc:Fallback>
+          <p:sp>
+            <p:nvSpPr>
+              <p:cNvPr id="74" name="TextBox 73">
+                <a:extLst>
+                  <a:ext uri="{FF2B5EF4-FFF2-40B4-BE49-F238E27FC236}">
+                    <a16:creationId xmlns:a16="http://schemas.microsoft.com/office/drawing/2014/main" id="{002CCCC7-585E-AD6E-809D-00597282C251}"/>
+                  </a:ext>
+                </a:extLst>
+              </p:cNvPr>
+              <p:cNvSpPr txBox="1">
+                <a:spLocks noRot="1" noChangeAspect="1" noMove="1" noResize="1" noEditPoints="1" noAdjustHandles="1" noChangeArrowheads="1" noChangeShapeType="1" noTextEdit="1"/>
+              </p:cNvSpPr>
+              <p:nvPr/>
+            </p:nvSpPr>
+            <p:spPr>
+              <a:xfrm>
+                <a:off x="4535541" y="4169199"/>
+                <a:ext cx="191334" cy="276999"/>
+              </a:xfrm>
+              <a:prstGeom prst="rect">
+                <a:avLst/>
+              </a:prstGeom>
+              <a:blipFill>
+                <a:blip r:embed="rId13"/>
+                <a:stretch>
+                  <a:fillRect l="-19355" r="-19355"/>
+                </a:stretch>
+              </a:blipFill>
+            </p:spPr>
+            <p:txBody>
+              <a:bodyPr/>
+              <a:lstStyle/>
+              <a:p>
+                <a:r>
+                  <a:rPr lang="en-US">
+                    <a:noFill/>
+                  </a:rPr>
+                  <a:t> </a:t>
+                </a:r>
+              </a:p>
+            </p:txBody>
+          </p:sp>
+        </mc:Fallback>
+      </mc:AlternateContent>
+      <p:cxnSp>
+        <p:nvCxnSpPr>
+          <p:cNvPr id="75" name="Straight Arrow Connector 74">
+            <a:extLst>
+              <a:ext uri="{FF2B5EF4-FFF2-40B4-BE49-F238E27FC236}">
+                <a16:creationId xmlns:a16="http://schemas.microsoft.com/office/drawing/2014/main" id="{A73F4BC2-5EBE-4D69-E038-0E6432C5E021}"/>
+              </a:ext>
+            </a:extLst>
+          </p:cNvPr>
+          <p:cNvCxnSpPr>
+            <a:cxnSpLocks/>
+          </p:cNvCxnSpPr>
+          <p:nvPr/>
+        </p:nvCxnSpPr>
+        <p:spPr>
+          <a:xfrm flipV="1">
+            <a:off x="4360911" y="3834464"/>
+            <a:ext cx="2119264" cy="669471"/>
+          </a:xfrm>
+          <a:prstGeom prst="straightConnector1">
+            <a:avLst/>
+          </a:prstGeom>
+          <a:ln w="25400">
+            <a:solidFill>
+              <a:schemeClr val="tx1"/>
+            </a:solidFill>
+            <a:tailEnd type="stealth" w="med" len="lg"/>
+          </a:ln>
+        </p:spPr>
+        <p:style>
+          <a:lnRef idx="2">
+            <a:schemeClr val="accent1"/>
+          </a:lnRef>
+          <a:fillRef idx="0">
+            <a:schemeClr val="accent1"/>
+          </a:fillRef>
+          <a:effectRef idx="1">
+            <a:schemeClr val="accent1"/>
+          </a:effectRef>
+          <a:fontRef idx="minor">
+            <a:schemeClr val="tx1"/>
+          </a:fontRef>
+        </p:style>
+      </p:cxnSp>
+      <mc:AlternateContent xmlns:mc="http://schemas.openxmlformats.org/markup-compatibility/2006">
+        <mc:Choice xmlns:a14="http://schemas.microsoft.com/office/drawing/2010/main" Requires="a14">
+          <p:sp>
+            <p:nvSpPr>
+              <p:cNvPr id="77" name="TextBox 76">
+                <a:extLst>
+                  <a:ext uri="{FF2B5EF4-FFF2-40B4-BE49-F238E27FC236}">
+                    <a16:creationId xmlns:a16="http://schemas.microsoft.com/office/drawing/2014/main" id="{0A06B244-354B-1688-F7C1-0B51A0FF2498}"/>
+                  </a:ext>
+                </a:extLst>
+              </p:cNvPr>
+              <p:cNvSpPr txBox="1"/>
+              <p:nvPr/>
+            </p:nvSpPr>
+            <p:spPr>
+              <a:xfrm>
+                <a:off x="6120334" y="3892958"/>
+                <a:ext cx="411347" cy="347146"/>
+              </a:xfrm>
+              <a:prstGeom prst="rect">
+                <a:avLst/>
+              </a:prstGeom>
+              <a:noFill/>
+            </p:spPr>
+            <p:txBody>
+              <a:bodyPr wrap="square" lIns="0" tIns="0" rIns="0" bIns="0" rtlCol="0">
+                <a:spAutoFit/>
+              </a:bodyPr>
+              <a:lstStyle/>
+              <a:p>
+                <a:pPr/>
+                <a14:m>
+                  <m:oMathPara xmlns:m="http://schemas.openxmlformats.org/officeDocument/2006/math">
+                    <m:oMathParaPr>
+                      <m:jc m:val="centerGroup"/>
+                    </m:oMathParaPr>
+                    <m:oMath xmlns:m="http://schemas.openxmlformats.org/officeDocument/2006/math">
+                      <m:acc>
+                        <m:accPr>
+                          <m:chr m:val="⃗"/>
+                          <m:ctrlPr>
+                            <a:rPr lang="en-US" sz="2000" b="0" i="1" smtClean="0">
+                              <a:latin typeface="Cambria Math" panose="02040503050406030204" pitchFamily="18" charset="0"/>
+                            </a:rPr>
+                          </m:ctrlPr>
+                        </m:accPr>
+                        <m:e>
+                          <m:r>
+                            <a:rPr lang="en-US" sz="2000" b="0" i="1" smtClean="0">
+                              <a:latin typeface="Cambria Math" panose="02040503050406030204" pitchFamily="18" charset="0"/>
+                            </a:rPr>
+                            <m:t>𝑆</m:t>
+                          </m:r>
+                        </m:e>
+                      </m:acc>
+                    </m:oMath>
+                  </m:oMathPara>
+                </a14:m>
+                <a:endParaRPr lang="en-US" sz="2000" dirty="0"/>
+              </a:p>
+            </p:txBody>
+          </p:sp>
+        </mc:Choice>
+        <mc:Fallback>
+          <p:sp>
+            <p:nvSpPr>
+              <p:cNvPr id="77" name="TextBox 76">
+                <a:extLst>
+                  <a:ext uri="{FF2B5EF4-FFF2-40B4-BE49-F238E27FC236}">
+                    <a16:creationId xmlns:a16="http://schemas.microsoft.com/office/drawing/2014/main" id="{0A06B244-354B-1688-F7C1-0B51A0FF2498}"/>
+                  </a:ext>
+                </a:extLst>
+              </p:cNvPr>
+              <p:cNvSpPr txBox="1">
+                <a:spLocks noRot="1" noChangeAspect="1" noMove="1" noResize="1" noEditPoints="1" noAdjustHandles="1" noChangeArrowheads="1" noChangeShapeType="1" noTextEdit="1"/>
+              </p:cNvSpPr>
+              <p:nvPr/>
+            </p:nvSpPr>
+            <p:spPr>
+              <a:xfrm>
+                <a:off x="6120334" y="3892958"/>
+                <a:ext cx="411347" cy="347146"/>
+              </a:xfrm>
+              <a:prstGeom prst="rect">
+                <a:avLst/>
+              </a:prstGeom>
+              <a:blipFill>
+                <a:blip r:embed="rId14"/>
+                <a:stretch>
+                  <a:fillRect t="-38596" r="-70149" b="-3509"/>
+                </a:stretch>
+              </a:blipFill>
+            </p:spPr>
+            <p:txBody>
+              <a:bodyPr/>
+              <a:lstStyle/>
+              <a:p>
+                <a:r>
+                  <a:rPr lang="en-US">
+                    <a:noFill/>
+                  </a:rPr>
+                  <a:t> </a:t>
+                </a:r>
+              </a:p>
+            </p:txBody>
+          </p:sp>
+        </mc:Fallback>
+      </mc:AlternateContent>
+      <p:cxnSp>
+        <p:nvCxnSpPr>
+          <p:cNvPr id="79" name="Straight Connector 78">
+            <a:extLst>
+              <a:ext uri="{FF2B5EF4-FFF2-40B4-BE49-F238E27FC236}">
+                <a16:creationId xmlns:a16="http://schemas.microsoft.com/office/drawing/2014/main" id="{4C5F874F-B9BD-19DE-576D-8759854FC27F}"/>
+              </a:ext>
+            </a:extLst>
+          </p:cNvPr>
+          <p:cNvCxnSpPr>
+            <a:cxnSpLocks/>
+          </p:cNvCxnSpPr>
+          <p:nvPr/>
+        </p:nvCxnSpPr>
+        <p:spPr>
+          <a:xfrm flipH="1" flipV="1">
+            <a:off x="4141848" y="2874433"/>
+            <a:ext cx="23240" cy="1752252"/>
+          </a:xfrm>
+          <a:prstGeom prst="line">
+            <a:avLst/>
+          </a:prstGeom>
+          <a:ln w="19050">
+            <a:solidFill>
+              <a:schemeClr val="tx1"/>
+            </a:solidFill>
+            <a:tailEnd type="stealth" w="med" len="lg"/>
+          </a:ln>
+        </p:spPr>
+        <p:style>
+          <a:lnRef idx="2">
+            <a:schemeClr val="accent1"/>
+          </a:lnRef>
+          <a:fillRef idx="0">
+            <a:schemeClr val="accent1"/>
+          </a:fillRef>
+          <a:effectRef idx="1">
+            <a:schemeClr val="accent1"/>
+          </a:effectRef>
+          <a:fontRef idx="minor">
+            <a:schemeClr val="tx1"/>
+          </a:fontRef>
+        </p:style>
+      </p:cxnSp>
+      <mc:AlternateContent xmlns:mc="http://schemas.openxmlformats.org/markup-compatibility/2006">
+        <mc:Choice xmlns:a14="http://schemas.microsoft.com/office/drawing/2010/main" Requires="a14">
+          <p:sp>
+            <p:nvSpPr>
+              <p:cNvPr id="85" name="TextBox 84">
+                <a:extLst>
+                  <a:ext uri="{FF2B5EF4-FFF2-40B4-BE49-F238E27FC236}">
+                    <a16:creationId xmlns:a16="http://schemas.microsoft.com/office/drawing/2014/main" id="{23A3ECE3-BA7A-4850-1BD2-97628CF75A93}"/>
+                  </a:ext>
+                </a:extLst>
+              </p:cNvPr>
+              <p:cNvSpPr txBox="1"/>
+              <p:nvPr/>
+            </p:nvSpPr>
+            <p:spPr>
+              <a:xfrm>
+                <a:off x="7363650" y="4444379"/>
+                <a:ext cx="411347" cy="307777"/>
+              </a:xfrm>
+              <a:prstGeom prst="rect">
+                <a:avLst/>
+              </a:prstGeom>
+              <a:noFill/>
+            </p:spPr>
+            <p:txBody>
+              <a:bodyPr wrap="square" lIns="0" tIns="0" rIns="0" bIns="0" rtlCol="0">
+                <a:spAutoFit/>
+              </a:bodyPr>
+              <a:lstStyle/>
+              <a:p>
+                <a:pPr/>
+                <a14:m>
+                  <m:oMathPara xmlns:m="http://schemas.openxmlformats.org/officeDocument/2006/math">
+                    <m:oMathParaPr>
+                      <m:jc m:val="centerGroup"/>
+                    </m:oMathParaPr>
+                    <m:oMath xmlns:m="http://schemas.openxmlformats.org/officeDocument/2006/math">
+                      <m:r>
+                        <a:rPr lang="en-US" sz="2000" b="0" i="1" smtClean="0">
+                          <a:latin typeface="Cambria Math" panose="02040503050406030204" pitchFamily="18" charset="0"/>
+                        </a:rPr>
+                        <m:t>𝑥</m:t>
+                      </m:r>
+                    </m:oMath>
+                  </m:oMathPara>
+                </a14:m>
+                <a:endParaRPr lang="en-US" sz="2000" dirty="0"/>
+              </a:p>
+            </p:txBody>
+          </p:sp>
+        </mc:Choice>
+        <mc:Fallback>
+          <p:sp>
+            <p:nvSpPr>
+              <p:cNvPr id="85" name="TextBox 84">
+                <a:extLst>
+                  <a:ext uri="{FF2B5EF4-FFF2-40B4-BE49-F238E27FC236}">
+                    <a16:creationId xmlns:a16="http://schemas.microsoft.com/office/drawing/2014/main" id="{23A3ECE3-BA7A-4850-1BD2-97628CF75A93}"/>
+                  </a:ext>
+                </a:extLst>
+              </p:cNvPr>
+              <p:cNvSpPr txBox="1">
+                <a:spLocks noRot="1" noChangeAspect="1" noMove="1" noResize="1" noEditPoints="1" noAdjustHandles="1" noChangeArrowheads="1" noChangeShapeType="1" noTextEdit="1"/>
+              </p:cNvSpPr>
+              <p:nvPr/>
+            </p:nvSpPr>
+            <p:spPr>
+              <a:xfrm>
+                <a:off x="7363650" y="4444379"/>
+                <a:ext cx="411347" cy="307777"/>
+              </a:xfrm>
+              <a:prstGeom prst="rect">
+                <a:avLst/>
+              </a:prstGeom>
+              <a:blipFill>
+                <a:blip r:embed="rId15"/>
+                <a:stretch>
+                  <a:fillRect/>
+                </a:stretch>
+              </a:blipFill>
+            </p:spPr>
+            <p:txBody>
+              <a:bodyPr/>
+              <a:lstStyle/>
+              <a:p>
+                <a:r>
+                  <a:rPr lang="en-US">
+                    <a:noFill/>
+                  </a:rPr>
+                  <a:t> </a:t>
+                </a:r>
+              </a:p>
+            </p:txBody>
+          </p:sp>
+        </mc:Fallback>
+      </mc:AlternateContent>
+      <mc:AlternateContent xmlns:mc="http://schemas.openxmlformats.org/markup-compatibility/2006">
+        <mc:Choice xmlns:a14="http://schemas.microsoft.com/office/drawing/2010/main" Requires="a14">
+          <p:sp>
+            <p:nvSpPr>
+              <p:cNvPr id="87" name="TextBox 86">
+                <a:extLst>
+                  <a:ext uri="{FF2B5EF4-FFF2-40B4-BE49-F238E27FC236}">
+                    <a16:creationId xmlns:a16="http://schemas.microsoft.com/office/drawing/2014/main" id="{C49AA5DD-C11B-EB02-BA34-282CD8E5A510}"/>
+                  </a:ext>
+                </a:extLst>
+              </p:cNvPr>
+              <p:cNvSpPr txBox="1"/>
+              <p:nvPr/>
+            </p:nvSpPr>
+            <p:spPr>
+              <a:xfrm>
+                <a:off x="3793699" y="2851595"/>
+                <a:ext cx="411347" cy="307777"/>
+              </a:xfrm>
+              <a:prstGeom prst="rect">
+                <a:avLst/>
+              </a:prstGeom>
+              <a:noFill/>
+            </p:spPr>
+            <p:txBody>
+              <a:bodyPr wrap="square" lIns="0" tIns="0" rIns="0" bIns="0" rtlCol="0">
+                <a:spAutoFit/>
+              </a:bodyPr>
+              <a:lstStyle/>
+              <a:p>
+                <a:pPr/>
+                <a14:m>
+                  <m:oMathPara xmlns:m="http://schemas.openxmlformats.org/officeDocument/2006/math">
+                    <m:oMathParaPr>
+                      <m:jc m:val="centerGroup"/>
+                    </m:oMathParaPr>
+                    <m:oMath xmlns:m="http://schemas.openxmlformats.org/officeDocument/2006/math">
+                      <m:r>
+                        <a:rPr lang="en-US" sz="2000" b="0" i="1" smtClean="0">
+                          <a:latin typeface="Cambria Math" panose="02040503050406030204" pitchFamily="18" charset="0"/>
+                        </a:rPr>
+                        <m:t>𝑦</m:t>
+                      </m:r>
+                    </m:oMath>
+                  </m:oMathPara>
+                </a14:m>
+                <a:endParaRPr lang="en-US" sz="2000" dirty="0"/>
+              </a:p>
+            </p:txBody>
+          </p:sp>
+        </mc:Choice>
+        <mc:Fallback>
+          <p:sp>
+            <p:nvSpPr>
+              <p:cNvPr id="87" name="TextBox 86">
+                <a:extLst>
+                  <a:ext uri="{FF2B5EF4-FFF2-40B4-BE49-F238E27FC236}">
+                    <a16:creationId xmlns:a16="http://schemas.microsoft.com/office/drawing/2014/main" id="{C49AA5DD-C11B-EB02-BA34-282CD8E5A510}"/>
+                  </a:ext>
+                </a:extLst>
+              </p:cNvPr>
+              <p:cNvSpPr txBox="1">
+                <a:spLocks noRot="1" noChangeAspect="1" noMove="1" noResize="1" noEditPoints="1" noAdjustHandles="1" noChangeArrowheads="1" noChangeShapeType="1" noTextEdit="1"/>
+              </p:cNvSpPr>
+              <p:nvPr/>
+            </p:nvSpPr>
+            <p:spPr>
+              <a:xfrm>
+                <a:off x="3793699" y="2851595"/>
+                <a:ext cx="411347" cy="307777"/>
+              </a:xfrm>
+              <a:prstGeom prst="rect">
+                <a:avLst/>
+              </a:prstGeom>
+              <a:blipFill>
+                <a:blip r:embed="rId16"/>
+                <a:stretch>
+                  <a:fillRect b="-26000"/>
+                </a:stretch>
+              </a:blipFill>
+            </p:spPr>
+            <p:txBody>
+              <a:bodyPr/>
+              <a:lstStyle/>
+              <a:p>
+                <a:r>
+                  <a:rPr lang="en-US">
+                    <a:noFill/>
+                  </a:rPr>
+                  <a:t> </a:t>
+                </a:r>
+              </a:p>
+            </p:txBody>
+          </p:sp>
+        </mc:Fallback>
+      </mc:AlternateContent>
+      <p:cxnSp>
+        <p:nvCxnSpPr>
+          <p:cNvPr id="88" name="Straight Arrow Connector 87">
+            <a:extLst>
+              <a:ext uri="{FF2B5EF4-FFF2-40B4-BE49-F238E27FC236}">
+                <a16:creationId xmlns:a16="http://schemas.microsoft.com/office/drawing/2014/main" id="{635D727F-9DAB-0108-EEAB-B8866DCB7BD5}"/>
+              </a:ext>
+            </a:extLst>
+          </p:cNvPr>
+          <p:cNvCxnSpPr>
+            <a:cxnSpLocks/>
+          </p:cNvCxnSpPr>
+          <p:nvPr/>
+        </p:nvCxnSpPr>
+        <p:spPr>
+          <a:xfrm flipV="1">
+            <a:off x="8481482" y="838728"/>
+            <a:ext cx="1071748" cy="1474799"/>
+          </a:xfrm>
+          <a:prstGeom prst="straightConnector1">
+            <a:avLst/>
+          </a:prstGeom>
+          <a:ln w="34925">
+            <a:solidFill>
+              <a:schemeClr val="tx1"/>
+            </a:solidFill>
+            <a:tailEnd type="stealth" w="med" len="lg"/>
+          </a:ln>
+        </p:spPr>
+        <p:style>
+          <a:lnRef idx="2">
+            <a:schemeClr val="accent1"/>
+          </a:lnRef>
+          <a:fillRef idx="0">
+            <a:schemeClr val="accent1"/>
+          </a:fillRef>
+          <a:effectRef idx="1">
+            <a:schemeClr val="accent1"/>
+          </a:effectRef>
+          <a:fontRef idx="minor">
+            <a:schemeClr val="tx1"/>
+          </a:fontRef>
+        </p:style>
+      </p:cxnSp>
+      <p:cxnSp>
+        <p:nvCxnSpPr>
+          <p:cNvPr id="89" name="Straight Arrow Connector 88">
+            <a:extLst>
+              <a:ext uri="{FF2B5EF4-FFF2-40B4-BE49-F238E27FC236}">
+                <a16:creationId xmlns:a16="http://schemas.microsoft.com/office/drawing/2014/main" id="{21CD2067-DAA5-98BC-3166-4F13A90EFD92}"/>
+              </a:ext>
+            </a:extLst>
+          </p:cNvPr>
+          <p:cNvCxnSpPr>
+            <a:cxnSpLocks/>
+          </p:cNvCxnSpPr>
+          <p:nvPr/>
+        </p:nvCxnSpPr>
+        <p:spPr>
+          <a:xfrm flipV="1">
+            <a:off x="8481482" y="1201880"/>
+            <a:ext cx="1071748" cy="1084580"/>
+          </a:xfrm>
+          <a:prstGeom prst="straightConnector1">
+            <a:avLst/>
+          </a:prstGeom>
+          <a:ln w="34925">
+            <a:solidFill>
+              <a:schemeClr val="tx1"/>
+            </a:solidFill>
+            <a:tailEnd type="stealth" w="med" len="lg"/>
+          </a:ln>
+        </p:spPr>
+        <p:style>
+          <a:lnRef idx="2">
+            <a:schemeClr val="accent1"/>
+          </a:lnRef>
+          <a:fillRef idx="0">
+            <a:schemeClr val="accent1"/>
+          </a:fillRef>
+          <a:effectRef idx="1">
+            <a:schemeClr val="accent1"/>
+          </a:effectRef>
+          <a:fontRef idx="minor">
+            <a:schemeClr val="tx1"/>
+          </a:fontRef>
+        </p:style>
+      </p:cxnSp>
+      <p:cxnSp>
+        <p:nvCxnSpPr>
+          <p:cNvPr id="90" name="Straight Connector 89">
+            <a:extLst>
+              <a:ext uri="{FF2B5EF4-FFF2-40B4-BE49-F238E27FC236}">
+                <a16:creationId xmlns:a16="http://schemas.microsoft.com/office/drawing/2014/main" id="{ED76AB66-B7D0-3ADB-DD7E-B3F420AB9D02}"/>
+              </a:ext>
+            </a:extLst>
+          </p:cNvPr>
+          <p:cNvCxnSpPr>
+            <a:cxnSpLocks/>
+          </p:cNvCxnSpPr>
+          <p:nvPr/>
+        </p:nvCxnSpPr>
+        <p:spPr>
+          <a:xfrm>
+            <a:off x="9555286" y="593415"/>
+            <a:ext cx="0" cy="2521402"/>
+          </a:xfrm>
+          <a:prstGeom prst="line">
+            <a:avLst/>
+          </a:prstGeom>
+          <a:ln w="31750">
+            <a:solidFill>
+              <a:schemeClr val="tx1"/>
+            </a:solidFill>
+          </a:ln>
+        </p:spPr>
+        <p:style>
+          <a:lnRef idx="2">
+            <a:schemeClr val="accent1"/>
+          </a:lnRef>
+          <a:fillRef idx="0">
+            <a:schemeClr val="accent1"/>
+          </a:fillRef>
+          <a:effectRef idx="1">
+            <a:schemeClr val="accent1"/>
+          </a:effectRef>
+          <a:fontRef idx="minor">
+            <a:schemeClr val="tx1"/>
+          </a:fontRef>
+        </p:style>
+      </p:cxnSp>
+      <p:cxnSp>
+        <p:nvCxnSpPr>
+          <p:cNvPr id="91" name="Straight Arrow Connector 90">
+            <a:extLst>
+              <a:ext uri="{FF2B5EF4-FFF2-40B4-BE49-F238E27FC236}">
+                <a16:creationId xmlns:a16="http://schemas.microsoft.com/office/drawing/2014/main" id="{7309BAC6-BFE2-0D5D-791E-495FC3F977D6}"/>
+              </a:ext>
+            </a:extLst>
+          </p:cNvPr>
+          <p:cNvCxnSpPr>
+            <a:cxnSpLocks/>
+          </p:cNvCxnSpPr>
+          <p:nvPr/>
+        </p:nvCxnSpPr>
+        <p:spPr>
+          <a:xfrm flipV="1">
+            <a:off x="8481482" y="1576127"/>
+            <a:ext cx="1071748" cy="723867"/>
+          </a:xfrm>
+          <a:prstGeom prst="straightConnector1">
+            <a:avLst/>
+          </a:prstGeom>
+          <a:ln w="34925">
+            <a:solidFill>
+              <a:schemeClr val="tx1"/>
+            </a:solidFill>
+            <a:tailEnd type="stealth" w="med" len="lg"/>
+          </a:ln>
+        </p:spPr>
+        <p:style>
+          <a:lnRef idx="2">
+            <a:schemeClr val="accent1"/>
+          </a:lnRef>
+          <a:fillRef idx="0">
+            <a:schemeClr val="accent1"/>
+          </a:fillRef>
+          <a:effectRef idx="1">
+            <a:schemeClr val="accent1"/>
+          </a:effectRef>
+          <a:fontRef idx="minor">
+            <a:schemeClr val="tx1"/>
+          </a:fontRef>
+        </p:style>
+      </p:cxnSp>
+      <p:cxnSp>
+        <p:nvCxnSpPr>
+          <p:cNvPr id="92" name="Straight Arrow Connector 91">
+            <a:extLst>
+              <a:ext uri="{FF2B5EF4-FFF2-40B4-BE49-F238E27FC236}">
+                <a16:creationId xmlns:a16="http://schemas.microsoft.com/office/drawing/2014/main" id="{CDA302FA-F069-8629-D6B1-607DE1212F68}"/>
+              </a:ext>
+            </a:extLst>
+          </p:cNvPr>
+          <p:cNvCxnSpPr>
+            <a:cxnSpLocks/>
+          </p:cNvCxnSpPr>
+          <p:nvPr/>
+        </p:nvCxnSpPr>
+        <p:spPr>
+          <a:xfrm flipV="1">
+            <a:off x="8481482" y="1931293"/>
+            <a:ext cx="1071748" cy="355168"/>
+          </a:xfrm>
+          <a:prstGeom prst="straightConnector1">
+            <a:avLst/>
+          </a:prstGeom>
+          <a:ln w="34925">
+            <a:solidFill>
+              <a:schemeClr val="tx1"/>
+            </a:solidFill>
+            <a:tailEnd type="stealth" w="med" len="lg"/>
+          </a:ln>
+        </p:spPr>
+        <p:style>
+          <a:lnRef idx="2">
+            <a:schemeClr val="accent1"/>
+          </a:lnRef>
+          <a:fillRef idx="0">
+            <a:schemeClr val="accent1"/>
+          </a:fillRef>
+          <a:effectRef idx="1">
+            <a:schemeClr val="accent1"/>
+          </a:effectRef>
+          <a:fontRef idx="minor">
+            <a:schemeClr val="tx1"/>
+          </a:fontRef>
+        </p:style>
+      </p:cxnSp>
+      <p:cxnSp>
+        <p:nvCxnSpPr>
+          <p:cNvPr id="93" name="Straight Arrow Connector 92">
+            <a:extLst>
+              <a:ext uri="{FF2B5EF4-FFF2-40B4-BE49-F238E27FC236}">
+                <a16:creationId xmlns:a16="http://schemas.microsoft.com/office/drawing/2014/main" id="{42A431E3-D24B-BAF7-C64B-C8AB636FF406}"/>
+              </a:ext>
+            </a:extLst>
+          </p:cNvPr>
+          <p:cNvCxnSpPr>
+            <a:cxnSpLocks/>
+          </p:cNvCxnSpPr>
+          <p:nvPr/>
+        </p:nvCxnSpPr>
+        <p:spPr>
+          <a:xfrm>
+            <a:off x="8481482" y="2313527"/>
+            <a:ext cx="1078189" cy="0"/>
+          </a:xfrm>
+          <a:prstGeom prst="straightConnector1">
+            <a:avLst/>
+          </a:prstGeom>
+          <a:ln w="34925">
+            <a:solidFill>
+              <a:schemeClr val="tx1"/>
+            </a:solidFill>
+            <a:tailEnd type="stealth" w="med" len="lg"/>
+          </a:ln>
+        </p:spPr>
+        <p:style>
+          <a:lnRef idx="2">
+            <a:schemeClr val="accent1"/>
+          </a:lnRef>
+          <a:fillRef idx="0">
+            <a:schemeClr val="accent1"/>
+          </a:fillRef>
+          <a:effectRef idx="1">
+            <a:schemeClr val="accent1"/>
+          </a:effectRef>
+          <a:fontRef idx="minor">
+            <a:schemeClr val="tx1"/>
+          </a:fontRef>
+        </p:style>
+      </p:cxnSp>
+      <p:cxnSp>
+        <p:nvCxnSpPr>
+          <p:cNvPr id="94" name="Straight Arrow Connector 93">
+            <a:extLst>
+              <a:ext uri="{FF2B5EF4-FFF2-40B4-BE49-F238E27FC236}">
+                <a16:creationId xmlns:a16="http://schemas.microsoft.com/office/drawing/2014/main" id="{28D7F199-3820-B469-9614-CC87E7C5BE7A}"/>
+              </a:ext>
+            </a:extLst>
+          </p:cNvPr>
+          <p:cNvCxnSpPr>
+            <a:cxnSpLocks/>
+          </p:cNvCxnSpPr>
+          <p:nvPr/>
+        </p:nvCxnSpPr>
+        <p:spPr>
+          <a:xfrm>
+            <a:off x="9550055" y="860296"/>
+            <a:ext cx="0" cy="341584"/>
+          </a:xfrm>
+          <a:prstGeom prst="straightConnector1">
+            <a:avLst/>
+          </a:prstGeom>
+          <a:ln w="34925">
+            <a:solidFill>
+              <a:schemeClr val="tx1"/>
+            </a:solidFill>
+            <a:tailEnd type="stealth" w="med" len="lg"/>
+          </a:ln>
+        </p:spPr>
+        <p:style>
+          <a:lnRef idx="2">
+            <a:schemeClr val="accent1"/>
+          </a:lnRef>
+          <a:fillRef idx="0">
+            <a:schemeClr val="accent1"/>
+          </a:fillRef>
+          <a:effectRef idx="1">
+            <a:schemeClr val="accent1"/>
+          </a:effectRef>
+          <a:fontRef idx="minor">
+            <a:schemeClr val="tx1"/>
+          </a:fontRef>
+        </p:style>
+      </p:cxnSp>
+      <p:cxnSp>
+        <p:nvCxnSpPr>
+          <p:cNvPr id="95" name="Straight Arrow Connector 94">
+            <a:extLst>
+              <a:ext uri="{FF2B5EF4-FFF2-40B4-BE49-F238E27FC236}">
+                <a16:creationId xmlns:a16="http://schemas.microsoft.com/office/drawing/2014/main" id="{3F6A4196-3F76-EFC9-75DD-F1DE2E8C94A7}"/>
+              </a:ext>
+            </a:extLst>
+          </p:cNvPr>
+          <p:cNvCxnSpPr>
+            <a:cxnSpLocks/>
+          </p:cNvCxnSpPr>
+          <p:nvPr/>
+        </p:nvCxnSpPr>
+        <p:spPr>
+          <a:xfrm>
+            <a:off x="9555347" y="1255219"/>
+            <a:ext cx="0" cy="341584"/>
+          </a:xfrm>
+          <a:prstGeom prst="straightConnector1">
+            <a:avLst/>
+          </a:prstGeom>
+          <a:ln w="34925">
+            <a:solidFill>
+              <a:schemeClr val="tx1"/>
+            </a:solidFill>
+            <a:tailEnd type="stealth" w="med" len="lg"/>
+          </a:ln>
+        </p:spPr>
+        <p:style>
+          <a:lnRef idx="2">
+            <a:schemeClr val="accent1"/>
+          </a:lnRef>
+          <a:fillRef idx="0">
+            <a:schemeClr val="accent1"/>
+          </a:fillRef>
+          <a:effectRef idx="1">
+            <a:schemeClr val="accent1"/>
+          </a:effectRef>
+          <a:fontRef idx="minor">
+            <a:schemeClr val="tx1"/>
+          </a:fontRef>
+        </p:style>
+      </p:cxnSp>
+      <p:cxnSp>
+        <p:nvCxnSpPr>
+          <p:cNvPr id="96" name="Straight Arrow Connector 95">
+            <a:extLst>
+              <a:ext uri="{FF2B5EF4-FFF2-40B4-BE49-F238E27FC236}">
+                <a16:creationId xmlns:a16="http://schemas.microsoft.com/office/drawing/2014/main" id="{36BACCDE-5967-87F0-15E2-4515F668A6BC}"/>
+              </a:ext>
+            </a:extLst>
+          </p:cNvPr>
+          <p:cNvCxnSpPr>
+            <a:cxnSpLocks/>
+          </p:cNvCxnSpPr>
+          <p:nvPr/>
+        </p:nvCxnSpPr>
+        <p:spPr>
+          <a:xfrm>
+            <a:off x="9559580" y="1596803"/>
+            <a:ext cx="0" cy="341584"/>
+          </a:xfrm>
+          <a:prstGeom prst="straightConnector1">
+            <a:avLst/>
+          </a:prstGeom>
+          <a:ln w="34925">
+            <a:solidFill>
+              <a:schemeClr val="tx1"/>
+            </a:solidFill>
+            <a:tailEnd type="stealth" w="med" len="lg"/>
+          </a:ln>
+        </p:spPr>
+        <p:style>
+          <a:lnRef idx="2">
+            <a:schemeClr val="accent1"/>
+          </a:lnRef>
+          <a:fillRef idx="0">
+            <a:schemeClr val="accent1"/>
+          </a:fillRef>
+          <a:effectRef idx="1">
+            <a:schemeClr val="accent1"/>
+          </a:effectRef>
+          <a:fontRef idx="minor">
+            <a:schemeClr val="tx1"/>
+          </a:fontRef>
+        </p:style>
+      </p:cxnSp>
+      <p:cxnSp>
+        <p:nvCxnSpPr>
+          <p:cNvPr id="97" name="Straight Arrow Connector 96">
+            <a:extLst>
+              <a:ext uri="{FF2B5EF4-FFF2-40B4-BE49-F238E27FC236}">
+                <a16:creationId xmlns:a16="http://schemas.microsoft.com/office/drawing/2014/main" id="{107A8FA6-0747-8360-70EA-C52C021BBB0E}"/>
+              </a:ext>
+            </a:extLst>
+          </p:cNvPr>
+          <p:cNvCxnSpPr>
+            <a:cxnSpLocks/>
+          </p:cNvCxnSpPr>
+          <p:nvPr/>
+        </p:nvCxnSpPr>
+        <p:spPr>
+          <a:xfrm>
+            <a:off x="9556405" y="1978621"/>
+            <a:ext cx="0" cy="341584"/>
+          </a:xfrm>
+          <a:prstGeom prst="straightConnector1">
+            <a:avLst/>
+          </a:prstGeom>
+          <a:ln w="34925">
+            <a:solidFill>
+              <a:schemeClr val="tx1"/>
+            </a:solidFill>
+            <a:tailEnd type="stealth" w="med" len="lg"/>
+          </a:ln>
+        </p:spPr>
+        <p:style>
+          <a:lnRef idx="2">
+            <a:schemeClr val="accent1"/>
+          </a:lnRef>
+          <a:fillRef idx="0">
+            <a:schemeClr val="accent1"/>
+          </a:fillRef>
+          <a:effectRef idx="1">
+            <a:schemeClr val="accent1"/>
+          </a:effectRef>
+          <a:fontRef idx="minor">
+            <a:schemeClr val="tx1"/>
+          </a:fontRef>
+        </p:style>
+      </p:cxnSp>
+      <p:cxnSp>
+        <p:nvCxnSpPr>
+          <p:cNvPr id="98" name="Straight Arrow Connector 97">
+            <a:extLst>
+              <a:ext uri="{FF2B5EF4-FFF2-40B4-BE49-F238E27FC236}">
+                <a16:creationId xmlns:a16="http://schemas.microsoft.com/office/drawing/2014/main" id="{134E6965-2F5F-1379-F519-5782C2DB257C}"/>
+              </a:ext>
+            </a:extLst>
+          </p:cNvPr>
+          <p:cNvCxnSpPr>
+            <a:cxnSpLocks/>
+          </p:cNvCxnSpPr>
+          <p:nvPr/>
+        </p:nvCxnSpPr>
+        <p:spPr>
+          <a:xfrm>
+            <a:off x="9553230" y="2320205"/>
+            <a:ext cx="0" cy="341584"/>
+          </a:xfrm>
+          <a:prstGeom prst="straightConnector1">
+            <a:avLst/>
+          </a:prstGeom>
+          <a:ln w="34925">
+            <a:solidFill>
+              <a:schemeClr val="tx1"/>
+            </a:solidFill>
+            <a:tailEnd type="stealth" w="med" len="lg"/>
+          </a:ln>
+        </p:spPr>
+        <p:style>
+          <a:lnRef idx="2">
+            <a:schemeClr val="accent1"/>
+          </a:lnRef>
+          <a:fillRef idx="0">
+            <a:schemeClr val="accent1"/>
+          </a:fillRef>
+          <a:effectRef idx="1">
+            <a:schemeClr val="accent1"/>
+          </a:effectRef>
+          <a:fontRef idx="minor">
+            <a:schemeClr val="tx1"/>
+          </a:fontRef>
+        </p:style>
+      </p:cxnSp>
+      <p:cxnSp>
+        <p:nvCxnSpPr>
+          <p:cNvPr id="99" name="Straight Arrow Connector 98">
+            <a:extLst>
+              <a:ext uri="{FF2B5EF4-FFF2-40B4-BE49-F238E27FC236}">
+                <a16:creationId xmlns:a16="http://schemas.microsoft.com/office/drawing/2014/main" id="{A9AC1A13-7F4F-9918-EABF-437DF09D664E}"/>
+              </a:ext>
+            </a:extLst>
+          </p:cNvPr>
+          <p:cNvCxnSpPr>
+            <a:cxnSpLocks/>
+          </p:cNvCxnSpPr>
+          <p:nvPr/>
+        </p:nvCxnSpPr>
+        <p:spPr>
+          <a:xfrm>
+            <a:off x="8478261" y="2299994"/>
+            <a:ext cx="1078144" cy="324286"/>
+          </a:xfrm>
+          <a:prstGeom prst="straightConnector1">
+            <a:avLst/>
+          </a:prstGeom>
+          <a:ln w="34925">
+            <a:solidFill>
+              <a:schemeClr val="tx1"/>
+            </a:solidFill>
+            <a:tailEnd type="stealth" w="med" len="lg"/>
+          </a:ln>
+        </p:spPr>
+        <p:style>
+          <a:lnRef idx="2">
+            <a:schemeClr val="accent1"/>
+          </a:lnRef>
+          <a:fillRef idx="0">
+            <a:schemeClr val="accent1"/>
+          </a:fillRef>
+          <a:effectRef idx="1">
+            <a:schemeClr val="accent1"/>
+          </a:effectRef>
+          <a:fontRef idx="minor">
+            <a:schemeClr val="tx1"/>
+          </a:fontRef>
+        </p:style>
+      </p:cxnSp>
+      <p:cxnSp>
+        <p:nvCxnSpPr>
+          <p:cNvPr id="100" name="Straight Arrow Connector 99">
+            <a:extLst>
+              <a:ext uri="{FF2B5EF4-FFF2-40B4-BE49-F238E27FC236}">
+                <a16:creationId xmlns:a16="http://schemas.microsoft.com/office/drawing/2014/main" id="{5C757C39-FDB5-A16A-7F63-613983B8C063}"/>
+              </a:ext>
+            </a:extLst>
+          </p:cNvPr>
+          <p:cNvCxnSpPr>
+            <a:cxnSpLocks/>
+          </p:cNvCxnSpPr>
+          <p:nvPr/>
+        </p:nvCxnSpPr>
+        <p:spPr>
+          <a:xfrm>
+            <a:off x="9559580" y="2624280"/>
+            <a:ext cx="0" cy="341584"/>
+          </a:xfrm>
+          <a:prstGeom prst="straightConnector1">
+            <a:avLst/>
+          </a:prstGeom>
+          <a:ln w="34925">
+            <a:solidFill>
+              <a:schemeClr val="tx1"/>
+            </a:solidFill>
+            <a:tailEnd type="stealth" w="med" len="lg"/>
+          </a:ln>
+        </p:spPr>
+        <p:style>
+          <a:lnRef idx="2">
+            <a:schemeClr val="accent1"/>
+          </a:lnRef>
+          <a:fillRef idx="0">
+            <a:schemeClr val="accent1"/>
+          </a:fillRef>
+          <a:effectRef idx="1">
+            <a:schemeClr val="accent1"/>
+          </a:effectRef>
+          <a:fontRef idx="minor">
+            <a:schemeClr val="tx1"/>
+          </a:fontRef>
+        </p:style>
+      </p:cxnSp>
+      <p:cxnSp>
+        <p:nvCxnSpPr>
+          <p:cNvPr id="101" name="Straight Arrow Connector 100">
+            <a:extLst>
+              <a:ext uri="{FF2B5EF4-FFF2-40B4-BE49-F238E27FC236}">
+                <a16:creationId xmlns:a16="http://schemas.microsoft.com/office/drawing/2014/main" id="{27796A7D-DD66-78A5-85C0-25DCCF1BE004}"/>
+              </a:ext>
+            </a:extLst>
+          </p:cNvPr>
+          <p:cNvCxnSpPr>
+            <a:cxnSpLocks/>
+          </p:cNvCxnSpPr>
+          <p:nvPr/>
+        </p:nvCxnSpPr>
+        <p:spPr>
+          <a:xfrm>
+            <a:off x="8473967" y="2286460"/>
+            <a:ext cx="1076088" cy="659193"/>
+          </a:xfrm>
+          <a:prstGeom prst="straightConnector1">
+            <a:avLst/>
+          </a:prstGeom>
+          <a:ln w="34925">
+            <a:solidFill>
+              <a:schemeClr val="tx1"/>
+            </a:solidFill>
+            <a:tailEnd type="stealth" w="med" len="lg"/>
+          </a:ln>
+        </p:spPr>
+        <p:style>
+          <a:lnRef idx="2">
+            <a:schemeClr val="accent1"/>
+          </a:lnRef>
+          <a:fillRef idx="0">
+            <a:schemeClr val="accent1"/>
+          </a:fillRef>
+          <a:effectRef idx="1">
+            <a:schemeClr val="accent1"/>
+          </a:effectRef>
+          <a:fontRef idx="minor">
+            <a:schemeClr val="tx1"/>
+          </a:fontRef>
+        </p:style>
+      </p:cxnSp>
+      <p:sp>
+        <p:nvSpPr>
+          <p:cNvPr id="102" name="Oval 101">
+            <a:extLst>
+              <a:ext uri="{FF2B5EF4-FFF2-40B4-BE49-F238E27FC236}">
+                <a16:creationId xmlns:a16="http://schemas.microsoft.com/office/drawing/2014/main" id="{B1BDE6C8-D9A5-DBB2-AE36-0AEA2DC3F605}"/>
+              </a:ext>
+            </a:extLst>
+          </p:cNvPr>
+          <p:cNvSpPr/>
+          <p:nvPr/>
+        </p:nvSpPr>
+        <p:spPr>
+          <a:xfrm>
+            <a:off x="8427473" y="2220310"/>
+            <a:ext cx="160644" cy="151224"/>
+          </a:xfrm>
+          <a:prstGeom prst="ellipse">
+            <a:avLst/>
+          </a:prstGeom>
+          <a:solidFill>
+            <a:schemeClr val="tx1"/>
+          </a:solidFill>
+          <a:ln>
+            <a:noFill/>
+          </a:ln>
+        </p:spPr>
+        <p:style>
+          <a:lnRef idx="2">
+            <a:schemeClr val="accent1">
+              <a:shade val="15000"/>
+            </a:schemeClr>
+          </a:lnRef>
+          <a:fillRef idx="1">
+            <a:schemeClr val="accent1"/>
+          </a:fillRef>
+          <a:effectRef idx="0">
+            <a:schemeClr val="accent1"/>
+          </a:effectRef>
+          <a:fontRef idx="minor">
+            <a:schemeClr val="lt1"/>
+          </a:fontRef>
+        </p:style>
+        <p:txBody>
+          <a:bodyPr rtlCol="0" anchor="ctr"/>
+          <a:lstStyle/>
+          <a:p>
+            <a:pPr algn="ctr"/>
+            <a:endParaRPr lang="en-US"/>
+          </a:p>
+        </p:txBody>
+      </p:sp>
+      <mc:AlternateContent xmlns:mc="http://schemas.openxmlformats.org/markup-compatibility/2006">
+        <mc:Choice xmlns:a14="http://schemas.microsoft.com/office/drawing/2010/main" Requires="a14">
+          <p:sp>
+            <p:nvSpPr>
+              <p:cNvPr id="103" name="TextBox 102">
+                <a:extLst>
+                  <a:ext uri="{FF2B5EF4-FFF2-40B4-BE49-F238E27FC236}">
+                    <a16:creationId xmlns:a16="http://schemas.microsoft.com/office/drawing/2014/main" id="{8A4BDB93-7097-0D74-4519-9385D95B9752}"/>
+                  </a:ext>
+                </a:extLst>
+              </p:cNvPr>
+              <p:cNvSpPr txBox="1"/>
+              <p:nvPr/>
+            </p:nvSpPr>
+            <p:spPr>
+              <a:xfrm>
+                <a:off x="8594852" y="1234543"/>
+                <a:ext cx="384540" cy="430887"/>
+              </a:xfrm>
+              <a:prstGeom prst="rect">
+                <a:avLst/>
+              </a:prstGeom>
+              <a:noFill/>
+            </p:spPr>
+            <p:txBody>
+              <a:bodyPr wrap="square" lIns="0" tIns="0" rIns="0" bIns="0" rtlCol="0">
+                <a:spAutoFit/>
+              </a:bodyPr>
+              <a:lstStyle/>
+              <a:p>
+                <a:pPr/>
+                <a14:m>
+                  <m:oMathPara xmlns:m="http://schemas.openxmlformats.org/officeDocument/2006/math">
+                    <m:oMathParaPr>
+                      <m:jc m:val="centerGroup"/>
+                    </m:oMathParaPr>
+                    <m:oMath xmlns:m="http://schemas.openxmlformats.org/officeDocument/2006/math">
+                      <m:sSub>
+                        <m:sSubPr>
+                          <m:ctrlPr>
+                            <a:rPr lang="en-US" sz="2800" b="0" i="1" smtClean="0">
+                              <a:latin typeface="Cambria Math" panose="02040503050406030204" pitchFamily="18" charset="0"/>
+                            </a:rPr>
+                          </m:ctrlPr>
+                        </m:sSubPr>
+                        <m:e>
+                          <m:acc>
+                            <m:accPr>
+                              <m:chr m:val="⃗"/>
+                              <m:ctrlPr>
+                                <a:rPr lang="en-US" sz="2800" i="1">
+                                  <a:latin typeface="Cambria Math" panose="02040503050406030204" pitchFamily="18" charset="0"/>
+                                </a:rPr>
+                              </m:ctrlPr>
+                            </m:accPr>
+                            <m:e>
+                              <m:r>
+                                <a:rPr lang="en-US" sz="2800" i="1">
+                                  <a:latin typeface="Cambria Math" panose="02040503050406030204" pitchFamily="18" charset="0"/>
+                                </a:rPr>
+                                <m:t>𝑣</m:t>
+                              </m:r>
+                            </m:e>
+                          </m:acc>
+                        </m:e>
+                        <m:sub>
+                          <m:r>
+                            <a:rPr lang="en-US" sz="2800" b="0" i="1" smtClean="0">
+                              <a:latin typeface="Cambria Math" panose="02040503050406030204" pitchFamily="18" charset="0"/>
+                            </a:rPr>
+                            <m:t>0</m:t>
+                          </m:r>
+                        </m:sub>
+                      </m:sSub>
+                    </m:oMath>
+                  </m:oMathPara>
+                </a14:m>
+                <a:endParaRPr lang="en-US" sz="2800" dirty="0"/>
+              </a:p>
+            </p:txBody>
+          </p:sp>
+        </mc:Choice>
+        <mc:Fallback>
+          <p:sp>
+            <p:nvSpPr>
+              <p:cNvPr id="103" name="TextBox 102">
+                <a:extLst>
+                  <a:ext uri="{FF2B5EF4-FFF2-40B4-BE49-F238E27FC236}">
+                    <a16:creationId xmlns:a16="http://schemas.microsoft.com/office/drawing/2014/main" id="{8A4BDB93-7097-0D74-4519-9385D95B9752}"/>
+                  </a:ext>
+                </a:extLst>
+              </p:cNvPr>
+              <p:cNvSpPr txBox="1">
+                <a:spLocks noRot="1" noChangeAspect="1" noMove="1" noResize="1" noEditPoints="1" noAdjustHandles="1" noChangeArrowheads="1" noChangeShapeType="1" noTextEdit="1"/>
+              </p:cNvSpPr>
+              <p:nvPr/>
+            </p:nvSpPr>
+            <p:spPr>
+              <a:xfrm>
+                <a:off x="8594852" y="1234543"/>
+                <a:ext cx="384540" cy="430887"/>
+              </a:xfrm>
+              <a:prstGeom prst="rect">
+                <a:avLst/>
+              </a:prstGeom>
+              <a:blipFill>
+                <a:blip r:embed="rId17"/>
+                <a:stretch>
+                  <a:fillRect/>
+                </a:stretch>
+              </a:blipFill>
+            </p:spPr>
+            <p:txBody>
+              <a:bodyPr/>
+              <a:lstStyle/>
+              <a:p>
+                <a:r>
+                  <a:rPr lang="en-US">
+                    <a:noFill/>
+                  </a:rPr>
+                  <a:t> </a:t>
+                </a:r>
+              </a:p>
+            </p:txBody>
+          </p:sp>
+        </mc:Fallback>
+      </mc:AlternateContent>
+    </p:spTree>
+    <p:extLst>
+      <p:ext uri="{BB962C8B-B14F-4D97-AF65-F5344CB8AC3E}">
+        <p14:creationId xmlns:p14="http://schemas.microsoft.com/office/powerpoint/2010/main" val="3374053772"/>
+      </p:ext>
+    </p:extLst>
+  </p:cSld>
+  <p:clrMapOvr>
+    <a:masterClrMapping/>
+  </p:clrMapOvr>
+</p:sld>
+</file>
+
 <file path=ppt/slides/slide2.xml><?xml version="1.0" encoding="utf-8"?>
 <p:sld xmlns:a="http://schemas.openxmlformats.org/drawingml/2006/main" xmlns:r="http://schemas.openxmlformats.org/officeDocument/2006/relationships" xmlns:p="http://schemas.openxmlformats.org/presentationml/2006/main">
   <p:cSld>
@@ -6165,8 +12993,8 @@
           </a:fontRef>
         </p:style>
       </p:cxnSp>
-      <mc:AlternateContent xmlns:mc="http://schemas.openxmlformats.org/markup-compatibility/2006">
-        <mc:Choice xmlns:a14="http://schemas.microsoft.com/office/drawing/2010/main" Requires="a14">
+      <mc:AlternateContent xmlns:mc="http://schemas.openxmlformats.org/markup-compatibility/2006" xmlns:a14="http://schemas.microsoft.com/office/drawing/2010/main">
+        <mc:Choice Requires="a14">
           <p:sp>
             <p:nvSpPr>
               <p:cNvPr id="15" name="TextBox 14">
@@ -6195,6 +13023,7 @@
               </a:bodyPr>
               <a:lstStyle/>
               <a:p>
+                <a:pPr/>
                 <a14:m>
                   <m:oMathPara xmlns:m="http://schemas.openxmlformats.org/officeDocument/2006/math">
                     <m:oMathParaPr>
@@ -6227,7 +13056,7 @@
             </p:txBody>
           </p:sp>
         </mc:Choice>
-        <mc:Fallback>
+        <mc:Fallback xmlns="">
           <p:sp>
             <p:nvSpPr>
               <p:cNvPr id="15" name="TextBox 14">
@@ -6404,8 +13233,8 @@
           </a:fontRef>
         </p:style>
       </p:cxnSp>
-      <mc:AlternateContent xmlns:mc="http://schemas.openxmlformats.org/markup-compatibility/2006">
-        <mc:Choice xmlns:a14="http://schemas.microsoft.com/office/drawing/2010/main" Requires="a14">
+      <mc:AlternateContent xmlns:mc="http://schemas.openxmlformats.org/markup-compatibility/2006" xmlns:a14="http://schemas.microsoft.com/office/drawing/2010/main">
+        <mc:Choice Requires="a14">
           <p:sp>
             <p:nvSpPr>
               <p:cNvPr id="28" name="TextBox 27">
@@ -6434,6 +13263,7 @@
               </a:bodyPr>
               <a:lstStyle/>
               <a:p>
+                <a:pPr/>
                 <a14:m>
                   <m:oMathPara xmlns:m="http://schemas.openxmlformats.org/officeDocument/2006/math">
                     <m:oMathParaPr>
@@ -6454,7 +13284,7 @@
             </p:txBody>
           </p:sp>
         </mc:Choice>
-        <mc:Fallback>
+        <mc:Fallback xmlns="">
           <p:sp>
             <p:nvSpPr>
               <p:cNvPr id="28" name="TextBox 27">
@@ -6499,8 +13329,8 @@
           </p:sp>
         </mc:Fallback>
       </mc:AlternateContent>
-      <mc:AlternateContent xmlns:mc="http://schemas.openxmlformats.org/markup-compatibility/2006">
-        <mc:Choice xmlns:a14="http://schemas.microsoft.com/office/drawing/2010/main" Requires="a14">
+      <mc:AlternateContent xmlns:mc="http://schemas.openxmlformats.org/markup-compatibility/2006" xmlns:a14="http://schemas.microsoft.com/office/drawing/2010/main">
+        <mc:Choice Requires="a14">
           <p:sp>
             <p:nvSpPr>
               <p:cNvPr id="29" name="TextBox 28">
@@ -6529,6 +13359,7 @@
               </a:bodyPr>
               <a:lstStyle/>
               <a:p>
+                <a:pPr/>
                 <a14:m>
                   <m:oMathPara xmlns:m="http://schemas.openxmlformats.org/officeDocument/2006/math">
                     <m:oMathParaPr>
@@ -6549,7 +13380,7 @@
             </p:txBody>
           </p:sp>
         </mc:Choice>
-        <mc:Fallback>
+        <mc:Fallback xmlns="">
           <p:sp>
             <p:nvSpPr>
               <p:cNvPr id="29" name="TextBox 28">
@@ -6594,8 +13425,8 @@
           </p:sp>
         </mc:Fallback>
       </mc:AlternateContent>
-      <mc:AlternateContent xmlns:mc="http://schemas.openxmlformats.org/markup-compatibility/2006">
-        <mc:Choice xmlns:a14="http://schemas.microsoft.com/office/drawing/2010/main" Requires="a14">
+      <mc:AlternateContent xmlns:mc="http://schemas.openxmlformats.org/markup-compatibility/2006" xmlns:a14="http://schemas.microsoft.com/office/drawing/2010/main">
+        <mc:Choice Requires="a14">
           <p:sp>
             <p:nvSpPr>
               <p:cNvPr id="30" name="TextBox 29">
@@ -6624,6 +13455,7 @@
               </a:bodyPr>
               <a:lstStyle/>
               <a:p>
+                <a:pPr/>
                 <a14:m>
                   <m:oMathPara xmlns:m="http://schemas.openxmlformats.org/officeDocument/2006/math">
                     <m:oMathParaPr>
@@ -6644,7 +13476,7 @@
             </p:txBody>
           </p:sp>
         </mc:Choice>
-        <mc:Fallback>
+        <mc:Fallback xmlns="">
           <p:sp>
             <p:nvSpPr>
               <p:cNvPr id="30" name="TextBox 29">
@@ -6903,8 +13735,8 @@
           </a:fontRef>
         </p:style>
       </p:cxnSp>
-      <mc:AlternateContent xmlns:mc="http://schemas.openxmlformats.org/markup-compatibility/2006">
-        <mc:Choice xmlns:a14="http://schemas.microsoft.com/office/drawing/2010/main" Requires="a14">
+      <mc:AlternateContent xmlns:mc="http://schemas.openxmlformats.org/markup-compatibility/2006" xmlns:a14="http://schemas.microsoft.com/office/drawing/2010/main">
+        <mc:Choice Requires="a14">
           <p:sp>
             <p:nvSpPr>
               <p:cNvPr id="5" name="TextBox 4">
@@ -6933,6 +13765,7 @@
               </a:bodyPr>
               <a:lstStyle/>
               <a:p>
+                <a:pPr/>
                 <a14:m>
                   <m:oMathPara xmlns:m="http://schemas.openxmlformats.org/officeDocument/2006/math">
                     <m:oMathParaPr>
@@ -6953,7 +13786,7 @@
             </p:txBody>
           </p:sp>
         </mc:Choice>
-        <mc:Fallback>
+        <mc:Fallback xmlns="">
           <p:sp>
             <p:nvSpPr>
               <p:cNvPr id="5" name="TextBox 4">
@@ -6998,8 +13831,8 @@
           </p:sp>
         </mc:Fallback>
       </mc:AlternateContent>
-      <mc:AlternateContent xmlns:mc="http://schemas.openxmlformats.org/markup-compatibility/2006">
-        <mc:Choice xmlns:a14="http://schemas.microsoft.com/office/drawing/2010/main" Requires="a14">
+      <mc:AlternateContent xmlns:mc="http://schemas.openxmlformats.org/markup-compatibility/2006" xmlns:a14="http://schemas.microsoft.com/office/drawing/2010/main">
+        <mc:Choice Requires="a14">
           <p:sp>
             <p:nvSpPr>
               <p:cNvPr id="6" name="TextBox 5">
@@ -7028,6 +13861,7 @@
               </a:bodyPr>
               <a:lstStyle/>
               <a:p>
+                <a:pPr/>
                 <a14:m>
                   <m:oMathPara xmlns:m="http://schemas.openxmlformats.org/officeDocument/2006/math">
                     <m:oMathParaPr>
@@ -7048,7 +13882,7 @@
             </p:txBody>
           </p:sp>
         </mc:Choice>
-        <mc:Fallback>
+        <mc:Fallback xmlns="">
           <p:sp>
             <p:nvSpPr>
               <p:cNvPr id="6" name="TextBox 5">
@@ -7093,8 +13927,8 @@
           </p:sp>
         </mc:Fallback>
       </mc:AlternateContent>
-      <mc:AlternateContent xmlns:mc="http://schemas.openxmlformats.org/markup-compatibility/2006">
-        <mc:Choice xmlns:a14="http://schemas.microsoft.com/office/drawing/2010/main" Requires="a14">
+      <mc:AlternateContent xmlns:mc="http://schemas.openxmlformats.org/markup-compatibility/2006" xmlns:a14="http://schemas.microsoft.com/office/drawing/2010/main">
+        <mc:Choice Requires="a14">
           <p:sp>
             <p:nvSpPr>
               <p:cNvPr id="7" name="TextBox 6">
@@ -7123,6 +13957,7 @@
               </a:bodyPr>
               <a:lstStyle/>
               <a:p>
+                <a:pPr/>
                 <a14:m>
                   <m:oMathPara xmlns:m="http://schemas.openxmlformats.org/officeDocument/2006/math">
                     <m:oMathParaPr>
@@ -7143,7 +13978,7 @@
             </p:txBody>
           </p:sp>
         </mc:Choice>
-        <mc:Fallback>
+        <mc:Fallback xmlns="">
           <p:sp>
             <p:nvSpPr>
               <p:cNvPr id="7" name="TextBox 6">
@@ -7372,8 +14207,8 @@
           </a:fontRef>
         </p:style>
       </p:cxnSp>
-      <mc:AlternateContent xmlns:mc="http://schemas.openxmlformats.org/markup-compatibility/2006">
-        <mc:Choice xmlns:a14="http://schemas.microsoft.com/office/drawing/2010/main" Requires="a14">
+      <mc:AlternateContent xmlns:mc="http://schemas.openxmlformats.org/markup-compatibility/2006" xmlns:a14="http://schemas.microsoft.com/office/drawing/2010/main">
+        <mc:Choice Requires="a14">
           <p:sp>
             <p:nvSpPr>
               <p:cNvPr id="19" name="TextBox 18">
@@ -7402,6 +14237,7 @@
               </a:bodyPr>
               <a:lstStyle/>
               <a:p>
+                <a:pPr/>
                 <a14:m>
                   <m:oMathPara xmlns:m="http://schemas.openxmlformats.org/officeDocument/2006/math">
                     <m:oMathParaPr>
@@ -7434,7 +14270,7 @@
             </p:txBody>
           </p:sp>
         </mc:Choice>
-        <mc:Fallback>
+        <mc:Fallback xmlns="">
           <p:sp>
             <p:nvSpPr>
               <p:cNvPr id="19" name="TextBox 18">
@@ -7479,8 +14315,8 @@
           </p:sp>
         </mc:Fallback>
       </mc:AlternateContent>
-      <mc:AlternateContent xmlns:mc="http://schemas.openxmlformats.org/markup-compatibility/2006">
-        <mc:Choice xmlns:a14="http://schemas.microsoft.com/office/drawing/2010/main" Requires="a14">
+      <mc:AlternateContent xmlns:mc="http://schemas.openxmlformats.org/markup-compatibility/2006" xmlns:a14="http://schemas.microsoft.com/office/drawing/2010/main">
+        <mc:Choice Requires="a14">
           <p:sp>
             <p:nvSpPr>
               <p:cNvPr id="20" name="TextBox 19">
@@ -7509,6 +14345,7 @@
               </a:bodyPr>
               <a:lstStyle/>
               <a:p>
+                <a:pPr/>
                 <a14:m>
                   <m:oMathPara xmlns:m="http://schemas.openxmlformats.org/officeDocument/2006/math">
                     <m:oMathParaPr>
@@ -7541,7 +14378,7 @@
             </p:txBody>
           </p:sp>
         </mc:Choice>
-        <mc:Fallback>
+        <mc:Fallback xmlns="">
           <p:sp>
             <p:nvSpPr>
               <p:cNvPr id="20" name="TextBox 19">
@@ -7586,8 +14423,8 @@
           </p:sp>
         </mc:Fallback>
       </mc:AlternateContent>
-      <mc:AlternateContent xmlns:mc="http://schemas.openxmlformats.org/markup-compatibility/2006">
-        <mc:Choice xmlns:a14="http://schemas.microsoft.com/office/drawing/2010/main" Requires="a14">
+      <mc:AlternateContent xmlns:mc="http://schemas.openxmlformats.org/markup-compatibility/2006" xmlns:a14="http://schemas.microsoft.com/office/drawing/2010/main">
+        <mc:Choice Requires="a14">
           <p:sp>
             <p:nvSpPr>
               <p:cNvPr id="21" name="TextBox 20">
@@ -7616,6 +14453,7 @@
               </a:bodyPr>
               <a:lstStyle/>
               <a:p>
+                <a:pPr/>
                 <a14:m>
                   <m:oMathPara xmlns:m="http://schemas.openxmlformats.org/officeDocument/2006/math">
                     <m:oMathParaPr>
@@ -7648,7 +14486,7 @@
             </p:txBody>
           </p:sp>
         </mc:Choice>
-        <mc:Fallback>
+        <mc:Fallback xmlns="">
           <p:sp>
             <p:nvSpPr>
               <p:cNvPr id="21" name="TextBox 20">
@@ -7781,8 +14619,8 @@
           </a:fontRef>
         </p:style>
       </p:cxnSp>
-      <mc:AlternateContent xmlns:mc="http://schemas.openxmlformats.org/markup-compatibility/2006">
-        <mc:Choice xmlns:a14="http://schemas.microsoft.com/office/drawing/2010/main" Requires="a14">
+      <mc:AlternateContent xmlns:mc="http://schemas.openxmlformats.org/markup-compatibility/2006" xmlns:a14="http://schemas.microsoft.com/office/drawing/2010/main">
+        <mc:Choice Requires="a14">
           <p:sp>
             <p:nvSpPr>
               <p:cNvPr id="28" name="TextBox 27">
@@ -7811,6 +14649,7 @@
               </a:bodyPr>
               <a:lstStyle/>
               <a:p>
+                <a:pPr/>
                 <a14:m>
                   <m:oMathPara xmlns:m="http://schemas.openxmlformats.org/officeDocument/2006/math">
                     <m:oMathParaPr>
@@ -7862,7 +14701,7 @@
             </p:txBody>
           </p:sp>
         </mc:Choice>
-        <mc:Fallback>
+        <mc:Fallback xmlns="">
           <p:sp>
             <p:nvSpPr>
               <p:cNvPr id="28" name="TextBox 27">
@@ -7907,8 +14746,8 @@
           </p:sp>
         </mc:Fallback>
       </mc:AlternateContent>
-      <mc:AlternateContent xmlns:mc="http://schemas.openxmlformats.org/markup-compatibility/2006">
-        <mc:Choice xmlns:a14="http://schemas.microsoft.com/office/drawing/2010/main" Requires="a14">
+      <mc:AlternateContent xmlns:mc="http://schemas.openxmlformats.org/markup-compatibility/2006" xmlns:a14="http://schemas.microsoft.com/office/drawing/2010/main">
+        <mc:Choice Requires="a14">
           <p:sp>
             <p:nvSpPr>
               <p:cNvPr id="29" name="TextBox 28">
@@ -7937,6 +14776,7 @@
               </a:bodyPr>
               <a:lstStyle/>
               <a:p>
+                <a:pPr/>
                 <a14:m>
                   <m:oMathPara xmlns:m="http://schemas.openxmlformats.org/officeDocument/2006/math">
                     <m:oMathParaPr>
@@ -7969,7 +14809,7 @@
             </p:txBody>
           </p:sp>
         </mc:Choice>
-        <mc:Fallback>
+        <mc:Fallback xmlns="">
           <p:sp>
             <p:nvSpPr>
               <p:cNvPr id="29" name="TextBox 28">
@@ -8014,8 +14854,8 @@
           </p:sp>
         </mc:Fallback>
       </mc:AlternateContent>
-      <mc:AlternateContent xmlns:mc="http://schemas.openxmlformats.org/markup-compatibility/2006">
-        <mc:Choice xmlns:a14="http://schemas.microsoft.com/office/drawing/2010/main" Requires="a14">
+      <mc:AlternateContent xmlns:mc="http://schemas.openxmlformats.org/markup-compatibility/2006" xmlns:a14="http://schemas.microsoft.com/office/drawing/2010/main">
+        <mc:Choice Requires="a14">
           <p:sp>
             <p:nvSpPr>
               <p:cNvPr id="30" name="TextBox 29">
@@ -8044,6 +14884,7 @@
               </a:bodyPr>
               <a:lstStyle/>
               <a:p>
+                <a:pPr/>
                 <a14:m>
                   <m:oMathPara xmlns:m="http://schemas.openxmlformats.org/officeDocument/2006/math">
                     <m:oMathParaPr>
@@ -8095,7 +14936,7 @@
             </p:txBody>
           </p:sp>
         </mc:Choice>
-        <mc:Fallback>
+        <mc:Fallback xmlns="">
           <p:sp>
             <p:nvSpPr>
               <p:cNvPr id="30" name="TextBox 29">
@@ -8390,8 +15231,8 @@
           </a:fontRef>
         </p:style>
       </p:cxnSp>
-      <mc:AlternateContent xmlns:mc="http://schemas.openxmlformats.org/markup-compatibility/2006">
-        <mc:Choice xmlns:a14="http://schemas.microsoft.com/office/drawing/2010/main" Requires="a14">
+      <mc:AlternateContent xmlns:mc="http://schemas.openxmlformats.org/markup-compatibility/2006" xmlns:a14="http://schemas.microsoft.com/office/drawing/2010/main">
+        <mc:Choice Requires="a14">
           <p:sp>
             <p:nvSpPr>
               <p:cNvPr id="36" name="TextBox 35">
@@ -8420,6 +15261,7 @@
               </a:bodyPr>
               <a:lstStyle/>
               <a:p>
+                <a:pPr/>
                 <a14:m>
                   <m:oMathPara xmlns:m="http://schemas.openxmlformats.org/officeDocument/2006/math">
                     <m:oMathParaPr>
@@ -8452,7 +15294,7 @@
             </p:txBody>
           </p:sp>
         </mc:Choice>
-        <mc:Fallback>
+        <mc:Fallback xmlns="">
           <p:sp>
             <p:nvSpPr>
               <p:cNvPr id="36" name="TextBox 35">
@@ -8601,8 +15443,8 @@
           </a:p>
         </p:txBody>
       </p:sp>
-      <mc:AlternateContent xmlns:mc="http://schemas.openxmlformats.org/markup-compatibility/2006">
-        <mc:Choice xmlns:a14="http://schemas.microsoft.com/office/drawing/2010/main" Requires="a14">
+      <mc:AlternateContent xmlns:mc="http://schemas.openxmlformats.org/markup-compatibility/2006" xmlns:a14="http://schemas.microsoft.com/office/drawing/2010/main">
+        <mc:Choice Requires="a14">
           <p:sp>
             <p:nvSpPr>
               <p:cNvPr id="40" name="TextBox 39">
@@ -8631,6 +15473,7 @@
               </a:bodyPr>
               <a:lstStyle/>
               <a:p>
+                <a:pPr/>
                 <a14:m>
                   <m:oMathPara xmlns:m="http://schemas.openxmlformats.org/officeDocument/2006/math">
                     <m:oMathParaPr>
@@ -8682,7 +15525,7 @@
             </p:txBody>
           </p:sp>
         </mc:Choice>
-        <mc:Fallback>
+        <mc:Fallback xmlns="">
           <p:sp>
             <p:nvSpPr>
               <p:cNvPr id="40" name="TextBox 39">
@@ -9595,8 +16438,8 @@
           </a:fontRef>
         </p:style>
       </p:cxnSp>
-      <mc:AlternateContent xmlns:mc="http://schemas.openxmlformats.org/markup-compatibility/2006">
-        <mc:Choice xmlns:a14="http://schemas.microsoft.com/office/drawing/2010/main" Requires="a14">
+      <mc:AlternateContent xmlns:mc="http://schemas.openxmlformats.org/markup-compatibility/2006" xmlns:a14="http://schemas.microsoft.com/office/drawing/2010/main">
+        <mc:Choice Requires="a14">
           <p:sp>
             <p:nvSpPr>
               <p:cNvPr id="94" name="TextBox 93">
@@ -9625,6 +16468,7 @@
               </a:bodyPr>
               <a:lstStyle/>
               <a:p>
+                <a:pPr/>
                 <a14:m>
                   <m:oMathPara xmlns:m="http://schemas.openxmlformats.org/officeDocument/2006/math">
                     <m:oMathParaPr>
@@ -9676,7 +16520,7 @@
             </p:txBody>
           </p:sp>
         </mc:Choice>
-        <mc:Fallback>
+        <mc:Fallback xmlns="">
           <p:sp>
             <p:nvSpPr>
               <p:cNvPr id="94" name="TextBox 93">
@@ -9721,8 +16565,8 @@
           </p:sp>
         </mc:Fallback>
       </mc:AlternateContent>
-      <mc:AlternateContent xmlns:mc="http://schemas.openxmlformats.org/markup-compatibility/2006">
-        <mc:Choice xmlns:a14="http://schemas.microsoft.com/office/drawing/2010/main" Requires="a14">
+      <mc:AlternateContent xmlns:mc="http://schemas.openxmlformats.org/markup-compatibility/2006" xmlns:a14="http://schemas.microsoft.com/office/drawing/2010/main">
+        <mc:Choice Requires="a14">
           <p:sp>
             <p:nvSpPr>
               <p:cNvPr id="95" name="TextBox 94">
@@ -9751,6 +16595,7 @@
               </a:bodyPr>
               <a:lstStyle/>
               <a:p>
+                <a:pPr/>
                 <a14:m>
                   <m:oMathPara xmlns:m="http://schemas.openxmlformats.org/officeDocument/2006/math">
                     <m:oMathParaPr>
@@ -9802,7 +16647,7 @@
             </p:txBody>
           </p:sp>
         </mc:Choice>
-        <mc:Fallback>
+        <mc:Fallback xmlns="">
           <p:sp>
             <p:nvSpPr>
               <p:cNvPr id="95" name="TextBox 94">
@@ -9847,8 +16692,8 @@
           </p:sp>
         </mc:Fallback>
       </mc:AlternateContent>
-      <mc:AlternateContent xmlns:mc="http://schemas.openxmlformats.org/markup-compatibility/2006">
-        <mc:Choice xmlns:a14="http://schemas.microsoft.com/office/drawing/2010/main" Requires="a14">
+      <mc:AlternateContent xmlns:mc="http://schemas.openxmlformats.org/markup-compatibility/2006" xmlns:a14="http://schemas.microsoft.com/office/drawing/2010/main">
+        <mc:Choice Requires="a14">
           <p:sp>
             <p:nvSpPr>
               <p:cNvPr id="96" name="TextBox 95">
@@ -9877,6 +16722,7 @@
               </a:bodyPr>
               <a:lstStyle/>
               <a:p>
+                <a:pPr/>
                 <a14:m>
                   <m:oMathPara xmlns:m="http://schemas.openxmlformats.org/officeDocument/2006/math">
                     <m:oMathParaPr>
@@ -9928,7 +16774,7 @@
             </p:txBody>
           </p:sp>
         </mc:Choice>
-        <mc:Fallback>
+        <mc:Fallback xmlns="">
           <p:sp>
             <p:nvSpPr>
               <p:cNvPr id="96" name="TextBox 95">
@@ -9973,8 +16819,8 @@
           </p:sp>
         </mc:Fallback>
       </mc:AlternateContent>
-      <mc:AlternateContent xmlns:mc="http://schemas.openxmlformats.org/markup-compatibility/2006">
-        <mc:Choice xmlns:a14="http://schemas.microsoft.com/office/drawing/2010/main" Requires="a14">
+      <mc:AlternateContent xmlns:mc="http://schemas.openxmlformats.org/markup-compatibility/2006" xmlns:a14="http://schemas.microsoft.com/office/drawing/2010/main">
+        <mc:Choice Requires="a14">
           <p:sp>
             <p:nvSpPr>
               <p:cNvPr id="97" name="TextBox 96">
@@ -10003,6 +16849,7 @@
               </a:bodyPr>
               <a:lstStyle/>
               <a:p>
+                <a:pPr/>
                 <a14:m>
                   <m:oMathPara xmlns:m="http://schemas.openxmlformats.org/officeDocument/2006/math">
                     <m:oMathParaPr>
@@ -10054,7 +16901,7 @@
             </p:txBody>
           </p:sp>
         </mc:Choice>
-        <mc:Fallback>
+        <mc:Fallback xmlns="">
           <p:sp>
             <p:nvSpPr>
               <p:cNvPr id="97" name="TextBox 96">
@@ -10099,8 +16946,8 @@
           </p:sp>
         </mc:Fallback>
       </mc:AlternateContent>
-      <mc:AlternateContent xmlns:mc="http://schemas.openxmlformats.org/markup-compatibility/2006">
-        <mc:Choice xmlns:a14="http://schemas.microsoft.com/office/drawing/2010/main" Requires="a14">
+      <mc:AlternateContent xmlns:mc="http://schemas.openxmlformats.org/markup-compatibility/2006" xmlns:a14="http://schemas.microsoft.com/office/drawing/2010/main">
+        <mc:Choice Requires="a14">
           <p:sp>
             <p:nvSpPr>
               <p:cNvPr id="99" name="TextBox 98">
@@ -10129,6 +16976,7 @@
               </a:bodyPr>
               <a:lstStyle/>
               <a:p>
+                <a:pPr/>
                 <a14:m>
                   <m:oMathPara xmlns:m="http://schemas.openxmlformats.org/officeDocument/2006/math">
                     <m:oMathParaPr>
@@ -10180,7 +17028,7 @@
             </p:txBody>
           </p:sp>
         </mc:Choice>
-        <mc:Fallback>
+        <mc:Fallback xmlns="">
           <p:sp>
             <p:nvSpPr>
               <p:cNvPr id="99" name="TextBox 98">
@@ -10225,8 +17073,8 @@
           </p:sp>
         </mc:Fallback>
       </mc:AlternateContent>
-      <mc:AlternateContent xmlns:mc="http://schemas.openxmlformats.org/markup-compatibility/2006">
-        <mc:Choice xmlns:a14="http://schemas.microsoft.com/office/drawing/2010/main" Requires="a14">
+      <mc:AlternateContent xmlns:mc="http://schemas.openxmlformats.org/markup-compatibility/2006" xmlns:a14="http://schemas.microsoft.com/office/drawing/2010/main">
+        <mc:Choice Requires="a14">
           <p:sp>
             <p:nvSpPr>
               <p:cNvPr id="100" name="TextBox 99">
@@ -10255,6 +17103,7 @@
               </a:bodyPr>
               <a:lstStyle/>
               <a:p>
+                <a:pPr/>
                 <a14:m>
                   <m:oMathPara xmlns:m="http://schemas.openxmlformats.org/officeDocument/2006/math">
                     <m:oMathParaPr>
@@ -10306,7 +17155,7 @@
             </p:txBody>
           </p:sp>
         </mc:Choice>
-        <mc:Fallback>
+        <mc:Fallback xmlns="">
           <p:sp>
             <p:nvSpPr>
               <p:cNvPr id="100" name="TextBox 99">
@@ -10351,8 +17200,8 @@
           </p:sp>
         </mc:Fallback>
       </mc:AlternateContent>
-      <mc:AlternateContent xmlns:mc="http://schemas.openxmlformats.org/markup-compatibility/2006">
-        <mc:Choice xmlns:a14="http://schemas.microsoft.com/office/drawing/2010/main" Requires="a14">
+      <mc:AlternateContent xmlns:mc="http://schemas.openxmlformats.org/markup-compatibility/2006" xmlns:a14="http://schemas.microsoft.com/office/drawing/2010/main">
+        <mc:Choice Requires="a14">
           <p:sp>
             <p:nvSpPr>
               <p:cNvPr id="101" name="TextBox 100">
@@ -10381,6 +17230,7 @@
               </a:bodyPr>
               <a:lstStyle/>
               <a:p>
+                <a:pPr/>
                 <a14:m>
                   <m:oMathPara xmlns:m="http://schemas.openxmlformats.org/officeDocument/2006/math">
                     <m:oMathParaPr>
@@ -10432,7 +17282,7 @@
             </p:txBody>
           </p:sp>
         </mc:Choice>
-        <mc:Fallback>
+        <mc:Fallback xmlns="">
           <p:sp>
             <p:nvSpPr>
               <p:cNvPr id="101" name="TextBox 100">
@@ -10477,8 +17327,8 @@
           </p:sp>
         </mc:Fallback>
       </mc:AlternateContent>
-      <mc:AlternateContent xmlns:mc="http://schemas.openxmlformats.org/markup-compatibility/2006">
-        <mc:Choice xmlns:a14="http://schemas.microsoft.com/office/drawing/2010/main" Requires="a14">
+      <mc:AlternateContent xmlns:mc="http://schemas.openxmlformats.org/markup-compatibility/2006" xmlns:a14="http://schemas.microsoft.com/office/drawing/2010/main">
+        <mc:Choice Requires="a14">
           <p:sp>
             <p:nvSpPr>
               <p:cNvPr id="102" name="TextBox 101">
@@ -10507,6 +17357,7 @@
               </a:bodyPr>
               <a:lstStyle/>
               <a:p>
+                <a:pPr/>
                 <a14:m>
                   <m:oMathPara xmlns:m="http://schemas.openxmlformats.org/officeDocument/2006/math">
                     <m:oMathParaPr>
@@ -10558,7 +17409,7 @@
             </p:txBody>
           </p:sp>
         </mc:Choice>
-        <mc:Fallback>
+        <mc:Fallback xmlns="">
           <p:sp>
             <p:nvSpPr>
               <p:cNvPr id="102" name="TextBox 101">
@@ -10603,8 +17454,8 @@
           </p:sp>
         </mc:Fallback>
       </mc:AlternateContent>
-      <mc:AlternateContent xmlns:mc="http://schemas.openxmlformats.org/markup-compatibility/2006">
-        <mc:Choice xmlns:a14="http://schemas.microsoft.com/office/drawing/2010/main" Requires="a14">
+      <mc:AlternateContent xmlns:mc="http://schemas.openxmlformats.org/markup-compatibility/2006" xmlns:a14="http://schemas.microsoft.com/office/drawing/2010/main">
+        <mc:Choice Requires="a14">
           <p:sp>
             <p:nvSpPr>
               <p:cNvPr id="103" name="TextBox 102">
@@ -10633,6 +17484,7 @@
               </a:bodyPr>
               <a:lstStyle/>
               <a:p>
+                <a:pPr/>
                 <a14:m>
                   <m:oMathPara xmlns:m="http://schemas.openxmlformats.org/officeDocument/2006/math">
                     <m:oMathParaPr>
@@ -10684,7 +17536,7 @@
             </p:txBody>
           </p:sp>
         </mc:Choice>
-        <mc:Fallback>
+        <mc:Fallback xmlns="">
           <p:sp>
             <p:nvSpPr>
               <p:cNvPr id="103" name="TextBox 102">
@@ -10926,8 +17778,8 @@
           </a:fontRef>
         </p:style>
       </p:cxnSp>
-      <mc:AlternateContent xmlns:mc="http://schemas.openxmlformats.org/markup-compatibility/2006">
-        <mc:Choice xmlns:a14="http://schemas.microsoft.com/office/drawing/2010/main" Requires="a14">
+      <mc:AlternateContent xmlns:mc="http://schemas.openxmlformats.org/markup-compatibility/2006" xmlns:a14="http://schemas.microsoft.com/office/drawing/2010/main">
+        <mc:Choice Requires="a14">
           <p:sp>
             <p:nvSpPr>
               <p:cNvPr id="13" name="TextBox 12">
@@ -10956,6 +17808,7 @@
               </a:bodyPr>
               <a:lstStyle/>
               <a:p>
+                <a:pPr/>
                 <a14:m>
                   <m:oMathPara xmlns:m="http://schemas.openxmlformats.org/officeDocument/2006/math">
                     <m:oMathParaPr>
@@ -11007,7 +17860,7 @@
             </p:txBody>
           </p:sp>
         </mc:Choice>
-        <mc:Fallback>
+        <mc:Fallback xmlns="">
           <p:sp>
             <p:nvSpPr>
               <p:cNvPr id="13" name="TextBox 12">
@@ -11101,8 +17954,8 @@
           </a:p>
         </p:txBody>
       </p:sp>
-      <mc:AlternateContent xmlns:mc="http://schemas.openxmlformats.org/markup-compatibility/2006">
-        <mc:Choice xmlns:a14="http://schemas.microsoft.com/office/drawing/2010/main" Requires="a14">
+      <mc:AlternateContent xmlns:mc="http://schemas.openxmlformats.org/markup-compatibility/2006" xmlns:a14="http://schemas.microsoft.com/office/drawing/2010/main">
+        <mc:Choice Requires="a14">
           <p:sp>
             <p:nvSpPr>
               <p:cNvPr id="15" name="TextBox 14">
@@ -11131,6 +17984,7 @@
               </a:bodyPr>
               <a:lstStyle/>
               <a:p>
+                <a:pPr/>
                 <a14:m>
                   <m:oMathPara xmlns:m="http://schemas.openxmlformats.org/officeDocument/2006/math">
                     <m:oMathParaPr>
@@ -11152,7 +18006,7 @@
             </p:txBody>
           </p:sp>
         </mc:Choice>
-        <mc:Fallback>
+        <mc:Fallback xmlns="">
           <p:sp>
             <p:nvSpPr>
               <p:cNvPr id="15" name="TextBox 14">
@@ -11864,8 +18718,8 @@
           </a:p>
         </p:txBody>
       </p:sp>
-      <mc:AlternateContent xmlns:mc="http://schemas.openxmlformats.org/markup-compatibility/2006">
-        <mc:Choice xmlns:a14="http://schemas.microsoft.com/office/drawing/2010/main" Requires="a14">
+      <mc:AlternateContent xmlns:mc="http://schemas.openxmlformats.org/markup-compatibility/2006" xmlns:a14="http://schemas.microsoft.com/office/drawing/2010/main">
+        <mc:Choice Requires="a14">
           <p:sp>
             <p:nvSpPr>
               <p:cNvPr id="43" name="TextBox 42">
@@ -11894,6 +18748,7 @@
               </a:bodyPr>
               <a:lstStyle/>
               <a:p>
+                <a:pPr/>
                 <a14:m>
                   <m:oMathPara xmlns:m="http://schemas.openxmlformats.org/officeDocument/2006/math">
                     <m:oMathParaPr>
@@ -11945,7 +18800,7 @@
             </p:txBody>
           </p:sp>
         </mc:Choice>
-        <mc:Fallback>
+        <mc:Fallback xmlns="">
           <p:sp>
             <p:nvSpPr>
               <p:cNvPr id="43" name="TextBox 42">
@@ -11990,8 +18845,8 @@
           </p:sp>
         </mc:Fallback>
       </mc:AlternateContent>
-      <mc:AlternateContent xmlns:mc="http://schemas.openxmlformats.org/markup-compatibility/2006">
-        <mc:Choice xmlns:a14="http://schemas.microsoft.com/office/drawing/2010/main" Requires="a14">
+      <mc:AlternateContent xmlns:mc="http://schemas.openxmlformats.org/markup-compatibility/2006" xmlns:a14="http://schemas.microsoft.com/office/drawing/2010/main">
+        <mc:Choice Requires="a14">
           <p:sp>
             <p:nvSpPr>
               <p:cNvPr id="44" name="TextBox 43">
@@ -12020,6 +18875,7 @@
               </a:bodyPr>
               <a:lstStyle/>
               <a:p>
+                <a:pPr/>
                 <a14:m>
                   <m:oMathPara xmlns:m="http://schemas.openxmlformats.org/officeDocument/2006/math">
                     <m:oMathParaPr>
@@ -12054,7 +18910,7 @@
             </p:txBody>
           </p:sp>
         </mc:Choice>
-        <mc:Fallback>
+        <mc:Fallback xmlns="">
           <p:sp>
             <p:nvSpPr>
               <p:cNvPr id="44" name="TextBox 43">
@@ -12099,8 +18955,8 @@
           </p:sp>
         </mc:Fallback>
       </mc:AlternateContent>
-      <mc:AlternateContent xmlns:mc="http://schemas.openxmlformats.org/markup-compatibility/2006">
-        <mc:Choice xmlns:a14="http://schemas.microsoft.com/office/drawing/2010/main" Requires="a14">
+      <mc:AlternateContent xmlns:mc="http://schemas.openxmlformats.org/markup-compatibility/2006" xmlns:a14="http://schemas.microsoft.com/office/drawing/2010/main">
+        <mc:Choice Requires="a14">
           <p:sp>
             <p:nvSpPr>
               <p:cNvPr id="45" name="TextBox 44">
@@ -12129,6 +18985,7 @@
               </a:bodyPr>
               <a:lstStyle/>
               <a:p>
+                <a:pPr/>
                 <a14:m>
                   <m:oMathPara xmlns:m="http://schemas.openxmlformats.org/officeDocument/2006/math">
                     <m:oMathParaPr>
@@ -12163,7 +19020,7 @@
             </p:txBody>
           </p:sp>
         </mc:Choice>
-        <mc:Fallback>
+        <mc:Fallback xmlns="">
           <p:sp>
             <p:nvSpPr>
               <p:cNvPr id="45" name="TextBox 44">
@@ -12208,8 +19065,8 @@
           </p:sp>
         </mc:Fallback>
       </mc:AlternateContent>
-      <mc:AlternateContent xmlns:mc="http://schemas.openxmlformats.org/markup-compatibility/2006">
-        <mc:Choice xmlns:a14="http://schemas.microsoft.com/office/drawing/2010/main" Requires="a14">
+      <mc:AlternateContent xmlns:mc="http://schemas.openxmlformats.org/markup-compatibility/2006" xmlns:a14="http://schemas.microsoft.com/office/drawing/2010/main">
+        <mc:Choice Requires="a14">
           <p:sp>
             <p:nvSpPr>
               <p:cNvPr id="46" name="TextBox 45">
@@ -12238,6 +19095,7 @@
               </a:bodyPr>
               <a:lstStyle/>
               <a:p>
+                <a:pPr/>
                 <a14:m>
                   <m:oMathPara xmlns:m="http://schemas.openxmlformats.org/officeDocument/2006/math">
                     <m:oMathParaPr>
@@ -12272,7 +19130,7 @@
             </p:txBody>
           </p:sp>
         </mc:Choice>
-        <mc:Fallback>
+        <mc:Fallback xmlns="">
           <p:sp>
             <p:nvSpPr>
               <p:cNvPr id="46" name="TextBox 45">
@@ -12317,8 +19175,8 @@
           </p:sp>
         </mc:Fallback>
       </mc:AlternateContent>
-      <mc:AlternateContent xmlns:mc="http://schemas.openxmlformats.org/markup-compatibility/2006">
-        <mc:Choice xmlns:a14="http://schemas.microsoft.com/office/drawing/2010/main" Requires="a14">
+      <mc:AlternateContent xmlns:mc="http://schemas.openxmlformats.org/markup-compatibility/2006" xmlns:a14="http://schemas.microsoft.com/office/drawing/2010/main">
+        <mc:Choice Requires="a14">
           <p:sp>
             <p:nvSpPr>
               <p:cNvPr id="47" name="TextBox 46">
@@ -12347,6 +19205,7 @@
               </a:bodyPr>
               <a:lstStyle/>
               <a:p>
+                <a:pPr/>
                 <a14:m>
                   <m:oMathPara xmlns:m="http://schemas.openxmlformats.org/officeDocument/2006/math">
                     <m:oMathParaPr>
@@ -12381,7 +19240,7 @@
             </p:txBody>
           </p:sp>
         </mc:Choice>
-        <mc:Fallback>
+        <mc:Fallback xmlns="">
           <p:sp>
             <p:nvSpPr>
               <p:cNvPr id="47" name="TextBox 46">
@@ -12426,8 +19285,8 @@
           </p:sp>
         </mc:Fallback>
       </mc:AlternateContent>
-      <mc:AlternateContent xmlns:mc="http://schemas.openxmlformats.org/markup-compatibility/2006">
-        <mc:Choice xmlns:a14="http://schemas.microsoft.com/office/drawing/2010/main" Requires="a14">
+      <mc:AlternateContent xmlns:mc="http://schemas.openxmlformats.org/markup-compatibility/2006" xmlns:a14="http://schemas.microsoft.com/office/drawing/2010/main">
+        <mc:Choice Requires="a14">
           <p:sp>
             <p:nvSpPr>
               <p:cNvPr id="48" name="TextBox 47">
@@ -12456,6 +19315,7 @@
               </a:bodyPr>
               <a:lstStyle/>
               <a:p>
+                <a:pPr/>
                 <a14:m>
                   <m:oMathPara xmlns:m="http://schemas.openxmlformats.org/officeDocument/2006/math">
                     <m:oMathParaPr>
@@ -12490,7 +19350,7 @@
             </p:txBody>
           </p:sp>
         </mc:Choice>
-        <mc:Fallback>
+        <mc:Fallback xmlns="">
           <p:sp>
             <p:nvSpPr>
               <p:cNvPr id="48" name="TextBox 47">
@@ -12535,8 +19395,8 @@
           </p:sp>
         </mc:Fallback>
       </mc:AlternateContent>
-      <mc:AlternateContent xmlns:mc="http://schemas.openxmlformats.org/markup-compatibility/2006">
-        <mc:Choice xmlns:a14="http://schemas.microsoft.com/office/drawing/2010/main" Requires="a14">
+      <mc:AlternateContent xmlns:mc="http://schemas.openxmlformats.org/markup-compatibility/2006" xmlns:a14="http://schemas.microsoft.com/office/drawing/2010/main">
+        <mc:Choice Requires="a14">
           <p:sp>
             <p:nvSpPr>
               <p:cNvPr id="49" name="TextBox 48">
@@ -12565,6 +19425,7 @@
               </a:bodyPr>
               <a:lstStyle/>
               <a:p>
+                <a:pPr/>
                 <a14:m>
                   <m:oMathPara xmlns:m="http://schemas.openxmlformats.org/officeDocument/2006/math">
                     <m:oMathParaPr>
@@ -12599,7 +19460,7 @@
             </p:txBody>
           </p:sp>
         </mc:Choice>
-        <mc:Fallback>
+        <mc:Fallback xmlns="">
           <p:sp>
             <p:nvSpPr>
               <p:cNvPr id="49" name="TextBox 48">
@@ -12895,8 +19756,8 @@
           </a:fontRef>
         </p:style>
       </p:cxnSp>
-      <mc:AlternateContent xmlns:mc="http://schemas.openxmlformats.org/markup-compatibility/2006">
-        <mc:Choice xmlns:a14="http://schemas.microsoft.com/office/drawing/2010/main" Requires="a14">
+      <mc:AlternateContent xmlns:mc="http://schemas.openxmlformats.org/markup-compatibility/2006" xmlns:a14="http://schemas.microsoft.com/office/drawing/2010/main">
+        <mc:Choice Requires="a14">
           <p:sp>
             <p:nvSpPr>
               <p:cNvPr id="13" name="TextBox 12">
@@ -12925,6 +19786,7 @@
               </a:bodyPr>
               <a:lstStyle/>
               <a:p>
+                <a:pPr/>
                 <a14:m>
                   <m:oMathPara xmlns:m="http://schemas.openxmlformats.org/officeDocument/2006/math">
                     <m:oMathParaPr>
@@ -12976,7 +19838,7 @@
             </p:txBody>
           </p:sp>
         </mc:Choice>
-        <mc:Fallback>
+        <mc:Fallback xmlns="">
           <p:sp>
             <p:nvSpPr>
               <p:cNvPr id="13" name="TextBox 12">
@@ -13065,8 +19927,8 @@
           </a:fontRef>
         </p:style>
       </p:cxnSp>
-      <mc:AlternateContent xmlns:mc="http://schemas.openxmlformats.org/markup-compatibility/2006">
-        <mc:Choice xmlns:a14="http://schemas.microsoft.com/office/drawing/2010/main" Requires="a14">
+      <mc:AlternateContent xmlns:mc="http://schemas.openxmlformats.org/markup-compatibility/2006" xmlns:a14="http://schemas.microsoft.com/office/drawing/2010/main">
+        <mc:Choice Requires="a14">
           <p:sp>
             <p:nvSpPr>
               <p:cNvPr id="16" name="TextBox 15">
@@ -13095,6 +19957,7 @@
               </a:bodyPr>
               <a:lstStyle/>
               <a:p>
+                <a:pPr/>
                 <a14:m>
                   <m:oMathPara xmlns:m="http://schemas.openxmlformats.org/officeDocument/2006/math">
                     <m:oMathParaPr>
@@ -13146,7 +20009,7 @@
             </p:txBody>
           </p:sp>
         </mc:Choice>
-        <mc:Fallback>
+        <mc:Fallback xmlns="">
           <p:sp>
             <p:nvSpPr>
               <p:cNvPr id="16" name="TextBox 15">
@@ -13191,8 +20054,8 @@
           </p:sp>
         </mc:Fallback>
       </mc:AlternateContent>
-      <mc:AlternateContent xmlns:mc="http://schemas.openxmlformats.org/markup-compatibility/2006">
-        <mc:Choice xmlns:a14="http://schemas.microsoft.com/office/drawing/2010/main" Requires="a14">
+      <mc:AlternateContent xmlns:mc="http://schemas.openxmlformats.org/markup-compatibility/2006" xmlns:a14="http://schemas.microsoft.com/office/drawing/2010/main">
+        <mc:Choice Requires="a14">
           <p:sp>
             <p:nvSpPr>
               <p:cNvPr id="17" name="TextBox 16">
@@ -13221,6 +20084,7 @@
               </a:bodyPr>
               <a:lstStyle/>
               <a:p>
+                <a:pPr/>
                 <a14:m>
                   <m:oMathPara xmlns:m="http://schemas.openxmlformats.org/officeDocument/2006/math">
                     <m:oMathParaPr>
@@ -13272,7 +20136,7 @@
             </p:txBody>
           </p:sp>
         </mc:Choice>
-        <mc:Fallback>
+        <mc:Fallback xmlns="">
           <p:sp>
             <p:nvSpPr>
               <p:cNvPr id="17" name="TextBox 16">
@@ -13317,8 +20181,8 @@
           </p:sp>
         </mc:Fallback>
       </mc:AlternateContent>
-      <mc:AlternateContent xmlns:mc="http://schemas.openxmlformats.org/markup-compatibility/2006">
-        <mc:Choice xmlns:a14="http://schemas.microsoft.com/office/drawing/2010/main" Requires="a14">
+      <mc:AlternateContent xmlns:mc="http://schemas.openxmlformats.org/markup-compatibility/2006" xmlns:a14="http://schemas.microsoft.com/office/drawing/2010/main">
+        <mc:Choice Requires="a14">
           <p:sp>
             <p:nvSpPr>
               <p:cNvPr id="18" name="TextBox 17">
@@ -13347,6 +20211,7 @@
               </a:bodyPr>
               <a:lstStyle/>
               <a:p>
+                <a:pPr/>
                 <a14:m>
                   <m:oMathPara xmlns:m="http://schemas.openxmlformats.org/officeDocument/2006/math">
                     <m:oMathParaPr>
@@ -13429,7 +20294,7 @@
             </p:txBody>
           </p:sp>
         </mc:Choice>
-        <mc:Fallback>
+        <mc:Fallback xmlns="">
           <p:sp>
             <p:nvSpPr>
               <p:cNvPr id="18" name="TextBox 17">
@@ -13677,8 +20542,8 @@
           </a:p>
         </p:txBody>
       </p:sp>
-      <mc:AlternateContent xmlns:mc="http://schemas.openxmlformats.org/markup-compatibility/2006">
-        <mc:Choice xmlns:a14="http://schemas.microsoft.com/office/drawing/2010/main" Requires="a14">
+      <mc:AlternateContent xmlns:mc="http://schemas.openxmlformats.org/markup-compatibility/2006" xmlns:a14="http://schemas.microsoft.com/office/drawing/2010/main">
+        <mc:Choice Requires="a14">
           <p:sp>
             <p:nvSpPr>
               <p:cNvPr id="10" name="TextBox 9">
@@ -13707,6 +20572,7 @@
               </a:bodyPr>
               <a:lstStyle/>
               <a:p>
+                <a:pPr/>
                 <a14:m>
                   <m:oMathPara xmlns:m="http://schemas.openxmlformats.org/officeDocument/2006/math">
                     <m:oMathParaPr>
@@ -13728,7 +20594,7 @@
             </p:txBody>
           </p:sp>
         </mc:Choice>
-        <mc:Fallback>
+        <mc:Fallback xmlns="">
           <p:sp>
             <p:nvSpPr>
               <p:cNvPr id="10" name="TextBox 9">
@@ -13929,8 +20795,8 @@
           </a:p>
         </p:txBody>
       </p:sp>
-      <mc:AlternateContent xmlns:mc="http://schemas.openxmlformats.org/markup-compatibility/2006">
-        <mc:Choice xmlns:a14="http://schemas.microsoft.com/office/drawing/2010/main" Requires="a14">
+      <mc:AlternateContent xmlns:mc="http://schemas.openxmlformats.org/markup-compatibility/2006" xmlns:a14="http://schemas.microsoft.com/office/drawing/2010/main">
+        <mc:Choice Requires="a14">
           <p:sp>
             <p:nvSpPr>
               <p:cNvPr id="14" name="TextBox 13">
@@ -13959,6 +20825,7 @@
               </a:bodyPr>
               <a:lstStyle/>
               <a:p>
+                <a:pPr/>
                 <a14:m>
                   <m:oMathPara xmlns:m="http://schemas.openxmlformats.org/officeDocument/2006/math">
                     <m:oMathParaPr>
@@ -13980,7 +20847,7 @@
             </p:txBody>
           </p:sp>
         </mc:Choice>
-        <mc:Fallback>
+        <mc:Fallback xmlns="">
           <p:sp>
             <p:nvSpPr>
               <p:cNvPr id="14" name="TextBox 13">
@@ -14025,8 +20892,8 @@
           </p:sp>
         </mc:Fallback>
       </mc:AlternateContent>
-      <mc:AlternateContent xmlns:mc="http://schemas.openxmlformats.org/markup-compatibility/2006">
-        <mc:Choice xmlns:a14="http://schemas.microsoft.com/office/drawing/2010/main" Requires="a14">
+      <mc:AlternateContent xmlns:mc="http://schemas.openxmlformats.org/markup-compatibility/2006" xmlns:a14="http://schemas.microsoft.com/office/drawing/2010/main">
+        <mc:Choice Requires="a14">
           <p:sp>
             <p:nvSpPr>
               <p:cNvPr id="16" name="TextBox 15">
@@ -14055,6 +20922,7 @@
               </a:bodyPr>
               <a:lstStyle/>
               <a:p>
+                <a:pPr/>
                 <a14:m>
                   <m:oMathPara xmlns:m="http://schemas.openxmlformats.org/officeDocument/2006/math">
                     <m:oMathParaPr>
@@ -14076,7 +20944,7 @@
             </p:txBody>
           </p:sp>
         </mc:Choice>
-        <mc:Fallback>
+        <mc:Fallback xmlns="">
           <p:sp>
             <p:nvSpPr>
               <p:cNvPr id="16" name="TextBox 15">
@@ -14121,8 +20989,8 @@
           </p:sp>
         </mc:Fallback>
       </mc:AlternateContent>
-      <mc:AlternateContent xmlns:mc="http://schemas.openxmlformats.org/markup-compatibility/2006">
-        <mc:Choice xmlns:a14="http://schemas.microsoft.com/office/drawing/2010/main" Requires="a14">
+      <mc:AlternateContent xmlns:mc="http://schemas.openxmlformats.org/markup-compatibility/2006" xmlns:a14="http://schemas.microsoft.com/office/drawing/2010/main">
+        <mc:Choice Requires="a14">
           <p:sp>
             <p:nvSpPr>
               <p:cNvPr id="17" name="TextBox 16">
@@ -14151,6 +21019,7 @@
               </a:bodyPr>
               <a:lstStyle/>
               <a:p>
+                <a:pPr/>
                 <a14:m>
                   <m:oMathPara xmlns:m="http://schemas.openxmlformats.org/officeDocument/2006/math">
                     <m:oMathParaPr>
@@ -14172,7 +21041,7 @@
             </p:txBody>
           </p:sp>
         </mc:Choice>
-        <mc:Fallback>
+        <mc:Fallback xmlns="">
           <p:sp>
             <p:nvSpPr>
               <p:cNvPr id="17" name="TextBox 16">
@@ -14217,8 +21086,8 @@
           </p:sp>
         </mc:Fallback>
       </mc:AlternateContent>
-      <mc:AlternateContent xmlns:mc="http://schemas.openxmlformats.org/markup-compatibility/2006">
-        <mc:Choice xmlns:a14="http://schemas.microsoft.com/office/drawing/2010/main" Requires="a14">
+      <mc:AlternateContent xmlns:mc="http://schemas.openxmlformats.org/markup-compatibility/2006" xmlns:a14="http://schemas.microsoft.com/office/drawing/2010/main">
+        <mc:Choice Requires="a14">
           <p:sp>
             <p:nvSpPr>
               <p:cNvPr id="18" name="TextBox 17">
@@ -14247,6 +21116,7 @@
               </a:bodyPr>
               <a:lstStyle/>
               <a:p>
+                <a:pPr/>
                 <a14:m>
                   <m:oMathPara xmlns:m="http://schemas.openxmlformats.org/officeDocument/2006/math">
                     <m:oMathParaPr>
@@ -14289,7 +21159,7 @@
             </p:txBody>
           </p:sp>
         </mc:Choice>
-        <mc:Fallback>
+        <mc:Fallback xmlns="">
           <p:sp>
             <p:nvSpPr>
               <p:cNvPr id="18" name="TextBox 17">
@@ -14334,8 +21204,8 @@
           </p:sp>
         </mc:Fallback>
       </mc:AlternateContent>
-      <mc:AlternateContent xmlns:mc="http://schemas.openxmlformats.org/markup-compatibility/2006">
-        <mc:Choice xmlns:a14="http://schemas.microsoft.com/office/drawing/2010/main" Requires="a14">
+      <mc:AlternateContent xmlns:mc="http://schemas.openxmlformats.org/markup-compatibility/2006" xmlns:a14="http://schemas.microsoft.com/office/drawing/2010/main">
+        <mc:Choice Requires="a14">
           <p:sp>
             <p:nvSpPr>
               <p:cNvPr id="19" name="TextBox 18">
@@ -14364,6 +21234,7 @@
               </a:bodyPr>
               <a:lstStyle/>
               <a:p>
+                <a:pPr/>
                 <a14:m>
                   <m:oMathPara xmlns:m="http://schemas.openxmlformats.org/officeDocument/2006/math">
                     <m:oMathParaPr>
@@ -14385,7 +21256,7 @@
             </p:txBody>
           </p:sp>
         </mc:Choice>
-        <mc:Fallback>
+        <mc:Fallback xmlns="">
           <p:sp>
             <p:nvSpPr>
               <p:cNvPr id="19" name="TextBox 18">
@@ -14649,8 +21520,8 @@
           </a:p>
         </p:txBody>
       </p:sp>
-      <mc:AlternateContent xmlns:mc="http://schemas.openxmlformats.org/markup-compatibility/2006">
-        <mc:Choice xmlns:a14="http://schemas.microsoft.com/office/drawing/2010/main" Requires="a14">
+      <mc:AlternateContent xmlns:mc="http://schemas.openxmlformats.org/markup-compatibility/2006" xmlns:a14="http://schemas.microsoft.com/office/drawing/2010/main">
+        <mc:Choice Requires="a14">
           <p:sp>
             <p:nvSpPr>
               <p:cNvPr id="15" name="TextBox 14">
@@ -14679,6 +21550,7 @@
               </a:bodyPr>
               <a:lstStyle/>
               <a:p>
+                <a:pPr/>
                 <a14:m>
                   <m:oMathPara xmlns:m="http://schemas.openxmlformats.org/officeDocument/2006/math">
                     <m:oMathParaPr>
@@ -14700,7 +21572,7 @@
             </p:txBody>
           </p:sp>
         </mc:Choice>
-        <mc:Fallback>
+        <mc:Fallback xmlns="">
           <p:sp>
             <p:nvSpPr>
               <p:cNvPr id="15" name="TextBox 14">
@@ -14841,8 +21713,8 @@
           </a:fontRef>
         </p:style>
       </p:cxnSp>
-      <mc:AlternateContent xmlns:mc="http://schemas.openxmlformats.org/markup-compatibility/2006">
-        <mc:Choice xmlns:a14="http://schemas.microsoft.com/office/drawing/2010/main" Requires="a14">
+      <mc:AlternateContent xmlns:mc="http://schemas.openxmlformats.org/markup-compatibility/2006" xmlns:a14="http://schemas.microsoft.com/office/drawing/2010/main">
+        <mc:Choice Requires="a14">
           <p:sp>
             <p:nvSpPr>
               <p:cNvPr id="20" name="TextBox 19">
@@ -14871,6 +21743,7 @@
               </a:bodyPr>
               <a:lstStyle/>
               <a:p>
+                <a:pPr/>
                 <a14:m>
                   <m:oMathPara xmlns:m="http://schemas.openxmlformats.org/officeDocument/2006/math">
                     <m:oMathParaPr>
@@ -14905,7 +21778,7 @@
             </p:txBody>
           </p:sp>
         </mc:Choice>
-        <mc:Fallback>
+        <mc:Fallback xmlns="">
           <p:sp>
             <p:nvSpPr>
               <p:cNvPr id="20" name="TextBox 19">
@@ -15183,8 +22056,8 @@
           </a:fontRef>
         </p:style>
       </p:cxnSp>
-      <mc:AlternateContent xmlns:mc="http://schemas.openxmlformats.org/markup-compatibility/2006">
-        <mc:Choice xmlns:a14="http://schemas.microsoft.com/office/drawing/2010/main" Requires="a14">
+      <mc:AlternateContent xmlns:mc="http://schemas.openxmlformats.org/markup-compatibility/2006" xmlns:a14="http://schemas.microsoft.com/office/drawing/2010/main">
+        <mc:Choice Requires="a14">
           <p:sp>
             <p:nvSpPr>
               <p:cNvPr id="29" name="TextBox 28">
@@ -15213,6 +22086,7 @@
               </a:bodyPr>
               <a:lstStyle/>
               <a:p>
+                <a:pPr/>
                 <a14:m>
                   <m:oMathPara xmlns:m="http://schemas.openxmlformats.org/officeDocument/2006/math">
                     <m:oMathParaPr>
@@ -15247,7 +22121,7 @@
             </p:txBody>
           </p:sp>
         </mc:Choice>
-        <mc:Fallback>
+        <mc:Fallback xmlns="">
           <p:sp>
             <p:nvSpPr>
               <p:cNvPr id="29" name="TextBox 28">
@@ -15524,8 +22398,8 @@
           </a:fontRef>
         </p:style>
       </p:cxnSp>
-      <mc:AlternateContent xmlns:mc="http://schemas.openxmlformats.org/markup-compatibility/2006">
-        <mc:Choice xmlns:a14="http://schemas.microsoft.com/office/drawing/2010/main" Requires="a14">
+      <mc:AlternateContent xmlns:mc="http://schemas.openxmlformats.org/markup-compatibility/2006" xmlns:a14="http://schemas.microsoft.com/office/drawing/2010/main">
+        <mc:Choice Requires="a14">
           <p:sp>
             <p:nvSpPr>
               <p:cNvPr id="39" name="TextBox 38">
@@ -15554,6 +22428,7 @@
               </a:bodyPr>
               <a:lstStyle/>
               <a:p>
+                <a:pPr/>
                 <a14:m>
                   <m:oMathPara xmlns:m="http://schemas.openxmlformats.org/officeDocument/2006/math">
                     <m:oMathParaPr>
@@ -15588,7 +22463,7 @@
             </p:txBody>
           </p:sp>
         </mc:Choice>
-        <mc:Fallback>
+        <mc:Fallback xmlns="">
           <p:sp>
             <p:nvSpPr>
               <p:cNvPr id="39" name="TextBox 38">
@@ -15677,8 +22552,8 @@
           </a:fontRef>
         </p:style>
       </p:cxnSp>
-      <mc:AlternateContent xmlns:mc="http://schemas.openxmlformats.org/markup-compatibility/2006">
-        <mc:Choice xmlns:a14="http://schemas.microsoft.com/office/drawing/2010/main" Requires="a14">
+      <mc:AlternateContent xmlns:mc="http://schemas.openxmlformats.org/markup-compatibility/2006" xmlns:a14="http://schemas.microsoft.com/office/drawing/2010/main">
+        <mc:Choice Requires="a14">
           <p:sp>
             <p:nvSpPr>
               <p:cNvPr id="42" name="TextBox 41">
@@ -15707,6 +22582,7 @@
               </a:bodyPr>
               <a:lstStyle/>
               <a:p>
+                <a:pPr/>
                 <a14:m>
                   <m:oMathPara xmlns:m="http://schemas.openxmlformats.org/officeDocument/2006/math">
                     <m:oMathParaPr>
@@ -15741,7 +22617,7 @@
             </p:txBody>
           </p:sp>
         </mc:Choice>
-        <mc:Fallback>
+        <mc:Fallback xmlns="">
           <p:sp>
             <p:nvSpPr>
               <p:cNvPr id="42" name="TextBox 41">
@@ -15830,8 +22706,8 @@
           </a:fontRef>
         </p:style>
       </p:cxnSp>
-      <mc:AlternateContent xmlns:mc="http://schemas.openxmlformats.org/markup-compatibility/2006">
-        <mc:Choice xmlns:a14="http://schemas.microsoft.com/office/drawing/2010/main" Requires="a14">
+      <mc:AlternateContent xmlns:mc="http://schemas.openxmlformats.org/markup-compatibility/2006" xmlns:a14="http://schemas.microsoft.com/office/drawing/2010/main">
+        <mc:Choice Requires="a14">
           <p:sp>
             <p:nvSpPr>
               <p:cNvPr id="45" name="TextBox 44">
@@ -15860,6 +22736,7 @@
               </a:bodyPr>
               <a:lstStyle/>
               <a:p>
+                <a:pPr/>
                 <a14:m>
                   <m:oMathPara xmlns:m="http://schemas.openxmlformats.org/officeDocument/2006/math">
                     <m:oMathParaPr>
@@ -15894,7 +22771,7 @@
             </p:txBody>
           </p:sp>
         </mc:Choice>
-        <mc:Fallback>
+        <mc:Fallback xmlns="">
           <p:sp>
             <p:nvSpPr>
               <p:cNvPr id="45" name="TextBox 44">
@@ -16142,8 +23019,8 @@
           </a:p>
         </p:txBody>
       </p:sp>
-      <mc:AlternateContent xmlns:mc="http://schemas.openxmlformats.org/markup-compatibility/2006">
-        <mc:Choice xmlns:a14="http://schemas.microsoft.com/office/drawing/2010/main" Requires="a14">
+      <mc:AlternateContent xmlns:mc="http://schemas.openxmlformats.org/markup-compatibility/2006" xmlns:a14="http://schemas.microsoft.com/office/drawing/2010/main">
+        <mc:Choice Requires="a14">
           <p:sp>
             <p:nvSpPr>
               <p:cNvPr id="6" name="TextBox 5">
@@ -16172,6 +23049,7 @@
               </a:bodyPr>
               <a:lstStyle/>
               <a:p>
+                <a:pPr/>
                 <a14:m>
                   <m:oMathPara xmlns:m="http://schemas.openxmlformats.org/officeDocument/2006/math">
                     <m:oMathParaPr>
@@ -16200,7 +23078,7 @@
             </p:txBody>
           </p:sp>
         </mc:Choice>
-        <mc:Fallback>
+        <mc:Fallback xmlns="">
           <p:sp>
             <p:nvSpPr>
               <p:cNvPr id="6" name="TextBox 5">
@@ -16393,8 +23271,8 @@
           </a:fontRef>
         </p:style>
       </p:cxnSp>
-      <mc:AlternateContent xmlns:mc="http://schemas.openxmlformats.org/markup-compatibility/2006">
-        <mc:Choice xmlns:a14="http://schemas.microsoft.com/office/drawing/2010/main" Requires="a14">
+      <mc:AlternateContent xmlns:mc="http://schemas.openxmlformats.org/markup-compatibility/2006" xmlns:a14="http://schemas.microsoft.com/office/drawing/2010/main">
+        <mc:Choice Requires="a14">
           <p:sp>
             <p:nvSpPr>
               <p:cNvPr id="17" name="TextBox 16">
@@ -16423,6 +23301,7 @@
               </a:bodyPr>
               <a:lstStyle/>
               <a:p>
+                <a:pPr/>
                 <a14:m>
                   <m:oMathPara xmlns:m="http://schemas.openxmlformats.org/officeDocument/2006/math">
                     <m:oMathParaPr>
@@ -16464,7 +23343,7 @@
             </p:txBody>
           </p:sp>
         </mc:Choice>
-        <mc:Fallback>
+        <mc:Fallback xmlns="">
           <p:sp>
             <p:nvSpPr>
               <p:cNvPr id="17" name="TextBox 16">
@@ -16553,8 +23432,8 @@
           </a:fontRef>
         </p:style>
       </p:cxnSp>
-      <mc:AlternateContent xmlns:mc="http://schemas.openxmlformats.org/markup-compatibility/2006">
-        <mc:Choice xmlns:a14="http://schemas.microsoft.com/office/drawing/2010/main" Requires="a14">
+      <mc:AlternateContent xmlns:mc="http://schemas.openxmlformats.org/markup-compatibility/2006" xmlns:a14="http://schemas.microsoft.com/office/drawing/2010/main">
+        <mc:Choice Requires="a14">
           <p:sp>
             <p:nvSpPr>
               <p:cNvPr id="24" name="TextBox 23">
@@ -16583,6 +23462,7 @@
               </a:bodyPr>
               <a:lstStyle/>
               <a:p>
+                <a:pPr/>
                 <a14:m>
                   <m:oMathPara xmlns:m="http://schemas.openxmlformats.org/officeDocument/2006/math">
                     <m:oMathParaPr>
@@ -16638,7 +23518,7 @@
             </p:txBody>
           </p:sp>
         </mc:Choice>
-        <mc:Fallback>
+        <mc:Fallback xmlns="">
           <p:sp>
             <p:nvSpPr>
               <p:cNvPr id="24" name="TextBox 23">
@@ -16727,8 +23607,8 @@
           </a:fontRef>
         </p:style>
       </p:cxnSp>
-      <mc:AlternateContent xmlns:mc="http://schemas.openxmlformats.org/markup-compatibility/2006">
-        <mc:Choice xmlns:a14="http://schemas.microsoft.com/office/drawing/2010/main" Requires="a14">
+      <mc:AlternateContent xmlns:mc="http://schemas.openxmlformats.org/markup-compatibility/2006" xmlns:a14="http://schemas.microsoft.com/office/drawing/2010/main">
+        <mc:Choice Requires="a14">
           <p:sp>
             <p:nvSpPr>
               <p:cNvPr id="27" name="TextBox 26">
@@ -16757,6 +23637,7 @@
               </a:bodyPr>
               <a:lstStyle/>
               <a:p>
+                <a:pPr/>
                 <a14:m>
                   <m:oMathPara xmlns:m="http://schemas.openxmlformats.org/officeDocument/2006/math">
                     <m:oMathParaPr>
@@ -16812,7 +23693,7 @@
             </p:txBody>
           </p:sp>
         </mc:Choice>
-        <mc:Fallback>
+        <mc:Fallback xmlns="">
           <p:sp>
             <p:nvSpPr>
               <p:cNvPr id="27" name="TextBox 26">
@@ -17167,8 +24048,8 @@
           </a:fontRef>
         </p:style>
       </p:cxnSp>
-      <mc:AlternateContent xmlns:mc="http://schemas.openxmlformats.org/markup-compatibility/2006">
-        <mc:Choice xmlns:a14="http://schemas.microsoft.com/office/drawing/2010/main" Requires="a14">
+      <mc:AlternateContent xmlns:mc="http://schemas.openxmlformats.org/markup-compatibility/2006" xmlns:a14="http://schemas.microsoft.com/office/drawing/2010/main">
+        <mc:Choice Requires="a14">
           <p:sp>
             <p:nvSpPr>
               <p:cNvPr id="48" name="TextBox 47">
@@ -17197,6 +24078,7 @@
               </a:bodyPr>
               <a:lstStyle/>
               <a:p>
+                <a:pPr/>
                 <a14:m>
                   <m:oMathPara xmlns:m="http://schemas.openxmlformats.org/officeDocument/2006/math">
                     <m:oMathParaPr>
@@ -17231,7 +24113,7 @@
             </p:txBody>
           </p:sp>
         </mc:Choice>
-        <mc:Fallback>
+        <mc:Fallback xmlns="">
           <p:sp>
             <p:nvSpPr>
               <p:cNvPr id="48" name="TextBox 47">
@@ -17276,8 +24158,8 @@
           </p:sp>
         </mc:Fallback>
       </mc:AlternateContent>
-      <mc:AlternateContent xmlns:mc="http://schemas.openxmlformats.org/markup-compatibility/2006">
-        <mc:Choice xmlns:a14="http://schemas.microsoft.com/office/drawing/2010/main" Requires="a14">
+      <mc:AlternateContent xmlns:mc="http://schemas.openxmlformats.org/markup-compatibility/2006" xmlns:a14="http://schemas.microsoft.com/office/drawing/2010/main">
+        <mc:Choice Requires="a14">
           <p:sp>
             <p:nvSpPr>
               <p:cNvPr id="49" name="TextBox 48">
@@ -17306,6 +24188,7 @@
               </a:bodyPr>
               <a:lstStyle/>
               <a:p>
+                <a:pPr/>
                 <a14:m>
                   <m:oMathPara xmlns:m="http://schemas.openxmlformats.org/officeDocument/2006/math">
                     <m:oMathParaPr>
@@ -17340,7 +24223,7 @@
             </p:txBody>
           </p:sp>
         </mc:Choice>
-        <mc:Fallback>
+        <mc:Fallback xmlns="">
           <p:sp>
             <p:nvSpPr>
               <p:cNvPr id="49" name="TextBox 48">
@@ -17385,8 +24268,8 @@
           </p:sp>
         </mc:Fallback>
       </mc:AlternateContent>
-      <mc:AlternateContent xmlns:mc="http://schemas.openxmlformats.org/markup-compatibility/2006">
-        <mc:Choice xmlns:a14="http://schemas.microsoft.com/office/drawing/2010/main" Requires="a14">
+      <mc:AlternateContent xmlns:mc="http://schemas.openxmlformats.org/markup-compatibility/2006" xmlns:a14="http://schemas.microsoft.com/office/drawing/2010/main">
+        <mc:Choice Requires="a14">
           <p:sp>
             <p:nvSpPr>
               <p:cNvPr id="50" name="TextBox 49">
@@ -17415,6 +24298,7 @@
               </a:bodyPr>
               <a:lstStyle/>
               <a:p>
+                <a:pPr/>
                 <a14:m>
                   <m:oMathPara xmlns:m="http://schemas.openxmlformats.org/officeDocument/2006/math">
                     <m:oMathParaPr>
@@ -17449,7 +24333,7 @@
             </p:txBody>
           </p:sp>
         </mc:Choice>
-        <mc:Fallback>
+        <mc:Fallback xmlns="">
           <p:sp>
             <p:nvSpPr>
               <p:cNvPr id="50" name="TextBox 49">
@@ -17494,8 +24378,8 @@
           </p:sp>
         </mc:Fallback>
       </mc:AlternateContent>
-      <mc:AlternateContent xmlns:mc="http://schemas.openxmlformats.org/markup-compatibility/2006">
-        <mc:Choice xmlns:a14="http://schemas.microsoft.com/office/drawing/2010/main" Requires="a14">
+      <mc:AlternateContent xmlns:mc="http://schemas.openxmlformats.org/markup-compatibility/2006" xmlns:a14="http://schemas.microsoft.com/office/drawing/2010/main">
+        <mc:Choice Requires="a14">
           <p:sp>
             <p:nvSpPr>
               <p:cNvPr id="51" name="TextBox 50">
@@ -17524,6 +24408,7 @@
               </a:bodyPr>
               <a:lstStyle/>
               <a:p>
+                <a:pPr/>
                 <a14:m>
                   <m:oMathPara xmlns:m="http://schemas.openxmlformats.org/officeDocument/2006/math">
                     <m:oMathParaPr>
@@ -17558,7 +24443,7 @@
             </p:txBody>
           </p:sp>
         </mc:Choice>
-        <mc:Fallback>
+        <mc:Fallback xmlns="">
           <p:sp>
             <p:nvSpPr>
               <p:cNvPr id="51" name="TextBox 50">
@@ -17724,8 +24609,8 @@
           </a:fontRef>
         </p:style>
       </p:cxnSp>
-      <mc:AlternateContent xmlns:mc="http://schemas.openxmlformats.org/markup-compatibility/2006">
-        <mc:Choice xmlns:a14="http://schemas.microsoft.com/office/drawing/2010/main" Requires="a14">
+      <mc:AlternateContent xmlns:mc="http://schemas.openxmlformats.org/markup-compatibility/2006" xmlns:a14="http://schemas.microsoft.com/office/drawing/2010/main">
+        <mc:Choice Requires="a14">
           <p:sp>
             <p:nvSpPr>
               <p:cNvPr id="12" name="TextBox 11">
@@ -17754,6 +24639,7 @@
               </a:bodyPr>
               <a:lstStyle/>
               <a:p>
+                <a:pPr/>
                 <a14:m>
                   <m:oMathPara xmlns:m="http://schemas.openxmlformats.org/officeDocument/2006/math">
                     <m:oMathParaPr>
@@ -17809,7 +24695,7 @@
             </p:txBody>
           </p:sp>
         </mc:Choice>
-        <mc:Fallback>
+        <mc:Fallback xmlns="">
           <p:sp>
             <p:nvSpPr>
               <p:cNvPr id="12" name="TextBox 11">
@@ -18050,8 +24936,8 @@
           </a:p>
         </p:txBody>
       </p:sp>
-      <mc:AlternateContent xmlns:mc="http://schemas.openxmlformats.org/markup-compatibility/2006">
-        <mc:Choice xmlns:a14="http://schemas.microsoft.com/office/drawing/2010/main" Requires="a14">
+      <mc:AlternateContent xmlns:mc="http://schemas.openxmlformats.org/markup-compatibility/2006" xmlns:a14="http://schemas.microsoft.com/office/drawing/2010/main">
+        <mc:Choice Requires="a14">
           <p:sp>
             <p:nvSpPr>
               <p:cNvPr id="22" name="TextBox 21">
@@ -18080,6 +24966,7 @@
               </a:bodyPr>
               <a:lstStyle/>
               <a:p>
+                <a:pPr/>
                 <a14:m>
                   <m:oMathPara xmlns:m="http://schemas.openxmlformats.org/officeDocument/2006/math">
                     <m:oMathParaPr>
@@ -18135,7 +25022,7 @@
             </p:txBody>
           </p:sp>
         </mc:Choice>
-        <mc:Fallback>
+        <mc:Fallback xmlns="">
           <p:sp>
             <p:nvSpPr>
               <p:cNvPr id="22" name="TextBox 21">
@@ -18180,8 +25067,8 @@
           </p:sp>
         </mc:Fallback>
       </mc:AlternateContent>
-      <mc:AlternateContent xmlns:mc="http://schemas.openxmlformats.org/markup-compatibility/2006">
-        <mc:Choice xmlns:a14="http://schemas.microsoft.com/office/drawing/2010/main" Requires="a14">
+      <mc:AlternateContent xmlns:mc="http://schemas.openxmlformats.org/markup-compatibility/2006" xmlns:a14="http://schemas.microsoft.com/office/drawing/2010/main">
+        <mc:Choice Requires="a14">
           <p:sp>
             <p:nvSpPr>
               <p:cNvPr id="23" name="TextBox 22">
@@ -18210,6 +25097,7 @@
               </a:bodyPr>
               <a:lstStyle/>
               <a:p>
+                <a:pPr/>
                 <a14:m>
                   <m:oMathPara xmlns:m="http://schemas.openxmlformats.org/officeDocument/2006/math">
                     <m:oMathParaPr>
@@ -18244,7 +25132,7 @@
             </p:txBody>
           </p:sp>
         </mc:Choice>
-        <mc:Fallback>
+        <mc:Fallback xmlns="">
           <p:sp>
             <p:nvSpPr>
               <p:cNvPr id="23" name="TextBox 22">
@@ -18333,8 +25221,8 @@
           </a:fontRef>
         </p:style>
       </p:cxnSp>
-      <mc:AlternateContent xmlns:mc="http://schemas.openxmlformats.org/markup-compatibility/2006">
-        <mc:Choice xmlns:a14="http://schemas.microsoft.com/office/drawing/2010/main" Requires="a14">
+      <mc:AlternateContent xmlns:mc="http://schemas.openxmlformats.org/markup-compatibility/2006" xmlns:a14="http://schemas.microsoft.com/office/drawing/2010/main">
+        <mc:Choice Requires="a14">
           <p:sp>
             <p:nvSpPr>
               <p:cNvPr id="35" name="TextBox 34">
@@ -18363,6 +25251,7 @@
               </a:bodyPr>
               <a:lstStyle/>
               <a:p>
+                <a:pPr/>
                 <a14:m>
                   <m:oMathPara xmlns:m="http://schemas.openxmlformats.org/officeDocument/2006/math">
                     <m:oMathParaPr>
@@ -18418,7 +25307,7 @@
             </p:txBody>
           </p:sp>
         </mc:Choice>
-        <mc:Fallback>
+        <mc:Fallback xmlns="">
           <p:sp>
             <p:nvSpPr>
               <p:cNvPr id="35" name="TextBox 34">
@@ -18507,8 +25396,8 @@
           </a:fontRef>
         </p:style>
       </p:cxnSp>
-      <mc:AlternateContent xmlns:mc="http://schemas.openxmlformats.org/markup-compatibility/2006">
-        <mc:Choice xmlns:a14="http://schemas.microsoft.com/office/drawing/2010/main" Requires="a14">
+      <mc:AlternateContent xmlns:mc="http://schemas.openxmlformats.org/markup-compatibility/2006" xmlns:a14="http://schemas.microsoft.com/office/drawing/2010/main">
+        <mc:Choice Requires="a14">
           <p:sp>
             <p:nvSpPr>
               <p:cNvPr id="38" name="TextBox 37">
@@ -18537,6 +25426,7 @@
               </a:bodyPr>
               <a:lstStyle/>
               <a:p>
+                <a:pPr/>
                 <a14:m>
                   <m:oMathPara xmlns:m="http://schemas.openxmlformats.org/officeDocument/2006/math">
                     <m:oMathParaPr>
@@ -18592,7 +25482,7 @@
             </p:txBody>
           </p:sp>
         </mc:Choice>
-        <mc:Fallback>
+        <mc:Fallback xmlns="">
           <p:sp>
             <p:nvSpPr>
               <p:cNvPr id="38" name="TextBox 37">
@@ -18730,8 +25620,8 @@
           </a:p>
         </p:txBody>
       </p:sp>
-      <mc:AlternateContent xmlns:mc="http://schemas.openxmlformats.org/markup-compatibility/2006">
-        <mc:Choice xmlns:a14="http://schemas.microsoft.com/office/drawing/2010/main" Requires="a14">
+      <mc:AlternateContent xmlns:mc="http://schemas.openxmlformats.org/markup-compatibility/2006" xmlns:a14="http://schemas.microsoft.com/office/drawing/2010/main">
+        <mc:Choice Requires="a14">
           <p:sp>
             <p:nvSpPr>
               <p:cNvPr id="46" name="TextBox 45">
@@ -18760,6 +25650,7 @@
               </a:bodyPr>
               <a:lstStyle/>
               <a:p>
+                <a:pPr/>
                 <a14:m>
                   <m:oMathPara xmlns:m="http://schemas.openxmlformats.org/officeDocument/2006/math">
                     <m:oMathParaPr>
@@ -18781,7 +25672,7 @@
             </p:txBody>
           </p:sp>
         </mc:Choice>
-        <mc:Fallback>
+        <mc:Fallback xmlns="">
           <p:sp>
             <p:nvSpPr>
               <p:cNvPr id="46" name="TextBox 45">
@@ -18826,8 +25717,8 @@
           </p:sp>
         </mc:Fallback>
       </mc:AlternateContent>
-      <mc:AlternateContent xmlns:mc="http://schemas.openxmlformats.org/markup-compatibility/2006">
-        <mc:Choice xmlns:a14="http://schemas.microsoft.com/office/drawing/2010/main" Requires="a14">
+      <mc:AlternateContent xmlns:mc="http://schemas.openxmlformats.org/markup-compatibility/2006" xmlns:a14="http://schemas.microsoft.com/office/drawing/2010/main">
+        <mc:Choice Requires="a14">
           <p:sp>
             <p:nvSpPr>
               <p:cNvPr id="47" name="TextBox 46">
@@ -18856,6 +25747,7 @@
               </a:bodyPr>
               <a:lstStyle/>
               <a:p>
+                <a:pPr/>
                 <a14:m>
                   <m:oMathPara xmlns:m="http://schemas.openxmlformats.org/officeDocument/2006/math">
                     <m:oMathParaPr>
@@ -18890,7 +25782,7 @@
             </p:txBody>
           </p:sp>
         </mc:Choice>
-        <mc:Fallback>
+        <mc:Fallback xmlns="">
           <p:sp>
             <p:nvSpPr>
               <p:cNvPr id="47" name="TextBox 46">

--- a/theory/lecture-drawings.pptx
+++ b/theory/lecture-drawings.pptx
@@ -9,15 +9,18 @@
     <p:sldId id="258" r:id="rId3"/>
     <p:sldId id="259" r:id="rId4"/>
     <p:sldId id="261" r:id="rId5"/>
-    <p:sldId id="260" r:id="rId6"/>
-    <p:sldId id="262" r:id="rId7"/>
-    <p:sldId id="263" r:id="rId8"/>
-    <p:sldId id="264" r:id="rId9"/>
-    <p:sldId id="265" r:id="rId10"/>
-    <p:sldId id="266" r:id="rId11"/>
-    <p:sldId id="267" r:id="rId12"/>
-    <p:sldId id="268" r:id="rId13"/>
-    <p:sldId id="269" r:id="rId14"/>
+    <p:sldId id="270" r:id="rId6"/>
+    <p:sldId id="260" r:id="rId7"/>
+    <p:sldId id="262" r:id="rId8"/>
+    <p:sldId id="263" r:id="rId9"/>
+    <p:sldId id="264" r:id="rId10"/>
+    <p:sldId id="265" r:id="rId11"/>
+    <p:sldId id="266" r:id="rId12"/>
+    <p:sldId id="267" r:id="rId13"/>
+    <p:sldId id="268" r:id="rId14"/>
+    <p:sldId id="269" r:id="rId15"/>
+    <p:sldId id="271" r:id="rId16"/>
+    <p:sldId id="272" r:id="rId17"/>
   </p:sldIdLst>
   <p:sldSz cx="12192000" cy="6858000"/>
   <p:notesSz cx="6858000" cy="9144000"/>
@@ -3781,6 +3784,1345 @@
 </file>
 
 <file path=ppt/slides/slide10.xml><?xml version="1.0" encoding="utf-8"?>
+<p:sld xmlns:a="http://schemas.openxmlformats.org/drawingml/2006/main" xmlns:r="http://schemas.openxmlformats.org/officeDocument/2006/relationships" xmlns:p="http://schemas.openxmlformats.org/presentationml/2006/main">
+  <p:cSld>
+    <p:spTree>
+      <p:nvGrpSpPr>
+        <p:cNvPr id="1" name=""/>
+        <p:cNvGrpSpPr/>
+        <p:nvPr/>
+      </p:nvGrpSpPr>
+      <p:grpSpPr>
+        <a:xfrm>
+          <a:off x="0" y="0"/>
+          <a:ext cx="0" cy="0"/>
+          <a:chOff x="0" y="0"/>
+          <a:chExt cx="0" cy="0"/>
+        </a:xfrm>
+      </p:grpSpPr>
+      <p:sp>
+        <p:nvSpPr>
+          <p:cNvPr id="2" name="Oval 1">
+            <a:extLst>
+              <a:ext uri="{FF2B5EF4-FFF2-40B4-BE49-F238E27FC236}">
+                <a16:creationId xmlns:a16="http://schemas.microsoft.com/office/drawing/2014/main" id="{E9613463-CC03-1EB3-6B41-EC2E02C6ED09}"/>
+              </a:ext>
+            </a:extLst>
+          </p:cNvPr>
+          <p:cNvSpPr/>
+          <p:nvPr/>
+        </p:nvSpPr>
+        <p:spPr>
+          <a:xfrm>
+            <a:off x="4073765" y="3090377"/>
+            <a:ext cx="1851237" cy="1851237"/>
+          </a:xfrm>
+          <a:prstGeom prst="ellipse">
+            <a:avLst/>
+          </a:prstGeom>
+          <a:noFill/>
+        </p:spPr>
+        <p:style>
+          <a:lnRef idx="2">
+            <a:schemeClr val="accent1">
+              <a:shade val="15000"/>
+            </a:schemeClr>
+          </a:lnRef>
+          <a:fillRef idx="1">
+            <a:schemeClr val="accent1"/>
+          </a:fillRef>
+          <a:effectRef idx="0">
+            <a:schemeClr val="accent1"/>
+          </a:effectRef>
+          <a:fontRef idx="minor">
+            <a:schemeClr val="lt1"/>
+          </a:fontRef>
+        </p:style>
+        <p:txBody>
+          <a:bodyPr rtlCol="0" anchor="ctr"/>
+          <a:lstStyle/>
+          <a:p>
+            <a:pPr algn="ctr"/>
+            <a:endParaRPr lang="en-US"/>
+          </a:p>
+        </p:txBody>
+      </p:sp>
+      <p:cxnSp>
+        <p:nvCxnSpPr>
+          <p:cNvPr id="5" name="Straight Arrow Connector 4">
+            <a:extLst>
+              <a:ext uri="{FF2B5EF4-FFF2-40B4-BE49-F238E27FC236}">
+                <a16:creationId xmlns:a16="http://schemas.microsoft.com/office/drawing/2014/main" id="{09AF9F41-DD18-61B3-6EEA-415157EA1779}"/>
+              </a:ext>
+            </a:extLst>
+          </p:cNvPr>
+          <p:cNvCxnSpPr>
+            <a:cxnSpLocks/>
+          </p:cNvCxnSpPr>
+          <p:nvPr/>
+        </p:nvCxnSpPr>
+        <p:spPr>
+          <a:xfrm flipH="1" flipV="1">
+            <a:off x="5048617" y="4365559"/>
+            <a:ext cx="10832" cy="576055"/>
+          </a:xfrm>
+          <a:prstGeom prst="straightConnector1">
+            <a:avLst/>
+          </a:prstGeom>
+          <a:ln w="31750">
+            <a:solidFill>
+              <a:schemeClr val="tx1"/>
+            </a:solidFill>
+            <a:tailEnd type="stealth" w="med" len="lg"/>
+          </a:ln>
+        </p:spPr>
+        <p:style>
+          <a:lnRef idx="2">
+            <a:schemeClr val="accent1"/>
+          </a:lnRef>
+          <a:fillRef idx="0">
+            <a:schemeClr val="accent1"/>
+          </a:fillRef>
+          <a:effectRef idx="1">
+            <a:schemeClr val="accent1"/>
+          </a:effectRef>
+          <a:fontRef idx="minor">
+            <a:schemeClr val="tx1"/>
+          </a:fontRef>
+        </p:style>
+      </p:cxnSp>
+      <mc:AlternateContent xmlns:mc="http://schemas.openxmlformats.org/markup-compatibility/2006" xmlns:a14="http://schemas.microsoft.com/office/drawing/2010/main">
+        <mc:Choice Requires="a14">
+          <p:sp>
+            <p:nvSpPr>
+              <p:cNvPr id="12" name="TextBox 11">
+                <a:extLst>
+                  <a:ext uri="{FF2B5EF4-FFF2-40B4-BE49-F238E27FC236}">
+                    <a16:creationId xmlns:a16="http://schemas.microsoft.com/office/drawing/2014/main" id="{99578DD7-DAA5-3842-0362-587DCBBC2701}"/>
+                  </a:ext>
+                </a:extLst>
+              </p:cNvPr>
+              <p:cNvSpPr txBox="1"/>
+              <p:nvPr/>
+            </p:nvSpPr>
+            <p:spPr>
+              <a:xfrm>
+                <a:off x="5111362" y="4376587"/>
+                <a:ext cx="296171" cy="276999"/>
+              </a:xfrm>
+              <a:prstGeom prst="rect">
+                <a:avLst/>
+              </a:prstGeom>
+              <a:noFill/>
+            </p:spPr>
+            <p:txBody>
+              <a:bodyPr wrap="none" lIns="0" tIns="0" rIns="0" bIns="0" rtlCol="0">
+                <a:spAutoFit/>
+              </a:bodyPr>
+              <a:lstStyle/>
+              <a:p>
+                <a:pPr/>
+                <a14:m>
+                  <m:oMathPara xmlns:m="http://schemas.openxmlformats.org/officeDocument/2006/math">
+                    <m:oMathParaPr>
+                      <m:jc m:val="centerGroup"/>
+                    </m:oMathParaPr>
+                    <m:oMath xmlns:m="http://schemas.openxmlformats.org/officeDocument/2006/math">
+                      <m:sSub>
+                        <m:sSubPr>
+                          <m:ctrlPr>
+                            <a:rPr lang="en-US" i="1" smtClean="0">
+                              <a:latin typeface="Cambria Math" panose="02040503050406030204" pitchFamily="18" charset="0"/>
+                              <a:ea typeface="Cambria Math" panose="02040503050406030204" pitchFamily="18" charset="0"/>
+                            </a:rPr>
+                          </m:ctrlPr>
+                        </m:sSubPr>
+                        <m:e>
+                          <m:acc>
+                            <m:accPr>
+                              <m:chr m:val="⃗"/>
+                              <m:ctrlPr>
+                                <a:rPr lang="en-US" i="1" smtClean="0">
+                                  <a:latin typeface="Cambria Math" panose="02040503050406030204" pitchFamily="18" charset="0"/>
+                                  <a:ea typeface="Cambria Math" panose="02040503050406030204" pitchFamily="18" charset="0"/>
+                                </a:rPr>
+                              </m:ctrlPr>
+                            </m:accPr>
+                            <m:e>
+                              <m:r>
+                                <a:rPr lang="en-US" i="1" smtClean="0">
+                                  <a:latin typeface="Cambria Math" panose="02040503050406030204" pitchFamily="18" charset="0"/>
+                                  <a:ea typeface="Cambria Math" panose="02040503050406030204" pitchFamily="18" charset="0"/>
+                                </a:rPr>
+                                <m:t>𝑎</m:t>
+                              </m:r>
+                            </m:e>
+                          </m:acc>
+                        </m:e>
+                        <m:sub>
+                          <m:r>
+                            <a:rPr lang="en-US" b="0" i="1" smtClean="0">
+                              <a:latin typeface="Cambria Math" panose="02040503050406030204" pitchFamily="18" charset="0"/>
+                              <a:ea typeface="Cambria Math" panose="02040503050406030204" pitchFamily="18" charset="0"/>
+                            </a:rPr>
+                            <m:t>𝑛</m:t>
+                          </m:r>
+                        </m:sub>
+                      </m:sSub>
+                    </m:oMath>
+                  </m:oMathPara>
+                </a14:m>
+                <a:endParaRPr lang="en-US" dirty="0"/>
+              </a:p>
+            </p:txBody>
+          </p:sp>
+        </mc:Choice>
+        <mc:Fallback xmlns="">
+          <p:sp>
+            <p:nvSpPr>
+              <p:cNvPr id="12" name="TextBox 11">
+                <a:extLst>
+                  <a:ext uri="{FF2B5EF4-FFF2-40B4-BE49-F238E27FC236}">
+                    <a16:creationId xmlns:a16="http://schemas.microsoft.com/office/drawing/2014/main" id="{99578DD7-DAA5-3842-0362-587DCBBC2701}"/>
+                  </a:ext>
+                </a:extLst>
+              </p:cNvPr>
+              <p:cNvSpPr txBox="1">
+                <a:spLocks noRot="1" noChangeAspect="1" noMove="1" noResize="1" noEditPoints="1" noAdjustHandles="1" noChangeArrowheads="1" noChangeShapeType="1" noTextEdit="1"/>
+              </p:cNvSpPr>
+              <p:nvPr/>
+            </p:nvSpPr>
+            <p:spPr>
+              <a:xfrm>
+                <a:off x="5111362" y="4376587"/>
+                <a:ext cx="296171" cy="276999"/>
+              </a:xfrm>
+              <a:prstGeom prst="rect">
+                <a:avLst/>
+              </a:prstGeom>
+              <a:blipFill>
+                <a:blip r:embed="rId2"/>
+                <a:stretch>
+                  <a:fillRect l="-20408" t="-48889" r="-61224" b="-11111"/>
+                </a:stretch>
+              </a:blipFill>
+            </p:spPr>
+            <p:txBody>
+              <a:bodyPr/>
+              <a:lstStyle/>
+              <a:p>
+                <a:r>
+                  <a:rPr lang="en-US">
+                    <a:noFill/>
+                  </a:rPr>
+                  <a:t> </a:t>
+                </a:r>
+              </a:p>
+            </p:txBody>
+          </p:sp>
+        </mc:Fallback>
+      </mc:AlternateContent>
+      <p:sp>
+        <p:nvSpPr>
+          <p:cNvPr id="13" name="Arc 12">
+            <a:extLst>
+              <a:ext uri="{FF2B5EF4-FFF2-40B4-BE49-F238E27FC236}">
+                <a16:creationId xmlns:a16="http://schemas.microsoft.com/office/drawing/2014/main" id="{B1D22F3B-B148-30A4-C729-467408F4E72C}"/>
+              </a:ext>
+            </a:extLst>
+          </p:cNvPr>
+          <p:cNvSpPr/>
+          <p:nvPr/>
+        </p:nvSpPr>
+        <p:spPr>
+          <a:xfrm rot="12600360">
+            <a:off x="4621066" y="3696612"/>
+            <a:ext cx="569601" cy="550508"/>
+          </a:xfrm>
+          <a:prstGeom prst="arc">
+            <a:avLst>
+              <a:gd name="adj1" fmla="val 16200000"/>
+              <a:gd name="adj2" fmla="val 485002"/>
+            </a:avLst>
+          </a:prstGeom>
+          <a:ln>
+            <a:solidFill>
+              <a:schemeClr val="tx1"/>
+            </a:solidFill>
+            <a:headEnd type="stealth"/>
+          </a:ln>
+        </p:spPr>
+        <p:style>
+          <a:lnRef idx="2">
+            <a:schemeClr val="accent1"/>
+          </a:lnRef>
+          <a:fillRef idx="0">
+            <a:schemeClr val="accent1"/>
+          </a:fillRef>
+          <a:effectRef idx="1">
+            <a:schemeClr val="accent1"/>
+          </a:effectRef>
+          <a:fontRef idx="minor">
+            <a:schemeClr val="tx1"/>
+          </a:fontRef>
+        </p:style>
+        <p:txBody>
+          <a:bodyPr rtlCol="0" anchor="ctr"/>
+          <a:lstStyle/>
+          <a:p>
+            <a:pPr algn="ctr"/>
+            <a:endParaRPr lang="en-US"/>
+          </a:p>
+        </p:txBody>
+      </p:sp>
+      <p:sp>
+        <p:nvSpPr>
+          <p:cNvPr id="14" name="Oval 13">
+            <a:extLst>
+              <a:ext uri="{FF2B5EF4-FFF2-40B4-BE49-F238E27FC236}">
+                <a16:creationId xmlns:a16="http://schemas.microsoft.com/office/drawing/2014/main" id="{5ABE423A-B2D7-5A2D-0784-F868686AF908}"/>
+              </a:ext>
+            </a:extLst>
+          </p:cNvPr>
+          <p:cNvSpPr/>
+          <p:nvPr/>
+        </p:nvSpPr>
+        <p:spPr>
+          <a:xfrm>
+            <a:off x="5021643" y="3990603"/>
+            <a:ext cx="53948" cy="50784"/>
+          </a:xfrm>
+          <a:prstGeom prst="ellipse">
+            <a:avLst/>
+          </a:prstGeom>
+          <a:solidFill>
+            <a:schemeClr val="tx1"/>
+          </a:solidFill>
+          <a:ln>
+            <a:noFill/>
+          </a:ln>
+        </p:spPr>
+        <p:style>
+          <a:lnRef idx="2">
+            <a:schemeClr val="accent1">
+              <a:shade val="15000"/>
+            </a:schemeClr>
+          </a:lnRef>
+          <a:fillRef idx="1">
+            <a:schemeClr val="accent1"/>
+          </a:fillRef>
+          <a:effectRef idx="0">
+            <a:schemeClr val="accent1"/>
+          </a:effectRef>
+          <a:fontRef idx="minor">
+            <a:schemeClr val="lt1"/>
+          </a:fontRef>
+        </p:style>
+        <p:txBody>
+          <a:bodyPr rtlCol="0" anchor="ctr"/>
+          <a:lstStyle/>
+          <a:p>
+            <a:pPr algn="ctr"/>
+            <a:endParaRPr lang="en-US"/>
+          </a:p>
+        </p:txBody>
+      </p:sp>
+      <p:cxnSp>
+        <p:nvCxnSpPr>
+          <p:cNvPr id="18" name="Straight Arrow Connector 17">
+            <a:extLst>
+              <a:ext uri="{FF2B5EF4-FFF2-40B4-BE49-F238E27FC236}">
+                <a16:creationId xmlns:a16="http://schemas.microsoft.com/office/drawing/2014/main" id="{C0799DB0-4C6A-8D7C-C1F7-CBE85D57F707}"/>
+              </a:ext>
+            </a:extLst>
+          </p:cNvPr>
+          <p:cNvCxnSpPr>
+            <a:cxnSpLocks/>
+          </p:cNvCxnSpPr>
+          <p:nvPr/>
+        </p:nvCxnSpPr>
+        <p:spPr>
+          <a:xfrm flipV="1">
+            <a:off x="5048617" y="4897967"/>
+            <a:ext cx="789150" cy="39056"/>
+          </a:xfrm>
+          <a:prstGeom prst="straightConnector1">
+            <a:avLst/>
+          </a:prstGeom>
+          <a:ln w="31750">
+            <a:solidFill>
+              <a:schemeClr val="tx1"/>
+            </a:solidFill>
+            <a:tailEnd type="stealth" w="med" len="lg"/>
+          </a:ln>
+        </p:spPr>
+        <p:style>
+          <a:lnRef idx="2">
+            <a:schemeClr val="accent1"/>
+          </a:lnRef>
+          <a:fillRef idx="0">
+            <a:schemeClr val="accent1"/>
+          </a:fillRef>
+          <a:effectRef idx="1">
+            <a:schemeClr val="accent1"/>
+          </a:effectRef>
+          <a:fontRef idx="minor">
+            <a:schemeClr val="tx1"/>
+          </a:fontRef>
+        </p:style>
+      </p:cxnSp>
+      <p:sp>
+        <p:nvSpPr>
+          <p:cNvPr id="21" name="Rectangle 20">
+            <a:extLst>
+              <a:ext uri="{FF2B5EF4-FFF2-40B4-BE49-F238E27FC236}">
+                <a16:creationId xmlns:a16="http://schemas.microsoft.com/office/drawing/2014/main" id="{8C338680-D819-9A78-15DB-CB5B7D34AF59}"/>
+              </a:ext>
+            </a:extLst>
+          </p:cNvPr>
+          <p:cNvSpPr/>
+          <p:nvPr/>
+        </p:nvSpPr>
+        <p:spPr>
+          <a:xfrm>
+            <a:off x="5059449" y="4813299"/>
+            <a:ext cx="133332" cy="123723"/>
+          </a:xfrm>
+          <a:prstGeom prst="rect">
+            <a:avLst/>
+          </a:prstGeom>
+          <a:noFill/>
+        </p:spPr>
+        <p:style>
+          <a:lnRef idx="2">
+            <a:schemeClr val="accent1">
+              <a:shade val="15000"/>
+            </a:schemeClr>
+          </a:lnRef>
+          <a:fillRef idx="1">
+            <a:schemeClr val="accent1"/>
+          </a:fillRef>
+          <a:effectRef idx="0">
+            <a:schemeClr val="accent1"/>
+          </a:effectRef>
+          <a:fontRef idx="minor">
+            <a:schemeClr val="lt1"/>
+          </a:fontRef>
+        </p:style>
+        <p:txBody>
+          <a:bodyPr rtlCol="0" anchor="ctr"/>
+          <a:lstStyle/>
+          <a:p>
+            <a:pPr algn="ctr"/>
+            <a:endParaRPr lang="en-US"/>
+          </a:p>
+        </p:txBody>
+      </p:sp>
+      <mc:AlternateContent xmlns:mc="http://schemas.openxmlformats.org/markup-compatibility/2006" xmlns:a14="http://schemas.microsoft.com/office/drawing/2010/main">
+        <mc:Choice Requires="a14">
+          <p:sp>
+            <p:nvSpPr>
+              <p:cNvPr id="22" name="TextBox 21">
+                <a:extLst>
+                  <a:ext uri="{FF2B5EF4-FFF2-40B4-BE49-F238E27FC236}">
+                    <a16:creationId xmlns:a16="http://schemas.microsoft.com/office/drawing/2014/main" id="{6F84ABAF-9F45-20B9-9F95-12D35DF9F944}"/>
+                  </a:ext>
+                </a:extLst>
+              </p:cNvPr>
+              <p:cNvSpPr txBox="1"/>
+              <p:nvPr/>
+            </p:nvSpPr>
+            <p:spPr>
+              <a:xfrm>
+                <a:off x="5609996" y="4937022"/>
+                <a:ext cx="272832" cy="276999"/>
+              </a:xfrm>
+              <a:prstGeom prst="rect">
+                <a:avLst/>
+              </a:prstGeom>
+              <a:noFill/>
+            </p:spPr>
+            <p:txBody>
+              <a:bodyPr wrap="none" lIns="0" tIns="0" rIns="0" bIns="0" rtlCol="0">
+                <a:spAutoFit/>
+              </a:bodyPr>
+              <a:lstStyle/>
+              <a:p>
+                <a:pPr/>
+                <a14:m>
+                  <m:oMathPara xmlns:m="http://schemas.openxmlformats.org/officeDocument/2006/math">
+                    <m:oMathParaPr>
+                      <m:jc m:val="centerGroup"/>
+                    </m:oMathParaPr>
+                    <m:oMath xmlns:m="http://schemas.openxmlformats.org/officeDocument/2006/math">
+                      <m:sSub>
+                        <m:sSubPr>
+                          <m:ctrlPr>
+                            <a:rPr lang="en-US" i="1" smtClean="0">
+                              <a:latin typeface="Cambria Math" panose="02040503050406030204" pitchFamily="18" charset="0"/>
+                              <a:ea typeface="Cambria Math" panose="02040503050406030204" pitchFamily="18" charset="0"/>
+                            </a:rPr>
+                          </m:ctrlPr>
+                        </m:sSubPr>
+                        <m:e>
+                          <m:acc>
+                            <m:accPr>
+                              <m:chr m:val="⃗"/>
+                              <m:ctrlPr>
+                                <a:rPr lang="en-US" i="1" smtClean="0">
+                                  <a:latin typeface="Cambria Math" panose="02040503050406030204" pitchFamily="18" charset="0"/>
+                                  <a:ea typeface="Cambria Math" panose="02040503050406030204" pitchFamily="18" charset="0"/>
+                                </a:rPr>
+                              </m:ctrlPr>
+                            </m:accPr>
+                            <m:e>
+                              <m:r>
+                                <a:rPr lang="en-US" i="1" smtClean="0">
+                                  <a:latin typeface="Cambria Math" panose="02040503050406030204" pitchFamily="18" charset="0"/>
+                                  <a:ea typeface="Cambria Math" panose="02040503050406030204" pitchFamily="18" charset="0"/>
+                                </a:rPr>
+                                <m:t>𝑎</m:t>
+                              </m:r>
+                            </m:e>
+                          </m:acc>
+                        </m:e>
+                        <m:sub>
+                          <m:r>
+                            <a:rPr lang="en-US" b="0" i="1" smtClean="0">
+                              <a:latin typeface="Cambria Math" panose="02040503050406030204" pitchFamily="18" charset="0"/>
+                              <a:ea typeface="Cambria Math" panose="02040503050406030204" pitchFamily="18" charset="0"/>
+                            </a:rPr>
+                            <m:t>𝜏</m:t>
+                          </m:r>
+                        </m:sub>
+                      </m:sSub>
+                    </m:oMath>
+                  </m:oMathPara>
+                </a14:m>
+                <a:endParaRPr lang="en-US" dirty="0"/>
+              </a:p>
+            </p:txBody>
+          </p:sp>
+        </mc:Choice>
+        <mc:Fallback xmlns="">
+          <p:sp>
+            <p:nvSpPr>
+              <p:cNvPr id="22" name="TextBox 21">
+                <a:extLst>
+                  <a:ext uri="{FF2B5EF4-FFF2-40B4-BE49-F238E27FC236}">
+                    <a16:creationId xmlns:a16="http://schemas.microsoft.com/office/drawing/2014/main" id="{6F84ABAF-9F45-20B9-9F95-12D35DF9F944}"/>
+                  </a:ext>
+                </a:extLst>
+              </p:cNvPr>
+              <p:cNvSpPr txBox="1">
+                <a:spLocks noRot="1" noChangeAspect="1" noMove="1" noResize="1" noEditPoints="1" noAdjustHandles="1" noChangeArrowheads="1" noChangeShapeType="1" noTextEdit="1"/>
+              </p:cNvSpPr>
+              <p:nvPr/>
+            </p:nvSpPr>
+            <p:spPr>
+              <a:xfrm>
+                <a:off x="5609996" y="4937022"/>
+                <a:ext cx="272832" cy="276999"/>
+              </a:xfrm>
+              <a:prstGeom prst="rect">
+                <a:avLst/>
+              </a:prstGeom>
+              <a:blipFill>
+                <a:blip r:embed="rId3"/>
+                <a:stretch>
+                  <a:fillRect l="-22222" t="-48889" r="-68889" b="-11111"/>
+                </a:stretch>
+              </a:blipFill>
+            </p:spPr>
+            <p:txBody>
+              <a:bodyPr/>
+              <a:lstStyle/>
+              <a:p>
+                <a:r>
+                  <a:rPr lang="en-US">
+                    <a:noFill/>
+                  </a:rPr>
+                  <a:t> </a:t>
+                </a:r>
+              </a:p>
+            </p:txBody>
+          </p:sp>
+        </mc:Fallback>
+      </mc:AlternateContent>
+      <mc:AlternateContent xmlns:mc="http://schemas.openxmlformats.org/markup-compatibility/2006" xmlns:a14="http://schemas.microsoft.com/office/drawing/2010/main">
+        <mc:Choice Requires="a14">
+          <p:sp>
+            <p:nvSpPr>
+              <p:cNvPr id="23" name="TextBox 22">
+                <a:extLst>
+                  <a:ext uri="{FF2B5EF4-FFF2-40B4-BE49-F238E27FC236}">
+                    <a16:creationId xmlns:a16="http://schemas.microsoft.com/office/drawing/2014/main" id="{29F2C81F-325C-E634-521E-DB2354879861}"/>
+                  </a:ext>
+                </a:extLst>
+              </p:cNvPr>
+              <p:cNvSpPr txBox="1"/>
+              <p:nvPr/>
+            </p:nvSpPr>
+            <p:spPr>
+              <a:xfrm>
+                <a:off x="4273162" y="3940530"/>
+                <a:ext cx="218265" cy="276999"/>
+              </a:xfrm>
+              <a:prstGeom prst="rect">
+                <a:avLst/>
+              </a:prstGeom>
+              <a:noFill/>
+            </p:spPr>
+            <p:txBody>
+              <a:bodyPr wrap="none" lIns="0" tIns="0" rIns="0" bIns="0" rtlCol="0">
+                <a:spAutoFit/>
+              </a:bodyPr>
+              <a:lstStyle/>
+              <a:p>
+                <a:pPr/>
+                <a14:m>
+                  <m:oMathPara xmlns:m="http://schemas.openxmlformats.org/officeDocument/2006/math">
+                    <m:oMathParaPr>
+                      <m:jc m:val="centerGroup"/>
+                    </m:oMathParaPr>
+                    <m:oMath xmlns:m="http://schemas.openxmlformats.org/officeDocument/2006/math">
+                      <m:acc>
+                        <m:accPr>
+                          <m:chr m:val="⃗"/>
+                          <m:ctrlPr>
+                            <a:rPr lang="en-US" i="1" smtClean="0">
+                              <a:latin typeface="Cambria Math" panose="02040503050406030204" pitchFamily="18" charset="0"/>
+                              <a:ea typeface="Cambria Math" panose="02040503050406030204" pitchFamily="18" charset="0"/>
+                            </a:rPr>
+                          </m:ctrlPr>
+                        </m:accPr>
+                        <m:e>
+                          <m:r>
+                            <a:rPr lang="en-US" i="1" smtClean="0">
+                              <a:latin typeface="Cambria Math" panose="02040503050406030204" pitchFamily="18" charset="0"/>
+                              <a:ea typeface="Cambria Math" panose="02040503050406030204" pitchFamily="18" charset="0"/>
+                            </a:rPr>
+                            <m:t>𝜔</m:t>
+                          </m:r>
+                        </m:e>
+                      </m:acc>
+                    </m:oMath>
+                  </m:oMathPara>
+                </a14:m>
+                <a:endParaRPr lang="en-US" dirty="0"/>
+              </a:p>
+            </p:txBody>
+          </p:sp>
+        </mc:Choice>
+        <mc:Fallback xmlns="">
+          <p:sp>
+            <p:nvSpPr>
+              <p:cNvPr id="23" name="TextBox 22">
+                <a:extLst>
+                  <a:ext uri="{FF2B5EF4-FFF2-40B4-BE49-F238E27FC236}">
+                    <a16:creationId xmlns:a16="http://schemas.microsoft.com/office/drawing/2014/main" id="{29F2C81F-325C-E634-521E-DB2354879861}"/>
+                  </a:ext>
+                </a:extLst>
+              </p:cNvPr>
+              <p:cNvSpPr txBox="1">
+                <a:spLocks noRot="1" noChangeAspect="1" noMove="1" noResize="1" noEditPoints="1" noAdjustHandles="1" noChangeArrowheads="1" noChangeShapeType="1" noTextEdit="1"/>
+              </p:cNvSpPr>
+              <p:nvPr/>
+            </p:nvSpPr>
+            <p:spPr>
+              <a:xfrm>
+                <a:off x="4273162" y="3940530"/>
+                <a:ext cx="218265" cy="276999"/>
+              </a:xfrm>
+              <a:prstGeom prst="rect">
+                <a:avLst/>
+              </a:prstGeom>
+              <a:blipFill>
+                <a:blip r:embed="rId4"/>
+                <a:stretch>
+                  <a:fillRect l="-16667" r="-16667"/>
+                </a:stretch>
+              </a:blipFill>
+            </p:spPr>
+            <p:txBody>
+              <a:bodyPr/>
+              <a:lstStyle/>
+              <a:p>
+                <a:r>
+                  <a:rPr lang="en-US">
+                    <a:noFill/>
+                  </a:rPr>
+                  <a:t> </a:t>
+                </a:r>
+              </a:p>
+            </p:txBody>
+          </p:sp>
+        </mc:Fallback>
+      </mc:AlternateContent>
+      <p:cxnSp>
+        <p:nvCxnSpPr>
+          <p:cNvPr id="34" name="Straight Arrow Connector 33">
+            <a:extLst>
+              <a:ext uri="{FF2B5EF4-FFF2-40B4-BE49-F238E27FC236}">
+                <a16:creationId xmlns:a16="http://schemas.microsoft.com/office/drawing/2014/main" id="{8A85FFB4-BA90-9E01-0DC7-5B3E7C3004F7}"/>
+              </a:ext>
+            </a:extLst>
+          </p:cNvPr>
+          <p:cNvCxnSpPr>
+            <a:cxnSpLocks/>
+          </p:cNvCxnSpPr>
+          <p:nvPr/>
+        </p:nvCxnSpPr>
+        <p:spPr>
+          <a:xfrm flipH="1" flipV="1">
+            <a:off x="7810773" y="3591077"/>
+            <a:ext cx="17276" cy="918737"/>
+          </a:xfrm>
+          <a:prstGeom prst="straightConnector1">
+            <a:avLst/>
+          </a:prstGeom>
+          <a:ln w="31750">
+            <a:solidFill>
+              <a:schemeClr val="tx1"/>
+            </a:solidFill>
+            <a:tailEnd type="stealth" w="med" len="lg"/>
+          </a:ln>
+        </p:spPr>
+        <p:style>
+          <a:lnRef idx="2">
+            <a:schemeClr val="accent1"/>
+          </a:lnRef>
+          <a:fillRef idx="0">
+            <a:schemeClr val="accent1"/>
+          </a:fillRef>
+          <a:effectRef idx="1">
+            <a:schemeClr val="accent1"/>
+          </a:effectRef>
+          <a:fontRef idx="minor">
+            <a:schemeClr val="tx1"/>
+          </a:fontRef>
+        </p:style>
+      </p:cxnSp>
+      <mc:AlternateContent xmlns:mc="http://schemas.openxmlformats.org/markup-compatibility/2006" xmlns:a14="http://schemas.microsoft.com/office/drawing/2010/main">
+        <mc:Choice Requires="a14">
+          <p:sp>
+            <p:nvSpPr>
+              <p:cNvPr id="35" name="TextBox 34">
+                <a:extLst>
+                  <a:ext uri="{FF2B5EF4-FFF2-40B4-BE49-F238E27FC236}">
+                    <a16:creationId xmlns:a16="http://schemas.microsoft.com/office/drawing/2014/main" id="{4DAB50E3-E8D6-2E99-F633-562E82FF9609}"/>
+                  </a:ext>
+                </a:extLst>
+              </p:cNvPr>
+              <p:cNvSpPr txBox="1"/>
+              <p:nvPr/>
+            </p:nvSpPr>
+            <p:spPr>
+              <a:xfrm>
+                <a:off x="7450459" y="3462729"/>
+                <a:ext cx="296171" cy="276999"/>
+              </a:xfrm>
+              <a:prstGeom prst="rect">
+                <a:avLst/>
+              </a:prstGeom>
+              <a:noFill/>
+            </p:spPr>
+            <p:txBody>
+              <a:bodyPr wrap="none" lIns="0" tIns="0" rIns="0" bIns="0" rtlCol="0">
+                <a:spAutoFit/>
+              </a:bodyPr>
+              <a:lstStyle/>
+              <a:p>
+                <a:pPr/>
+                <a14:m>
+                  <m:oMathPara xmlns:m="http://schemas.openxmlformats.org/officeDocument/2006/math">
+                    <m:oMathParaPr>
+                      <m:jc m:val="centerGroup"/>
+                    </m:oMathParaPr>
+                    <m:oMath xmlns:m="http://schemas.openxmlformats.org/officeDocument/2006/math">
+                      <m:sSub>
+                        <m:sSubPr>
+                          <m:ctrlPr>
+                            <a:rPr lang="en-US" i="1" smtClean="0">
+                              <a:latin typeface="Cambria Math" panose="02040503050406030204" pitchFamily="18" charset="0"/>
+                              <a:ea typeface="Cambria Math" panose="02040503050406030204" pitchFamily="18" charset="0"/>
+                            </a:rPr>
+                          </m:ctrlPr>
+                        </m:sSubPr>
+                        <m:e>
+                          <m:acc>
+                            <m:accPr>
+                              <m:chr m:val="⃗"/>
+                              <m:ctrlPr>
+                                <a:rPr lang="en-US" i="1" smtClean="0">
+                                  <a:latin typeface="Cambria Math" panose="02040503050406030204" pitchFamily="18" charset="0"/>
+                                  <a:ea typeface="Cambria Math" panose="02040503050406030204" pitchFamily="18" charset="0"/>
+                                </a:rPr>
+                              </m:ctrlPr>
+                            </m:accPr>
+                            <m:e>
+                              <m:r>
+                                <a:rPr lang="en-US" i="1" smtClean="0">
+                                  <a:latin typeface="Cambria Math" panose="02040503050406030204" pitchFamily="18" charset="0"/>
+                                  <a:ea typeface="Cambria Math" panose="02040503050406030204" pitchFamily="18" charset="0"/>
+                                </a:rPr>
+                                <m:t>𝑎</m:t>
+                              </m:r>
+                            </m:e>
+                          </m:acc>
+                        </m:e>
+                        <m:sub>
+                          <m:r>
+                            <a:rPr lang="en-US" b="0" i="1" smtClean="0">
+                              <a:latin typeface="Cambria Math" panose="02040503050406030204" pitchFamily="18" charset="0"/>
+                              <a:ea typeface="Cambria Math" panose="02040503050406030204" pitchFamily="18" charset="0"/>
+                            </a:rPr>
+                            <m:t>𝑛</m:t>
+                          </m:r>
+                        </m:sub>
+                      </m:sSub>
+                    </m:oMath>
+                  </m:oMathPara>
+                </a14:m>
+                <a:endParaRPr lang="en-US" dirty="0"/>
+              </a:p>
+            </p:txBody>
+          </p:sp>
+        </mc:Choice>
+        <mc:Fallback xmlns="">
+          <p:sp>
+            <p:nvSpPr>
+              <p:cNvPr id="35" name="TextBox 34">
+                <a:extLst>
+                  <a:ext uri="{FF2B5EF4-FFF2-40B4-BE49-F238E27FC236}">
+                    <a16:creationId xmlns:a16="http://schemas.microsoft.com/office/drawing/2014/main" id="{4DAB50E3-E8D6-2E99-F633-562E82FF9609}"/>
+                  </a:ext>
+                </a:extLst>
+              </p:cNvPr>
+              <p:cNvSpPr txBox="1">
+                <a:spLocks noRot="1" noChangeAspect="1" noMove="1" noResize="1" noEditPoints="1" noAdjustHandles="1" noChangeArrowheads="1" noChangeShapeType="1" noTextEdit="1"/>
+              </p:cNvSpPr>
+              <p:nvPr/>
+            </p:nvSpPr>
+            <p:spPr>
+              <a:xfrm>
+                <a:off x="7450459" y="3462729"/>
+                <a:ext cx="296171" cy="276999"/>
+              </a:xfrm>
+              <a:prstGeom prst="rect">
+                <a:avLst/>
+              </a:prstGeom>
+              <a:blipFill>
+                <a:blip r:embed="rId5"/>
+                <a:stretch>
+                  <a:fillRect l="-20408" t="-46667" r="-61224" b="-13333"/>
+                </a:stretch>
+              </a:blipFill>
+            </p:spPr>
+            <p:txBody>
+              <a:bodyPr/>
+              <a:lstStyle/>
+              <a:p>
+                <a:r>
+                  <a:rPr lang="en-US">
+                    <a:noFill/>
+                  </a:rPr>
+                  <a:t> </a:t>
+                </a:r>
+              </a:p>
+            </p:txBody>
+          </p:sp>
+        </mc:Fallback>
+      </mc:AlternateContent>
+      <p:cxnSp>
+        <p:nvCxnSpPr>
+          <p:cNvPr id="36" name="Straight Arrow Connector 35">
+            <a:extLst>
+              <a:ext uri="{FF2B5EF4-FFF2-40B4-BE49-F238E27FC236}">
+                <a16:creationId xmlns:a16="http://schemas.microsoft.com/office/drawing/2014/main" id="{2F4A6C90-6D41-AEDE-9DFC-5CBA0F6819BC}"/>
+              </a:ext>
+            </a:extLst>
+          </p:cNvPr>
+          <p:cNvCxnSpPr>
+            <a:cxnSpLocks/>
+          </p:cNvCxnSpPr>
+          <p:nvPr/>
+        </p:nvCxnSpPr>
+        <p:spPr>
+          <a:xfrm flipV="1">
+            <a:off x="7817217" y="4453638"/>
+            <a:ext cx="1042303" cy="51585"/>
+          </a:xfrm>
+          <a:prstGeom prst="straightConnector1">
+            <a:avLst/>
+          </a:prstGeom>
+          <a:ln w="31750">
+            <a:solidFill>
+              <a:schemeClr val="tx1"/>
+            </a:solidFill>
+            <a:tailEnd type="stealth" w="med" len="lg"/>
+          </a:ln>
+        </p:spPr>
+        <p:style>
+          <a:lnRef idx="2">
+            <a:schemeClr val="accent1"/>
+          </a:lnRef>
+          <a:fillRef idx="0">
+            <a:schemeClr val="accent1"/>
+          </a:fillRef>
+          <a:effectRef idx="1">
+            <a:schemeClr val="accent1"/>
+          </a:effectRef>
+          <a:fontRef idx="minor">
+            <a:schemeClr val="tx1"/>
+          </a:fontRef>
+        </p:style>
+      </p:cxnSp>
+      <mc:AlternateContent xmlns:mc="http://schemas.openxmlformats.org/markup-compatibility/2006" xmlns:a14="http://schemas.microsoft.com/office/drawing/2010/main">
+        <mc:Choice Requires="a14">
+          <p:sp>
+            <p:nvSpPr>
+              <p:cNvPr id="38" name="TextBox 37">
+                <a:extLst>
+                  <a:ext uri="{FF2B5EF4-FFF2-40B4-BE49-F238E27FC236}">
+                    <a16:creationId xmlns:a16="http://schemas.microsoft.com/office/drawing/2014/main" id="{A304494F-3B4D-36CA-488F-F39D15C63757}"/>
+                  </a:ext>
+                </a:extLst>
+              </p:cNvPr>
+              <p:cNvSpPr txBox="1"/>
+              <p:nvPr/>
+            </p:nvSpPr>
+            <p:spPr>
+              <a:xfrm>
+                <a:off x="8586688" y="4479430"/>
+                <a:ext cx="272832" cy="276999"/>
+              </a:xfrm>
+              <a:prstGeom prst="rect">
+                <a:avLst/>
+              </a:prstGeom>
+              <a:noFill/>
+            </p:spPr>
+            <p:txBody>
+              <a:bodyPr wrap="none" lIns="0" tIns="0" rIns="0" bIns="0" rtlCol="0">
+                <a:spAutoFit/>
+              </a:bodyPr>
+              <a:lstStyle/>
+              <a:p>
+                <a:pPr/>
+                <a14:m>
+                  <m:oMathPara xmlns:m="http://schemas.openxmlformats.org/officeDocument/2006/math">
+                    <m:oMathParaPr>
+                      <m:jc m:val="centerGroup"/>
+                    </m:oMathParaPr>
+                    <m:oMath xmlns:m="http://schemas.openxmlformats.org/officeDocument/2006/math">
+                      <m:sSub>
+                        <m:sSubPr>
+                          <m:ctrlPr>
+                            <a:rPr lang="en-US" i="1" smtClean="0">
+                              <a:latin typeface="Cambria Math" panose="02040503050406030204" pitchFamily="18" charset="0"/>
+                              <a:ea typeface="Cambria Math" panose="02040503050406030204" pitchFamily="18" charset="0"/>
+                            </a:rPr>
+                          </m:ctrlPr>
+                        </m:sSubPr>
+                        <m:e>
+                          <m:acc>
+                            <m:accPr>
+                              <m:chr m:val="⃗"/>
+                              <m:ctrlPr>
+                                <a:rPr lang="en-US" i="1" smtClean="0">
+                                  <a:latin typeface="Cambria Math" panose="02040503050406030204" pitchFamily="18" charset="0"/>
+                                  <a:ea typeface="Cambria Math" panose="02040503050406030204" pitchFamily="18" charset="0"/>
+                                </a:rPr>
+                              </m:ctrlPr>
+                            </m:accPr>
+                            <m:e>
+                              <m:r>
+                                <a:rPr lang="en-US" i="1" smtClean="0">
+                                  <a:latin typeface="Cambria Math" panose="02040503050406030204" pitchFamily="18" charset="0"/>
+                                  <a:ea typeface="Cambria Math" panose="02040503050406030204" pitchFamily="18" charset="0"/>
+                                </a:rPr>
+                                <m:t>𝑎</m:t>
+                              </m:r>
+                            </m:e>
+                          </m:acc>
+                        </m:e>
+                        <m:sub>
+                          <m:r>
+                            <a:rPr lang="en-US" b="0" i="1" smtClean="0">
+                              <a:latin typeface="Cambria Math" panose="02040503050406030204" pitchFamily="18" charset="0"/>
+                              <a:ea typeface="Cambria Math" panose="02040503050406030204" pitchFamily="18" charset="0"/>
+                            </a:rPr>
+                            <m:t>𝜏</m:t>
+                          </m:r>
+                        </m:sub>
+                      </m:sSub>
+                    </m:oMath>
+                  </m:oMathPara>
+                </a14:m>
+                <a:endParaRPr lang="en-US" dirty="0"/>
+              </a:p>
+            </p:txBody>
+          </p:sp>
+        </mc:Choice>
+        <mc:Fallback xmlns="">
+          <p:sp>
+            <p:nvSpPr>
+              <p:cNvPr id="38" name="TextBox 37">
+                <a:extLst>
+                  <a:ext uri="{FF2B5EF4-FFF2-40B4-BE49-F238E27FC236}">
+                    <a16:creationId xmlns:a16="http://schemas.microsoft.com/office/drawing/2014/main" id="{A304494F-3B4D-36CA-488F-F39D15C63757}"/>
+                  </a:ext>
+                </a:extLst>
+              </p:cNvPr>
+              <p:cNvSpPr txBox="1">
+                <a:spLocks noRot="1" noChangeAspect="1" noMove="1" noResize="1" noEditPoints="1" noAdjustHandles="1" noChangeArrowheads="1" noChangeShapeType="1" noTextEdit="1"/>
+              </p:cNvSpPr>
+              <p:nvPr/>
+            </p:nvSpPr>
+            <p:spPr>
+              <a:xfrm>
+                <a:off x="8586688" y="4479430"/>
+                <a:ext cx="272832" cy="276999"/>
+              </a:xfrm>
+              <a:prstGeom prst="rect">
+                <a:avLst/>
+              </a:prstGeom>
+              <a:blipFill>
+                <a:blip r:embed="rId6"/>
+                <a:stretch>
+                  <a:fillRect l="-25000" t="-48889" r="-70455" b="-11111"/>
+                </a:stretch>
+              </a:blipFill>
+            </p:spPr>
+            <p:txBody>
+              <a:bodyPr/>
+              <a:lstStyle/>
+              <a:p>
+                <a:r>
+                  <a:rPr lang="en-US">
+                    <a:noFill/>
+                  </a:rPr>
+                  <a:t> </a:t>
+                </a:r>
+              </a:p>
+            </p:txBody>
+          </p:sp>
+        </mc:Fallback>
+      </mc:AlternateContent>
+      <p:cxnSp>
+        <p:nvCxnSpPr>
+          <p:cNvPr id="43" name="Straight Arrow Connector 42">
+            <a:extLst>
+              <a:ext uri="{FF2B5EF4-FFF2-40B4-BE49-F238E27FC236}">
+                <a16:creationId xmlns:a16="http://schemas.microsoft.com/office/drawing/2014/main" id="{E6E821FF-5266-0E8A-2D14-38D1E69E737A}"/>
+              </a:ext>
+            </a:extLst>
+          </p:cNvPr>
+          <p:cNvCxnSpPr>
+            <a:cxnSpLocks/>
+          </p:cNvCxnSpPr>
+          <p:nvPr/>
+        </p:nvCxnSpPr>
+        <p:spPr>
+          <a:xfrm flipV="1">
+            <a:off x="7828049" y="3646405"/>
+            <a:ext cx="912331" cy="855255"/>
+          </a:xfrm>
+          <a:prstGeom prst="straightConnector1">
+            <a:avLst/>
+          </a:prstGeom>
+          <a:ln w="31750">
+            <a:solidFill>
+              <a:schemeClr val="tx1"/>
+            </a:solidFill>
+            <a:tailEnd type="stealth" w="med" len="lg"/>
+          </a:ln>
+        </p:spPr>
+        <p:style>
+          <a:lnRef idx="2">
+            <a:schemeClr val="accent1"/>
+          </a:lnRef>
+          <a:fillRef idx="0">
+            <a:schemeClr val="accent1"/>
+          </a:fillRef>
+          <a:effectRef idx="1">
+            <a:schemeClr val="accent1"/>
+          </a:effectRef>
+          <a:fontRef idx="minor">
+            <a:schemeClr val="tx1"/>
+          </a:fontRef>
+        </p:style>
+      </p:cxnSp>
+      <p:sp>
+        <p:nvSpPr>
+          <p:cNvPr id="45" name="Arc 44">
+            <a:extLst>
+              <a:ext uri="{FF2B5EF4-FFF2-40B4-BE49-F238E27FC236}">
+                <a16:creationId xmlns:a16="http://schemas.microsoft.com/office/drawing/2014/main" id="{CBEEDF00-9AA8-D4B7-DB74-3F83237262DE}"/>
+              </a:ext>
+            </a:extLst>
+          </p:cNvPr>
+          <p:cNvSpPr/>
+          <p:nvPr/>
+        </p:nvSpPr>
+        <p:spPr>
+          <a:xfrm rot="20300109">
+            <a:off x="7748654" y="4212775"/>
+            <a:ext cx="293958" cy="323059"/>
+          </a:xfrm>
+          <a:prstGeom prst="arc">
+            <a:avLst/>
+          </a:prstGeom>
+          <a:ln>
+            <a:solidFill>
+              <a:schemeClr val="tx1"/>
+            </a:solidFill>
+          </a:ln>
+        </p:spPr>
+        <p:style>
+          <a:lnRef idx="2">
+            <a:schemeClr val="accent1"/>
+          </a:lnRef>
+          <a:fillRef idx="0">
+            <a:schemeClr val="accent1"/>
+          </a:fillRef>
+          <a:effectRef idx="1">
+            <a:schemeClr val="accent1"/>
+          </a:effectRef>
+          <a:fontRef idx="minor">
+            <a:schemeClr val="tx1"/>
+          </a:fontRef>
+        </p:style>
+        <p:txBody>
+          <a:bodyPr rtlCol="0" anchor="ctr"/>
+          <a:lstStyle/>
+          <a:p>
+            <a:pPr algn="ctr"/>
+            <a:endParaRPr lang="en-US"/>
+          </a:p>
+        </p:txBody>
+      </p:sp>
+      <mc:AlternateContent xmlns:mc="http://schemas.openxmlformats.org/markup-compatibility/2006" xmlns:a14="http://schemas.microsoft.com/office/drawing/2010/main">
+        <mc:Choice Requires="a14">
+          <p:sp>
+            <p:nvSpPr>
+              <p:cNvPr id="46" name="TextBox 45">
+                <a:extLst>
+                  <a:ext uri="{FF2B5EF4-FFF2-40B4-BE49-F238E27FC236}">
+                    <a16:creationId xmlns:a16="http://schemas.microsoft.com/office/drawing/2014/main" id="{BB92D81D-88A7-8464-1847-FC182D5A6BBF}"/>
+                  </a:ext>
+                </a:extLst>
+              </p:cNvPr>
+              <p:cNvSpPr txBox="1"/>
+              <p:nvPr/>
+            </p:nvSpPr>
+            <p:spPr>
+              <a:xfrm>
+                <a:off x="7852979" y="3871976"/>
+                <a:ext cx="256160" cy="369332"/>
+              </a:xfrm>
+              <a:prstGeom prst="rect">
+                <a:avLst/>
+              </a:prstGeom>
+              <a:noFill/>
+            </p:spPr>
+            <p:txBody>
+              <a:bodyPr wrap="none" lIns="0" tIns="0" rIns="0" bIns="0" rtlCol="0">
+                <a:spAutoFit/>
+              </a:bodyPr>
+              <a:lstStyle/>
+              <a:p>
+                <a:pPr/>
+                <a14:m>
+                  <m:oMathPara xmlns:m="http://schemas.openxmlformats.org/officeDocument/2006/math">
+                    <m:oMathParaPr>
+                      <m:jc m:val="centerGroup"/>
+                    </m:oMathParaPr>
+                    <m:oMath xmlns:m="http://schemas.openxmlformats.org/officeDocument/2006/math">
+                      <m:r>
+                        <a:rPr lang="en-US" sz="2400" i="1" smtClean="0">
+                          <a:latin typeface="Cambria Math" panose="02040503050406030204" pitchFamily="18" charset="0"/>
+                          <a:ea typeface="Cambria Math" panose="02040503050406030204" pitchFamily="18" charset="0"/>
+                        </a:rPr>
+                        <m:t>𝛼</m:t>
+                      </m:r>
+                    </m:oMath>
+                  </m:oMathPara>
+                </a14:m>
+                <a:endParaRPr lang="en-US" sz="2400" dirty="0"/>
+              </a:p>
+            </p:txBody>
+          </p:sp>
+        </mc:Choice>
+        <mc:Fallback xmlns="">
+          <p:sp>
+            <p:nvSpPr>
+              <p:cNvPr id="46" name="TextBox 45">
+                <a:extLst>
+                  <a:ext uri="{FF2B5EF4-FFF2-40B4-BE49-F238E27FC236}">
+                    <a16:creationId xmlns:a16="http://schemas.microsoft.com/office/drawing/2014/main" id="{BB92D81D-88A7-8464-1847-FC182D5A6BBF}"/>
+                  </a:ext>
+                </a:extLst>
+              </p:cNvPr>
+              <p:cNvSpPr txBox="1">
+                <a:spLocks noRot="1" noChangeAspect="1" noMove="1" noResize="1" noEditPoints="1" noAdjustHandles="1" noChangeArrowheads="1" noChangeShapeType="1" noTextEdit="1"/>
+              </p:cNvSpPr>
+              <p:nvPr/>
+            </p:nvSpPr>
+            <p:spPr>
+              <a:xfrm>
+                <a:off x="7852979" y="3871976"/>
+                <a:ext cx="256160" cy="369332"/>
+              </a:xfrm>
+              <a:prstGeom prst="rect">
+                <a:avLst/>
+              </a:prstGeom>
+              <a:blipFill>
+                <a:blip r:embed="rId7"/>
+                <a:stretch>
+                  <a:fillRect l="-16667" r="-14286"/>
+                </a:stretch>
+              </a:blipFill>
+            </p:spPr>
+            <p:txBody>
+              <a:bodyPr/>
+              <a:lstStyle/>
+              <a:p>
+                <a:r>
+                  <a:rPr lang="en-US">
+                    <a:noFill/>
+                  </a:rPr>
+                  <a:t> </a:t>
+                </a:r>
+              </a:p>
+            </p:txBody>
+          </p:sp>
+        </mc:Fallback>
+      </mc:AlternateContent>
+      <mc:AlternateContent xmlns:mc="http://schemas.openxmlformats.org/markup-compatibility/2006" xmlns:a14="http://schemas.microsoft.com/office/drawing/2010/main">
+        <mc:Choice Requires="a14">
+          <p:sp>
+            <p:nvSpPr>
+              <p:cNvPr id="47" name="TextBox 46">
+                <a:extLst>
+                  <a:ext uri="{FF2B5EF4-FFF2-40B4-BE49-F238E27FC236}">
+                    <a16:creationId xmlns:a16="http://schemas.microsoft.com/office/drawing/2014/main" id="{DCF3E7A1-0C05-06BF-2704-768A01153E04}"/>
+                  </a:ext>
+                </a:extLst>
+              </p:cNvPr>
+              <p:cNvSpPr txBox="1"/>
+              <p:nvPr/>
+            </p:nvSpPr>
+            <p:spPr>
+              <a:xfrm>
+                <a:off x="8406319" y="3537244"/>
+                <a:ext cx="180369" cy="276999"/>
+              </a:xfrm>
+              <a:prstGeom prst="rect">
+                <a:avLst/>
+              </a:prstGeom>
+              <a:noFill/>
+            </p:spPr>
+            <p:txBody>
+              <a:bodyPr wrap="none" lIns="0" tIns="0" rIns="0" bIns="0" rtlCol="0">
+                <a:spAutoFit/>
+              </a:bodyPr>
+              <a:lstStyle/>
+              <a:p>
+                <a:pPr/>
+                <a14:m>
+                  <m:oMathPara xmlns:m="http://schemas.openxmlformats.org/officeDocument/2006/math">
+                    <m:oMathParaPr>
+                      <m:jc m:val="centerGroup"/>
+                    </m:oMathParaPr>
+                    <m:oMath xmlns:m="http://schemas.openxmlformats.org/officeDocument/2006/math">
+                      <m:acc>
+                        <m:accPr>
+                          <m:chr m:val="⃗"/>
+                          <m:ctrlPr>
+                            <a:rPr lang="en-US" i="1" smtClean="0">
+                              <a:latin typeface="Cambria Math" panose="02040503050406030204" pitchFamily="18" charset="0"/>
+                              <a:ea typeface="Cambria Math" panose="02040503050406030204" pitchFamily="18" charset="0"/>
+                            </a:rPr>
+                          </m:ctrlPr>
+                        </m:accPr>
+                        <m:e>
+                          <m:r>
+                            <a:rPr lang="en-US" i="1" smtClean="0">
+                              <a:latin typeface="Cambria Math" panose="02040503050406030204" pitchFamily="18" charset="0"/>
+                              <a:ea typeface="Cambria Math" panose="02040503050406030204" pitchFamily="18" charset="0"/>
+                            </a:rPr>
+                            <m:t>𝑎</m:t>
+                          </m:r>
+                        </m:e>
+                      </m:acc>
+                    </m:oMath>
+                  </m:oMathPara>
+                </a14:m>
+                <a:endParaRPr lang="en-US" dirty="0"/>
+              </a:p>
+            </p:txBody>
+          </p:sp>
+        </mc:Choice>
+        <mc:Fallback xmlns="">
+          <p:sp>
+            <p:nvSpPr>
+              <p:cNvPr id="47" name="TextBox 46">
+                <a:extLst>
+                  <a:ext uri="{FF2B5EF4-FFF2-40B4-BE49-F238E27FC236}">
+                    <a16:creationId xmlns:a16="http://schemas.microsoft.com/office/drawing/2014/main" id="{DCF3E7A1-0C05-06BF-2704-768A01153E04}"/>
+                  </a:ext>
+                </a:extLst>
+              </p:cNvPr>
+              <p:cNvSpPr txBox="1">
+                <a:spLocks noRot="1" noChangeAspect="1" noMove="1" noResize="1" noEditPoints="1" noAdjustHandles="1" noChangeArrowheads="1" noChangeShapeType="1" noTextEdit="1"/>
+              </p:cNvSpPr>
+              <p:nvPr/>
+            </p:nvSpPr>
+            <p:spPr>
+              <a:xfrm>
+                <a:off x="8406319" y="3537244"/>
+                <a:ext cx="180369" cy="276999"/>
+              </a:xfrm>
+              <a:prstGeom prst="rect">
+                <a:avLst/>
+              </a:prstGeom>
+              <a:blipFill>
+                <a:blip r:embed="rId8"/>
+                <a:stretch>
+                  <a:fillRect l="-36667" t="-45652" r="-96667" b="-8696"/>
+                </a:stretch>
+              </a:blipFill>
+            </p:spPr>
+            <p:txBody>
+              <a:bodyPr/>
+              <a:lstStyle/>
+              <a:p>
+                <a:r>
+                  <a:rPr lang="en-US">
+                    <a:noFill/>
+                  </a:rPr>
+                  <a:t> </a:t>
+                </a:r>
+              </a:p>
+            </p:txBody>
+          </p:sp>
+        </mc:Fallback>
+      </mc:AlternateContent>
+    </p:spTree>
+    <p:extLst>
+      <p:ext uri="{BB962C8B-B14F-4D97-AF65-F5344CB8AC3E}">
+        <p14:creationId xmlns:p14="http://schemas.microsoft.com/office/powerpoint/2010/main" val="943513454"/>
+      </p:ext>
+    </p:extLst>
+  </p:cSld>
+  <p:clrMapOvr>
+    <a:masterClrMapping/>
+  </p:clrMapOvr>
+</p:sld>
+</file>
+
+<file path=ppt/slides/slide11.xml><?xml version="1.0" encoding="utf-8"?>
 <p:sld xmlns:a="http://schemas.openxmlformats.org/drawingml/2006/main" xmlns:r="http://schemas.openxmlformats.org/officeDocument/2006/relationships" xmlns:p="http://schemas.openxmlformats.org/presentationml/2006/main">
   <p:cSld>
     <p:spTree>
@@ -5633,7 +6975,7 @@
 </p:sld>
 </file>
 
-<file path=ppt/slides/slide11.xml><?xml version="1.0" encoding="utf-8"?>
+<file path=ppt/slides/slide12.xml><?xml version="1.0" encoding="utf-8"?>
 <p:sld xmlns:a="http://schemas.openxmlformats.org/drawingml/2006/main" xmlns:r="http://schemas.openxmlformats.org/officeDocument/2006/relationships" xmlns:p="http://schemas.openxmlformats.org/presentationml/2006/main">
   <p:cSld>
     <p:spTree>
@@ -6079,8 +7421,8 @@
           </a:fontRef>
         </p:style>
       </p:cxnSp>
-      <mc:AlternateContent xmlns:mc="http://schemas.openxmlformats.org/markup-compatibility/2006">
-        <mc:Choice xmlns:a14="http://schemas.microsoft.com/office/drawing/2010/main" Requires="a14">
+      <mc:AlternateContent xmlns:mc="http://schemas.openxmlformats.org/markup-compatibility/2006" xmlns:a14="http://schemas.microsoft.com/office/drawing/2010/main">
+        <mc:Choice Requires="a14">
           <p:sp>
             <p:nvSpPr>
               <p:cNvPr id="21" name="TextBox 20">
@@ -6142,7 +7484,7 @@
             </p:txBody>
           </p:sp>
         </mc:Choice>
-        <mc:Fallback>
+        <mc:Fallback xmlns="">
           <p:sp>
             <p:nvSpPr>
               <p:cNvPr id="21" name="TextBox 20">
@@ -6280,8 +7622,8 @@
           </a:p>
         </p:txBody>
       </p:sp>
-      <mc:AlternateContent xmlns:mc="http://schemas.openxmlformats.org/markup-compatibility/2006">
-        <mc:Choice xmlns:a14="http://schemas.microsoft.com/office/drawing/2010/main" Requires="a14">
+      <mc:AlternateContent xmlns:mc="http://schemas.openxmlformats.org/markup-compatibility/2006" xmlns:a14="http://schemas.microsoft.com/office/drawing/2010/main">
+        <mc:Choice Requires="a14">
           <p:sp>
             <p:nvSpPr>
               <p:cNvPr id="33" name="TextBox 32">
@@ -6332,7 +7674,7 @@
             </p:txBody>
           </p:sp>
         </mc:Choice>
-        <mc:Fallback>
+        <mc:Fallback xmlns="">
           <p:sp>
             <p:nvSpPr>
               <p:cNvPr id="33" name="TextBox 32">
@@ -6421,8 +7763,8 @@
           </a:fontRef>
         </p:style>
       </p:cxnSp>
-      <mc:AlternateContent xmlns:mc="http://schemas.openxmlformats.org/markup-compatibility/2006">
-        <mc:Choice xmlns:a14="http://schemas.microsoft.com/office/drawing/2010/main" Requires="a14">
+      <mc:AlternateContent xmlns:mc="http://schemas.openxmlformats.org/markup-compatibility/2006" xmlns:a14="http://schemas.microsoft.com/office/drawing/2010/main">
+        <mc:Choice Requires="a14">
           <p:sp>
             <p:nvSpPr>
               <p:cNvPr id="37" name="TextBox 36">
@@ -6484,7 +7826,7 @@
             </p:txBody>
           </p:sp>
         </mc:Choice>
-        <mc:Fallback>
+        <mc:Fallback xmlns="">
           <p:sp>
             <p:nvSpPr>
               <p:cNvPr id="37" name="TextBox 36">
@@ -6620,8 +7962,8 @@
           </a:fontRef>
         </p:style>
       </p:cxnSp>
-      <mc:AlternateContent xmlns:mc="http://schemas.openxmlformats.org/markup-compatibility/2006">
-        <mc:Choice xmlns:a14="http://schemas.microsoft.com/office/drawing/2010/main" Requires="a14">
+      <mc:AlternateContent xmlns:mc="http://schemas.openxmlformats.org/markup-compatibility/2006" xmlns:a14="http://schemas.microsoft.com/office/drawing/2010/main">
+        <mc:Choice Requires="a14">
           <p:sp>
             <p:nvSpPr>
               <p:cNvPr id="41" name="TextBox 40">
@@ -6689,7 +8031,7 @@
             </p:txBody>
           </p:sp>
         </mc:Choice>
-        <mc:Fallback>
+        <mc:Fallback xmlns="">
           <p:sp>
             <p:nvSpPr>
               <p:cNvPr id="41" name="TextBox 40">
@@ -6827,8 +8169,8 @@
           </a:p>
         </p:txBody>
       </p:sp>
-      <mc:AlternateContent xmlns:mc="http://schemas.openxmlformats.org/markup-compatibility/2006">
-        <mc:Choice xmlns:a14="http://schemas.microsoft.com/office/drawing/2010/main" Requires="a14">
+      <mc:AlternateContent xmlns:mc="http://schemas.openxmlformats.org/markup-compatibility/2006" xmlns:a14="http://schemas.microsoft.com/office/drawing/2010/main">
+        <mc:Choice Requires="a14">
           <p:sp>
             <p:nvSpPr>
               <p:cNvPr id="48" name="TextBox 47">
@@ -6879,7 +8221,7 @@
             </p:txBody>
           </p:sp>
         </mc:Choice>
-        <mc:Fallback>
+        <mc:Fallback xmlns="">
           <p:sp>
             <p:nvSpPr>
               <p:cNvPr id="48" name="TextBox 47">
@@ -6968,8 +8310,8 @@
           </a:fontRef>
         </p:style>
       </p:cxnSp>
-      <mc:AlternateContent xmlns:mc="http://schemas.openxmlformats.org/markup-compatibility/2006">
-        <mc:Choice xmlns:a14="http://schemas.microsoft.com/office/drawing/2010/main" Requires="a14">
+      <mc:AlternateContent xmlns:mc="http://schemas.openxmlformats.org/markup-compatibility/2006" xmlns:a14="http://schemas.microsoft.com/office/drawing/2010/main">
+        <mc:Choice Requires="a14">
           <p:sp>
             <p:nvSpPr>
               <p:cNvPr id="50" name="TextBox 49">
@@ -7031,7 +8373,7 @@
             </p:txBody>
           </p:sp>
         </mc:Choice>
-        <mc:Fallback>
+        <mc:Fallback xmlns="">
           <p:sp>
             <p:nvSpPr>
               <p:cNvPr id="50" name="TextBox 49">
@@ -7089,7 +8431,7 @@
 </p:sld>
 </file>
 
-<file path=ppt/slides/slide12.xml><?xml version="1.0" encoding="utf-8"?>
+<file path=ppt/slides/slide13.xml><?xml version="1.0" encoding="utf-8"?>
 <p:sld xmlns:a="http://schemas.openxmlformats.org/drawingml/2006/main" xmlns:r="http://schemas.openxmlformats.org/officeDocument/2006/relationships" xmlns:p="http://schemas.openxmlformats.org/presentationml/2006/main">
   <p:cSld>
     <p:spTree>
@@ -7519,8 +8861,8 @@
           </a:fontRef>
         </p:style>
       </p:cxnSp>
-      <mc:AlternateContent xmlns:mc="http://schemas.openxmlformats.org/markup-compatibility/2006">
-        <mc:Choice xmlns:a14="http://schemas.microsoft.com/office/drawing/2010/main" Requires="a14">
+      <mc:AlternateContent xmlns:mc="http://schemas.openxmlformats.org/markup-compatibility/2006" xmlns:a14="http://schemas.microsoft.com/office/drawing/2010/main">
+        <mc:Choice Requires="a14">
           <p:sp>
             <p:nvSpPr>
               <p:cNvPr id="41" name="TextBox 40">
@@ -7582,7 +8924,7 @@
             </p:txBody>
           </p:sp>
         </mc:Choice>
-        <mc:Fallback>
+        <mc:Fallback xmlns="">
           <p:sp>
             <p:nvSpPr>
               <p:cNvPr id="41" name="TextBox 40">
@@ -7627,8 +8969,8 @@
           </p:sp>
         </mc:Fallback>
       </mc:AlternateContent>
-      <mc:AlternateContent xmlns:mc="http://schemas.openxmlformats.org/markup-compatibility/2006">
-        <mc:Choice xmlns:a14="http://schemas.microsoft.com/office/drawing/2010/main" Requires="a14">
+      <mc:AlternateContent xmlns:mc="http://schemas.openxmlformats.org/markup-compatibility/2006" xmlns:a14="http://schemas.microsoft.com/office/drawing/2010/main">
+        <mc:Choice Requires="a14">
           <p:sp>
             <p:nvSpPr>
               <p:cNvPr id="42" name="TextBox 41">
@@ -7696,7 +9038,7 @@
             </p:txBody>
           </p:sp>
         </mc:Choice>
-        <mc:Fallback>
+        <mc:Fallback xmlns="">
           <p:sp>
             <p:nvSpPr>
               <p:cNvPr id="42" name="TextBox 41">
@@ -7785,8 +9127,8 @@
           </a:fontRef>
         </p:style>
       </p:cxnSp>
-      <mc:AlternateContent xmlns:mc="http://schemas.openxmlformats.org/markup-compatibility/2006">
-        <mc:Choice xmlns:a14="http://schemas.microsoft.com/office/drawing/2010/main" Requires="a14">
+      <mc:AlternateContent xmlns:mc="http://schemas.openxmlformats.org/markup-compatibility/2006" xmlns:a14="http://schemas.microsoft.com/office/drawing/2010/main">
+        <mc:Choice Requires="a14">
           <p:sp>
             <p:nvSpPr>
               <p:cNvPr id="44" name="TextBox 43">
@@ -7871,7 +9213,7 @@
             </p:txBody>
           </p:sp>
         </mc:Choice>
-        <mc:Fallback>
+        <mc:Fallback xmlns="">
           <p:sp>
             <p:nvSpPr>
               <p:cNvPr id="44" name="TextBox 43">
@@ -8054,8 +9396,8 @@
           </a:fontRef>
         </p:style>
       </p:cxnSp>
-      <mc:AlternateContent xmlns:mc="http://schemas.openxmlformats.org/markup-compatibility/2006">
-        <mc:Choice xmlns:a14="http://schemas.microsoft.com/office/drawing/2010/main" Requires="a14">
+      <mc:AlternateContent xmlns:mc="http://schemas.openxmlformats.org/markup-compatibility/2006" xmlns:a14="http://schemas.microsoft.com/office/drawing/2010/main">
+        <mc:Choice Requires="a14">
           <p:sp>
             <p:nvSpPr>
               <p:cNvPr id="54" name="TextBox 53">
@@ -8140,7 +9482,7 @@
             </p:txBody>
           </p:sp>
         </mc:Choice>
-        <mc:Fallback>
+        <mc:Fallback xmlns="">
           <p:sp>
             <p:nvSpPr>
               <p:cNvPr id="54" name="TextBox 53">
@@ -8229,8 +9571,8 @@
           </a:fontRef>
         </p:style>
       </p:cxnSp>
-      <mc:AlternateContent xmlns:mc="http://schemas.openxmlformats.org/markup-compatibility/2006">
-        <mc:Choice xmlns:a14="http://schemas.microsoft.com/office/drawing/2010/main" Requires="a14">
+      <mc:AlternateContent xmlns:mc="http://schemas.openxmlformats.org/markup-compatibility/2006" xmlns:a14="http://schemas.microsoft.com/office/drawing/2010/main">
+        <mc:Choice Requires="a14">
           <p:sp>
             <p:nvSpPr>
               <p:cNvPr id="62" name="TextBox 61">
@@ -8315,7 +9657,7 @@
             </p:txBody>
           </p:sp>
         </mc:Choice>
-        <mc:Fallback>
+        <mc:Fallback xmlns="">
           <p:sp>
             <p:nvSpPr>
               <p:cNvPr id="62" name="TextBox 61">
@@ -8450,8 +9792,8 @@
           </a:fontRef>
         </p:style>
       </p:cxnSp>
-      <mc:AlternateContent xmlns:mc="http://schemas.openxmlformats.org/markup-compatibility/2006">
-        <mc:Choice xmlns:a14="http://schemas.microsoft.com/office/drawing/2010/main" Requires="a14">
+      <mc:AlternateContent xmlns:mc="http://schemas.openxmlformats.org/markup-compatibility/2006" xmlns:a14="http://schemas.microsoft.com/office/drawing/2010/main">
+        <mc:Choice Requires="a14">
           <p:sp>
             <p:nvSpPr>
               <p:cNvPr id="76" name="TextBox 75">
@@ -8515,7 +9857,7 @@
             </p:txBody>
           </p:sp>
         </mc:Choice>
-        <mc:Fallback>
+        <mc:Fallback xmlns="">
           <p:sp>
             <p:nvSpPr>
               <p:cNvPr id="76" name="TextBox 75">
@@ -8560,8 +9902,8 @@
           </p:sp>
         </mc:Fallback>
       </mc:AlternateContent>
-      <mc:AlternateContent xmlns:mc="http://schemas.openxmlformats.org/markup-compatibility/2006">
-        <mc:Choice xmlns:a14="http://schemas.microsoft.com/office/drawing/2010/main" Requires="a14">
+      <mc:AlternateContent xmlns:mc="http://schemas.openxmlformats.org/markup-compatibility/2006" xmlns:a14="http://schemas.microsoft.com/office/drawing/2010/main">
+        <mc:Choice Requires="a14">
           <p:sp>
             <p:nvSpPr>
               <p:cNvPr id="77" name="TextBox 76">
@@ -8612,7 +9954,7 @@
             </p:txBody>
           </p:sp>
         </mc:Choice>
-        <mc:Fallback>
+        <mc:Fallback xmlns="">
           <p:sp>
             <p:nvSpPr>
               <p:cNvPr id="77" name="TextBox 76">
@@ -8670,7 +10012,7 @@
 </p:sld>
 </file>
 
-<file path=ppt/slides/slide13.xml><?xml version="1.0" encoding="utf-8"?>
+<file path=ppt/slides/slide14.xml><?xml version="1.0" encoding="utf-8"?>
 <p:sld xmlns:a="http://schemas.openxmlformats.org/drawingml/2006/main" xmlns:r="http://schemas.openxmlformats.org/officeDocument/2006/relationships" xmlns:p="http://schemas.openxmlformats.org/presentationml/2006/main">
   <p:cSld>
     <p:spTree>
@@ -9366,8 +10708,8 @@
           </a:fontRef>
         </p:style>
       </p:cxnSp>
-      <mc:AlternateContent xmlns:mc="http://schemas.openxmlformats.org/markup-compatibility/2006">
-        <mc:Choice xmlns:a14="http://schemas.microsoft.com/office/drawing/2010/main" Requires="a14">
+      <mc:AlternateContent xmlns:mc="http://schemas.openxmlformats.org/markup-compatibility/2006" xmlns:a14="http://schemas.microsoft.com/office/drawing/2010/main">
+        <mc:Choice Requires="a14">
           <p:sp>
             <p:nvSpPr>
               <p:cNvPr id="46" name="TextBox 45">
@@ -9417,7 +10759,7 @@
             </p:txBody>
           </p:sp>
         </mc:Choice>
-        <mc:Fallback>
+        <mc:Fallback xmlns="">
           <p:sp>
             <p:nvSpPr>
               <p:cNvPr id="46" name="TextBox 45">
@@ -9722,8 +11064,8 @@
           </a:p>
         </p:txBody>
       </p:sp>
-      <mc:AlternateContent xmlns:mc="http://schemas.openxmlformats.org/markup-compatibility/2006">
-        <mc:Choice xmlns:a14="http://schemas.microsoft.com/office/drawing/2010/main" Requires="a14">
+      <mc:AlternateContent xmlns:mc="http://schemas.openxmlformats.org/markup-compatibility/2006" xmlns:a14="http://schemas.microsoft.com/office/drawing/2010/main">
+        <mc:Choice Requires="a14">
           <p:sp>
             <p:nvSpPr>
               <p:cNvPr id="52" name="TextBox 51">
@@ -9773,7 +11115,7 @@
             </p:txBody>
           </p:sp>
         </mc:Choice>
-        <mc:Fallback>
+        <mc:Fallback xmlns="">
           <p:sp>
             <p:nvSpPr>
               <p:cNvPr id="52" name="TextBox 51">
@@ -9818,8 +11160,8 @@
           </p:sp>
         </mc:Fallback>
       </mc:AlternateContent>
-      <mc:AlternateContent xmlns:mc="http://schemas.openxmlformats.org/markup-compatibility/2006">
-        <mc:Choice xmlns:a14="http://schemas.microsoft.com/office/drawing/2010/main" Requires="a14">
+      <mc:AlternateContent xmlns:mc="http://schemas.openxmlformats.org/markup-compatibility/2006" xmlns:a14="http://schemas.microsoft.com/office/drawing/2010/main">
+        <mc:Choice Requires="a14">
           <p:sp>
             <p:nvSpPr>
               <p:cNvPr id="53" name="TextBox 52">
@@ -9869,7 +11211,7 @@
             </p:txBody>
           </p:sp>
         </mc:Choice>
-        <mc:Fallback>
+        <mc:Fallback xmlns="">
           <p:sp>
             <p:nvSpPr>
               <p:cNvPr id="53" name="TextBox 52">
@@ -9914,8 +11256,8 @@
           </p:sp>
         </mc:Fallback>
       </mc:AlternateContent>
-      <mc:AlternateContent xmlns:mc="http://schemas.openxmlformats.org/markup-compatibility/2006">
-        <mc:Choice xmlns:a14="http://schemas.microsoft.com/office/drawing/2010/main" Requires="a14">
+      <mc:AlternateContent xmlns:mc="http://schemas.openxmlformats.org/markup-compatibility/2006" xmlns:a14="http://schemas.microsoft.com/office/drawing/2010/main">
+        <mc:Choice Requires="a14">
           <p:sp>
             <p:nvSpPr>
               <p:cNvPr id="54" name="TextBox 53">
@@ -9965,7 +11307,7 @@
             </p:txBody>
           </p:sp>
         </mc:Choice>
-        <mc:Fallback>
+        <mc:Fallback xmlns="">
           <p:sp>
             <p:nvSpPr>
               <p:cNvPr id="54" name="TextBox 53">
@@ -10010,8 +11352,8 @@
           </p:sp>
         </mc:Fallback>
       </mc:AlternateContent>
-      <mc:AlternateContent xmlns:mc="http://schemas.openxmlformats.org/markup-compatibility/2006">
-        <mc:Choice xmlns:a14="http://schemas.microsoft.com/office/drawing/2010/main" Requires="a14">
+      <mc:AlternateContent xmlns:mc="http://schemas.openxmlformats.org/markup-compatibility/2006" xmlns:a14="http://schemas.microsoft.com/office/drawing/2010/main">
+        <mc:Choice Requires="a14">
           <p:sp>
             <p:nvSpPr>
               <p:cNvPr id="56" name="TextBox 55">
@@ -10061,7 +11403,7 @@
             </p:txBody>
           </p:sp>
         </mc:Choice>
-        <mc:Fallback>
+        <mc:Fallback xmlns="">
           <p:sp>
             <p:nvSpPr>
               <p:cNvPr id="56" name="TextBox 55">
@@ -10106,8 +11448,8 @@
           </p:sp>
         </mc:Fallback>
       </mc:AlternateContent>
-      <mc:AlternateContent xmlns:mc="http://schemas.openxmlformats.org/markup-compatibility/2006">
-        <mc:Choice xmlns:a14="http://schemas.microsoft.com/office/drawing/2010/main" Requires="a14">
+      <mc:AlternateContent xmlns:mc="http://schemas.openxmlformats.org/markup-compatibility/2006" xmlns:a14="http://schemas.microsoft.com/office/drawing/2010/main">
+        <mc:Choice Requires="a14">
           <p:sp>
             <p:nvSpPr>
               <p:cNvPr id="57" name="TextBox 56">
@@ -10163,7 +11505,7 @@
             </p:txBody>
           </p:sp>
         </mc:Choice>
-        <mc:Fallback>
+        <mc:Fallback xmlns="">
           <p:sp>
             <p:nvSpPr>
               <p:cNvPr id="57" name="TextBox 56">
@@ -10305,8 +11647,8 @@
           </a:fontRef>
         </p:style>
       </p:cxnSp>
-      <mc:AlternateContent xmlns:mc="http://schemas.openxmlformats.org/markup-compatibility/2006">
-        <mc:Choice xmlns:a14="http://schemas.microsoft.com/office/drawing/2010/main" Requires="a14">
+      <mc:AlternateContent xmlns:mc="http://schemas.openxmlformats.org/markup-compatibility/2006" xmlns:a14="http://schemas.microsoft.com/office/drawing/2010/main">
+        <mc:Choice Requires="a14">
           <p:sp>
             <p:nvSpPr>
               <p:cNvPr id="61" name="TextBox 60">
@@ -10356,7 +11698,7 @@
             </p:txBody>
           </p:sp>
         </mc:Choice>
-        <mc:Fallback>
+        <mc:Fallback xmlns="">
           <p:sp>
             <p:nvSpPr>
               <p:cNvPr id="61" name="TextBox 60">
@@ -10448,8 +11790,8 @@
           </a:fontRef>
         </p:style>
       </p:cxnSp>
-      <mc:AlternateContent xmlns:mc="http://schemas.openxmlformats.org/markup-compatibility/2006">
-        <mc:Choice xmlns:a14="http://schemas.microsoft.com/office/drawing/2010/main" Requires="a14">
+      <mc:AlternateContent xmlns:mc="http://schemas.openxmlformats.org/markup-compatibility/2006" xmlns:a14="http://schemas.microsoft.com/office/drawing/2010/main">
+        <mc:Choice Requires="a14">
           <p:sp>
             <p:nvSpPr>
               <p:cNvPr id="65" name="TextBox 64">
@@ -10518,7 +11860,7 @@
             </p:txBody>
           </p:sp>
         </mc:Choice>
-        <mc:Fallback>
+        <mc:Fallback xmlns="">
           <p:sp>
             <p:nvSpPr>
               <p:cNvPr id="65" name="TextBox 64">
@@ -10563,8 +11905,8 @@
           </p:sp>
         </mc:Fallback>
       </mc:AlternateContent>
-      <mc:AlternateContent xmlns:mc="http://schemas.openxmlformats.org/markup-compatibility/2006">
-        <mc:Choice xmlns:a14="http://schemas.microsoft.com/office/drawing/2010/main" Requires="a14">
+      <mc:AlternateContent xmlns:mc="http://schemas.openxmlformats.org/markup-compatibility/2006" xmlns:a14="http://schemas.microsoft.com/office/drawing/2010/main">
+        <mc:Choice Requires="a14">
           <p:sp>
             <p:nvSpPr>
               <p:cNvPr id="66" name="TextBox 65">
@@ -10633,7 +11975,7 @@
             </p:txBody>
           </p:sp>
         </mc:Choice>
-        <mc:Fallback>
+        <mc:Fallback xmlns="">
           <p:sp>
             <p:nvSpPr>
               <p:cNvPr id="66" name="TextBox 65">
@@ -10678,8 +12020,8 @@
           </p:sp>
         </mc:Fallback>
       </mc:AlternateContent>
-      <mc:AlternateContent xmlns:mc="http://schemas.openxmlformats.org/markup-compatibility/2006">
-        <mc:Choice xmlns:a14="http://schemas.microsoft.com/office/drawing/2010/main" Requires="a14">
+      <mc:AlternateContent xmlns:mc="http://schemas.openxmlformats.org/markup-compatibility/2006" xmlns:a14="http://schemas.microsoft.com/office/drawing/2010/main">
+        <mc:Choice Requires="a14">
           <p:sp>
             <p:nvSpPr>
               <p:cNvPr id="67" name="TextBox 66">
@@ -10748,7 +12090,7 @@
             </p:txBody>
           </p:sp>
         </mc:Choice>
-        <mc:Fallback>
+        <mc:Fallback xmlns="">
           <p:sp>
             <p:nvSpPr>
               <p:cNvPr id="67" name="TextBox 66">
@@ -10981,8 +12323,8 @@
           </a:fontRef>
         </p:style>
       </p:cxnSp>
-      <mc:AlternateContent xmlns:mc="http://schemas.openxmlformats.org/markup-compatibility/2006">
-        <mc:Choice xmlns:a14="http://schemas.microsoft.com/office/drawing/2010/main" Requires="a14">
+      <mc:AlternateContent xmlns:mc="http://schemas.openxmlformats.org/markup-compatibility/2006" xmlns:a14="http://schemas.microsoft.com/office/drawing/2010/main">
+        <mc:Choice Requires="a14">
           <p:sp>
             <p:nvSpPr>
               <p:cNvPr id="72" name="TextBox 71">
@@ -11063,7 +12405,7 @@
             </p:txBody>
           </p:sp>
         </mc:Choice>
-        <mc:Fallback>
+        <mc:Fallback xmlns="">
           <p:sp>
             <p:nvSpPr>
               <p:cNvPr id="72" name="TextBox 71">
@@ -11157,8 +12499,8 @@
           </a:p>
         </p:txBody>
       </p:sp>
-      <mc:AlternateContent xmlns:mc="http://schemas.openxmlformats.org/markup-compatibility/2006">
-        <mc:Choice xmlns:a14="http://schemas.microsoft.com/office/drawing/2010/main" Requires="a14">
+      <mc:AlternateContent xmlns:mc="http://schemas.openxmlformats.org/markup-compatibility/2006" xmlns:a14="http://schemas.microsoft.com/office/drawing/2010/main">
+        <mc:Choice Requires="a14">
           <p:sp>
             <p:nvSpPr>
               <p:cNvPr id="74" name="TextBox 73">
@@ -11209,7 +12551,7 @@
             </p:txBody>
           </p:sp>
         </mc:Choice>
-        <mc:Fallback>
+        <mc:Fallback xmlns="">
           <p:sp>
             <p:nvSpPr>
               <p:cNvPr id="74" name="TextBox 73">
@@ -11298,8 +12640,8 @@
           </a:fontRef>
         </p:style>
       </p:cxnSp>
-      <mc:AlternateContent xmlns:mc="http://schemas.openxmlformats.org/markup-compatibility/2006">
-        <mc:Choice xmlns:a14="http://schemas.microsoft.com/office/drawing/2010/main" Requires="a14">
+      <mc:AlternateContent xmlns:mc="http://schemas.openxmlformats.org/markup-compatibility/2006" xmlns:a14="http://schemas.microsoft.com/office/drawing/2010/main">
+        <mc:Choice Requires="a14">
           <p:sp>
             <p:nvSpPr>
               <p:cNvPr id="77" name="TextBox 76">
@@ -11361,7 +12703,7 @@
             </p:txBody>
           </p:sp>
         </mc:Choice>
-        <mc:Fallback>
+        <mc:Fallback xmlns="">
           <p:sp>
             <p:nvSpPr>
               <p:cNvPr id="77" name="TextBox 76">
@@ -11450,8 +12792,8 @@
           </a:fontRef>
         </p:style>
       </p:cxnSp>
-      <mc:AlternateContent xmlns:mc="http://schemas.openxmlformats.org/markup-compatibility/2006">
-        <mc:Choice xmlns:a14="http://schemas.microsoft.com/office/drawing/2010/main" Requires="a14">
+      <mc:AlternateContent xmlns:mc="http://schemas.openxmlformats.org/markup-compatibility/2006" xmlns:a14="http://schemas.microsoft.com/office/drawing/2010/main">
+        <mc:Choice Requires="a14">
           <p:sp>
             <p:nvSpPr>
               <p:cNvPr id="85" name="TextBox 84">
@@ -11501,7 +12843,7 @@
             </p:txBody>
           </p:sp>
         </mc:Choice>
-        <mc:Fallback>
+        <mc:Fallback xmlns="">
           <p:sp>
             <p:nvSpPr>
               <p:cNvPr id="85" name="TextBox 84">
@@ -11546,8 +12888,8 @@
           </p:sp>
         </mc:Fallback>
       </mc:AlternateContent>
-      <mc:AlternateContent xmlns:mc="http://schemas.openxmlformats.org/markup-compatibility/2006">
-        <mc:Choice xmlns:a14="http://schemas.microsoft.com/office/drawing/2010/main" Requires="a14">
+      <mc:AlternateContent xmlns:mc="http://schemas.openxmlformats.org/markup-compatibility/2006" xmlns:a14="http://schemas.microsoft.com/office/drawing/2010/main">
+        <mc:Choice Requires="a14">
           <p:sp>
             <p:nvSpPr>
               <p:cNvPr id="87" name="TextBox 86">
@@ -11597,7 +12939,7 @@
             </p:txBody>
           </p:sp>
         </mc:Choice>
-        <mc:Fallback>
+        <mc:Fallback xmlns="">
           <p:sp>
             <p:nvSpPr>
               <p:cNvPr id="87" name="TextBox 86">
@@ -12309,8 +13651,8 @@
           </a:p>
         </p:txBody>
       </p:sp>
-      <mc:AlternateContent xmlns:mc="http://schemas.openxmlformats.org/markup-compatibility/2006">
-        <mc:Choice xmlns:a14="http://schemas.microsoft.com/office/drawing/2010/main" Requires="a14">
+      <mc:AlternateContent xmlns:mc="http://schemas.openxmlformats.org/markup-compatibility/2006" xmlns:a14="http://schemas.microsoft.com/office/drawing/2010/main">
+        <mc:Choice Requires="a14">
           <p:sp>
             <p:nvSpPr>
               <p:cNvPr id="103" name="TextBox 102">
@@ -12391,7 +13733,7 @@
             </p:txBody>
           </p:sp>
         </mc:Choice>
-        <mc:Fallback>
+        <mc:Fallback xmlns="">
           <p:sp>
             <p:nvSpPr>
               <p:cNvPr id="103" name="TextBox 102">
@@ -12440,6 +13782,3860 @@
     <p:extLst>
       <p:ext uri="{BB962C8B-B14F-4D97-AF65-F5344CB8AC3E}">
         <p14:creationId xmlns:p14="http://schemas.microsoft.com/office/powerpoint/2010/main" val="3374053772"/>
+      </p:ext>
+    </p:extLst>
+  </p:cSld>
+  <p:clrMapOvr>
+    <a:masterClrMapping/>
+  </p:clrMapOvr>
+</p:sld>
+</file>
+
+<file path=ppt/slides/slide15.xml><?xml version="1.0" encoding="utf-8"?>
+<p:sld xmlns:a="http://schemas.openxmlformats.org/drawingml/2006/main" xmlns:r="http://schemas.openxmlformats.org/officeDocument/2006/relationships" xmlns:p="http://schemas.openxmlformats.org/presentationml/2006/main">
+  <p:cSld>
+    <p:spTree>
+      <p:nvGrpSpPr>
+        <p:cNvPr id="1" name=""/>
+        <p:cNvGrpSpPr/>
+        <p:nvPr/>
+      </p:nvGrpSpPr>
+      <p:grpSpPr>
+        <a:xfrm>
+          <a:off x="0" y="0"/>
+          <a:ext cx="0" cy="0"/>
+          <a:chOff x="0" y="0"/>
+          <a:chExt cx="0" cy="0"/>
+        </a:xfrm>
+      </p:grpSpPr>
+      <p:sp>
+        <p:nvSpPr>
+          <p:cNvPr id="3" name="Freeform: Shape 2">
+            <a:extLst>
+              <a:ext uri="{FF2B5EF4-FFF2-40B4-BE49-F238E27FC236}">
+                <a16:creationId xmlns:a16="http://schemas.microsoft.com/office/drawing/2014/main" id="{9F880B28-40FD-73F6-8A45-F28E198151EC}"/>
+              </a:ext>
+            </a:extLst>
+          </p:cNvPr>
+          <p:cNvSpPr/>
+          <p:nvPr/>
+        </p:nvSpPr>
+        <p:spPr>
+          <a:xfrm>
+            <a:off x="2463794" y="969101"/>
+            <a:ext cx="2448489" cy="3344997"/>
+          </a:xfrm>
+          <a:custGeom>
+            <a:avLst/>
+            <a:gdLst>
+              <a:gd name="connsiteX0" fmla="*/ 876306 w 2448489"/>
+              <a:gd name="connsiteY0" fmla="*/ 1197245 h 3348389"/>
+              <a:gd name="connsiteX1" fmla="*/ 711206 w 2448489"/>
+              <a:gd name="connsiteY1" fmla="*/ 1235345 h 3348389"/>
+              <a:gd name="connsiteX2" fmla="*/ 6 w 2448489"/>
+              <a:gd name="connsiteY2" fmla="*/ 2645045 h 3348389"/>
+              <a:gd name="connsiteX3" fmla="*/ 698506 w 2448489"/>
+              <a:gd name="connsiteY3" fmla="*/ 2810145 h 3348389"/>
+              <a:gd name="connsiteX4" fmla="*/ 914406 w 2448489"/>
+              <a:gd name="connsiteY4" fmla="*/ 3343545 h 3348389"/>
+              <a:gd name="connsiteX5" fmla="*/ 1689106 w 2448489"/>
+              <a:gd name="connsiteY5" fmla="*/ 3051445 h 3348389"/>
+              <a:gd name="connsiteX6" fmla="*/ 2438406 w 2448489"/>
+              <a:gd name="connsiteY6" fmla="*/ 2670445 h 3348389"/>
+              <a:gd name="connsiteX7" fmla="*/ 2133606 w 2448489"/>
+              <a:gd name="connsiteY7" fmla="*/ 1806845 h 3348389"/>
+              <a:gd name="connsiteX8" fmla="*/ 2311406 w 2448489"/>
+              <a:gd name="connsiteY8" fmla="*/ 867045 h 3348389"/>
+              <a:gd name="connsiteX9" fmla="*/ 1244606 w 2448489"/>
+              <a:gd name="connsiteY9" fmla="*/ 3445 h 3348389"/>
+              <a:gd name="connsiteX10" fmla="*/ 876306 w 2448489"/>
+              <a:gd name="connsiteY10" fmla="*/ 1197245 h 3348389"/>
+              <a:gd name="connsiteX0" fmla="*/ 872073 w 2448489"/>
+              <a:gd name="connsiteY0" fmla="*/ 901753 h 3344997"/>
+              <a:gd name="connsiteX1" fmla="*/ 711206 w 2448489"/>
+              <a:gd name="connsiteY1" fmla="*/ 1231953 h 3344997"/>
+              <a:gd name="connsiteX2" fmla="*/ 6 w 2448489"/>
+              <a:gd name="connsiteY2" fmla="*/ 2641653 h 3344997"/>
+              <a:gd name="connsiteX3" fmla="*/ 698506 w 2448489"/>
+              <a:gd name="connsiteY3" fmla="*/ 2806753 h 3344997"/>
+              <a:gd name="connsiteX4" fmla="*/ 914406 w 2448489"/>
+              <a:gd name="connsiteY4" fmla="*/ 3340153 h 3344997"/>
+              <a:gd name="connsiteX5" fmla="*/ 1689106 w 2448489"/>
+              <a:gd name="connsiteY5" fmla="*/ 3048053 h 3344997"/>
+              <a:gd name="connsiteX6" fmla="*/ 2438406 w 2448489"/>
+              <a:gd name="connsiteY6" fmla="*/ 2667053 h 3344997"/>
+              <a:gd name="connsiteX7" fmla="*/ 2133606 w 2448489"/>
+              <a:gd name="connsiteY7" fmla="*/ 1803453 h 3344997"/>
+              <a:gd name="connsiteX8" fmla="*/ 2311406 w 2448489"/>
+              <a:gd name="connsiteY8" fmla="*/ 863653 h 3344997"/>
+              <a:gd name="connsiteX9" fmla="*/ 1244606 w 2448489"/>
+              <a:gd name="connsiteY9" fmla="*/ 53 h 3344997"/>
+              <a:gd name="connsiteX10" fmla="*/ 872073 w 2448489"/>
+              <a:gd name="connsiteY10" fmla="*/ 901753 h 3344997"/>
+            </a:gdLst>
+            <a:ahLst/>
+            <a:cxnLst>
+              <a:cxn ang="0">
+                <a:pos x="connsiteX0" y="connsiteY0"/>
+              </a:cxn>
+              <a:cxn ang="0">
+                <a:pos x="connsiteX1" y="connsiteY1"/>
+              </a:cxn>
+              <a:cxn ang="0">
+                <a:pos x="connsiteX2" y="connsiteY2"/>
+              </a:cxn>
+              <a:cxn ang="0">
+                <a:pos x="connsiteX3" y="connsiteY3"/>
+              </a:cxn>
+              <a:cxn ang="0">
+                <a:pos x="connsiteX4" y="connsiteY4"/>
+              </a:cxn>
+              <a:cxn ang="0">
+                <a:pos x="connsiteX5" y="connsiteY5"/>
+              </a:cxn>
+              <a:cxn ang="0">
+                <a:pos x="connsiteX6" y="connsiteY6"/>
+              </a:cxn>
+              <a:cxn ang="0">
+                <a:pos x="connsiteX7" y="connsiteY7"/>
+              </a:cxn>
+              <a:cxn ang="0">
+                <a:pos x="connsiteX8" y="connsiteY8"/>
+              </a:cxn>
+              <a:cxn ang="0">
+                <a:pos x="connsiteX9" y="connsiteY9"/>
+              </a:cxn>
+              <a:cxn ang="0">
+                <a:pos x="connsiteX10" y="connsiteY10"/>
+              </a:cxn>
+            </a:cxnLst>
+            <a:rect l="l" t="t" r="r" b="b"/>
+            <a:pathLst>
+              <a:path w="2448489" h="3344997">
+                <a:moveTo>
+                  <a:pt x="872073" y="901753"/>
+                </a:moveTo>
+                <a:cubicBezTo>
+                  <a:pt x="783173" y="1107070"/>
+                  <a:pt x="856550" y="941970"/>
+                  <a:pt x="711206" y="1231953"/>
+                </a:cubicBezTo>
+                <a:cubicBezTo>
+                  <a:pt x="565862" y="1521936"/>
+                  <a:pt x="2123" y="2379186"/>
+                  <a:pt x="6" y="2641653"/>
+                </a:cubicBezTo>
+                <a:cubicBezTo>
+                  <a:pt x="-2111" y="2904120"/>
+                  <a:pt x="546106" y="2690336"/>
+                  <a:pt x="698506" y="2806753"/>
+                </a:cubicBezTo>
+                <a:cubicBezTo>
+                  <a:pt x="850906" y="2923170"/>
+                  <a:pt x="749306" y="3299936"/>
+                  <a:pt x="914406" y="3340153"/>
+                </a:cubicBezTo>
+                <a:cubicBezTo>
+                  <a:pt x="1079506" y="3380370"/>
+                  <a:pt x="1435106" y="3160236"/>
+                  <a:pt x="1689106" y="3048053"/>
+                </a:cubicBezTo>
+                <a:cubicBezTo>
+                  <a:pt x="1943106" y="2935870"/>
+                  <a:pt x="2364323" y="2874486"/>
+                  <a:pt x="2438406" y="2667053"/>
+                </a:cubicBezTo>
+                <a:cubicBezTo>
+                  <a:pt x="2512489" y="2459620"/>
+                  <a:pt x="2154773" y="2104020"/>
+                  <a:pt x="2133606" y="1803453"/>
+                </a:cubicBezTo>
+                <a:cubicBezTo>
+                  <a:pt x="2112439" y="1502886"/>
+                  <a:pt x="2459573" y="1164220"/>
+                  <a:pt x="2311406" y="863653"/>
+                </a:cubicBezTo>
+                <a:cubicBezTo>
+                  <a:pt x="2163239" y="563086"/>
+                  <a:pt x="1484495" y="-6297"/>
+                  <a:pt x="1244606" y="53"/>
+                </a:cubicBezTo>
+                <a:cubicBezTo>
+                  <a:pt x="1004717" y="6403"/>
+                  <a:pt x="960973" y="696436"/>
+                  <a:pt x="872073" y="901753"/>
+                </a:cubicBezTo>
+                <a:close/>
+              </a:path>
+            </a:pathLst>
+          </a:custGeom>
+          <a:solidFill>
+            <a:schemeClr val="accent3">
+              <a:lumMod val="60000"/>
+              <a:lumOff val="40000"/>
+              <a:alpha val="17000"/>
+            </a:schemeClr>
+          </a:solidFill>
+        </p:spPr>
+        <p:style>
+          <a:lnRef idx="2">
+            <a:schemeClr val="accent1">
+              <a:shade val="15000"/>
+            </a:schemeClr>
+          </a:lnRef>
+          <a:fillRef idx="1">
+            <a:schemeClr val="accent1"/>
+          </a:fillRef>
+          <a:effectRef idx="0">
+            <a:schemeClr val="accent1"/>
+          </a:effectRef>
+          <a:fontRef idx="minor">
+            <a:schemeClr val="lt1"/>
+          </a:fontRef>
+        </p:style>
+        <p:txBody>
+          <a:bodyPr rtlCol="0" anchor="ctr"/>
+          <a:lstStyle/>
+          <a:p>
+            <a:pPr algn="ctr"/>
+            <a:endParaRPr lang="en-US"/>
+          </a:p>
+        </p:txBody>
+      </p:sp>
+      <p:sp>
+        <p:nvSpPr>
+          <p:cNvPr id="4" name="Oval 3">
+            <a:extLst>
+              <a:ext uri="{FF2B5EF4-FFF2-40B4-BE49-F238E27FC236}">
+                <a16:creationId xmlns:a16="http://schemas.microsoft.com/office/drawing/2014/main" id="{6D0BB14B-7CD3-53A2-9755-DB385FF47AEF}"/>
+              </a:ext>
+            </a:extLst>
+          </p:cNvPr>
+          <p:cNvSpPr/>
+          <p:nvPr/>
+        </p:nvSpPr>
+        <p:spPr>
+          <a:xfrm>
+            <a:off x="3758153" y="2699713"/>
+            <a:ext cx="108997" cy="102605"/>
+          </a:xfrm>
+          <a:prstGeom prst="ellipse">
+            <a:avLst/>
+          </a:prstGeom>
+          <a:solidFill>
+            <a:schemeClr val="tx1"/>
+          </a:solidFill>
+          <a:ln>
+            <a:noFill/>
+          </a:ln>
+        </p:spPr>
+        <p:style>
+          <a:lnRef idx="2">
+            <a:schemeClr val="accent1">
+              <a:shade val="15000"/>
+            </a:schemeClr>
+          </a:lnRef>
+          <a:fillRef idx="1">
+            <a:schemeClr val="accent1"/>
+          </a:fillRef>
+          <a:effectRef idx="0">
+            <a:schemeClr val="accent1"/>
+          </a:effectRef>
+          <a:fontRef idx="minor">
+            <a:schemeClr val="lt1"/>
+          </a:fontRef>
+        </p:style>
+        <p:txBody>
+          <a:bodyPr rtlCol="0" anchor="ctr"/>
+          <a:lstStyle/>
+          <a:p>
+            <a:pPr algn="ctr"/>
+            <a:endParaRPr lang="en-US"/>
+          </a:p>
+        </p:txBody>
+      </p:sp>
+      <p:cxnSp>
+        <p:nvCxnSpPr>
+          <p:cNvPr id="5" name="Straight Arrow Connector 4">
+            <a:extLst>
+              <a:ext uri="{FF2B5EF4-FFF2-40B4-BE49-F238E27FC236}">
+                <a16:creationId xmlns:a16="http://schemas.microsoft.com/office/drawing/2014/main" id="{85592CF3-CEDA-C5FE-F2D6-3ABF138E560F}"/>
+              </a:ext>
+            </a:extLst>
+          </p:cNvPr>
+          <p:cNvCxnSpPr>
+            <a:cxnSpLocks/>
+          </p:cNvCxnSpPr>
+          <p:nvPr/>
+        </p:nvCxnSpPr>
+        <p:spPr>
+          <a:xfrm flipV="1">
+            <a:off x="4206743" y="1767414"/>
+            <a:ext cx="1579157" cy="498852"/>
+          </a:xfrm>
+          <a:prstGeom prst="straightConnector1">
+            <a:avLst/>
+          </a:prstGeom>
+          <a:ln w="34925">
+            <a:solidFill>
+              <a:schemeClr val="tx1"/>
+            </a:solidFill>
+            <a:tailEnd type="stealth" w="med" len="lg"/>
+          </a:ln>
+        </p:spPr>
+        <p:style>
+          <a:lnRef idx="2">
+            <a:schemeClr val="accent1"/>
+          </a:lnRef>
+          <a:fillRef idx="0">
+            <a:schemeClr val="accent1"/>
+          </a:fillRef>
+          <a:effectRef idx="1">
+            <a:schemeClr val="accent1"/>
+          </a:effectRef>
+          <a:fontRef idx="minor">
+            <a:schemeClr val="tx1"/>
+          </a:fontRef>
+        </p:style>
+      </p:cxnSp>
+      <mc:AlternateContent xmlns:mc="http://schemas.openxmlformats.org/markup-compatibility/2006">
+        <mc:Choice xmlns:a14="http://schemas.microsoft.com/office/drawing/2010/main" Requires="a14">
+          <p:sp>
+            <p:nvSpPr>
+              <p:cNvPr id="6" name="TextBox 5">
+                <a:extLst>
+                  <a:ext uri="{FF2B5EF4-FFF2-40B4-BE49-F238E27FC236}">
+                    <a16:creationId xmlns:a16="http://schemas.microsoft.com/office/drawing/2014/main" id="{13F42B23-9211-012F-96C0-F49494EB99B5}"/>
+                  </a:ext>
+                </a:extLst>
+              </p:cNvPr>
+              <p:cNvSpPr txBox="1"/>
+              <p:nvPr/>
+            </p:nvSpPr>
+            <p:spPr>
+              <a:xfrm>
+                <a:off x="5472634" y="1921107"/>
+                <a:ext cx="411347" cy="345159"/>
+              </a:xfrm>
+              <a:prstGeom prst="rect">
+                <a:avLst/>
+              </a:prstGeom>
+              <a:noFill/>
+            </p:spPr>
+            <p:txBody>
+              <a:bodyPr wrap="square" lIns="0" tIns="0" rIns="0" bIns="0" rtlCol="0">
+                <a:spAutoFit/>
+              </a:bodyPr>
+              <a:lstStyle/>
+              <a:p>
+                <a:pPr/>
+                <a14:m>
+                  <m:oMathPara xmlns:m="http://schemas.openxmlformats.org/officeDocument/2006/math">
+                    <m:oMathParaPr>
+                      <m:jc m:val="centerGroup"/>
+                    </m:oMathParaPr>
+                    <m:oMath xmlns:m="http://schemas.openxmlformats.org/officeDocument/2006/math">
+                      <m:acc>
+                        <m:accPr>
+                          <m:chr m:val="⃗"/>
+                          <m:ctrlPr>
+                            <a:rPr lang="en-US" sz="2000" b="0" i="1" smtClean="0">
+                              <a:latin typeface="Cambria Math" panose="02040503050406030204" pitchFamily="18" charset="0"/>
+                            </a:rPr>
+                          </m:ctrlPr>
+                        </m:accPr>
+                        <m:e>
+                          <m:sSub>
+                            <m:sSubPr>
+                              <m:ctrlPr>
+                                <a:rPr lang="en-US" sz="2000" b="0" i="1" smtClean="0">
+                                  <a:latin typeface="Cambria Math" panose="02040503050406030204" pitchFamily="18" charset="0"/>
+                                </a:rPr>
+                              </m:ctrlPr>
+                            </m:sSubPr>
+                            <m:e>
+                              <m:r>
+                                <a:rPr lang="en-US" sz="2000" b="0" i="1" smtClean="0">
+                                  <a:latin typeface="Cambria Math" panose="02040503050406030204" pitchFamily="18" charset="0"/>
+                                </a:rPr>
+                                <m:t>𝐹</m:t>
+                              </m:r>
+                            </m:e>
+                            <m:sub>
+                              <m:r>
+                                <a:rPr lang="en-US" sz="2000" b="0" i="1" smtClean="0">
+                                  <a:latin typeface="Cambria Math" panose="02040503050406030204" pitchFamily="18" charset="0"/>
+                                </a:rPr>
+                                <m:t>1</m:t>
+                              </m:r>
+                            </m:sub>
+                          </m:sSub>
+                        </m:e>
+                      </m:acc>
+                    </m:oMath>
+                  </m:oMathPara>
+                </a14:m>
+                <a:endParaRPr lang="en-US" sz="2000" dirty="0"/>
+              </a:p>
+            </p:txBody>
+          </p:sp>
+        </mc:Choice>
+        <mc:Fallback>
+          <p:sp>
+            <p:nvSpPr>
+              <p:cNvPr id="6" name="TextBox 5">
+                <a:extLst>
+                  <a:ext uri="{FF2B5EF4-FFF2-40B4-BE49-F238E27FC236}">
+                    <a16:creationId xmlns:a16="http://schemas.microsoft.com/office/drawing/2014/main" id="{13F42B23-9211-012F-96C0-F49494EB99B5}"/>
+                  </a:ext>
+                </a:extLst>
+              </p:cNvPr>
+              <p:cNvSpPr txBox="1">
+                <a:spLocks noRot="1" noChangeAspect="1" noMove="1" noResize="1" noEditPoints="1" noAdjustHandles="1" noChangeArrowheads="1" noChangeShapeType="1" noTextEdit="1"/>
+              </p:cNvSpPr>
+              <p:nvPr/>
+            </p:nvSpPr>
+            <p:spPr>
+              <a:xfrm>
+                <a:off x="5472634" y="1921107"/>
+                <a:ext cx="411347" cy="345159"/>
+              </a:xfrm>
+              <a:prstGeom prst="rect">
+                <a:avLst/>
+              </a:prstGeom>
+              <a:blipFill>
+                <a:blip r:embed="rId2"/>
+                <a:stretch>
+                  <a:fillRect l="-1493" b="-12281"/>
+                </a:stretch>
+              </a:blipFill>
+            </p:spPr>
+            <p:txBody>
+              <a:bodyPr/>
+              <a:lstStyle/>
+              <a:p>
+                <a:r>
+                  <a:rPr lang="en-US">
+                    <a:noFill/>
+                  </a:rPr>
+                  <a:t> </a:t>
+                </a:r>
+              </a:p>
+            </p:txBody>
+          </p:sp>
+        </mc:Fallback>
+      </mc:AlternateContent>
+      <p:cxnSp>
+        <p:nvCxnSpPr>
+          <p:cNvPr id="8" name="Straight Arrow Connector 7">
+            <a:extLst>
+              <a:ext uri="{FF2B5EF4-FFF2-40B4-BE49-F238E27FC236}">
+                <a16:creationId xmlns:a16="http://schemas.microsoft.com/office/drawing/2014/main" id="{39B4741F-5ABB-B7EB-23BA-466177D258E0}"/>
+              </a:ext>
+            </a:extLst>
+          </p:cNvPr>
+          <p:cNvCxnSpPr>
+            <a:cxnSpLocks/>
+          </p:cNvCxnSpPr>
+          <p:nvPr/>
+        </p:nvCxnSpPr>
+        <p:spPr>
+          <a:xfrm flipH="1" flipV="1">
+            <a:off x="2345267" y="1767414"/>
+            <a:ext cx="1041400" cy="560919"/>
+          </a:xfrm>
+          <a:prstGeom prst="straightConnector1">
+            <a:avLst/>
+          </a:prstGeom>
+          <a:ln w="34925">
+            <a:solidFill>
+              <a:schemeClr val="tx1"/>
+            </a:solidFill>
+            <a:tailEnd type="stealth" w="med" len="lg"/>
+          </a:ln>
+        </p:spPr>
+        <p:style>
+          <a:lnRef idx="2">
+            <a:schemeClr val="accent1"/>
+          </a:lnRef>
+          <a:fillRef idx="0">
+            <a:schemeClr val="accent1"/>
+          </a:fillRef>
+          <a:effectRef idx="1">
+            <a:schemeClr val="accent1"/>
+          </a:effectRef>
+          <a:fontRef idx="minor">
+            <a:schemeClr val="tx1"/>
+          </a:fontRef>
+        </p:style>
+      </p:cxnSp>
+      <mc:AlternateContent xmlns:mc="http://schemas.openxmlformats.org/markup-compatibility/2006">
+        <mc:Choice xmlns:a14="http://schemas.microsoft.com/office/drawing/2010/main" Requires="a14">
+          <p:sp>
+            <p:nvSpPr>
+              <p:cNvPr id="11" name="TextBox 10">
+                <a:extLst>
+                  <a:ext uri="{FF2B5EF4-FFF2-40B4-BE49-F238E27FC236}">
+                    <a16:creationId xmlns:a16="http://schemas.microsoft.com/office/drawing/2014/main" id="{150724B4-38A3-79F6-AAE5-7685D107A63F}"/>
+                  </a:ext>
+                </a:extLst>
+              </p:cNvPr>
+              <p:cNvSpPr txBox="1"/>
+              <p:nvPr/>
+            </p:nvSpPr>
+            <p:spPr>
+              <a:xfrm>
+                <a:off x="2463794" y="1506241"/>
+                <a:ext cx="411347" cy="345159"/>
+              </a:xfrm>
+              <a:prstGeom prst="rect">
+                <a:avLst/>
+              </a:prstGeom>
+              <a:noFill/>
+            </p:spPr>
+            <p:txBody>
+              <a:bodyPr wrap="square" lIns="0" tIns="0" rIns="0" bIns="0" rtlCol="0">
+                <a:spAutoFit/>
+              </a:bodyPr>
+              <a:lstStyle/>
+              <a:p>
+                <a:pPr/>
+                <a14:m>
+                  <m:oMathPara xmlns:m="http://schemas.openxmlformats.org/officeDocument/2006/math">
+                    <m:oMathParaPr>
+                      <m:jc m:val="centerGroup"/>
+                    </m:oMathParaPr>
+                    <m:oMath xmlns:m="http://schemas.openxmlformats.org/officeDocument/2006/math">
+                      <m:acc>
+                        <m:accPr>
+                          <m:chr m:val="⃗"/>
+                          <m:ctrlPr>
+                            <a:rPr lang="en-US" sz="2000" b="0" i="1" smtClean="0">
+                              <a:latin typeface="Cambria Math" panose="02040503050406030204" pitchFamily="18" charset="0"/>
+                            </a:rPr>
+                          </m:ctrlPr>
+                        </m:accPr>
+                        <m:e>
+                          <m:sSub>
+                            <m:sSubPr>
+                              <m:ctrlPr>
+                                <a:rPr lang="en-US" sz="2000" b="0" i="1" smtClean="0">
+                                  <a:latin typeface="Cambria Math" panose="02040503050406030204" pitchFamily="18" charset="0"/>
+                                </a:rPr>
+                              </m:ctrlPr>
+                            </m:sSubPr>
+                            <m:e>
+                              <m:r>
+                                <a:rPr lang="en-US" sz="2000" b="0" i="1" smtClean="0">
+                                  <a:latin typeface="Cambria Math" panose="02040503050406030204" pitchFamily="18" charset="0"/>
+                                </a:rPr>
+                                <m:t>𝐹</m:t>
+                              </m:r>
+                            </m:e>
+                            <m:sub>
+                              <m:r>
+                                <a:rPr lang="en-US" sz="2000" b="0" i="1" smtClean="0">
+                                  <a:latin typeface="Cambria Math" panose="02040503050406030204" pitchFamily="18" charset="0"/>
+                                </a:rPr>
+                                <m:t>5</m:t>
+                              </m:r>
+                            </m:sub>
+                          </m:sSub>
+                        </m:e>
+                      </m:acc>
+                    </m:oMath>
+                  </m:oMathPara>
+                </a14:m>
+                <a:endParaRPr lang="en-US" sz="2000" dirty="0"/>
+              </a:p>
+            </p:txBody>
+          </p:sp>
+        </mc:Choice>
+        <mc:Fallback>
+          <p:sp>
+            <p:nvSpPr>
+              <p:cNvPr id="11" name="TextBox 10">
+                <a:extLst>
+                  <a:ext uri="{FF2B5EF4-FFF2-40B4-BE49-F238E27FC236}">
+                    <a16:creationId xmlns:a16="http://schemas.microsoft.com/office/drawing/2014/main" id="{150724B4-38A3-79F6-AAE5-7685D107A63F}"/>
+                  </a:ext>
+                </a:extLst>
+              </p:cNvPr>
+              <p:cNvSpPr txBox="1">
+                <a:spLocks noRot="1" noChangeAspect="1" noMove="1" noResize="1" noEditPoints="1" noAdjustHandles="1" noChangeArrowheads="1" noChangeShapeType="1" noTextEdit="1"/>
+              </p:cNvSpPr>
+              <p:nvPr/>
+            </p:nvSpPr>
+            <p:spPr>
+              <a:xfrm>
+                <a:off x="2463794" y="1506241"/>
+                <a:ext cx="411347" cy="345159"/>
+              </a:xfrm>
+              <a:prstGeom prst="rect">
+                <a:avLst/>
+              </a:prstGeom>
+              <a:blipFill>
+                <a:blip r:embed="rId3"/>
+                <a:stretch>
+                  <a:fillRect b="-14035"/>
+                </a:stretch>
+              </a:blipFill>
+            </p:spPr>
+            <p:txBody>
+              <a:bodyPr/>
+              <a:lstStyle/>
+              <a:p>
+                <a:r>
+                  <a:rPr lang="en-US">
+                    <a:noFill/>
+                  </a:rPr>
+                  <a:t> </a:t>
+                </a:r>
+              </a:p>
+            </p:txBody>
+          </p:sp>
+        </mc:Fallback>
+      </mc:AlternateContent>
+      <p:cxnSp>
+        <p:nvCxnSpPr>
+          <p:cNvPr id="12" name="Straight Arrow Connector 11">
+            <a:extLst>
+              <a:ext uri="{FF2B5EF4-FFF2-40B4-BE49-F238E27FC236}">
+                <a16:creationId xmlns:a16="http://schemas.microsoft.com/office/drawing/2014/main" id="{F1FDD88A-A5A9-96B0-AEBF-F8CD1BFC84CC}"/>
+              </a:ext>
+            </a:extLst>
+          </p:cNvPr>
+          <p:cNvCxnSpPr>
+            <a:cxnSpLocks/>
+          </p:cNvCxnSpPr>
+          <p:nvPr/>
+        </p:nvCxnSpPr>
+        <p:spPr>
+          <a:xfrm flipH="1">
+            <a:off x="1673047" y="3519455"/>
+            <a:ext cx="1380097" cy="61945"/>
+          </a:xfrm>
+          <a:prstGeom prst="straightConnector1">
+            <a:avLst/>
+          </a:prstGeom>
+          <a:ln w="34925">
+            <a:solidFill>
+              <a:schemeClr val="tx1"/>
+            </a:solidFill>
+            <a:tailEnd type="stealth" w="med" len="lg"/>
+          </a:ln>
+        </p:spPr>
+        <p:style>
+          <a:lnRef idx="2">
+            <a:schemeClr val="accent1"/>
+          </a:lnRef>
+          <a:fillRef idx="0">
+            <a:schemeClr val="accent1"/>
+          </a:fillRef>
+          <a:effectRef idx="1">
+            <a:schemeClr val="accent1"/>
+          </a:effectRef>
+          <a:fontRef idx="minor">
+            <a:schemeClr val="tx1"/>
+          </a:fontRef>
+        </p:style>
+      </p:cxnSp>
+      <p:cxnSp>
+        <p:nvCxnSpPr>
+          <p:cNvPr id="15" name="Straight Arrow Connector 14">
+            <a:extLst>
+              <a:ext uri="{FF2B5EF4-FFF2-40B4-BE49-F238E27FC236}">
+                <a16:creationId xmlns:a16="http://schemas.microsoft.com/office/drawing/2014/main" id="{56EDB05A-275C-4113-07B6-6D9F030F60E6}"/>
+              </a:ext>
+            </a:extLst>
+          </p:cNvPr>
+          <p:cNvCxnSpPr>
+            <a:cxnSpLocks/>
+          </p:cNvCxnSpPr>
+          <p:nvPr/>
+        </p:nvCxnSpPr>
+        <p:spPr>
+          <a:xfrm flipH="1">
+            <a:off x="3539067" y="3873255"/>
+            <a:ext cx="94473" cy="952745"/>
+          </a:xfrm>
+          <a:prstGeom prst="straightConnector1">
+            <a:avLst/>
+          </a:prstGeom>
+          <a:ln w="34925">
+            <a:solidFill>
+              <a:schemeClr val="tx1"/>
+            </a:solidFill>
+            <a:tailEnd type="stealth" w="med" len="lg"/>
+          </a:ln>
+        </p:spPr>
+        <p:style>
+          <a:lnRef idx="2">
+            <a:schemeClr val="accent1"/>
+          </a:lnRef>
+          <a:fillRef idx="0">
+            <a:schemeClr val="accent1"/>
+          </a:fillRef>
+          <a:effectRef idx="1">
+            <a:schemeClr val="accent1"/>
+          </a:effectRef>
+          <a:fontRef idx="minor">
+            <a:schemeClr val="tx1"/>
+          </a:fontRef>
+        </p:style>
+      </p:cxnSp>
+      <p:cxnSp>
+        <p:nvCxnSpPr>
+          <p:cNvPr id="18" name="Straight Arrow Connector 17">
+            <a:extLst>
+              <a:ext uri="{FF2B5EF4-FFF2-40B4-BE49-F238E27FC236}">
+                <a16:creationId xmlns:a16="http://schemas.microsoft.com/office/drawing/2014/main" id="{8AA39B6D-CDD5-54FC-68FC-E1CBF12A40F8}"/>
+              </a:ext>
+            </a:extLst>
+          </p:cNvPr>
+          <p:cNvCxnSpPr>
+            <a:cxnSpLocks/>
+          </p:cNvCxnSpPr>
+          <p:nvPr/>
+        </p:nvCxnSpPr>
+        <p:spPr>
+          <a:xfrm>
+            <a:off x="4476561" y="3429000"/>
+            <a:ext cx="715897" cy="696794"/>
+          </a:xfrm>
+          <a:prstGeom prst="straightConnector1">
+            <a:avLst/>
+          </a:prstGeom>
+          <a:ln w="34925">
+            <a:solidFill>
+              <a:schemeClr val="tx1"/>
+            </a:solidFill>
+            <a:tailEnd type="stealth" w="med" len="lg"/>
+          </a:ln>
+        </p:spPr>
+        <p:style>
+          <a:lnRef idx="2">
+            <a:schemeClr val="accent1"/>
+          </a:lnRef>
+          <a:fillRef idx="0">
+            <a:schemeClr val="accent1"/>
+          </a:fillRef>
+          <a:effectRef idx="1">
+            <a:schemeClr val="accent1"/>
+          </a:effectRef>
+          <a:fontRef idx="minor">
+            <a:schemeClr val="tx1"/>
+          </a:fontRef>
+        </p:style>
+      </p:cxnSp>
+      <mc:AlternateContent xmlns:mc="http://schemas.openxmlformats.org/markup-compatibility/2006">
+        <mc:Choice xmlns:a14="http://schemas.microsoft.com/office/drawing/2010/main" Requires="a14">
+          <p:sp>
+            <p:nvSpPr>
+              <p:cNvPr id="20" name="TextBox 19">
+                <a:extLst>
+                  <a:ext uri="{FF2B5EF4-FFF2-40B4-BE49-F238E27FC236}">
+                    <a16:creationId xmlns:a16="http://schemas.microsoft.com/office/drawing/2014/main" id="{A8630DD6-7A91-6C43-95E9-B784B923285E}"/>
+                  </a:ext>
+                </a:extLst>
+              </p:cNvPr>
+              <p:cNvSpPr txBox="1"/>
+              <p:nvPr/>
+            </p:nvSpPr>
+            <p:spPr>
+              <a:xfrm>
+                <a:off x="5291683" y="3753727"/>
+                <a:ext cx="411347" cy="345159"/>
+              </a:xfrm>
+              <a:prstGeom prst="rect">
+                <a:avLst/>
+              </a:prstGeom>
+              <a:noFill/>
+            </p:spPr>
+            <p:txBody>
+              <a:bodyPr wrap="square" lIns="0" tIns="0" rIns="0" bIns="0" rtlCol="0">
+                <a:spAutoFit/>
+              </a:bodyPr>
+              <a:lstStyle/>
+              <a:p>
+                <a:pPr/>
+                <a14:m>
+                  <m:oMathPara xmlns:m="http://schemas.openxmlformats.org/officeDocument/2006/math">
+                    <m:oMathParaPr>
+                      <m:jc m:val="centerGroup"/>
+                    </m:oMathParaPr>
+                    <m:oMath xmlns:m="http://schemas.openxmlformats.org/officeDocument/2006/math">
+                      <m:acc>
+                        <m:accPr>
+                          <m:chr m:val="⃗"/>
+                          <m:ctrlPr>
+                            <a:rPr lang="en-US" sz="2000" b="0" i="1" smtClean="0">
+                              <a:latin typeface="Cambria Math" panose="02040503050406030204" pitchFamily="18" charset="0"/>
+                            </a:rPr>
+                          </m:ctrlPr>
+                        </m:accPr>
+                        <m:e>
+                          <m:sSub>
+                            <m:sSubPr>
+                              <m:ctrlPr>
+                                <a:rPr lang="en-US" sz="2000" b="0" i="1" smtClean="0">
+                                  <a:latin typeface="Cambria Math" panose="02040503050406030204" pitchFamily="18" charset="0"/>
+                                </a:rPr>
+                              </m:ctrlPr>
+                            </m:sSubPr>
+                            <m:e>
+                              <m:r>
+                                <a:rPr lang="en-US" sz="2000" b="0" i="1" smtClean="0">
+                                  <a:latin typeface="Cambria Math" panose="02040503050406030204" pitchFamily="18" charset="0"/>
+                                </a:rPr>
+                                <m:t>𝐹</m:t>
+                              </m:r>
+                            </m:e>
+                            <m:sub>
+                              <m:r>
+                                <a:rPr lang="en-US" sz="2000" b="0" i="1" smtClean="0">
+                                  <a:latin typeface="Cambria Math" panose="02040503050406030204" pitchFamily="18" charset="0"/>
+                                </a:rPr>
+                                <m:t>2</m:t>
+                              </m:r>
+                            </m:sub>
+                          </m:sSub>
+                        </m:e>
+                      </m:acc>
+                    </m:oMath>
+                  </m:oMathPara>
+                </a14:m>
+                <a:endParaRPr lang="en-US" sz="2000" dirty="0"/>
+              </a:p>
+            </p:txBody>
+          </p:sp>
+        </mc:Choice>
+        <mc:Fallback>
+          <p:sp>
+            <p:nvSpPr>
+              <p:cNvPr id="20" name="TextBox 19">
+                <a:extLst>
+                  <a:ext uri="{FF2B5EF4-FFF2-40B4-BE49-F238E27FC236}">
+                    <a16:creationId xmlns:a16="http://schemas.microsoft.com/office/drawing/2014/main" id="{A8630DD6-7A91-6C43-95E9-B784B923285E}"/>
+                  </a:ext>
+                </a:extLst>
+              </p:cNvPr>
+              <p:cNvSpPr txBox="1">
+                <a:spLocks noRot="1" noChangeAspect="1" noMove="1" noResize="1" noEditPoints="1" noAdjustHandles="1" noChangeArrowheads="1" noChangeShapeType="1" noTextEdit="1"/>
+              </p:cNvSpPr>
+              <p:nvPr/>
+            </p:nvSpPr>
+            <p:spPr>
+              <a:xfrm>
+                <a:off x="5291683" y="3753727"/>
+                <a:ext cx="411347" cy="345159"/>
+              </a:xfrm>
+              <a:prstGeom prst="rect">
+                <a:avLst/>
+              </a:prstGeom>
+              <a:blipFill>
+                <a:blip r:embed="rId4"/>
+                <a:stretch>
+                  <a:fillRect b="-14286"/>
+                </a:stretch>
+              </a:blipFill>
+            </p:spPr>
+            <p:txBody>
+              <a:bodyPr/>
+              <a:lstStyle/>
+              <a:p>
+                <a:r>
+                  <a:rPr lang="en-US">
+                    <a:noFill/>
+                  </a:rPr>
+                  <a:t> </a:t>
+                </a:r>
+              </a:p>
+            </p:txBody>
+          </p:sp>
+        </mc:Fallback>
+      </mc:AlternateContent>
+      <mc:AlternateContent xmlns:mc="http://schemas.openxmlformats.org/markup-compatibility/2006">
+        <mc:Choice xmlns:a14="http://schemas.microsoft.com/office/drawing/2010/main" Requires="a14">
+          <p:sp>
+            <p:nvSpPr>
+              <p:cNvPr id="21" name="TextBox 20">
+                <a:extLst>
+                  <a:ext uri="{FF2B5EF4-FFF2-40B4-BE49-F238E27FC236}">
+                    <a16:creationId xmlns:a16="http://schemas.microsoft.com/office/drawing/2014/main" id="{F6D55A8C-3AFF-E849-294D-3CBE76F12024}"/>
+                  </a:ext>
+                </a:extLst>
+              </p:cNvPr>
+              <p:cNvSpPr txBox="1"/>
+              <p:nvPr/>
+            </p:nvSpPr>
+            <p:spPr>
+              <a:xfrm>
+                <a:off x="3586303" y="4532930"/>
+                <a:ext cx="411347" cy="345159"/>
+              </a:xfrm>
+              <a:prstGeom prst="rect">
+                <a:avLst/>
+              </a:prstGeom>
+              <a:noFill/>
+            </p:spPr>
+            <p:txBody>
+              <a:bodyPr wrap="square" lIns="0" tIns="0" rIns="0" bIns="0" rtlCol="0">
+                <a:spAutoFit/>
+              </a:bodyPr>
+              <a:lstStyle/>
+              <a:p>
+                <a:pPr/>
+                <a14:m>
+                  <m:oMathPara xmlns:m="http://schemas.openxmlformats.org/officeDocument/2006/math">
+                    <m:oMathParaPr>
+                      <m:jc m:val="centerGroup"/>
+                    </m:oMathParaPr>
+                    <m:oMath xmlns:m="http://schemas.openxmlformats.org/officeDocument/2006/math">
+                      <m:acc>
+                        <m:accPr>
+                          <m:chr m:val="⃗"/>
+                          <m:ctrlPr>
+                            <a:rPr lang="en-US" sz="2000" b="0" i="1" smtClean="0">
+                              <a:latin typeface="Cambria Math" panose="02040503050406030204" pitchFamily="18" charset="0"/>
+                            </a:rPr>
+                          </m:ctrlPr>
+                        </m:accPr>
+                        <m:e>
+                          <m:sSub>
+                            <m:sSubPr>
+                              <m:ctrlPr>
+                                <a:rPr lang="en-US" sz="2000" b="0" i="1" smtClean="0">
+                                  <a:latin typeface="Cambria Math" panose="02040503050406030204" pitchFamily="18" charset="0"/>
+                                </a:rPr>
+                              </m:ctrlPr>
+                            </m:sSubPr>
+                            <m:e>
+                              <m:r>
+                                <a:rPr lang="en-US" sz="2000" b="0" i="1" smtClean="0">
+                                  <a:latin typeface="Cambria Math" panose="02040503050406030204" pitchFamily="18" charset="0"/>
+                                </a:rPr>
+                                <m:t>𝐹</m:t>
+                              </m:r>
+                            </m:e>
+                            <m:sub>
+                              <m:r>
+                                <a:rPr lang="en-US" sz="2000" b="0" i="1" smtClean="0">
+                                  <a:latin typeface="Cambria Math" panose="02040503050406030204" pitchFamily="18" charset="0"/>
+                                </a:rPr>
+                                <m:t>3</m:t>
+                              </m:r>
+                            </m:sub>
+                          </m:sSub>
+                        </m:e>
+                      </m:acc>
+                    </m:oMath>
+                  </m:oMathPara>
+                </a14:m>
+                <a:endParaRPr lang="en-US" sz="2000" dirty="0"/>
+              </a:p>
+            </p:txBody>
+          </p:sp>
+        </mc:Choice>
+        <mc:Fallback>
+          <p:sp>
+            <p:nvSpPr>
+              <p:cNvPr id="21" name="TextBox 20">
+                <a:extLst>
+                  <a:ext uri="{FF2B5EF4-FFF2-40B4-BE49-F238E27FC236}">
+                    <a16:creationId xmlns:a16="http://schemas.microsoft.com/office/drawing/2014/main" id="{F6D55A8C-3AFF-E849-294D-3CBE76F12024}"/>
+                  </a:ext>
+                </a:extLst>
+              </p:cNvPr>
+              <p:cNvSpPr txBox="1">
+                <a:spLocks noRot="1" noChangeAspect="1" noMove="1" noResize="1" noEditPoints="1" noAdjustHandles="1" noChangeArrowheads="1" noChangeShapeType="1" noTextEdit="1"/>
+              </p:cNvSpPr>
+              <p:nvPr/>
+            </p:nvSpPr>
+            <p:spPr>
+              <a:xfrm>
+                <a:off x="3586303" y="4532930"/>
+                <a:ext cx="411347" cy="345159"/>
+              </a:xfrm>
+              <a:prstGeom prst="rect">
+                <a:avLst/>
+              </a:prstGeom>
+              <a:blipFill>
+                <a:blip r:embed="rId5"/>
+                <a:stretch>
+                  <a:fillRect b="-14286"/>
+                </a:stretch>
+              </a:blipFill>
+            </p:spPr>
+            <p:txBody>
+              <a:bodyPr/>
+              <a:lstStyle/>
+              <a:p>
+                <a:r>
+                  <a:rPr lang="en-US">
+                    <a:noFill/>
+                  </a:rPr>
+                  <a:t> </a:t>
+                </a:r>
+              </a:p>
+            </p:txBody>
+          </p:sp>
+        </mc:Fallback>
+      </mc:AlternateContent>
+      <mc:AlternateContent xmlns:mc="http://schemas.openxmlformats.org/markup-compatibility/2006">
+        <mc:Choice xmlns:a14="http://schemas.microsoft.com/office/drawing/2010/main" Requires="a14">
+          <p:sp>
+            <p:nvSpPr>
+              <p:cNvPr id="22" name="TextBox 21">
+                <a:extLst>
+                  <a:ext uri="{FF2B5EF4-FFF2-40B4-BE49-F238E27FC236}">
+                    <a16:creationId xmlns:a16="http://schemas.microsoft.com/office/drawing/2014/main" id="{D6B12D8E-A044-DE0E-1A06-E7C104416D7D}"/>
+                  </a:ext>
+                </a:extLst>
+              </p:cNvPr>
+              <p:cNvSpPr txBox="1"/>
+              <p:nvPr/>
+            </p:nvSpPr>
+            <p:spPr>
+              <a:xfrm>
+                <a:off x="1720484" y="3646386"/>
+                <a:ext cx="411347" cy="345159"/>
+              </a:xfrm>
+              <a:prstGeom prst="rect">
+                <a:avLst/>
+              </a:prstGeom>
+              <a:noFill/>
+            </p:spPr>
+            <p:txBody>
+              <a:bodyPr wrap="square" lIns="0" tIns="0" rIns="0" bIns="0" rtlCol="0">
+                <a:spAutoFit/>
+              </a:bodyPr>
+              <a:lstStyle/>
+              <a:p>
+                <a:pPr/>
+                <a14:m>
+                  <m:oMathPara xmlns:m="http://schemas.openxmlformats.org/officeDocument/2006/math">
+                    <m:oMathParaPr>
+                      <m:jc m:val="centerGroup"/>
+                    </m:oMathParaPr>
+                    <m:oMath xmlns:m="http://schemas.openxmlformats.org/officeDocument/2006/math">
+                      <m:acc>
+                        <m:accPr>
+                          <m:chr m:val="⃗"/>
+                          <m:ctrlPr>
+                            <a:rPr lang="en-US" sz="2000" b="0" i="1" smtClean="0">
+                              <a:latin typeface="Cambria Math" panose="02040503050406030204" pitchFamily="18" charset="0"/>
+                            </a:rPr>
+                          </m:ctrlPr>
+                        </m:accPr>
+                        <m:e>
+                          <m:sSub>
+                            <m:sSubPr>
+                              <m:ctrlPr>
+                                <a:rPr lang="en-US" sz="2000" b="0" i="1" smtClean="0">
+                                  <a:latin typeface="Cambria Math" panose="02040503050406030204" pitchFamily="18" charset="0"/>
+                                </a:rPr>
+                              </m:ctrlPr>
+                            </m:sSubPr>
+                            <m:e>
+                              <m:r>
+                                <a:rPr lang="en-US" sz="2000" b="0" i="1" smtClean="0">
+                                  <a:latin typeface="Cambria Math" panose="02040503050406030204" pitchFamily="18" charset="0"/>
+                                </a:rPr>
+                                <m:t>𝐹</m:t>
+                              </m:r>
+                            </m:e>
+                            <m:sub>
+                              <m:r>
+                                <a:rPr lang="en-US" sz="2000" b="0" i="1" smtClean="0">
+                                  <a:latin typeface="Cambria Math" panose="02040503050406030204" pitchFamily="18" charset="0"/>
+                                </a:rPr>
+                                <m:t>4</m:t>
+                              </m:r>
+                            </m:sub>
+                          </m:sSub>
+                        </m:e>
+                      </m:acc>
+                    </m:oMath>
+                  </m:oMathPara>
+                </a14:m>
+                <a:endParaRPr lang="en-US" sz="2000" dirty="0"/>
+              </a:p>
+            </p:txBody>
+          </p:sp>
+        </mc:Choice>
+        <mc:Fallback>
+          <p:sp>
+            <p:nvSpPr>
+              <p:cNvPr id="22" name="TextBox 21">
+                <a:extLst>
+                  <a:ext uri="{FF2B5EF4-FFF2-40B4-BE49-F238E27FC236}">
+                    <a16:creationId xmlns:a16="http://schemas.microsoft.com/office/drawing/2014/main" id="{D6B12D8E-A044-DE0E-1A06-E7C104416D7D}"/>
+                  </a:ext>
+                </a:extLst>
+              </p:cNvPr>
+              <p:cNvSpPr txBox="1">
+                <a:spLocks noRot="1" noChangeAspect="1" noMove="1" noResize="1" noEditPoints="1" noAdjustHandles="1" noChangeArrowheads="1" noChangeShapeType="1" noTextEdit="1"/>
+              </p:cNvSpPr>
+              <p:nvPr/>
+            </p:nvSpPr>
+            <p:spPr>
+              <a:xfrm>
+                <a:off x="1720484" y="3646386"/>
+                <a:ext cx="411347" cy="345159"/>
+              </a:xfrm>
+              <a:prstGeom prst="rect">
+                <a:avLst/>
+              </a:prstGeom>
+              <a:blipFill>
+                <a:blip r:embed="rId6"/>
+                <a:stretch>
+                  <a:fillRect b="-12281"/>
+                </a:stretch>
+              </a:blipFill>
+            </p:spPr>
+            <p:txBody>
+              <a:bodyPr/>
+              <a:lstStyle/>
+              <a:p>
+                <a:r>
+                  <a:rPr lang="en-US">
+                    <a:noFill/>
+                  </a:rPr>
+                  <a:t> </a:t>
+                </a:r>
+              </a:p>
+            </p:txBody>
+          </p:sp>
+        </mc:Fallback>
+      </mc:AlternateContent>
+      <p:cxnSp>
+        <p:nvCxnSpPr>
+          <p:cNvPr id="25" name="Straight Arrow Connector 24">
+            <a:extLst>
+              <a:ext uri="{FF2B5EF4-FFF2-40B4-BE49-F238E27FC236}">
+                <a16:creationId xmlns:a16="http://schemas.microsoft.com/office/drawing/2014/main" id="{31177049-881C-A88F-8137-D5BEB663B824}"/>
+              </a:ext>
+            </a:extLst>
+          </p:cNvPr>
+          <p:cNvCxnSpPr>
+            <a:cxnSpLocks/>
+          </p:cNvCxnSpPr>
+          <p:nvPr/>
+        </p:nvCxnSpPr>
+        <p:spPr>
+          <a:xfrm flipV="1">
+            <a:off x="7279719" y="1851400"/>
+            <a:ext cx="441881" cy="573695"/>
+          </a:xfrm>
+          <a:prstGeom prst="straightConnector1">
+            <a:avLst/>
+          </a:prstGeom>
+          <a:ln w="34925">
+            <a:solidFill>
+              <a:schemeClr val="tx1"/>
+            </a:solidFill>
+            <a:tailEnd type="stealth" w="med" len="lg"/>
+          </a:ln>
+        </p:spPr>
+        <p:style>
+          <a:lnRef idx="2">
+            <a:schemeClr val="accent1"/>
+          </a:lnRef>
+          <a:fillRef idx="0">
+            <a:schemeClr val="accent1"/>
+          </a:fillRef>
+          <a:effectRef idx="1">
+            <a:schemeClr val="accent1"/>
+          </a:effectRef>
+          <a:fontRef idx="minor">
+            <a:schemeClr val="tx1"/>
+          </a:fontRef>
+        </p:style>
+      </p:cxnSp>
+      <p:cxnSp>
+        <p:nvCxnSpPr>
+          <p:cNvPr id="27" name="Straight Arrow Connector 26">
+            <a:extLst>
+              <a:ext uri="{FF2B5EF4-FFF2-40B4-BE49-F238E27FC236}">
+                <a16:creationId xmlns:a16="http://schemas.microsoft.com/office/drawing/2014/main" id="{CAFB274A-521E-FB04-EA8A-B94AB13B70C0}"/>
+              </a:ext>
+            </a:extLst>
+          </p:cNvPr>
+          <p:cNvCxnSpPr>
+            <a:cxnSpLocks/>
+          </p:cNvCxnSpPr>
+          <p:nvPr/>
+        </p:nvCxnSpPr>
+        <p:spPr>
+          <a:xfrm>
+            <a:off x="7709260" y="1858700"/>
+            <a:ext cx="1256940" cy="192346"/>
+          </a:xfrm>
+          <a:prstGeom prst="straightConnector1">
+            <a:avLst/>
+          </a:prstGeom>
+          <a:ln w="34925">
+            <a:solidFill>
+              <a:schemeClr val="tx1"/>
+            </a:solidFill>
+            <a:tailEnd type="stealth" w="med" len="lg"/>
+          </a:ln>
+        </p:spPr>
+        <p:style>
+          <a:lnRef idx="2">
+            <a:schemeClr val="accent1"/>
+          </a:lnRef>
+          <a:fillRef idx="0">
+            <a:schemeClr val="accent1"/>
+          </a:fillRef>
+          <a:effectRef idx="1">
+            <a:schemeClr val="accent1"/>
+          </a:effectRef>
+          <a:fontRef idx="minor">
+            <a:schemeClr val="tx1"/>
+          </a:fontRef>
+        </p:style>
+      </p:cxnSp>
+      <p:cxnSp>
+        <p:nvCxnSpPr>
+          <p:cNvPr id="29" name="Straight Arrow Connector 28">
+            <a:extLst>
+              <a:ext uri="{FF2B5EF4-FFF2-40B4-BE49-F238E27FC236}">
+                <a16:creationId xmlns:a16="http://schemas.microsoft.com/office/drawing/2014/main" id="{1F53A59D-93D4-D55F-D78A-C44D54A4EFA3}"/>
+              </a:ext>
+            </a:extLst>
+          </p:cNvPr>
+          <p:cNvCxnSpPr>
+            <a:cxnSpLocks/>
+          </p:cNvCxnSpPr>
+          <p:nvPr/>
+        </p:nvCxnSpPr>
+        <p:spPr>
+          <a:xfrm>
+            <a:off x="8966200" y="2047873"/>
+            <a:ext cx="368300" cy="754445"/>
+          </a:xfrm>
+          <a:prstGeom prst="straightConnector1">
+            <a:avLst/>
+          </a:prstGeom>
+          <a:ln w="34925">
+            <a:solidFill>
+              <a:schemeClr val="tx1"/>
+            </a:solidFill>
+            <a:tailEnd type="stealth" w="med" len="lg"/>
+          </a:ln>
+        </p:spPr>
+        <p:style>
+          <a:lnRef idx="2">
+            <a:schemeClr val="accent1"/>
+          </a:lnRef>
+          <a:fillRef idx="0">
+            <a:schemeClr val="accent1"/>
+          </a:fillRef>
+          <a:effectRef idx="1">
+            <a:schemeClr val="accent1"/>
+          </a:effectRef>
+          <a:fontRef idx="minor">
+            <a:schemeClr val="tx1"/>
+          </a:fontRef>
+        </p:style>
+      </p:cxnSp>
+      <p:cxnSp>
+        <p:nvCxnSpPr>
+          <p:cNvPr id="31" name="Straight Arrow Connector 30">
+            <a:extLst>
+              <a:ext uri="{FF2B5EF4-FFF2-40B4-BE49-F238E27FC236}">
+                <a16:creationId xmlns:a16="http://schemas.microsoft.com/office/drawing/2014/main" id="{593881E2-FE3D-25F5-5E50-C7093FD292B8}"/>
+              </a:ext>
+            </a:extLst>
+          </p:cNvPr>
+          <p:cNvCxnSpPr>
+            <a:cxnSpLocks/>
+          </p:cNvCxnSpPr>
+          <p:nvPr/>
+        </p:nvCxnSpPr>
+        <p:spPr>
+          <a:xfrm flipH="1">
+            <a:off x="8686800" y="2765010"/>
+            <a:ext cx="647700" cy="754445"/>
+          </a:xfrm>
+          <a:prstGeom prst="straightConnector1">
+            <a:avLst/>
+          </a:prstGeom>
+          <a:ln w="34925">
+            <a:solidFill>
+              <a:schemeClr val="tx1"/>
+            </a:solidFill>
+            <a:tailEnd type="stealth" w="med" len="lg"/>
+          </a:ln>
+        </p:spPr>
+        <p:style>
+          <a:lnRef idx="2">
+            <a:schemeClr val="accent1"/>
+          </a:lnRef>
+          <a:fillRef idx="0">
+            <a:schemeClr val="accent1"/>
+          </a:fillRef>
+          <a:effectRef idx="1">
+            <a:schemeClr val="accent1"/>
+          </a:effectRef>
+          <a:fontRef idx="minor">
+            <a:schemeClr val="tx1"/>
+          </a:fontRef>
+        </p:style>
+      </p:cxnSp>
+      <p:cxnSp>
+        <p:nvCxnSpPr>
+          <p:cNvPr id="33" name="Straight Arrow Connector 32">
+            <a:extLst>
+              <a:ext uri="{FF2B5EF4-FFF2-40B4-BE49-F238E27FC236}">
+                <a16:creationId xmlns:a16="http://schemas.microsoft.com/office/drawing/2014/main" id="{23157FFA-2FB2-337E-8D4A-31B42352243A}"/>
+              </a:ext>
+            </a:extLst>
+          </p:cNvPr>
+          <p:cNvCxnSpPr>
+            <a:cxnSpLocks/>
+          </p:cNvCxnSpPr>
+          <p:nvPr/>
+        </p:nvCxnSpPr>
+        <p:spPr>
+          <a:xfrm flipH="1" flipV="1">
+            <a:off x="7518400" y="3193436"/>
+            <a:ext cx="1168400" cy="326019"/>
+          </a:xfrm>
+          <a:prstGeom prst="straightConnector1">
+            <a:avLst/>
+          </a:prstGeom>
+          <a:ln w="34925">
+            <a:solidFill>
+              <a:schemeClr val="tx1"/>
+            </a:solidFill>
+            <a:tailEnd type="stealth" w="med" len="lg"/>
+          </a:ln>
+        </p:spPr>
+        <p:style>
+          <a:lnRef idx="2">
+            <a:schemeClr val="accent1"/>
+          </a:lnRef>
+          <a:fillRef idx="0">
+            <a:schemeClr val="accent1"/>
+          </a:fillRef>
+          <a:effectRef idx="1">
+            <a:schemeClr val="accent1"/>
+          </a:effectRef>
+          <a:fontRef idx="minor">
+            <a:schemeClr val="tx1"/>
+          </a:fontRef>
+        </p:style>
+      </p:cxnSp>
+      <p:cxnSp>
+        <p:nvCxnSpPr>
+          <p:cNvPr id="37" name="Straight Arrow Connector 36">
+            <a:extLst>
+              <a:ext uri="{FF2B5EF4-FFF2-40B4-BE49-F238E27FC236}">
+                <a16:creationId xmlns:a16="http://schemas.microsoft.com/office/drawing/2014/main" id="{6D571E7E-9A6B-09B9-44B9-08FEEF67D215}"/>
+              </a:ext>
+            </a:extLst>
+          </p:cNvPr>
+          <p:cNvCxnSpPr>
+            <a:cxnSpLocks/>
+          </p:cNvCxnSpPr>
+          <p:nvPr/>
+        </p:nvCxnSpPr>
+        <p:spPr>
+          <a:xfrm>
+            <a:off x="7279719" y="2403746"/>
+            <a:ext cx="220940" cy="789690"/>
+          </a:xfrm>
+          <a:prstGeom prst="straightConnector1">
+            <a:avLst/>
+          </a:prstGeom>
+          <a:ln w="34925">
+            <a:solidFill>
+              <a:srgbClr val="0070C0"/>
+            </a:solidFill>
+            <a:tailEnd type="stealth" w="lg" len="lg"/>
+          </a:ln>
+        </p:spPr>
+        <p:style>
+          <a:lnRef idx="2">
+            <a:schemeClr val="accent1"/>
+          </a:lnRef>
+          <a:fillRef idx="0">
+            <a:schemeClr val="accent1"/>
+          </a:fillRef>
+          <a:effectRef idx="1">
+            <a:schemeClr val="accent1"/>
+          </a:effectRef>
+          <a:fontRef idx="minor">
+            <a:schemeClr val="tx1"/>
+          </a:fontRef>
+        </p:style>
+      </p:cxnSp>
+      <mc:AlternateContent xmlns:mc="http://schemas.openxmlformats.org/markup-compatibility/2006">
+        <mc:Choice xmlns:a14="http://schemas.microsoft.com/office/drawing/2010/main" Requires="a14">
+          <p:sp>
+            <p:nvSpPr>
+              <p:cNvPr id="41" name="TextBox 40">
+                <a:extLst>
+                  <a:ext uri="{FF2B5EF4-FFF2-40B4-BE49-F238E27FC236}">
+                    <a16:creationId xmlns:a16="http://schemas.microsoft.com/office/drawing/2014/main" id="{24D0BE73-D8EA-7333-F4F5-13F4B793E27B}"/>
+                  </a:ext>
+                </a:extLst>
+              </p:cNvPr>
+              <p:cNvSpPr txBox="1"/>
+              <p:nvPr/>
+            </p:nvSpPr>
+            <p:spPr>
+              <a:xfrm>
+                <a:off x="7228567" y="1702714"/>
+                <a:ext cx="411347" cy="345159"/>
+              </a:xfrm>
+              <a:prstGeom prst="rect">
+                <a:avLst/>
+              </a:prstGeom>
+              <a:noFill/>
+            </p:spPr>
+            <p:txBody>
+              <a:bodyPr wrap="square" lIns="0" tIns="0" rIns="0" bIns="0" rtlCol="0">
+                <a:spAutoFit/>
+              </a:bodyPr>
+              <a:lstStyle/>
+              <a:p>
+                <a:pPr/>
+                <a14:m>
+                  <m:oMathPara xmlns:m="http://schemas.openxmlformats.org/officeDocument/2006/math">
+                    <m:oMathParaPr>
+                      <m:jc m:val="centerGroup"/>
+                    </m:oMathParaPr>
+                    <m:oMath xmlns:m="http://schemas.openxmlformats.org/officeDocument/2006/math">
+                      <m:acc>
+                        <m:accPr>
+                          <m:chr m:val="⃗"/>
+                          <m:ctrlPr>
+                            <a:rPr lang="en-US" sz="2000" b="0" i="1" smtClean="0">
+                              <a:latin typeface="Cambria Math" panose="02040503050406030204" pitchFamily="18" charset="0"/>
+                            </a:rPr>
+                          </m:ctrlPr>
+                        </m:accPr>
+                        <m:e>
+                          <m:sSub>
+                            <m:sSubPr>
+                              <m:ctrlPr>
+                                <a:rPr lang="en-US" sz="2000" b="0" i="1" smtClean="0">
+                                  <a:latin typeface="Cambria Math" panose="02040503050406030204" pitchFamily="18" charset="0"/>
+                                </a:rPr>
+                              </m:ctrlPr>
+                            </m:sSubPr>
+                            <m:e>
+                              <m:r>
+                                <a:rPr lang="en-US" sz="2000" b="0" i="1" smtClean="0">
+                                  <a:latin typeface="Cambria Math" panose="02040503050406030204" pitchFamily="18" charset="0"/>
+                                </a:rPr>
+                                <m:t>𝐹</m:t>
+                              </m:r>
+                            </m:e>
+                            <m:sub>
+                              <m:r>
+                                <a:rPr lang="en-US" sz="2000" b="0" i="1" smtClean="0">
+                                  <a:latin typeface="Cambria Math" panose="02040503050406030204" pitchFamily="18" charset="0"/>
+                                </a:rPr>
+                                <m:t>1</m:t>
+                              </m:r>
+                            </m:sub>
+                          </m:sSub>
+                        </m:e>
+                      </m:acc>
+                    </m:oMath>
+                  </m:oMathPara>
+                </a14:m>
+                <a:endParaRPr lang="en-US" sz="2000" dirty="0"/>
+              </a:p>
+            </p:txBody>
+          </p:sp>
+        </mc:Choice>
+        <mc:Fallback>
+          <p:sp>
+            <p:nvSpPr>
+              <p:cNvPr id="41" name="TextBox 40">
+                <a:extLst>
+                  <a:ext uri="{FF2B5EF4-FFF2-40B4-BE49-F238E27FC236}">
+                    <a16:creationId xmlns:a16="http://schemas.microsoft.com/office/drawing/2014/main" id="{24D0BE73-D8EA-7333-F4F5-13F4B793E27B}"/>
+                  </a:ext>
+                </a:extLst>
+              </p:cNvPr>
+              <p:cNvSpPr txBox="1">
+                <a:spLocks noRot="1" noChangeAspect="1" noMove="1" noResize="1" noEditPoints="1" noAdjustHandles="1" noChangeArrowheads="1" noChangeShapeType="1" noTextEdit="1"/>
+              </p:cNvSpPr>
+              <p:nvPr/>
+            </p:nvSpPr>
+            <p:spPr>
+              <a:xfrm>
+                <a:off x="7228567" y="1702714"/>
+                <a:ext cx="411347" cy="345159"/>
+              </a:xfrm>
+              <a:prstGeom prst="rect">
+                <a:avLst/>
+              </a:prstGeom>
+              <a:blipFill>
+                <a:blip r:embed="rId7"/>
+                <a:stretch>
+                  <a:fillRect l="-1493" b="-12281"/>
+                </a:stretch>
+              </a:blipFill>
+            </p:spPr>
+            <p:txBody>
+              <a:bodyPr/>
+              <a:lstStyle/>
+              <a:p>
+                <a:r>
+                  <a:rPr lang="en-US">
+                    <a:noFill/>
+                  </a:rPr>
+                  <a:t> </a:t>
+                </a:r>
+              </a:p>
+            </p:txBody>
+          </p:sp>
+        </mc:Fallback>
+      </mc:AlternateContent>
+      <mc:AlternateContent xmlns:mc="http://schemas.openxmlformats.org/markup-compatibility/2006">
+        <mc:Choice xmlns:a14="http://schemas.microsoft.com/office/drawing/2010/main" Requires="a14">
+          <p:sp>
+            <p:nvSpPr>
+              <p:cNvPr id="42" name="TextBox 41">
+                <a:extLst>
+                  <a:ext uri="{FF2B5EF4-FFF2-40B4-BE49-F238E27FC236}">
+                    <a16:creationId xmlns:a16="http://schemas.microsoft.com/office/drawing/2014/main" id="{87F4D66C-3958-4D27-D905-C1F27D4D5B27}"/>
+                  </a:ext>
+                </a:extLst>
+              </p:cNvPr>
+              <p:cNvSpPr txBox="1"/>
+              <p:nvPr/>
+            </p:nvSpPr>
+            <p:spPr>
+              <a:xfrm>
+                <a:off x="8533330" y="1641507"/>
+                <a:ext cx="411347" cy="345159"/>
+              </a:xfrm>
+              <a:prstGeom prst="rect">
+                <a:avLst/>
+              </a:prstGeom>
+              <a:noFill/>
+            </p:spPr>
+            <p:txBody>
+              <a:bodyPr wrap="square" lIns="0" tIns="0" rIns="0" bIns="0" rtlCol="0">
+                <a:spAutoFit/>
+              </a:bodyPr>
+              <a:lstStyle/>
+              <a:p>
+                <a:pPr/>
+                <a14:m>
+                  <m:oMathPara xmlns:m="http://schemas.openxmlformats.org/officeDocument/2006/math">
+                    <m:oMathParaPr>
+                      <m:jc m:val="centerGroup"/>
+                    </m:oMathParaPr>
+                    <m:oMath xmlns:m="http://schemas.openxmlformats.org/officeDocument/2006/math">
+                      <m:acc>
+                        <m:accPr>
+                          <m:chr m:val="⃗"/>
+                          <m:ctrlPr>
+                            <a:rPr lang="en-US" sz="2000" b="0" i="1" smtClean="0">
+                              <a:latin typeface="Cambria Math" panose="02040503050406030204" pitchFamily="18" charset="0"/>
+                            </a:rPr>
+                          </m:ctrlPr>
+                        </m:accPr>
+                        <m:e>
+                          <m:sSub>
+                            <m:sSubPr>
+                              <m:ctrlPr>
+                                <a:rPr lang="en-US" sz="2000" b="0" i="1" smtClean="0">
+                                  <a:latin typeface="Cambria Math" panose="02040503050406030204" pitchFamily="18" charset="0"/>
+                                </a:rPr>
+                              </m:ctrlPr>
+                            </m:sSubPr>
+                            <m:e>
+                              <m:r>
+                                <a:rPr lang="en-US" sz="2000" b="0" i="1" smtClean="0">
+                                  <a:latin typeface="Cambria Math" panose="02040503050406030204" pitchFamily="18" charset="0"/>
+                                </a:rPr>
+                                <m:t>𝐹</m:t>
+                              </m:r>
+                            </m:e>
+                            <m:sub>
+                              <m:r>
+                                <a:rPr lang="en-US" sz="2000" b="0" i="1" smtClean="0">
+                                  <a:latin typeface="Cambria Math" panose="02040503050406030204" pitchFamily="18" charset="0"/>
+                                </a:rPr>
+                                <m:t>2</m:t>
+                              </m:r>
+                            </m:sub>
+                          </m:sSub>
+                        </m:e>
+                      </m:acc>
+                    </m:oMath>
+                  </m:oMathPara>
+                </a14:m>
+                <a:endParaRPr lang="en-US" sz="2000" dirty="0"/>
+              </a:p>
+            </p:txBody>
+          </p:sp>
+        </mc:Choice>
+        <mc:Fallback>
+          <p:sp>
+            <p:nvSpPr>
+              <p:cNvPr id="42" name="TextBox 41">
+                <a:extLst>
+                  <a:ext uri="{FF2B5EF4-FFF2-40B4-BE49-F238E27FC236}">
+                    <a16:creationId xmlns:a16="http://schemas.microsoft.com/office/drawing/2014/main" id="{87F4D66C-3958-4D27-D905-C1F27D4D5B27}"/>
+                  </a:ext>
+                </a:extLst>
+              </p:cNvPr>
+              <p:cNvSpPr txBox="1">
+                <a:spLocks noRot="1" noChangeAspect="1" noMove="1" noResize="1" noEditPoints="1" noAdjustHandles="1" noChangeArrowheads="1" noChangeShapeType="1" noTextEdit="1"/>
+              </p:cNvSpPr>
+              <p:nvPr/>
+            </p:nvSpPr>
+            <p:spPr>
+              <a:xfrm>
+                <a:off x="8533330" y="1641507"/>
+                <a:ext cx="411347" cy="345159"/>
+              </a:xfrm>
+              <a:prstGeom prst="rect">
+                <a:avLst/>
+              </a:prstGeom>
+              <a:blipFill>
+                <a:blip r:embed="rId8"/>
+                <a:stretch>
+                  <a:fillRect l="-1493" b="-14035"/>
+                </a:stretch>
+              </a:blipFill>
+            </p:spPr>
+            <p:txBody>
+              <a:bodyPr/>
+              <a:lstStyle/>
+              <a:p>
+                <a:r>
+                  <a:rPr lang="en-US">
+                    <a:noFill/>
+                  </a:rPr>
+                  <a:t> </a:t>
+                </a:r>
+              </a:p>
+            </p:txBody>
+          </p:sp>
+        </mc:Fallback>
+      </mc:AlternateContent>
+      <mc:AlternateContent xmlns:mc="http://schemas.openxmlformats.org/markup-compatibility/2006">
+        <mc:Choice xmlns:a14="http://schemas.microsoft.com/office/drawing/2010/main" Requires="a14">
+          <p:sp>
+            <p:nvSpPr>
+              <p:cNvPr id="43" name="TextBox 42">
+                <a:extLst>
+                  <a:ext uri="{FF2B5EF4-FFF2-40B4-BE49-F238E27FC236}">
+                    <a16:creationId xmlns:a16="http://schemas.microsoft.com/office/drawing/2014/main" id="{882FC99C-3BB7-AC19-507C-48DF8DAD9A30}"/>
+                  </a:ext>
+                </a:extLst>
+              </p:cNvPr>
+              <p:cNvSpPr txBox="1"/>
+              <p:nvPr/>
+            </p:nvSpPr>
+            <p:spPr>
+              <a:xfrm>
+                <a:off x="9208319" y="2328333"/>
+                <a:ext cx="411347" cy="345159"/>
+              </a:xfrm>
+              <a:prstGeom prst="rect">
+                <a:avLst/>
+              </a:prstGeom>
+              <a:noFill/>
+            </p:spPr>
+            <p:txBody>
+              <a:bodyPr wrap="square" lIns="0" tIns="0" rIns="0" bIns="0" rtlCol="0">
+                <a:spAutoFit/>
+              </a:bodyPr>
+              <a:lstStyle/>
+              <a:p>
+                <a:pPr/>
+                <a14:m>
+                  <m:oMathPara xmlns:m="http://schemas.openxmlformats.org/officeDocument/2006/math">
+                    <m:oMathParaPr>
+                      <m:jc m:val="centerGroup"/>
+                    </m:oMathParaPr>
+                    <m:oMath xmlns:m="http://schemas.openxmlformats.org/officeDocument/2006/math">
+                      <m:acc>
+                        <m:accPr>
+                          <m:chr m:val="⃗"/>
+                          <m:ctrlPr>
+                            <a:rPr lang="en-US" sz="2000" b="0" i="1" smtClean="0">
+                              <a:latin typeface="Cambria Math" panose="02040503050406030204" pitchFamily="18" charset="0"/>
+                            </a:rPr>
+                          </m:ctrlPr>
+                        </m:accPr>
+                        <m:e>
+                          <m:sSub>
+                            <m:sSubPr>
+                              <m:ctrlPr>
+                                <a:rPr lang="en-US" sz="2000" b="0" i="1" smtClean="0">
+                                  <a:latin typeface="Cambria Math" panose="02040503050406030204" pitchFamily="18" charset="0"/>
+                                </a:rPr>
+                              </m:ctrlPr>
+                            </m:sSubPr>
+                            <m:e>
+                              <m:r>
+                                <a:rPr lang="en-US" sz="2000" b="0" i="1" smtClean="0">
+                                  <a:latin typeface="Cambria Math" panose="02040503050406030204" pitchFamily="18" charset="0"/>
+                                </a:rPr>
+                                <m:t>𝐹</m:t>
+                              </m:r>
+                            </m:e>
+                            <m:sub>
+                              <m:r>
+                                <a:rPr lang="en-US" sz="2000" b="0" i="1" smtClean="0">
+                                  <a:latin typeface="Cambria Math" panose="02040503050406030204" pitchFamily="18" charset="0"/>
+                                </a:rPr>
+                                <m:t>3</m:t>
+                              </m:r>
+                            </m:sub>
+                          </m:sSub>
+                        </m:e>
+                      </m:acc>
+                    </m:oMath>
+                  </m:oMathPara>
+                </a14:m>
+                <a:endParaRPr lang="en-US" sz="2000" dirty="0"/>
+              </a:p>
+            </p:txBody>
+          </p:sp>
+        </mc:Choice>
+        <mc:Fallback>
+          <p:sp>
+            <p:nvSpPr>
+              <p:cNvPr id="43" name="TextBox 42">
+                <a:extLst>
+                  <a:ext uri="{FF2B5EF4-FFF2-40B4-BE49-F238E27FC236}">
+                    <a16:creationId xmlns:a16="http://schemas.microsoft.com/office/drawing/2014/main" id="{882FC99C-3BB7-AC19-507C-48DF8DAD9A30}"/>
+                  </a:ext>
+                </a:extLst>
+              </p:cNvPr>
+              <p:cNvSpPr txBox="1">
+                <a:spLocks noRot="1" noChangeAspect="1" noMove="1" noResize="1" noEditPoints="1" noAdjustHandles="1" noChangeArrowheads="1" noChangeShapeType="1" noTextEdit="1"/>
+              </p:cNvSpPr>
+              <p:nvPr/>
+            </p:nvSpPr>
+            <p:spPr>
+              <a:xfrm>
+                <a:off x="9208319" y="2328333"/>
+                <a:ext cx="411347" cy="345159"/>
+              </a:xfrm>
+              <a:prstGeom prst="rect">
+                <a:avLst/>
+              </a:prstGeom>
+              <a:blipFill>
+                <a:blip r:embed="rId9"/>
+                <a:stretch>
+                  <a:fillRect l="-1493" b="-12281"/>
+                </a:stretch>
+              </a:blipFill>
+            </p:spPr>
+            <p:txBody>
+              <a:bodyPr/>
+              <a:lstStyle/>
+              <a:p>
+                <a:r>
+                  <a:rPr lang="en-US">
+                    <a:noFill/>
+                  </a:rPr>
+                  <a:t> </a:t>
+                </a:r>
+              </a:p>
+            </p:txBody>
+          </p:sp>
+        </mc:Fallback>
+      </mc:AlternateContent>
+      <mc:AlternateContent xmlns:mc="http://schemas.openxmlformats.org/markup-compatibility/2006">
+        <mc:Choice xmlns:a14="http://schemas.microsoft.com/office/drawing/2010/main" Requires="a14">
+          <p:sp>
+            <p:nvSpPr>
+              <p:cNvPr id="44" name="TextBox 43">
+                <a:extLst>
+                  <a:ext uri="{FF2B5EF4-FFF2-40B4-BE49-F238E27FC236}">
+                    <a16:creationId xmlns:a16="http://schemas.microsoft.com/office/drawing/2014/main" id="{95900D54-F6A3-9604-2574-18E294180AF2}"/>
+                  </a:ext>
+                </a:extLst>
+              </p:cNvPr>
+              <p:cNvSpPr txBox="1"/>
+              <p:nvPr/>
+            </p:nvSpPr>
+            <p:spPr>
+              <a:xfrm>
+                <a:off x="8855782" y="3234266"/>
+                <a:ext cx="411347" cy="345159"/>
+              </a:xfrm>
+              <a:prstGeom prst="rect">
+                <a:avLst/>
+              </a:prstGeom>
+              <a:noFill/>
+            </p:spPr>
+            <p:txBody>
+              <a:bodyPr wrap="square" lIns="0" tIns="0" rIns="0" bIns="0" rtlCol="0">
+                <a:spAutoFit/>
+              </a:bodyPr>
+              <a:lstStyle/>
+              <a:p>
+                <a:pPr/>
+                <a14:m>
+                  <m:oMathPara xmlns:m="http://schemas.openxmlformats.org/officeDocument/2006/math">
+                    <m:oMathParaPr>
+                      <m:jc m:val="centerGroup"/>
+                    </m:oMathParaPr>
+                    <m:oMath xmlns:m="http://schemas.openxmlformats.org/officeDocument/2006/math">
+                      <m:acc>
+                        <m:accPr>
+                          <m:chr m:val="⃗"/>
+                          <m:ctrlPr>
+                            <a:rPr lang="en-US" sz="2000" b="0" i="1" smtClean="0">
+                              <a:latin typeface="Cambria Math" panose="02040503050406030204" pitchFamily="18" charset="0"/>
+                            </a:rPr>
+                          </m:ctrlPr>
+                        </m:accPr>
+                        <m:e>
+                          <m:sSub>
+                            <m:sSubPr>
+                              <m:ctrlPr>
+                                <a:rPr lang="en-US" sz="2000" b="0" i="1" smtClean="0">
+                                  <a:latin typeface="Cambria Math" panose="02040503050406030204" pitchFamily="18" charset="0"/>
+                                </a:rPr>
+                              </m:ctrlPr>
+                            </m:sSubPr>
+                            <m:e>
+                              <m:r>
+                                <a:rPr lang="en-US" sz="2000" b="0" i="1" smtClean="0">
+                                  <a:latin typeface="Cambria Math" panose="02040503050406030204" pitchFamily="18" charset="0"/>
+                                </a:rPr>
+                                <m:t>𝐹</m:t>
+                              </m:r>
+                            </m:e>
+                            <m:sub>
+                              <m:r>
+                                <a:rPr lang="en-US" sz="2000" b="0" i="1" smtClean="0">
+                                  <a:latin typeface="Cambria Math" panose="02040503050406030204" pitchFamily="18" charset="0"/>
+                                </a:rPr>
+                                <m:t>4</m:t>
+                              </m:r>
+                            </m:sub>
+                          </m:sSub>
+                        </m:e>
+                      </m:acc>
+                    </m:oMath>
+                  </m:oMathPara>
+                </a14:m>
+                <a:endParaRPr lang="en-US" sz="2000" dirty="0"/>
+              </a:p>
+            </p:txBody>
+          </p:sp>
+        </mc:Choice>
+        <mc:Fallback>
+          <p:sp>
+            <p:nvSpPr>
+              <p:cNvPr id="44" name="TextBox 43">
+                <a:extLst>
+                  <a:ext uri="{FF2B5EF4-FFF2-40B4-BE49-F238E27FC236}">
+                    <a16:creationId xmlns:a16="http://schemas.microsoft.com/office/drawing/2014/main" id="{95900D54-F6A3-9604-2574-18E294180AF2}"/>
+                  </a:ext>
+                </a:extLst>
+              </p:cNvPr>
+              <p:cNvSpPr txBox="1">
+                <a:spLocks noRot="1" noChangeAspect="1" noMove="1" noResize="1" noEditPoints="1" noAdjustHandles="1" noChangeArrowheads="1" noChangeShapeType="1" noTextEdit="1"/>
+              </p:cNvSpPr>
+              <p:nvPr/>
+            </p:nvSpPr>
+            <p:spPr>
+              <a:xfrm>
+                <a:off x="8855782" y="3234266"/>
+                <a:ext cx="411347" cy="345159"/>
+              </a:xfrm>
+              <a:prstGeom prst="rect">
+                <a:avLst/>
+              </a:prstGeom>
+              <a:blipFill>
+                <a:blip r:embed="rId10"/>
+                <a:stretch>
+                  <a:fillRect l="-1493" b="-14286"/>
+                </a:stretch>
+              </a:blipFill>
+            </p:spPr>
+            <p:txBody>
+              <a:bodyPr/>
+              <a:lstStyle/>
+              <a:p>
+                <a:r>
+                  <a:rPr lang="en-US">
+                    <a:noFill/>
+                  </a:rPr>
+                  <a:t> </a:t>
+                </a:r>
+              </a:p>
+            </p:txBody>
+          </p:sp>
+        </mc:Fallback>
+      </mc:AlternateContent>
+      <mc:AlternateContent xmlns:mc="http://schemas.openxmlformats.org/markup-compatibility/2006">
+        <mc:Choice xmlns:a14="http://schemas.microsoft.com/office/drawing/2010/main" Requires="a14">
+          <p:sp>
+            <p:nvSpPr>
+              <p:cNvPr id="45" name="TextBox 44">
+                <a:extLst>
+                  <a:ext uri="{FF2B5EF4-FFF2-40B4-BE49-F238E27FC236}">
+                    <a16:creationId xmlns:a16="http://schemas.microsoft.com/office/drawing/2014/main" id="{C7D5FC40-B40A-783B-571B-70D06C260562}"/>
+                  </a:ext>
+                </a:extLst>
+              </p:cNvPr>
+              <p:cNvSpPr txBox="1"/>
+              <p:nvPr/>
+            </p:nvSpPr>
+            <p:spPr>
+              <a:xfrm>
+                <a:off x="7522633" y="3339333"/>
+                <a:ext cx="411347" cy="345159"/>
+              </a:xfrm>
+              <a:prstGeom prst="rect">
+                <a:avLst/>
+              </a:prstGeom>
+              <a:noFill/>
+            </p:spPr>
+            <p:txBody>
+              <a:bodyPr wrap="square" lIns="0" tIns="0" rIns="0" bIns="0" rtlCol="0">
+                <a:spAutoFit/>
+              </a:bodyPr>
+              <a:lstStyle/>
+              <a:p>
+                <a:pPr/>
+                <a14:m>
+                  <m:oMathPara xmlns:m="http://schemas.openxmlformats.org/officeDocument/2006/math">
+                    <m:oMathParaPr>
+                      <m:jc m:val="centerGroup"/>
+                    </m:oMathParaPr>
+                    <m:oMath xmlns:m="http://schemas.openxmlformats.org/officeDocument/2006/math">
+                      <m:acc>
+                        <m:accPr>
+                          <m:chr m:val="⃗"/>
+                          <m:ctrlPr>
+                            <a:rPr lang="en-US" sz="2000" b="0" i="1" smtClean="0">
+                              <a:latin typeface="Cambria Math" panose="02040503050406030204" pitchFamily="18" charset="0"/>
+                            </a:rPr>
+                          </m:ctrlPr>
+                        </m:accPr>
+                        <m:e>
+                          <m:sSub>
+                            <m:sSubPr>
+                              <m:ctrlPr>
+                                <a:rPr lang="en-US" sz="2000" b="0" i="1" smtClean="0">
+                                  <a:latin typeface="Cambria Math" panose="02040503050406030204" pitchFamily="18" charset="0"/>
+                                </a:rPr>
+                              </m:ctrlPr>
+                            </m:sSubPr>
+                            <m:e>
+                              <m:r>
+                                <a:rPr lang="en-US" sz="2000" b="0" i="1" smtClean="0">
+                                  <a:latin typeface="Cambria Math" panose="02040503050406030204" pitchFamily="18" charset="0"/>
+                                </a:rPr>
+                                <m:t>𝐹</m:t>
+                              </m:r>
+                            </m:e>
+                            <m:sub>
+                              <m:r>
+                                <a:rPr lang="en-US" sz="2000" b="0" i="1" smtClean="0">
+                                  <a:latin typeface="Cambria Math" panose="02040503050406030204" pitchFamily="18" charset="0"/>
+                                </a:rPr>
+                                <m:t>5</m:t>
+                              </m:r>
+                            </m:sub>
+                          </m:sSub>
+                        </m:e>
+                      </m:acc>
+                    </m:oMath>
+                  </m:oMathPara>
+                </a14:m>
+                <a:endParaRPr lang="en-US" sz="2000" dirty="0"/>
+              </a:p>
+            </p:txBody>
+          </p:sp>
+        </mc:Choice>
+        <mc:Fallback>
+          <p:sp>
+            <p:nvSpPr>
+              <p:cNvPr id="45" name="TextBox 44">
+                <a:extLst>
+                  <a:ext uri="{FF2B5EF4-FFF2-40B4-BE49-F238E27FC236}">
+                    <a16:creationId xmlns:a16="http://schemas.microsoft.com/office/drawing/2014/main" id="{C7D5FC40-B40A-783B-571B-70D06C260562}"/>
+                  </a:ext>
+                </a:extLst>
+              </p:cNvPr>
+              <p:cNvSpPr txBox="1">
+                <a:spLocks noRot="1" noChangeAspect="1" noMove="1" noResize="1" noEditPoints="1" noAdjustHandles="1" noChangeArrowheads="1" noChangeShapeType="1" noTextEdit="1"/>
+              </p:cNvSpPr>
+              <p:nvPr/>
+            </p:nvSpPr>
+            <p:spPr>
+              <a:xfrm>
+                <a:off x="7522633" y="3339333"/>
+                <a:ext cx="411347" cy="345159"/>
+              </a:xfrm>
+              <a:prstGeom prst="rect">
+                <a:avLst/>
+              </a:prstGeom>
+              <a:blipFill>
+                <a:blip r:embed="rId11"/>
+                <a:stretch>
+                  <a:fillRect b="-14286"/>
+                </a:stretch>
+              </a:blipFill>
+            </p:spPr>
+            <p:txBody>
+              <a:bodyPr/>
+              <a:lstStyle/>
+              <a:p>
+                <a:r>
+                  <a:rPr lang="en-US">
+                    <a:noFill/>
+                  </a:rPr>
+                  <a:t> </a:t>
+                </a:r>
+              </a:p>
+            </p:txBody>
+          </p:sp>
+        </mc:Fallback>
+      </mc:AlternateContent>
+      <mc:AlternateContent xmlns:mc="http://schemas.openxmlformats.org/markup-compatibility/2006">
+        <mc:Choice xmlns:a14="http://schemas.microsoft.com/office/drawing/2010/main" Requires="a14">
+          <p:sp>
+            <p:nvSpPr>
+              <p:cNvPr id="46" name="TextBox 45">
+                <a:extLst>
+                  <a:ext uri="{FF2B5EF4-FFF2-40B4-BE49-F238E27FC236}">
+                    <a16:creationId xmlns:a16="http://schemas.microsoft.com/office/drawing/2014/main" id="{3660D7FC-B1B4-C9BA-AE61-EF60FB88892F}"/>
+                  </a:ext>
+                </a:extLst>
+              </p:cNvPr>
+              <p:cNvSpPr txBox="1"/>
+              <p:nvPr/>
+            </p:nvSpPr>
+            <p:spPr>
+              <a:xfrm>
+                <a:off x="7083174" y="2884629"/>
+                <a:ext cx="411347" cy="345159"/>
+              </a:xfrm>
+              <a:prstGeom prst="rect">
+                <a:avLst/>
+              </a:prstGeom>
+              <a:noFill/>
+            </p:spPr>
+            <p:txBody>
+              <a:bodyPr wrap="square" lIns="0" tIns="0" rIns="0" bIns="0" rtlCol="0">
+                <a:spAutoFit/>
+              </a:bodyPr>
+              <a:lstStyle/>
+              <a:p>
+                <a:pPr/>
+                <a14:m>
+                  <m:oMathPara xmlns:m="http://schemas.openxmlformats.org/officeDocument/2006/math">
+                    <m:oMathParaPr>
+                      <m:jc m:val="centerGroup"/>
+                    </m:oMathParaPr>
+                    <m:oMath xmlns:m="http://schemas.openxmlformats.org/officeDocument/2006/math">
+                      <m:acc>
+                        <m:accPr>
+                          <m:chr m:val="⃗"/>
+                          <m:ctrlPr>
+                            <a:rPr lang="en-US" sz="2000" b="0" i="1" smtClean="0">
+                              <a:solidFill>
+                                <a:srgbClr val="0070C0"/>
+                              </a:solidFill>
+                              <a:latin typeface="Cambria Math" panose="02040503050406030204" pitchFamily="18" charset="0"/>
+                            </a:rPr>
+                          </m:ctrlPr>
+                        </m:accPr>
+                        <m:e>
+                          <m:r>
+                            <a:rPr lang="en-US" sz="2000" b="0" i="1" smtClean="0">
+                              <a:solidFill>
+                                <a:srgbClr val="0070C0"/>
+                              </a:solidFill>
+                              <a:latin typeface="Cambria Math" panose="02040503050406030204" pitchFamily="18" charset="0"/>
+                            </a:rPr>
+                            <m:t>𝐹</m:t>
+                          </m:r>
+                        </m:e>
+                      </m:acc>
+                    </m:oMath>
+                  </m:oMathPara>
+                </a14:m>
+                <a:endParaRPr lang="en-US" sz="2000" dirty="0">
+                  <a:solidFill>
+                    <a:srgbClr val="0070C0"/>
+                  </a:solidFill>
+                </a:endParaRPr>
+              </a:p>
+            </p:txBody>
+          </p:sp>
+        </mc:Choice>
+        <mc:Fallback>
+          <p:sp>
+            <p:nvSpPr>
+              <p:cNvPr id="46" name="TextBox 45">
+                <a:extLst>
+                  <a:ext uri="{FF2B5EF4-FFF2-40B4-BE49-F238E27FC236}">
+                    <a16:creationId xmlns:a16="http://schemas.microsoft.com/office/drawing/2014/main" id="{3660D7FC-B1B4-C9BA-AE61-EF60FB88892F}"/>
+                  </a:ext>
+                </a:extLst>
+              </p:cNvPr>
+              <p:cNvSpPr txBox="1">
+                <a:spLocks noRot="1" noChangeAspect="1" noMove="1" noResize="1" noEditPoints="1" noAdjustHandles="1" noChangeArrowheads="1" noChangeShapeType="1" noTextEdit="1"/>
+              </p:cNvSpPr>
+              <p:nvPr/>
+            </p:nvSpPr>
+            <p:spPr>
+              <a:xfrm>
+                <a:off x="7083174" y="2884629"/>
+                <a:ext cx="411347" cy="345159"/>
+              </a:xfrm>
+              <a:prstGeom prst="rect">
+                <a:avLst/>
+              </a:prstGeom>
+              <a:blipFill>
+                <a:blip r:embed="rId12"/>
+                <a:stretch>
+                  <a:fillRect t="-36842" r="-68657" b="-5263"/>
+                </a:stretch>
+              </a:blipFill>
+            </p:spPr>
+            <p:txBody>
+              <a:bodyPr/>
+              <a:lstStyle/>
+              <a:p>
+                <a:r>
+                  <a:rPr lang="en-US">
+                    <a:noFill/>
+                  </a:rPr>
+                  <a:t> </a:t>
+                </a:r>
+              </a:p>
+            </p:txBody>
+          </p:sp>
+        </mc:Fallback>
+      </mc:AlternateContent>
+    </p:spTree>
+    <p:extLst>
+      <p:ext uri="{BB962C8B-B14F-4D97-AF65-F5344CB8AC3E}">
+        <p14:creationId xmlns:p14="http://schemas.microsoft.com/office/powerpoint/2010/main" val="3942161755"/>
+      </p:ext>
+    </p:extLst>
+  </p:cSld>
+  <p:clrMapOvr>
+    <a:masterClrMapping/>
+  </p:clrMapOvr>
+</p:sld>
+</file>
+
+<file path=ppt/slides/slide16.xml><?xml version="1.0" encoding="utf-8"?>
+<p:sld xmlns:a="http://schemas.openxmlformats.org/drawingml/2006/main" xmlns:r="http://schemas.openxmlformats.org/officeDocument/2006/relationships" xmlns:p="http://schemas.openxmlformats.org/presentationml/2006/main">
+  <p:cSld>
+    <p:spTree>
+      <p:nvGrpSpPr>
+        <p:cNvPr id="1" name=""/>
+        <p:cNvGrpSpPr/>
+        <p:nvPr/>
+      </p:nvGrpSpPr>
+      <p:grpSpPr>
+        <a:xfrm>
+          <a:off x="0" y="0"/>
+          <a:ext cx="0" cy="0"/>
+          <a:chOff x="0" y="0"/>
+          <a:chExt cx="0" cy="0"/>
+        </a:xfrm>
+      </p:grpSpPr>
+      <p:sp>
+        <p:nvSpPr>
+          <p:cNvPr id="24" name="Arc 23">
+            <a:extLst>
+              <a:ext uri="{FF2B5EF4-FFF2-40B4-BE49-F238E27FC236}">
+                <a16:creationId xmlns:a16="http://schemas.microsoft.com/office/drawing/2014/main" id="{019F9DA5-974C-70BF-23BC-DEE41DCACC5D}"/>
+              </a:ext>
+            </a:extLst>
+          </p:cNvPr>
+          <p:cNvSpPr/>
+          <p:nvPr/>
+        </p:nvSpPr>
+        <p:spPr>
+          <a:xfrm rot="5400000">
+            <a:off x="2720370" y="432770"/>
+            <a:ext cx="3740149" cy="3740149"/>
+          </a:xfrm>
+          <a:prstGeom prst="arc">
+            <a:avLst>
+              <a:gd name="adj1" fmla="val 5423188"/>
+              <a:gd name="adj2" fmla="val 16277458"/>
+            </a:avLst>
+          </a:prstGeom>
+          <a:ln w="15875">
+            <a:gradFill>
+              <a:gsLst>
+                <a:gs pos="0">
+                  <a:schemeClr val="bg1"/>
+                </a:gs>
+                <a:gs pos="83000">
+                  <a:schemeClr val="tx1"/>
+                </a:gs>
+                <a:gs pos="99000">
+                  <a:schemeClr val="tx1"/>
+                </a:gs>
+              </a:gsLst>
+              <a:lin ang="10800000" scaled="0"/>
+            </a:gradFill>
+            <a:prstDash val="dash"/>
+          </a:ln>
+        </p:spPr>
+        <p:style>
+          <a:lnRef idx="2">
+            <a:schemeClr val="accent1"/>
+          </a:lnRef>
+          <a:fillRef idx="0">
+            <a:schemeClr val="accent1"/>
+          </a:fillRef>
+          <a:effectRef idx="1">
+            <a:schemeClr val="accent1"/>
+          </a:effectRef>
+          <a:fontRef idx="minor">
+            <a:schemeClr val="tx1"/>
+          </a:fontRef>
+        </p:style>
+        <p:txBody>
+          <a:bodyPr rtlCol="0" anchor="ctr"/>
+          <a:lstStyle/>
+          <a:p>
+            <a:pPr algn="ctr"/>
+            <a:endParaRPr lang="en-US"/>
+          </a:p>
+        </p:txBody>
+      </p:sp>
+      <p:cxnSp>
+        <p:nvCxnSpPr>
+          <p:cNvPr id="25" name="Straight Arrow Connector 24">
+            <a:extLst>
+              <a:ext uri="{FF2B5EF4-FFF2-40B4-BE49-F238E27FC236}">
+                <a16:creationId xmlns:a16="http://schemas.microsoft.com/office/drawing/2014/main" id="{6C2D9158-BDBC-EE4E-7D6A-7B9248F8EB6C}"/>
+              </a:ext>
+            </a:extLst>
+          </p:cNvPr>
+          <p:cNvCxnSpPr>
+            <a:cxnSpLocks/>
+          </p:cNvCxnSpPr>
+          <p:nvPr/>
+        </p:nvCxnSpPr>
+        <p:spPr>
+          <a:xfrm>
+            <a:off x="4590444" y="432770"/>
+            <a:ext cx="1087863" cy="0"/>
+          </a:xfrm>
+          <a:prstGeom prst="straightConnector1">
+            <a:avLst/>
+          </a:prstGeom>
+          <a:ln w="34925">
+            <a:solidFill>
+              <a:schemeClr val="tx1"/>
+            </a:solidFill>
+            <a:tailEnd type="stealth" w="med" len="lg"/>
+          </a:ln>
+        </p:spPr>
+        <p:style>
+          <a:lnRef idx="2">
+            <a:schemeClr val="accent1"/>
+          </a:lnRef>
+          <a:fillRef idx="0">
+            <a:schemeClr val="accent1"/>
+          </a:fillRef>
+          <a:effectRef idx="1">
+            <a:schemeClr val="accent1"/>
+          </a:effectRef>
+          <a:fontRef idx="minor">
+            <a:schemeClr val="tx1"/>
+          </a:fontRef>
+        </p:style>
+      </p:cxnSp>
+      <mc:AlternateContent xmlns:mc="http://schemas.openxmlformats.org/markup-compatibility/2006">
+        <mc:Choice xmlns:a14="http://schemas.microsoft.com/office/drawing/2010/main" Requires="a14">
+          <p:sp>
+            <p:nvSpPr>
+              <p:cNvPr id="26" name="TextBox 25">
+                <a:extLst>
+                  <a:ext uri="{FF2B5EF4-FFF2-40B4-BE49-F238E27FC236}">
+                    <a16:creationId xmlns:a16="http://schemas.microsoft.com/office/drawing/2014/main" id="{098FFFC5-FB0F-4468-B541-28488D426FFF}"/>
+                  </a:ext>
+                </a:extLst>
+              </p:cNvPr>
+              <p:cNvSpPr txBox="1"/>
+              <p:nvPr/>
+            </p:nvSpPr>
+            <p:spPr>
+              <a:xfrm>
+                <a:off x="5472633" y="124992"/>
+                <a:ext cx="411347" cy="307777"/>
+              </a:xfrm>
+              <a:prstGeom prst="rect">
+                <a:avLst/>
+              </a:prstGeom>
+              <a:noFill/>
+            </p:spPr>
+            <p:txBody>
+              <a:bodyPr wrap="square" lIns="0" tIns="0" rIns="0" bIns="0" rtlCol="0">
+                <a:spAutoFit/>
+              </a:bodyPr>
+              <a:lstStyle/>
+              <a:p>
+                <a:pPr/>
+                <a14:m>
+                  <m:oMathPara xmlns:m="http://schemas.openxmlformats.org/officeDocument/2006/math">
+                    <m:oMathParaPr>
+                      <m:jc m:val="centerGroup"/>
+                    </m:oMathParaPr>
+                    <m:oMath xmlns:m="http://schemas.openxmlformats.org/officeDocument/2006/math">
+                      <m:acc>
+                        <m:accPr>
+                          <m:chr m:val="⃗"/>
+                          <m:ctrlPr>
+                            <a:rPr lang="en-US" sz="2000" b="0" i="1" smtClean="0">
+                              <a:latin typeface="Cambria Math" panose="02040503050406030204" pitchFamily="18" charset="0"/>
+                            </a:rPr>
+                          </m:ctrlPr>
+                        </m:accPr>
+                        <m:e>
+                          <m:r>
+                            <a:rPr lang="en-US" sz="2000" b="0" i="1" smtClean="0">
+                              <a:latin typeface="Cambria Math" panose="02040503050406030204" pitchFamily="18" charset="0"/>
+                            </a:rPr>
+                            <m:t>𝑣</m:t>
+                          </m:r>
+                        </m:e>
+                      </m:acc>
+                    </m:oMath>
+                  </m:oMathPara>
+                </a14:m>
+                <a:endParaRPr lang="en-US" sz="2000" dirty="0"/>
+              </a:p>
+            </p:txBody>
+          </p:sp>
+        </mc:Choice>
+        <mc:Fallback>
+          <p:sp>
+            <p:nvSpPr>
+              <p:cNvPr id="26" name="TextBox 25">
+                <a:extLst>
+                  <a:ext uri="{FF2B5EF4-FFF2-40B4-BE49-F238E27FC236}">
+                    <a16:creationId xmlns:a16="http://schemas.microsoft.com/office/drawing/2014/main" id="{098FFFC5-FB0F-4468-B541-28488D426FFF}"/>
+                  </a:ext>
+                </a:extLst>
+              </p:cNvPr>
+              <p:cNvSpPr txBox="1">
+                <a:spLocks noRot="1" noChangeAspect="1" noMove="1" noResize="1" noEditPoints="1" noAdjustHandles="1" noChangeArrowheads="1" noChangeShapeType="1" noTextEdit="1"/>
+              </p:cNvSpPr>
+              <p:nvPr/>
+            </p:nvSpPr>
+            <p:spPr>
+              <a:xfrm>
+                <a:off x="5472633" y="124992"/>
+                <a:ext cx="411347" cy="307777"/>
+              </a:xfrm>
+              <a:prstGeom prst="rect">
+                <a:avLst/>
+              </a:prstGeom>
+              <a:blipFill>
+                <a:blip r:embed="rId2"/>
+                <a:stretch>
+                  <a:fillRect t="-40000" r="-68657" b="-2000"/>
+                </a:stretch>
+              </a:blipFill>
+            </p:spPr>
+            <p:txBody>
+              <a:bodyPr/>
+              <a:lstStyle/>
+              <a:p>
+                <a:r>
+                  <a:rPr lang="en-US">
+                    <a:noFill/>
+                  </a:rPr>
+                  <a:t> </a:t>
+                </a:r>
+              </a:p>
+            </p:txBody>
+          </p:sp>
+        </mc:Fallback>
+      </mc:AlternateContent>
+      <p:sp>
+        <p:nvSpPr>
+          <p:cNvPr id="28" name="Oval 27">
+            <a:extLst>
+              <a:ext uri="{FF2B5EF4-FFF2-40B4-BE49-F238E27FC236}">
+                <a16:creationId xmlns:a16="http://schemas.microsoft.com/office/drawing/2014/main" id="{373897DC-CAA3-E77D-F651-170044E7EA38}"/>
+              </a:ext>
+            </a:extLst>
+          </p:cNvPr>
+          <p:cNvSpPr/>
+          <p:nvPr/>
+        </p:nvSpPr>
+        <p:spPr>
+          <a:xfrm>
+            <a:off x="4535945" y="2200239"/>
+            <a:ext cx="108997" cy="102605"/>
+          </a:xfrm>
+          <a:prstGeom prst="ellipse">
+            <a:avLst/>
+          </a:prstGeom>
+          <a:solidFill>
+            <a:schemeClr val="tx1"/>
+          </a:solidFill>
+          <a:ln>
+            <a:noFill/>
+          </a:ln>
+        </p:spPr>
+        <p:style>
+          <a:lnRef idx="2">
+            <a:schemeClr val="accent1">
+              <a:shade val="15000"/>
+            </a:schemeClr>
+          </a:lnRef>
+          <a:fillRef idx="1">
+            <a:schemeClr val="accent1"/>
+          </a:fillRef>
+          <a:effectRef idx="0">
+            <a:schemeClr val="accent1"/>
+          </a:effectRef>
+          <a:fontRef idx="minor">
+            <a:schemeClr val="lt1"/>
+          </a:fontRef>
+        </p:style>
+        <p:txBody>
+          <a:bodyPr rtlCol="0" anchor="ctr"/>
+          <a:lstStyle/>
+          <a:p>
+            <a:pPr algn="ctr"/>
+            <a:endParaRPr lang="en-US"/>
+          </a:p>
+        </p:txBody>
+      </p:sp>
+      <p:cxnSp>
+        <p:nvCxnSpPr>
+          <p:cNvPr id="29" name="Straight Arrow Connector 28">
+            <a:extLst>
+              <a:ext uri="{FF2B5EF4-FFF2-40B4-BE49-F238E27FC236}">
+                <a16:creationId xmlns:a16="http://schemas.microsoft.com/office/drawing/2014/main" id="{B1BBB644-92FF-DE3C-168F-CABAE4AB895E}"/>
+              </a:ext>
+            </a:extLst>
+          </p:cNvPr>
+          <p:cNvCxnSpPr>
+            <a:cxnSpLocks/>
+            <a:endCxn id="28" idx="4"/>
+          </p:cNvCxnSpPr>
+          <p:nvPr/>
+        </p:nvCxnSpPr>
+        <p:spPr>
+          <a:xfrm>
+            <a:off x="4590443" y="432769"/>
+            <a:ext cx="1" cy="1870075"/>
+          </a:xfrm>
+          <a:prstGeom prst="straightConnector1">
+            <a:avLst/>
+          </a:prstGeom>
+          <a:ln w="22225">
+            <a:solidFill>
+              <a:schemeClr val="tx1"/>
+            </a:solidFill>
+            <a:tailEnd type="none" w="med" len="lg"/>
+          </a:ln>
+        </p:spPr>
+        <p:style>
+          <a:lnRef idx="2">
+            <a:schemeClr val="accent1"/>
+          </a:lnRef>
+          <a:fillRef idx="0">
+            <a:schemeClr val="accent1"/>
+          </a:fillRef>
+          <a:effectRef idx="1">
+            <a:schemeClr val="accent1"/>
+          </a:effectRef>
+          <a:fontRef idx="minor">
+            <a:schemeClr val="tx1"/>
+          </a:fontRef>
+        </p:style>
+      </p:cxnSp>
+      <p:cxnSp>
+        <p:nvCxnSpPr>
+          <p:cNvPr id="31" name="Straight Arrow Connector 30">
+            <a:extLst>
+              <a:ext uri="{FF2B5EF4-FFF2-40B4-BE49-F238E27FC236}">
+                <a16:creationId xmlns:a16="http://schemas.microsoft.com/office/drawing/2014/main" id="{4DE91438-01C2-A234-CCF0-FBDD45AFD08A}"/>
+              </a:ext>
+            </a:extLst>
+          </p:cNvPr>
+          <p:cNvCxnSpPr>
+            <a:cxnSpLocks/>
+          </p:cNvCxnSpPr>
+          <p:nvPr/>
+        </p:nvCxnSpPr>
+        <p:spPr>
+          <a:xfrm>
+            <a:off x="4590443" y="432769"/>
+            <a:ext cx="0" cy="364791"/>
+          </a:xfrm>
+          <a:prstGeom prst="straightConnector1">
+            <a:avLst/>
+          </a:prstGeom>
+          <a:ln w="34925">
+            <a:solidFill>
+              <a:schemeClr val="tx1"/>
+            </a:solidFill>
+            <a:tailEnd type="stealth" w="med" len="lg"/>
+          </a:ln>
+        </p:spPr>
+        <p:style>
+          <a:lnRef idx="2">
+            <a:schemeClr val="accent1"/>
+          </a:lnRef>
+          <a:fillRef idx="0">
+            <a:schemeClr val="accent1"/>
+          </a:fillRef>
+          <a:effectRef idx="1">
+            <a:schemeClr val="accent1"/>
+          </a:effectRef>
+          <a:fontRef idx="minor">
+            <a:schemeClr val="tx1"/>
+          </a:fontRef>
+        </p:style>
+      </p:cxnSp>
+      <p:cxnSp>
+        <p:nvCxnSpPr>
+          <p:cNvPr id="33" name="Straight Arrow Connector 32">
+            <a:extLst>
+              <a:ext uri="{FF2B5EF4-FFF2-40B4-BE49-F238E27FC236}">
+                <a16:creationId xmlns:a16="http://schemas.microsoft.com/office/drawing/2014/main" id="{A21C091B-BDA8-241A-EAF3-CEC3EC442959}"/>
+              </a:ext>
+            </a:extLst>
+          </p:cNvPr>
+          <p:cNvCxnSpPr>
+            <a:cxnSpLocks/>
+          </p:cNvCxnSpPr>
+          <p:nvPr/>
+        </p:nvCxnSpPr>
+        <p:spPr>
+          <a:xfrm>
+            <a:off x="4590443" y="432769"/>
+            <a:ext cx="0" cy="613711"/>
+          </a:xfrm>
+          <a:prstGeom prst="straightConnector1">
+            <a:avLst/>
+          </a:prstGeom>
+          <a:ln w="34925">
+            <a:solidFill>
+              <a:schemeClr val="tx1"/>
+            </a:solidFill>
+            <a:tailEnd type="stealth" w="med" len="lg"/>
+          </a:ln>
+        </p:spPr>
+        <p:style>
+          <a:lnRef idx="2">
+            <a:schemeClr val="accent1"/>
+          </a:lnRef>
+          <a:fillRef idx="0">
+            <a:schemeClr val="accent1"/>
+          </a:fillRef>
+          <a:effectRef idx="1">
+            <a:schemeClr val="accent1"/>
+          </a:effectRef>
+          <a:fontRef idx="minor">
+            <a:schemeClr val="tx1"/>
+          </a:fontRef>
+        </p:style>
+      </p:cxnSp>
+      <mc:AlternateContent xmlns:mc="http://schemas.openxmlformats.org/markup-compatibility/2006">
+        <mc:Choice xmlns:a14="http://schemas.microsoft.com/office/drawing/2010/main" Requires="a14">
+          <p:sp>
+            <p:nvSpPr>
+              <p:cNvPr id="35" name="TextBox 34">
+                <a:extLst>
+                  <a:ext uri="{FF2B5EF4-FFF2-40B4-BE49-F238E27FC236}">
+                    <a16:creationId xmlns:a16="http://schemas.microsoft.com/office/drawing/2014/main" id="{26E367BF-21B2-B5BF-8B93-B8530FB72799}"/>
+                  </a:ext>
+                </a:extLst>
+              </p:cNvPr>
+              <p:cNvSpPr txBox="1"/>
+              <p:nvPr/>
+            </p:nvSpPr>
+            <p:spPr>
+              <a:xfrm>
+                <a:off x="4620191" y="507442"/>
+                <a:ext cx="411347" cy="215444"/>
+              </a:xfrm>
+              <a:prstGeom prst="rect">
+                <a:avLst/>
+              </a:prstGeom>
+              <a:noFill/>
+            </p:spPr>
+            <p:txBody>
+              <a:bodyPr wrap="square" lIns="0" tIns="0" rIns="0" bIns="0" rtlCol="0">
+                <a:spAutoFit/>
+              </a:bodyPr>
+              <a:lstStyle/>
+              <a:p>
+                <a:pPr/>
+                <a14:m>
+                  <m:oMathPara xmlns:m="http://schemas.openxmlformats.org/officeDocument/2006/math">
+                    <m:oMathParaPr>
+                      <m:jc m:val="centerGroup"/>
+                    </m:oMathParaPr>
+                    <m:oMath xmlns:m="http://schemas.openxmlformats.org/officeDocument/2006/math">
+                      <m:r>
+                        <a:rPr lang="en-US" sz="1400" b="0" i="1" smtClean="0">
+                          <a:latin typeface="Cambria Math" panose="02040503050406030204" pitchFamily="18" charset="0"/>
+                        </a:rPr>
+                        <m:t>𝑚</m:t>
+                      </m:r>
+                      <m:acc>
+                        <m:accPr>
+                          <m:chr m:val="⃗"/>
+                          <m:ctrlPr>
+                            <a:rPr lang="en-US" sz="1400" b="0" i="1" smtClean="0">
+                              <a:latin typeface="Cambria Math" panose="02040503050406030204" pitchFamily="18" charset="0"/>
+                            </a:rPr>
+                          </m:ctrlPr>
+                        </m:accPr>
+                        <m:e>
+                          <m:r>
+                            <a:rPr lang="en-US" sz="1400" b="0" i="1" smtClean="0">
+                              <a:latin typeface="Cambria Math" panose="02040503050406030204" pitchFamily="18" charset="0"/>
+                            </a:rPr>
+                            <m:t>𝑔</m:t>
+                          </m:r>
+                        </m:e>
+                      </m:acc>
+                    </m:oMath>
+                  </m:oMathPara>
+                </a14:m>
+                <a:endParaRPr lang="en-US" sz="1400" dirty="0"/>
+              </a:p>
+            </p:txBody>
+          </p:sp>
+        </mc:Choice>
+        <mc:Fallback>
+          <p:sp>
+            <p:nvSpPr>
+              <p:cNvPr id="35" name="TextBox 34">
+                <a:extLst>
+                  <a:ext uri="{FF2B5EF4-FFF2-40B4-BE49-F238E27FC236}">
+                    <a16:creationId xmlns:a16="http://schemas.microsoft.com/office/drawing/2014/main" id="{26E367BF-21B2-B5BF-8B93-B8530FB72799}"/>
+                  </a:ext>
+                </a:extLst>
+              </p:cNvPr>
+              <p:cNvSpPr txBox="1">
+                <a:spLocks noRot="1" noChangeAspect="1" noMove="1" noResize="1" noEditPoints="1" noAdjustHandles="1" noChangeArrowheads="1" noChangeShapeType="1" noTextEdit="1"/>
+              </p:cNvSpPr>
+              <p:nvPr/>
+            </p:nvSpPr>
+            <p:spPr>
+              <a:xfrm>
+                <a:off x="4620191" y="507442"/>
+                <a:ext cx="411347" cy="215444"/>
+              </a:xfrm>
+              <a:prstGeom prst="rect">
+                <a:avLst/>
+              </a:prstGeom>
+              <a:blipFill>
+                <a:blip r:embed="rId3"/>
+                <a:stretch>
+                  <a:fillRect t="-36111" r="-52239" b="-22222"/>
+                </a:stretch>
+              </a:blipFill>
+            </p:spPr>
+            <p:txBody>
+              <a:bodyPr/>
+              <a:lstStyle/>
+              <a:p>
+                <a:r>
+                  <a:rPr lang="en-US">
+                    <a:noFill/>
+                  </a:rPr>
+                  <a:t> </a:t>
+                </a:r>
+              </a:p>
+            </p:txBody>
+          </p:sp>
+        </mc:Fallback>
+      </mc:AlternateContent>
+      <mc:AlternateContent xmlns:mc="http://schemas.openxmlformats.org/markup-compatibility/2006">
+        <mc:Choice xmlns:a14="http://schemas.microsoft.com/office/drawing/2010/main" Requires="a14">
+          <p:sp>
+            <p:nvSpPr>
+              <p:cNvPr id="37" name="TextBox 36">
+                <a:extLst>
+                  <a:ext uri="{FF2B5EF4-FFF2-40B4-BE49-F238E27FC236}">
+                    <a16:creationId xmlns:a16="http://schemas.microsoft.com/office/drawing/2014/main" id="{456ECFD6-D29A-7588-B044-06B3890CF8B5}"/>
+                  </a:ext>
+                </a:extLst>
+              </p:cNvPr>
+              <p:cNvSpPr txBox="1"/>
+              <p:nvPr/>
+            </p:nvSpPr>
+            <p:spPr>
+              <a:xfrm>
+                <a:off x="4233595" y="653709"/>
+                <a:ext cx="411347" cy="345159"/>
+              </a:xfrm>
+              <a:prstGeom prst="rect">
+                <a:avLst/>
+              </a:prstGeom>
+              <a:noFill/>
+            </p:spPr>
+            <p:txBody>
+              <a:bodyPr wrap="square" lIns="0" tIns="0" rIns="0" bIns="0" rtlCol="0">
+                <a:spAutoFit/>
+              </a:bodyPr>
+              <a:lstStyle/>
+              <a:p>
+                <a:pPr/>
+                <a14:m>
+                  <m:oMathPara xmlns:m="http://schemas.openxmlformats.org/officeDocument/2006/math">
+                    <m:oMathParaPr>
+                      <m:jc m:val="centerGroup"/>
+                    </m:oMathParaPr>
+                    <m:oMath xmlns:m="http://schemas.openxmlformats.org/officeDocument/2006/math">
+                      <m:acc>
+                        <m:accPr>
+                          <m:chr m:val="⃗"/>
+                          <m:ctrlPr>
+                            <a:rPr lang="en-US" sz="2000" b="0" i="1" smtClean="0">
+                              <a:latin typeface="Cambria Math" panose="02040503050406030204" pitchFamily="18" charset="0"/>
+                            </a:rPr>
+                          </m:ctrlPr>
+                        </m:accPr>
+                        <m:e>
+                          <m:r>
+                            <a:rPr lang="en-US" sz="2000" b="0" i="1" smtClean="0">
+                              <a:latin typeface="Cambria Math" panose="02040503050406030204" pitchFamily="18" charset="0"/>
+                            </a:rPr>
+                            <m:t>𝑇</m:t>
+                          </m:r>
+                        </m:e>
+                      </m:acc>
+                    </m:oMath>
+                  </m:oMathPara>
+                </a14:m>
+                <a:endParaRPr lang="en-US" sz="2000" dirty="0"/>
+              </a:p>
+            </p:txBody>
+          </p:sp>
+        </mc:Choice>
+        <mc:Fallback>
+          <p:sp>
+            <p:nvSpPr>
+              <p:cNvPr id="37" name="TextBox 36">
+                <a:extLst>
+                  <a:ext uri="{FF2B5EF4-FFF2-40B4-BE49-F238E27FC236}">
+                    <a16:creationId xmlns:a16="http://schemas.microsoft.com/office/drawing/2014/main" id="{456ECFD6-D29A-7588-B044-06B3890CF8B5}"/>
+                  </a:ext>
+                </a:extLst>
+              </p:cNvPr>
+              <p:cNvSpPr txBox="1">
+                <a:spLocks noRot="1" noChangeAspect="1" noMove="1" noResize="1" noEditPoints="1" noAdjustHandles="1" noChangeArrowheads="1" noChangeShapeType="1" noTextEdit="1"/>
+              </p:cNvSpPr>
+              <p:nvPr/>
+            </p:nvSpPr>
+            <p:spPr>
+              <a:xfrm>
+                <a:off x="4233595" y="653709"/>
+                <a:ext cx="411347" cy="345159"/>
+              </a:xfrm>
+              <a:prstGeom prst="rect">
+                <a:avLst/>
+              </a:prstGeom>
+              <a:blipFill>
+                <a:blip r:embed="rId4"/>
+                <a:stretch>
+                  <a:fillRect b="-5263"/>
+                </a:stretch>
+              </a:blipFill>
+            </p:spPr>
+            <p:txBody>
+              <a:bodyPr/>
+              <a:lstStyle/>
+              <a:p>
+                <a:r>
+                  <a:rPr lang="en-US">
+                    <a:noFill/>
+                  </a:rPr>
+                  <a:t> </a:t>
+                </a:r>
+              </a:p>
+            </p:txBody>
+          </p:sp>
+        </mc:Fallback>
+      </mc:AlternateContent>
+      <p:cxnSp>
+        <p:nvCxnSpPr>
+          <p:cNvPr id="38" name="Straight Arrow Connector 37">
+            <a:extLst>
+              <a:ext uri="{FF2B5EF4-FFF2-40B4-BE49-F238E27FC236}">
+                <a16:creationId xmlns:a16="http://schemas.microsoft.com/office/drawing/2014/main" id="{A5A41C3C-9DF5-7C21-2CCA-2D0DF11DC35A}"/>
+              </a:ext>
+            </a:extLst>
+          </p:cNvPr>
+          <p:cNvCxnSpPr>
+            <a:cxnSpLocks/>
+          </p:cNvCxnSpPr>
+          <p:nvPr/>
+        </p:nvCxnSpPr>
+        <p:spPr>
+          <a:xfrm flipH="1">
+            <a:off x="3841208" y="293941"/>
+            <a:ext cx="601991" cy="0"/>
+          </a:xfrm>
+          <a:prstGeom prst="straightConnector1">
+            <a:avLst/>
+          </a:prstGeom>
+          <a:ln w="22225">
+            <a:solidFill>
+              <a:schemeClr val="tx1"/>
+            </a:solidFill>
+            <a:tailEnd type="stealth" w="med" len="lg"/>
+          </a:ln>
+        </p:spPr>
+        <p:style>
+          <a:lnRef idx="2">
+            <a:schemeClr val="accent1"/>
+          </a:lnRef>
+          <a:fillRef idx="0">
+            <a:schemeClr val="accent1"/>
+          </a:fillRef>
+          <a:effectRef idx="1">
+            <a:schemeClr val="accent1"/>
+          </a:effectRef>
+          <a:fontRef idx="minor">
+            <a:schemeClr val="tx1"/>
+          </a:fontRef>
+        </p:style>
+      </p:cxnSp>
+      <mc:AlternateContent xmlns:mc="http://schemas.openxmlformats.org/markup-compatibility/2006">
+        <mc:Choice xmlns:a14="http://schemas.microsoft.com/office/drawing/2010/main" Requires="a14">
+          <p:sp>
+            <p:nvSpPr>
+              <p:cNvPr id="40" name="TextBox 39">
+                <a:extLst>
+                  <a:ext uri="{FF2B5EF4-FFF2-40B4-BE49-F238E27FC236}">
+                    <a16:creationId xmlns:a16="http://schemas.microsoft.com/office/drawing/2014/main" id="{B43A8BD2-F06B-EC0A-8694-4A4A4F8A9629}"/>
+                  </a:ext>
+                </a:extLst>
+              </p:cNvPr>
+              <p:cNvSpPr txBox="1"/>
+              <p:nvPr/>
+            </p:nvSpPr>
+            <p:spPr>
+              <a:xfrm>
+                <a:off x="3895256" y="-51219"/>
+                <a:ext cx="411347" cy="345159"/>
+              </a:xfrm>
+              <a:prstGeom prst="rect">
+                <a:avLst/>
+              </a:prstGeom>
+              <a:noFill/>
+            </p:spPr>
+            <p:txBody>
+              <a:bodyPr wrap="square" lIns="0" tIns="0" rIns="0" bIns="0" rtlCol="0">
+                <a:spAutoFit/>
+              </a:bodyPr>
+              <a:lstStyle/>
+              <a:p>
+                <a:pPr/>
+                <a14:m>
+                  <m:oMathPara xmlns:m="http://schemas.openxmlformats.org/officeDocument/2006/math">
+                    <m:oMathParaPr>
+                      <m:jc m:val="centerGroup"/>
+                    </m:oMathParaPr>
+                    <m:oMath xmlns:m="http://schemas.openxmlformats.org/officeDocument/2006/math">
+                      <m:acc>
+                        <m:accPr>
+                          <m:chr m:val="⃗"/>
+                          <m:ctrlPr>
+                            <a:rPr lang="en-US" sz="2000" b="0" i="1" smtClean="0">
+                              <a:latin typeface="Cambria Math" panose="02040503050406030204" pitchFamily="18" charset="0"/>
+                            </a:rPr>
+                          </m:ctrlPr>
+                        </m:accPr>
+                        <m:e>
+                          <m:sSub>
+                            <m:sSubPr>
+                              <m:ctrlPr>
+                                <a:rPr lang="en-US" sz="2000" b="0" i="1" smtClean="0">
+                                  <a:latin typeface="Cambria Math" panose="02040503050406030204" pitchFamily="18" charset="0"/>
+                                </a:rPr>
+                              </m:ctrlPr>
+                            </m:sSubPr>
+                            <m:e>
+                              <m:r>
+                                <a:rPr lang="en-US" sz="2000" b="0" i="1" smtClean="0">
+                                  <a:latin typeface="Cambria Math" panose="02040503050406030204" pitchFamily="18" charset="0"/>
+                                </a:rPr>
+                                <m:t>𝐹</m:t>
+                              </m:r>
+                            </m:e>
+                            <m:sub>
+                              <m:r>
+                                <a:rPr lang="ru-RU" sz="2000" b="0" i="1" smtClean="0">
+                                  <a:latin typeface="Cambria Math" panose="02040503050406030204" pitchFamily="18" charset="0"/>
+                                </a:rPr>
+                                <m:t>с</m:t>
+                              </m:r>
+                            </m:sub>
+                          </m:sSub>
+                        </m:e>
+                      </m:acc>
+                    </m:oMath>
+                  </m:oMathPara>
+                </a14:m>
+                <a:endParaRPr lang="en-US" sz="2000" dirty="0"/>
+              </a:p>
+            </p:txBody>
+          </p:sp>
+        </mc:Choice>
+        <mc:Fallback>
+          <p:sp>
+            <p:nvSpPr>
+              <p:cNvPr id="40" name="TextBox 39">
+                <a:extLst>
+                  <a:ext uri="{FF2B5EF4-FFF2-40B4-BE49-F238E27FC236}">
+                    <a16:creationId xmlns:a16="http://schemas.microsoft.com/office/drawing/2014/main" id="{B43A8BD2-F06B-EC0A-8694-4A4A4F8A9629}"/>
+                  </a:ext>
+                </a:extLst>
+              </p:cNvPr>
+              <p:cNvSpPr txBox="1">
+                <a:spLocks noRot="1" noChangeAspect="1" noMove="1" noResize="1" noEditPoints="1" noAdjustHandles="1" noChangeArrowheads="1" noChangeShapeType="1" noTextEdit="1"/>
+              </p:cNvSpPr>
+              <p:nvPr/>
+            </p:nvSpPr>
+            <p:spPr>
+              <a:xfrm>
+                <a:off x="3895256" y="-51219"/>
+                <a:ext cx="411347" cy="345159"/>
+              </a:xfrm>
+              <a:prstGeom prst="rect">
+                <a:avLst/>
+              </a:prstGeom>
+              <a:blipFill>
+                <a:blip r:embed="rId5"/>
+                <a:stretch>
+                  <a:fillRect b="-10714"/>
+                </a:stretch>
+              </a:blipFill>
+            </p:spPr>
+            <p:txBody>
+              <a:bodyPr/>
+              <a:lstStyle/>
+              <a:p>
+                <a:r>
+                  <a:rPr lang="en-US">
+                    <a:noFill/>
+                  </a:rPr>
+                  <a:t> </a:t>
+                </a:r>
+              </a:p>
+            </p:txBody>
+          </p:sp>
+        </mc:Fallback>
+      </mc:AlternateContent>
+      <p:cxnSp>
+        <p:nvCxnSpPr>
+          <p:cNvPr id="41" name="Straight Arrow Connector 40">
+            <a:extLst>
+              <a:ext uri="{FF2B5EF4-FFF2-40B4-BE49-F238E27FC236}">
+                <a16:creationId xmlns:a16="http://schemas.microsoft.com/office/drawing/2014/main" id="{F23E2ED4-2227-60CA-4C58-DFDE8CB3083E}"/>
+              </a:ext>
+            </a:extLst>
+          </p:cNvPr>
+          <p:cNvCxnSpPr>
+            <a:cxnSpLocks/>
+          </p:cNvCxnSpPr>
+          <p:nvPr/>
+        </p:nvCxnSpPr>
+        <p:spPr>
+          <a:xfrm>
+            <a:off x="3895256" y="-7164"/>
+            <a:ext cx="411347" cy="275705"/>
+          </a:xfrm>
+          <a:prstGeom prst="straightConnector1">
+            <a:avLst/>
+          </a:prstGeom>
+          <a:ln w="19050">
+            <a:solidFill>
+              <a:schemeClr val="tx1"/>
+            </a:solidFill>
+            <a:tailEnd type="stealth" w="med" len="lg"/>
+          </a:ln>
+        </p:spPr>
+        <p:style>
+          <a:lnRef idx="2">
+            <a:schemeClr val="accent1"/>
+          </a:lnRef>
+          <a:fillRef idx="0">
+            <a:schemeClr val="accent1"/>
+          </a:fillRef>
+          <a:effectRef idx="1">
+            <a:schemeClr val="accent1"/>
+          </a:effectRef>
+          <a:fontRef idx="minor">
+            <a:schemeClr val="tx1"/>
+          </a:fontRef>
+        </p:style>
+      </p:cxnSp>
+      <p:sp>
+        <p:nvSpPr>
+          <p:cNvPr id="47" name="Flowchart: Terminator 46">
+            <a:extLst>
+              <a:ext uri="{FF2B5EF4-FFF2-40B4-BE49-F238E27FC236}">
+                <a16:creationId xmlns:a16="http://schemas.microsoft.com/office/drawing/2014/main" id="{B6929373-35E0-105E-E111-9FD8DEB2B693}"/>
+              </a:ext>
+            </a:extLst>
+          </p:cNvPr>
+          <p:cNvSpPr/>
+          <p:nvPr/>
+        </p:nvSpPr>
+        <p:spPr>
+          <a:xfrm>
+            <a:off x="3093882" y="4327812"/>
+            <a:ext cx="1496561" cy="520096"/>
+          </a:xfrm>
+          <a:custGeom>
+            <a:avLst/>
+            <a:gdLst>
+              <a:gd name="connsiteX0" fmla="*/ 240766 w 1496561"/>
+              <a:gd name="connsiteY0" fmla="*/ 0 h 520096"/>
+              <a:gd name="connsiteX1" fmla="*/ 768581 w 1496561"/>
+              <a:gd name="connsiteY1" fmla="*/ 0 h 520096"/>
+              <a:gd name="connsiteX2" fmla="*/ 1255794 w 1496561"/>
+              <a:gd name="connsiteY2" fmla="*/ 0 h 520096"/>
+              <a:gd name="connsiteX3" fmla="*/ 1496560 w 1496561"/>
+              <a:gd name="connsiteY3" fmla="*/ 260048 h 520096"/>
+              <a:gd name="connsiteX4" fmla="*/ 1255794 w 1496561"/>
+              <a:gd name="connsiteY4" fmla="*/ 520096 h 520096"/>
+              <a:gd name="connsiteX5" fmla="*/ 768581 w 1496561"/>
+              <a:gd name="connsiteY5" fmla="*/ 520096 h 520096"/>
+              <a:gd name="connsiteX6" fmla="*/ 240766 w 1496561"/>
+              <a:gd name="connsiteY6" fmla="*/ 520096 h 520096"/>
+              <a:gd name="connsiteX7" fmla="*/ 0 w 1496561"/>
+              <a:gd name="connsiteY7" fmla="*/ 260048 h 520096"/>
+              <a:gd name="connsiteX8" fmla="*/ 240766 w 1496561"/>
+              <a:gd name="connsiteY8" fmla="*/ 0 h 520096"/>
+            </a:gdLst>
+            <a:ahLst/>
+            <a:cxnLst>
+              <a:cxn ang="0">
+                <a:pos x="connsiteX0" y="connsiteY0"/>
+              </a:cxn>
+              <a:cxn ang="0">
+                <a:pos x="connsiteX1" y="connsiteY1"/>
+              </a:cxn>
+              <a:cxn ang="0">
+                <a:pos x="connsiteX2" y="connsiteY2"/>
+              </a:cxn>
+              <a:cxn ang="0">
+                <a:pos x="connsiteX3" y="connsiteY3"/>
+              </a:cxn>
+              <a:cxn ang="0">
+                <a:pos x="connsiteX4" y="connsiteY4"/>
+              </a:cxn>
+              <a:cxn ang="0">
+                <a:pos x="connsiteX5" y="connsiteY5"/>
+              </a:cxn>
+              <a:cxn ang="0">
+                <a:pos x="connsiteX6" y="connsiteY6"/>
+              </a:cxn>
+              <a:cxn ang="0">
+                <a:pos x="connsiteX7" y="connsiteY7"/>
+              </a:cxn>
+              <a:cxn ang="0">
+                <a:pos x="connsiteX8" y="connsiteY8"/>
+              </a:cxn>
+            </a:cxnLst>
+            <a:rect l="l" t="t" r="r" b="b"/>
+            <a:pathLst>
+              <a:path w="1496561" h="520096" fill="none" extrusionOk="0">
+                <a:moveTo>
+                  <a:pt x="240766" y="0"/>
+                </a:moveTo>
+                <a:cubicBezTo>
+                  <a:pt x="350122" y="-35030"/>
+                  <a:pt x="620153" y="55079"/>
+                  <a:pt x="768581" y="0"/>
+                </a:cubicBezTo>
+                <a:cubicBezTo>
+                  <a:pt x="917009" y="-55079"/>
+                  <a:pt x="1051038" y="20154"/>
+                  <a:pt x="1255794" y="0"/>
+                </a:cubicBezTo>
+                <a:cubicBezTo>
+                  <a:pt x="1402446" y="21092"/>
+                  <a:pt x="1499265" y="119733"/>
+                  <a:pt x="1496560" y="260048"/>
+                </a:cubicBezTo>
+                <a:cubicBezTo>
+                  <a:pt x="1508831" y="392932"/>
+                  <a:pt x="1396107" y="485507"/>
+                  <a:pt x="1255794" y="520096"/>
+                </a:cubicBezTo>
+                <a:cubicBezTo>
+                  <a:pt x="1144451" y="542490"/>
+                  <a:pt x="998010" y="482473"/>
+                  <a:pt x="768581" y="520096"/>
+                </a:cubicBezTo>
+                <a:cubicBezTo>
+                  <a:pt x="539152" y="557719"/>
+                  <a:pt x="399989" y="519507"/>
+                  <a:pt x="240766" y="520096"/>
+                </a:cubicBezTo>
+                <a:cubicBezTo>
+                  <a:pt x="110876" y="478588"/>
+                  <a:pt x="-14040" y="411874"/>
+                  <a:pt x="0" y="260048"/>
+                </a:cubicBezTo>
+                <a:cubicBezTo>
+                  <a:pt x="-15929" y="144901"/>
+                  <a:pt x="117431" y="7151"/>
+                  <a:pt x="240766" y="0"/>
+                </a:cubicBezTo>
+                <a:close/>
+              </a:path>
+              <a:path w="1496561" h="520096" stroke="0" extrusionOk="0">
+                <a:moveTo>
+                  <a:pt x="240766" y="0"/>
+                </a:moveTo>
+                <a:cubicBezTo>
+                  <a:pt x="393191" y="-32720"/>
+                  <a:pt x="501631" y="27634"/>
+                  <a:pt x="738130" y="0"/>
+                </a:cubicBezTo>
+                <a:cubicBezTo>
+                  <a:pt x="974629" y="-27634"/>
+                  <a:pt x="1123383" y="44299"/>
+                  <a:pt x="1255794" y="0"/>
+                </a:cubicBezTo>
+                <a:cubicBezTo>
+                  <a:pt x="1361699" y="26420"/>
+                  <a:pt x="1492402" y="139403"/>
+                  <a:pt x="1496560" y="260048"/>
+                </a:cubicBezTo>
+                <a:cubicBezTo>
+                  <a:pt x="1483844" y="396719"/>
+                  <a:pt x="1395536" y="523337"/>
+                  <a:pt x="1255794" y="520096"/>
+                </a:cubicBezTo>
+                <a:cubicBezTo>
+                  <a:pt x="1066964" y="526205"/>
+                  <a:pt x="993779" y="479290"/>
+                  <a:pt x="768581" y="520096"/>
+                </a:cubicBezTo>
+                <a:cubicBezTo>
+                  <a:pt x="543383" y="560902"/>
+                  <a:pt x="473243" y="519058"/>
+                  <a:pt x="240766" y="520096"/>
+                </a:cubicBezTo>
+                <a:cubicBezTo>
+                  <a:pt x="107259" y="514873"/>
+                  <a:pt x="-16635" y="426793"/>
+                  <a:pt x="0" y="260048"/>
+                </a:cubicBezTo>
+                <a:cubicBezTo>
+                  <a:pt x="33664" y="135265"/>
+                  <a:pt x="131238" y="5634"/>
+                  <a:pt x="240766" y="0"/>
+                </a:cubicBezTo>
+                <a:close/>
+              </a:path>
+            </a:pathLst>
+          </a:custGeom>
+          <a:solidFill>
+            <a:schemeClr val="bg1">
+              <a:lumMod val="85000"/>
+            </a:schemeClr>
+          </a:solidFill>
+          <a:ln>
+            <a:extLst>
+              <a:ext uri="{C807C97D-BFC1-408E-A445-0C87EB9F89A2}">
+                <ask:lineSketchStyleProps xmlns:ask="http://schemas.microsoft.com/office/drawing/2018/sketchyshapes" sd="1219033472">
+                  <a:prstGeom prst="flowChartTerminator">
+                    <a:avLst/>
+                  </a:prstGeom>
+                  <ask:type>
+                    <ask:lineSketchScribble/>
+                  </ask:type>
+                </ask:lineSketchStyleProps>
+              </a:ext>
+            </a:extLst>
+          </a:ln>
+        </p:spPr>
+        <p:style>
+          <a:lnRef idx="2">
+            <a:schemeClr val="accent1">
+              <a:shade val="15000"/>
+            </a:schemeClr>
+          </a:lnRef>
+          <a:fillRef idx="1">
+            <a:schemeClr val="accent1"/>
+          </a:fillRef>
+          <a:effectRef idx="0">
+            <a:schemeClr val="accent1"/>
+          </a:effectRef>
+          <a:fontRef idx="minor">
+            <a:schemeClr val="lt1"/>
+          </a:fontRef>
+        </p:style>
+        <p:txBody>
+          <a:bodyPr rtlCol="0" anchor="ctr"/>
+          <a:lstStyle/>
+          <a:p>
+            <a:pPr algn="ctr"/>
+            <a:r>
+              <a:rPr lang="ru-RU" sz="2800" dirty="0">
+                <a:solidFill>
+                  <a:schemeClr val="tx1"/>
+                </a:solidFill>
+                <a:latin typeface="Cambria" panose="02040503050406030204" pitchFamily="18" charset="0"/>
+                <a:ea typeface="Cambria" panose="02040503050406030204" pitchFamily="18" charset="0"/>
+              </a:rPr>
+              <a:t>1</a:t>
+            </a:r>
+            <a:endParaRPr lang="en-US" sz="2800" dirty="0">
+              <a:solidFill>
+                <a:schemeClr val="tx1"/>
+              </a:solidFill>
+              <a:latin typeface="Cambria" panose="02040503050406030204" pitchFamily="18" charset="0"/>
+              <a:ea typeface="Cambria" panose="02040503050406030204" pitchFamily="18" charset="0"/>
+            </a:endParaRPr>
+          </a:p>
+        </p:txBody>
+      </p:sp>
+      <p:sp>
+        <p:nvSpPr>
+          <p:cNvPr id="48" name="Flowchart: Terminator 47">
+            <a:extLst>
+              <a:ext uri="{FF2B5EF4-FFF2-40B4-BE49-F238E27FC236}">
+                <a16:creationId xmlns:a16="http://schemas.microsoft.com/office/drawing/2014/main" id="{AB1B019B-ACF2-D454-CCD0-F23048CE57E2}"/>
+              </a:ext>
+            </a:extLst>
+          </p:cNvPr>
+          <p:cNvSpPr/>
+          <p:nvPr/>
+        </p:nvSpPr>
+        <p:spPr>
+          <a:xfrm>
+            <a:off x="6460519" y="4327812"/>
+            <a:ext cx="1558021" cy="520096"/>
+          </a:xfrm>
+          <a:custGeom>
+            <a:avLst/>
+            <a:gdLst>
+              <a:gd name="connsiteX0" fmla="*/ 250653 w 1558021"/>
+              <a:gd name="connsiteY0" fmla="*/ 0 h 520096"/>
+              <a:gd name="connsiteX1" fmla="*/ 789577 w 1558021"/>
+              <a:gd name="connsiteY1" fmla="*/ 0 h 520096"/>
+              <a:gd name="connsiteX2" fmla="*/ 1307367 w 1558021"/>
+              <a:gd name="connsiteY2" fmla="*/ 0 h 520096"/>
+              <a:gd name="connsiteX3" fmla="*/ 1558021 w 1558021"/>
+              <a:gd name="connsiteY3" fmla="*/ 260048 h 520096"/>
+              <a:gd name="connsiteX4" fmla="*/ 1307367 w 1558021"/>
+              <a:gd name="connsiteY4" fmla="*/ 520096 h 520096"/>
+              <a:gd name="connsiteX5" fmla="*/ 779010 w 1558021"/>
+              <a:gd name="connsiteY5" fmla="*/ 520096 h 520096"/>
+              <a:gd name="connsiteX6" fmla="*/ 250653 w 1558021"/>
+              <a:gd name="connsiteY6" fmla="*/ 520096 h 520096"/>
+              <a:gd name="connsiteX7" fmla="*/ 0 w 1558021"/>
+              <a:gd name="connsiteY7" fmla="*/ 260048 h 520096"/>
+              <a:gd name="connsiteX8" fmla="*/ 250653 w 1558021"/>
+              <a:gd name="connsiteY8" fmla="*/ 0 h 520096"/>
+            </a:gdLst>
+            <a:ahLst/>
+            <a:cxnLst>
+              <a:cxn ang="0">
+                <a:pos x="connsiteX0" y="connsiteY0"/>
+              </a:cxn>
+              <a:cxn ang="0">
+                <a:pos x="connsiteX1" y="connsiteY1"/>
+              </a:cxn>
+              <a:cxn ang="0">
+                <a:pos x="connsiteX2" y="connsiteY2"/>
+              </a:cxn>
+              <a:cxn ang="0">
+                <a:pos x="connsiteX3" y="connsiteY3"/>
+              </a:cxn>
+              <a:cxn ang="0">
+                <a:pos x="connsiteX4" y="connsiteY4"/>
+              </a:cxn>
+              <a:cxn ang="0">
+                <a:pos x="connsiteX5" y="connsiteY5"/>
+              </a:cxn>
+              <a:cxn ang="0">
+                <a:pos x="connsiteX6" y="connsiteY6"/>
+              </a:cxn>
+              <a:cxn ang="0">
+                <a:pos x="connsiteX7" y="connsiteY7"/>
+              </a:cxn>
+              <a:cxn ang="0">
+                <a:pos x="connsiteX8" y="connsiteY8"/>
+              </a:cxn>
+            </a:cxnLst>
+            <a:rect l="l" t="t" r="r" b="b"/>
+            <a:pathLst>
+              <a:path w="1558021" h="520096" fill="none" extrusionOk="0">
+                <a:moveTo>
+                  <a:pt x="250653" y="0"/>
+                </a:moveTo>
+                <a:cubicBezTo>
+                  <a:pt x="424986" y="-18986"/>
+                  <a:pt x="636954" y="35011"/>
+                  <a:pt x="789577" y="0"/>
+                </a:cubicBezTo>
+                <a:cubicBezTo>
+                  <a:pt x="942200" y="-35011"/>
+                  <a:pt x="1126948" y="1644"/>
+                  <a:pt x="1307367" y="0"/>
+                </a:cubicBezTo>
+                <a:cubicBezTo>
+                  <a:pt x="1420244" y="-13657"/>
+                  <a:pt x="1566451" y="111674"/>
+                  <a:pt x="1558021" y="260048"/>
+                </a:cubicBezTo>
+                <a:cubicBezTo>
+                  <a:pt x="1575673" y="405930"/>
+                  <a:pt x="1449164" y="560998"/>
+                  <a:pt x="1307367" y="520096"/>
+                </a:cubicBezTo>
+                <a:cubicBezTo>
+                  <a:pt x="1105113" y="566248"/>
+                  <a:pt x="972479" y="516129"/>
+                  <a:pt x="779010" y="520096"/>
+                </a:cubicBezTo>
+                <a:cubicBezTo>
+                  <a:pt x="585541" y="524063"/>
+                  <a:pt x="422211" y="503919"/>
+                  <a:pt x="250653" y="520096"/>
+                </a:cubicBezTo>
+                <a:cubicBezTo>
+                  <a:pt x="111834" y="546659"/>
+                  <a:pt x="9188" y="413306"/>
+                  <a:pt x="0" y="260048"/>
+                </a:cubicBezTo>
+                <a:cubicBezTo>
+                  <a:pt x="-5560" y="121994"/>
+                  <a:pt x="134562" y="-6190"/>
+                  <a:pt x="250653" y="0"/>
+                </a:cubicBezTo>
+                <a:close/>
+              </a:path>
+              <a:path w="1558021" h="520096" stroke="0" extrusionOk="0">
+                <a:moveTo>
+                  <a:pt x="250653" y="0"/>
+                </a:moveTo>
+                <a:cubicBezTo>
+                  <a:pt x="485612" y="-29184"/>
+                  <a:pt x="594264" y="60490"/>
+                  <a:pt x="800144" y="0"/>
+                </a:cubicBezTo>
+                <a:cubicBezTo>
+                  <a:pt x="1006024" y="-60490"/>
+                  <a:pt x="1152760" y="43691"/>
+                  <a:pt x="1307367" y="0"/>
+                </a:cubicBezTo>
+                <a:cubicBezTo>
+                  <a:pt x="1442416" y="9764"/>
+                  <a:pt x="1578237" y="130151"/>
+                  <a:pt x="1558021" y="260048"/>
+                </a:cubicBezTo>
+                <a:cubicBezTo>
+                  <a:pt x="1556052" y="412487"/>
+                  <a:pt x="1430316" y="522675"/>
+                  <a:pt x="1307367" y="520096"/>
+                </a:cubicBezTo>
+                <a:cubicBezTo>
+                  <a:pt x="1126184" y="532644"/>
+                  <a:pt x="927008" y="503470"/>
+                  <a:pt x="800144" y="520096"/>
+                </a:cubicBezTo>
+                <a:cubicBezTo>
+                  <a:pt x="673280" y="536722"/>
+                  <a:pt x="512714" y="501400"/>
+                  <a:pt x="250653" y="520096"/>
+                </a:cubicBezTo>
+                <a:cubicBezTo>
+                  <a:pt x="126496" y="533469"/>
+                  <a:pt x="-9438" y="394057"/>
+                  <a:pt x="0" y="260048"/>
+                </a:cubicBezTo>
+                <a:cubicBezTo>
+                  <a:pt x="-26755" y="90128"/>
+                  <a:pt x="135996" y="27448"/>
+                  <a:pt x="250653" y="0"/>
+                </a:cubicBezTo>
+                <a:close/>
+              </a:path>
+            </a:pathLst>
+          </a:custGeom>
+          <a:solidFill>
+            <a:schemeClr val="bg1">
+              <a:lumMod val="85000"/>
+            </a:schemeClr>
+          </a:solidFill>
+          <a:ln>
+            <a:extLst>
+              <a:ext uri="{C807C97D-BFC1-408E-A445-0C87EB9F89A2}">
+                <ask:lineSketchStyleProps xmlns:ask="http://schemas.microsoft.com/office/drawing/2018/sketchyshapes" sd="2214188587">
+                  <a:prstGeom prst="flowChartTerminator">
+                    <a:avLst/>
+                  </a:prstGeom>
+                  <ask:type>
+                    <ask:lineSketchScribble/>
+                  </ask:type>
+                </ask:lineSketchStyleProps>
+              </a:ext>
+            </a:extLst>
+          </a:ln>
+        </p:spPr>
+        <p:style>
+          <a:lnRef idx="2">
+            <a:schemeClr val="accent1">
+              <a:shade val="15000"/>
+            </a:schemeClr>
+          </a:lnRef>
+          <a:fillRef idx="1">
+            <a:schemeClr val="accent1"/>
+          </a:fillRef>
+          <a:effectRef idx="0">
+            <a:schemeClr val="accent1"/>
+          </a:effectRef>
+          <a:fontRef idx="minor">
+            <a:schemeClr val="lt1"/>
+          </a:fontRef>
+        </p:style>
+        <p:txBody>
+          <a:bodyPr rtlCol="0" anchor="ctr"/>
+          <a:lstStyle/>
+          <a:p>
+            <a:pPr algn="ctr"/>
+            <a:r>
+              <a:rPr lang="ru-RU" sz="2800" dirty="0">
+                <a:solidFill>
+                  <a:schemeClr val="tx1"/>
+                </a:solidFill>
+                <a:latin typeface="Cambria" panose="02040503050406030204" pitchFamily="18" charset="0"/>
+                <a:ea typeface="Cambria" panose="02040503050406030204" pitchFamily="18" charset="0"/>
+              </a:rPr>
+              <a:t>2</a:t>
+            </a:r>
+            <a:endParaRPr lang="en-US" sz="2800" dirty="0">
+              <a:solidFill>
+                <a:schemeClr val="tx1"/>
+              </a:solidFill>
+              <a:latin typeface="Cambria" panose="02040503050406030204" pitchFamily="18" charset="0"/>
+              <a:ea typeface="Cambria" panose="02040503050406030204" pitchFamily="18" charset="0"/>
+            </a:endParaRPr>
+          </a:p>
+        </p:txBody>
+      </p:sp>
+      <p:cxnSp>
+        <p:nvCxnSpPr>
+          <p:cNvPr id="49" name="Straight Arrow Connector 48">
+            <a:extLst>
+              <a:ext uri="{FF2B5EF4-FFF2-40B4-BE49-F238E27FC236}">
+                <a16:creationId xmlns:a16="http://schemas.microsoft.com/office/drawing/2014/main" id="{AA355003-85AC-8383-C3C0-800C96CAF512}"/>
+              </a:ext>
+            </a:extLst>
+          </p:cNvPr>
+          <p:cNvCxnSpPr>
+            <a:cxnSpLocks/>
+          </p:cNvCxnSpPr>
+          <p:nvPr/>
+        </p:nvCxnSpPr>
+        <p:spPr>
+          <a:xfrm>
+            <a:off x="4590442" y="4555155"/>
+            <a:ext cx="1870077" cy="0"/>
+          </a:xfrm>
+          <a:prstGeom prst="straightConnector1">
+            <a:avLst/>
+          </a:prstGeom>
+          <a:ln w="22225">
+            <a:solidFill>
+              <a:schemeClr val="tx1"/>
+            </a:solidFill>
+            <a:tailEnd type="none" w="med" len="lg"/>
+          </a:ln>
+        </p:spPr>
+        <p:style>
+          <a:lnRef idx="2">
+            <a:schemeClr val="accent1"/>
+          </a:lnRef>
+          <a:fillRef idx="0">
+            <a:schemeClr val="accent1"/>
+          </a:fillRef>
+          <a:effectRef idx="1">
+            <a:schemeClr val="accent1"/>
+          </a:effectRef>
+          <a:fontRef idx="minor">
+            <a:schemeClr val="tx1"/>
+          </a:fontRef>
+        </p:style>
+      </p:cxnSp>
+      <p:cxnSp>
+        <p:nvCxnSpPr>
+          <p:cNvPr id="51" name="Straight Arrow Connector 50">
+            <a:extLst>
+              <a:ext uri="{FF2B5EF4-FFF2-40B4-BE49-F238E27FC236}">
+                <a16:creationId xmlns:a16="http://schemas.microsoft.com/office/drawing/2014/main" id="{2E420EFE-3B52-EE67-5315-EAF401F737A4}"/>
+              </a:ext>
+            </a:extLst>
+          </p:cNvPr>
+          <p:cNvCxnSpPr>
+            <a:cxnSpLocks/>
+          </p:cNvCxnSpPr>
+          <p:nvPr/>
+        </p:nvCxnSpPr>
+        <p:spPr>
+          <a:xfrm>
+            <a:off x="4590444" y="4555155"/>
+            <a:ext cx="730856" cy="0"/>
+          </a:xfrm>
+          <a:prstGeom prst="straightConnector1">
+            <a:avLst/>
+          </a:prstGeom>
+          <a:ln w="34925">
+            <a:solidFill>
+              <a:schemeClr val="tx1"/>
+            </a:solidFill>
+            <a:tailEnd type="stealth" w="med" len="lg"/>
+          </a:ln>
+        </p:spPr>
+        <p:style>
+          <a:lnRef idx="2">
+            <a:schemeClr val="accent1"/>
+          </a:lnRef>
+          <a:fillRef idx="0">
+            <a:schemeClr val="accent1"/>
+          </a:fillRef>
+          <a:effectRef idx="1">
+            <a:schemeClr val="accent1"/>
+          </a:effectRef>
+          <a:fontRef idx="minor">
+            <a:schemeClr val="tx1"/>
+          </a:fontRef>
+        </p:style>
+      </p:cxnSp>
+      <p:cxnSp>
+        <p:nvCxnSpPr>
+          <p:cNvPr id="53" name="Straight Arrow Connector 52">
+            <a:extLst>
+              <a:ext uri="{FF2B5EF4-FFF2-40B4-BE49-F238E27FC236}">
+                <a16:creationId xmlns:a16="http://schemas.microsoft.com/office/drawing/2014/main" id="{45625BC8-123D-155A-B69A-96627C07493B}"/>
+              </a:ext>
+            </a:extLst>
+          </p:cNvPr>
+          <p:cNvCxnSpPr>
+            <a:cxnSpLocks/>
+          </p:cNvCxnSpPr>
+          <p:nvPr/>
+        </p:nvCxnSpPr>
+        <p:spPr>
+          <a:xfrm flipH="1">
+            <a:off x="5883980" y="4555155"/>
+            <a:ext cx="576621" cy="0"/>
+          </a:xfrm>
+          <a:prstGeom prst="straightConnector1">
+            <a:avLst/>
+          </a:prstGeom>
+          <a:ln w="34925">
+            <a:solidFill>
+              <a:schemeClr val="tx1"/>
+            </a:solidFill>
+            <a:tailEnd type="stealth" w="med" len="lg"/>
+          </a:ln>
+        </p:spPr>
+        <p:style>
+          <a:lnRef idx="2">
+            <a:schemeClr val="accent1"/>
+          </a:lnRef>
+          <a:fillRef idx="0">
+            <a:schemeClr val="accent1"/>
+          </a:fillRef>
+          <a:effectRef idx="1">
+            <a:schemeClr val="accent1"/>
+          </a:effectRef>
+          <a:fontRef idx="minor">
+            <a:schemeClr val="tx1"/>
+          </a:fontRef>
+        </p:style>
+      </p:cxnSp>
+      <mc:AlternateContent xmlns:mc="http://schemas.openxmlformats.org/markup-compatibility/2006">
+        <mc:Choice xmlns:a14="http://schemas.microsoft.com/office/drawing/2010/main" Requires="a14">
+          <p:sp>
+            <p:nvSpPr>
+              <p:cNvPr id="58" name="TextBox 57">
+                <a:extLst>
+                  <a:ext uri="{FF2B5EF4-FFF2-40B4-BE49-F238E27FC236}">
+                    <a16:creationId xmlns:a16="http://schemas.microsoft.com/office/drawing/2014/main" id="{37950125-AFD1-8A11-B3DE-F5D9AFD26E80}"/>
+                  </a:ext>
+                </a:extLst>
+              </p:cNvPr>
+              <p:cNvSpPr txBox="1"/>
+              <p:nvPr/>
+            </p:nvSpPr>
+            <p:spPr>
+              <a:xfrm>
+                <a:off x="4776273" y="4155232"/>
+                <a:ext cx="411347" cy="345159"/>
+              </a:xfrm>
+              <a:prstGeom prst="rect">
+                <a:avLst/>
+              </a:prstGeom>
+              <a:noFill/>
+            </p:spPr>
+            <p:txBody>
+              <a:bodyPr wrap="square" lIns="0" tIns="0" rIns="0" bIns="0" rtlCol="0">
+                <a:spAutoFit/>
+              </a:bodyPr>
+              <a:lstStyle/>
+              <a:p>
+                <a:pPr/>
+                <a14:m>
+                  <m:oMathPara xmlns:m="http://schemas.openxmlformats.org/officeDocument/2006/math">
+                    <m:oMathParaPr>
+                      <m:jc m:val="centerGroup"/>
+                    </m:oMathParaPr>
+                    <m:oMath xmlns:m="http://schemas.openxmlformats.org/officeDocument/2006/math">
+                      <m:acc>
+                        <m:accPr>
+                          <m:chr m:val="⃗"/>
+                          <m:ctrlPr>
+                            <a:rPr lang="en-US" sz="2000" b="0" i="1" smtClean="0">
+                              <a:latin typeface="Cambria Math" panose="02040503050406030204" pitchFamily="18" charset="0"/>
+                            </a:rPr>
+                          </m:ctrlPr>
+                        </m:accPr>
+                        <m:e>
+                          <m:sSub>
+                            <m:sSubPr>
+                              <m:ctrlPr>
+                                <a:rPr lang="en-US" sz="2000" b="0" i="1" smtClean="0">
+                                  <a:latin typeface="Cambria Math" panose="02040503050406030204" pitchFamily="18" charset="0"/>
+                                </a:rPr>
+                              </m:ctrlPr>
+                            </m:sSubPr>
+                            <m:e>
+                              <m:r>
+                                <a:rPr lang="en-US" sz="2000" b="0" i="1" smtClean="0">
+                                  <a:latin typeface="Cambria Math" panose="02040503050406030204" pitchFamily="18" charset="0"/>
+                                </a:rPr>
+                                <m:t>𝐹</m:t>
+                              </m:r>
+                            </m:e>
+                            <m:sub>
+                              <m:r>
+                                <a:rPr lang="ru-RU" sz="2000" b="0" i="1" smtClean="0">
+                                  <a:latin typeface="Cambria Math" panose="02040503050406030204" pitchFamily="18" charset="0"/>
+                                </a:rPr>
+                                <m:t>12</m:t>
+                              </m:r>
+                            </m:sub>
+                          </m:sSub>
+                        </m:e>
+                      </m:acc>
+                    </m:oMath>
+                  </m:oMathPara>
+                </a14:m>
+                <a:endParaRPr lang="en-US" sz="2000" dirty="0"/>
+              </a:p>
+            </p:txBody>
+          </p:sp>
+        </mc:Choice>
+        <mc:Fallback>
+          <p:sp>
+            <p:nvSpPr>
+              <p:cNvPr id="58" name="TextBox 57">
+                <a:extLst>
+                  <a:ext uri="{FF2B5EF4-FFF2-40B4-BE49-F238E27FC236}">
+                    <a16:creationId xmlns:a16="http://schemas.microsoft.com/office/drawing/2014/main" id="{37950125-AFD1-8A11-B3DE-F5D9AFD26E80}"/>
+                  </a:ext>
+                </a:extLst>
+              </p:cNvPr>
+              <p:cNvSpPr txBox="1">
+                <a:spLocks noRot="1" noChangeAspect="1" noMove="1" noResize="1" noEditPoints="1" noAdjustHandles="1" noChangeArrowheads="1" noChangeShapeType="1" noTextEdit="1"/>
+              </p:cNvSpPr>
+              <p:nvPr/>
+            </p:nvSpPr>
+            <p:spPr>
+              <a:xfrm>
+                <a:off x="4776273" y="4155232"/>
+                <a:ext cx="411347" cy="345159"/>
+              </a:xfrm>
+              <a:prstGeom prst="rect">
+                <a:avLst/>
+              </a:prstGeom>
+              <a:blipFill>
+                <a:blip r:embed="rId6"/>
+                <a:stretch>
+                  <a:fillRect l="-14925" r="-5970" b="-14286"/>
+                </a:stretch>
+              </a:blipFill>
+            </p:spPr>
+            <p:txBody>
+              <a:bodyPr/>
+              <a:lstStyle/>
+              <a:p>
+                <a:r>
+                  <a:rPr lang="en-US">
+                    <a:noFill/>
+                  </a:rPr>
+                  <a:t> </a:t>
+                </a:r>
+              </a:p>
+            </p:txBody>
+          </p:sp>
+        </mc:Fallback>
+      </mc:AlternateContent>
+      <mc:AlternateContent xmlns:mc="http://schemas.openxmlformats.org/markup-compatibility/2006">
+        <mc:Choice xmlns:a14="http://schemas.microsoft.com/office/drawing/2010/main" Requires="a14">
+          <p:sp>
+            <p:nvSpPr>
+              <p:cNvPr id="59" name="TextBox 58">
+                <a:extLst>
+                  <a:ext uri="{FF2B5EF4-FFF2-40B4-BE49-F238E27FC236}">
+                    <a16:creationId xmlns:a16="http://schemas.microsoft.com/office/drawing/2014/main" id="{768665A6-437D-9AF7-F75E-E6C15D9DB533}"/>
+                  </a:ext>
+                </a:extLst>
+              </p:cNvPr>
+              <p:cNvSpPr txBox="1"/>
+              <p:nvPr/>
+            </p:nvSpPr>
+            <p:spPr>
+              <a:xfrm>
+                <a:off x="5966576" y="4172919"/>
+                <a:ext cx="411347" cy="345159"/>
+              </a:xfrm>
+              <a:prstGeom prst="rect">
+                <a:avLst/>
+              </a:prstGeom>
+              <a:noFill/>
+            </p:spPr>
+            <p:txBody>
+              <a:bodyPr wrap="square" lIns="0" tIns="0" rIns="0" bIns="0" rtlCol="0">
+                <a:spAutoFit/>
+              </a:bodyPr>
+              <a:lstStyle/>
+              <a:p>
+                <a:pPr/>
+                <a14:m>
+                  <m:oMathPara xmlns:m="http://schemas.openxmlformats.org/officeDocument/2006/math">
+                    <m:oMathParaPr>
+                      <m:jc m:val="centerGroup"/>
+                    </m:oMathParaPr>
+                    <m:oMath xmlns:m="http://schemas.openxmlformats.org/officeDocument/2006/math">
+                      <m:acc>
+                        <m:accPr>
+                          <m:chr m:val="⃗"/>
+                          <m:ctrlPr>
+                            <a:rPr lang="en-US" sz="2000" b="0" i="1" smtClean="0">
+                              <a:latin typeface="Cambria Math" panose="02040503050406030204" pitchFamily="18" charset="0"/>
+                            </a:rPr>
+                          </m:ctrlPr>
+                        </m:accPr>
+                        <m:e>
+                          <m:sSub>
+                            <m:sSubPr>
+                              <m:ctrlPr>
+                                <a:rPr lang="en-US" sz="2000" b="0" i="1" smtClean="0">
+                                  <a:latin typeface="Cambria Math" panose="02040503050406030204" pitchFamily="18" charset="0"/>
+                                </a:rPr>
+                              </m:ctrlPr>
+                            </m:sSubPr>
+                            <m:e>
+                              <m:r>
+                                <a:rPr lang="en-US" sz="2000" b="0" i="1" smtClean="0">
+                                  <a:latin typeface="Cambria Math" panose="02040503050406030204" pitchFamily="18" charset="0"/>
+                                </a:rPr>
+                                <m:t>𝐹</m:t>
+                              </m:r>
+                            </m:e>
+                            <m:sub>
+                              <m:r>
+                                <a:rPr lang="ru-RU" sz="2000" b="0" i="1" smtClean="0">
+                                  <a:latin typeface="Cambria Math" panose="02040503050406030204" pitchFamily="18" charset="0"/>
+                                </a:rPr>
+                                <m:t>21</m:t>
+                              </m:r>
+                            </m:sub>
+                          </m:sSub>
+                        </m:e>
+                      </m:acc>
+                    </m:oMath>
+                  </m:oMathPara>
+                </a14:m>
+                <a:endParaRPr lang="en-US" sz="2000" dirty="0"/>
+              </a:p>
+            </p:txBody>
+          </p:sp>
+        </mc:Choice>
+        <mc:Fallback>
+          <p:sp>
+            <p:nvSpPr>
+              <p:cNvPr id="59" name="TextBox 58">
+                <a:extLst>
+                  <a:ext uri="{FF2B5EF4-FFF2-40B4-BE49-F238E27FC236}">
+                    <a16:creationId xmlns:a16="http://schemas.microsoft.com/office/drawing/2014/main" id="{768665A6-437D-9AF7-F75E-E6C15D9DB533}"/>
+                  </a:ext>
+                </a:extLst>
+              </p:cNvPr>
+              <p:cNvSpPr txBox="1">
+                <a:spLocks noRot="1" noChangeAspect="1" noMove="1" noResize="1" noEditPoints="1" noAdjustHandles="1" noChangeArrowheads="1" noChangeShapeType="1" noTextEdit="1"/>
+              </p:cNvSpPr>
+              <p:nvPr/>
+            </p:nvSpPr>
+            <p:spPr>
+              <a:xfrm>
+                <a:off x="5966576" y="4172919"/>
+                <a:ext cx="411347" cy="345159"/>
+              </a:xfrm>
+              <a:prstGeom prst="rect">
+                <a:avLst/>
+              </a:prstGeom>
+              <a:blipFill>
+                <a:blip r:embed="rId7"/>
+                <a:stretch>
+                  <a:fillRect l="-14925" r="-7463" b="-14286"/>
+                </a:stretch>
+              </a:blipFill>
+            </p:spPr>
+            <p:txBody>
+              <a:bodyPr/>
+              <a:lstStyle/>
+              <a:p>
+                <a:r>
+                  <a:rPr lang="en-US">
+                    <a:noFill/>
+                  </a:rPr>
+                  <a:t> </a:t>
+                </a:r>
+              </a:p>
+            </p:txBody>
+          </p:sp>
+        </mc:Fallback>
+      </mc:AlternateContent>
+    </p:spTree>
+    <p:extLst>
+      <p:ext uri="{BB962C8B-B14F-4D97-AF65-F5344CB8AC3E}">
+        <p14:creationId xmlns:p14="http://schemas.microsoft.com/office/powerpoint/2010/main" val="2810229555"/>
       </p:ext>
     </p:extLst>
   </p:cSld>
@@ -19630,6 +24826,751 @@
           <a:chExt cx="0" cy="0"/>
         </a:xfrm>
       </p:grpSpPr>
+      <p:sp>
+        <p:nvSpPr>
+          <p:cNvPr id="2" name="Rectangle 1">
+            <a:extLst>
+              <a:ext uri="{FF2B5EF4-FFF2-40B4-BE49-F238E27FC236}">
+                <a16:creationId xmlns:a16="http://schemas.microsoft.com/office/drawing/2014/main" id="{6D5D717C-28C8-F1FB-F59F-5E364E6405EB}"/>
+              </a:ext>
+            </a:extLst>
+          </p:cNvPr>
+          <p:cNvSpPr/>
+          <p:nvPr/>
+        </p:nvSpPr>
+        <p:spPr>
+          <a:xfrm>
+            <a:off x="4801747" y="878335"/>
+            <a:ext cx="1924479" cy="685800"/>
+          </a:xfrm>
+          <a:prstGeom prst="rect">
+            <a:avLst/>
+          </a:prstGeom>
+          <a:solidFill>
+            <a:schemeClr val="bg1">
+              <a:lumMod val="85000"/>
+            </a:schemeClr>
+          </a:solidFill>
+        </p:spPr>
+        <p:style>
+          <a:lnRef idx="2">
+            <a:schemeClr val="accent1">
+              <a:shade val="15000"/>
+            </a:schemeClr>
+          </a:lnRef>
+          <a:fillRef idx="1">
+            <a:schemeClr val="accent1"/>
+          </a:fillRef>
+          <a:effectRef idx="0">
+            <a:schemeClr val="accent1"/>
+          </a:effectRef>
+          <a:fontRef idx="minor">
+            <a:schemeClr val="lt1"/>
+          </a:fontRef>
+        </p:style>
+        <p:txBody>
+          <a:bodyPr rtlCol="0" anchor="ctr"/>
+          <a:lstStyle/>
+          <a:p>
+            <a:pPr algn="ctr"/>
+            <a:r>
+              <a:rPr lang="ru-RU" sz="2800" dirty="0">
+                <a:solidFill>
+                  <a:schemeClr val="tx1"/>
+                </a:solidFill>
+                <a:latin typeface="Cambria" panose="02040503050406030204" pitchFamily="18" charset="0"/>
+                <a:ea typeface="Cambria" panose="02040503050406030204" pitchFamily="18" charset="0"/>
+              </a:rPr>
+              <a:t>Динамика</a:t>
+            </a:r>
+            <a:endParaRPr lang="en-US" sz="2800" dirty="0">
+              <a:solidFill>
+                <a:schemeClr val="tx1"/>
+              </a:solidFill>
+              <a:latin typeface="Cambria" panose="02040503050406030204" pitchFamily="18" charset="0"/>
+              <a:ea typeface="Cambria" panose="02040503050406030204" pitchFamily="18" charset="0"/>
+            </a:endParaRPr>
+          </a:p>
+        </p:txBody>
+      </p:sp>
+      <mc:AlternateContent xmlns:mc="http://schemas.openxmlformats.org/markup-compatibility/2006">
+        <mc:Choice xmlns:a14="http://schemas.microsoft.com/office/drawing/2010/main" Requires="a14">
+          <p:sp>
+            <p:nvSpPr>
+              <p:cNvPr id="3" name="Rectangle 2">
+                <a:extLst>
+                  <a:ext uri="{FF2B5EF4-FFF2-40B4-BE49-F238E27FC236}">
+                    <a16:creationId xmlns:a16="http://schemas.microsoft.com/office/drawing/2014/main" id="{9DE1EE81-62DC-B4BA-4BAB-247B7DFF9BB9}"/>
+                  </a:ext>
+                </a:extLst>
+              </p:cNvPr>
+              <p:cNvSpPr/>
+              <p:nvPr/>
+            </p:nvSpPr>
+            <p:spPr>
+              <a:xfrm>
+                <a:off x="3377296" y="2198912"/>
+                <a:ext cx="1017807" cy="772886"/>
+              </a:xfrm>
+              <a:prstGeom prst="rect">
+                <a:avLst/>
+              </a:prstGeom>
+              <a:solidFill>
+                <a:schemeClr val="bg1">
+                  <a:lumMod val="85000"/>
+                </a:schemeClr>
+              </a:solidFill>
+            </p:spPr>
+            <p:style>
+              <a:lnRef idx="2">
+                <a:schemeClr val="accent1">
+                  <a:shade val="15000"/>
+                </a:schemeClr>
+              </a:lnRef>
+              <a:fillRef idx="1">
+                <a:schemeClr val="accent1"/>
+              </a:fillRef>
+              <a:effectRef idx="0">
+                <a:schemeClr val="accent1"/>
+              </a:effectRef>
+              <a:fontRef idx="minor">
+                <a:schemeClr val="lt1"/>
+              </a:fontRef>
+            </p:style>
+            <p:txBody>
+              <a:bodyPr rtlCol="0" anchor="ctr"/>
+              <a:lstStyle/>
+              <a:p>
+                <a:pPr algn="ctr"/>
+                <a14:m>
+                  <m:oMathPara xmlns:m="http://schemas.openxmlformats.org/officeDocument/2006/math">
+                    <m:oMathParaPr>
+                      <m:jc m:val="centerGroup"/>
+                    </m:oMathParaPr>
+                    <m:oMath xmlns:m="http://schemas.openxmlformats.org/officeDocument/2006/math">
+                      <m:r>
+                        <a:rPr lang="en-US" sz="4000" i="1">
+                          <a:solidFill>
+                            <a:schemeClr val="tx1"/>
+                          </a:solidFill>
+                          <a:latin typeface="Cambria Math" panose="02040503050406030204" pitchFamily="18" charset="0"/>
+                          <a:ea typeface="Cambria" panose="02040503050406030204" pitchFamily="18" charset="0"/>
+                        </a:rPr>
+                        <m:t>Ⅰ</m:t>
+                      </m:r>
+                    </m:oMath>
+                  </m:oMathPara>
+                </a14:m>
+                <a:endParaRPr lang="en-US" sz="4000" dirty="0">
+                  <a:solidFill>
+                    <a:schemeClr val="tx1"/>
+                  </a:solidFill>
+                  <a:latin typeface="Cambria" panose="02040503050406030204" pitchFamily="18" charset="0"/>
+                  <a:ea typeface="Cambria" panose="02040503050406030204" pitchFamily="18" charset="0"/>
+                </a:endParaRPr>
+              </a:p>
+            </p:txBody>
+          </p:sp>
+        </mc:Choice>
+        <mc:Fallback>
+          <p:sp>
+            <p:nvSpPr>
+              <p:cNvPr id="3" name="Rectangle 2">
+                <a:extLst>
+                  <a:ext uri="{FF2B5EF4-FFF2-40B4-BE49-F238E27FC236}">
+                    <a16:creationId xmlns:a16="http://schemas.microsoft.com/office/drawing/2014/main" id="{9DE1EE81-62DC-B4BA-4BAB-247B7DFF9BB9}"/>
+                  </a:ext>
+                </a:extLst>
+              </p:cNvPr>
+              <p:cNvSpPr>
+                <a:spLocks noRot="1" noChangeAspect="1" noMove="1" noResize="1" noEditPoints="1" noAdjustHandles="1" noChangeArrowheads="1" noChangeShapeType="1" noTextEdit="1"/>
+              </p:cNvSpPr>
+              <p:nvPr/>
+            </p:nvSpPr>
+            <p:spPr>
+              <a:xfrm>
+                <a:off x="3377296" y="2198912"/>
+                <a:ext cx="1017807" cy="772886"/>
+              </a:xfrm>
+              <a:prstGeom prst="rect">
+                <a:avLst/>
+              </a:prstGeom>
+              <a:blipFill>
+                <a:blip r:embed="rId2"/>
+                <a:stretch>
+                  <a:fillRect/>
+                </a:stretch>
+              </a:blipFill>
+            </p:spPr>
+            <p:txBody>
+              <a:bodyPr/>
+              <a:lstStyle/>
+              <a:p>
+                <a:r>
+                  <a:rPr lang="en-US">
+                    <a:noFill/>
+                  </a:rPr>
+                  <a:t> </a:t>
+                </a:r>
+              </a:p>
+            </p:txBody>
+          </p:sp>
+        </mc:Fallback>
+      </mc:AlternateContent>
+      <p:cxnSp>
+        <p:nvCxnSpPr>
+          <p:cNvPr id="6" name="Straight Arrow Connector 5">
+            <a:extLst>
+              <a:ext uri="{FF2B5EF4-FFF2-40B4-BE49-F238E27FC236}">
+                <a16:creationId xmlns:a16="http://schemas.microsoft.com/office/drawing/2014/main" id="{FD0231E7-B99E-11F6-57B6-E229A33C05E0}"/>
+              </a:ext>
+            </a:extLst>
+          </p:cNvPr>
+          <p:cNvCxnSpPr>
+            <a:cxnSpLocks/>
+          </p:cNvCxnSpPr>
+          <p:nvPr/>
+        </p:nvCxnSpPr>
+        <p:spPr>
+          <a:xfrm flipH="1">
+            <a:off x="3886200" y="1534885"/>
+            <a:ext cx="925287" cy="631370"/>
+          </a:xfrm>
+          <a:prstGeom prst="straightConnector1">
+            <a:avLst/>
+          </a:prstGeom>
+          <a:ln w="44450">
+            <a:solidFill>
+              <a:schemeClr val="tx1"/>
+            </a:solidFill>
+            <a:tailEnd type="stealth" w="lg" len="lg"/>
+          </a:ln>
+        </p:spPr>
+        <p:style>
+          <a:lnRef idx="2">
+            <a:schemeClr val="accent1"/>
+          </a:lnRef>
+          <a:fillRef idx="0">
+            <a:schemeClr val="accent1"/>
+          </a:fillRef>
+          <a:effectRef idx="1">
+            <a:schemeClr val="accent1"/>
+          </a:effectRef>
+          <a:fontRef idx="minor">
+            <a:schemeClr val="tx1"/>
+          </a:fontRef>
+        </p:style>
+      </p:cxnSp>
+      <p:cxnSp>
+        <p:nvCxnSpPr>
+          <p:cNvPr id="7" name="Straight Arrow Connector 6">
+            <a:extLst>
+              <a:ext uri="{FF2B5EF4-FFF2-40B4-BE49-F238E27FC236}">
+                <a16:creationId xmlns:a16="http://schemas.microsoft.com/office/drawing/2014/main" id="{4E4E8A96-68F7-1A02-A3FA-A13FF0DCFDE4}"/>
+              </a:ext>
+            </a:extLst>
+          </p:cNvPr>
+          <p:cNvCxnSpPr>
+            <a:cxnSpLocks/>
+          </p:cNvCxnSpPr>
+          <p:nvPr/>
+        </p:nvCxnSpPr>
+        <p:spPr>
+          <a:xfrm>
+            <a:off x="5834745" y="1578427"/>
+            <a:ext cx="0" cy="1426030"/>
+          </a:xfrm>
+          <a:prstGeom prst="straightConnector1">
+            <a:avLst/>
+          </a:prstGeom>
+          <a:ln w="44450">
+            <a:solidFill>
+              <a:schemeClr val="tx1"/>
+            </a:solidFill>
+            <a:tailEnd type="stealth" w="lg" len="lg"/>
+          </a:ln>
+        </p:spPr>
+        <p:style>
+          <a:lnRef idx="2">
+            <a:schemeClr val="accent1"/>
+          </a:lnRef>
+          <a:fillRef idx="0">
+            <a:schemeClr val="accent1"/>
+          </a:fillRef>
+          <a:effectRef idx="1">
+            <a:schemeClr val="accent1"/>
+          </a:effectRef>
+          <a:fontRef idx="minor">
+            <a:schemeClr val="tx1"/>
+          </a:fontRef>
+        </p:style>
+      </p:cxnSp>
+      <p:cxnSp>
+        <p:nvCxnSpPr>
+          <p:cNvPr id="8" name="Straight Arrow Connector 7">
+            <a:extLst>
+              <a:ext uri="{FF2B5EF4-FFF2-40B4-BE49-F238E27FC236}">
+                <a16:creationId xmlns:a16="http://schemas.microsoft.com/office/drawing/2014/main" id="{92806B37-C488-3B9A-0428-B04F927A4F64}"/>
+              </a:ext>
+            </a:extLst>
+          </p:cNvPr>
+          <p:cNvCxnSpPr>
+            <a:cxnSpLocks/>
+          </p:cNvCxnSpPr>
+          <p:nvPr/>
+        </p:nvCxnSpPr>
+        <p:spPr>
+          <a:xfrm>
+            <a:off x="6716486" y="1534885"/>
+            <a:ext cx="914401" cy="527276"/>
+          </a:xfrm>
+          <a:prstGeom prst="straightConnector1">
+            <a:avLst/>
+          </a:prstGeom>
+          <a:ln w="44450">
+            <a:solidFill>
+              <a:schemeClr val="tx1"/>
+            </a:solidFill>
+            <a:tailEnd type="stealth" w="lg" len="lg"/>
+          </a:ln>
+        </p:spPr>
+        <p:style>
+          <a:lnRef idx="2">
+            <a:schemeClr val="accent1"/>
+          </a:lnRef>
+          <a:fillRef idx="0">
+            <a:schemeClr val="accent1"/>
+          </a:fillRef>
+          <a:effectRef idx="1">
+            <a:schemeClr val="accent1"/>
+          </a:effectRef>
+          <a:fontRef idx="minor">
+            <a:schemeClr val="tx1"/>
+          </a:fontRef>
+        </p:style>
+      </p:cxnSp>
+      <p:sp>
+        <p:nvSpPr>
+          <p:cNvPr id="11" name="TextBox 10">
+            <a:extLst>
+              <a:ext uri="{FF2B5EF4-FFF2-40B4-BE49-F238E27FC236}">
+                <a16:creationId xmlns:a16="http://schemas.microsoft.com/office/drawing/2014/main" id="{0BCBD756-FF88-38C9-1D6F-268AAB604508}"/>
+              </a:ext>
+            </a:extLst>
+          </p:cNvPr>
+          <p:cNvSpPr txBox="1"/>
+          <p:nvPr/>
+        </p:nvSpPr>
+        <p:spPr>
+          <a:xfrm>
+            <a:off x="2919192" y="3059668"/>
+            <a:ext cx="2133595" cy="369332"/>
+          </a:xfrm>
+          <a:prstGeom prst="rect">
+            <a:avLst/>
+          </a:prstGeom>
+          <a:noFill/>
+        </p:spPr>
+        <p:txBody>
+          <a:bodyPr wrap="square">
+            <a:spAutoFit/>
+          </a:bodyPr>
+          <a:lstStyle/>
+          <a:p>
+            <a:pPr algn="ctr"/>
+            <a:r>
+              <a:rPr lang="ru-RU" dirty="0">
+                <a:latin typeface="Cambria" panose="02040503050406030204" pitchFamily="18" charset="0"/>
+                <a:ea typeface="Cambria" panose="02040503050406030204" pitchFamily="18" charset="0"/>
+              </a:rPr>
+              <a:t>Закон инерции</a:t>
+            </a:r>
+            <a:endParaRPr lang="en-US" sz="1800" dirty="0">
+              <a:solidFill>
+                <a:schemeClr val="tx1"/>
+              </a:solidFill>
+              <a:latin typeface="Cambria" panose="02040503050406030204" pitchFamily="18" charset="0"/>
+              <a:ea typeface="Cambria" panose="02040503050406030204" pitchFamily="18" charset="0"/>
+            </a:endParaRPr>
+          </a:p>
+        </p:txBody>
+      </p:sp>
+      <mc:AlternateContent xmlns:mc="http://schemas.openxmlformats.org/markup-compatibility/2006">
+        <mc:Choice xmlns:a14="http://schemas.microsoft.com/office/drawing/2010/main" Requires="a14">
+          <p:sp>
+            <p:nvSpPr>
+              <p:cNvPr id="12" name="Rectangle 11">
+                <a:extLst>
+                  <a:ext uri="{FF2B5EF4-FFF2-40B4-BE49-F238E27FC236}">
+                    <a16:creationId xmlns:a16="http://schemas.microsoft.com/office/drawing/2014/main" id="{C92948CF-EF08-975C-E0F8-32E15270B112}"/>
+                  </a:ext>
+                </a:extLst>
+              </p:cNvPr>
+              <p:cNvSpPr/>
+              <p:nvPr/>
+            </p:nvSpPr>
+            <p:spPr>
+              <a:xfrm>
+                <a:off x="5377548" y="3033041"/>
+                <a:ext cx="1017807" cy="772886"/>
+              </a:xfrm>
+              <a:prstGeom prst="rect">
+                <a:avLst/>
+              </a:prstGeom>
+              <a:solidFill>
+                <a:schemeClr val="bg1">
+                  <a:lumMod val="85000"/>
+                </a:schemeClr>
+              </a:solidFill>
+            </p:spPr>
+            <p:style>
+              <a:lnRef idx="2">
+                <a:schemeClr val="accent1">
+                  <a:shade val="15000"/>
+                </a:schemeClr>
+              </a:lnRef>
+              <a:fillRef idx="1">
+                <a:schemeClr val="accent1"/>
+              </a:fillRef>
+              <a:effectRef idx="0">
+                <a:schemeClr val="accent1"/>
+              </a:effectRef>
+              <a:fontRef idx="minor">
+                <a:schemeClr val="lt1"/>
+              </a:fontRef>
+            </p:style>
+            <p:txBody>
+              <a:bodyPr rtlCol="0" anchor="ctr"/>
+              <a:lstStyle/>
+              <a:p>
+                <a:pPr algn="ctr"/>
+                <a14:m>
+                  <m:oMathPara xmlns:m="http://schemas.openxmlformats.org/officeDocument/2006/math">
+                    <m:oMathParaPr>
+                      <m:jc m:val="centerGroup"/>
+                    </m:oMathParaPr>
+                    <m:oMath xmlns:m="http://schemas.openxmlformats.org/officeDocument/2006/math">
+                      <m:r>
+                        <a:rPr lang="en-US" sz="4000" i="1">
+                          <a:solidFill>
+                            <a:schemeClr val="tx1"/>
+                          </a:solidFill>
+                          <a:latin typeface="Cambria Math" panose="02040503050406030204" pitchFamily="18" charset="0"/>
+                          <a:ea typeface="Cambria" panose="02040503050406030204" pitchFamily="18" charset="0"/>
+                        </a:rPr>
+                        <m:t>Ⅱ</m:t>
+                      </m:r>
+                    </m:oMath>
+                  </m:oMathPara>
+                </a14:m>
+                <a:endParaRPr lang="en-US" sz="4000" dirty="0">
+                  <a:solidFill>
+                    <a:schemeClr val="tx1"/>
+                  </a:solidFill>
+                  <a:latin typeface="Cambria" panose="02040503050406030204" pitchFamily="18" charset="0"/>
+                  <a:ea typeface="Cambria" panose="02040503050406030204" pitchFamily="18" charset="0"/>
+                </a:endParaRPr>
+              </a:p>
+            </p:txBody>
+          </p:sp>
+        </mc:Choice>
+        <mc:Fallback>
+          <p:sp>
+            <p:nvSpPr>
+              <p:cNvPr id="12" name="Rectangle 11">
+                <a:extLst>
+                  <a:ext uri="{FF2B5EF4-FFF2-40B4-BE49-F238E27FC236}">
+                    <a16:creationId xmlns:a16="http://schemas.microsoft.com/office/drawing/2014/main" id="{C92948CF-EF08-975C-E0F8-32E15270B112}"/>
+                  </a:ext>
+                </a:extLst>
+              </p:cNvPr>
+              <p:cNvSpPr>
+                <a:spLocks noRot="1" noChangeAspect="1" noMove="1" noResize="1" noEditPoints="1" noAdjustHandles="1" noChangeArrowheads="1" noChangeShapeType="1" noTextEdit="1"/>
+              </p:cNvSpPr>
+              <p:nvPr/>
+            </p:nvSpPr>
+            <p:spPr>
+              <a:xfrm>
+                <a:off x="5377548" y="3033041"/>
+                <a:ext cx="1017807" cy="772886"/>
+              </a:xfrm>
+              <a:prstGeom prst="rect">
+                <a:avLst/>
+              </a:prstGeom>
+              <a:blipFill>
+                <a:blip r:embed="rId3"/>
+                <a:stretch>
+                  <a:fillRect/>
+                </a:stretch>
+              </a:blipFill>
+            </p:spPr>
+            <p:txBody>
+              <a:bodyPr/>
+              <a:lstStyle/>
+              <a:p>
+                <a:r>
+                  <a:rPr lang="en-US">
+                    <a:noFill/>
+                  </a:rPr>
+                  <a:t> </a:t>
+                </a:r>
+              </a:p>
+            </p:txBody>
+          </p:sp>
+        </mc:Fallback>
+      </mc:AlternateContent>
+      <mc:AlternateContent xmlns:mc="http://schemas.openxmlformats.org/markup-compatibility/2006">
+        <mc:Choice xmlns:a14="http://schemas.microsoft.com/office/drawing/2010/main" Requires="a14">
+          <p:sp>
+            <p:nvSpPr>
+              <p:cNvPr id="13" name="Rectangle 12">
+                <a:extLst>
+                  <a:ext uri="{FF2B5EF4-FFF2-40B4-BE49-F238E27FC236}">
+                    <a16:creationId xmlns:a16="http://schemas.microsoft.com/office/drawing/2014/main" id="{A88573CF-B211-3BB3-86FF-3CCCEFA90242}"/>
+                  </a:ext>
+                </a:extLst>
+              </p:cNvPr>
+              <p:cNvSpPr/>
+              <p:nvPr/>
+            </p:nvSpPr>
+            <p:spPr>
+              <a:xfrm>
+                <a:off x="7274388" y="2166255"/>
+                <a:ext cx="1017807" cy="772886"/>
+              </a:xfrm>
+              <a:prstGeom prst="rect">
+                <a:avLst/>
+              </a:prstGeom>
+              <a:solidFill>
+                <a:schemeClr val="bg1">
+                  <a:lumMod val="85000"/>
+                </a:schemeClr>
+              </a:solidFill>
+            </p:spPr>
+            <p:style>
+              <a:lnRef idx="2">
+                <a:schemeClr val="accent1">
+                  <a:shade val="15000"/>
+                </a:schemeClr>
+              </a:lnRef>
+              <a:fillRef idx="1">
+                <a:schemeClr val="accent1"/>
+              </a:fillRef>
+              <a:effectRef idx="0">
+                <a:schemeClr val="accent1"/>
+              </a:effectRef>
+              <a:fontRef idx="minor">
+                <a:schemeClr val="lt1"/>
+              </a:fontRef>
+            </p:style>
+            <p:txBody>
+              <a:bodyPr rtlCol="0" anchor="ctr"/>
+              <a:lstStyle/>
+              <a:p>
+                <a:pPr algn="ctr"/>
+                <a14:m>
+                  <m:oMathPara xmlns:m="http://schemas.openxmlformats.org/officeDocument/2006/math">
+                    <m:oMathParaPr>
+                      <m:jc m:val="centerGroup"/>
+                    </m:oMathParaPr>
+                    <m:oMath xmlns:m="http://schemas.openxmlformats.org/officeDocument/2006/math">
+                      <m:r>
+                        <a:rPr lang="en-US" sz="4000" i="1">
+                          <a:solidFill>
+                            <a:schemeClr val="tx1"/>
+                          </a:solidFill>
+                          <a:latin typeface="Cambria Math" panose="02040503050406030204" pitchFamily="18" charset="0"/>
+                          <a:ea typeface="Cambria" panose="02040503050406030204" pitchFamily="18" charset="0"/>
+                        </a:rPr>
+                        <m:t>Ⅲ</m:t>
+                      </m:r>
+                    </m:oMath>
+                  </m:oMathPara>
+                </a14:m>
+                <a:endParaRPr lang="en-US" sz="4000" dirty="0">
+                  <a:solidFill>
+                    <a:schemeClr val="tx1"/>
+                  </a:solidFill>
+                  <a:latin typeface="Cambria" panose="02040503050406030204" pitchFamily="18" charset="0"/>
+                  <a:ea typeface="Cambria" panose="02040503050406030204" pitchFamily="18" charset="0"/>
+                </a:endParaRPr>
+              </a:p>
+            </p:txBody>
+          </p:sp>
+        </mc:Choice>
+        <mc:Fallback>
+          <p:sp>
+            <p:nvSpPr>
+              <p:cNvPr id="13" name="Rectangle 12">
+                <a:extLst>
+                  <a:ext uri="{FF2B5EF4-FFF2-40B4-BE49-F238E27FC236}">
+                    <a16:creationId xmlns:a16="http://schemas.microsoft.com/office/drawing/2014/main" id="{A88573CF-B211-3BB3-86FF-3CCCEFA90242}"/>
+                  </a:ext>
+                </a:extLst>
+              </p:cNvPr>
+              <p:cNvSpPr>
+                <a:spLocks noRot="1" noChangeAspect="1" noMove="1" noResize="1" noEditPoints="1" noAdjustHandles="1" noChangeArrowheads="1" noChangeShapeType="1" noTextEdit="1"/>
+              </p:cNvSpPr>
+              <p:nvPr/>
+            </p:nvSpPr>
+            <p:spPr>
+              <a:xfrm>
+                <a:off x="7274388" y="2166255"/>
+                <a:ext cx="1017807" cy="772886"/>
+              </a:xfrm>
+              <a:prstGeom prst="rect">
+                <a:avLst/>
+              </a:prstGeom>
+              <a:blipFill>
+                <a:blip r:embed="rId4"/>
+                <a:stretch>
+                  <a:fillRect/>
+                </a:stretch>
+              </a:blipFill>
+            </p:spPr>
+            <p:txBody>
+              <a:bodyPr/>
+              <a:lstStyle/>
+              <a:p>
+                <a:r>
+                  <a:rPr lang="en-US">
+                    <a:noFill/>
+                  </a:rPr>
+                  <a:t> </a:t>
+                </a:r>
+              </a:p>
+            </p:txBody>
+          </p:sp>
+        </mc:Fallback>
+      </mc:AlternateContent>
+      <p:sp>
+        <p:nvSpPr>
+          <p:cNvPr id="14" name="TextBox 13">
+            <a:extLst>
+              <a:ext uri="{FF2B5EF4-FFF2-40B4-BE49-F238E27FC236}">
+                <a16:creationId xmlns:a16="http://schemas.microsoft.com/office/drawing/2014/main" id="{F1C7D774-7D22-0EF3-F62E-199534FBD119}"/>
+              </a:ext>
+            </a:extLst>
+          </p:cNvPr>
+          <p:cNvSpPr txBox="1"/>
+          <p:nvPr/>
+        </p:nvSpPr>
+        <p:spPr>
+          <a:xfrm>
+            <a:off x="4819653" y="3918860"/>
+            <a:ext cx="2133595" cy="646331"/>
+          </a:xfrm>
+          <a:prstGeom prst="rect">
+            <a:avLst/>
+          </a:prstGeom>
+          <a:noFill/>
+        </p:spPr>
+        <p:txBody>
+          <a:bodyPr wrap="square">
+            <a:spAutoFit/>
+          </a:bodyPr>
+          <a:lstStyle/>
+          <a:p>
+            <a:pPr algn="ctr"/>
+            <a:r>
+              <a:rPr lang="ru-RU" sz="1800" dirty="0">
+                <a:solidFill>
+                  <a:schemeClr val="tx1"/>
+                </a:solidFill>
+                <a:latin typeface="Cambria" panose="02040503050406030204" pitchFamily="18" charset="0"/>
+                <a:ea typeface="Cambria" panose="02040503050406030204" pitchFamily="18" charset="0"/>
+              </a:rPr>
+              <a:t>Основной закон динамики</a:t>
+            </a:r>
+            <a:endParaRPr lang="en-US" sz="1800" dirty="0">
+              <a:solidFill>
+                <a:schemeClr val="tx1"/>
+              </a:solidFill>
+              <a:latin typeface="Cambria" panose="02040503050406030204" pitchFamily="18" charset="0"/>
+              <a:ea typeface="Cambria" panose="02040503050406030204" pitchFamily="18" charset="0"/>
+            </a:endParaRPr>
+          </a:p>
+        </p:txBody>
+      </p:sp>
+      <p:sp>
+        <p:nvSpPr>
+          <p:cNvPr id="15" name="TextBox 14">
+            <a:extLst>
+              <a:ext uri="{FF2B5EF4-FFF2-40B4-BE49-F238E27FC236}">
+                <a16:creationId xmlns:a16="http://schemas.microsoft.com/office/drawing/2014/main" id="{5884AAB2-4A50-2A28-6CC3-A25D41B46BA5}"/>
+              </a:ext>
+            </a:extLst>
+          </p:cNvPr>
+          <p:cNvSpPr txBox="1"/>
+          <p:nvPr/>
+        </p:nvSpPr>
+        <p:spPr>
+          <a:xfrm>
+            <a:off x="6833938" y="3033041"/>
+            <a:ext cx="2246566" cy="646331"/>
+          </a:xfrm>
+          <a:prstGeom prst="rect">
+            <a:avLst/>
+          </a:prstGeom>
+          <a:noFill/>
+        </p:spPr>
+        <p:txBody>
+          <a:bodyPr wrap="square">
+            <a:spAutoFit/>
+          </a:bodyPr>
+          <a:lstStyle/>
+          <a:p>
+            <a:pPr algn="ctr"/>
+            <a:r>
+              <a:rPr lang="ru-RU" sz="1800" dirty="0">
+                <a:solidFill>
+                  <a:schemeClr val="tx1"/>
+                </a:solidFill>
+                <a:latin typeface="Cambria" panose="02040503050406030204" pitchFamily="18" charset="0"/>
+                <a:ea typeface="Cambria" panose="02040503050406030204" pitchFamily="18" charset="0"/>
+              </a:rPr>
+              <a:t>Основной действия и противодействия</a:t>
+            </a:r>
+            <a:endParaRPr lang="en-US" sz="1800" dirty="0">
+              <a:solidFill>
+                <a:schemeClr val="tx1"/>
+              </a:solidFill>
+              <a:latin typeface="Cambria" panose="02040503050406030204" pitchFamily="18" charset="0"/>
+              <a:ea typeface="Cambria" panose="02040503050406030204" pitchFamily="18" charset="0"/>
+            </a:endParaRPr>
+          </a:p>
+        </p:txBody>
+      </p:sp>
+    </p:spTree>
+    <p:extLst>
+      <p:ext uri="{BB962C8B-B14F-4D97-AF65-F5344CB8AC3E}">
+        <p14:creationId xmlns:p14="http://schemas.microsoft.com/office/powerpoint/2010/main" val="382748467"/>
+      </p:ext>
+    </p:extLst>
+  </p:cSld>
+  <p:clrMapOvr>
+    <a:masterClrMapping/>
+  </p:clrMapOvr>
+</p:sld>
+</file>
+
+<file path=ppt/slides/slide6.xml><?xml version="1.0" encoding="utf-8"?>
+<p:sld xmlns:a="http://schemas.openxmlformats.org/drawingml/2006/main" xmlns:r="http://schemas.openxmlformats.org/officeDocument/2006/relationships" xmlns:p="http://schemas.openxmlformats.org/presentationml/2006/main">
+  <p:cSld>
+    <p:spTree>
+      <p:nvGrpSpPr>
+        <p:cNvPr id="1" name=""/>
+        <p:cNvGrpSpPr/>
+        <p:nvPr/>
+      </p:nvGrpSpPr>
+      <p:grpSpPr>
+        <a:xfrm>
+          <a:off x="0" y="0"/>
+          <a:ext cx="0" cy="0"/>
+          <a:chOff x="0" y="0"/>
+          <a:chExt cx="0" cy="0"/>
+        </a:xfrm>
+      </p:grpSpPr>
       <p:pic>
         <p:nvPicPr>
           <p:cNvPr id="10" name="Picture 9" descr="A spiraling spring in a cylinder&#10;&#10;Description automatically generated with medium confidence">
@@ -20352,7 +26293,7 @@
 </p:sld>
 </file>
 
-<file path=ppt/slides/slide6.xml><?xml version="1.0" encoding="utf-8"?>
+<file path=ppt/slides/slide7.xml><?xml version="1.0" encoding="utf-8"?>
 <p:sld xmlns:a="http://schemas.openxmlformats.org/drawingml/2006/main" xmlns:r="http://schemas.openxmlformats.org/officeDocument/2006/relationships" xmlns:p="http://schemas.openxmlformats.org/presentationml/2006/main">
   <p:cSld>
     <p:spTree>
@@ -21314,7 +27255,7 @@
 </p:sld>
 </file>
 
-<file path=ppt/slides/slide7.xml><?xml version="1.0" encoding="utf-8"?>
+<file path=ppt/slides/slide8.xml><?xml version="1.0" encoding="utf-8"?>
 <p:sld xmlns:a="http://schemas.openxmlformats.org/drawingml/2006/main" xmlns:r="http://schemas.openxmlformats.org/officeDocument/2006/relationships" xmlns:p="http://schemas.openxmlformats.org/presentationml/2006/main">
   <p:cSld>
     <p:spTree>
@@ -22829,7 +28770,7 @@
 </p:sld>
 </file>
 
-<file path=ppt/slides/slide8.xml><?xml version="1.0" encoding="utf-8"?>
+<file path=ppt/slides/slide9.xml><?xml version="1.0" encoding="utf-8"?>
 <p:sld xmlns:a="http://schemas.openxmlformats.org/drawingml/2006/main" xmlns:r="http://schemas.openxmlformats.org/officeDocument/2006/relationships" xmlns:p="http://schemas.openxmlformats.org/presentationml/2006/main">
   <p:cSld>
     <p:spTree>
@@ -24501,1345 +30442,6 @@
 </p:sld>
 </file>
 
-<file path=ppt/slides/slide9.xml><?xml version="1.0" encoding="utf-8"?>
-<p:sld xmlns:a="http://schemas.openxmlformats.org/drawingml/2006/main" xmlns:r="http://schemas.openxmlformats.org/officeDocument/2006/relationships" xmlns:p="http://schemas.openxmlformats.org/presentationml/2006/main">
-  <p:cSld>
-    <p:spTree>
-      <p:nvGrpSpPr>
-        <p:cNvPr id="1" name=""/>
-        <p:cNvGrpSpPr/>
-        <p:nvPr/>
-      </p:nvGrpSpPr>
-      <p:grpSpPr>
-        <a:xfrm>
-          <a:off x="0" y="0"/>
-          <a:ext cx="0" cy="0"/>
-          <a:chOff x="0" y="0"/>
-          <a:chExt cx="0" cy="0"/>
-        </a:xfrm>
-      </p:grpSpPr>
-      <p:sp>
-        <p:nvSpPr>
-          <p:cNvPr id="2" name="Oval 1">
-            <a:extLst>
-              <a:ext uri="{FF2B5EF4-FFF2-40B4-BE49-F238E27FC236}">
-                <a16:creationId xmlns:a16="http://schemas.microsoft.com/office/drawing/2014/main" id="{E9613463-CC03-1EB3-6B41-EC2E02C6ED09}"/>
-              </a:ext>
-            </a:extLst>
-          </p:cNvPr>
-          <p:cNvSpPr/>
-          <p:nvPr/>
-        </p:nvSpPr>
-        <p:spPr>
-          <a:xfrm>
-            <a:off x="4073765" y="3090377"/>
-            <a:ext cx="1851237" cy="1851237"/>
-          </a:xfrm>
-          <a:prstGeom prst="ellipse">
-            <a:avLst/>
-          </a:prstGeom>
-          <a:noFill/>
-        </p:spPr>
-        <p:style>
-          <a:lnRef idx="2">
-            <a:schemeClr val="accent1">
-              <a:shade val="15000"/>
-            </a:schemeClr>
-          </a:lnRef>
-          <a:fillRef idx="1">
-            <a:schemeClr val="accent1"/>
-          </a:fillRef>
-          <a:effectRef idx="0">
-            <a:schemeClr val="accent1"/>
-          </a:effectRef>
-          <a:fontRef idx="minor">
-            <a:schemeClr val="lt1"/>
-          </a:fontRef>
-        </p:style>
-        <p:txBody>
-          <a:bodyPr rtlCol="0" anchor="ctr"/>
-          <a:lstStyle/>
-          <a:p>
-            <a:pPr algn="ctr"/>
-            <a:endParaRPr lang="en-US"/>
-          </a:p>
-        </p:txBody>
-      </p:sp>
-      <p:cxnSp>
-        <p:nvCxnSpPr>
-          <p:cNvPr id="5" name="Straight Arrow Connector 4">
-            <a:extLst>
-              <a:ext uri="{FF2B5EF4-FFF2-40B4-BE49-F238E27FC236}">
-                <a16:creationId xmlns:a16="http://schemas.microsoft.com/office/drawing/2014/main" id="{09AF9F41-DD18-61B3-6EEA-415157EA1779}"/>
-              </a:ext>
-            </a:extLst>
-          </p:cNvPr>
-          <p:cNvCxnSpPr>
-            <a:cxnSpLocks/>
-          </p:cNvCxnSpPr>
-          <p:nvPr/>
-        </p:nvCxnSpPr>
-        <p:spPr>
-          <a:xfrm flipH="1" flipV="1">
-            <a:off x="5048617" y="4365559"/>
-            <a:ext cx="10832" cy="576055"/>
-          </a:xfrm>
-          <a:prstGeom prst="straightConnector1">
-            <a:avLst/>
-          </a:prstGeom>
-          <a:ln w="31750">
-            <a:solidFill>
-              <a:schemeClr val="tx1"/>
-            </a:solidFill>
-            <a:tailEnd type="stealth" w="med" len="lg"/>
-          </a:ln>
-        </p:spPr>
-        <p:style>
-          <a:lnRef idx="2">
-            <a:schemeClr val="accent1"/>
-          </a:lnRef>
-          <a:fillRef idx="0">
-            <a:schemeClr val="accent1"/>
-          </a:fillRef>
-          <a:effectRef idx="1">
-            <a:schemeClr val="accent1"/>
-          </a:effectRef>
-          <a:fontRef idx="minor">
-            <a:schemeClr val="tx1"/>
-          </a:fontRef>
-        </p:style>
-      </p:cxnSp>
-      <mc:AlternateContent xmlns:mc="http://schemas.openxmlformats.org/markup-compatibility/2006" xmlns:a14="http://schemas.microsoft.com/office/drawing/2010/main">
-        <mc:Choice Requires="a14">
-          <p:sp>
-            <p:nvSpPr>
-              <p:cNvPr id="12" name="TextBox 11">
-                <a:extLst>
-                  <a:ext uri="{FF2B5EF4-FFF2-40B4-BE49-F238E27FC236}">
-                    <a16:creationId xmlns:a16="http://schemas.microsoft.com/office/drawing/2014/main" id="{99578DD7-DAA5-3842-0362-587DCBBC2701}"/>
-                  </a:ext>
-                </a:extLst>
-              </p:cNvPr>
-              <p:cNvSpPr txBox="1"/>
-              <p:nvPr/>
-            </p:nvSpPr>
-            <p:spPr>
-              <a:xfrm>
-                <a:off x="5111362" y="4376587"/>
-                <a:ext cx="296171" cy="276999"/>
-              </a:xfrm>
-              <a:prstGeom prst="rect">
-                <a:avLst/>
-              </a:prstGeom>
-              <a:noFill/>
-            </p:spPr>
-            <p:txBody>
-              <a:bodyPr wrap="none" lIns="0" tIns="0" rIns="0" bIns="0" rtlCol="0">
-                <a:spAutoFit/>
-              </a:bodyPr>
-              <a:lstStyle/>
-              <a:p>
-                <a:pPr/>
-                <a14:m>
-                  <m:oMathPara xmlns:m="http://schemas.openxmlformats.org/officeDocument/2006/math">
-                    <m:oMathParaPr>
-                      <m:jc m:val="centerGroup"/>
-                    </m:oMathParaPr>
-                    <m:oMath xmlns:m="http://schemas.openxmlformats.org/officeDocument/2006/math">
-                      <m:sSub>
-                        <m:sSubPr>
-                          <m:ctrlPr>
-                            <a:rPr lang="en-US" i="1" smtClean="0">
-                              <a:latin typeface="Cambria Math" panose="02040503050406030204" pitchFamily="18" charset="0"/>
-                              <a:ea typeface="Cambria Math" panose="02040503050406030204" pitchFamily="18" charset="0"/>
-                            </a:rPr>
-                          </m:ctrlPr>
-                        </m:sSubPr>
-                        <m:e>
-                          <m:acc>
-                            <m:accPr>
-                              <m:chr m:val="⃗"/>
-                              <m:ctrlPr>
-                                <a:rPr lang="en-US" i="1" smtClean="0">
-                                  <a:latin typeface="Cambria Math" panose="02040503050406030204" pitchFamily="18" charset="0"/>
-                                  <a:ea typeface="Cambria Math" panose="02040503050406030204" pitchFamily="18" charset="0"/>
-                                </a:rPr>
-                              </m:ctrlPr>
-                            </m:accPr>
-                            <m:e>
-                              <m:r>
-                                <a:rPr lang="en-US" i="1" smtClean="0">
-                                  <a:latin typeface="Cambria Math" panose="02040503050406030204" pitchFamily="18" charset="0"/>
-                                  <a:ea typeface="Cambria Math" panose="02040503050406030204" pitchFamily="18" charset="0"/>
-                                </a:rPr>
-                                <m:t>𝑎</m:t>
-                              </m:r>
-                            </m:e>
-                          </m:acc>
-                        </m:e>
-                        <m:sub>
-                          <m:r>
-                            <a:rPr lang="en-US" b="0" i="1" smtClean="0">
-                              <a:latin typeface="Cambria Math" panose="02040503050406030204" pitchFamily="18" charset="0"/>
-                              <a:ea typeface="Cambria Math" panose="02040503050406030204" pitchFamily="18" charset="0"/>
-                            </a:rPr>
-                            <m:t>𝑛</m:t>
-                          </m:r>
-                        </m:sub>
-                      </m:sSub>
-                    </m:oMath>
-                  </m:oMathPara>
-                </a14:m>
-                <a:endParaRPr lang="en-US" dirty="0"/>
-              </a:p>
-            </p:txBody>
-          </p:sp>
-        </mc:Choice>
-        <mc:Fallback xmlns="">
-          <p:sp>
-            <p:nvSpPr>
-              <p:cNvPr id="12" name="TextBox 11">
-                <a:extLst>
-                  <a:ext uri="{FF2B5EF4-FFF2-40B4-BE49-F238E27FC236}">
-                    <a16:creationId xmlns:a16="http://schemas.microsoft.com/office/drawing/2014/main" id="{99578DD7-DAA5-3842-0362-587DCBBC2701}"/>
-                  </a:ext>
-                </a:extLst>
-              </p:cNvPr>
-              <p:cNvSpPr txBox="1">
-                <a:spLocks noRot="1" noChangeAspect="1" noMove="1" noResize="1" noEditPoints="1" noAdjustHandles="1" noChangeArrowheads="1" noChangeShapeType="1" noTextEdit="1"/>
-              </p:cNvSpPr>
-              <p:nvPr/>
-            </p:nvSpPr>
-            <p:spPr>
-              <a:xfrm>
-                <a:off x="5111362" y="4376587"/>
-                <a:ext cx="296171" cy="276999"/>
-              </a:xfrm>
-              <a:prstGeom prst="rect">
-                <a:avLst/>
-              </a:prstGeom>
-              <a:blipFill>
-                <a:blip r:embed="rId2"/>
-                <a:stretch>
-                  <a:fillRect l="-20408" t="-48889" r="-61224" b="-11111"/>
-                </a:stretch>
-              </a:blipFill>
-            </p:spPr>
-            <p:txBody>
-              <a:bodyPr/>
-              <a:lstStyle/>
-              <a:p>
-                <a:r>
-                  <a:rPr lang="en-US">
-                    <a:noFill/>
-                  </a:rPr>
-                  <a:t> </a:t>
-                </a:r>
-              </a:p>
-            </p:txBody>
-          </p:sp>
-        </mc:Fallback>
-      </mc:AlternateContent>
-      <p:sp>
-        <p:nvSpPr>
-          <p:cNvPr id="13" name="Arc 12">
-            <a:extLst>
-              <a:ext uri="{FF2B5EF4-FFF2-40B4-BE49-F238E27FC236}">
-                <a16:creationId xmlns:a16="http://schemas.microsoft.com/office/drawing/2014/main" id="{B1D22F3B-B148-30A4-C729-467408F4E72C}"/>
-              </a:ext>
-            </a:extLst>
-          </p:cNvPr>
-          <p:cNvSpPr/>
-          <p:nvPr/>
-        </p:nvSpPr>
-        <p:spPr>
-          <a:xfrm rot="12600360">
-            <a:off x="4621066" y="3696612"/>
-            <a:ext cx="569601" cy="550508"/>
-          </a:xfrm>
-          <a:prstGeom prst="arc">
-            <a:avLst>
-              <a:gd name="adj1" fmla="val 16200000"/>
-              <a:gd name="adj2" fmla="val 485002"/>
-            </a:avLst>
-          </a:prstGeom>
-          <a:ln>
-            <a:solidFill>
-              <a:schemeClr val="tx1"/>
-            </a:solidFill>
-            <a:headEnd type="stealth"/>
-          </a:ln>
-        </p:spPr>
-        <p:style>
-          <a:lnRef idx="2">
-            <a:schemeClr val="accent1"/>
-          </a:lnRef>
-          <a:fillRef idx="0">
-            <a:schemeClr val="accent1"/>
-          </a:fillRef>
-          <a:effectRef idx="1">
-            <a:schemeClr val="accent1"/>
-          </a:effectRef>
-          <a:fontRef idx="minor">
-            <a:schemeClr val="tx1"/>
-          </a:fontRef>
-        </p:style>
-        <p:txBody>
-          <a:bodyPr rtlCol="0" anchor="ctr"/>
-          <a:lstStyle/>
-          <a:p>
-            <a:pPr algn="ctr"/>
-            <a:endParaRPr lang="en-US"/>
-          </a:p>
-        </p:txBody>
-      </p:sp>
-      <p:sp>
-        <p:nvSpPr>
-          <p:cNvPr id="14" name="Oval 13">
-            <a:extLst>
-              <a:ext uri="{FF2B5EF4-FFF2-40B4-BE49-F238E27FC236}">
-                <a16:creationId xmlns:a16="http://schemas.microsoft.com/office/drawing/2014/main" id="{5ABE423A-B2D7-5A2D-0784-F868686AF908}"/>
-              </a:ext>
-            </a:extLst>
-          </p:cNvPr>
-          <p:cNvSpPr/>
-          <p:nvPr/>
-        </p:nvSpPr>
-        <p:spPr>
-          <a:xfrm>
-            <a:off x="5021643" y="3990603"/>
-            <a:ext cx="53948" cy="50784"/>
-          </a:xfrm>
-          <a:prstGeom prst="ellipse">
-            <a:avLst/>
-          </a:prstGeom>
-          <a:solidFill>
-            <a:schemeClr val="tx1"/>
-          </a:solidFill>
-          <a:ln>
-            <a:noFill/>
-          </a:ln>
-        </p:spPr>
-        <p:style>
-          <a:lnRef idx="2">
-            <a:schemeClr val="accent1">
-              <a:shade val="15000"/>
-            </a:schemeClr>
-          </a:lnRef>
-          <a:fillRef idx="1">
-            <a:schemeClr val="accent1"/>
-          </a:fillRef>
-          <a:effectRef idx="0">
-            <a:schemeClr val="accent1"/>
-          </a:effectRef>
-          <a:fontRef idx="minor">
-            <a:schemeClr val="lt1"/>
-          </a:fontRef>
-        </p:style>
-        <p:txBody>
-          <a:bodyPr rtlCol="0" anchor="ctr"/>
-          <a:lstStyle/>
-          <a:p>
-            <a:pPr algn="ctr"/>
-            <a:endParaRPr lang="en-US"/>
-          </a:p>
-        </p:txBody>
-      </p:sp>
-      <p:cxnSp>
-        <p:nvCxnSpPr>
-          <p:cNvPr id="18" name="Straight Arrow Connector 17">
-            <a:extLst>
-              <a:ext uri="{FF2B5EF4-FFF2-40B4-BE49-F238E27FC236}">
-                <a16:creationId xmlns:a16="http://schemas.microsoft.com/office/drawing/2014/main" id="{C0799DB0-4C6A-8D7C-C1F7-CBE85D57F707}"/>
-              </a:ext>
-            </a:extLst>
-          </p:cNvPr>
-          <p:cNvCxnSpPr>
-            <a:cxnSpLocks/>
-          </p:cNvCxnSpPr>
-          <p:nvPr/>
-        </p:nvCxnSpPr>
-        <p:spPr>
-          <a:xfrm flipV="1">
-            <a:off x="5048617" y="4897967"/>
-            <a:ext cx="789150" cy="39056"/>
-          </a:xfrm>
-          <a:prstGeom prst="straightConnector1">
-            <a:avLst/>
-          </a:prstGeom>
-          <a:ln w="31750">
-            <a:solidFill>
-              <a:schemeClr val="tx1"/>
-            </a:solidFill>
-            <a:tailEnd type="stealth" w="med" len="lg"/>
-          </a:ln>
-        </p:spPr>
-        <p:style>
-          <a:lnRef idx="2">
-            <a:schemeClr val="accent1"/>
-          </a:lnRef>
-          <a:fillRef idx="0">
-            <a:schemeClr val="accent1"/>
-          </a:fillRef>
-          <a:effectRef idx="1">
-            <a:schemeClr val="accent1"/>
-          </a:effectRef>
-          <a:fontRef idx="minor">
-            <a:schemeClr val="tx1"/>
-          </a:fontRef>
-        </p:style>
-      </p:cxnSp>
-      <p:sp>
-        <p:nvSpPr>
-          <p:cNvPr id="21" name="Rectangle 20">
-            <a:extLst>
-              <a:ext uri="{FF2B5EF4-FFF2-40B4-BE49-F238E27FC236}">
-                <a16:creationId xmlns:a16="http://schemas.microsoft.com/office/drawing/2014/main" id="{8C338680-D819-9A78-15DB-CB5B7D34AF59}"/>
-              </a:ext>
-            </a:extLst>
-          </p:cNvPr>
-          <p:cNvSpPr/>
-          <p:nvPr/>
-        </p:nvSpPr>
-        <p:spPr>
-          <a:xfrm>
-            <a:off x="5059449" y="4813299"/>
-            <a:ext cx="133332" cy="123723"/>
-          </a:xfrm>
-          <a:prstGeom prst="rect">
-            <a:avLst/>
-          </a:prstGeom>
-          <a:noFill/>
-        </p:spPr>
-        <p:style>
-          <a:lnRef idx="2">
-            <a:schemeClr val="accent1">
-              <a:shade val="15000"/>
-            </a:schemeClr>
-          </a:lnRef>
-          <a:fillRef idx="1">
-            <a:schemeClr val="accent1"/>
-          </a:fillRef>
-          <a:effectRef idx="0">
-            <a:schemeClr val="accent1"/>
-          </a:effectRef>
-          <a:fontRef idx="minor">
-            <a:schemeClr val="lt1"/>
-          </a:fontRef>
-        </p:style>
-        <p:txBody>
-          <a:bodyPr rtlCol="0" anchor="ctr"/>
-          <a:lstStyle/>
-          <a:p>
-            <a:pPr algn="ctr"/>
-            <a:endParaRPr lang="en-US"/>
-          </a:p>
-        </p:txBody>
-      </p:sp>
-      <mc:AlternateContent xmlns:mc="http://schemas.openxmlformats.org/markup-compatibility/2006" xmlns:a14="http://schemas.microsoft.com/office/drawing/2010/main">
-        <mc:Choice Requires="a14">
-          <p:sp>
-            <p:nvSpPr>
-              <p:cNvPr id="22" name="TextBox 21">
-                <a:extLst>
-                  <a:ext uri="{FF2B5EF4-FFF2-40B4-BE49-F238E27FC236}">
-                    <a16:creationId xmlns:a16="http://schemas.microsoft.com/office/drawing/2014/main" id="{6F84ABAF-9F45-20B9-9F95-12D35DF9F944}"/>
-                  </a:ext>
-                </a:extLst>
-              </p:cNvPr>
-              <p:cNvSpPr txBox="1"/>
-              <p:nvPr/>
-            </p:nvSpPr>
-            <p:spPr>
-              <a:xfrm>
-                <a:off x="5609996" y="4937022"/>
-                <a:ext cx="272832" cy="276999"/>
-              </a:xfrm>
-              <a:prstGeom prst="rect">
-                <a:avLst/>
-              </a:prstGeom>
-              <a:noFill/>
-            </p:spPr>
-            <p:txBody>
-              <a:bodyPr wrap="none" lIns="0" tIns="0" rIns="0" bIns="0" rtlCol="0">
-                <a:spAutoFit/>
-              </a:bodyPr>
-              <a:lstStyle/>
-              <a:p>
-                <a:pPr/>
-                <a14:m>
-                  <m:oMathPara xmlns:m="http://schemas.openxmlformats.org/officeDocument/2006/math">
-                    <m:oMathParaPr>
-                      <m:jc m:val="centerGroup"/>
-                    </m:oMathParaPr>
-                    <m:oMath xmlns:m="http://schemas.openxmlformats.org/officeDocument/2006/math">
-                      <m:sSub>
-                        <m:sSubPr>
-                          <m:ctrlPr>
-                            <a:rPr lang="en-US" i="1" smtClean="0">
-                              <a:latin typeface="Cambria Math" panose="02040503050406030204" pitchFamily="18" charset="0"/>
-                              <a:ea typeface="Cambria Math" panose="02040503050406030204" pitchFamily="18" charset="0"/>
-                            </a:rPr>
-                          </m:ctrlPr>
-                        </m:sSubPr>
-                        <m:e>
-                          <m:acc>
-                            <m:accPr>
-                              <m:chr m:val="⃗"/>
-                              <m:ctrlPr>
-                                <a:rPr lang="en-US" i="1" smtClean="0">
-                                  <a:latin typeface="Cambria Math" panose="02040503050406030204" pitchFamily="18" charset="0"/>
-                                  <a:ea typeface="Cambria Math" panose="02040503050406030204" pitchFamily="18" charset="0"/>
-                                </a:rPr>
-                              </m:ctrlPr>
-                            </m:accPr>
-                            <m:e>
-                              <m:r>
-                                <a:rPr lang="en-US" i="1" smtClean="0">
-                                  <a:latin typeface="Cambria Math" panose="02040503050406030204" pitchFamily="18" charset="0"/>
-                                  <a:ea typeface="Cambria Math" panose="02040503050406030204" pitchFamily="18" charset="0"/>
-                                </a:rPr>
-                                <m:t>𝑎</m:t>
-                              </m:r>
-                            </m:e>
-                          </m:acc>
-                        </m:e>
-                        <m:sub>
-                          <m:r>
-                            <a:rPr lang="en-US" b="0" i="1" smtClean="0">
-                              <a:latin typeface="Cambria Math" panose="02040503050406030204" pitchFamily="18" charset="0"/>
-                              <a:ea typeface="Cambria Math" panose="02040503050406030204" pitchFamily="18" charset="0"/>
-                            </a:rPr>
-                            <m:t>𝜏</m:t>
-                          </m:r>
-                        </m:sub>
-                      </m:sSub>
-                    </m:oMath>
-                  </m:oMathPara>
-                </a14:m>
-                <a:endParaRPr lang="en-US" dirty="0"/>
-              </a:p>
-            </p:txBody>
-          </p:sp>
-        </mc:Choice>
-        <mc:Fallback xmlns="">
-          <p:sp>
-            <p:nvSpPr>
-              <p:cNvPr id="22" name="TextBox 21">
-                <a:extLst>
-                  <a:ext uri="{FF2B5EF4-FFF2-40B4-BE49-F238E27FC236}">
-                    <a16:creationId xmlns:a16="http://schemas.microsoft.com/office/drawing/2014/main" id="{6F84ABAF-9F45-20B9-9F95-12D35DF9F944}"/>
-                  </a:ext>
-                </a:extLst>
-              </p:cNvPr>
-              <p:cNvSpPr txBox="1">
-                <a:spLocks noRot="1" noChangeAspect="1" noMove="1" noResize="1" noEditPoints="1" noAdjustHandles="1" noChangeArrowheads="1" noChangeShapeType="1" noTextEdit="1"/>
-              </p:cNvSpPr>
-              <p:nvPr/>
-            </p:nvSpPr>
-            <p:spPr>
-              <a:xfrm>
-                <a:off x="5609996" y="4937022"/>
-                <a:ext cx="272832" cy="276999"/>
-              </a:xfrm>
-              <a:prstGeom prst="rect">
-                <a:avLst/>
-              </a:prstGeom>
-              <a:blipFill>
-                <a:blip r:embed="rId3"/>
-                <a:stretch>
-                  <a:fillRect l="-22222" t="-48889" r="-68889" b="-11111"/>
-                </a:stretch>
-              </a:blipFill>
-            </p:spPr>
-            <p:txBody>
-              <a:bodyPr/>
-              <a:lstStyle/>
-              <a:p>
-                <a:r>
-                  <a:rPr lang="en-US">
-                    <a:noFill/>
-                  </a:rPr>
-                  <a:t> </a:t>
-                </a:r>
-              </a:p>
-            </p:txBody>
-          </p:sp>
-        </mc:Fallback>
-      </mc:AlternateContent>
-      <mc:AlternateContent xmlns:mc="http://schemas.openxmlformats.org/markup-compatibility/2006" xmlns:a14="http://schemas.microsoft.com/office/drawing/2010/main">
-        <mc:Choice Requires="a14">
-          <p:sp>
-            <p:nvSpPr>
-              <p:cNvPr id="23" name="TextBox 22">
-                <a:extLst>
-                  <a:ext uri="{FF2B5EF4-FFF2-40B4-BE49-F238E27FC236}">
-                    <a16:creationId xmlns:a16="http://schemas.microsoft.com/office/drawing/2014/main" id="{29F2C81F-325C-E634-521E-DB2354879861}"/>
-                  </a:ext>
-                </a:extLst>
-              </p:cNvPr>
-              <p:cNvSpPr txBox="1"/>
-              <p:nvPr/>
-            </p:nvSpPr>
-            <p:spPr>
-              <a:xfrm>
-                <a:off x="4273162" y="3940530"/>
-                <a:ext cx="218265" cy="276999"/>
-              </a:xfrm>
-              <a:prstGeom prst="rect">
-                <a:avLst/>
-              </a:prstGeom>
-              <a:noFill/>
-            </p:spPr>
-            <p:txBody>
-              <a:bodyPr wrap="none" lIns="0" tIns="0" rIns="0" bIns="0" rtlCol="0">
-                <a:spAutoFit/>
-              </a:bodyPr>
-              <a:lstStyle/>
-              <a:p>
-                <a:pPr/>
-                <a14:m>
-                  <m:oMathPara xmlns:m="http://schemas.openxmlformats.org/officeDocument/2006/math">
-                    <m:oMathParaPr>
-                      <m:jc m:val="centerGroup"/>
-                    </m:oMathParaPr>
-                    <m:oMath xmlns:m="http://schemas.openxmlformats.org/officeDocument/2006/math">
-                      <m:acc>
-                        <m:accPr>
-                          <m:chr m:val="⃗"/>
-                          <m:ctrlPr>
-                            <a:rPr lang="en-US" i="1" smtClean="0">
-                              <a:latin typeface="Cambria Math" panose="02040503050406030204" pitchFamily="18" charset="0"/>
-                              <a:ea typeface="Cambria Math" panose="02040503050406030204" pitchFamily="18" charset="0"/>
-                            </a:rPr>
-                          </m:ctrlPr>
-                        </m:accPr>
-                        <m:e>
-                          <m:r>
-                            <a:rPr lang="en-US" i="1" smtClean="0">
-                              <a:latin typeface="Cambria Math" panose="02040503050406030204" pitchFamily="18" charset="0"/>
-                              <a:ea typeface="Cambria Math" panose="02040503050406030204" pitchFamily="18" charset="0"/>
-                            </a:rPr>
-                            <m:t>𝜔</m:t>
-                          </m:r>
-                        </m:e>
-                      </m:acc>
-                    </m:oMath>
-                  </m:oMathPara>
-                </a14:m>
-                <a:endParaRPr lang="en-US" dirty="0"/>
-              </a:p>
-            </p:txBody>
-          </p:sp>
-        </mc:Choice>
-        <mc:Fallback xmlns="">
-          <p:sp>
-            <p:nvSpPr>
-              <p:cNvPr id="23" name="TextBox 22">
-                <a:extLst>
-                  <a:ext uri="{FF2B5EF4-FFF2-40B4-BE49-F238E27FC236}">
-                    <a16:creationId xmlns:a16="http://schemas.microsoft.com/office/drawing/2014/main" id="{29F2C81F-325C-E634-521E-DB2354879861}"/>
-                  </a:ext>
-                </a:extLst>
-              </p:cNvPr>
-              <p:cNvSpPr txBox="1">
-                <a:spLocks noRot="1" noChangeAspect="1" noMove="1" noResize="1" noEditPoints="1" noAdjustHandles="1" noChangeArrowheads="1" noChangeShapeType="1" noTextEdit="1"/>
-              </p:cNvSpPr>
-              <p:nvPr/>
-            </p:nvSpPr>
-            <p:spPr>
-              <a:xfrm>
-                <a:off x="4273162" y="3940530"/>
-                <a:ext cx="218265" cy="276999"/>
-              </a:xfrm>
-              <a:prstGeom prst="rect">
-                <a:avLst/>
-              </a:prstGeom>
-              <a:blipFill>
-                <a:blip r:embed="rId4"/>
-                <a:stretch>
-                  <a:fillRect l="-16667" r="-16667"/>
-                </a:stretch>
-              </a:blipFill>
-            </p:spPr>
-            <p:txBody>
-              <a:bodyPr/>
-              <a:lstStyle/>
-              <a:p>
-                <a:r>
-                  <a:rPr lang="en-US">
-                    <a:noFill/>
-                  </a:rPr>
-                  <a:t> </a:t>
-                </a:r>
-              </a:p>
-            </p:txBody>
-          </p:sp>
-        </mc:Fallback>
-      </mc:AlternateContent>
-      <p:cxnSp>
-        <p:nvCxnSpPr>
-          <p:cNvPr id="34" name="Straight Arrow Connector 33">
-            <a:extLst>
-              <a:ext uri="{FF2B5EF4-FFF2-40B4-BE49-F238E27FC236}">
-                <a16:creationId xmlns:a16="http://schemas.microsoft.com/office/drawing/2014/main" id="{8A85FFB4-BA90-9E01-0DC7-5B3E7C3004F7}"/>
-              </a:ext>
-            </a:extLst>
-          </p:cNvPr>
-          <p:cNvCxnSpPr>
-            <a:cxnSpLocks/>
-          </p:cNvCxnSpPr>
-          <p:nvPr/>
-        </p:nvCxnSpPr>
-        <p:spPr>
-          <a:xfrm flipH="1" flipV="1">
-            <a:off x="7810773" y="3591077"/>
-            <a:ext cx="17276" cy="918737"/>
-          </a:xfrm>
-          <a:prstGeom prst="straightConnector1">
-            <a:avLst/>
-          </a:prstGeom>
-          <a:ln w="31750">
-            <a:solidFill>
-              <a:schemeClr val="tx1"/>
-            </a:solidFill>
-            <a:tailEnd type="stealth" w="med" len="lg"/>
-          </a:ln>
-        </p:spPr>
-        <p:style>
-          <a:lnRef idx="2">
-            <a:schemeClr val="accent1"/>
-          </a:lnRef>
-          <a:fillRef idx="0">
-            <a:schemeClr val="accent1"/>
-          </a:fillRef>
-          <a:effectRef idx="1">
-            <a:schemeClr val="accent1"/>
-          </a:effectRef>
-          <a:fontRef idx="minor">
-            <a:schemeClr val="tx1"/>
-          </a:fontRef>
-        </p:style>
-      </p:cxnSp>
-      <mc:AlternateContent xmlns:mc="http://schemas.openxmlformats.org/markup-compatibility/2006" xmlns:a14="http://schemas.microsoft.com/office/drawing/2010/main">
-        <mc:Choice Requires="a14">
-          <p:sp>
-            <p:nvSpPr>
-              <p:cNvPr id="35" name="TextBox 34">
-                <a:extLst>
-                  <a:ext uri="{FF2B5EF4-FFF2-40B4-BE49-F238E27FC236}">
-                    <a16:creationId xmlns:a16="http://schemas.microsoft.com/office/drawing/2014/main" id="{4DAB50E3-E8D6-2E99-F633-562E82FF9609}"/>
-                  </a:ext>
-                </a:extLst>
-              </p:cNvPr>
-              <p:cNvSpPr txBox="1"/>
-              <p:nvPr/>
-            </p:nvSpPr>
-            <p:spPr>
-              <a:xfrm>
-                <a:off x="7450459" y="3462729"/>
-                <a:ext cx="296171" cy="276999"/>
-              </a:xfrm>
-              <a:prstGeom prst="rect">
-                <a:avLst/>
-              </a:prstGeom>
-              <a:noFill/>
-            </p:spPr>
-            <p:txBody>
-              <a:bodyPr wrap="none" lIns="0" tIns="0" rIns="0" bIns="0" rtlCol="0">
-                <a:spAutoFit/>
-              </a:bodyPr>
-              <a:lstStyle/>
-              <a:p>
-                <a:pPr/>
-                <a14:m>
-                  <m:oMathPara xmlns:m="http://schemas.openxmlformats.org/officeDocument/2006/math">
-                    <m:oMathParaPr>
-                      <m:jc m:val="centerGroup"/>
-                    </m:oMathParaPr>
-                    <m:oMath xmlns:m="http://schemas.openxmlformats.org/officeDocument/2006/math">
-                      <m:sSub>
-                        <m:sSubPr>
-                          <m:ctrlPr>
-                            <a:rPr lang="en-US" i="1" smtClean="0">
-                              <a:latin typeface="Cambria Math" panose="02040503050406030204" pitchFamily="18" charset="0"/>
-                              <a:ea typeface="Cambria Math" panose="02040503050406030204" pitchFamily="18" charset="0"/>
-                            </a:rPr>
-                          </m:ctrlPr>
-                        </m:sSubPr>
-                        <m:e>
-                          <m:acc>
-                            <m:accPr>
-                              <m:chr m:val="⃗"/>
-                              <m:ctrlPr>
-                                <a:rPr lang="en-US" i="1" smtClean="0">
-                                  <a:latin typeface="Cambria Math" panose="02040503050406030204" pitchFamily="18" charset="0"/>
-                                  <a:ea typeface="Cambria Math" panose="02040503050406030204" pitchFamily="18" charset="0"/>
-                                </a:rPr>
-                              </m:ctrlPr>
-                            </m:accPr>
-                            <m:e>
-                              <m:r>
-                                <a:rPr lang="en-US" i="1" smtClean="0">
-                                  <a:latin typeface="Cambria Math" panose="02040503050406030204" pitchFamily="18" charset="0"/>
-                                  <a:ea typeface="Cambria Math" panose="02040503050406030204" pitchFamily="18" charset="0"/>
-                                </a:rPr>
-                                <m:t>𝑎</m:t>
-                              </m:r>
-                            </m:e>
-                          </m:acc>
-                        </m:e>
-                        <m:sub>
-                          <m:r>
-                            <a:rPr lang="en-US" b="0" i="1" smtClean="0">
-                              <a:latin typeface="Cambria Math" panose="02040503050406030204" pitchFamily="18" charset="0"/>
-                              <a:ea typeface="Cambria Math" panose="02040503050406030204" pitchFamily="18" charset="0"/>
-                            </a:rPr>
-                            <m:t>𝑛</m:t>
-                          </m:r>
-                        </m:sub>
-                      </m:sSub>
-                    </m:oMath>
-                  </m:oMathPara>
-                </a14:m>
-                <a:endParaRPr lang="en-US" dirty="0"/>
-              </a:p>
-            </p:txBody>
-          </p:sp>
-        </mc:Choice>
-        <mc:Fallback xmlns="">
-          <p:sp>
-            <p:nvSpPr>
-              <p:cNvPr id="35" name="TextBox 34">
-                <a:extLst>
-                  <a:ext uri="{FF2B5EF4-FFF2-40B4-BE49-F238E27FC236}">
-                    <a16:creationId xmlns:a16="http://schemas.microsoft.com/office/drawing/2014/main" id="{4DAB50E3-E8D6-2E99-F633-562E82FF9609}"/>
-                  </a:ext>
-                </a:extLst>
-              </p:cNvPr>
-              <p:cNvSpPr txBox="1">
-                <a:spLocks noRot="1" noChangeAspect="1" noMove="1" noResize="1" noEditPoints="1" noAdjustHandles="1" noChangeArrowheads="1" noChangeShapeType="1" noTextEdit="1"/>
-              </p:cNvSpPr>
-              <p:nvPr/>
-            </p:nvSpPr>
-            <p:spPr>
-              <a:xfrm>
-                <a:off x="7450459" y="3462729"/>
-                <a:ext cx="296171" cy="276999"/>
-              </a:xfrm>
-              <a:prstGeom prst="rect">
-                <a:avLst/>
-              </a:prstGeom>
-              <a:blipFill>
-                <a:blip r:embed="rId5"/>
-                <a:stretch>
-                  <a:fillRect l="-20408" t="-46667" r="-61224" b="-13333"/>
-                </a:stretch>
-              </a:blipFill>
-            </p:spPr>
-            <p:txBody>
-              <a:bodyPr/>
-              <a:lstStyle/>
-              <a:p>
-                <a:r>
-                  <a:rPr lang="en-US">
-                    <a:noFill/>
-                  </a:rPr>
-                  <a:t> </a:t>
-                </a:r>
-              </a:p>
-            </p:txBody>
-          </p:sp>
-        </mc:Fallback>
-      </mc:AlternateContent>
-      <p:cxnSp>
-        <p:nvCxnSpPr>
-          <p:cNvPr id="36" name="Straight Arrow Connector 35">
-            <a:extLst>
-              <a:ext uri="{FF2B5EF4-FFF2-40B4-BE49-F238E27FC236}">
-                <a16:creationId xmlns:a16="http://schemas.microsoft.com/office/drawing/2014/main" id="{2F4A6C90-6D41-AEDE-9DFC-5CBA0F6819BC}"/>
-              </a:ext>
-            </a:extLst>
-          </p:cNvPr>
-          <p:cNvCxnSpPr>
-            <a:cxnSpLocks/>
-          </p:cNvCxnSpPr>
-          <p:nvPr/>
-        </p:nvCxnSpPr>
-        <p:spPr>
-          <a:xfrm flipV="1">
-            <a:off x="7817217" y="4453638"/>
-            <a:ext cx="1042303" cy="51585"/>
-          </a:xfrm>
-          <a:prstGeom prst="straightConnector1">
-            <a:avLst/>
-          </a:prstGeom>
-          <a:ln w="31750">
-            <a:solidFill>
-              <a:schemeClr val="tx1"/>
-            </a:solidFill>
-            <a:tailEnd type="stealth" w="med" len="lg"/>
-          </a:ln>
-        </p:spPr>
-        <p:style>
-          <a:lnRef idx="2">
-            <a:schemeClr val="accent1"/>
-          </a:lnRef>
-          <a:fillRef idx="0">
-            <a:schemeClr val="accent1"/>
-          </a:fillRef>
-          <a:effectRef idx="1">
-            <a:schemeClr val="accent1"/>
-          </a:effectRef>
-          <a:fontRef idx="minor">
-            <a:schemeClr val="tx1"/>
-          </a:fontRef>
-        </p:style>
-      </p:cxnSp>
-      <mc:AlternateContent xmlns:mc="http://schemas.openxmlformats.org/markup-compatibility/2006" xmlns:a14="http://schemas.microsoft.com/office/drawing/2010/main">
-        <mc:Choice Requires="a14">
-          <p:sp>
-            <p:nvSpPr>
-              <p:cNvPr id="38" name="TextBox 37">
-                <a:extLst>
-                  <a:ext uri="{FF2B5EF4-FFF2-40B4-BE49-F238E27FC236}">
-                    <a16:creationId xmlns:a16="http://schemas.microsoft.com/office/drawing/2014/main" id="{A304494F-3B4D-36CA-488F-F39D15C63757}"/>
-                  </a:ext>
-                </a:extLst>
-              </p:cNvPr>
-              <p:cNvSpPr txBox="1"/>
-              <p:nvPr/>
-            </p:nvSpPr>
-            <p:spPr>
-              <a:xfrm>
-                <a:off x="8586688" y="4479430"/>
-                <a:ext cx="272832" cy="276999"/>
-              </a:xfrm>
-              <a:prstGeom prst="rect">
-                <a:avLst/>
-              </a:prstGeom>
-              <a:noFill/>
-            </p:spPr>
-            <p:txBody>
-              <a:bodyPr wrap="none" lIns="0" tIns="0" rIns="0" bIns="0" rtlCol="0">
-                <a:spAutoFit/>
-              </a:bodyPr>
-              <a:lstStyle/>
-              <a:p>
-                <a:pPr/>
-                <a14:m>
-                  <m:oMathPara xmlns:m="http://schemas.openxmlformats.org/officeDocument/2006/math">
-                    <m:oMathParaPr>
-                      <m:jc m:val="centerGroup"/>
-                    </m:oMathParaPr>
-                    <m:oMath xmlns:m="http://schemas.openxmlformats.org/officeDocument/2006/math">
-                      <m:sSub>
-                        <m:sSubPr>
-                          <m:ctrlPr>
-                            <a:rPr lang="en-US" i="1" smtClean="0">
-                              <a:latin typeface="Cambria Math" panose="02040503050406030204" pitchFamily="18" charset="0"/>
-                              <a:ea typeface="Cambria Math" panose="02040503050406030204" pitchFamily="18" charset="0"/>
-                            </a:rPr>
-                          </m:ctrlPr>
-                        </m:sSubPr>
-                        <m:e>
-                          <m:acc>
-                            <m:accPr>
-                              <m:chr m:val="⃗"/>
-                              <m:ctrlPr>
-                                <a:rPr lang="en-US" i="1" smtClean="0">
-                                  <a:latin typeface="Cambria Math" panose="02040503050406030204" pitchFamily="18" charset="0"/>
-                                  <a:ea typeface="Cambria Math" panose="02040503050406030204" pitchFamily="18" charset="0"/>
-                                </a:rPr>
-                              </m:ctrlPr>
-                            </m:accPr>
-                            <m:e>
-                              <m:r>
-                                <a:rPr lang="en-US" i="1" smtClean="0">
-                                  <a:latin typeface="Cambria Math" panose="02040503050406030204" pitchFamily="18" charset="0"/>
-                                  <a:ea typeface="Cambria Math" panose="02040503050406030204" pitchFamily="18" charset="0"/>
-                                </a:rPr>
-                                <m:t>𝑎</m:t>
-                              </m:r>
-                            </m:e>
-                          </m:acc>
-                        </m:e>
-                        <m:sub>
-                          <m:r>
-                            <a:rPr lang="en-US" b="0" i="1" smtClean="0">
-                              <a:latin typeface="Cambria Math" panose="02040503050406030204" pitchFamily="18" charset="0"/>
-                              <a:ea typeface="Cambria Math" panose="02040503050406030204" pitchFamily="18" charset="0"/>
-                            </a:rPr>
-                            <m:t>𝜏</m:t>
-                          </m:r>
-                        </m:sub>
-                      </m:sSub>
-                    </m:oMath>
-                  </m:oMathPara>
-                </a14:m>
-                <a:endParaRPr lang="en-US" dirty="0"/>
-              </a:p>
-            </p:txBody>
-          </p:sp>
-        </mc:Choice>
-        <mc:Fallback xmlns="">
-          <p:sp>
-            <p:nvSpPr>
-              <p:cNvPr id="38" name="TextBox 37">
-                <a:extLst>
-                  <a:ext uri="{FF2B5EF4-FFF2-40B4-BE49-F238E27FC236}">
-                    <a16:creationId xmlns:a16="http://schemas.microsoft.com/office/drawing/2014/main" id="{A304494F-3B4D-36CA-488F-F39D15C63757}"/>
-                  </a:ext>
-                </a:extLst>
-              </p:cNvPr>
-              <p:cNvSpPr txBox="1">
-                <a:spLocks noRot="1" noChangeAspect="1" noMove="1" noResize="1" noEditPoints="1" noAdjustHandles="1" noChangeArrowheads="1" noChangeShapeType="1" noTextEdit="1"/>
-              </p:cNvSpPr>
-              <p:nvPr/>
-            </p:nvSpPr>
-            <p:spPr>
-              <a:xfrm>
-                <a:off x="8586688" y="4479430"/>
-                <a:ext cx="272832" cy="276999"/>
-              </a:xfrm>
-              <a:prstGeom prst="rect">
-                <a:avLst/>
-              </a:prstGeom>
-              <a:blipFill>
-                <a:blip r:embed="rId6"/>
-                <a:stretch>
-                  <a:fillRect l="-25000" t="-48889" r="-70455" b="-11111"/>
-                </a:stretch>
-              </a:blipFill>
-            </p:spPr>
-            <p:txBody>
-              <a:bodyPr/>
-              <a:lstStyle/>
-              <a:p>
-                <a:r>
-                  <a:rPr lang="en-US">
-                    <a:noFill/>
-                  </a:rPr>
-                  <a:t> </a:t>
-                </a:r>
-              </a:p>
-            </p:txBody>
-          </p:sp>
-        </mc:Fallback>
-      </mc:AlternateContent>
-      <p:cxnSp>
-        <p:nvCxnSpPr>
-          <p:cNvPr id="43" name="Straight Arrow Connector 42">
-            <a:extLst>
-              <a:ext uri="{FF2B5EF4-FFF2-40B4-BE49-F238E27FC236}">
-                <a16:creationId xmlns:a16="http://schemas.microsoft.com/office/drawing/2014/main" id="{E6E821FF-5266-0E8A-2D14-38D1E69E737A}"/>
-              </a:ext>
-            </a:extLst>
-          </p:cNvPr>
-          <p:cNvCxnSpPr>
-            <a:cxnSpLocks/>
-          </p:cNvCxnSpPr>
-          <p:nvPr/>
-        </p:nvCxnSpPr>
-        <p:spPr>
-          <a:xfrm flipV="1">
-            <a:off x="7828049" y="3646405"/>
-            <a:ext cx="912331" cy="855255"/>
-          </a:xfrm>
-          <a:prstGeom prst="straightConnector1">
-            <a:avLst/>
-          </a:prstGeom>
-          <a:ln w="31750">
-            <a:solidFill>
-              <a:schemeClr val="tx1"/>
-            </a:solidFill>
-            <a:tailEnd type="stealth" w="med" len="lg"/>
-          </a:ln>
-        </p:spPr>
-        <p:style>
-          <a:lnRef idx="2">
-            <a:schemeClr val="accent1"/>
-          </a:lnRef>
-          <a:fillRef idx="0">
-            <a:schemeClr val="accent1"/>
-          </a:fillRef>
-          <a:effectRef idx="1">
-            <a:schemeClr val="accent1"/>
-          </a:effectRef>
-          <a:fontRef idx="minor">
-            <a:schemeClr val="tx1"/>
-          </a:fontRef>
-        </p:style>
-      </p:cxnSp>
-      <p:sp>
-        <p:nvSpPr>
-          <p:cNvPr id="45" name="Arc 44">
-            <a:extLst>
-              <a:ext uri="{FF2B5EF4-FFF2-40B4-BE49-F238E27FC236}">
-                <a16:creationId xmlns:a16="http://schemas.microsoft.com/office/drawing/2014/main" id="{CBEEDF00-9AA8-D4B7-DB74-3F83237262DE}"/>
-              </a:ext>
-            </a:extLst>
-          </p:cNvPr>
-          <p:cNvSpPr/>
-          <p:nvPr/>
-        </p:nvSpPr>
-        <p:spPr>
-          <a:xfrm rot="20300109">
-            <a:off x="7748654" y="4212775"/>
-            <a:ext cx="293958" cy="323059"/>
-          </a:xfrm>
-          <a:prstGeom prst="arc">
-            <a:avLst/>
-          </a:prstGeom>
-          <a:ln>
-            <a:solidFill>
-              <a:schemeClr val="tx1"/>
-            </a:solidFill>
-          </a:ln>
-        </p:spPr>
-        <p:style>
-          <a:lnRef idx="2">
-            <a:schemeClr val="accent1"/>
-          </a:lnRef>
-          <a:fillRef idx="0">
-            <a:schemeClr val="accent1"/>
-          </a:fillRef>
-          <a:effectRef idx="1">
-            <a:schemeClr val="accent1"/>
-          </a:effectRef>
-          <a:fontRef idx="minor">
-            <a:schemeClr val="tx1"/>
-          </a:fontRef>
-        </p:style>
-        <p:txBody>
-          <a:bodyPr rtlCol="0" anchor="ctr"/>
-          <a:lstStyle/>
-          <a:p>
-            <a:pPr algn="ctr"/>
-            <a:endParaRPr lang="en-US"/>
-          </a:p>
-        </p:txBody>
-      </p:sp>
-      <mc:AlternateContent xmlns:mc="http://schemas.openxmlformats.org/markup-compatibility/2006" xmlns:a14="http://schemas.microsoft.com/office/drawing/2010/main">
-        <mc:Choice Requires="a14">
-          <p:sp>
-            <p:nvSpPr>
-              <p:cNvPr id="46" name="TextBox 45">
-                <a:extLst>
-                  <a:ext uri="{FF2B5EF4-FFF2-40B4-BE49-F238E27FC236}">
-                    <a16:creationId xmlns:a16="http://schemas.microsoft.com/office/drawing/2014/main" id="{BB92D81D-88A7-8464-1847-FC182D5A6BBF}"/>
-                  </a:ext>
-                </a:extLst>
-              </p:cNvPr>
-              <p:cNvSpPr txBox="1"/>
-              <p:nvPr/>
-            </p:nvSpPr>
-            <p:spPr>
-              <a:xfrm>
-                <a:off x="7852979" y="3871976"/>
-                <a:ext cx="256160" cy="369332"/>
-              </a:xfrm>
-              <a:prstGeom prst="rect">
-                <a:avLst/>
-              </a:prstGeom>
-              <a:noFill/>
-            </p:spPr>
-            <p:txBody>
-              <a:bodyPr wrap="none" lIns="0" tIns="0" rIns="0" bIns="0" rtlCol="0">
-                <a:spAutoFit/>
-              </a:bodyPr>
-              <a:lstStyle/>
-              <a:p>
-                <a:pPr/>
-                <a14:m>
-                  <m:oMathPara xmlns:m="http://schemas.openxmlformats.org/officeDocument/2006/math">
-                    <m:oMathParaPr>
-                      <m:jc m:val="centerGroup"/>
-                    </m:oMathParaPr>
-                    <m:oMath xmlns:m="http://schemas.openxmlformats.org/officeDocument/2006/math">
-                      <m:r>
-                        <a:rPr lang="en-US" sz="2400" i="1" smtClean="0">
-                          <a:latin typeface="Cambria Math" panose="02040503050406030204" pitchFamily="18" charset="0"/>
-                          <a:ea typeface="Cambria Math" panose="02040503050406030204" pitchFamily="18" charset="0"/>
-                        </a:rPr>
-                        <m:t>𝛼</m:t>
-                      </m:r>
-                    </m:oMath>
-                  </m:oMathPara>
-                </a14:m>
-                <a:endParaRPr lang="en-US" sz="2400" dirty="0"/>
-              </a:p>
-            </p:txBody>
-          </p:sp>
-        </mc:Choice>
-        <mc:Fallback xmlns="">
-          <p:sp>
-            <p:nvSpPr>
-              <p:cNvPr id="46" name="TextBox 45">
-                <a:extLst>
-                  <a:ext uri="{FF2B5EF4-FFF2-40B4-BE49-F238E27FC236}">
-                    <a16:creationId xmlns:a16="http://schemas.microsoft.com/office/drawing/2014/main" id="{BB92D81D-88A7-8464-1847-FC182D5A6BBF}"/>
-                  </a:ext>
-                </a:extLst>
-              </p:cNvPr>
-              <p:cNvSpPr txBox="1">
-                <a:spLocks noRot="1" noChangeAspect="1" noMove="1" noResize="1" noEditPoints="1" noAdjustHandles="1" noChangeArrowheads="1" noChangeShapeType="1" noTextEdit="1"/>
-              </p:cNvSpPr>
-              <p:nvPr/>
-            </p:nvSpPr>
-            <p:spPr>
-              <a:xfrm>
-                <a:off x="7852979" y="3871976"/>
-                <a:ext cx="256160" cy="369332"/>
-              </a:xfrm>
-              <a:prstGeom prst="rect">
-                <a:avLst/>
-              </a:prstGeom>
-              <a:blipFill>
-                <a:blip r:embed="rId7"/>
-                <a:stretch>
-                  <a:fillRect l="-16667" r="-14286"/>
-                </a:stretch>
-              </a:blipFill>
-            </p:spPr>
-            <p:txBody>
-              <a:bodyPr/>
-              <a:lstStyle/>
-              <a:p>
-                <a:r>
-                  <a:rPr lang="en-US">
-                    <a:noFill/>
-                  </a:rPr>
-                  <a:t> </a:t>
-                </a:r>
-              </a:p>
-            </p:txBody>
-          </p:sp>
-        </mc:Fallback>
-      </mc:AlternateContent>
-      <mc:AlternateContent xmlns:mc="http://schemas.openxmlformats.org/markup-compatibility/2006" xmlns:a14="http://schemas.microsoft.com/office/drawing/2010/main">
-        <mc:Choice Requires="a14">
-          <p:sp>
-            <p:nvSpPr>
-              <p:cNvPr id="47" name="TextBox 46">
-                <a:extLst>
-                  <a:ext uri="{FF2B5EF4-FFF2-40B4-BE49-F238E27FC236}">
-                    <a16:creationId xmlns:a16="http://schemas.microsoft.com/office/drawing/2014/main" id="{DCF3E7A1-0C05-06BF-2704-768A01153E04}"/>
-                  </a:ext>
-                </a:extLst>
-              </p:cNvPr>
-              <p:cNvSpPr txBox="1"/>
-              <p:nvPr/>
-            </p:nvSpPr>
-            <p:spPr>
-              <a:xfrm>
-                <a:off x="8406319" y="3537244"/>
-                <a:ext cx="180369" cy="276999"/>
-              </a:xfrm>
-              <a:prstGeom prst="rect">
-                <a:avLst/>
-              </a:prstGeom>
-              <a:noFill/>
-            </p:spPr>
-            <p:txBody>
-              <a:bodyPr wrap="none" lIns="0" tIns="0" rIns="0" bIns="0" rtlCol="0">
-                <a:spAutoFit/>
-              </a:bodyPr>
-              <a:lstStyle/>
-              <a:p>
-                <a:pPr/>
-                <a14:m>
-                  <m:oMathPara xmlns:m="http://schemas.openxmlformats.org/officeDocument/2006/math">
-                    <m:oMathParaPr>
-                      <m:jc m:val="centerGroup"/>
-                    </m:oMathParaPr>
-                    <m:oMath xmlns:m="http://schemas.openxmlformats.org/officeDocument/2006/math">
-                      <m:acc>
-                        <m:accPr>
-                          <m:chr m:val="⃗"/>
-                          <m:ctrlPr>
-                            <a:rPr lang="en-US" i="1" smtClean="0">
-                              <a:latin typeface="Cambria Math" panose="02040503050406030204" pitchFamily="18" charset="0"/>
-                              <a:ea typeface="Cambria Math" panose="02040503050406030204" pitchFamily="18" charset="0"/>
-                            </a:rPr>
-                          </m:ctrlPr>
-                        </m:accPr>
-                        <m:e>
-                          <m:r>
-                            <a:rPr lang="en-US" i="1" smtClean="0">
-                              <a:latin typeface="Cambria Math" panose="02040503050406030204" pitchFamily="18" charset="0"/>
-                              <a:ea typeface="Cambria Math" panose="02040503050406030204" pitchFamily="18" charset="0"/>
-                            </a:rPr>
-                            <m:t>𝑎</m:t>
-                          </m:r>
-                        </m:e>
-                      </m:acc>
-                    </m:oMath>
-                  </m:oMathPara>
-                </a14:m>
-                <a:endParaRPr lang="en-US" dirty="0"/>
-              </a:p>
-            </p:txBody>
-          </p:sp>
-        </mc:Choice>
-        <mc:Fallback xmlns="">
-          <p:sp>
-            <p:nvSpPr>
-              <p:cNvPr id="47" name="TextBox 46">
-                <a:extLst>
-                  <a:ext uri="{FF2B5EF4-FFF2-40B4-BE49-F238E27FC236}">
-                    <a16:creationId xmlns:a16="http://schemas.microsoft.com/office/drawing/2014/main" id="{DCF3E7A1-0C05-06BF-2704-768A01153E04}"/>
-                  </a:ext>
-                </a:extLst>
-              </p:cNvPr>
-              <p:cNvSpPr txBox="1">
-                <a:spLocks noRot="1" noChangeAspect="1" noMove="1" noResize="1" noEditPoints="1" noAdjustHandles="1" noChangeArrowheads="1" noChangeShapeType="1" noTextEdit="1"/>
-              </p:cNvSpPr>
-              <p:nvPr/>
-            </p:nvSpPr>
-            <p:spPr>
-              <a:xfrm>
-                <a:off x="8406319" y="3537244"/>
-                <a:ext cx="180369" cy="276999"/>
-              </a:xfrm>
-              <a:prstGeom prst="rect">
-                <a:avLst/>
-              </a:prstGeom>
-              <a:blipFill>
-                <a:blip r:embed="rId8"/>
-                <a:stretch>
-                  <a:fillRect l="-36667" t="-45652" r="-96667" b="-8696"/>
-                </a:stretch>
-              </a:blipFill>
-            </p:spPr>
-            <p:txBody>
-              <a:bodyPr/>
-              <a:lstStyle/>
-              <a:p>
-                <a:r>
-                  <a:rPr lang="en-US">
-                    <a:noFill/>
-                  </a:rPr>
-                  <a:t> </a:t>
-                </a:r>
-              </a:p>
-            </p:txBody>
-          </p:sp>
-        </mc:Fallback>
-      </mc:AlternateContent>
-    </p:spTree>
-    <p:extLst>
-      <p:ext uri="{BB962C8B-B14F-4D97-AF65-F5344CB8AC3E}">
-        <p14:creationId xmlns:p14="http://schemas.microsoft.com/office/powerpoint/2010/main" val="943513454"/>
-      </p:ext>
-    </p:extLst>
-  </p:cSld>
-  <p:clrMapOvr>
-    <a:masterClrMapping/>
-  </p:clrMapOvr>
-</p:sld>
-</file>
-
 <file path=ppt/theme/theme1.xml><?xml version="1.0" encoding="utf-8"?>
 <a:theme xmlns:a="http://schemas.openxmlformats.org/drawingml/2006/main" name="Office Theme">
   <a:themeElements>

--- a/theory/lecture-drawings.pptx
+++ b/theory/lecture-drawings.pptx
@@ -21,6 +21,12 @@
     <p:sldId id="269" r:id="rId15"/>
     <p:sldId id="271" r:id="rId16"/>
     <p:sldId id="272" r:id="rId17"/>
+    <p:sldId id="273" r:id="rId18"/>
+    <p:sldId id="274" r:id="rId19"/>
+    <p:sldId id="275" r:id="rId20"/>
+    <p:sldId id="276" r:id="rId21"/>
+    <p:sldId id="277" r:id="rId22"/>
+    <p:sldId id="278" r:id="rId23"/>
   </p:sldIdLst>
   <p:sldSz cx="12192000" cy="6858000"/>
   <p:notesSz cx="6858000" cy="9144000"/>
@@ -14098,8 +14104,8 @@
           </a:fontRef>
         </p:style>
       </p:cxnSp>
-      <mc:AlternateContent xmlns:mc="http://schemas.openxmlformats.org/markup-compatibility/2006">
-        <mc:Choice xmlns:a14="http://schemas.microsoft.com/office/drawing/2010/main" Requires="a14">
+      <mc:AlternateContent xmlns:mc="http://schemas.openxmlformats.org/markup-compatibility/2006" xmlns:a14="http://schemas.microsoft.com/office/drawing/2010/main">
+        <mc:Choice Requires="a14">
           <p:sp>
             <p:nvSpPr>
               <p:cNvPr id="6" name="TextBox 5">
@@ -14180,7 +14186,7 @@
             </p:txBody>
           </p:sp>
         </mc:Choice>
-        <mc:Fallback>
+        <mc:Fallback xmlns="">
           <p:sp>
             <p:nvSpPr>
               <p:cNvPr id="6" name="TextBox 5">
@@ -14269,8 +14275,8 @@
           </a:fontRef>
         </p:style>
       </p:cxnSp>
-      <mc:AlternateContent xmlns:mc="http://schemas.openxmlformats.org/markup-compatibility/2006">
-        <mc:Choice xmlns:a14="http://schemas.microsoft.com/office/drawing/2010/main" Requires="a14">
+      <mc:AlternateContent xmlns:mc="http://schemas.openxmlformats.org/markup-compatibility/2006" xmlns:a14="http://schemas.microsoft.com/office/drawing/2010/main">
+        <mc:Choice Requires="a14">
           <p:sp>
             <p:nvSpPr>
               <p:cNvPr id="11" name="TextBox 10">
@@ -14351,7 +14357,7 @@
             </p:txBody>
           </p:sp>
         </mc:Choice>
-        <mc:Fallback>
+        <mc:Fallback xmlns="">
           <p:sp>
             <p:nvSpPr>
               <p:cNvPr id="11" name="TextBox 10">
@@ -14528,8 +14534,8 @@
           </a:fontRef>
         </p:style>
       </p:cxnSp>
-      <mc:AlternateContent xmlns:mc="http://schemas.openxmlformats.org/markup-compatibility/2006">
-        <mc:Choice xmlns:a14="http://schemas.microsoft.com/office/drawing/2010/main" Requires="a14">
+      <mc:AlternateContent xmlns:mc="http://schemas.openxmlformats.org/markup-compatibility/2006" xmlns:a14="http://schemas.microsoft.com/office/drawing/2010/main">
+        <mc:Choice Requires="a14">
           <p:sp>
             <p:nvSpPr>
               <p:cNvPr id="20" name="TextBox 19">
@@ -14610,7 +14616,7 @@
             </p:txBody>
           </p:sp>
         </mc:Choice>
-        <mc:Fallback>
+        <mc:Fallback xmlns="">
           <p:sp>
             <p:nvSpPr>
               <p:cNvPr id="20" name="TextBox 19">
@@ -14655,8 +14661,8 @@
           </p:sp>
         </mc:Fallback>
       </mc:AlternateContent>
-      <mc:AlternateContent xmlns:mc="http://schemas.openxmlformats.org/markup-compatibility/2006">
-        <mc:Choice xmlns:a14="http://schemas.microsoft.com/office/drawing/2010/main" Requires="a14">
+      <mc:AlternateContent xmlns:mc="http://schemas.openxmlformats.org/markup-compatibility/2006" xmlns:a14="http://schemas.microsoft.com/office/drawing/2010/main">
+        <mc:Choice Requires="a14">
           <p:sp>
             <p:nvSpPr>
               <p:cNvPr id="21" name="TextBox 20">
@@ -14737,7 +14743,7 @@
             </p:txBody>
           </p:sp>
         </mc:Choice>
-        <mc:Fallback>
+        <mc:Fallback xmlns="">
           <p:sp>
             <p:nvSpPr>
               <p:cNvPr id="21" name="TextBox 20">
@@ -14782,8 +14788,8 @@
           </p:sp>
         </mc:Fallback>
       </mc:AlternateContent>
-      <mc:AlternateContent xmlns:mc="http://schemas.openxmlformats.org/markup-compatibility/2006">
-        <mc:Choice xmlns:a14="http://schemas.microsoft.com/office/drawing/2010/main" Requires="a14">
+      <mc:AlternateContent xmlns:mc="http://schemas.openxmlformats.org/markup-compatibility/2006" xmlns:a14="http://schemas.microsoft.com/office/drawing/2010/main">
+        <mc:Choice Requires="a14">
           <p:sp>
             <p:nvSpPr>
               <p:cNvPr id="22" name="TextBox 21">
@@ -14864,7 +14870,7 @@
             </p:txBody>
           </p:sp>
         </mc:Choice>
-        <mc:Fallback>
+        <mc:Fallback xmlns="">
           <p:sp>
             <p:nvSpPr>
               <p:cNvPr id="22" name="TextBox 21">
@@ -15173,8 +15179,8 @@
           </a:fontRef>
         </p:style>
       </p:cxnSp>
-      <mc:AlternateContent xmlns:mc="http://schemas.openxmlformats.org/markup-compatibility/2006">
-        <mc:Choice xmlns:a14="http://schemas.microsoft.com/office/drawing/2010/main" Requires="a14">
+      <mc:AlternateContent xmlns:mc="http://schemas.openxmlformats.org/markup-compatibility/2006" xmlns:a14="http://schemas.microsoft.com/office/drawing/2010/main">
+        <mc:Choice Requires="a14">
           <p:sp>
             <p:nvSpPr>
               <p:cNvPr id="41" name="TextBox 40">
@@ -15255,7 +15261,7 @@
             </p:txBody>
           </p:sp>
         </mc:Choice>
-        <mc:Fallback>
+        <mc:Fallback xmlns="">
           <p:sp>
             <p:nvSpPr>
               <p:cNvPr id="41" name="TextBox 40">
@@ -15300,8 +15306,8 @@
           </p:sp>
         </mc:Fallback>
       </mc:AlternateContent>
-      <mc:AlternateContent xmlns:mc="http://schemas.openxmlformats.org/markup-compatibility/2006">
-        <mc:Choice xmlns:a14="http://schemas.microsoft.com/office/drawing/2010/main" Requires="a14">
+      <mc:AlternateContent xmlns:mc="http://schemas.openxmlformats.org/markup-compatibility/2006" xmlns:a14="http://schemas.microsoft.com/office/drawing/2010/main">
+        <mc:Choice Requires="a14">
           <p:sp>
             <p:nvSpPr>
               <p:cNvPr id="42" name="TextBox 41">
@@ -15382,7 +15388,7 @@
             </p:txBody>
           </p:sp>
         </mc:Choice>
-        <mc:Fallback>
+        <mc:Fallback xmlns="">
           <p:sp>
             <p:nvSpPr>
               <p:cNvPr id="42" name="TextBox 41">
@@ -15427,8 +15433,8 @@
           </p:sp>
         </mc:Fallback>
       </mc:AlternateContent>
-      <mc:AlternateContent xmlns:mc="http://schemas.openxmlformats.org/markup-compatibility/2006">
-        <mc:Choice xmlns:a14="http://schemas.microsoft.com/office/drawing/2010/main" Requires="a14">
+      <mc:AlternateContent xmlns:mc="http://schemas.openxmlformats.org/markup-compatibility/2006" xmlns:a14="http://schemas.microsoft.com/office/drawing/2010/main">
+        <mc:Choice Requires="a14">
           <p:sp>
             <p:nvSpPr>
               <p:cNvPr id="43" name="TextBox 42">
@@ -15509,7 +15515,7 @@
             </p:txBody>
           </p:sp>
         </mc:Choice>
-        <mc:Fallback>
+        <mc:Fallback xmlns="">
           <p:sp>
             <p:nvSpPr>
               <p:cNvPr id="43" name="TextBox 42">
@@ -15554,8 +15560,8 @@
           </p:sp>
         </mc:Fallback>
       </mc:AlternateContent>
-      <mc:AlternateContent xmlns:mc="http://schemas.openxmlformats.org/markup-compatibility/2006">
-        <mc:Choice xmlns:a14="http://schemas.microsoft.com/office/drawing/2010/main" Requires="a14">
+      <mc:AlternateContent xmlns:mc="http://schemas.openxmlformats.org/markup-compatibility/2006" xmlns:a14="http://schemas.microsoft.com/office/drawing/2010/main">
+        <mc:Choice Requires="a14">
           <p:sp>
             <p:nvSpPr>
               <p:cNvPr id="44" name="TextBox 43">
@@ -15636,7 +15642,7 @@
             </p:txBody>
           </p:sp>
         </mc:Choice>
-        <mc:Fallback>
+        <mc:Fallback xmlns="">
           <p:sp>
             <p:nvSpPr>
               <p:cNvPr id="44" name="TextBox 43">
@@ -15681,8 +15687,8 @@
           </p:sp>
         </mc:Fallback>
       </mc:AlternateContent>
-      <mc:AlternateContent xmlns:mc="http://schemas.openxmlformats.org/markup-compatibility/2006">
-        <mc:Choice xmlns:a14="http://schemas.microsoft.com/office/drawing/2010/main" Requires="a14">
+      <mc:AlternateContent xmlns:mc="http://schemas.openxmlformats.org/markup-compatibility/2006" xmlns:a14="http://schemas.microsoft.com/office/drawing/2010/main">
+        <mc:Choice Requires="a14">
           <p:sp>
             <p:nvSpPr>
               <p:cNvPr id="45" name="TextBox 44">
@@ -15763,7 +15769,7 @@
             </p:txBody>
           </p:sp>
         </mc:Choice>
-        <mc:Fallback>
+        <mc:Fallback xmlns="">
           <p:sp>
             <p:nvSpPr>
               <p:cNvPr id="45" name="TextBox 44">
@@ -15808,8 +15814,8 @@
           </p:sp>
         </mc:Fallback>
       </mc:AlternateContent>
-      <mc:AlternateContent xmlns:mc="http://schemas.openxmlformats.org/markup-compatibility/2006">
-        <mc:Choice xmlns:a14="http://schemas.microsoft.com/office/drawing/2010/main" Requires="a14">
+      <mc:AlternateContent xmlns:mc="http://schemas.openxmlformats.org/markup-compatibility/2006" xmlns:a14="http://schemas.microsoft.com/office/drawing/2010/main">
+        <mc:Choice Requires="a14">
           <p:sp>
             <p:nvSpPr>
               <p:cNvPr id="46" name="TextBox 45">
@@ -15881,7 +15887,7 @@
             </p:txBody>
           </p:sp>
         </mc:Choice>
-        <mc:Fallback>
+        <mc:Fallback xmlns="">
           <p:sp>
             <p:nvSpPr>
               <p:cNvPr id="46" name="TextBox 45">
@@ -16064,8 +16070,8 @@
           </a:fontRef>
         </p:style>
       </p:cxnSp>
-      <mc:AlternateContent xmlns:mc="http://schemas.openxmlformats.org/markup-compatibility/2006">
-        <mc:Choice xmlns:a14="http://schemas.microsoft.com/office/drawing/2010/main" Requires="a14">
+      <mc:AlternateContent xmlns:mc="http://schemas.openxmlformats.org/markup-compatibility/2006" xmlns:a14="http://schemas.microsoft.com/office/drawing/2010/main">
+        <mc:Choice Requires="a14">
           <p:sp>
             <p:nvSpPr>
               <p:cNvPr id="26" name="TextBox 25">
@@ -16127,7 +16133,7 @@
             </p:txBody>
           </p:sp>
         </mc:Choice>
-        <mc:Fallback>
+        <mc:Fallback xmlns="">
           <p:sp>
             <p:nvSpPr>
               <p:cNvPr id="26" name="TextBox 25">
@@ -16357,8 +16363,8 @@
           </a:fontRef>
         </p:style>
       </p:cxnSp>
-      <mc:AlternateContent xmlns:mc="http://schemas.openxmlformats.org/markup-compatibility/2006">
-        <mc:Choice xmlns:a14="http://schemas.microsoft.com/office/drawing/2010/main" Requires="a14">
+      <mc:AlternateContent xmlns:mc="http://schemas.openxmlformats.org/markup-compatibility/2006" xmlns:a14="http://schemas.microsoft.com/office/drawing/2010/main">
+        <mc:Choice Requires="a14">
           <p:sp>
             <p:nvSpPr>
               <p:cNvPr id="35" name="TextBox 34">
@@ -16426,7 +16432,7 @@
             </p:txBody>
           </p:sp>
         </mc:Choice>
-        <mc:Fallback>
+        <mc:Fallback xmlns="">
           <p:sp>
             <p:nvSpPr>
               <p:cNvPr id="35" name="TextBox 34">
@@ -16471,8 +16477,8 @@
           </p:sp>
         </mc:Fallback>
       </mc:AlternateContent>
-      <mc:AlternateContent xmlns:mc="http://schemas.openxmlformats.org/markup-compatibility/2006">
-        <mc:Choice xmlns:a14="http://schemas.microsoft.com/office/drawing/2010/main" Requires="a14">
+      <mc:AlternateContent xmlns:mc="http://schemas.openxmlformats.org/markup-compatibility/2006" xmlns:a14="http://schemas.microsoft.com/office/drawing/2010/main">
+        <mc:Choice Requires="a14">
           <p:sp>
             <p:nvSpPr>
               <p:cNvPr id="37" name="TextBox 36">
@@ -16534,7 +16540,7 @@
             </p:txBody>
           </p:sp>
         </mc:Choice>
-        <mc:Fallback>
+        <mc:Fallback xmlns="">
           <p:sp>
             <p:nvSpPr>
               <p:cNvPr id="37" name="TextBox 36">
@@ -16623,8 +16629,8 @@
           </a:fontRef>
         </p:style>
       </p:cxnSp>
-      <mc:AlternateContent xmlns:mc="http://schemas.openxmlformats.org/markup-compatibility/2006">
-        <mc:Choice xmlns:a14="http://schemas.microsoft.com/office/drawing/2010/main" Requires="a14">
+      <mc:AlternateContent xmlns:mc="http://schemas.openxmlformats.org/markup-compatibility/2006" xmlns:a14="http://schemas.microsoft.com/office/drawing/2010/main">
+        <mc:Choice Requires="a14">
           <p:sp>
             <p:nvSpPr>
               <p:cNvPr id="40" name="TextBox 39">
@@ -16705,7 +16711,7 @@
             </p:txBody>
           </p:sp>
         </mc:Choice>
-        <mc:Fallback>
+        <mc:Fallback xmlns="">
           <p:sp>
             <p:nvSpPr>
               <p:cNvPr id="40" name="TextBox 39">
@@ -17378,8 +17384,8 @@
           </a:fontRef>
         </p:style>
       </p:cxnSp>
-      <mc:AlternateContent xmlns:mc="http://schemas.openxmlformats.org/markup-compatibility/2006">
-        <mc:Choice xmlns:a14="http://schemas.microsoft.com/office/drawing/2010/main" Requires="a14">
+      <mc:AlternateContent xmlns:mc="http://schemas.openxmlformats.org/markup-compatibility/2006" xmlns:a14="http://schemas.microsoft.com/office/drawing/2010/main">
+        <mc:Choice Requires="a14">
           <p:sp>
             <p:nvSpPr>
               <p:cNvPr id="58" name="TextBox 57">
@@ -17460,7 +17466,7 @@
             </p:txBody>
           </p:sp>
         </mc:Choice>
-        <mc:Fallback>
+        <mc:Fallback xmlns="">
           <p:sp>
             <p:nvSpPr>
               <p:cNvPr id="58" name="TextBox 57">
@@ -17505,8 +17511,8 @@
           </p:sp>
         </mc:Fallback>
       </mc:AlternateContent>
-      <mc:AlternateContent xmlns:mc="http://schemas.openxmlformats.org/markup-compatibility/2006">
-        <mc:Choice xmlns:a14="http://schemas.microsoft.com/office/drawing/2010/main" Requires="a14">
+      <mc:AlternateContent xmlns:mc="http://schemas.openxmlformats.org/markup-compatibility/2006" xmlns:a14="http://schemas.microsoft.com/office/drawing/2010/main">
+        <mc:Choice Requires="a14">
           <p:sp>
             <p:nvSpPr>
               <p:cNvPr id="59" name="TextBox 58">
@@ -17587,7 +17593,7 @@
             </p:txBody>
           </p:sp>
         </mc:Choice>
-        <mc:Fallback>
+        <mc:Fallback xmlns="">
           <p:sp>
             <p:nvSpPr>
               <p:cNvPr id="59" name="TextBox 58">
@@ -17636,6 +17642,4415 @@
     <p:extLst>
       <p:ext uri="{BB962C8B-B14F-4D97-AF65-F5344CB8AC3E}">
         <p14:creationId xmlns:p14="http://schemas.microsoft.com/office/powerpoint/2010/main" val="2810229555"/>
+      </p:ext>
+    </p:extLst>
+  </p:cSld>
+  <p:clrMapOvr>
+    <a:masterClrMapping/>
+  </p:clrMapOvr>
+</p:sld>
+</file>
+
+<file path=ppt/slides/slide17.xml><?xml version="1.0" encoding="utf-8"?>
+<p:sld xmlns:a="http://schemas.openxmlformats.org/drawingml/2006/main" xmlns:r="http://schemas.openxmlformats.org/officeDocument/2006/relationships" xmlns:p="http://schemas.openxmlformats.org/presentationml/2006/main">
+  <p:cSld>
+    <p:spTree>
+      <p:nvGrpSpPr>
+        <p:cNvPr id="1" name=""/>
+        <p:cNvGrpSpPr/>
+        <p:nvPr/>
+      </p:nvGrpSpPr>
+      <p:grpSpPr>
+        <a:xfrm>
+          <a:off x="0" y="0"/>
+          <a:ext cx="0" cy="0"/>
+          <a:chOff x="0" y="0"/>
+          <a:chExt cx="0" cy="0"/>
+        </a:xfrm>
+      </p:grpSpPr>
+      <p:sp>
+        <p:nvSpPr>
+          <p:cNvPr id="2" name="Freeform: Shape 1">
+            <a:extLst>
+              <a:ext uri="{FF2B5EF4-FFF2-40B4-BE49-F238E27FC236}">
+                <a16:creationId xmlns:a16="http://schemas.microsoft.com/office/drawing/2014/main" id="{E592B175-43B2-A0A3-B18F-68EFC5387E94}"/>
+              </a:ext>
+            </a:extLst>
+          </p:cNvPr>
+          <p:cNvSpPr/>
+          <p:nvPr/>
+        </p:nvSpPr>
+        <p:spPr>
+          <a:xfrm>
+            <a:off x="2056481" y="962058"/>
+            <a:ext cx="3168449" cy="3355821"/>
+          </a:xfrm>
+          <a:custGeom>
+            <a:avLst/>
+            <a:gdLst>
+              <a:gd name="connsiteX0" fmla="*/ 876306 w 2448489"/>
+              <a:gd name="connsiteY0" fmla="*/ 1197245 h 3348389"/>
+              <a:gd name="connsiteX1" fmla="*/ 711206 w 2448489"/>
+              <a:gd name="connsiteY1" fmla="*/ 1235345 h 3348389"/>
+              <a:gd name="connsiteX2" fmla="*/ 6 w 2448489"/>
+              <a:gd name="connsiteY2" fmla="*/ 2645045 h 3348389"/>
+              <a:gd name="connsiteX3" fmla="*/ 698506 w 2448489"/>
+              <a:gd name="connsiteY3" fmla="*/ 2810145 h 3348389"/>
+              <a:gd name="connsiteX4" fmla="*/ 914406 w 2448489"/>
+              <a:gd name="connsiteY4" fmla="*/ 3343545 h 3348389"/>
+              <a:gd name="connsiteX5" fmla="*/ 1689106 w 2448489"/>
+              <a:gd name="connsiteY5" fmla="*/ 3051445 h 3348389"/>
+              <a:gd name="connsiteX6" fmla="*/ 2438406 w 2448489"/>
+              <a:gd name="connsiteY6" fmla="*/ 2670445 h 3348389"/>
+              <a:gd name="connsiteX7" fmla="*/ 2133606 w 2448489"/>
+              <a:gd name="connsiteY7" fmla="*/ 1806845 h 3348389"/>
+              <a:gd name="connsiteX8" fmla="*/ 2311406 w 2448489"/>
+              <a:gd name="connsiteY8" fmla="*/ 867045 h 3348389"/>
+              <a:gd name="connsiteX9" fmla="*/ 1244606 w 2448489"/>
+              <a:gd name="connsiteY9" fmla="*/ 3445 h 3348389"/>
+              <a:gd name="connsiteX10" fmla="*/ 876306 w 2448489"/>
+              <a:gd name="connsiteY10" fmla="*/ 1197245 h 3348389"/>
+              <a:gd name="connsiteX0" fmla="*/ 872073 w 2448489"/>
+              <a:gd name="connsiteY0" fmla="*/ 901753 h 3344997"/>
+              <a:gd name="connsiteX1" fmla="*/ 711206 w 2448489"/>
+              <a:gd name="connsiteY1" fmla="*/ 1231953 h 3344997"/>
+              <a:gd name="connsiteX2" fmla="*/ 6 w 2448489"/>
+              <a:gd name="connsiteY2" fmla="*/ 2641653 h 3344997"/>
+              <a:gd name="connsiteX3" fmla="*/ 698506 w 2448489"/>
+              <a:gd name="connsiteY3" fmla="*/ 2806753 h 3344997"/>
+              <a:gd name="connsiteX4" fmla="*/ 914406 w 2448489"/>
+              <a:gd name="connsiteY4" fmla="*/ 3340153 h 3344997"/>
+              <a:gd name="connsiteX5" fmla="*/ 1689106 w 2448489"/>
+              <a:gd name="connsiteY5" fmla="*/ 3048053 h 3344997"/>
+              <a:gd name="connsiteX6" fmla="*/ 2438406 w 2448489"/>
+              <a:gd name="connsiteY6" fmla="*/ 2667053 h 3344997"/>
+              <a:gd name="connsiteX7" fmla="*/ 2133606 w 2448489"/>
+              <a:gd name="connsiteY7" fmla="*/ 1803453 h 3344997"/>
+              <a:gd name="connsiteX8" fmla="*/ 2311406 w 2448489"/>
+              <a:gd name="connsiteY8" fmla="*/ 863653 h 3344997"/>
+              <a:gd name="connsiteX9" fmla="*/ 1244606 w 2448489"/>
+              <a:gd name="connsiteY9" fmla="*/ 53 h 3344997"/>
+              <a:gd name="connsiteX10" fmla="*/ 872073 w 2448489"/>
+              <a:gd name="connsiteY10" fmla="*/ 901753 h 3344997"/>
+              <a:gd name="connsiteX0" fmla="*/ 491073 w 2448489"/>
+              <a:gd name="connsiteY0" fmla="*/ 332542 h 3368453"/>
+              <a:gd name="connsiteX1" fmla="*/ 711206 w 2448489"/>
+              <a:gd name="connsiteY1" fmla="*/ 1255409 h 3368453"/>
+              <a:gd name="connsiteX2" fmla="*/ 6 w 2448489"/>
+              <a:gd name="connsiteY2" fmla="*/ 2665109 h 3368453"/>
+              <a:gd name="connsiteX3" fmla="*/ 698506 w 2448489"/>
+              <a:gd name="connsiteY3" fmla="*/ 2830209 h 3368453"/>
+              <a:gd name="connsiteX4" fmla="*/ 914406 w 2448489"/>
+              <a:gd name="connsiteY4" fmla="*/ 3363609 h 3368453"/>
+              <a:gd name="connsiteX5" fmla="*/ 1689106 w 2448489"/>
+              <a:gd name="connsiteY5" fmla="*/ 3071509 h 3368453"/>
+              <a:gd name="connsiteX6" fmla="*/ 2438406 w 2448489"/>
+              <a:gd name="connsiteY6" fmla="*/ 2690509 h 3368453"/>
+              <a:gd name="connsiteX7" fmla="*/ 2133606 w 2448489"/>
+              <a:gd name="connsiteY7" fmla="*/ 1826909 h 3368453"/>
+              <a:gd name="connsiteX8" fmla="*/ 2311406 w 2448489"/>
+              <a:gd name="connsiteY8" fmla="*/ 887109 h 3368453"/>
+              <a:gd name="connsiteX9" fmla="*/ 1244606 w 2448489"/>
+              <a:gd name="connsiteY9" fmla="*/ 23509 h 3368453"/>
+              <a:gd name="connsiteX10" fmla="*/ 491073 w 2448489"/>
+              <a:gd name="connsiteY10" fmla="*/ 332542 h 3368453"/>
+              <a:gd name="connsiteX0" fmla="*/ 703826 w 2661242"/>
+              <a:gd name="connsiteY0" fmla="*/ 332976 h 3368887"/>
+              <a:gd name="connsiteX1" fmla="*/ 26492 w 2661242"/>
+              <a:gd name="connsiteY1" fmla="*/ 1289709 h 3368887"/>
+              <a:gd name="connsiteX2" fmla="*/ 212759 w 2661242"/>
+              <a:gd name="connsiteY2" fmla="*/ 2665543 h 3368887"/>
+              <a:gd name="connsiteX3" fmla="*/ 911259 w 2661242"/>
+              <a:gd name="connsiteY3" fmla="*/ 2830643 h 3368887"/>
+              <a:gd name="connsiteX4" fmla="*/ 1127159 w 2661242"/>
+              <a:gd name="connsiteY4" fmla="*/ 3364043 h 3368887"/>
+              <a:gd name="connsiteX5" fmla="*/ 1901859 w 2661242"/>
+              <a:gd name="connsiteY5" fmla="*/ 3071943 h 3368887"/>
+              <a:gd name="connsiteX6" fmla="*/ 2651159 w 2661242"/>
+              <a:gd name="connsiteY6" fmla="*/ 2690943 h 3368887"/>
+              <a:gd name="connsiteX7" fmla="*/ 2346359 w 2661242"/>
+              <a:gd name="connsiteY7" fmla="*/ 1827343 h 3368887"/>
+              <a:gd name="connsiteX8" fmla="*/ 2524159 w 2661242"/>
+              <a:gd name="connsiteY8" fmla="*/ 887543 h 3368887"/>
+              <a:gd name="connsiteX9" fmla="*/ 1457359 w 2661242"/>
+              <a:gd name="connsiteY9" fmla="*/ 23943 h 3368887"/>
+              <a:gd name="connsiteX10" fmla="*/ 703826 w 2661242"/>
+              <a:gd name="connsiteY10" fmla="*/ 332976 h 3368887"/>
+              <a:gd name="connsiteX0" fmla="*/ 584816 w 2542232"/>
+              <a:gd name="connsiteY0" fmla="*/ 334124 h 3370035"/>
+              <a:gd name="connsiteX1" fmla="*/ 59882 w 2542232"/>
+              <a:gd name="connsiteY1" fmla="*/ 1375524 h 3370035"/>
+              <a:gd name="connsiteX2" fmla="*/ 93749 w 2542232"/>
+              <a:gd name="connsiteY2" fmla="*/ 2666691 h 3370035"/>
+              <a:gd name="connsiteX3" fmla="*/ 792249 w 2542232"/>
+              <a:gd name="connsiteY3" fmla="*/ 2831791 h 3370035"/>
+              <a:gd name="connsiteX4" fmla="*/ 1008149 w 2542232"/>
+              <a:gd name="connsiteY4" fmla="*/ 3365191 h 3370035"/>
+              <a:gd name="connsiteX5" fmla="*/ 1782849 w 2542232"/>
+              <a:gd name="connsiteY5" fmla="*/ 3073091 h 3370035"/>
+              <a:gd name="connsiteX6" fmla="*/ 2532149 w 2542232"/>
+              <a:gd name="connsiteY6" fmla="*/ 2692091 h 3370035"/>
+              <a:gd name="connsiteX7" fmla="*/ 2227349 w 2542232"/>
+              <a:gd name="connsiteY7" fmla="*/ 1828491 h 3370035"/>
+              <a:gd name="connsiteX8" fmla="*/ 2405149 w 2542232"/>
+              <a:gd name="connsiteY8" fmla="*/ 888691 h 3370035"/>
+              <a:gd name="connsiteX9" fmla="*/ 1338349 w 2542232"/>
+              <a:gd name="connsiteY9" fmla="*/ 25091 h 3370035"/>
+              <a:gd name="connsiteX10" fmla="*/ 584816 w 2542232"/>
+              <a:gd name="connsiteY10" fmla="*/ 334124 h 3370035"/>
+              <a:gd name="connsiteX0" fmla="*/ 555430 w 2512846"/>
+              <a:gd name="connsiteY0" fmla="*/ 334124 h 3365393"/>
+              <a:gd name="connsiteX1" fmla="*/ 30496 w 2512846"/>
+              <a:gd name="connsiteY1" fmla="*/ 1375524 h 3365393"/>
+              <a:gd name="connsiteX2" fmla="*/ 64363 w 2512846"/>
+              <a:gd name="connsiteY2" fmla="*/ 2666691 h 3365393"/>
+              <a:gd name="connsiteX3" fmla="*/ 77063 w 2512846"/>
+              <a:gd name="connsiteY3" fmla="*/ 3111191 h 3365393"/>
+              <a:gd name="connsiteX4" fmla="*/ 978763 w 2512846"/>
+              <a:gd name="connsiteY4" fmla="*/ 3365191 h 3365393"/>
+              <a:gd name="connsiteX5" fmla="*/ 1753463 w 2512846"/>
+              <a:gd name="connsiteY5" fmla="*/ 3073091 h 3365393"/>
+              <a:gd name="connsiteX6" fmla="*/ 2502763 w 2512846"/>
+              <a:gd name="connsiteY6" fmla="*/ 2692091 h 3365393"/>
+              <a:gd name="connsiteX7" fmla="*/ 2197963 w 2512846"/>
+              <a:gd name="connsiteY7" fmla="*/ 1828491 h 3365393"/>
+              <a:gd name="connsiteX8" fmla="*/ 2375763 w 2512846"/>
+              <a:gd name="connsiteY8" fmla="*/ 888691 h 3365393"/>
+              <a:gd name="connsiteX9" fmla="*/ 1308963 w 2512846"/>
+              <a:gd name="connsiteY9" fmla="*/ 25091 h 3365393"/>
+              <a:gd name="connsiteX10" fmla="*/ 555430 w 2512846"/>
+              <a:gd name="connsiteY10" fmla="*/ 334124 h 3365393"/>
+              <a:gd name="connsiteX0" fmla="*/ 555430 w 2524430"/>
+              <a:gd name="connsiteY0" fmla="*/ 334124 h 3365341"/>
+              <a:gd name="connsiteX1" fmla="*/ 30496 w 2524430"/>
+              <a:gd name="connsiteY1" fmla="*/ 1375524 h 3365341"/>
+              <a:gd name="connsiteX2" fmla="*/ 64363 w 2524430"/>
+              <a:gd name="connsiteY2" fmla="*/ 2666691 h 3365341"/>
+              <a:gd name="connsiteX3" fmla="*/ 77063 w 2524430"/>
+              <a:gd name="connsiteY3" fmla="*/ 3111191 h 3365341"/>
+              <a:gd name="connsiteX4" fmla="*/ 978763 w 2524430"/>
+              <a:gd name="connsiteY4" fmla="*/ 3365191 h 3365341"/>
+              <a:gd name="connsiteX5" fmla="*/ 2329197 w 2524430"/>
+              <a:gd name="connsiteY5" fmla="*/ 3140824 h 3365341"/>
+              <a:gd name="connsiteX6" fmla="*/ 2502763 w 2524430"/>
+              <a:gd name="connsiteY6" fmla="*/ 2692091 h 3365341"/>
+              <a:gd name="connsiteX7" fmla="*/ 2197963 w 2524430"/>
+              <a:gd name="connsiteY7" fmla="*/ 1828491 h 3365341"/>
+              <a:gd name="connsiteX8" fmla="*/ 2375763 w 2524430"/>
+              <a:gd name="connsiteY8" fmla="*/ 888691 h 3365341"/>
+              <a:gd name="connsiteX9" fmla="*/ 1308963 w 2524430"/>
+              <a:gd name="connsiteY9" fmla="*/ 25091 h 3365341"/>
+              <a:gd name="connsiteX10" fmla="*/ 555430 w 2524430"/>
+              <a:gd name="connsiteY10" fmla="*/ 334124 h 3365341"/>
+              <a:gd name="connsiteX0" fmla="*/ 555430 w 2825716"/>
+              <a:gd name="connsiteY0" fmla="*/ 334124 h 3365341"/>
+              <a:gd name="connsiteX1" fmla="*/ 30496 w 2825716"/>
+              <a:gd name="connsiteY1" fmla="*/ 1375524 h 3365341"/>
+              <a:gd name="connsiteX2" fmla="*/ 64363 w 2825716"/>
+              <a:gd name="connsiteY2" fmla="*/ 2666691 h 3365341"/>
+              <a:gd name="connsiteX3" fmla="*/ 77063 w 2825716"/>
+              <a:gd name="connsiteY3" fmla="*/ 3111191 h 3365341"/>
+              <a:gd name="connsiteX4" fmla="*/ 978763 w 2825716"/>
+              <a:gd name="connsiteY4" fmla="*/ 3365191 h 3365341"/>
+              <a:gd name="connsiteX5" fmla="*/ 2329197 w 2825716"/>
+              <a:gd name="connsiteY5" fmla="*/ 3140824 h 3365341"/>
+              <a:gd name="connsiteX6" fmla="*/ 2502763 w 2825716"/>
+              <a:gd name="connsiteY6" fmla="*/ 2692091 h 3365341"/>
+              <a:gd name="connsiteX7" fmla="*/ 2824497 w 2825716"/>
+              <a:gd name="connsiteY7" fmla="*/ 1269691 h 3365341"/>
+              <a:gd name="connsiteX8" fmla="*/ 2375763 w 2825716"/>
+              <a:gd name="connsiteY8" fmla="*/ 888691 h 3365341"/>
+              <a:gd name="connsiteX9" fmla="*/ 1308963 w 2825716"/>
+              <a:gd name="connsiteY9" fmla="*/ 25091 h 3365341"/>
+              <a:gd name="connsiteX10" fmla="*/ 555430 w 2825716"/>
+              <a:gd name="connsiteY10" fmla="*/ 334124 h 3365341"/>
+              <a:gd name="connsiteX0" fmla="*/ 555430 w 2847034"/>
+              <a:gd name="connsiteY0" fmla="*/ 344851 h 3376068"/>
+              <a:gd name="connsiteX1" fmla="*/ 30496 w 2847034"/>
+              <a:gd name="connsiteY1" fmla="*/ 1386251 h 3376068"/>
+              <a:gd name="connsiteX2" fmla="*/ 64363 w 2847034"/>
+              <a:gd name="connsiteY2" fmla="*/ 2677418 h 3376068"/>
+              <a:gd name="connsiteX3" fmla="*/ 77063 w 2847034"/>
+              <a:gd name="connsiteY3" fmla="*/ 3121918 h 3376068"/>
+              <a:gd name="connsiteX4" fmla="*/ 978763 w 2847034"/>
+              <a:gd name="connsiteY4" fmla="*/ 3375918 h 3376068"/>
+              <a:gd name="connsiteX5" fmla="*/ 2329197 w 2847034"/>
+              <a:gd name="connsiteY5" fmla="*/ 3151551 h 3376068"/>
+              <a:gd name="connsiteX6" fmla="*/ 2502763 w 2847034"/>
+              <a:gd name="connsiteY6" fmla="*/ 2702818 h 3376068"/>
+              <a:gd name="connsiteX7" fmla="*/ 2824497 w 2847034"/>
+              <a:gd name="connsiteY7" fmla="*/ 1280418 h 3376068"/>
+              <a:gd name="connsiteX8" fmla="*/ 1816963 w 2847034"/>
+              <a:gd name="connsiteY8" fmla="*/ 1068751 h 3376068"/>
+              <a:gd name="connsiteX9" fmla="*/ 1308963 w 2847034"/>
+              <a:gd name="connsiteY9" fmla="*/ 35818 h 3376068"/>
+              <a:gd name="connsiteX10" fmla="*/ 555430 w 2847034"/>
+              <a:gd name="connsiteY10" fmla="*/ 344851 h 3376068"/>
+              <a:gd name="connsiteX0" fmla="*/ 555430 w 2825494"/>
+              <a:gd name="connsiteY0" fmla="*/ 316130 h 3347347"/>
+              <a:gd name="connsiteX1" fmla="*/ 30496 w 2825494"/>
+              <a:gd name="connsiteY1" fmla="*/ 1357530 h 3347347"/>
+              <a:gd name="connsiteX2" fmla="*/ 64363 w 2825494"/>
+              <a:gd name="connsiteY2" fmla="*/ 2648697 h 3347347"/>
+              <a:gd name="connsiteX3" fmla="*/ 77063 w 2825494"/>
+              <a:gd name="connsiteY3" fmla="*/ 3093197 h 3347347"/>
+              <a:gd name="connsiteX4" fmla="*/ 978763 w 2825494"/>
+              <a:gd name="connsiteY4" fmla="*/ 3347197 h 3347347"/>
+              <a:gd name="connsiteX5" fmla="*/ 2329197 w 2825494"/>
+              <a:gd name="connsiteY5" fmla="*/ 3122830 h 3347347"/>
+              <a:gd name="connsiteX6" fmla="*/ 2502763 w 2825494"/>
+              <a:gd name="connsiteY6" fmla="*/ 2674097 h 3347347"/>
+              <a:gd name="connsiteX7" fmla="*/ 2824497 w 2825494"/>
+              <a:gd name="connsiteY7" fmla="*/ 1251697 h 3347347"/>
+              <a:gd name="connsiteX8" fmla="*/ 2578963 w 2825494"/>
+              <a:gd name="connsiteY8" fmla="*/ 548964 h 3347347"/>
+              <a:gd name="connsiteX9" fmla="*/ 1308963 w 2825494"/>
+              <a:gd name="connsiteY9" fmla="*/ 7097 h 3347347"/>
+              <a:gd name="connsiteX10" fmla="*/ 555430 w 2825494"/>
+              <a:gd name="connsiteY10" fmla="*/ 316130 h 3347347"/>
+              <a:gd name="connsiteX0" fmla="*/ 555430 w 2825494"/>
+              <a:gd name="connsiteY0" fmla="*/ 316130 h 3349220"/>
+              <a:gd name="connsiteX1" fmla="*/ 30496 w 2825494"/>
+              <a:gd name="connsiteY1" fmla="*/ 1357530 h 3349220"/>
+              <a:gd name="connsiteX2" fmla="*/ 64363 w 2825494"/>
+              <a:gd name="connsiteY2" fmla="*/ 2648697 h 3349220"/>
+              <a:gd name="connsiteX3" fmla="*/ 77063 w 2825494"/>
+              <a:gd name="connsiteY3" fmla="*/ 3093197 h 3349220"/>
+              <a:gd name="connsiteX4" fmla="*/ 978763 w 2825494"/>
+              <a:gd name="connsiteY4" fmla="*/ 3347197 h 3349220"/>
+              <a:gd name="connsiteX5" fmla="*/ 1948197 w 2825494"/>
+              <a:gd name="connsiteY5" fmla="*/ 3182097 h 3349220"/>
+              <a:gd name="connsiteX6" fmla="*/ 2502763 w 2825494"/>
+              <a:gd name="connsiteY6" fmla="*/ 2674097 h 3349220"/>
+              <a:gd name="connsiteX7" fmla="*/ 2824497 w 2825494"/>
+              <a:gd name="connsiteY7" fmla="*/ 1251697 h 3349220"/>
+              <a:gd name="connsiteX8" fmla="*/ 2578963 w 2825494"/>
+              <a:gd name="connsiteY8" fmla="*/ 548964 h 3349220"/>
+              <a:gd name="connsiteX9" fmla="*/ 1308963 w 2825494"/>
+              <a:gd name="connsiteY9" fmla="*/ 7097 h 3349220"/>
+              <a:gd name="connsiteX10" fmla="*/ 555430 w 2825494"/>
+              <a:gd name="connsiteY10" fmla="*/ 316130 h 3349220"/>
+              <a:gd name="connsiteX0" fmla="*/ 557097 w 2827161"/>
+              <a:gd name="connsiteY0" fmla="*/ 316130 h 3354372"/>
+              <a:gd name="connsiteX1" fmla="*/ 32163 w 2827161"/>
+              <a:gd name="connsiteY1" fmla="*/ 1357530 h 3354372"/>
+              <a:gd name="connsiteX2" fmla="*/ 66030 w 2827161"/>
+              <a:gd name="connsiteY2" fmla="*/ 2648697 h 3354372"/>
+              <a:gd name="connsiteX3" fmla="*/ 137997 w 2827161"/>
+              <a:gd name="connsiteY3" fmla="*/ 3254064 h 3354372"/>
+              <a:gd name="connsiteX4" fmla="*/ 980430 w 2827161"/>
+              <a:gd name="connsiteY4" fmla="*/ 3347197 h 3354372"/>
+              <a:gd name="connsiteX5" fmla="*/ 1949864 w 2827161"/>
+              <a:gd name="connsiteY5" fmla="*/ 3182097 h 3354372"/>
+              <a:gd name="connsiteX6" fmla="*/ 2504430 w 2827161"/>
+              <a:gd name="connsiteY6" fmla="*/ 2674097 h 3354372"/>
+              <a:gd name="connsiteX7" fmla="*/ 2826164 w 2827161"/>
+              <a:gd name="connsiteY7" fmla="*/ 1251697 h 3354372"/>
+              <a:gd name="connsiteX8" fmla="*/ 2580630 w 2827161"/>
+              <a:gd name="connsiteY8" fmla="*/ 548964 h 3354372"/>
+              <a:gd name="connsiteX9" fmla="*/ 1310630 w 2827161"/>
+              <a:gd name="connsiteY9" fmla="*/ 7097 h 3354372"/>
+              <a:gd name="connsiteX10" fmla="*/ 557097 w 2827161"/>
+              <a:gd name="connsiteY10" fmla="*/ 316130 h 3354372"/>
+              <a:gd name="connsiteX0" fmla="*/ 898385 w 3168449"/>
+              <a:gd name="connsiteY0" fmla="*/ 316130 h 3355821"/>
+              <a:gd name="connsiteX1" fmla="*/ 373451 w 3168449"/>
+              <a:gd name="connsiteY1" fmla="*/ 1357530 h 3355821"/>
+              <a:gd name="connsiteX2" fmla="*/ 918 w 3168449"/>
+              <a:gd name="connsiteY2" fmla="*/ 2606364 h 3355821"/>
+              <a:gd name="connsiteX3" fmla="*/ 479285 w 3168449"/>
+              <a:gd name="connsiteY3" fmla="*/ 3254064 h 3355821"/>
+              <a:gd name="connsiteX4" fmla="*/ 1321718 w 3168449"/>
+              <a:gd name="connsiteY4" fmla="*/ 3347197 h 3355821"/>
+              <a:gd name="connsiteX5" fmla="*/ 2291152 w 3168449"/>
+              <a:gd name="connsiteY5" fmla="*/ 3182097 h 3355821"/>
+              <a:gd name="connsiteX6" fmla="*/ 2845718 w 3168449"/>
+              <a:gd name="connsiteY6" fmla="*/ 2674097 h 3355821"/>
+              <a:gd name="connsiteX7" fmla="*/ 3167452 w 3168449"/>
+              <a:gd name="connsiteY7" fmla="*/ 1251697 h 3355821"/>
+              <a:gd name="connsiteX8" fmla="*/ 2921918 w 3168449"/>
+              <a:gd name="connsiteY8" fmla="*/ 548964 h 3355821"/>
+              <a:gd name="connsiteX9" fmla="*/ 1651918 w 3168449"/>
+              <a:gd name="connsiteY9" fmla="*/ 7097 h 3355821"/>
+              <a:gd name="connsiteX10" fmla="*/ 898385 w 3168449"/>
+              <a:gd name="connsiteY10" fmla="*/ 316130 h 3355821"/>
+            </a:gdLst>
+            <a:ahLst/>
+            <a:cxnLst>
+              <a:cxn ang="0">
+                <a:pos x="connsiteX0" y="connsiteY0"/>
+              </a:cxn>
+              <a:cxn ang="0">
+                <a:pos x="connsiteX1" y="connsiteY1"/>
+              </a:cxn>
+              <a:cxn ang="0">
+                <a:pos x="connsiteX2" y="connsiteY2"/>
+              </a:cxn>
+              <a:cxn ang="0">
+                <a:pos x="connsiteX3" y="connsiteY3"/>
+              </a:cxn>
+              <a:cxn ang="0">
+                <a:pos x="connsiteX4" y="connsiteY4"/>
+              </a:cxn>
+              <a:cxn ang="0">
+                <a:pos x="connsiteX5" y="connsiteY5"/>
+              </a:cxn>
+              <a:cxn ang="0">
+                <a:pos x="connsiteX6" y="connsiteY6"/>
+              </a:cxn>
+              <a:cxn ang="0">
+                <a:pos x="connsiteX7" y="connsiteY7"/>
+              </a:cxn>
+              <a:cxn ang="0">
+                <a:pos x="connsiteX8" y="connsiteY8"/>
+              </a:cxn>
+              <a:cxn ang="0">
+                <a:pos x="connsiteX9" y="connsiteY9"/>
+              </a:cxn>
+              <a:cxn ang="0">
+                <a:pos x="connsiteX10" y="connsiteY10"/>
+              </a:cxn>
+            </a:cxnLst>
+            <a:rect l="l" t="t" r="r" b="b"/>
+            <a:pathLst>
+              <a:path w="3168449" h="3355821">
+                <a:moveTo>
+                  <a:pt x="898385" y="316130"/>
+                </a:moveTo>
+                <a:cubicBezTo>
+                  <a:pt x="685307" y="541202"/>
+                  <a:pt x="523029" y="975824"/>
+                  <a:pt x="373451" y="1357530"/>
+                </a:cubicBezTo>
+                <a:cubicBezTo>
+                  <a:pt x="223873" y="1739236"/>
+                  <a:pt x="-16721" y="2290275"/>
+                  <a:pt x="918" y="2606364"/>
+                </a:cubicBezTo>
+                <a:cubicBezTo>
+                  <a:pt x="18557" y="2922453"/>
+                  <a:pt x="259152" y="3130592"/>
+                  <a:pt x="479285" y="3254064"/>
+                </a:cubicBezTo>
+                <a:cubicBezTo>
+                  <a:pt x="699418" y="3377536"/>
+                  <a:pt x="1019740" y="3359191"/>
+                  <a:pt x="1321718" y="3347197"/>
+                </a:cubicBezTo>
+                <a:cubicBezTo>
+                  <a:pt x="1623696" y="3335203"/>
+                  <a:pt x="2037152" y="3294280"/>
+                  <a:pt x="2291152" y="3182097"/>
+                </a:cubicBezTo>
+                <a:cubicBezTo>
+                  <a:pt x="2545152" y="3069914"/>
+                  <a:pt x="2699668" y="2995830"/>
+                  <a:pt x="2845718" y="2674097"/>
+                </a:cubicBezTo>
+                <a:cubicBezTo>
+                  <a:pt x="2991768" y="2352364"/>
+                  <a:pt x="3154752" y="1605886"/>
+                  <a:pt x="3167452" y="1251697"/>
+                </a:cubicBezTo>
+                <a:cubicBezTo>
+                  <a:pt x="3180152" y="897508"/>
+                  <a:pt x="3070085" y="849531"/>
+                  <a:pt x="2921918" y="548964"/>
+                </a:cubicBezTo>
+                <a:cubicBezTo>
+                  <a:pt x="2773751" y="248397"/>
+                  <a:pt x="1989173" y="45903"/>
+                  <a:pt x="1651918" y="7097"/>
+                </a:cubicBezTo>
+                <a:cubicBezTo>
+                  <a:pt x="1314663" y="-31709"/>
+                  <a:pt x="1111463" y="91058"/>
+                  <a:pt x="898385" y="316130"/>
+                </a:cubicBezTo>
+                <a:close/>
+              </a:path>
+            </a:pathLst>
+          </a:custGeom>
+          <a:solidFill>
+            <a:schemeClr val="accent5">
+              <a:lumMod val="60000"/>
+              <a:lumOff val="40000"/>
+              <a:alpha val="17000"/>
+            </a:schemeClr>
+          </a:solidFill>
+        </p:spPr>
+        <p:style>
+          <a:lnRef idx="2">
+            <a:schemeClr val="accent1">
+              <a:shade val="15000"/>
+            </a:schemeClr>
+          </a:lnRef>
+          <a:fillRef idx="1">
+            <a:schemeClr val="accent1"/>
+          </a:fillRef>
+          <a:effectRef idx="0">
+            <a:schemeClr val="accent1"/>
+          </a:effectRef>
+          <a:fontRef idx="minor">
+            <a:schemeClr val="lt1"/>
+          </a:fontRef>
+        </p:style>
+        <p:txBody>
+          <a:bodyPr rtlCol="0" anchor="ctr"/>
+          <a:lstStyle/>
+          <a:p>
+            <a:pPr algn="ctr"/>
+            <a:endParaRPr lang="en-US"/>
+          </a:p>
+        </p:txBody>
+      </p:sp>
+      <p:sp>
+        <p:nvSpPr>
+          <p:cNvPr id="3" name="Oval 2">
+            <a:extLst>
+              <a:ext uri="{FF2B5EF4-FFF2-40B4-BE49-F238E27FC236}">
+                <a16:creationId xmlns:a16="http://schemas.microsoft.com/office/drawing/2014/main" id="{17DEE0C1-1682-5A70-FF57-4A9B5AE6CE78}"/>
+              </a:ext>
+            </a:extLst>
+          </p:cNvPr>
+          <p:cNvSpPr/>
+          <p:nvPr/>
+        </p:nvSpPr>
+        <p:spPr>
+          <a:xfrm>
+            <a:off x="3681429" y="2580543"/>
+            <a:ext cx="108997" cy="102605"/>
+          </a:xfrm>
+          <a:prstGeom prst="ellipse">
+            <a:avLst/>
+          </a:prstGeom>
+          <a:solidFill>
+            <a:schemeClr val="tx1"/>
+          </a:solidFill>
+          <a:ln>
+            <a:noFill/>
+          </a:ln>
+        </p:spPr>
+        <p:style>
+          <a:lnRef idx="2">
+            <a:schemeClr val="accent1">
+              <a:shade val="15000"/>
+            </a:schemeClr>
+          </a:lnRef>
+          <a:fillRef idx="1">
+            <a:schemeClr val="accent1"/>
+          </a:fillRef>
+          <a:effectRef idx="0">
+            <a:schemeClr val="accent1"/>
+          </a:effectRef>
+          <a:fontRef idx="minor">
+            <a:schemeClr val="lt1"/>
+          </a:fontRef>
+        </p:style>
+        <p:txBody>
+          <a:bodyPr rtlCol="0" anchor="ctr"/>
+          <a:lstStyle/>
+          <a:p>
+            <a:pPr algn="ctr"/>
+            <a:endParaRPr lang="en-US"/>
+          </a:p>
+        </p:txBody>
+      </p:sp>
+      <p:cxnSp>
+        <p:nvCxnSpPr>
+          <p:cNvPr id="14" name="Straight Arrow Connector 13">
+            <a:extLst>
+              <a:ext uri="{FF2B5EF4-FFF2-40B4-BE49-F238E27FC236}">
+                <a16:creationId xmlns:a16="http://schemas.microsoft.com/office/drawing/2014/main" id="{A198BBF0-9456-8898-AAD6-95AB061EB1EC}"/>
+              </a:ext>
+            </a:extLst>
+          </p:cNvPr>
+          <p:cNvCxnSpPr>
+            <a:cxnSpLocks/>
+          </p:cNvCxnSpPr>
+          <p:nvPr/>
+        </p:nvCxnSpPr>
+        <p:spPr>
+          <a:xfrm flipH="1">
+            <a:off x="3059138" y="1574800"/>
+            <a:ext cx="2319809" cy="3005667"/>
+          </a:xfrm>
+          <a:prstGeom prst="straightConnector1">
+            <a:avLst/>
+          </a:prstGeom>
+          <a:ln w="22225">
+            <a:gradFill>
+              <a:gsLst>
+                <a:gs pos="0">
+                  <a:schemeClr val="bg1"/>
+                </a:gs>
+                <a:gs pos="61000">
+                  <a:schemeClr val="tx1">
+                    <a:alpha val="65000"/>
+                  </a:schemeClr>
+                </a:gs>
+                <a:gs pos="100000">
+                  <a:schemeClr val="tx1"/>
+                </a:gs>
+              </a:gsLst>
+              <a:lin ang="7200000" scaled="0"/>
+            </a:gradFill>
+            <a:prstDash val="dash"/>
+            <a:tailEnd type="none" w="med" len="lg"/>
+          </a:ln>
+        </p:spPr>
+        <p:style>
+          <a:lnRef idx="2">
+            <a:schemeClr val="accent1"/>
+          </a:lnRef>
+          <a:fillRef idx="0">
+            <a:schemeClr val="accent1"/>
+          </a:fillRef>
+          <a:effectRef idx="1">
+            <a:schemeClr val="accent1"/>
+          </a:effectRef>
+          <a:fontRef idx="minor">
+            <a:schemeClr val="tx1"/>
+          </a:fontRef>
+        </p:style>
+      </p:cxnSp>
+      <p:sp>
+        <p:nvSpPr>
+          <p:cNvPr id="18" name="Oval 17">
+            <a:extLst>
+              <a:ext uri="{FF2B5EF4-FFF2-40B4-BE49-F238E27FC236}">
+                <a16:creationId xmlns:a16="http://schemas.microsoft.com/office/drawing/2014/main" id="{B64AC184-0EEC-0927-ACC4-DBA69911B7E0}"/>
+              </a:ext>
+            </a:extLst>
+          </p:cNvPr>
+          <p:cNvSpPr/>
+          <p:nvPr/>
+        </p:nvSpPr>
+        <p:spPr>
+          <a:xfrm>
+            <a:off x="3681429" y="3659833"/>
+            <a:ext cx="108997" cy="102605"/>
+          </a:xfrm>
+          <a:prstGeom prst="ellipse">
+            <a:avLst/>
+          </a:prstGeom>
+          <a:solidFill>
+            <a:schemeClr val="tx1"/>
+          </a:solidFill>
+          <a:ln>
+            <a:noFill/>
+          </a:ln>
+        </p:spPr>
+        <p:style>
+          <a:lnRef idx="2">
+            <a:schemeClr val="accent1">
+              <a:shade val="15000"/>
+            </a:schemeClr>
+          </a:lnRef>
+          <a:fillRef idx="1">
+            <a:schemeClr val="accent1"/>
+          </a:fillRef>
+          <a:effectRef idx="0">
+            <a:schemeClr val="accent1"/>
+          </a:effectRef>
+          <a:fontRef idx="minor">
+            <a:schemeClr val="lt1"/>
+          </a:fontRef>
+        </p:style>
+        <p:txBody>
+          <a:bodyPr rtlCol="0" anchor="ctr"/>
+          <a:lstStyle/>
+          <a:p>
+            <a:pPr algn="ctr"/>
+            <a:endParaRPr lang="en-US"/>
+          </a:p>
+        </p:txBody>
+      </p:sp>
+      <p:cxnSp>
+        <p:nvCxnSpPr>
+          <p:cNvPr id="19" name="Straight Arrow Connector 18">
+            <a:extLst>
+              <a:ext uri="{FF2B5EF4-FFF2-40B4-BE49-F238E27FC236}">
+                <a16:creationId xmlns:a16="http://schemas.microsoft.com/office/drawing/2014/main" id="{0C2FA253-129C-8DB0-B64B-116901A5D9ED}"/>
+              </a:ext>
+            </a:extLst>
+          </p:cNvPr>
+          <p:cNvCxnSpPr>
+            <a:cxnSpLocks/>
+          </p:cNvCxnSpPr>
+          <p:nvPr/>
+        </p:nvCxnSpPr>
+        <p:spPr>
+          <a:xfrm flipV="1">
+            <a:off x="3741538" y="3198167"/>
+            <a:ext cx="383721" cy="512968"/>
+          </a:xfrm>
+          <a:prstGeom prst="straightConnector1">
+            <a:avLst/>
+          </a:prstGeom>
+          <a:ln w="34925">
+            <a:solidFill>
+              <a:schemeClr val="tx1"/>
+            </a:solidFill>
+            <a:tailEnd type="stealth" w="med" len="lg"/>
+          </a:ln>
+        </p:spPr>
+        <p:style>
+          <a:lnRef idx="2">
+            <a:schemeClr val="accent1"/>
+          </a:lnRef>
+          <a:fillRef idx="0">
+            <a:schemeClr val="accent1"/>
+          </a:fillRef>
+          <a:effectRef idx="1">
+            <a:schemeClr val="accent1"/>
+          </a:effectRef>
+          <a:fontRef idx="minor">
+            <a:schemeClr val="tx1"/>
+          </a:fontRef>
+        </p:style>
+      </p:cxnSp>
+      <mc:AlternateContent xmlns:mc="http://schemas.openxmlformats.org/markup-compatibility/2006">
+        <mc:Choice xmlns:a14="http://schemas.microsoft.com/office/drawing/2010/main" Requires="a14">
+          <p:sp>
+            <p:nvSpPr>
+              <p:cNvPr id="20" name="TextBox 19">
+                <a:extLst>
+                  <a:ext uri="{FF2B5EF4-FFF2-40B4-BE49-F238E27FC236}">
+                    <a16:creationId xmlns:a16="http://schemas.microsoft.com/office/drawing/2014/main" id="{6FF9975F-DAFF-0450-230D-7AB9806C452A}"/>
+                  </a:ext>
+                </a:extLst>
+              </p:cNvPr>
+              <p:cNvSpPr txBox="1"/>
+              <p:nvPr/>
+            </p:nvSpPr>
+            <p:spPr>
+              <a:xfrm>
+                <a:off x="3972626" y="3250402"/>
+                <a:ext cx="411347" cy="414088"/>
+              </a:xfrm>
+              <a:prstGeom prst="rect">
+                <a:avLst/>
+              </a:prstGeom>
+              <a:noFill/>
+            </p:spPr>
+            <p:txBody>
+              <a:bodyPr wrap="square" lIns="0" tIns="0" rIns="0" bIns="0" rtlCol="0">
+                <a:spAutoFit/>
+              </a:bodyPr>
+              <a:lstStyle/>
+              <a:p>
+                <a:pPr/>
+                <a14:m>
+                  <m:oMathPara xmlns:m="http://schemas.openxmlformats.org/officeDocument/2006/math">
+                    <m:oMathParaPr>
+                      <m:jc m:val="centerGroup"/>
+                    </m:oMathParaPr>
+                    <m:oMath xmlns:m="http://schemas.openxmlformats.org/officeDocument/2006/math">
+                      <m:acc>
+                        <m:accPr>
+                          <m:chr m:val="⃗"/>
+                          <m:ctrlPr>
+                            <a:rPr lang="en-US" sz="2400" b="0" i="1" smtClean="0">
+                              <a:latin typeface="Cambria Math" panose="02040503050406030204" pitchFamily="18" charset="0"/>
+                            </a:rPr>
+                          </m:ctrlPr>
+                        </m:accPr>
+                        <m:e>
+                          <m:r>
+                            <a:rPr lang="en-US" sz="2400" b="0" i="1" smtClean="0">
+                              <a:latin typeface="Cambria Math" panose="02040503050406030204" pitchFamily="18" charset="0"/>
+                            </a:rPr>
+                            <m:t>𝐹</m:t>
+                          </m:r>
+                        </m:e>
+                      </m:acc>
+                    </m:oMath>
+                  </m:oMathPara>
+                </a14:m>
+                <a:endParaRPr lang="en-US" sz="2400" dirty="0"/>
+              </a:p>
+            </p:txBody>
+          </p:sp>
+        </mc:Choice>
+        <mc:Fallback>
+          <p:sp>
+            <p:nvSpPr>
+              <p:cNvPr id="20" name="TextBox 19">
+                <a:extLst>
+                  <a:ext uri="{FF2B5EF4-FFF2-40B4-BE49-F238E27FC236}">
+                    <a16:creationId xmlns:a16="http://schemas.microsoft.com/office/drawing/2014/main" id="{6FF9975F-DAFF-0450-230D-7AB9806C452A}"/>
+                  </a:ext>
+                </a:extLst>
+              </p:cNvPr>
+              <p:cNvSpPr txBox="1">
+                <a:spLocks noRot="1" noChangeAspect="1" noMove="1" noResize="1" noEditPoints="1" noAdjustHandles="1" noChangeArrowheads="1" noChangeShapeType="1" noTextEdit="1"/>
+              </p:cNvSpPr>
+              <p:nvPr/>
+            </p:nvSpPr>
+            <p:spPr>
+              <a:xfrm>
+                <a:off x="3972626" y="3250402"/>
+                <a:ext cx="411347" cy="414088"/>
+              </a:xfrm>
+              <a:prstGeom prst="rect">
+                <a:avLst/>
+              </a:prstGeom>
+              <a:blipFill>
+                <a:blip r:embed="rId2"/>
+                <a:stretch>
+                  <a:fillRect/>
+                </a:stretch>
+              </a:blipFill>
+            </p:spPr>
+            <p:txBody>
+              <a:bodyPr/>
+              <a:lstStyle/>
+              <a:p>
+                <a:r>
+                  <a:rPr lang="en-US">
+                    <a:noFill/>
+                  </a:rPr>
+                  <a:t> </a:t>
+                </a:r>
+              </a:p>
+            </p:txBody>
+          </p:sp>
+        </mc:Fallback>
+      </mc:AlternateContent>
+      <p:cxnSp>
+        <p:nvCxnSpPr>
+          <p:cNvPr id="23" name="Straight Arrow Connector 22">
+            <a:extLst>
+              <a:ext uri="{FF2B5EF4-FFF2-40B4-BE49-F238E27FC236}">
+                <a16:creationId xmlns:a16="http://schemas.microsoft.com/office/drawing/2014/main" id="{55194BC0-8D03-E6FB-D3B0-8EC4D03DC497}"/>
+              </a:ext>
+            </a:extLst>
+          </p:cNvPr>
+          <p:cNvCxnSpPr>
+            <a:cxnSpLocks/>
+            <a:endCxn id="18" idx="4"/>
+          </p:cNvCxnSpPr>
+          <p:nvPr/>
+        </p:nvCxnSpPr>
+        <p:spPr>
+          <a:xfrm>
+            <a:off x="3735927" y="2612170"/>
+            <a:ext cx="1" cy="1150268"/>
+          </a:xfrm>
+          <a:prstGeom prst="straightConnector1">
+            <a:avLst/>
+          </a:prstGeom>
+          <a:ln w="22225">
+            <a:solidFill>
+              <a:schemeClr val="accent1">
+                <a:shade val="15000"/>
+              </a:schemeClr>
+            </a:solidFill>
+            <a:prstDash val="solid"/>
+            <a:tailEnd type="none" w="med" len="lg"/>
+          </a:ln>
+        </p:spPr>
+        <p:style>
+          <a:lnRef idx="2">
+            <a:schemeClr val="accent1"/>
+          </a:lnRef>
+          <a:fillRef idx="0">
+            <a:schemeClr val="accent1"/>
+          </a:fillRef>
+          <a:effectRef idx="1">
+            <a:schemeClr val="accent1"/>
+          </a:effectRef>
+          <a:fontRef idx="minor">
+            <a:schemeClr val="tx1"/>
+          </a:fontRef>
+        </p:style>
+      </p:cxnSp>
+      <p:cxnSp>
+        <p:nvCxnSpPr>
+          <p:cNvPr id="26" name="Straight Arrow Connector 25">
+            <a:extLst>
+              <a:ext uri="{FF2B5EF4-FFF2-40B4-BE49-F238E27FC236}">
+                <a16:creationId xmlns:a16="http://schemas.microsoft.com/office/drawing/2014/main" id="{951A43EE-55C3-1A0D-599A-DFEC716B4922}"/>
+              </a:ext>
+            </a:extLst>
+          </p:cNvPr>
+          <p:cNvCxnSpPr>
+            <a:cxnSpLocks/>
+          </p:cNvCxnSpPr>
+          <p:nvPr/>
+        </p:nvCxnSpPr>
+        <p:spPr>
+          <a:xfrm>
+            <a:off x="3730317" y="2615152"/>
+            <a:ext cx="580355" cy="354695"/>
+          </a:xfrm>
+          <a:prstGeom prst="straightConnector1">
+            <a:avLst/>
+          </a:prstGeom>
+          <a:ln w="22225">
+            <a:solidFill>
+              <a:schemeClr val="accent1">
+                <a:shade val="15000"/>
+              </a:schemeClr>
+            </a:solidFill>
+            <a:prstDash val="solid"/>
+            <a:tailEnd type="none" w="med" len="lg"/>
+          </a:ln>
+        </p:spPr>
+        <p:style>
+          <a:lnRef idx="2">
+            <a:schemeClr val="accent1"/>
+          </a:lnRef>
+          <a:fillRef idx="0">
+            <a:schemeClr val="accent1"/>
+          </a:fillRef>
+          <a:effectRef idx="1">
+            <a:schemeClr val="accent1"/>
+          </a:effectRef>
+          <a:fontRef idx="minor">
+            <a:schemeClr val="tx1"/>
+          </a:fontRef>
+        </p:style>
+      </p:cxnSp>
+      <p:sp>
+        <p:nvSpPr>
+          <p:cNvPr id="29" name="Rectangle 28">
+            <a:extLst>
+              <a:ext uri="{FF2B5EF4-FFF2-40B4-BE49-F238E27FC236}">
+                <a16:creationId xmlns:a16="http://schemas.microsoft.com/office/drawing/2014/main" id="{6E269BA1-DC42-1FCA-7B2B-85448AF8D826}"/>
+              </a:ext>
+            </a:extLst>
+          </p:cNvPr>
+          <p:cNvSpPr/>
+          <p:nvPr/>
+        </p:nvSpPr>
+        <p:spPr>
+          <a:xfrm rot="2173786">
+            <a:off x="4169489" y="2941121"/>
+            <a:ext cx="100134" cy="105983"/>
+          </a:xfrm>
+          <a:prstGeom prst="rect">
+            <a:avLst/>
+          </a:prstGeom>
+          <a:noFill/>
+        </p:spPr>
+        <p:style>
+          <a:lnRef idx="2">
+            <a:schemeClr val="accent1">
+              <a:shade val="15000"/>
+            </a:schemeClr>
+          </a:lnRef>
+          <a:fillRef idx="1">
+            <a:schemeClr val="accent1"/>
+          </a:fillRef>
+          <a:effectRef idx="0">
+            <a:schemeClr val="accent1"/>
+          </a:effectRef>
+          <a:fontRef idx="minor">
+            <a:schemeClr val="lt1"/>
+          </a:fontRef>
+        </p:style>
+        <p:txBody>
+          <a:bodyPr rtlCol="0" anchor="ctr"/>
+          <a:lstStyle/>
+          <a:p>
+            <a:pPr algn="ctr"/>
+            <a:endParaRPr lang="en-US"/>
+          </a:p>
+        </p:txBody>
+      </p:sp>
+      <p:sp>
+        <p:nvSpPr>
+          <p:cNvPr id="37" name="Arc 36">
+            <a:extLst>
+              <a:ext uri="{FF2B5EF4-FFF2-40B4-BE49-F238E27FC236}">
+                <a16:creationId xmlns:a16="http://schemas.microsoft.com/office/drawing/2014/main" id="{78476D12-0B55-BD8B-497E-FF03FE8C6B43}"/>
+              </a:ext>
+            </a:extLst>
+          </p:cNvPr>
+          <p:cNvSpPr/>
+          <p:nvPr/>
+        </p:nvSpPr>
+        <p:spPr>
+          <a:xfrm rot="9146445">
+            <a:off x="3341817" y="2203435"/>
+            <a:ext cx="727555" cy="649301"/>
+          </a:xfrm>
+          <a:prstGeom prst="arc">
+            <a:avLst>
+              <a:gd name="adj1" fmla="val 16200000"/>
+              <a:gd name="adj2" fmla="val 485002"/>
+            </a:avLst>
+          </a:prstGeom>
+          <a:ln>
+            <a:solidFill>
+              <a:schemeClr val="tx1"/>
+            </a:solidFill>
+            <a:headEnd type="stealth"/>
+          </a:ln>
+        </p:spPr>
+        <p:style>
+          <a:lnRef idx="2">
+            <a:schemeClr val="accent1"/>
+          </a:lnRef>
+          <a:fillRef idx="0">
+            <a:schemeClr val="accent1"/>
+          </a:fillRef>
+          <a:effectRef idx="1">
+            <a:schemeClr val="accent1"/>
+          </a:effectRef>
+          <a:fontRef idx="minor">
+            <a:schemeClr val="tx1"/>
+          </a:fontRef>
+        </p:style>
+        <p:txBody>
+          <a:bodyPr rtlCol="0" anchor="ctr"/>
+          <a:lstStyle/>
+          <a:p>
+            <a:pPr algn="ctr"/>
+            <a:endParaRPr lang="en-US"/>
+          </a:p>
+        </p:txBody>
+      </p:sp>
+      <mc:AlternateContent xmlns:mc="http://schemas.openxmlformats.org/markup-compatibility/2006">
+        <mc:Choice xmlns:a14="http://schemas.microsoft.com/office/drawing/2010/main" Requires="a14">
+          <p:sp>
+            <p:nvSpPr>
+              <p:cNvPr id="38" name="TextBox 37">
+                <a:extLst>
+                  <a:ext uri="{FF2B5EF4-FFF2-40B4-BE49-F238E27FC236}">
+                    <a16:creationId xmlns:a16="http://schemas.microsoft.com/office/drawing/2014/main" id="{F296FFE6-D24F-057B-7EC1-9A45AEB0980D}"/>
+                  </a:ext>
+                </a:extLst>
+              </p:cNvPr>
+              <p:cNvSpPr txBox="1"/>
+              <p:nvPr/>
+            </p:nvSpPr>
+            <p:spPr>
+              <a:xfrm>
+                <a:off x="3507916" y="2813446"/>
+                <a:ext cx="244491" cy="307777"/>
+              </a:xfrm>
+              <a:prstGeom prst="rect">
+                <a:avLst/>
+              </a:prstGeom>
+              <a:noFill/>
+            </p:spPr>
+            <p:txBody>
+              <a:bodyPr wrap="none" lIns="0" tIns="0" rIns="0" bIns="0" rtlCol="0">
+                <a:spAutoFit/>
+              </a:bodyPr>
+              <a:lstStyle/>
+              <a:p>
+                <a:pPr/>
+                <a14:m>
+                  <m:oMathPara xmlns:m="http://schemas.openxmlformats.org/officeDocument/2006/math">
+                    <m:oMathParaPr>
+                      <m:jc m:val="centerGroup"/>
+                    </m:oMathParaPr>
+                    <m:oMath xmlns:m="http://schemas.openxmlformats.org/officeDocument/2006/math">
+                      <m:r>
+                        <a:rPr lang="en-US" sz="2000" i="1">
+                          <a:latin typeface="Cambria Math" panose="02040503050406030204" pitchFamily="18" charset="0"/>
+                          <a:ea typeface="Cambria Math" panose="02040503050406030204" pitchFamily="18" charset="0"/>
+                        </a:rPr>
+                        <m:t>𝜔</m:t>
+                      </m:r>
+                    </m:oMath>
+                  </m:oMathPara>
+                </a14:m>
+                <a:endParaRPr lang="en-US" sz="2000" dirty="0"/>
+              </a:p>
+            </p:txBody>
+          </p:sp>
+        </mc:Choice>
+        <mc:Fallback>
+          <p:sp>
+            <p:nvSpPr>
+              <p:cNvPr id="38" name="TextBox 37">
+                <a:extLst>
+                  <a:ext uri="{FF2B5EF4-FFF2-40B4-BE49-F238E27FC236}">
+                    <a16:creationId xmlns:a16="http://schemas.microsoft.com/office/drawing/2014/main" id="{F296FFE6-D24F-057B-7EC1-9A45AEB0980D}"/>
+                  </a:ext>
+                </a:extLst>
+              </p:cNvPr>
+              <p:cNvSpPr txBox="1">
+                <a:spLocks noRot="1" noChangeAspect="1" noMove="1" noResize="1" noEditPoints="1" noAdjustHandles="1" noChangeArrowheads="1" noChangeShapeType="1" noTextEdit="1"/>
+              </p:cNvSpPr>
+              <p:nvPr/>
+            </p:nvSpPr>
+            <p:spPr>
+              <a:xfrm>
+                <a:off x="3507916" y="2813446"/>
+                <a:ext cx="244491" cy="307777"/>
+              </a:xfrm>
+              <a:prstGeom prst="rect">
+                <a:avLst/>
+              </a:prstGeom>
+              <a:blipFill>
+                <a:blip r:embed="rId3"/>
+                <a:stretch>
+                  <a:fillRect l="-14634" r="-9756"/>
+                </a:stretch>
+              </a:blipFill>
+            </p:spPr>
+            <p:txBody>
+              <a:bodyPr/>
+              <a:lstStyle/>
+              <a:p>
+                <a:r>
+                  <a:rPr lang="en-US">
+                    <a:noFill/>
+                  </a:rPr>
+                  <a:t> </a:t>
+                </a:r>
+              </a:p>
+            </p:txBody>
+          </p:sp>
+        </mc:Fallback>
+      </mc:AlternateContent>
+      <mc:AlternateContent xmlns:mc="http://schemas.openxmlformats.org/markup-compatibility/2006">
+        <mc:Choice xmlns:a14="http://schemas.microsoft.com/office/drawing/2010/main" Requires="a14">
+          <p:sp>
+            <p:nvSpPr>
+              <p:cNvPr id="39" name="TextBox 38">
+                <a:extLst>
+                  <a:ext uri="{FF2B5EF4-FFF2-40B4-BE49-F238E27FC236}">
+                    <a16:creationId xmlns:a16="http://schemas.microsoft.com/office/drawing/2014/main" id="{2EEA63F2-38AA-9579-A746-5A0C29B98381}"/>
+                  </a:ext>
+                </a:extLst>
+              </p:cNvPr>
+              <p:cNvSpPr txBox="1"/>
+              <p:nvPr/>
+            </p:nvSpPr>
+            <p:spPr>
+              <a:xfrm>
+                <a:off x="4008920" y="2545864"/>
+                <a:ext cx="210122" cy="307777"/>
+              </a:xfrm>
+              <a:prstGeom prst="rect">
+                <a:avLst/>
+              </a:prstGeom>
+              <a:noFill/>
+            </p:spPr>
+            <p:txBody>
+              <a:bodyPr wrap="none" lIns="0" tIns="0" rIns="0" bIns="0" rtlCol="0">
+                <a:spAutoFit/>
+              </a:bodyPr>
+              <a:lstStyle/>
+              <a:p>
+                <a:pPr/>
+                <a14:m>
+                  <m:oMathPara xmlns:m="http://schemas.openxmlformats.org/officeDocument/2006/math">
+                    <m:oMathParaPr>
+                      <m:jc m:val="centerGroup"/>
+                    </m:oMathParaPr>
+                    <m:oMath xmlns:m="http://schemas.openxmlformats.org/officeDocument/2006/math">
+                      <m:r>
+                        <a:rPr lang="en-US" sz="2000" b="0" i="1" smtClean="0">
+                          <a:latin typeface="Cambria Math" panose="02040503050406030204" pitchFamily="18" charset="0"/>
+                          <a:ea typeface="Cambria Math" panose="02040503050406030204" pitchFamily="18" charset="0"/>
+                        </a:rPr>
+                        <m:t>𝑑</m:t>
+                      </m:r>
+                    </m:oMath>
+                  </m:oMathPara>
+                </a14:m>
+                <a:endParaRPr lang="en-US" sz="2000" dirty="0"/>
+              </a:p>
+            </p:txBody>
+          </p:sp>
+        </mc:Choice>
+        <mc:Fallback>
+          <p:sp>
+            <p:nvSpPr>
+              <p:cNvPr id="39" name="TextBox 38">
+                <a:extLst>
+                  <a:ext uri="{FF2B5EF4-FFF2-40B4-BE49-F238E27FC236}">
+                    <a16:creationId xmlns:a16="http://schemas.microsoft.com/office/drawing/2014/main" id="{2EEA63F2-38AA-9579-A746-5A0C29B98381}"/>
+                  </a:ext>
+                </a:extLst>
+              </p:cNvPr>
+              <p:cNvSpPr txBox="1">
+                <a:spLocks noRot="1" noChangeAspect="1" noMove="1" noResize="1" noEditPoints="1" noAdjustHandles="1" noChangeArrowheads="1" noChangeShapeType="1" noTextEdit="1"/>
+              </p:cNvSpPr>
+              <p:nvPr/>
+            </p:nvSpPr>
+            <p:spPr>
+              <a:xfrm>
+                <a:off x="4008920" y="2545864"/>
+                <a:ext cx="210122" cy="307777"/>
+              </a:xfrm>
+              <a:prstGeom prst="rect">
+                <a:avLst/>
+              </a:prstGeom>
+              <a:blipFill>
+                <a:blip r:embed="rId4"/>
+                <a:stretch>
+                  <a:fillRect l="-32353" r="-26471" b="-8000"/>
+                </a:stretch>
+              </a:blipFill>
+            </p:spPr>
+            <p:txBody>
+              <a:bodyPr/>
+              <a:lstStyle/>
+              <a:p>
+                <a:r>
+                  <a:rPr lang="en-US">
+                    <a:noFill/>
+                  </a:rPr>
+                  <a:t> </a:t>
+                </a:r>
+              </a:p>
+            </p:txBody>
+          </p:sp>
+        </mc:Fallback>
+      </mc:AlternateContent>
+    </p:spTree>
+    <p:extLst>
+      <p:ext uri="{BB962C8B-B14F-4D97-AF65-F5344CB8AC3E}">
+        <p14:creationId xmlns:p14="http://schemas.microsoft.com/office/powerpoint/2010/main" val="2327751950"/>
+      </p:ext>
+    </p:extLst>
+  </p:cSld>
+  <p:clrMapOvr>
+    <a:masterClrMapping/>
+  </p:clrMapOvr>
+</p:sld>
+</file>
+
+<file path=ppt/slides/slide18.xml><?xml version="1.0" encoding="utf-8"?>
+<p:sld xmlns:a="http://schemas.openxmlformats.org/drawingml/2006/main" xmlns:r="http://schemas.openxmlformats.org/officeDocument/2006/relationships" xmlns:p="http://schemas.openxmlformats.org/presentationml/2006/main">
+  <p:cSld>
+    <p:spTree>
+      <p:nvGrpSpPr>
+        <p:cNvPr id="1" name=""/>
+        <p:cNvGrpSpPr/>
+        <p:nvPr/>
+      </p:nvGrpSpPr>
+      <p:grpSpPr>
+        <a:xfrm>
+          <a:off x="0" y="0"/>
+          <a:ext cx="0" cy="0"/>
+          <a:chOff x="0" y="0"/>
+          <a:chExt cx="0" cy="0"/>
+        </a:xfrm>
+      </p:grpSpPr>
+      <p:sp>
+        <p:nvSpPr>
+          <p:cNvPr id="2" name="Oval 1">
+            <a:extLst>
+              <a:ext uri="{FF2B5EF4-FFF2-40B4-BE49-F238E27FC236}">
+                <a16:creationId xmlns:a16="http://schemas.microsoft.com/office/drawing/2014/main" id="{83D15805-62E7-75F0-8819-B97BF4390ADF}"/>
+              </a:ext>
+            </a:extLst>
+          </p:cNvPr>
+          <p:cNvSpPr/>
+          <p:nvPr/>
+        </p:nvSpPr>
+        <p:spPr>
+          <a:xfrm>
+            <a:off x="1254365" y="766277"/>
+            <a:ext cx="1851237" cy="1851237"/>
+          </a:xfrm>
+          <a:prstGeom prst="ellipse">
+            <a:avLst/>
+          </a:prstGeom>
+          <a:noFill/>
+        </p:spPr>
+        <p:style>
+          <a:lnRef idx="2">
+            <a:schemeClr val="accent1">
+              <a:shade val="15000"/>
+            </a:schemeClr>
+          </a:lnRef>
+          <a:fillRef idx="1">
+            <a:schemeClr val="accent1"/>
+          </a:fillRef>
+          <a:effectRef idx="0">
+            <a:schemeClr val="accent1"/>
+          </a:effectRef>
+          <a:fontRef idx="minor">
+            <a:schemeClr val="lt1"/>
+          </a:fontRef>
+        </p:style>
+        <p:txBody>
+          <a:bodyPr rtlCol="0" anchor="ctr"/>
+          <a:lstStyle/>
+          <a:p>
+            <a:pPr algn="ctr"/>
+            <a:endParaRPr lang="en-US"/>
+          </a:p>
+        </p:txBody>
+      </p:sp>
+      <p:cxnSp>
+        <p:nvCxnSpPr>
+          <p:cNvPr id="7" name="Straight Arrow Connector 6">
+            <a:extLst>
+              <a:ext uri="{FF2B5EF4-FFF2-40B4-BE49-F238E27FC236}">
+                <a16:creationId xmlns:a16="http://schemas.microsoft.com/office/drawing/2014/main" id="{8028D5BF-6A43-4703-1DAA-FCA66DC4CC4F}"/>
+              </a:ext>
+            </a:extLst>
+          </p:cNvPr>
+          <p:cNvCxnSpPr>
+            <a:cxnSpLocks/>
+          </p:cNvCxnSpPr>
+          <p:nvPr/>
+        </p:nvCxnSpPr>
+        <p:spPr>
+          <a:xfrm flipV="1">
+            <a:off x="2176654" y="2570851"/>
+            <a:ext cx="789150" cy="39056"/>
+          </a:xfrm>
+          <a:prstGeom prst="straightConnector1">
+            <a:avLst/>
+          </a:prstGeom>
+          <a:ln w="31750">
+            <a:solidFill>
+              <a:schemeClr val="tx1"/>
+            </a:solidFill>
+            <a:tailEnd type="stealth" w="med" len="lg"/>
+          </a:ln>
+        </p:spPr>
+        <p:style>
+          <a:lnRef idx="2">
+            <a:schemeClr val="accent1"/>
+          </a:lnRef>
+          <a:fillRef idx="0">
+            <a:schemeClr val="accent1"/>
+          </a:fillRef>
+          <a:effectRef idx="1">
+            <a:schemeClr val="accent1"/>
+          </a:effectRef>
+          <a:fontRef idx="minor">
+            <a:schemeClr val="tx1"/>
+          </a:fontRef>
+        </p:style>
+      </p:cxnSp>
+      <mc:AlternateContent xmlns:mc="http://schemas.openxmlformats.org/markup-compatibility/2006">
+        <mc:Choice xmlns:a14="http://schemas.microsoft.com/office/drawing/2010/main" Requires="a14">
+          <p:sp>
+            <p:nvSpPr>
+              <p:cNvPr id="10" name="TextBox 9">
+                <a:extLst>
+                  <a:ext uri="{FF2B5EF4-FFF2-40B4-BE49-F238E27FC236}">
+                    <a16:creationId xmlns:a16="http://schemas.microsoft.com/office/drawing/2014/main" id="{84BB83EE-1ED2-517B-2B72-07D9056C35D4}"/>
+                  </a:ext>
+                </a:extLst>
+              </p:cNvPr>
+              <p:cNvSpPr txBox="1"/>
+              <p:nvPr/>
+            </p:nvSpPr>
+            <p:spPr>
+              <a:xfrm>
+                <a:off x="2839111" y="2590379"/>
+                <a:ext cx="219996" cy="345159"/>
+              </a:xfrm>
+              <a:prstGeom prst="rect">
+                <a:avLst/>
+              </a:prstGeom>
+              <a:noFill/>
+            </p:spPr>
+            <p:txBody>
+              <a:bodyPr wrap="none" lIns="0" tIns="0" rIns="0" bIns="0" rtlCol="0">
+                <a:spAutoFit/>
+              </a:bodyPr>
+              <a:lstStyle/>
+              <a:p>
+                <a:pPr/>
+                <a14:m>
+                  <m:oMathPara xmlns:m="http://schemas.openxmlformats.org/officeDocument/2006/math">
+                    <m:oMathParaPr>
+                      <m:jc m:val="centerGroup"/>
+                    </m:oMathParaPr>
+                    <m:oMath xmlns:m="http://schemas.openxmlformats.org/officeDocument/2006/math">
+                      <m:acc>
+                        <m:accPr>
+                          <m:chr m:val="⃗"/>
+                          <m:ctrlPr>
+                            <a:rPr lang="en-US" sz="2000" i="1" smtClean="0">
+                              <a:latin typeface="Cambria Math" panose="02040503050406030204" pitchFamily="18" charset="0"/>
+                              <a:ea typeface="Cambria Math" panose="02040503050406030204" pitchFamily="18" charset="0"/>
+                            </a:rPr>
+                          </m:ctrlPr>
+                        </m:accPr>
+                        <m:e>
+                          <m:r>
+                            <a:rPr lang="en-US" sz="2000" b="0" i="1" smtClean="0">
+                              <a:latin typeface="Cambria Math" panose="02040503050406030204" pitchFamily="18" charset="0"/>
+                              <a:ea typeface="Cambria Math" panose="02040503050406030204" pitchFamily="18" charset="0"/>
+                            </a:rPr>
+                            <m:t>𝐹</m:t>
+                          </m:r>
+                        </m:e>
+                      </m:acc>
+                    </m:oMath>
+                  </m:oMathPara>
+                </a14:m>
+                <a:endParaRPr lang="en-US" sz="2000" dirty="0"/>
+              </a:p>
+            </p:txBody>
+          </p:sp>
+        </mc:Choice>
+        <mc:Fallback>
+          <p:sp>
+            <p:nvSpPr>
+              <p:cNvPr id="10" name="TextBox 9">
+                <a:extLst>
+                  <a:ext uri="{FF2B5EF4-FFF2-40B4-BE49-F238E27FC236}">
+                    <a16:creationId xmlns:a16="http://schemas.microsoft.com/office/drawing/2014/main" id="{84BB83EE-1ED2-517B-2B72-07D9056C35D4}"/>
+                  </a:ext>
+                </a:extLst>
+              </p:cNvPr>
+              <p:cNvSpPr txBox="1">
+                <a:spLocks noRot="1" noChangeAspect="1" noMove="1" noResize="1" noEditPoints="1" noAdjustHandles="1" noChangeArrowheads="1" noChangeShapeType="1" noTextEdit="1"/>
+              </p:cNvSpPr>
+              <p:nvPr/>
+            </p:nvSpPr>
+            <p:spPr>
+              <a:xfrm>
+                <a:off x="2839111" y="2590379"/>
+                <a:ext cx="219996" cy="345159"/>
+              </a:xfrm>
+              <a:prstGeom prst="rect">
+                <a:avLst/>
+              </a:prstGeom>
+              <a:blipFill>
+                <a:blip r:embed="rId2"/>
+                <a:stretch>
+                  <a:fillRect l="-30556" t="-38596" r="-91667" b="-3509"/>
+                </a:stretch>
+              </a:blipFill>
+            </p:spPr>
+            <p:txBody>
+              <a:bodyPr/>
+              <a:lstStyle/>
+              <a:p>
+                <a:r>
+                  <a:rPr lang="en-US">
+                    <a:noFill/>
+                  </a:rPr>
+                  <a:t> </a:t>
+                </a:r>
+              </a:p>
+            </p:txBody>
+          </p:sp>
+        </mc:Fallback>
+      </mc:AlternateContent>
+      <p:cxnSp>
+        <p:nvCxnSpPr>
+          <p:cNvPr id="11" name="Straight Arrow Connector 10">
+            <a:extLst>
+              <a:ext uri="{FF2B5EF4-FFF2-40B4-BE49-F238E27FC236}">
+                <a16:creationId xmlns:a16="http://schemas.microsoft.com/office/drawing/2014/main" id="{4FB9DE59-A2E8-AE60-E95B-2040F2785C6E}"/>
+              </a:ext>
+            </a:extLst>
+          </p:cNvPr>
+          <p:cNvCxnSpPr>
+            <a:cxnSpLocks/>
+            <a:endCxn id="2" idx="4"/>
+          </p:cNvCxnSpPr>
+          <p:nvPr/>
+        </p:nvCxnSpPr>
+        <p:spPr>
+          <a:xfrm>
+            <a:off x="2176654" y="1691895"/>
+            <a:ext cx="3330" cy="925619"/>
+          </a:xfrm>
+          <a:prstGeom prst="straightConnector1">
+            <a:avLst/>
+          </a:prstGeom>
+          <a:ln w="22225">
+            <a:solidFill>
+              <a:schemeClr val="tx1"/>
+            </a:solidFill>
+            <a:tailEnd type="none" w="med" len="lg"/>
+          </a:ln>
+        </p:spPr>
+        <p:style>
+          <a:lnRef idx="2">
+            <a:schemeClr val="accent1"/>
+          </a:lnRef>
+          <a:fillRef idx="0">
+            <a:schemeClr val="accent1"/>
+          </a:fillRef>
+          <a:effectRef idx="1">
+            <a:schemeClr val="accent1"/>
+          </a:effectRef>
+          <a:fontRef idx="minor">
+            <a:schemeClr val="tx1"/>
+          </a:fontRef>
+        </p:style>
+      </p:cxnSp>
+      <p:sp>
+        <p:nvSpPr>
+          <p:cNvPr id="13" name="Oval 12">
+            <a:extLst>
+              <a:ext uri="{FF2B5EF4-FFF2-40B4-BE49-F238E27FC236}">
+                <a16:creationId xmlns:a16="http://schemas.microsoft.com/office/drawing/2014/main" id="{F6AA13F3-B1BB-9A6B-4380-2EDA6A2C9471}"/>
+              </a:ext>
+            </a:extLst>
+          </p:cNvPr>
+          <p:cNvSpPr/>
+          <p:nvPr/>
+        </p:nvSpPr>
+        <p:spPr>
+          <a:xfrm>
+            <a:off x="2141562" y="1646614"/>
+            <a:ext cx="70183" cy="66067"/>
+          </a:xfrm>
+          <a:prstGeom prst="ellipse">
+            <a:avLst/>
+          </a:prstGeom>
+          <a:solidFill>
+            <a:schemeClr val="tx1"/>
+          </a:solidFill>
+          <a:ln>
+            <a:noFill/>
+          </a:ln>
+        </p:spPr>
+        <p:style>
+          <a:lnRef idx="2">
+            <a:schemeClr val="accent1">
+              <a:shade val="15000"/>
+            </a:schemeClr>
+          </a:lnRef>
+          <a:fillRef idx="1">
+            <a:schemeClr val="accent1"/>
+          </a:fillRef>
+          <a:effectRef idx="0">
+            <a:schemeClr val="accent1"/>
+          </a:effectRef>
+          <a:fontRef idx="minor">
+            <a:schemeClr val="lt1"/>
+          </a:fontRef>
+        </p:style>
+        <p:txBody>
+          <a:bodyPr rtlCol="0" anchor="ctr"/>
+          <a:lstStyle/>
+          <a:p>
+            <a:pPr algn="ctr"/>
+            <a:endParaRPr lang="en-US"/>
+          </a:p>
+        </p:txBody>
+      </p:sp>
+      <mc:AlternateContent xmlns:mc="http://schemas.openxmlformats.org/markup-compatibility/2006">
+        <mc:Choice xmlns:a14="http://schemas.microsoft.com/office/drawing/2010/main" Requires="a14">
+          <p:sp>
+            <p:nvSpPr>
+              <p:cNvPr id="14" name="TextBox 13">
+                <a:extLst>
+                  <a:ext uri="{FF2B5EF4-FFF2-40B4-BE49-F238E27FC236}">
+                    <a16:creationId xmlns:a16="http://schemas.microsoft.com/office/drawing/2014/main" id="{BA06DDD6-2357-1CEE-F2B3-2F157F8CEC6B}"/>
+                  </a:ext>
+                </a:extLst>
+              </p:cNvPr>
+              <p:cNvSpPr txBox="1"/>
+              <p:nvPr/>
+            </p:nvSpPr>
+            <p:spPr>
+              <a:xfrm>
+                <a:off x="1956272" y="2609907"/>
+                <a:ext cx="244426" cy="276999"/>
+              </a:xfrm>
+              <a:prstGeom prst="rect">
+                <a:avLst/>
+              </a:prstGeom>
+              <a:noFill/>
+            </p:spPr>
+            <p:txBody>
+              <a:bodyPr wrap="none" lIns="0" tIns="0" rIns="0" bIns="0" rtlCol="0">
+                <a:spAutoFit/>
+              </a:bodyPr>
+              <a:lstStyle/>
+              <a:p>
+                <a:pPr/>
+                <a14:m>
+                  <m:oMathPara xmlns:m="http://schemas.openxmlformats.org/officeDocument/2006/math">
+                    <m:oMathParaPr>
+                      <m:jc m:val="centerGroup"/>
+                    </m:oMathParaPr>
+                    <m:oMath xmlns:m="http://schemas.openxmlformats.org/officeDocument/2006/math">
+                      <m:r>
+                        <a:rPr lang="en-US" i="1" smtClean="0">
+                          <a:latin typeface="Cambria Math" panose="02040503050406030204" pitchFamily="18" charset="0"/>
+                          <a:ea typeface="Cambria Math" panose="02040503050406030204" pitchFamily="18" charset="0"/>
+                        </a:rPr>
+                        <m:t>𝑚</m:t>
+                      </m:r>
+                    </m:oMath>
+                  </m:oMathPara>
+                </a14:m>
+                <a:endParaRPr lang="en-US" dirty="0"/>
+              </a:p>
+            </p:txBody>
+          </p:sp>
+        </mc:Choice>
+        <mc:Fallback>
+          <p:sp>
+            <p:nvSpPr>
+              <p:cNvPr id="14" name="TextBox 13">
+                <a:extLst>
+                  <a:ext uri="{FF2B5EF4-FFF2-40B4-BE49-F238E27FC236}">
+                    <a16:creationId xmlns:a16="http://schemas.microsoft.com/office/drawing/2014/main" id="{BA06DDD6-2357-1CEE-F2B3-2F157F8CEC6B}"/>
+                  </a:ext>
+                </a:extLst>
+              </p:cNvPr>
+              <p:cNvSpPr txBox="1">
+                <a:spLocks noRot="1" noChangeAspect="1" noMove="1" noResize="1" noEditPoints="1" noAdjustHandles="1" noChangeArrowheads="1" noChangeShapeType="1" noTextEdit="1"/>
+              </p:cNvSpPr>
+              <p:nvPr/>
+            </p:nvSpPr>
+            <p:spPr>
+              <a:xfrm>
+                <a:off x="1956272" y="2609907"/>
+                <a:ext cx="244426" cy="276999"/>
+              </a:xfrm>
+              <a:prstGeom prst="rect">
+                <a:avLst/>
+              </a:prstGeom>
+              <a:blipFill>
+                <a:blip r:embed="rId3"/>
+                <a:stretch>
+                  <a:fillRect l="-15000" r="-15000"/>
+                </a:stretch>
+              </a:blipFill>
+            </p:spPr>
+            <p:txBody>
+              <a:bodyPr/>
+              <a:lstStyle/>
+              <a:p>
+                <a:r>
+                  <a:rPr lang="en-US">
+                    <a:noFill/>
+                  </a:rPr>
+                  <a:t> </a:t>
+                </a:r>
+              </a:p>
+            </p:txBody>
+          </p:sp>
+        </mc:Fallback>
+      </mc:AlternateContent>
+      <p:sp>
+        <p:nvSpPr>
+          <p:cNvPr id="15" name="Oval 14">
+            <a:extLst>
+              <a:ext uri="{FF2B5EF4-FFF2-40B4-BE49-F238E27FC236}">
+                <a16:creationId xmlns:a16="http://schemas.microsoft.com/office/drawing/2014/main" id="{4FB2A628-28D5-C3B6-5C7D-901861D12869}"/>
+              </a:ext>
+            </a:extLst>
+          </p:cNvPr>
+          <p:cNvSpPr/>
+          <p:nvPr/>
+        </p:nvSpPr>
+        <p:spPr>
+          <a:xfrm>
+            <a:off x="2119987" y="2571778"/>
+            <a:ext cx="113332" cy="106685"/>
+          </a:xfrm>
+          <a:prstGeom prst="ellipse">
+            <a:avLst/>
+          </a:prstGeom>
+          <a:solidFill>
+            <a:srgbClr val="0070C0"/>
+          </a:solidFill>
+          <a:ln w="12700">
+            <a:solidFill>
+              <a:schemeClr val="tx1"/>
+            </a:solidFill>
+          </a:ln>
+        </p:spPr>
+        <p:style>
+          <a:lnRef idx="2">
+            <a:schemeClr val="accent1">
+              <a:shade val="15000"/>
+            </a:schemeClr>
+          </a:lnRef>
+          <a:fillRef idx="1">
+            <a:schemeClr val="accent1"/>
+          </a:fillRef>
+          <a:effectRef idx="0">
+            <a:schemeClr val="accent1"/>
+          </a:effectRef>
+          <a:fontRef idx="minor">
+            <a:schemeClr val="lt1"/>
+          </a:fontRef>
+        </p:style>
+        <p:txBody>
+          <a:bodyPr rtlCol="0" anchor="ctr"/>
+          <a:lstStyle/>
+          <a:p>
+            <a:pPr algn="ctr"/>
+            <a:endParaRPr lang="en-US"/>
+          </a:p>
+        </p:txBody>
+      </p:sp>
+      <mc:AlternateContent xmlns:mc="http://schemas.openxmlformats.org/markup-compatibility/2006">
+        <mc:Choice xmlns:a14="http://schemas.microsoft.com/office/drawing/2010/main" Requires="a14">
+          <p:sp>
+            <p:nvSpPr>
+              <p:cNvPr id="16" name="TextBox 15">
+                <a:extLst>
+                  <a:ext uri="{FF2B5EF4-FFF2-40B4-BE49-F238E27FC236}">
+                    <a16:creationId xmlns:a16="http://schemas.microsoft.com/office/drawing/2014/main" id="{B051F20E-2628-5A55-3974-6EDAA1B3AA7F}"/>
+                  </a:ext>
+                </a:extLst>
+              </p:cNvPr>
+              <p:cNvSpPr txBox="1"/>
+              <p:nvPr/>
+            </p:nvSpPr>
+            <p:spPr>
+              <a:xfrm>
+                <a:off x="2200698" y="1872547"/>
+                <a:ext cx="215123" cy="369332"/>
+              </a:xfrm>
+              <a:prstGeom prst="rect">
+                <a:avLst/>
+              </a:prstGeom>
+              <a:noFill/>
+            </p:spPr>
+            <p:txBody>
+              <a:bodyPr wrap="none" lIns="0" tIns="0" rIns="0" bIns="0" rtlCol="0">
+                <a:spAutoFit/>
+              </a:bodyPr>
+              <a:lstStyle/>
+              <a:p>
+                <a:pPr/>
+                <a14:m>
+                  <m:oMathPara xmlns:m="http://schemas.openxmlformats.org/officeDocument/2006/math">
+                    <m:oMathParaPr>
+                      <m:jc m:val="centerGroup"/>
+                    </m:oMathParaPr>
+                    <m:oMath xmlns:m="http://schemas.openxmlformats.org/officeDocument/2006/math">
+                      <m:r>
+                        <a:rPr lang="en-US" sz="2400" b="0" i="1" smtClean="0">
+                          <a:latin typeface="Cambria Math" panose="02040503050406030204" pitchFamily="18" charset="0"/>
+                          <a:ea typeface="Cambria Math" panose="02040503050406030204" pitchFamily="18" charset="0"/>
+                        </a:rPr>
+                        <m:t>𝑟</m:t>
+                      </m:r>
+                    </m:oMath>
+                  </m:oMathPara>
+                </a14:m>
+                <a:endParaRPr lang="en-US" sz="2400" dirty="0"/>
+              </a:p>
+            </p:txBody>
+          </p:sp>
+        </mc:Choice>
+        <mc:Fallback>
+          <p:sp>
+            <p:nvSpPr>
+              <p:cNvPr id="16" name="TextBox 15">
+                <a:extLst>
+                  <a:ext uri="{FF2B5EF4-FFF2-40B4-BE49-F238E27FC236}">
+                    <a16:creationId xmlns:a16="http://schemas.microsoft.com/office/drawing/2014/main" id="{B051F20E-2628-5A55-3974-6EDAA1B3AA7F}"/>
+                  </a:ext>
+                </a:extLst>
+              </p:cNvPr>
+              <p:cNvSpPr txBox="1">
+                <a:spLocks noRot="1" noChangeAspect="1" noMove="1" noResize="1" noEditPoints="1" noAdjustHandles="1" noChangeArrowheads="1" noChangeShapeType="1" noTextEdit="1"/>
+              </p:cNvSpPr>
+              <p:nvPr/>
+            </p:nvSpPr>
+            <p:spPr>
+              <a:xfrm>
+                <a:off x="2200698" y="1872547"/>
+                <a:ext cx="215123" cy="369332"/>
+              </a:xfrm>
+              <a:prstGeom prst="rect">
+                <a:avLst/>
+              </a:prstGeom>
+              <a:blipFill>
+                <a:blip r:embed="rId4"/>
+                <a:stretch>
+                  <a:fillRect l="-20000" r="-20000"/>
+                </a:stretch>
+              </a:blipFill>
+            </p:spPr>
+            <p:txBody>
+              <a:bodyPr/>
+              <a:lstStyle/>
+              <a:p>
+                <a:r>
+                  <a:rPr lang="en-US">
+                    <a:noFill/>
+                  </a:rPr>
+                  <a:t> </a:t>
+                </a:r>
+              </a:p>
+            </p:txBody>
+          </p:sp>
+        </mc:Fallback>
+      </mc:AlternateContent>
+      <p:cxnSp>
+        <p:nvCxnSpPr>
+          <p:cNvPr id="20" name="Straight Arrow Connector 19">
+            <a:extLst>
+              <a:ext uri="{FF2B5EF4-FFF2-40B4-BE49-F238E27FC236}">
+                <a16:creationId xmlns:a16="http://schemas.microsoft.com/office/drawing/2014/main" id="{B1725941-A7BA-4793-4165-1096684A48D1}"/>
+              </a:ext>
+            </a:extLst>
+          </p:cNvPr>
+          <p:cNvCxnSpPr>
+            <a:cxnSpLocks/>
+          </p:cNvCxnSpPr>
+          <p:nvPr/>
+        </p:nvCxnSpPr>
+        <p:spPr>
+          <a:xfrm>
+            <a:off x="5777714" y="1835443"/>
+            <a:ext cx="928948" cy="1"/>
+          </a:xfrm>
+          <a:prstGeom prst="straightConnector1">
+            <a:avLst/>
+          </a:prstGeom>
+          <a:ln w="22225">
+            <a:solidFill>
+              <a:schemeClr val="tx1"/>
+            </a:solidFill>
+            <a:tailEnd type="none" w="med" len="lg"/>
+          </a:ln>
+        </p:spPr>
+        <p:style>
+          <a:lnRef idx="2">
+            <a:schemeClr val="accent1"/>
+          </a:lnRef>
+          <a:fillRef idx="0">
+            <a:schemeClr val="accent1"/>
+          </a:fillRef>
+          <a:effectRef idx="1">
+            <a:schemeClr val="accent1"/>
+          </a:effectRef>
+          <a:fontRef idx="minor">
+            <a:schemeClr val="tx1"/>
+          </a:fontRef>
+        </p:style>
+      </p:cxnSp>
+      <p:sp>
+        <p:nvSpPr>
+          <p:cNvPr id="21" name="Oval 20">
+            <a:extLst>
+              <a:ext uri="{FF2B5EF4-FFF2-40B4-BE49-F238E27FC236}">
+                <a16:creationId xmlns:a16="http://schemas.microsoft.com/office/drawing/2014/main" id="{E16D9D05-835B-9B90-CE56-304AAD5383A1}"/>
+              </a:ext>
+            </a:extLst>
+          </p:cNvPr>
+          <p:cNvSpPr/>
+          <p:nvPr/>
+        </p:nvSpPr>
+        <p:spPr>
+          <a:xfrm>
+            <a:off x="5742622" y="1796514"/>
+            <a:ext cx="70183" cy="66067"/>
+          </a:xfrm>
+          <a:prstGeom prst="ellipse">
+            <a:avLst/>
+          </a:prstGeom>
+          <a:solidFill>
+            <a:schemeClr val="tx1"/>
+          </a:solidFill>
+          <a:ln>
+            <a:noFill/>
+          </a:ln>
+        </p:spPr>
+        <p:style>
+          <a:lnRef idx="2">
+            <a:schemeClr val="accent1">
+              <a:shade val="15000"/>
+            </a:schemeClr>
+          </a:lnRef>
+          <a:fillRef idx="1">
+            <a:schemeClr val="accent1"/>
+          </a:fillRef>
+          <a:effectRef idx="0">
+            <a:schemeClr val="accent1"/>
+          </a:effectRef>
+          <a:fontRef idx="minor">
+            <a:schemeClr val="lt1"/>
+          </a:fontRef>
+        </p:style>
+        <p:txBody>
+          <a:bodyPr rtlCol="0" anchor="ctr"/>
+          <a:lstStyle/>
+          <a:p>
+            <a:pPr algn="ctr"/>
+            <a:endParaRPr lang="en-US"/>
+          </a:p>
+        </p:txBody>
+      </p:sp>
+      <mc:AlternateContent xmlns:mc="http://schemas.openxmlformats.org/markup-compatibility/2006">
+        <mc:Choice xmlns:a14="http://schemas.microsoft.com/office/drawing/2010/main" Requires="a14">
+          <p:sp>
+            <p:nvSpPr>
+              <p:cNvPr id="24" name="TextBox 23">
+                <a:extLst>
+                  <a:ext uri="{FF2B5EF4-FFF2-40B4-BE49-F238E27FC236}">
+                    <a16:creationId xmlns:a16="http://schemas.microsoft.com/office/drawing/2014/main" id="{F6223829-1DB6-A4C9-8E07-9AA685DE3B3B}"/>
+                  </a:ext>
+                </a:extLst>
+              </p:cNvPr>
+              <p:cNvSpPr txBox="1"/>
+              <p:nvPr/>
+            </p:nvSpPr>
+            <p:spPr>
+              <a:xfrm>
+                <a:off x="6064669" y="1515527"/>
+                <a:ext cx="215123" cy="369332"/>
+              </a:xfrm>
+              <a:prstGeom prst="rect">
+                <a:avLst/>
+              </a:prstGeom>
+              <a:noFill/>
+            </p:spPr>
+            <p:txBody>
+              <a:bodyPr wrap="none" lIns="0" tIns="0" rIns="0" bIns="0" rtlCol="0">
+                <a:spAutoFit/>
+              </a:bodyPr>
+              <a:lstStyle/>
+              <a:p>
+                <a:pPr/>
+                <a14:m>
+                  <m:oMathPara xmlns:m="http://schemas.openxmlformats.org/officeDocument/2006/math">
+                    <m:oMathParaPr>
+                      <m:jc m:val="centerGroup"/>
+                    </m:oMathParaPr>
+                    <m:oMath xmlns:m="http://schemas.openxmlformats.org/officeDocument/2006/math">
+                      <m:r>
+                        <a:rPr lang="en-US" sz="2400" b="0" i="1" smtClean="0">
+                          <a:latin typeface="Cambria Math" panose="02040503050406030204" pitchFamily="18" charset="0"/>
+                          <a:ea typeface="Cambria Math" panose="02040503050406030204" pitchFamily="18" charset="0"/>
+                        </a:rPr>
+                        <m:t>𝑟</m:t>
+                      </m:r>
+                    </m:oMath>
+                  </m:oMathPara>
+                </a14:m>
+                <a:endParaRPr lang="en-US" sz="2400" dirty="0"/>
+              </a:p>
+            </p:txBody>
+          </p:sp>
+        </mc:Choice>
+        <mc:Fallback>
+          <p:sp>
+            <p:nvSpPr>
+              <p:cNvPr id="24" name="TextBox 23">
+                <a:extLst>
+                  <a:ext uri="{FF2B5EF4-FFF2-40B4-BE49-F238E27FC236}">
+                    <a16:creationId xmlns:a16="http://schemas.microsoft.com/office/drawing/2014/main" id="{F6223829-1DB6-A4C9-8E07-9AA685DE3B3B}"/>
+                  </a:ext>
+                </a:extLst>
+              </p:cNvPr>
+              <p:cNvSpPr txBox="1">
+                <a:spLocks noRot="1" noChangeAspect="1" noMove="1" noResize="1" noEditPoints="1" noAdjustHandles="1" noChangeArrowheads="1" noChangeShapeType="1" noTextEdit="1"/>
+              </p:cNvSpPr>
+              <p:nvPr/>
+            </p:nvSpPr>
+            <p:spPr>
+              <a:xfrm>
+                <a:off x="6064669" y="1515527"/>
+                <a:ext cx="215123" cy="369332"/>
+              </a:xfrm>
+              <a:prstGeom prst="rect">
+                <a:avLst/>
+              </a:prstGeom>
+              <a:blipFill>
+                <a:blip r:embed="rId5"/>
+                <a:stretch>
+                  <a:fillRect l="-22857" r="-17143"/>
+                </a:stretch>
+              </a:blipFill>
+            </p:spPr>
+            <p:txBody>
+              <a:bodyPr/>
+              <a:lstStyle/>
+              <a:p>
+                <a:r>
+                  <a:rPr lang="en-US">
+                    <a:noFill/>
+                  </a:rPr>
+                  <a:t> </a:t>
+                </a:r>
+              </a:p>
+            </p:txBody>
+          </p:sp>
+        </mc:Fallback>
+      </mc:AlternateContent>
+      <p:grpSp>
+        <p:nvGrpSpPr>
+          <p:cNvPr id="50" name="Group 49">
+            <a:extLst>
+              <a:ext uri="{FF2B5EF4-FFF2-40B4-BE49-F238E27FC236}">
+                <a16:creationId xmlns:a16="http://schemas.microsoft.com/office/drawing/2014/main" id="{293218B3-9DC6-7E4C-9DB4-1A9E79A88AD4}"/>
+              </a:ext>
+            </a:extLst>
+          </p:cNvPr>
+          <p:cNvGrpSpPr/>
+          <p:nvPr/>
+        </p:nvGrpSpPr>
+        <p:grpSpPr>
+          <a:xfrm rot="17006950">
+            <a:off x="4867982" y="906574"/>
+            <a:ext cx="1851237" cy="1980507"/>
+            <a:chOff x="5393276" y="3052210"/>
+            <a:chExt cx="1851237" cy="1980507"/>
+          </a:xfrm>
+        </p:grpSpPr>
+        <p:grpSp>
+          <p:nvGrpSpPr>
+            <p:cNvPr id="49" name="Group 48">
+              <a:extLst>
+                <a:ext uri="{FF2B5EF4-FFF2-40B4-BE49-F238E27FC236}">
+                  <a16:creationId xmlns:a16="http://schemas.microsoft.com/office/drawing/2014/main" id="{F6C986D0-8ADB-F683-0216-F62240A3689A}"/>
+                </a:ext>
+              </a:extLst>
+            </p:cNvPr>
+            <p:cNvGrpSpPr/>
+            <p:nvPr/>
+          </p:nvGrpSpPr>
+          <p:grpSpPr>
+            <a:xfrm rot="783338">
+              <a:off x="5393276" y="3052210"/>
+              <a:ext cx="1851237" cy="1980507"/>
+              <a:chOff x="5393276" y="3052210"/>
+              <a:chExt cx="1851237" cy="1980507"/>
+            </a:xfrm>
+          </p:grpSpPr>
+          <p:grpSp>
+            <p:nvGrpSpPr>
+              <p:cNvPr id="48" name="Group 47">
+                <a:extLst>
+                  <a:ext uri="{FF2B5EF4-FFF2-40B4-BE49-F238E27FC236}">
+                    <a16:creationId xmlns:a16="http://schemas.microsoft.com/office/drawing/2014/main" id="{A2252C46-3B18-A58B-C07B-85EF35FB11DD}"/>
+                  </a:ext>
+                </a:extLst>
+              </p:cNvPr>
+              <p:cNvGrpSpPr/>
+              <p:nvPr/>
+            </p:nvGrpSpPr>
+            <p:grpSpPr>
+              <a:xfrm rot="300842">
+                <a:off x="5393276" y="3052210"/>
+                <a:ext cx="1851237" cy="1980507"/>
+                <a:chOff x="5393276" y="3052210"/>
+                <a:chExt cx="1851237" cy="1980507"/>
+              </a:xfrm>
+            </p:grpSpPr>
+            <p:grpSp>
+              <p:nvGrpSpPr>
+                <p:cNvPr id="46" name="Group 45">
+                  <a:extLst>
+                    <a:ext uri="{FF2B5EF4-FFF2-40B4-BE49-F238E27FC236}">
+                      <a16:creationId xmlns:a16="http://schemas.microsoft.com/office/drawing/2014/main" id="{AAF5626C-9D4A-684F-47BC-3934AD554E2E}"/>
+                    </a:ext>
+                  </a:extLst>
+                </p:cNvPr>
+                <p:cNvGrpSpPr/>
+                <p:nvPr/>
+              </p:nvGrpSpPr>
+              <p:grpSpPr>
+                <a:xfrm rot="699529">
+                  <a:off x="5393276" y="3052210"/>
+                  <a:ext cx="1851237" cy="1955246"/>
+                  <a:chOff x="5395000" y="3052297"/>
+                  <a:chExt cx="1851237" cy="1955246"/>
+                </a:xfrm>
+              </p:grpSpPr>
+              <p:grpSp>
+                <p:nvGrpSpPr>
+                  <p:cNvPr id="45" name="Group 44">
+                    <a:extLst>
+                      <a:ext uri="{FF2B5EF4-FFF2-40B4-BE49-F238E27FC236}">
+                        <a16:creationId xmlns:a16="http://schemas.microsoft.com/office/drawing/2014/main" id="{A0E1006A-36E9-1098-9652-0EA567A67533}"/>
+                      </a:ext>
+                    </a:extLst>
+                  </p:cNvPr>
+                  <p:cNvGrpSpPr/>
+                  <p:nvPr/>
+                </p:nvGrpSpPr>
+                <p:grpSpPr>
+                  <a:xfrm rot="320053">
+                    <a:off x="5395000" y="3052297"/>
+                    <a:ext cx="1851237" cy="1928959"/>
+                    <a:chOff x="5394565" y="3052277"/>
+                    <a:chExt cx="1851237" cy="1928959"/>
+                  </a:xfrm>
+                </p:grpSpPr>
+                <p:grpSp>
+                  <p:nvGrpSpPr>
+                    <p:cNvPr id="44" name="Group 43">
+                      <a:extLst>
+                        <a:ext uri="{FF2B5EF4-FFF2-40B4-BE49-F238E27FC236}">
+                          <a16:creationId xmlns:a16="http://schemas.microsoft.com/office/drawing/2014/main" id="{4E09CCB2-EB25-BE94-50F3-A8BCF2827CCA}"/>
+                        </a:ext>
+                      </a:extLst>
+                    </p:cNvPr>
+                    <p:cNvGrpSpPr/>
+                    <p:nvPr/>
+                  </p:nvGrpSpPr>
+                  <p:grpSpPr>
+                    <a:xfrm rot="1277091">
+                      <a:off x="5394565" y="3052277"/>
+                      <a:ext cx="1851237" cy="1928959"/>
+                      <a:chOff x="5394565" y="3052277"/>
+                      <a:chExt cx="1851237" cy="1928959"/>
+                    </a:xfrm>
+                  </p:grpSpPr>
+                  <p:grpSp>
+                    <p:nvGrpSpPr>
+                      <p:cNvPr id="43" name="Group 42">
+                        <a:extLst>
+                          <a:ext uri="{FF2B5EF4-FFF2-40B4-BE49-F238E27FC236}">
+                            <a16:creationId xmlns:a16="http://schemas.microsoft.com/office/drawing/2014/main" id="{D4DA1562-B65C-F5A6-C93E-E0A50F6613A3}"/>
+                          </a:ext>
+                        </a:extLst>
+                      </p:cNvPr>
+                      <p:cNvGrpSpPr/>
+                      <p:nvPr/>
+                    </p:nvGrpSpPr>
+                    <p:grpSpPr>
+                      <a:xfrm rot="413313">
+                        <a:off x="5394565" y="3052277"/>
+                        <a:ext cx="1851237" cy="1928959"/>
+                        <a:chOff x="5394565" y="3052277"/>
+                        <a:chExt cx="1851237" cy="1928959"/>
+                      </a:xfrm>
+                    </p:grpSpPr>
+                    <p:grpSp>
+                      <p:nvGrpSpPr>
+                        <p:cNvPr id="41" name="Group 40">
+                          <a:extLst>
+                            <a:ext uri="{FF2B5EF4-FFF2-40B4-BE49-F238E27FC236}">
+                              <a16:creationId xmlns:a16="http://schemas.microsoft.com/office/drawing/2014/main" id="{D2DE0CC1-C08C-02D2-186D-84A595C1DB09}"/>
+                            </a:ext>
+                          </a:extLst>
+                        </p:cNvPr>
+                        <p:cNvGrpSpPr/>
+                        <p:nvPr/>
+                      </p:nvGrpSpPr>
+                      <p:grpSpPr>
+                        <a:xfrm rot="582989">
+                          <a:off x="5394565" y="3052277"/>
+                          <a:ext cx="1851237" cy="1926123"/>
+                          <a:chOff x="5394565" y="3052277"/>
+                          <a:chExt cx="1851237" cy="1926123"/>
+                        </a:xfrm>
+                      </p:grpSpPr>
+                      <p:sp>
+                        <p:nvSpPr>
+                          <p:cNvPr id="17" name="Oval 16">
+                            <a:extLst>
+                              <a:ext uri="{FF2B5EF4-FFF2-40B4-BE49-F238E27FC236}">
+                                <a16:creationId xmlns:a16="http://schemas.microsoft.com/office/drawing/2014/main" id="{D0ADFFCF-271C-594E-9639-2E6C451F50F0}"/>
+                              </a:ext>
+                            </a:extLst>
+                          </p:cNvPr>
+                          <p:cNvSpPr/>
+                          <p:nvPr/>
+                        </p:nvSpPr>
+                        <p:spPr>
+                          <a:xfrm>
+                            <a:off x="5394565" y="3052277"/>
+                            <a:ext cx="1851237" cy="1851237"/>
+                          </a:xfrm>
+                          <a:prstGeom prst="ellipse">
+                            <a:avLst/>
+                          </a:prstGeom>
+                          <a:noFill/>
+                        </p:spPr>
+                        <p:style>
+                          <a:lnRef idx="2">
+                            <a:schemeClr val="accent1">
+                              <a:shade val="15000"/>
+                            </a:schemeClr>
+                          </a:lnRef>
+                          <a:fillRef idx="1">
+                            <a:schemeClr val="accent1"/>
+                          </a:fillRef>
+                          <a:effectRef idx="0">
+                            <a:schemeClr val="accent1"/>
+                          </a:effectRef>
+                          <a:fontRef idx="minor">
+                            <a:schemeClr val="lt1"/>
+                          </a:fontRef>
+                        </p:style>
+                        <p:txBody>
+                          <a:bodyPr rtlCol="0" anchor="ctr"/>
+                          <a:lstStyle/>
+                          <a:p>
+                            <a:pPr algn="ctr"/>
+                            <a:endParaRPr lang="en-US"/>
+                          </a:p>
+                        </p:txBody>
+                      </p:sp>
+                      <p:cxnSp>
+                        <p:nvCxnSpPr>
+                          <p:cNvPr id="26" name="Straight Arrow Connector 25">
+                            <a:extLst>
+                              <a:ext uri="{FF2B5EF4-FFF2-40B4-BE49-F238E27FC236}">
+                                <a16:creationId xmlns:a16="http://schemas.microsoft.com/office/drawing/2014/main" id="{F4C63F97-32DD-DADE-C9AE-E206A6512DB6}"/>
+                              </a:ext>
+                            </a:extLst>
+                          </p:cNvPr>
+                          <p:cNvCxnSpPr>
+                            <a:cxnSpLocks/>
+                          </p:cNvCxnSpPr>
+                          <p:nvPr/>
+                        </p:nvCxnSpPr>
+                        <p:spPr>
+                          <a:xfrm>
+                            <a:off x="6302772" y="4830063"/>
+                            <a:ext cx="0" cy="148337"/>
+                          </a:xfrm>
+                          <a:prstGeom prst="straightConnector1">
+                            <a:avLst/>
+                          </a:prstGeom>
+                          <a:ln w="22225">
+                            <a:solidFill>
+                              <a:schemeClr val="tx1"/>
+                            </a:solidFill>
+                            <a:tailEnd type="none" w="med" len="lg"/>
+                          </a:ln>
+                        </p:spPr>
+                        <p:style>
+                          <a:lnRef idx="2">
+                            <a:schemeClr val="accent1"/>
+                          </a:lnRef>
+                          <a:fillRef idx="0">
+                            <a:schemeClr val="accent1"/>
+                          </a:fillRef>
+                          <a:effectRef idx="1">
+                            <a:schemeClr val="accent1"/>
+                          </a:effectRef>
+                          <a:fontRef idx="minor">
+                            <a:schemeClr val="tx1"/>
+                          </a:fontRef>
+                        </p:style>
+                      </p:cxnSp>
+                    </p:grpSp>
+                    <p:cxnSp>
+                      <p:nvCxnSpPr>
+                        <p:cNvPr id="29" name="Straight Arrow Connector 28">
+                          <a:extLst>
+                            <a:ext uri="{FF2B5EF4-FFF2-40B4-BE49-F238E27FC236}">
+                              <a16:creationId xmlns:a16="http://schemas.microsoft.com/office/drawing/2014/main" id="{45EF445C-A5B3-B131-2468-90718C03D623}"/>
+                            </a:ext>
+                          </a:extLst>
+                        </p:cNvPr>
+                        <p:cNvCxnSpPr>
+                          <a:cxnSpLocks/>
+                        </p:cNvCxnSpPr>
+                        <p:nvPr/>
+                      </p:nvCxnSpPr>
+                      <p:spPr>
+                        <a:xfrm>
+                          <a:off x="6372622" y="4832899"/>
+                          <a:ext cx="0" cy="148337"/>
+                        </a:xfrm>
+                        <a:prstGeom prst="straightConnector1">
+                          <a:avLst/>
+                        </a:prstGeom>
+                        <a:ln w="22225">
+                          <a:solidFill>
+                            <a:schemeClr val="tx1"/>
+                          </a:solidFill>
+                          <a:tailEnd type="none" w="med" len="lg"/>
+                        </a:ln>
+                      </p:spPr>
+                      <p:style>
+                        <a:lnRef idx="2">
+                          <a:schemeClr val="accent1"/>
+                        </a:lnRef>
+                        <a:fillRef idx="0">
+                          <a:schemeClr val="accent1"/>
+                        </a:fillRef>
+                        <a:effectRef idx="1">
+                          <a:schemeClr val="accent1"/>
+                        </a:effectRef>
+                        <a:fontRef idx="minor">
+                          <a:schemeClr val="tx1"/>
+                        </a:fontRef>
+                      </p:style>
+                    </p:cxnSp>
+                  </p:grpSp>
+                  <p:cxnSp>
+                    <p:nvCxnSpPr>
+                      <p:cNvPr id="30" name="Straight Arrow Connector 29">
+                        <a:extLst>
+                          <a:ext uri="{FF2B5EF4-FFF2-40B4-BE49-F238E27FC236}">
+                            <a16:creationId xmlns:a16="http://schemas.microsoft.com/office/drawing/2014/main" id="{0945DF32-A255-E7CA-CB49-D95696A341A6}"/>
+                          </a:ext>
+                        </a:extLst>
+                      </p:cNvPr>
+                      <p:cNvCxnSpPr>
+                        <a:cxnSpLocks/>
+                      </p:cNvCxnSpPr>
+                      <p:nvPr/>
+                    </p:nvCxnSpPr>
+                    <p:spPr>
+                      <a:xfrm>
+                        <a:off x="6446705" y="4831924"/>
+                        <a:ext cx="0" cy="148337"/>
+                      </a:xfrm>
+                      <a:prstGeom prst="straightConnector1">
+                        <a:avLst/>
+                      </a:prstGeom>
+                      <a:ln w="22225">
+                        <a:solidFill>
+                          <a:schemeClr val="tx1"/>
+                        </a:solidFill>
+                        <a:tailEnd type="none" w="med" len="lg"/>
+                      </a:ln>
+                    </p:spPr>
+                    <p:style>
+                      <a:lnRef idx="2">
+                        <a:schemeClr val="accent1"/>
+                      </a:lnRef>
+                      <a:fillRef idx="0">
+                        <a:schemeClr val="accent1"/>
+                      </a:fillRef>
+                      <a:effectRef idx="1">
+                        <a:schemeClr val="accent1"/>
+                      </a:effectRef>
+                      <a:fontRef idx="minor">
+                        <a:schemeClr val="tx1"/>
+                      </a:fontRef>
+                    </p:style>
+                  </p:cxnSp>
+                </p:grpSp>
+                <p:cxnSp>
+                  <p:nvCxnSpPr>
+                    <p:cNvPr id="31" name="Straight Arrow Connector 30">
+                      <a:extLst>
+                        <a:ext uri="{FF2B5EF4-FFF2-40B4-BE49-F238E27FC236}">
+                          <a16:creationId xmlns:a16="http://schemas.microsoft.com/office/drawing/2014/main" id="{9E71CEFE-9DF0-5018-FD60-FFE57D0EA478}"/>
+                        </a:ext>
+                      </a:extLst>
+                    </p:cNvPr>
+                    <p:cNvCxnSpPr>
+                      <a:cxnSpLocks/>
+                    </p:cNvCxnSpPr>
+                    <p:nvPr/>
+                  </p:nvCxnSpPr>
+                  <p:spPr>
+                    <a:xfrm rot="20580418" flipH="1">
+                      <a:off x="6216757" y="4848642"/>
+                      <a:ext cx="62135" cy="123257"/>
+                    </a:xfrm>
+                    <a:prstGeom prst="straightConnector1">
+                      <a:avLst/>
+                    </a:prstGeom>
+                    <a:ln w="22225">
+                      <a:solidFill>
+                        <a:schemeClr val="tx1"/>
+                      </a:solidFill>
+                      <a:tailEnd type="none" w="med" len="lg"/>
+                    </a:ln>
+                  </p:spPr>
+                  <p:style>
+                    <a:lnRef idx="2">
+                      <a:schemeClr val="accent1"/>
+                    </a:lnRef>
+                    <a:fillRef idx="0">
+                      <a:schemeClr val="accent1"/>
+                    </a:fillRef>
+                    <a:effectRef idx="1">
+                      <a:schemeClr val="accent1"/>
+                    </a:effectRef>
+                    <a:fontRef idx="minor">
+                      <a:schemeClr val="tx1"/>
+                    </a:fontRef>
+                  </p:style>
+                </p:cxnSp>
+              </p:grpSp>
+              <p:cxnSp>
+                <p:nvCxnSpPr>
+                  <p:cNvPr id="32" name="Straight Arrow Connector 31">
+                    <a:extLst>
+                      <a:ext uri="{FF2B5EF4-FFF2-40B4-BE49-F238E27FC236}">
+                        <a16:creationId xmlns:a16="http://schemas.microsoft.com/office/drawing/2014/main" id="{A91D0180-F81A-9D4A-7D54-7BC01D3B93D6}"/>
+                      </a:ext>
+                    </a:extLst>
+                  </p:cNvPr>
+                  <p:cNvCxnSpPr>
+                    <a:cxnSpLocks/>
+                  </p:cNvCxnSpPr>
+                  <p:nvPr/>
+                </p:nvCxnSpPr>
+                <p:spPr>
+                  <a:xfrm>
+                    <a:off x="6307246" y="4859206"/>
+                    <a:ext cx="0" cy="148337"/>
+                  </a:xfrm>
+                  <a:prstGeom prst="straightConnector1">
+                    <a:avLst/>
+                  </a:prstGeom>
+                  <a:ln w="22225">
+                    <a:solidFill>
+                      <a:schemeClr val="tx1"/>
+                    </a:solidFill>
+                    <a:tailEnd type="none" w="med" len="lg"/>
+                  </a:ln>
+                </p:spPr>
+                <p:style>
+                  <a:lnRef idx="2">
+                    <a:schemeClr val="accent1"/>
+                  </a:lnRef>
+                  <a:fillRef idx="0">
+                    <a:schemeClr val="accent1"/>
+                  </a:fillRef>
+                  <a:effectRef idx="1">
+                    <a:schemeClr val="accent1"/>
+                  </a:effectRef>
+                  <a:fontRef idx="minor">
+                    <a:schemeClr val="tx1"/>
+                  </a:fontRef>
+                </p:style>
+              </p:cxnSp>
+            </p:grpSp>
+            <p:cxnSp>
+              <p:nvCxnSpPr>
+                <p:cNvPr id="33" name="Straight Arrow Connector 32">
+                  <a:extLst>
+                    <a:ext uri="{FF2B5EF4-FFF2-40B4-BE49-F238E27FC236}">
+                      <a16:creationId xmlns:a16="http://schemas.microsoft.com/office/drawing/2014/main" id="{306A3619-9B50-A605-EE14-40A625522B72}"/>
+                    </a:ext>
+                  </a:extLst>
+                </p:cNvPr>
+                <p:cNvCxnSpPr>
+                  <a:cxnSpLocks/>
+                </p:cNvCxnSpPr>
+                <p:nvPr/>
+              </p:nvCxnSpPr>
+              <p:spPr>
+                <a:xfrm>
+                  <a:off x="6280547" y="4884380"/>
+                  <a:ext cx="0" cy="148337"/>
+                </a:xfrm>
+                <a:prstGeom prst="straightConnector1">
+                  <a:avLst/>
+                </a:prstGeom>
+                <a:ln w="22225">
+                  <a:solidFill>
+                    <a:schemeClr val="tx1"/>
+                  </a:solidFill>
+                  <a:tailEnd type="none" w="med" len="lg"/>
+                </a:ln>
+              </p:spPr>
+              <p:style>
+                <a:lnRef idx="2">
+                  <a:schemeClr val="accent1"/>
+                </a:lnRef>
+                <a:fillRef idx="0">
+                  <a:schemeClr val="accent1"/>
+                </a:fillRef>
+                <a:effectRef idx="1">
+                  <a:schemeClr val="accent1"/>
+                </a:effectRef>
+                <a:fontRef idx="minor">
+                  <a:schemeClr val="tx1"/>
+                </a:fontRef>
+              </p:style>
+            </p:cxnSp>
+          </p:grpSp>
+          <p:cxnSp>
+            <p:nvCxnSpPr>
+              <p:cNvPr id="34" name="Straight Arrow Connector 33">
+                <a:extLst>
+                  <a:ext uri="{FF2B5EF4-FFF2-40B4-BE49-F238E27FC236}">
+                    <a16:creationId xmlns:a16="http://schemas.microsoft.com/office/drawing/2014/main" id="{BC7247DA-AD2E-D000-7AAE-C84A15C276DB}"/>
+                  </a:ext>
+                </a:extLst>
+              </p:cNvPr>
+              <p:cNvCxnSpPr>
+                <a:cxnSpLocks/>
+              </p:cNvCxnSpPr>
+              <p:nvPr/>
+            </p:nvCxnSpPr>
+            <p:spPr>
+              <a:xfrm>
+                <a:off x="6366115" y="4869685"/>
+                <a:ext cx="0" cy="148337"/>
+              </a:xfrm>
+              <a:prstGeom prst="straightConnector1">
+                <a:avLst/>
+              </a:prstGeom>
+              <a:ln w="22225">
+                <a:solidFill>
+                  <a:schemeClr val="tx1"/>
+                </a:solidFill>
+                <a:tailEnd type="none" w="med" len="lg"/>
+              </a:ln>
+            </p:spPr>
+            <p:style>
+              <a:lnRef idx="2">
+                <a:schemeClr val="accent1"/>
+              </a:lnRef>
+              <a:fillRef idx="0">
+                <a:schemeClr val="accent1"/>
+              </a:fillRef>
+              <a:effectRef idx="1">
+                <a:schemeClr val="accent1"/>
+              </a:effectRef>
+              <a:fontRef idx="minor">
+                <a:schemeClr val="tx1"/>
+              </a:fontRef>
+            </p:style>
+          </p:cxnSp>
+        </p:grpSp>
+        <p:cxnSp>
+          <p:nvCxnSpPr>
+            <p:cNvPr id="35" name="Straight Arrow Connector 34">
+              <a:extLst>
+                <a:ext uri="{FF2B5EF4-FFF2-40B4-BE49-F238E27FC236}">
+                  <a16:creationId xmlns:a16="http://schemas.microsoft.com/office/drawing/2014/main" id="{9C34B749-BAD0-E5A7-E6CF-1CEB42FDB9D2}"/>
+                </a:ext>
+              </a:extLst>
+            </p:cNvPr>
+            <p:cNvCxnSpPr>
+              <a:cxnSpLocks/>
+            </p:cNvCxnSpPr>
+            <p:nvPr/>
+          </p:nvCxnSpPr>
+          <p:spPr>
+            <a:xfrm>
+              <a:off x="6322880" y="4874630"/>
+              <a:ext cx="0" cy="148337"/>
+            </a:xfrm>
+            <a:prstGeom prst="straightConnector1">
+              <a:avLst/>
+            </a:prstGeom>
+            <a:ln w="22225">
+              <a:solidFill>
+                <a:schemeClr val="tx1"/>
+              </a:solidFill>
+              <a:tailEnd type="none" w="med" len="lg"/>
+            </a:ln>
+          </p:spPr>
+          <p:style>
+            <a:lnRef idx="2">
+              <a:schemeClr val="accent1"/>
+            </a:lnRef>
+            <a:fillRef idx="0">
+              <a:schemeClr val="accent1"/>
+            </a:fillRef>
+            <a:effectRef idx="1">
+              <a:schemeClr val="accent1"/>
+            </a:effectRef>
+            <a:fontRef idx="minor">
+              <a:schemeClr val="tx1"/>
+            </a:fontRef>
+          </p:style>
+        </p:cxnSp>
+      </p:grpSp>
+      <mc:AlternateContent xmlns:mc="http://schemas.openxmlformats.org/markup-compatibility/2006">
+        <mc:Choice xmlns:a14="http://schemas.microsoft.com/office/drawing/2010/main" Requires="a14">
+          <p:sp>
+            <p:nvSpPr>
+              <p:cNvPr id="51" name="TextBox 50">
+                <a:extLst>
+                  <a:ext uri="{FF2B5EF4-FFF2-40B4-BE49-F238E27FC236}">
+                    <a16:creationId xmlns:a16="http://schemas.microsoft.com/office/drawing/2014/main" id="{A87E459C-7549-5C23-8137-C7A2ABED478D}"/>
+                  </a:ext>
+                </a:extLst>
+              </p:cNvPr>
+              <p:cNvSpPr txBox="1"/>
+              <p:nvPr/>
+            </p:nvSpPr>
+            <p:spPr>
+              <a:xfrm>
+                <a:off x="6640193" y="2223736"/>
+                <a:ext cx="315086" cy="276999"/>
+              </a:xfrm>
+              <a:prstGeom prst="rect">
+                <a:avLst/>
+              </a:prstGeom>
+              <a:noFill/>
+            </p:spPr>
+            <p:txBody>
+              <a:bodyPr wrap="none" lIns="0" tIns="0" rIns="0" bIns="0" rtlCol="0">
+                <a:spAutoFit/>
+              </a:bodyPr>
+              <a:lstStyle/>
+              <a:p>
+                <a:pPr/>
+                <a14:m>
+                  <m:oMathPara xmlns:m="http://schemas.openxmlformats.org/officeDocument/2006/math">
+                    <m:oMathParaPr>
+                      <m:jc m:val="centerGroup"/>
+                    </m:oMathParaPr>
+                    <m:oMath xmlns:m="http://schemas.openxmlformats.org/officeDocument/2006/math">
+                      <m:sSub>
+                        <m:sSubPr>
+                          <m:ctrlPr>
+                            <a:rPr lang="en-US" i="1" smtClean="0">
+                              <a:latin typeface="Cambria Math" panose="02040503050406030204" pitchFamily="18" charset="0"/>
+                              <a:ea typeface="Cambria Math" panose="02040503050406030204" pitchFamily="18" charset="0"/>
+                            </a:rPr>
+                          </m:ctrlPr>
+                        </m:sSubPr>
+                        <m:e>
+                          <m:r>
+                            <a:rPr lang="en-US" i="1">
+                              <a:latin typeface="Cambria Math" panose="02040503050406030204" pitchFamily="18" charset="0"/>
+                              <a:ea typeface="Cambria Math" panose="02040503050406030204" pitchFamily="18" charset="0"/>
+                            </a:rPr>
+                            <m:t>𝑚</m:t>
+                          </m:r>
+                        </m:e>
+                        <m:sub>
+                          <m:r>
+                            <a:rPr lang="en-US" b="0" i="1" smtClean="0">
+                              <a:latin typeface="Cambria Math" panose="02040503050406030204" pitchFamily="18" charset="0"/>
+                              <a:ea typeface="Cambria Math" panose="02040503050406030204" pitchFamily="18" charset="0"/>
+                            </a:rPr>
+                            <m:t>𝑖</m:t>
+                          </m:r>
+                        </m:sub>
+                      </m:sSub>
+                    </m:oMath>
+                  </m:oMathPara>
+                </a14:m>
+                <a:endParaRPr lang="en-US" dirty="0"/>
+              </a:p>
+            </p:txBody>
+          </p:sp>
+        </mc:Choice>
+        <mc:Fallback>
+          <p:sp>
+            <p:nvSpPr>
+              <p:cNvPr id="51" name="TextBox 50">
+                <a:extLst>
+                  <a:ext uri="{FF2B5EF4-FFF2-40B4-BE49-F238E27FC236}">
+                    <a16:creationId xmlns:a16="http://schemas.microsoft.com/office/drawing/2014/main" id="{A87E459C-7549-5C23-8137-C7A2ABED478D}"/>
+                  </a:ext>
+                </a:extLst>
+              </p:cNvPr>
+              <p:cNvSpPr txBox="1">
+                <a:spLocks noRot="1" noChangeAspect="1" noMove="1" noResize="1" noEditPoints="1" noAdjustHandles="1" noChangeArrowheads="1" noChangeShapeType="1" noTextEdit="1"/>
+              </p:cNvSpPr>
+              <p:nvPr/>
+            </p:nvSpPr>
+            <p:spPr>
+              <a:xfrm>
+                <a:off x="6640193" y="2223736"/>
+                <a:ext cx="315086" cy="276999"/>
+              </a:xfrm>
+              <a:prstGeom prst="rect">
+                <a:avLst/>
+              </a:prstGeom>
+              <a:blipFill>
+                <a:blip r:embed="rId6"/>
+                <a:stretch>
+                  <a:fillRect l="-11538" r="-9615" b="-17778"/>
+                </a:stretch>
+              </a:blipFill>
+            </p:spPr>
+            <p:txBody>
+              <a:bodyPr/>
+              <a:lstStyle/>
+              <a:p>
+                <a:r>
+                  <a:rPr lang="en-US">
+                    <a:noFill/>
+                  </a:rPr>
+                  <a:t> </a:t>
+                </a:r>
+              </a:p>
+            </p:txBody>
+          </p:sp>
+        </mc:Fallback>
+      </mc:AlternateContent>
+      <p:sp>
+        <p:nvSpPr>
+          <p:cNvPr id="69" name="Oval 68">
+            <a:extLst>
+              <a:ext uri="{FF2B5EF4-FFF2-40B4-BE49-F238E27FC236}">
+                <a16:creationId xmlns:a16="http://schemas.microsoft.com/office/drawing/2014/main" id="{8AA8A0CA-3160-0D34-0BBE-1E3BAE61A415}"/>
+              </a:ext>
+            </a:extLst>
+          </p:cNvPr>
+          <p:cNvSpPr/>
+          <p:nvPr/>
+        </p:nvSpPr>
+        <p:spPr>
+          <a:xfrm>
+            <a:off x="3430131" y="3886833"/>
+            <a:ext cx="1706809" cy="1706809"/>
+          </a:xfrm>
+          <a:prstGeom prst="ellipse">
+            <a:avLst/>
+          </a:prstGeom>
+          <a:solidFill>
+            <a:schemeClr val="tx2">
+              <a:lumMod val="10000"/>
+              <a:lumOff val="90000"/>
+              <a:alpha val="46000"/>
+            </a:schemeClr>
+          </a:solidFill>
+        </p:spPr>
+        <p:style>
+          <a:lnRef idx="2">
+            <a:schemeClr val="accent1">
+              <a:shade val="15000"/>
+            </a:schemeClr>
+          </a:lnRef>
+          <a:fillRef idx="1">
+            <a:schemeClr val="accent1"/>
+          </a:fillRef>
+          <a:effectRef idx="0">
+            <a:schemeClr val="accent1"/>
+          </a:effectRef>
+          <a:fontRef idx="minor">
+            <a:schemeClr val="lt1"/>
+          </a:fontRef>
+        </p:style>
+        <p:txBody>
+          <a:bodyPr rtlCol="0" anchor="ctr"/>
+          <a:lstStyle/>
+          <a:p>
+            <a:pPr algn="ctr"/>
+            <a:endParaRPr lang="en-US"/>
+          </a:p>
+        </p:txBody>
+      </p:sp>
+      <p:sp>
+        <p:nvSpPr>
+          <p:cNvPr id="76" name="Freeform: Shape 75">
+            <a:extLst>
+              <a:ext uri="{FF2B5EF4-FFF2-40B4-BE49-F238E27FC236}">
+                <a16:creationId xmlns:a16="http://schemas.microsoft.com/office/drawing/2014/main" id="{A360DDD2-3EA2-848E-C1B8-716FD6E0292B}"/>
+              </a:ext>
+            </a:extLst>
+          </p:cNvPr>
+          <p:cNvSpPr/>
+          <p:nvPr/>
+        </p:nvSpPr>
+        <p:spPr>
+          <a:xfrm>
+            <a:off x="3800003" y="4256705"/>
+            <a:ext cx="967066" cy="967066"/>
+          </a:xfrm>
+          <a:custGeom>
+            <a:avLst/>
+            <a:gdLst>
+              <a:gd name="connsiteX0" fmla="*/ 536297 w 1072594"/>
+              <a:gd name="connsiteY0" fmla="*/ 182022 h 1072594"/>
+              <a:gd name="connsiteX1" fmla="*/ 182022 w 1072594"/>
+              <a:gd name="connsiteY1" fmla="*/ 536297 h 1072594"/>
+              <a:gd name="connsiteX2" fmla="*/ 536297 w 1072594"/>
+              <a:gd name="connsiteY2" fmla="*/ 890572 h 1072594"/>
+              <a:gd name="connsiteX3" fmla="*/ 890572 w 1072594"/>
+              <a:gd name="connsiteY3" fmla="*/ 536297 h 1072594"/>
+              <a:gd name="connsiteX4" fmla="*/ 536297 w 1072594"/>
+              <a:gd name="connsiteY4" fmla="*/ 182022 h 1072594"/>
+              <a:gd name="connsiteX5" fmla="*/ 536297 w 1072594"/>
+              <a:gd name="connsiteY5" fmla="*/ 0 h 1072594"/>
+              <a:gd name="connsiteX6" fmla="*/ 1072594 w 1072594"/>
+              <a:gd name="connsiteY6" fmla="*/ 536297 h 1072594"/>
+              <a:gd name="connsiteX7" fmla="*/ 536297 w 1072594"/>
+              <a:gd name="connsiteY7" fmla="*/ 1072594 h 1072594"/>
+              <a:gd name="connsiteX8" fmla="*/ 0 w 1072594"/>
+              <a:gd name="connsiteY8" fmla="*/ 536297 h 1072594"/>
+              <a:gd name="connsiteX9" fmla="*/ 536297 w 1072594"/>
+              <a:gd name="connsiteY9" fmla="*/ 0 h 1072594"/>
+            </a:gdLst>
+            <a:ahLst/>
+            <a:cxnLst>
+              <a:cxn ang="0">
+                <a:pos x="connsiteX0" y="connsiteY0"/>
+              </a:cxn>
+              <a:cxn ang="0">
+                <a:pos x="connsiteX1" y="connsiteY1"/>
+              </a:cxn>
+              <a:cxn ang="0">
+                <a:pos x="connsiteX2" y="connsiteY2"/>
+              </a:cxn>
+              <a:cxn ang="0">
+                <a:pos x="connsiteX3" y="connsiteY3"/>
+              </a:cxn>
+              <a:cxn ang="0">
+                <a:pos x="connsiteX4" y="connsiteY4"/>
+              </a:cxn>
+              <a:cxn ang="0">
+                <a:pos x="connsiteX5" y="connsiteY5"/>
+              </a:cxn>
+              <a:cxn ang="0">
+                <a:pos x="connsiteX6" y="connsiteY6"/>
+              </a:cxn>
+              <a:cxn ang="0">
+                <a:pos x="connsiteX7" y="connsiteY7"/>
+              </a:cxn>
+              <a:cxn ang="0">
+                <a:pos x="connsiteX8" y="connsiteY8"/>
+              </a:cxn>
+              <a:cxn ang="0">
+                <a:pos x="connsiteX9" y="connsiteY9"/>
+              </a:cxn>
+            </a:cxnLst>
+            <a:rect l="l" t="t" r="r" b="b"/>
+            <a:pathLst>
+              <a:path w="1072594" h="1072594">
+                <a:moveTo>
+                  <a:pt x="536297" y="182022"/>
+                </a:moveTo>
+                <a:cubicBezTo>
+                  <a:pt x="340636" y="182022"/>
+                  <a:pt x="182022" y="340636"/>
+                  <a:pt x="182022" y="536297"/>
+                </a:cubicBezTo>
+                <a:cubicBezTo>
+                  <a:pt x="182022" y="731958"/>
+                  <a:pt x="340636" y="890572"/>
+                  <a:pt x="536297" y="890572"/>
+                </a:cubicBezTo>
+                <a:cubicBezTo>
+                  <a:pt x="731958" y="890572"/>
+                  <a:pt x="890572" y="731958"/>
+                  <a:pt x="890572" y="536297"/>
+                </a:cubicBezTo>
+                <a:cubicBezTo>
+                  <a:pt x="890572" y="340636"/>
+                  <a:pt x="731958" y="182022"/>
+                  <a:pt x="536297" y="182022"/>
+                </a:cubicBezTo>
+                <a:close/>
+                <a:moveTo>
+                  <a:pt x="536297" y="0"/>
+                </a:moveTo>
+                <a:cubicBezTo>
+                  <a:pt x="832486" y="0"/>
+                  <a:pt x="1072594" y="240108"/>
+                  <a:pt x="1072594" y="536297"/>
+                </a:cubicBezTo>
+                <a:cubicBezTo>
+                  <a:pt x="1072594" y="832486"/>
+                  <a:pt x="832486" y="1072594"/>
+                  <a:pt x="536297" y="1072594"/>
+                </a:cubicBezTo>
+                <a:cubicBezTo>
+                  <a:pt x="240108" y="1072594"/>
+                  <a:pt x="0" y="832486"/>
+                  <a:pt x="0" y="536297"/>
+                </a:cubicBezTo>
+                <a:cubicBezTo>
+                  <a:pt x="0" y="240108"/>
+                  <a:pt x="240108" y="0"/>
+                  <a:pt x="536297" y="0"/>
+                </a:cubicBezTo>
+                <a:close/>
+              </a:path>
+            </a:pathLst>
+          </a:custGeom>
+          <a:pattFill prst="dkUpDiag">
+            <a:fgClr>
+              <a:schemeClr val="accent6">
+                <a:lumMod val="60000"/>
+                <a:lumOff val="40000"/>
+              </a:schemeClr>
+            </a:fgClr>
+            <a:bgClr>
+              <a:schemeClr val="bg1"/>
+            </a:bgClr>
+          </a:pattFill>
+          <a:ln>
+            <a:prstDash val="dash"/>
+          </a:ln>
+        </p:spPr>
+        <p:style>
+          <a:lnRef idx="2">
+            <a:schemeClr val="accent1">
+              <a:shade val="15000"/>
+            </a:schemeClr>
+          </a:lnRef>
+          <a:fillRef idx="1">
+            <a:schemeClr val="accent1"/>
+          </a:fillRef>
+          <a:effectRef idx="0">
+            <a:schemeClr val="accent1"/>
+          </a:effectRef>
+          <a:fontRef idx="minor">
+            <a:schemeClr val="lt1"/>
+          </a:fontRef>
+        </p:style>
+        <p:txBody>
+          <a:bodyPr wrap="square" rtlCol="0" anchor="ctr">
+            <a:noAutofit/>
+          </a:bodyPr>
+          <a:lstStyle/>
+          <a:p>
+            <a:pPr algn="ctr"/>
+            <a:endParaRPr lang="en-US" dirty="0"/>
+          </a:p>
+        </p:txBody>
+      </p:sp>
+      <p:cxnSp>
+        <p:nvCxnSpPr>
+          <p:cNvPr id="77" name="Straight Arrow Connector 76">
+            <a:extLst>
+              <a:ext uri="{FF2B5EF4-FFF2-40B4-BE49-F238E27FC236}">
+                <a16:creationId xmlns:a16="http://schemas.microsoft.com/office/drawing/2014/main" id="{7017A853-7D7E-5705-3A80-5C178A5D26DF}"/>
+              </a:ext>
+            </a:extLst>
+          </p:cNvPr>
+          <p:cNvCxnSpPr>
+            <a:cxnSpLocks/>
+          </p:cNvCxnSpPr>
+          <p:nvPr/>
+        </p:nvCxnSpPr>
+        <p:spPr>
+          <a:xfrm flipV="1">
+            <a:off x="4283535" y="4473486"/>
+            <a:ext cx="183206" cy="270202"/>
+          </a:xfrm>
+          <a:prstGeom prst="straightConnector1">
+            <a:avLst/>
+          </a:prstGeom>
+          <a:ln w="22225">
+            <a:solidFill>
+              <a:schemeClr val="tx1"/>
+            </a:solidFill>
+            <a:tailEnd type="stealth" w="med" len="lg"/>
+          </a:ln>
+        </p:spPr>
+        <p:style>
+          <a:lnRef idx="2">
+            <a:schemeClr val="accent1"/>
+          </a:lnRef>
+          <a:fillRef idx="0">
+            <a:schemeClr val="accent1"/>
+          </a:fillRef>
+          <a:effectRef idx="1">
+            <a:schemeClr val="accent1"/>
+          </a:effectRef>
+          <a:fontRef idx="minor">
+            <a:schemeClr val="tx1"/>
+          </a:fontRef>
+        </p:style>
+      </p:cxnSp>
+      <p:sp>
+        <p:nvSpPr>
+          <p:cNvPr id="78" name="Oval 77">
+            <a:extLst>
+              <a:ext uri="{FF2B5EF4-FFF2-40B4-BE49-F238E27FC236}">
+                <a16:creationId xmlns:a16="http://schemas.microsoft.com/office/drawing/2014/main" id="{1803867E-95F9-A29A-D31D-B77FFEEC097D}"/>
+              </a:ext>
+            </a:extLst>
+          </p:cNvPr>
+          <p:cNvSpPr/>
+          <p:nvPr/>
+        </p:nvSpPr>
+        <p:spPr>
+          <a:xfrm>
+            <a:off x="4240301" y="4701182"/>
+            <a:ext cx="86471" cy="81400"/>
+          </a:xfrm>
+          <a:prstGeom prst="ellipse">
+            <a:avLst/>
+          </a:prstGeom>
+          <a:solidFill>
+            <a:schemeClr val="tx1"/>
+          </a:solidFill>
+          <a:ln>
+            <a:noFill/>
+          </a:ln>
+        </p:spPr>
+        <p:style>
+          <a:lnRef idx="2">
+            <a:schemeClr val="accent1">
+              <a:shade val="15000"/>
+            </a:schemeClr>
+          </a:lnRef>
+          <a:fillRef idx="1">
+            <a:schemeClr val="accent1"/>
+          </a:fillRef>
+          <a:effectRef idx="0">
+            <a:schemeClr val="accent1"/>
+          </a:effectRef>
+          <a:fontRef idx="minor">
+            <a:schemeClr val="lt1"/>
+          </a:fontRef>
+        </p:style>
+        <p:txBody>
+          <a:bodyPr rtlCol="0" anchor="ctr"/>
+          <a:lstStyle/>
+          <a:p>
+            <a:pPr algn="ctr"/>
+            <a:endParaRPr lang="en-US"/>
+          </a:p>
+        </p:txBody>
+      </p:sp>
+      <p:cxnSp>
+        <p:nvCxnSpPr>
+          <p:cNvPr id="80" name="Straight Arrow Connector 79">
+            <a:extLst>
+              <a:ext uri="{FF2B5EF4-FFF2-40B4-BE49-F238E27FC236}">
+                <a16:creationId xmlns:a16="http://schemas.microsoft.com/office/drawing/2014/main" id="{484E7907-54B7-3942-2BC7-11EFC30A6D2D}"/>
+              </a:ext>
+            </a:extLst>
+          </p:cNvPr>
+          <p:cNvCxnSpPr>
+            <a:cxnSpLocks/>
+          </p:cNvCxnSpPr>
+          <p:nvPr/>
+        </p:nvCxnSpPr>
+        <p:spPr>
+          <a:xfrm>
+            <a:off x="4306957" y="4860442"/>
+            <a:ext cx="64524" cy="200053"/>
+          </a:xfrm>
+          <a:prstGeom prst="straightConnector1">
+            <a:avLst/>
+          </a:prstGeom>
+          <a:ln w="22225">
+            <a:solidFill>
+              <a:schemeClr val="tx1"/>
+            </a:solidFill>
+            <a:tailEnd type="stealth" w="med" len="lg"/>
+          </a:ln>
+        </p:spPr>
+        <p:style>
+          <a:lnRef idx="2">
+            <a:schemeClr val="accent1"/>
+          </a:lnRef>
+          <a:fillRef idx="0">
+            <a:schemeClr val="accent1"/>
+          </a:fillRef>
+          <a:effectRef idx="1">
+            <a:schemeClr val="accent1"/>
+          </a:effectRef>
+          <a:fontRef idx="minor">
+            <a:schemeClr val="tx1"/>
+          </a:fontRef>
+        </p:style>
+      </p:cxnSp>
+      <p:cxnSp>
+        <p:nvCxnSpPr>
+          <p:cNvPr id="84" name="Straight Arrow Connector 83">
+            <a:extLst>
+              <a:ext uri="{FF2B5EF4-FFF2-40B4-BE49-F238E27FC236}">
+                <a16:creationId xmlns:a16="http://schemas.microsoft.com/office/drawing/2014/main" id="{115DDD48-BD96-1FA2-6AA6-717B083DFACB}"/>
+              </a:ext>
+            </a:extLst>
+          </p:cNvPr>
+          <p:cNvCxnSpPr>
+            <a:cxnSpLocks/>
+          </p:cNvCxnSpPr>
+          <p:nvPr/>
+        </p:nvCxnSpPr>
+        <p:spPr>
+          <a:xfrm flipH="1" flipV="1">
+            <a:off x="4421928" y="5194064"/>
+            <a:ext cx="97876" cy="246221"/>
+          </a:xfrm>
+          <a:prstGeom prst="straightConnector1">
+            <a:avLst/>
+          </a:prstGeom>
+          <a:ln w="19050">
+            <a:solidFill>
+              <a:schemeClr val="tx1"/>
+            </a:solidFill>
+            <a:tailEnd type="stealth" w="med" len="lg"/>
+          </a:ln>
+        </p:spPr>
+        <p:style>
+          <a:lnRef idx="2">
+            <a:schemeClr val="accent1"/>
+          </a:lnRef>
+          <a:fillRef idx="0">
+            <a:schemeClr val="accent1"/>
+          </a:fillRef>
+          <a:effectRef idx="1">
+            <a:schemeClr val="accent1"/>
+          </a:effectRef>
+          <a:fontRef idx="minor">
+            <a:schemeClr val="tx1"/>
+          </a:fontRef>
+        </p:style>
+      </p:cxnSp>
+      <mc:AlternateContent xmlns:mc="http://schemas.openxmlformats.org/markup-compatibility/2006">
+        <mc:Choice xmlns:a14="http://schemas.microsoft.com/office/drawing/2010/main" Requires="a14">
+          <p:sp>
+            <p:nvSpPr>
+              <p:cNvPr id="91" name="TextBox 90">
+                <a:extLst>
+                  <a:ext uri="{FF2B5EF4-FFF2-40B4-BE49-F238E27FC236}">
+                    <a16:creationId xmlns:a16="http://schemas.microsoft.com/office/drawing/2014/main" id="{74A9911E-DD73-6A72-D61E-DD3A115816DD}"/>
+                  </a:ext>
+                </a:extLst>
+              </p:cNvPr>
+              <p:cNvSpPr txBox="1"/>
+              <p:nvPr/>
+            </p:nvSpPr>
+            <p:spPr>
+              <a:xfrm>
+                <a:off x="4101283" y="4420167"/>
+                <a:ext cx="411347" cy="276999"/>
+              </a:xfrm>
+              <a:prstGeom prst="rect">
+                <a:avLst/>
+              </a:prstGeom>
+              <a:noFill/>
+            </p:spPr>
+            <p:txBody>
+              <a:bodyPr wrap="square" lIns="0" tIns="0" rIns="0" bIns="0" rtlCol="0">
+                <a:spAutoFit/>
+              </a:bodyPr>
+              <a:lstStyle/>
+              <a:p>
+                <a:pPr/>
+                <a14:m>
+                  <m:oMathPara xmlns:m="http://schemas.openxmlformats.org/officeDocument/2006/math">
+                    <m:oMathParaPr>
+                      <m:jc m:val="centerGroup"/>
+                    </m:oMathParaPr>
+                    <m:oMath xmlns:m="http://schemas.openxmlformats.org/officeDocument/2006/math">
+                      <m:r>
+                        <a:rPr lang="en-US" b="0" i="1" smtClean="0">
+                          <a:latin typeface="Cambria Math" panose="02040503050406030204" pitchFamily="18" charset="0"/>
+                        </a:rPr>
+                        <m:t>𝑟</m:t>
+                      </m:r>
+                    </m:oMath>
+                  </m:oMathPara>
+                </a14:m>
+                <a:endParaRPr lang="en-US" dirty="0"/>
+              </a:p>
+            </p:txBody>
+          </p:sp>
+        </mc:Choice>
+        <mc:Fallback>
+          <p:sp>
+            <p:nvSpPr>
+              <p:cNvPr id="91" name="TextBox 90">
+                <a:extLst>
+                  <a:ext uri="{FF2B5EF4-FFF2-40B4-BE49-F238E27FC236}">
+                    <a16:creationId xmlns:a16="http://schemas.microsoft.com/office/drawing/2014/main" id="{74A9911E-DD73-6A72-D61E-DD3A115816DD}"/>
+                  </a:ext>
+                </a:extLst>
+              </p:cNvPr>
+              <p:cNvSpPr txBox="1">
+                <a:spLocks noRot="1" noChangeAspect="1" noMove="1" noResize="1" noEditPoints="1" noAdjustHandles="1" noChangeArrowheads="1" noChangeShapeType="1" noTextEdit="1"/>
+              </p:cNvSpPr>
+              <p:nvPr/>
+            </p:nvSpPr>
+            <p:spPr>
+              <a:xfrm>
+                <a:off x="4101283" y="4420167"/>
+                <a:ext cx="411347" cy="276999"/>
+              </a:xfrm>
+              <a:prstGeom prst="rect">
+                <a:avLst/>
+              </a:prstGeom>
+              <a:blipFill>
+                <a:blip r:embed="rId7"/>
+                <a:stretch>
+                  <a:fillRect/>
+                </a:stretch>
+              </a:blipFill>
+            </p:spPr>
+            <p:txBody>
+              <a:bodyPr/>
+              <a:lstStyle/>
+              <a:p>
+                <a:r>
+                  <a:rPr lang="en-US">
+                    <a:noFill/>
+                  </a:rPr>
+                  <a:t> </a:t>
+                </a:r>
+              </a:p>
+            </p:txBody>
+          </p:sp>
+        </mc:Fallback>
+      </mc:AlternateContent>
+      <mc:AlternateContent xmlns:mc="http://schemas.openxmlformats.org/markup-compatibility/2006">
+        <mc:Choice xmlns:a14="http://schemas.microsoft.com/office/drawing/2010/main" Requires="a14">
+          <p:sp>
+            <p:nvSpPr>
+              <p:cNvPr id="92" name="TextBox 91">
+                <a:extLst>
+                  <a:ext uri="{FF2B5EF4-FFF2-40B4-BE49-F238E27FC236}">
+                    <a16:creationId xmlns:a16="http://schemas.microsoft.com/office/drawing/2014/main" id="{67AC7BA9-E42E-6811-E219-5A39F600A175}"/>
+                  </a:ext>
+                </a:extLst>
+              </p:cNvPr>
+              <p:cNvSpPr txBox="1"/>
+              <p:nvPr/>
+            </p:nvSpPr>
+            <p:spPr>
+              <a:xfrm>
+                <a:off x="4467662" y="5172259"/>
+                <a:ext cx="304487" cy="246221"/>
+              </a:xfrm>
+              <a:prstGeom prst="rect">
+                <a:avLst/>
+              </a:prstGeom>
+              <a:noFill/>
+            </p:spPr>
+            <p:txBody>
+              <a:bodyPr wrap="square" lIns="0" tIns="0" rIns="0" bIns="0" rtlCol="0">
+                <a:spAutoFit/>
+              </a:bodyPr>
+              <a:lstStyle/>
+              <a:p>
+                <a:pPr/>
+                <a14:m>
+                  <m:oMathPara xmlns:m="http://schemas.openxmlformats.org/officeDocument/2006/math">
+                    <m:oMathParaPr>
+                      <m:jc m:val="centerGroup"/>
+                    </m:oMathParaPr>
+                    <m:oMath xmlns:m="http://schemas.openxmlformats.org/officeDocument/2006/math">
+                      <m:r>
+                        <a:rPr lang="en-US" sz="1600" b="0" i="1" smtClean="0">
+                          <a:latin typeface="Cambria Math" panose="02040503050406030204" pitchFamily="18" charset="0"/>
+                          <a:ea typeface="Cambria Math" panose="02040503050406030204" pitchFamily="18" charset="0"/>
+                        </a:rPr>
+                        <m:t>∆</m:t>
+                      </m:r>
+                      <m:r>
+                        <a:rPr lang="en-US" sz="1600" b="0" i="1" smtClean="0">
+                          <a:latin typeface="Cambria Math" panose="02040503050406030204" pitchFamily="18" charset="0"/>
+                        </a:rPr>
+                        <m:t>𝑟</m:t>
+                      </m:r>
+                    </m:oMath>
+                  </m:oMathPara>
+                </a14:m>
+                <a:endParaRPr lang="en-US" sz="1600" dirty="0"/>
+              </a:p>
+            </p:txBody>
+          </p:sp>
+        </mc:Choice>
+        <mc:Fallback>
+          <p:sp>
+            <p:nvSpPr>
+              <p:cNvPr id="92" name="TextBox 91">
+                <a:extLst>
+                  <a:ext uri="{FF2B5EF4-FFF2-40B4-BE49-F238E27FC236}">
+                    <a16:creationId xmlns:a16="http://schemas.microsoft.com/office/drawing/2014/main" id="{67AC7BA9-E42E-6811-E219-5A39F600A175}"/>
+                  </a:ext>
+                </a:extLst>
+              </p:cNvPr>
+              <p:cNvSpPr txBox="1">
+                <a:spLocks noRot="1" noChangeAspect="1" noMove="1" noResize="1" noEditPoints="1" noAdjustHandles="1" noChangeArrowheads="1" noChangeShapeType="1" noTextEdit="1"/>
+              </p:cNvSpPr>
+              <p:nvPr/>
+            </p:nvSpPr>
+            <p:spPr>
+              <a:xfrm>
+                <a:off x="4467662" y="5172259"/>
+                <a:ext cx="304487" cy="246221"/>
+              </a:xfrm>
+              <a:prstGeom prst="rect">
+                <a:avLst/>
+              </a:prstGeom>
+              <a:blipFill>
+                <a:blip r:embed="rId8"/>
+                <a:stretch>
+                  <a:fillRect l="-10000" r="-2000" b="-4878"/>
+                </a:stretch>
+              </a:blipFill>
+            </p:spPr>
+            <p:txBody>
+              <a:bodyPr/>
+              <a:lstStyle/>
+              <a:p>
+                <a:r>
+                  <a:rPr lang="en-US">
+                    <a:noFill/>
+                  </a:rPr>
+                  <a:t> </a:t>
+                </a:r>
+              </a:p>
+            </p:txBody>
+          </p:sp>
+        </mc:Fallback>
+      </mc:AlternateContent>
+      <p:sp>
+        <p:nvSpPr>
+          <p:cNvPr id="94" name="Rectangle 93">
+            <a:extLst>
+              <a:ext uri="{FF2B5EF4-FFF2-40B4-BE49-F238E27FC236}">
+                <a16:creationId xmlns:a16="http://schemas.microsoft.com/office/drawing/2014/main" id="{14261607-CD76-82F2-9D4F-D7671B8A2CD8}"/>
+              </a:ext>
+            </a:extLst>
+          </p:cNvPr>
+          <p:cNvSpPr/>
+          <p:nvPr/>
+        </p:nvSpPr>
+        <p:spPr>
+          <a:xfrm>
+            <a:off x="6748143" y="4477028"/>
+            <a:ext cx="2342725" cy="163276"/>
+          </a:xfrm>
+          <a:prstGeom prst="rect">
+            <a:avLst/>
+          </a:prstGeom>
+          <a:pattFill prst="dkUpDiag">
+            <a:fgClr>
+              <a:schemeClr val="accent6">
+                <a:lumMod val="60000"/>
+                <a:lumOff val="40000"/>
+              </a:schemeClr>
+            </a:fgClr>
+            <a:bgClr>
+              <a:schemeClr val="bg1"/>
+            </a:bgClr>
+          </a:pattFill>
+          <a:ln>
+            <a:prstDash val="dash"/>
+          </a:ln>
+        </p:spPr>
+        <p:style>
+          <a:lnRef idx="2">
+            <a:schemeClr val="accent1">
+              <a:shade val="15000"/>
+            </a:schemeClr>
+          </a:lnRef>
+          <a:fillRef idx="1">
+            <a:schemeClr val="accent1"/>
+          </a:fillRef>
+          <a:effectRef idx="0">
+            <a:schemeClr val="accent1"/>
+          </a:effectRef>
+          <a:fontRef idx="minor">
+            <a:schemeClr val="lt1"/>
+          </a:fontRef>
+        </p:style>
+        <p:txBody>
+          <a:bodyPr wrap="square" rtlCol="0" anchor="ctr">
+            <a:noAutofit/>
+          </a:bodyPr>
+          <a:lstStyle/>
+          <a:p>
+            <a:pPr algn="ctr"/>
+            <a:endParaRPr lang="en-US" dirty="0"/>
+          </a:p>
+        </p:txBody>
+      </p:sp>
+      <mc:AlternateContent xmlns:mc="http://schemas.openxmlformats.org/markup-compatibility/2006">
+        <mc:Choice xmlns:a14="http://schemas.microsoft.com/office/drawing/2010/main" Requires="a14">
+          <p:sp>
+            <p:nvSpPr>
+              <p:cNvPr id="95" name="TextBox 94">
+                <a:extLst>
+                  <a:ext uri="{FF2B5EF4-FFF2-40B4-BE49-F238E27FC236}">
+                    <a16:creationId xmlns:a16="http://schemas.microsoft.com/office/drawing/2014/main" id="{23D61512-0F4E-C33B-C94A-EFCFD361D1ED}"/>
+                  </a:ext>
+                </a:extLst>
+              </p:cNvPr>
+              <p:cNvSpPr txBox="1"/>
+              <p:nvPr/>
+            </p:nvSpPr>
+            <p:spPr>
+              <a:xfrm>
+                <a:off x="7704579" y="4659471"/>
+                <a:ext cx="304487" cy="246221"/>
+              </a:xfrm>
+              <a:prstGeom prst="rect">
+                <a:avLst/>
+              </a:prstGeom>
+              <a:noFill/>
+            </p:spPr>
+            <p:txBody>
+              <a:bodyPr wrap="square" lIns="0" tIns="0" rIns="0" bIns="0" rtlCol="0">
+                <a:spAutoFit/>
+              </a:bodyPr>
+              <a:lstStyle/>
+              <a:p>
+                <a:pPr/>
+                <a14:m>
+                  <m:oMathPara xmlns:m="http://schemas.openxmlformats.org/officeDocument/2006/math">
+                    <m:oMathParaPr>
+                      <m:jc m:val="centerGroup"/>
+                    </m:oMathParaPr>
+                    <m:oMath xmlns:m="http://schemas.openxmlformats.org/officeDocument/2006/math">
+                      <m:r>
+                        <a:rPr lang="en-US" sz="1600" b="0" i="1" smtClean="0">
+                          <a:latin typeface="Cambria Math" panose="02040503050406030204" pitchFamily="18" charset="0"/>
+                          <a:ea typeface="Cambria Math" panose="02040503050406030204" pitchFamily="18" charset="0"/>
+                        </a:rPr>
+                        <m:t>2</m:t>
+                      </m:r>
+                      <m:r>
+                        <a:rPr lang="en-US" sz="1600" b="0" i="1" smtClean="0">
+                          <a:latin typeface="Cambria Math" panose="02040503050406030204" pitchFamily="18" charset="0"/>
+                          <a:ea typeface="Cambria Math" panose="02040503050406030204" pitchFamily="18" charset="0"/>
+                        </a:rPr>
+                        <m:t>𝜋</m:t>
+                      </m:r>
+                      <m:sSub>
+                        <m:sSubPr>
+                          <m:ctrlPr>
+                            <a:rPr lang="en-US" sz="1600" b="0" i="1" smtClean="0">
+                              <a:latin typeface="Cambria Math" panose="02040503050406030204" pitchFamily="18" charset="0"/>
+                              <a:ea typeface="Cambria Math" panose="02040503050406030204" pitchFamily="18" charset="0"/>
+                            </a:rPr>
+                          </m:ctrlPr>
+                        </m:sSubPr>
+                        <m:e>
+                          <m:r>
+                            <a:rPr lang="en-US" sz="1600" b="0" i="1" smtClean="0">
+                              <a:latin typeface="Cambria Math" panose="02040503050406030204" pitchFamily="18" charset="0"/>
+                              <a:ea typeface="Cambria Math" panose="02040503050406030204" pitchFamily="18" charset="0"/>
+                            </a:rPr>
+                            <m:t>𝑟</m:t>
+                          </m:r>
+                        </m:e>
+                        <m:sub>
+                          <m:r>
+                            <a:rPr lang="en-US" sz="1600" b="0" i="1" smtClean="0">
+                              <a:latin typeface="Cambria Math" panose="02040503050406030204" pitchFamily="18" charset="0"/>
+                              <a:ea typeface="Cambria Math" panose="02040503050406030204" pitchFamily="18" charset="0"/>
+                            </a:rPr>
+                            <m:t>𝑖</m:t>
+                          </m:r>
+                        </m:sub>
+                      </m:sSub>
+                    </m:oMath>
+                  </m:oMathPara>
+                </a14:m>
+                <a:endParaRPr lang="en-US" sz="1600" dirty="0"/>
+              </a:p>
+            </p:txBody>
+          </p:sp>
+        </mc:Choice>
+        <mc:Fallback>
+          <p:sp>
+            <p:nvSpPr>
+              <p:cNvPr id="95" name="TextBox 94">
+                <a:extLst>
+                  <a:ext uri="{FF2B5EF4-FFF2-40B4-BE49-F238E27FC236}">
+                    <a16:creationId xmlns:a16="http://schemas.microsoft.com/office/drawing/2014/main" id="{23D61512-0F4E-C33B-C94A-EFCFD361D1ED}"/>
+                  </a:ext>
+                </a:extLst>
+              </p:cNvPr>
+              <p:cNvSpPr txBox="1">
+                <a:spLocks noRot="1" noChangeAspect="1" noMove="1" noResize="1" noEditPoints="1" noAdjustHandles="1" noChangeArrowheads="1" noChangeShapeType="1" noTextEdit="1"/>
+              </p:cNvSpPr>
+              <p:nvPr/>
+            </p:nvSpPr>
+            <p:spPr>
+              <a:xfrm>
+                <a:off x="7704579" y="4659471"/>
+                <a:ext cx="304487" cy="246221"/>
+              </a:xfrm>
+              <a:prstGeom prst="rect">
+                <a:avLst/>
+              </a:prstGeom>
+              <a:blipFill>
+                <a:blip r:embed="rId9"/>
+                <a:stretch>
+                  <a:fillRect l="-24000" r="-36000" b="-14634"/>
+                </a:stretch>
+              </a:blipFill>
+            </p:spPr>
+            <p:txBody>
+              <a:bodyPr/>
+              <a:lstStyle/>
+              <a:p>
+                <a:r>
+                  <a:rPr lang="en-US">
+                    <a:noFill/>
+                  </a:rPr>
+                  <a:t> </a:t>
+                </a:r>
+              </a:p>
+            </p:txBody>
+          </p:sp>
+        </mc:Fallback>
+      </mc:AlternateContent>
+      <mc:AlternateContent xmlns:mc="http://schemas.openxmlformats.org/markup-compatibility/2006">
+        <mc:Choice xmlns:a14="http://schemas.microsoft.com/office/drawing/2010/main" Requires="a14">
+          <p:sp>
+            <p:nvSpPr>
+              <p:cNvPr id="96" name="TextBox 95">
+                <a:extLst>
+                  <a:ext uri="{FF2B5EF4-FFF2-40B4-BE49-F238E27FC236}">
+                    <a16:creationId xmlns:a16="http://schemas.microsoft.com/office/drawing/2014/main" id="{505CFF42-E4A7-95AC-95D7-1A230816E8A4}"/>
+                  </a:ext>
+                </a:extLst>
+              </p:cNvPr>
+              <p:cNvSpPr txBox="1"/>
+              <p:nvPr/>
+            </p:nvSpPr>
+            <p:spPr>
+              <a:xfrm>
+                <a:off x="9125387" y="4435555"/>
+                <a:ext cx="304487" cy="246221"/>
+              </a:xfrm>
+              <a:prstGeom prst="rect">
+                <a:avLst/>
+              </a:prstGeom>
+              <a:noFill/>
+            </p:spPr>
+            <p:txBody>
+              <a:bodyPr wrap="square" lIns="0" tIns="0" rIns="0" bIns="0" rtlCol="0">
+                <a:spAutoFit/>
+              </a:bodyPr>
+              <a:lstStyle/>
+              <a:p>
+                <a:pPr/>
+                <a14:m>
+                  <m:oMathPara xmlns:m="http://schemas.openxmlformats.org/officeDocument/2006/math">
+                    <m:oMathParaPr>
+                      <m:jc m:val="centerGroup"/>
+                    </m:oMathParaPr>
+                    <m:oMath xmlns:m="http://schemas.openxmlformats.org/officeDocument/2006/math">
+                      <m:r>
+                        <a:rPr lang="en-US" sz="1600" b="0" i="1" smtClean="0">
+                          <a:latin typeface="Cambria Math" panose="02040503050406030204" pitchFamily="18" charset="0"/>
+                          <a:ea typeface="Cambria Math" panose="02040503050406030204" pitchFamily="18" charset="0"/>
+                        </a:rPr>
+                        <m:t>∆</m:t>
+                      </m:r>
+                      <m:sSub>
+                        <m:sSubPr>
+                          <m:ctrlPr>
+                            <a:rPr lang="en-US" sz="1600" i="1">
+                              <a:latin typeface="Cambria Math" panose="02040503050406030204" pitchFamily="18" charset="0"/>
+                              <a:ea typeface="Cambria Math" panose="02040503050406030204" pitchFamily="18" charset="0"/>
+                            </a:rPr>
+                          </m:ctrlPr>
+                        </m:sSubPr>
+                        <m:e>
+                          <m:r>
+                            <a:rPr lang="en-US" sz="1600" i="1">
+                              <a:latin typeface="Cambria Math" panose="02040503050406030204" pitchFamily="18" charset="0"/>
+                              <a:ea typeface="Cambria Math" panose="02040503050406030204" pitchFamily="18" charset="0"/>
+                            </a:rPr>
+                            <m:t>𝑟</m:t>
+                          </m:r>
+                        </m:e>
+                        <m:sub>
+                          <m:r>
+                            <a:rPr lang="en-US" sz="1600" i="1">
+                              <a:latin typeface="Cambria Math" panose="02040503050406030204" pitchFamily="18" charset="0"/>
+                              <a:ea typeface="Cambria Math" panose="02040503050406030204" pitchFamily="18" charset="0"/>
+                            </a:rPr>
+                            <m:t>𝑖</m:t>
+                          </m:r>
+                        </m:sub>
+                      </m:sSub>
+                    </m:oMath>
+                  </m:oMathPara>
+                </a14:m>
+                <a:endParaRPr lang="en-US" sz="1600" dirty="0"/>
+              </a:p>
+            </p:txBody>
+          </p:sp>
+        </mc:Choice>
+        <mc:Fallback>
+          <p:sp>
+            <p:nvSpPr>
+              <p:cNvPr id="96" name="TextBox 95">
+                <a:extLst>
+                  <a:ext uri="{FF2B5EF4-FFF2-40B4-BE49-F238E27FC236}">
+                    <a16:creationId xmlns:a16="http://schemas.microsoft.com/office/drawing/2014/main" id="{505CFF42-E4A7-95AC-95D7-1A230816E8A4}"/>
+                  </a:ext>
+                </a:extLst>
+              </p:cNvPr>
+              <p:cNvSpPr txBox="1">
+                <a:spLocks noRot="1" noChangeAspect="1" noMove="1" noResize="1" noEditPoints="1" noAdjustHandles="1" noChangeArrowheads="1" noChangeShapeType="1" noTextEdit="1"/>
+              </p:cNvSpPr>
+              <p:nvPr/>
+            </p:nvSpPr>
+            <p:spPr>
+              <a:xfrm>
+                <a:off x="9125387" y="4435555"/>
+                <a:ext cx="304487" cy="246221"/>
+              </a:xfrm>
+              <a:prstGeom prst="rect">
+                <a:avLst/>
+              </a:prstGeom>
+              <a:blipFill>
+                <a:blip r:embed="rId10"/>
+                <a:stretch>
+                  <a:fillRect l="-18000" r="-4000" b="-17500"/>
+                </a:stretch>
+              </a:blipFill>
+            </p:spPr>
+            <p:txBody>
+              <a:bodyPr/>
+              <a:lstStyle/>
+              <a:p>
+                <a:r>
+                  <a:rPr lang="en-US">
+                    <a:noFill/>
+                  </a:rPr>
+                  <a:t> </a:t>
+                </a:r>
+              </a:p>
+            </p:txBody>
+          </p:sp>
+        </mc:Fallback>
+      </mc:AlternateContent>
+    </p:spTree>
+    <p:extLst>
+      <p:ext uri="{BB962C8B-B14F-4D97-AF65-F5344CB8AC3E}">
+        <p14:creationId xmlns:p14="http://schemas.microsoft.com/office/powerpoint/2010/main" val="2586377361"/>
+      </p:ext>
+    </p:extLst>
+  </p:cSld>
+  <p:clrMapOvr>
+    <a:masterClrMapping/>
+  </p:clrMapOvr>
+</p:sld>
+</file>
+
+<file path=ppt/slides/slide19.xml><?xml version="1.0" encoding="utf-8"?>
+<p:sld xmlns:a="http://schemas.openxmlformats.org/drawingml/2006/main" xmlns:r="http://schemas.openxmlformats.org/officeDocument/2006/relationships" xmlns:p="http://schemas.openxmlformats.org/presentationml/2006/main">
+  <p:cSld>
+    <p:spTree>
+      <p:nvGrpSpPr>
+        <p:cNvPr id="1" name=""/>
+        <p:cNvGrpSpPr/>
+        <p:nvPr/>
+      </p:nvGrpSpPr>
+      <p:grpSpPr>
+        <a:xfrm>
+          <a:off x="0" y="0"/>
+          <a:ext cx="0" cy="0"/>
+          <a:chOff x="0" y="0"/>
+          <a:chExt cx="0" cy="0"/>
+        </a:xfrm>
+      </p:grpSpPr>
+      <p:sp>
+        <p:nvSpPr>
+          <p:cNvPr id="2" name="Oval 1">
+            <a:extLst>
+              <a:ext uri="{FF2B5EF4-FFF2-40B4-BE49-F238E27FC236}">
+                <a16:creationId xmlns:a16="http://schemas.microsoft.com/office/drawing/2014/main" id="{15BD72B6-DCD4-41E5-82A2-38369812A523}"/>
+              </a:ext>
+            </a:extLst>
+          </p:cNvPr>
+          <p:cNvSpPr/>
+          <p:nvPr/>
+        </p:nvSpPr>
+        <p:spPr>
+          <a:xfrm>
+            <a:off x="3480931" y="2575595"/>
+            <a:ext cx="1706809" cy="1706809"/>
+          </a:xfrm>
+          <a:prstGeom prst="ellipse">
+            <a:avLst/>
+          </a:prstGeom>
+          <a:solidFill>
+            <a:schemeClr val="tx2">
+              <a:lumMod val="10000"/>
+              <a:lumOff val="90000"/>
+              <a:alpha val="46000"/>
+            </a:schemeClr>
+          </a:solidFill>
+        </p:spPr>
+        <p:style>
+          <a:lnRef idx="2">
+            <a:schemeClr val="accent1">
+              <a:shade val="15000"/>
+            </a:schemeClr>
+          </a:lnRef>
+          <a:fillRef idx="1">
+            <a:schemeClr val="accent1"/>
+          </a:fillRef>
+          <a:effectRef idx="0">
+            <a:schemeClr val="accent1"/>
+          </a:effectRef>
+          <a:fontRef idx="minor">
+            <a:schemeClr val="lt1"/>
+          </a:fontRef>
+        </p:style>
+        <p:txBody>
+          <a:bodyPr rtlCol="0" anchor="ctr"/>
+          <a:lstStyle/>
+          <a:p>
+            <a:pPr algn="ctr"/>
+            <a:endParaRPr lang="en-US"/>
+          </a:p>
+        </p:txBody>
+      </p:sp>
+      <p:sp>
+        <p:nvSpPr>
+          <p:cNvPr id="3" name="Oval 2">
+            <a:extLst>
+              <a:ext uri="{FF2B5EF4-FFF2-40B4-BE49-F238E27FC236}">
+                <a16:creationId xmlns:a16="http://schemas.microsoft.com/office/drawing/2014/main" id="{8D2304B0-CA86-4189-8A02-1C17223CB305}"/>
+              </a:ext>
+            </a:extLst>
+          </p:cNvPr>
+          <p:cNvSpPr/>
+          <p:nvPr/>
+        </p:nvSpPr>
+        <p:spPr>
+          <a:xfrm>
+            <a:off x="3480931" y="3292686"/>
+            <a:ext cx="1706809" cy="313267"/>
+          </a:xfrm>
+          <a:prstGeom prst="ellipse">
+            <a:avLst/>
+          </a:prstGeom>
+          <a:noFill/>
+          <a:ln w="12700">
+            <a:prstDash val="dash"/>
+          </a:ln>
+        </p:spPr>
+        <p:style>
+          <a:lnRef idx="2">
+            <a:schemeClr val="accent1">
+              <a:shade val="15000"/>
+            </a:schemeClr>
+          </a:lnRef>
+          <a:fillRef idx="1">
+            <a:schemeClr val="accent1"/>
+          </a:fillRef>
+          <a:effectRef idx="0">
+            <a:schemeClr val="accent1"/>
+          </a:effectRef>
+          <a:fontRef idx="minor">
+            <a:schemeClr val="lt1"/>
+          </a:fontRef>
+        </p:style>
+        <p:txBody>
+          <a:bodyPr rtlCol="0" anchor="ctr"/>
+          <a:lstStyle/>
+          <a:p>
+            <a:pPr algn="ctr"/>
+            <a:endParaRPr lang="en-US"/>
+          </a:p>
+        </p:txBody>
+      </p:sp>
+      <p:cxnSp>
+        <p:nvCxnSpPr>
+          <p:cNvPr id="4" name="Straight Arrow Connector 3">
+            <a:extLst>
+              <a:ext uri="{FF2B5EF4-FFF2-40B4-BE49-F238E27FC236}">
+                <a16:creationId xmlns:a16="http://schemas.microsoft.com/office/drawing/2014/main" id="{97FBA2AE-98FE-AF12-6A5D-E48F43CB35F2}"/>
+              </a:ext>
+            </a:extLst>
+          </p:cNvPr>
+          <p:cNvCxnSpPr>
+            <a:cxnSpLocks/>
+          </p:cNvCxnSpPr>
+          <p:nvPr/>
+        </p:nvCxnSpPr>
+        <p:spPr>
+          <a:xfrm>
+            <a:off x="4334335" y="2311400"/>
+            <a:ext cx="0" cy="2098040"/>
+          </a:xfrm>
+          <a:prstGeom prst="straightConnector1">
+            <a:avLst/>
+          </a:prstGeom>
+          <a:ln w="12700">
+            <a:solidFill>
+              <a:schemeClr val="tx1"/>
+            </a:solidFill>
+            <a:prstDash val="dash"/>
+            <a:tailEnd type="none" w="med" len="lg"/>
+          </a:ln>
+        </p:spPr>
+        <p:style>
+          <a:lnRef idx="2">
+            <a:schemeClr val="accent1"/>
+          </a:lnRef>
+          <a:fillRef idx="0">
+            <a:schemeClr val="accent1"/>
+          </a:fillRef>
+          <a:effectRef idx="1">
+            <a:schemeClr val="accent1"/>
+          </a:effectRef>
+          <a:fontRef idx="minor">
+            <a:schemeClr val="tx1"/>
+          </a:fontRef>
+        </p:style>
+      </p:cxnSp>
+      <p:sp>
+        <p:nvSpPr>
+          <p:cNvPr id="6" name="Oval 5">
+            <a:extLst>
+              <a:ext uri="{FF2B5EF4-FFF2-40B4-BE49-F238E27FC236}">
+                <a16:creationId xmlns:a16="http://schemas.microsoft.com/office/drawing/2014/main" id="{D0892272-71BD-3B47-7FAC-DAA3388D460A}"/>
+              </a:ext>
+            </a:extLst>
+          </p:cNvPr>
+          <p:cNvSpPr/>
+          <p:nvPr/>
+        </p:nvSpPr>
+        <p:spPr>
+          <a:xfrm>
+            <a:off x="4307995" y="3404205"/>
+            <a:ext cx="52679" cy="49590"/>
+          </a:xfrm>
+          <a:prstGeom prst="ellipse">
+            <a:avLst/>
+          </a:prstGeom>
+          <a:solidFill>
+            <a:schemeClr val="tx1"/>
+          </a:solidFill>
+          <a:ln>
+            <a:noFill/>
+          </a:ln>
+        </p:spPr>
+        <p:style>
+          <a:lnRef idx="2">
+            <a:schemeClr val="accent1">
+              <a:shade val="15000"/>
+            </a:schemeClr>
+          </a:lnRef>
+          <a:fillRef idx="1">
+            <a:schemeClr val="accent1"/>
+          </a:fillRef>
+          <a:effectRef idx="0">
+            <a:schemeClr val="accent1"/>
+          </a:effectRef>
+          <a:fontRef idx="minor">
+            <a:schemeClr val="lt1"/>
+          </a:fontRef>
+        </p:style>
+        <p:txBody>
+          <a:bodyPr rtlCol="0" anchor="ctr"/>
+          <a:lstStyle/>
+          <a:p>
+            <a:pPr algn="ctr"/>
+            <a:endParaRPr lang="en-US"/>
+          </a:p>
+        </p:txBody>
+      </p:sp>
+      <p:sp>
+        <p:nvSpPr>
+          <p:cNvPr id="9" name="Arc 8">
+            <a:extLst>
+              <a:ext uri="{FF2B5EF4-FFF2-40B4-BE49-F238E27FC236}">
+                <a16:creationId xmlns:a16="http://schemas.microsoft.com/office/drawing/2014/main" id="{021B7FD2-914E-A2DB-3279-57D52215A11E}"/>
+              </a:ext>
+            </a:extLst>
+          </p:cNvPr>
+          <p:cNvSpPr/>
+          <p:nvPr/>
+        </p:nvSpPr>
+        <p:spPr>
+          <a:xfrm rot="8054920">
+            <a:off x="4158806" y="2143052"/>
+            <a:ext cx="351057" cy="336693"/>
+          </a:xfrm>
+          <a:prstGeom prst="arc">
+            <a:avLst>
+              <a:gd name="adj1" fmla="val 15053503"/>
+              <a:gd name="adj2" fmla="val 485002"/>
+            </a:avLst>
+          </a:prstGeom>
+          <a:ln>
+            <a:solidFill>
+              <a:schemeClr val="tx1"/>
+            </a:solidFill>
+            <a:headEnd type="stealth"/>
+          </a:ln>
+        </p:spPr>
+        <p:style>
+          <a:lnRef idx="2">
+            <a:schemeClr val="accent1"/>
+          </a:lnRef>
+          <a:fillRef idx="0">
+            <a:schemeClr val="accent1"/>
+          </a:fillRef>
+          <a:effectRef idx="1">
+            <a:schemeClr val="accent1"/>
+          </a:effectRef>
+          <a:fontRef idx="minor">
+            <a:schemeClr val="tx1"/>
+          </a:fontRef>
+        </p:style>
+        <p:txBody>
+          <a:bodyPr rtlCol="0" anchor="ctr"/>
+          <a:lstStyle/>
+          <a:p>
+            <a:pPr algn="ctr"/>
+            <a:endParaRPr lang="en-US"/>
+          </a:p>
+        </p:txBody>
+      </p:sp>
+      <mc:AlternateContent xmlns:mc="http://schemas.openxmlformats.org/markup-compatibility/2006">
+        <mc:Choice xmlns:a14="http://schemas.microsoft.com/office/drawing/2010/main" Requires="a14">
+          <p:sp>
+            <p:nvSpPr>
+              <p:cNvPr id="10" name="TextBox 9">
+                <a:extLst>
+                  <a:ext uri="{FF2B5EF4-FFF2-40B4-BE49-F238E27FC236}">
+                    <a16:creationId xmlns:a16="http://schemas.microsoft.com/office/drawing/2014/main" id="{49F7203A-A3D5-1FEA-5490-A0611A12DA98}"/>
+                  </a:ext>
+                </a:extLst>
+              </p:cNvPr>
+              <p:cNvSpPr txBox="1"/>
+              <p:nvPr/>
+            </p:nvSpPr>
+            <p:spPr>
+              <a:xfrm>
+                <a:off x="4455600" y="2378173"/>
+                <a:ext cx="170688" cy="215444"/>
+              </a:xfrm>
+              <a:prstGeom prst="rect">
+                <a:avLst/>
+              </a:prstGeom>
+              <a:noFill/>
+            </p:spPr>
+            <p:txBody>
+              <a:bodyPr wrap="none" lIns="0" tIns="0" rIns="0" bIns="0" rtlCol="0">
+                <a:spAutoFit/>
+              </a:bodyPr>
+              <a:lstStyle/>
+              <a:p>
+                <a:pPr/>
+                <a14:m>
+                  <m:oMathPara xmlns:m="http://schemas.openxmlformats.org/officeDocument/2006/math">
+                    <m:oMathParaPr>
+                      <m:jc m:val="centerGroup"/>
+                    </m:oMathParaPr>
+                    <m:oMath xmlns:m="http://schemas.openxmlformats.org/officeDocument/2006/math">
+                      <m:r>
+                        <a:rPr lang="en-US" sz="1400" i="1">
+                          <a:latin typeface="Cambria Math" panose="02040503050406030204" pitchFamily="18" charset="0"/>
+                          <a:ea typeface="Cambria Math" panose="02040503050406030204" pitchFamily="18" charset="0"/>
+                        </a:rPr>
+                        <m:t>𝜔</m:t>
+                      </m:r>
+                    </m:oMath>
+                  </m:oMathPara>
+                </a14:m>
+                <a:endParaRPr lang="en-US" sz="1400" dirty="0"/>
+              </a:p>
+            </p:txBody>
+          </p:sp>
+        </mc:Choice>
+        <mc:Fallback>
+          <p:sp>
+            <p:nvSpPr>
+              <p:cNvPr id="10" name="TextBox 9">
+                <a:extLst>
+                  <a:ext uri="{FF2B5EF4-FFF2-40B4-BE49-F238E27FC236}">
+                    <a16:creationId xmlns:a16="http://schemas.microsoft.com/office/drawing/2014/main" id="{49F7203A-A3D5-1FEA-5490-A0611A12DA98}"/>
+                  </a:ext>
+                </a:extLst>
+              </p:cNvPr>
+              <p:cNvSpPr txBox="1">
+                <a:spLocks noRot="1" noChangeAspect="1" noMove="1" noResize="1" noEditPoints="1" noAdjustHandles="1" noChangeArrowheads="1" noChangeShapeType="1" noTextEdit="1"/>
+              </p:cNvSpPr>
+              <p:nvPr/>
+            </p:nvSpPr>
+            <p:spPr>
+              <a:xfrm>
+                <a:off x="4455600" y="2378173"/>
+                <a:ext cx="170688" cy="215444"/>
+              </a:xfrm>
+              <a:prstGeom prst="rect">
+                <a:avLst/>
+              </a:prstGeom>
+              <a:blipFill>
+                <a:blip r:embed="rId2"/>
+                <a:stretch>
+                  <a:fillRect l="-17857" r="-10714"/>
+                </a:stretch>
+              </a:blipFill>
+            </p:spPr>
+            <p:txBody>
+              <a:bodyPr/>
+              <a:lstStyle/>
+              <a:p>
+                <a:r>
+                  <a:rPr lang="en-US">
+                    <a:noFill/>
+                  </a:rPr>
+                  <a:t> </a:t>
+                </a:r>
+              </a:p>
+            </p:txBody>
+          </p:sp>
+        </mc:Fallback>
+      </mc:AlternateContent>
+      <p:sp>
+        <p:nvSpPr>
+          <p:cNvPr id="12" name="Rectangle 11">
+            <a:extLst>
+              <a:ext uri="{FF2B5EF4-FFF2-40B4-BE49-F238E27FC236}">
+                <a16:creationId xmlns:a16="http://schemas.microsoft.com/office/drawing/2014/main" id="{BC9CC57A-F37E-EB75-7693-26E570381FDE}"/>
+              </a:ext>
+            </a:extLst>
+          </p:cNvPr>
+          <p:cNvSpPr/>
+          <p:nvPr/>
+        </p:nvSpPr>
+        <p:spPr>
+          <a:xfrm>
+            <a:off x="6078901" y="3358927"/>
+            <a:ext cx="2214796" cy="139924"/>
+          </a:xfrm>
+          <a:prstGeom prst="rect">
+            <a:avLst/>
+          </a:prstGeom>
+          <a:solidFill>
+            <a:schemeClr val="tx2">
+              <a:lumMod val="10000"/>
+              <a:lumOff val="90000"/>
+              <a:alpha val="46000"/>
+            </a:schemeClr>
+          </a:solidFill>
+        </p:spPr>
+        <p:style>
+          <a:lnRef idx="2">
+            <a:schemeClr val="accent1">
+              <a:shade val="15000"/>
+            </a:schemeClr>
+          </a:lnRef>
+          <a:fillRef idx="1">
+            <a:schemeClr val="accent1"/>
+          </a:fillRef>
+          <a:effectRef idx="0">
+            <a:schemeClr val="accent1"/>
+          </a:effectRef>
+          <a:fontRef idx="minor">
+            <a:schemeClr val="lt1"/>
+          </a:fontRef>
+        </p:style>
+        <p:txBody>
+          <a:bodyPr rtlCol="0" anchor="ctr"/>
+          <a:lstStyle/>
+          <a:p>
+            <a:pPr algn="ctr"/>
+            <a:endParaRPr lang="en-US"/>
+          </a:p>
+        </p:txBody>
+      </p:sp>
+      <p:cxnSp>
+        <p:nvCxnSpPr>
+          <p:cNvPr id="13" name="Straight Arrow Connector 12">
+            <a:extLst>
+              <a:ext uri="{FF2B5EF4-FFF2-40B4-BE49-F238E27FC236}">
+                <a16:creationId xmlns:a16="http://schemas.microsoft.com/office/drawing/2014/main" id="{53431033-9459-AC94-7D1A-6A319CF2C3C6}"/>
+              </a:ext>
+            </a:extLst>
+          </p:cNvPr>
+          <p:cNvCxnSpPr>
+            <a:cxnSpLocks/>
+          </p:cNvCxnSpPr>
+          <p:nvPr/>
+        </p:nvCxnSpPr>
+        <p:spPr>
+          <a:xfrm>
+            <a:off x="7186299" y="2891367"/>
+            <a:ext cx="0" cy="925175"/>
+          </a:xfrm>
+          <a:prstGeom prst="straightConnector1">
+            <a:avLst/>
+          </a:prstGeom>
+          <a:ln w="12700">
+            <a:solidFill>
+              <a:schemeClr val="tx1"/>
+            </a:solidFill>
+            <a:prstDash val="dash"/>
+            <a:tailEnd type="none" w="med" len="lg"/>
+          </a:ln>
+        </p:spPr>
+        <p:style>
+          <a:lnRef idx="2">
+            <a:schemeClr val="accent1"/>
+          </a:lnRef>
+          <a:fillRef idx="0">
+            <a:schemeClr val="accent1"/>
+          </a:fillRef>
+          <a:effectRef idx="1">
+            <a:schemeClr val="accent1"/>
+          </a:effectRef>
+          <a:fontRef idx="minor">
+            <a:schemeClr val="tx1"/>
+          </a:fontRef>
+        </p:style>
+      </p:cxnSp>
+      <p:sp>
+        <p:nvSpPr>
+          <p:cNvPr id="14" name="Arc 13">
+            <a:extLst>
+              <a:ext uri="{FF2B5EF4-FFF2-40B4-BE49-F238E27FC236}">
+                <a16:creationId xmlns:a16="http://schemas.microsoft.com/office/drawing/2014/main" id="{2E370DAA-5124-7AA1-3966-F8F00A8637FB}"/>
+              </a:ext>
+            </a:extLst>
+          </p:cNvPr>
+          <p:cNvSpPr/>
+          <p:nvPr/>
+        </p:nvSpPr>
+        <p:spPr>
+          <a:xfrm rot="8054920">
+            <a:off x="7010770" y="2740285"/>
+            <a:ext cx="351057" cy="336693"/>
+          </a:xfrm>
+          <a:prstGeom prst="arc">
+            <a:avLst>
+              <a:gd name="adj1" fmla="val 15053503"/>
+              <a:gd name="adj2" fmla="val 485002"/>
+            </a:avLst>
+          </a:prstGeom>
+          <a:ln>
+            <a:solidFill>
+              <a:schemeClr val="tx1"/>
+            </a:solidFill>
+            <a:headEnd type="stealth"/>
+          </a:ln>
+        </p:spPr>
+        <p:style>
+          <a:lnRef idx="2">
+            <a:schemeClr val="accent1"/>
+          </a:lnRef>
+          <a:fillRef idx="0">
+            <a:schemeClr val="accent1"/>
+          </a:fillRef>
+          <a:effectRef idx="1">
+            <a:schemeClr val="accent1"/>
+          </a:effectRef>
+          <a:fontRef idx="minor">
+            <a:schemeClr val="tx1"/>
+          </a:fontRef>
+        </p:style>
+        <p:txBody>
+          <a:bodyPr rtlCol="0" anchor="ctr"/>
+          <a:lstStyle/>
+          <a:p>
+            <a:pPr algn="ctr"/>
+            <a:endParaRPr lang="en-US"/>
+          </a:p>
+        </p:txBody>
+      </p:sp>
+      <mc:AlternateContent xmlns:mc="http://schemas.openxmlformats.org/markup-compatibility/2006">
+        <mc:Choice xmlns:a14="http://schemas.microsoft.com/office/drawing/2010/main" Requires="a14">
+          <p:sp>
+            <p:nvSpPr>
+              <p:cNvPr id="15" name="TextBox 14">
+                <a:extLst>
+                  <a:ext uri="{FF2B5EF4-FFF2-40B4-BE49-F238E27FC236}">
+                    <a16:creationId xmlns:a16="http://schemas.microsoft.com/office/drawing/2014/main" id="{023D4992-8176-836E-E705-6174379ECD59}"/>
+                  </a:ext>
+                </a:extLst>
+              </p:cNvPr>
+              <p:cNvSpPr txBox="1"/>
+              <p:nvPr/>
+            </p:nvSpPr>
+            <p:spPr>
+              <a:xfrm>
+                <a:off x="7344024" y="2891367"/>
+                <a:ext cx="170688" cy="215444"/>
+              </a:xfrm>
+              <a:prstGeom prst="rect">
+                <a:avLst/>
+              </a:prstGeom>
+              <a:noFill/>
+            </p:spPr>
+            <p:txBody>
+              <a:bodyPr wrap="none" lIns="0" tIns="0" rIns="0" bIns="0" rtlCol="0">
+                <a:spAutoFit/>
+              </a:bodyPr>
+              <a:lstStyle/>
+              <a:p>
+                <a:pPr/>
+                <a14:m>
+                  <m:oMathPara xmlns:m="http://schemas.openxmlformats.org/officeDocument/2006/math">
+                    <m:oMathParaPr>
+                      <m:jc m:val="centerGroup"/>
+                    </m:oMathParaPr>
+                    <m:oMath xmlns:m="http://schemas.openxmlformats.org/officeDocument/2006/math">
+                      <m:r>
+                        <a:rPr lang="en-US" sz="1400" i="1">
+                          <a:latin typeface="Cambria Math" panose="02040503050406030204" pitchFamily="18" charset="0"/>
+                          <a:ea typeface="Cambria Math" panose="02040503050406030204" pitchFamily="18" charset="0"/>
+                        </a:rPr>
+                        <m:t>𝜔</m:t>
+                      </m:r>
+                    </m:oMath>
+                  </m:oMathPara>
+                </a14:m>
+                <a:endParaRPr lang="en-US" sz="1400" dirty="0"/>
+              </a:p>
+            </p:txBody>
+          </p:sp>
+        </mc:Choice>
+        <mc:Fallback>
+          <p:sp>
+            <p:nvSpPr>
+              <p:cNvPr id="15" name="TextBox 14">
+                <a:extLst>
+                  <a:ext uri="{FF2B5EF4-FFF2-40B4-BE49-F238E27FC236}">
+                    <a16:creationId xmlns:a16="http://schemas.microsoft.com/office/drawing/2014/main" id="{023D4992-8176-836E-E705-6174379ECD59}"/>
+                  </a:ext>
+                </a:extLst>
+              </p:cNvPr>
+              <p:cNvSpPr txBox="1">
+                <a:spLocks noRot="1" noChangeAspect="1" noMove="1" noResize="1" noEditPoints="1" noAdjustHandles="1" noChangeArrowheads="1" noChangeShapeType="1" noTextEdit="1"/>
+              </p:cNvSpPr>
+              <p:nvPr/>
+            </p:nvSpPr>
+            <p:spPr>
+              <a:xfrm>
+                <a:off x="7344024" y="2891367"/>
+                <a:ext cx="170688" cy="215444"/>
+              </a:xfrm>
+              <a:prstGeom prst="rect">
+                <a:avLst/>
+              </a:prstGeom>
+              <a:blipFill>
+                <a:blip r:embed="rId3"/>
+                <a:stretch>
+                  <a:fillRect l="-17857" r="-10714"/>
+                </a:stretch>
+              </a:blipFill>
+            </p:spPr>
+            <p:txBody>
+              <a:bodyPr/>
+              <a:lstStyle/>
+              <a:p>
+                <a:r>
+                  <a:rPr lang="en-US">
+                    <a:noFill/>
+                  </a:rPr>
+                  <a:t> </a:t>
+                </a:r>
+              </a:p>
+            </p:txBody>
+          </p:sp>
+        </mc:Fallback>
+      </mc:AlternateContent>
+      <p:cxnSp>
+        <p:nvCxnSpPr>
+          <p:cNvPr id="19" name="Straight Arrow Connector 18">
+            <a:extLst>
+              <a:ext uri="{FF2B5EF4-FFF2-40B4-BE49-F238E27FC236}">
+                <a16:creationId xmlns:a16="http://schemas.microsoft.com/office/drawing/2014/main" id="{15A7E560-D9CB-DB00-C45B-9450B9A1D0B9}"/>
+              </a:ext>
+            </a:extLst>
+          </p:cNvPr>
+          <p:cNvCxnSpPr>
+            <a:cxnSpLocks/>
+          </p:cNvCxnSpPr>
+          <p:nvPr/>
+        </p:nvCxnSpPr>
+        <p:spPr>
+          <a:xfrm>
+            <a:off x="6078901" y="3377352"/>
+            <a:ext cx="0" cy="466515"/>
+          </a:xfrm>
+          <a:prstGeom prst="straightConnector1">
+            <a:avLst/>
+          </a:prstGeom>
+          <a:ln w="12700">
+            <a:solidFill>
+              <a:schemeClr val="tx1"/>
+            </a:solidFill>
+            <a:prstDash val="solid"/>
+            <a:tailEnd type="none" w="med" len="lg"/>
+          </a:ln>
+        </p:spPr>
+        <p:style>
+          <a:lnRef idx="2">
+            <a:schemeClr val="accent1"/>
+          </a:lnRef>
+          <a:fillRef idx="0">
+            <a:schemeClr val="accent1"/>
+          </a:fillRef>
+          <a:effectRef idx="1">
+            <a:schemeClr val="accent1"/>
+          </a:effectRef>
+          <a:fontRef idx="minor">
+            <a:schemeClr val="tx1"/>
+          </a:fontRef>
+        </p:style>
+      </p:cxnSp>
+      <p:cxnSp>
+        <p:nvCxnSpPr>
+          <p:cNvPr id="22" name="Straight Arrow Connector 21">
+            <a:extLst>
+              <a:ext uri="{FF2B5EF4-FFF2-40B4-BE49-F238E27FC236}">
+                <a16:creationId xmlns:a16="http://schemas.microsoft.com/office/drawing/2014/main" id="{1F443999-3B3D-B938-571B-AB8E594DAF69}"/>
+              </a:ext>
+            </a:extLst>
+          </p:cNvPr>
+          <p:cNvCxnSpPr>
+            <a:cxnSpLocks/>
+          </p:cNvCxnSpPr>
+          <p:nvPr/>
+        </p:nvCxnSpPr>
+        <p:spPr>
+          <a:xfrm>
+            <a:off x="8293697" y="3350027"/>
+            <a:ext cx="0" cy="466515"/>
+          </a:xfrm>
+          <a:prstGeom prst="straightConnector1">
+            <a:avLst/>
+          </a:prstGeom>
+          <a:ln w="12700">
+            <a:solidFill>
+              <a:schemeClr val="tx1"/>
+            </a:solidFill>
+            <a:prstDash val="solid"/>
+            <a:tailEnd type="none" w="med" len="lg"/>
+          </a:ln>
+        </p:spPr>
+        <p:style>
+          <a:lnRef idx="2">
+            <a:schemeClr val="accent1"/>
+          </a:lnRef>
+          <a:fillRef idx="0">
+            <a:schemeClr val="accent1"/>
+          </a:fillRef>
+          <a:effectRef idx="1">
+            <a:schemeClr val="accent1"/>
+          </a:effectRef>
+          <a:fontRef idx="minor">
+            <a:schemeClr val="tx1"/>
+          </a:fontRef>
+        </p:style>
+      </p:cxnSp>
+      <p:cxnSp>
+        <p:nvCxnSpPr>
+          <p:cNvPr id="23" name="Straight Arrow Connector 22">
+            <a:extLst>
+              <a:ext uri="{FF2B5EF4-FFF2-40B4-BE49-F238E27FC236}">
+                <a16:creationId xmlns:a16="http://schemas.microsoft.com/office/drawing/2014/main" id="{606C9F16-F305-D2EB-D490-5EC08D3180F5}"/>
+              </a:ext>
+            </a:extLst>
+          </p:cNvPr>
+          <p:cNvCxnSpPr>
+            <a:cxnSpLocks/>
+          </p:cNvCxnSpPr>
+          <p:nvPr/>
+        </p:nvCxnSpPr>
+        <p:spPr>
+          <a:xfrm>
+            <a:off x="6078901" y="3610609"/>
+            <a:ext cx="2214796" cy="0"/>
+          </a:xfrm>
+          <a:prstGeom prst="straightConnector1">
+            <a:avLst/>
+          </a:prstGeom>
+          <a:ln w="19050">
+            <a:solidFill>
+              <a:schemeClr val="tx1"/>
+            </a:solidFill>
+            <a:prstDash val="solid"/>
+            <a:headEnd type="stealth" w="med" len="lg"/>
+            <a:tailEnd type="stealth" w="med" len="lg"/>
+          </a:ln>
+        </p:spPr>
+        <p:style>
+          <a:lnRef idx="2">
+            <a:schemeClr val="accent1"/>
+          </a:lnRef>
+          <a:fillRef idx="0">
+            <a:schemeClr val="accent1"/>
+          </a:fillRef>
+          <a:effectRef idx="1">
+            <a:schemeClr val="accent1"/>
+          </a:effectRef>
+          <a:fontRef idx="minor">
+            <a:schemeClr val="tx1"/>
+          </a:fontRef>
+        </p:style>
+      </p:cxnSp>
+      <mc:AlternateContent xmlns:mc="http://schemas.openxmlformats.org/markup-compatibility/2006">
+        <mc:Choice xmlns:a14="http://schemas.microsoft.com/office/drawing/2010/main" Requires="a14">
+          <p:sp>
+            <p:nvSpPr>
+              <p:cNvPr id="25" name="TextBox 24">
+                <a:extLst>
+                  <a:ext uri="{FF2B5EF4-FFF2-40B4-BE49-F238E27FC236}">
+                    <a16:creationId xmlns:a16="http://schemas.microsoft.com/office/drawing/2014/main" id="{478776E9-8006-F5EA-3E6C-0B11F9E46652}"/>
+                  </a:ext>
+                </a:extLst>
+              </p:cNvPr>
+              <p:cNvSpPr txBox="1"/>
+              <p:nvPr/>
+            </p:nvSpPr>
+            <p:spPr>
+              <a:xfrm>
+                <a:off x="7222490" y="3592013"/>
+                <a:ext cx="112338" cy="246221"/>
+              </a:xfrm>
+              <a:prstGeom prst="rect">
+                <a:avLst/>
+              </a:prstGeom>
+              <a:noFill/>
+            </p:spPr>
+            <p:txBody>
+              <a:bodyPr wrap="none" lIns="0" tIns="0" rIns="0" bIns="0" rtlCol="0">
+                <a:spAutoFit/>
+              </a:bodyPr>
+              <a:lstStyle/>
+              <a:p>
+                <a:pPr/>
+                <a14:m>
+                  <m:oMathPara xmlns:m="http://schemas.openxmlformats.org/officeDocument/2006/math">
+                    <m:oMathParaPr>
+                      <m:jc m:val="centerGroup"/>
+                    </m:oMathParaPr>
+                    <m:oMath xmlns:m="http://schemas.openxmlformats.org/officeDocument/2006/math">
+                      <m:r>
+                        <a:rPr lang="en-US" sz="1600" b="0" i="1" smtClean="0">
+                          <a:latin typeface="Cambria Math" panose="02040503050406030204" pitchFamily="18" charset="0"/>
+                          <a:ea typeface="Cambria Math" panose="02040503050406030204" pitchFamily="18" charset="0"/>
+                        </a:rPr>
+                        <m:t>𝑙</m:t>
+                      </m:r>
+                    </m:oMath>
+                  </m:oMathPara>
+                </a14:m>
+                <a:endParaRPr lang="en-US" sz="1600" dirty="0"/>
+              </a:p>
+            </p:txBody>
+          </p:sp>
+        </mc:Choice>
+        <mc:Fallback>
+          <p:sp>
+            <p:nvSpPr>
+              <p:cNvPr id="25" name="TextBox 24">
+                <a:extLst>
+                  <a:ext uri="{FF2B5EF4-FFF2-40B4-BE49-F238E27FC236}">
+                    <a16:creationId xmlns:a16="http://schemas.microsoft.com/office/drawing/2014/main" id="{478776E9-8006-F5EA-3E6C-0B11F9E46652}"/>
+                  </a:ext>
+                </a:extLst>
+              </p:cNvPr>
+              <p:cNvSpPr txBox="1">
+                <a:spLocks noRot="1" noChangeAspect="1" noMove="1" noResize="1" noEditPoints="1" noAdjustHandles="1" noChangeArrowheads="1" noChangeShapeType="1" noTextEdit="1"/>
+              </p:cNvSpPr>
+              <p:nvPr/>
+            </p:nvSpPr>
+            <p:spPr>
+              <a:xfrm>
+                <a:off x="7222490" y="3592013"/>
+                <a:ext cx="112338" cy="246221"/>
+              </a:xfrm>
+              <a:prstGeom prst="rect">
+                <a:avLst/>
+              </a:prstGeom>
+              <a:blipFill>
+                <a:blip r:embed="rId4"/>
+                <a:stretch>
+                  <a:fillRect l="-50000" r="-38889" b="-4878"/>
+                </a:stretch>
+              </a:blipFill>
+            </p:spPr>
+            <p:txBody>
+              <a:bodyPr/>
+              <a:lstStyle/>
+              <a:p>
+                <a:r>
+                  <a:rPr lang="en-US">
+                    <a:noFill/>
+                  </a:rPr>
+                  <a:t> </a:t>
+                </a:r>
+              </a:p>
+            </p:txBody>
+          </p:sp>
+        </mc:Fallback>
+      </mc:AlternateContent>
+    </p:spTree>
+    <p:extLst>
+      <p:ext uri="{BB962C8B-B14F-4D97-AF65-F5344CB8AC3E}">
+        <p14:creationId xmlns:p14="http://schemas.microsoft.com/office/powerpoint/2010/main" val="499733455"/>
       </p:ext>
     </p:extLst>
   </p:cSld>
@@ -18773,6 +23188,3573 @@
     <p:extLst>
       <p:ext uri="{BB962C8B-B14F-4D97-AF65-F5344CB8AC3E}">
         <p14:creationId xmlns:p14="http://schemas.microsoft.com/office/powerpoint/2010/main" val="88430754"/>
+      </p:ext>
+    </p:extLst>
+  </p:cSld>
+  <p:clrMapOvr>
+    <a:masterClrMapping/>
+  </p:clrMapOvr>
+</p:sld>
+</file>
+
+<file path=ppt/slides/slide20.xml><?xml version="1.0" encoding="utf-8"?>
+<p:sld xmlns:a="http://schemas.openxmlformats.org/drawingml/2006/main" xmlns:r="http://schemas.openxmlformats.org/officeDocument/2006/relationships" xmlns:p="http://schemas.openxmlformats.org/presentationml/2006/main">
+  <p:cSld>
+    <p:spTree>
+      <p:nvGrpSpPr>
+        <p:cNvPr id="1" name=""/>
+        <p:cNvGrpSpPr/>
+        <p:nvPr/>
+      </p:nvGrpSpPr>
+      <p:grpSpPr>
+        <a:xfrm>
+          <a:off x="0" y="0"/>
+          <a:ext cx="0" cy="0"/>
+          <a:chOff x="0" y="0"/>
+          <a:chExt cx="0" cy="0"/>
+        </a:xfrm>
+      </p:grpSpPr>
+      <p:sp>
+        <p:nvSpPr>
+          <p:cNvPr id="2" name="Freeform: Shape 1">
+            <a:extLst>
+              <a:ext uri="{FF2B5EF4-FFF2-40B4-BE49-F238E27FC236}">
+                <a16:creationId xmlns:a16="http://schemas.microsoft.com/office/drawing/2014/main" id="{77F5E50F-D969-CBDB-CD2F-DB8948A7EF1D}"/>
+              </a:ext>
+            </a:extLst>
+          </p:cNvPr>
+          <p:cNvSpPr/>
+          <p:nvPr/>
+        </p:nvSpPr>
+        <p:spPr>
+          <a:xfrm>
+            <a:off x="4239357" y="2788281"/>
+            <a:ext cx="2815170" cy="1183250"/>
+          </a:xfrm>
+          <a:custGeom>
+            <a:avLst/>
+            <a:gdLst>
+              <a:gd name="connsiteX0" fmla="*/ 1230110 w 2815170"/>
+              <a:gd name="connsiteY0" fmla="*/ 48052 h 1183250"/>
+              <a:gd name="connsiteX1" fmla="*/ 358043 w 2815170"/>
+              <a:gd name="connsiteY1" fmla="*/ 22652 h 1183250"/>
+              <a:gd name="connsiteX2" fmla="*/ 2443 w 2815170"/>
+              <a:gd name="connsiteY2" fmla="*/ 429052 h 1183250"/>
+              <a:gd name="connsiteX3" fmla="*/ 510443 w 2815170"/>
+              <a:gd name="connsiteY3" fmla="*/ 742319 h 1183250"/>
+              <a:gd name="connsiteX4" fmla="*/ 425776 w 2815170"/>
+              <a:gd name="connsiteY4" fmla="*/ 1064052 h 1183250"/>
+              <a:gd name="connsiteX5" fmla="*/ 1407910 w 2815170"/>
+              <a:gd name="connsiteY5" fmla="*/ 1174119 h 1183250"/>
+              <a:gd name="connsiteX6" fmla="*/ 2263043 w 2815170"/>
+              <a:gd name="connsiteY6" fmla="*/ 852386 h 1183250"/>
+              <a:gd name="connsiteX7" fmla="*/ 2677910 w 2815170"/>
+              <a:gd name="connsiteY7" fmla="*/ 539119 h 1183250"/>
+              <a:gd name="connsiteX8" fmla="*/ 2627110 w 2815170"/>
+              <a:gd name="connsiteY8" fmla="*/ 327452 h 1183250"/>
+              <a:gd name="connsiteX9" fmla="*/ 2804910 w 2815170"/>
+              <a:gd name="connsiteY9" fmla="*/ 175052 h 1183250"/>
+              <a:gd name="connsiteX10" fmla="*/ 2271510 w 2815170"/>
+              <a:gd name="connsiteY10" fmla="*/ 14186 h 1183250"/>
+              <a:gd name="connsiteX11" fmla="*/ 1230110 w 2815170"/>
+              <a:gd name="connsiteY11" fmla="*/ 48052 h 1183250"/>
+            </a:gdLst>
+            <a:ahLst/>
+            <a:cxnLst>
+              <a:cxn ang="0">
+                <a:pos x="connsiteX0" y="connsiteY0"/>
+              </a:cxn>
+              <a:cxn ang="0">
+                <a:pos x="connsiteX1" y="connsiteY1"/>
+              </a:cxn>
+              <a:cxn ang="0">
+                <a:pos x="connsiteX2" y="connsiteY2"/>
+              </a:cxn>
+              <a:cxn ang="0">
+                <a:pos x="connsiteX3" y="connsiteY3"/>
+              </a:cxn>
+              <a:cxn ang="0">
+                <a:pos x="connsiteX4" y="connsiteY4"/>
+              </a:cxn>
+              <a:cxn ang="0">
+                <a:pos x="connsiteX5" y="connsiteY5"/>
+              </a:cxn>
+              <a:cxn ang="0">
+                <a:pos x="connsiteX6" y="connsiteY6"/>
+              </a:cxn>
+              <a:cxn ang="0">
+                <a:pos x="connsiteX7" y="connsiteY7"/>
+              </a:cxn>
+              <a:cxn ang="0">
+                <a:pos x="connsiteX8" y="connsiteY8"/>
+              </a:cxn>
+              <a:cxn ang="0">
+                <a:pos x="connsiteX9" y="connsiteY9"/>
+              </a:cxn>
+              <a:cxn ang="0">
+                <a:pos x="connsiteX10" y="connsiteY10"/>
+              </a:cxn>
+              <a:cxn ang="0">
+                <a:pos x="connsiteX11" y="connsiteY11"/>
+              </a:cxn>
+            </a:cxnLst>
+            <a:rect l="l" t="t" r="r" b="b"/>
+            <a:pathLst>
+              <a:path w="2815170" h="1183250">
+                <a:moveTo>
+                  <a:pt x="1230110" y="48052"/>
+                </a:moveTo>
+                <a:cubicBezTo>
+                  <a:pt x="911199" y="49463"/>
+                  <a:pt x="562654" y="-40848"/>
+                  <a:pt x="358043" y="22652"/>
+                </a:cubicBezTo>
+                <a:cubicBezTo>
+                  <a:pt x="153432" y="86152"/>
+                  <a:pt x="-22957" y="309108"/>
+                  <a:pt x="2443" y="429052"/>
+                </a:cubicBezTo>
+                <a:cubicBezTo>
+                  <a:pt x="27843" y="548997"/>
+                  <a:pt x="439888" y="636486"/>
+                  <a:pt x="510443" y="742319"/>
+                </a:cubicBezTo>
+                <a:cubicBezTo>
+                  <a:pt x="580998" y="848152"/>
+                  <a:pt x="276198" y="992085"/>
+                  <a:pt x="425776" y="1064052"/>
+                </a:cubicBezTo>
+                <a:cubicBezTo>
+                  <a:pt x="575354" y="1136019"/>
+                  <a:pt x="1101699" y="1209397"/>
+                  <a:pt x="1407910" y="1174119"/>
+                </a:cubicBezTo>
+                <a:cubicBezTo>
+                  <a:pt x="1714121" y="1138841"/>
+                  <a:pt x="2051376" y="958219"/>
+                  <a:pt x="2263043" y="852386"/>
+                </a:cubicBezTo>
+                <a:cubicBezTo>
+                  <a:pt x="2474710" y="746553"/>
+                  <a:pt x="2617232" y="626608"/>
+                  <a:pt x="2677910" y="539119"/>
+                </a:cubicBezTo>
+                <a:cubicBezTo>
+                  <a:pt x="2738588" y="451630"/>
+                  <a:pt x="2605943" y="388130"/>
+                  <a:pt x="2627110" y="327452"/>
+                </a:cubicBezTo>
+                <a:cubicBezTo>
+                  <a:pt x="2648277" y="266774"/>
+                  <a:pt x="2864177" y="227263"/>
+                  <a:pt x="2804910" y="175052"/>
+                </a:cubicBezTo>
+                <a:cubicBezTo>
+                  <a:pt x="2745643" y="122841"/>
+                  <a:pt x="2532566" y="35353"/>
+                  <a:pt x="2271510" y="14186"/>
+                </a:cubicBezTo>
+                <a:cubicBezTo>
+                  <a:pt x="2010454" y="-6981"/>
+                  <a:pt x="1549021" y="46641"/>
+                  <a:pt x="1230110" y="48052"/>
+                </a:cubicBezTo>
+                <a:close/>
+              </a:path>
+            </a:pathLst>
+          </a:custGeom>
+          <a:solidFill>
+            <a:schemeClr val="accent5">
+              <a:lumMod val="60000"/>
+              <a:lumOff val="40000"/>
+              <a:alpha val="28000"/>
+            </a:schemeClr>
+          </a:solidFill>
+        </p:spPr>
+        <p:style>
+          <a:lnRef idx="2">
+            <a:schemeClr val="accent1">
+              <a:shade val="15000"/>
+            </a:schemeClr>
+          </a:lnRef>
+          <a:fillRef idx="1">
+            <a:schemeClr val="accent1"/>
+          </a:fillRef>
+          <a:effectRef idx="0">
+            <a:schemeClr val="accent1"/>
+          </a:effectRef>
+          <a:fontRef idx="minor">
+            <a:schemeClr val="lt1"/>
+          </a:fontRef>
+        </p:style>
+        <p:txBody>
+          <a:bodyPr rtlCol="0" anchor="ctr"/>
+          <a:lstStyle/>
+          <a:p>
+            <a:pPr algn="ctr"/>
+            <a:endParaRPr lang="en-US" dirty="0"/>
+          </a:p>
+        </p:txBody>
+      </p:sp>
+      <p:cxnSp>
+        <p:nvCxnSpPr>
+          <p:cNvPr id="3" name="Straight Arrow Connector 2">
+            <a:extLst>
+              <a:ext uri="{FF2B5EF4-FFF2-40B4-BE49-F238E27FC236}">
+                <a16:creationId xmlns:a16="http://schemas.microsoft.com/office/drawing/2014/main" id="{7C38AD91-BE10-523B-B1BC-DE44D0993287}"/>
+              </a:ext>
+            </a:extLst>
+          </p:cNvPr>
+          <p:cNvCxnSpPr>
+            <a:cxnSpLocks/>
+          </p:cNvCxnSpPr>
+          <p:nvPr/>
+        </p:nvCxnSpPr>
+        <p:spPr>
+          <a:xfrm>
+            <a:off x="5638202" y="2257425"/>
+            <a:ext cx="0" cy="1095375"/>
+          </a:xfrm>
+          <a:prstGeom prst="straightConnector1">
+            <a:avLst/>
+          </a:prstGeom>
+          <a:ln w="12700">
+            <a:solidFill>
+              <a:schemeClr val="tx1"/>
+            </a:solidFill>
+            <a:prstDash val="solid"/>
+            <a:tailEnd type="none" w="med" len="lg"/>
+          </a:ln>
+        </p:spPr>
+        <p:style>
+          <a:lnRef idx="2">
+            <a:schemeClr val="accent1"/>
+          </a:lnRef>
+          <a:fillRef idx="0">
+            <a:schemeClr val="accent1"/>
+          </a:fillRef>
+          <a:effectRef idx="1">
+            <a:schemeClr val="accent1"/>
+          </a:effectRef>
+          <a:fontRef idx="minor">
+            <a:schemeClr val="tx1"/>
+          </a:fontRef>
+        </p:style>
+      </p:cxnSp>
+      <p:sp>
+        <p:nvSpPr>
+          <p:cNvPr id="4" name="Arc 3">
+            <a:extLst>
+              <a:ext uri="{FF2B5EF4-FFF2-40B4-BE49-F238E27FC236}">
+                <a16:creationId xmlns:a16="http://schemas.microsoft.com/office/drawing/2014/main" id="{73DF87B4-C8EB-BAED-CB36-0C947C674D20}"/>
+              </a:ext>
+            </a:extLst>
+          </p:cNvPr>
+          <p:cNvSpPr/>
+          <p:nvPr/>
+        </p:nvSpPr>
+        <p:spPr>
+          <a:xfrm rot="8823194">
+            <a:off x="5423282" y="2322742"/>
+            <a:ext cx="351057" cy="336693"/>
+          </a:xfrm>
+          <a:prstGeom prst="arc">
+            <a:avLst>
+              <a:gd name="adj1" fmla="val 13444534"/>
+              <a:gd name="adj2" fmla="val 21250831"/>
+            </a:avLst>
+          </a:prstGeom>
+          <a:ln w="12700">
+            <a:solidFill>
+              <a:schemeClr val="tx1"/>
+            </a:solidFill>
+            <a:headEnd type="stealth"/>
+          </a:ln>
+        </p:spPr>
+        <p:style>
+          <a:lnRef idx="2">
+            <a:schemeClr val="accent1"/>
+          </a:lnRef>
+          <a:fillRef idx="0">
+            <a:schemeClr val="accent1"/>
+          </a:fillRef>
+          <a:effectRef idx="1">
+            <a:schemeClr val="accent1"/>
+          </a:effectRef>
+          <a:fontRef idx="minor">
+            <a:schemeClr val="tx1"/>
+          </a:fontRef>
+        </p:style>
+        <p:txBody>
+          <a:bodyPr rtlCol="0" anchor="ctr"/>
+          <a:lstStyle/>
+          <a:p>
+            <a:pPr algn="ctr"/>
+            <a:endParaRPr lang="en-US"/>
+          </a:p>
+        </p:txBody>
+      </p:sp>
+      <mc:AlternateContent xmlns:mc="http://schemas.openxmlformats.org/markup-compatibility/2006">
+        <mc:Choice xmlns:a14="http://schemas.microsoft.com/office/drawing/2010/main" Requires="a14">
+          <p:sp>
+            <p:nvSpPr>
+              <p:cNvPr id="5" name="TextBox 4">
+                <a:extLst>
+                  <a:ext uri="{FF2B5EF4-FFF2-40B4-BE49-F238E27FC236}">
+                    <a16:creationId xmlns:a16="http://schemas.microsoft.com/office/drawing/2014/main" id="{AD7BC91A-FEF1-9ADE-2578-53288FF29901}"/>
+                  </a:ext>
+                </a:extLst>
+              </p:cNvPr>
+              <p:cNvSpPr txBox="1"/>
+              <p:nvPr/>
+            </p:nvSpPr>
+            <p:spPr>
+              <a:xfrm>
+                <a:off x="5718435" y="2532777"/>
+                <a:ext cx="170688" cy="215444"/>
+              </a:xfrm>
+              <a:prstGeom prst="rect">
+                <a:avLst/>
+              </a:prstGeom>
+              <a:noFill/>
+            </p:spPr>
+            <p:txBody>
+              <a:bodyPr wrap="none" lIns="0" tIns="0" rIns="0" bIns="0" rtlCol="0">
+                <a:spAutoFit/>
+              </a:bodyPr>
+              <a:lstStyle/>
+              <a:p>
+                <a:pPr/>
+                <a14:m>
+                  <m:oMathPara xmlns:m="http://schemas.openxmlformats.org/officeDocument/2006/math">
+                    <m:oMathParaPr>
+                      <m:jc m:val="centerGroup"/>
+                    </m:oMathParaPr>
+                    <m:oMath xmlns:m="http://schemas.openxmlformats.org/officeDocument/2006/math">
+                      <m:r>
+                        <a:rPr lang="en-US" sz="1400" i="1">
+                          <a:latin typeface="Cambria Math" panose="02040503050406030204" pitchFamily="18" charset="0"/>
+                          <a:ea typeface="Cambria Math" panose="02040503050406030204" pitchFamily="18" charset="0"/>
+                        </a:rPr>
+                        <m:t>𝜔</m:t>
+                      </m:r>
+                    </m:oMath>
+                  </m:oMathPara>
+                </a14:m>
+                <a:endParaRPr lang="en-US" sz="1400" dirty="0"/>
+              </a:p>
+            </p:txBody>
+          </p:sp>
+        </mc:Choice>
+        <mc:Fallback>
+          <p:sp>
+            <p:nvSpPr>
+              <p:cNvPr id="5" name="TextBox 4">
+                <a:extLst>
+                  <a:ext uri="{FF2B5EF4-FFF2-40B4-BE49-F238E27FC236}">
+                    <a16:creationId xmlns:a16="http://schemas.microsoft.com/office/drawing/2014/main" id="{AD7BC91A-FEF1-9ADE-2578-53288FF29901}"/>
+                  </a:ext>
+                </a:extLst>
+              </p:cNvPr>
+              <p:cNvSpPr txBox="1">
+                <a:spLocks noRot="1" noChangeAspect="1" noMove="1" noResize="1" noEditPoints="1" noAdjustHandles="1" noChangeArrowheads="1" noChangeShapeType="1" noTextEdit="1"/>
+              </p:cNvSpPr>
+              <p:nvPr/>
+            </p:nvSpPr>
+            <p:spPr>
+              <a:xfrm>
+                <a:off x="5718435" y="2532777"/>
+                <a:ext cx="170688" cy="215444"/>
+              </a:xfrm>
+              <a:prstGeom prst="rect">
+                <a:avLst/>
+              </a:prstGeom>
+              <a:blipFill>
+                <a:blip r:embed="rId2"/>
+                <a:stretch>
+                  <a:fillRect l="-14286" r="-14286"/>
+                </a:stretch>
+              </a:blipFill>
+            </p:spPr>
+            <p:txBody>
+              <a:bodyPr/>
+              <a:lstStyle/>
+              <a:p>
+                <a:r>
+                  <a:rPr lang="en-US">
+                    <a:noFill/>
+                  </a:rPr>
+                  <a:t> </a:t>
+                </a:r>
+              </a:p>
+            </p:txBody>
+          </p:sp>
+        </mc:Fallback>
+      </mc:AlternateContent>
+      <p:cxnSp>
+        <p:nvCxnSpPr>
+          <p:cNvPr id="7" name="Straight Arrow Connector 6">
+            <a:extLst>
+              <a:ext uri="{FF2B5EF4-FFF2-40B4-BE49-F238E27FC236}">
+                <a16:creationId xmlns:a16="http://schemas.microsoft.com/office/drawing/2014/main" id="{43849882-9145-09EB-D8D2-3F80D3A25F0C}"/>
+              </a:ext>
+            </a:extLst>
+          </p:cNvPr>
+          <p:cNvCxnSpPr>
+            <a:cxnSpLocks/>
+          </p:cNvCxnSpPr>
+          <p:nvPr/>
+        </p:nvCxnSpPr>
+        <p:spPr>
+          <a:xfrm>
+            <a:off x="5638202" y="3352800"/>
+            <a:ext cx="0" cy="972820"/>
+          </a:xfrm>
+          <a:prstGeom prst="straightConnector1">
+            <a:avLst/>
+          </a:prstGeom>
+          <a:ln w="12700">
+            <a:solidFill>
+              <a:schemeClr val="tx1"/>
+            </a:solidFill>
+            <a:prstDash val="dash"/>
+            <a:tailEnd type="none" w="med" len="lg"/>
+          </a:ln>
+        </p:spPr>
+        <p:style>
+          <a:lnRef idx="2">
+            <a:schemeClr val="accent1"/>
+          </a:lnRef>
+          <a:fillRef idx="0">
+            <a:schemeClr val="accent1"/>
+          </a:fillRef>
+          <a:effectRef idx="1">
+            <a:schemeClr val="accent1"/>
+          </a:effectRef>
+          <a:fontRef idx="minor">
+            <a:schemeClr val="tx1"/>
+          </a:fontRef>
+        </p:style>
+      </p:cxnSp>
+      <p:sp>
+        <p:nvSpPr>
+          <p:cNvPr id="8" name="Oval 7">
+            <a:extLst>
+              <a:ext uri="{FF2B5EF4-FFF2-40B4-BE49-F238E27FC236}">
+                <a16:creationId xmlns:a16="http://schemas.microsoft.com/office/drawing/2014/main" id="{2C0C0E96-0295-5836-CF0B-8E075FB4D5CD}"/>
+              </a:ext>
+            </a:extLst>
+          </p:cNvPr>
+          <p:cNvSpPr/>
+          <p:nvPr/>
+        </p:nvSpPr>
+        <p:spPr>
+          <a:xfrm>
+            <a:off x="5611861" y="3379410"/>
+            <a:ext cx="52679" cy="49590"/>
+          </a:xfrm>
+          <a:prstGeom prst="ellipse">
+            <a:avLst/>
+          </a:prstGeom>
+          <a:solidFill>
+            <a:schemeClr val="tx1"/>
+          </a:solidFill>
+          <a:ln>
+            <a:noFill/>
+          </a:ln>
+        </p:spPr>
+        <p:style>
+          <a:lnRef idx="2">
+            <a:schemeClr val="accent1">
+              <a:shade val="15000"/>
+            </a:schemeClr>
+          </a:lnRef>
+          <a:fillRef idx="1">
+            <a:schemeClr val="accent1"/>
+          </a:fillRef>
+          <a:effectRef idx="0">
+            <a:schemeClr val="accent1"/>
+          </a:effectRef>
+          <a:fontRef idx="minor">
+            <a:schemeClr val="lt1"/>
+          </a:fontRef>
+        </p:style>
+        <p:txBody>
+          <a:bodyPr rtlCol="0" anchor="ctr"/>
+          <a:lstStyle/>
+          <a:p>
+            <a:pPr algn="ctr"/>
+            <a:endParaRPr lang="en-US"/>
+          </a:p>
+        </p:txBody>
+      </p:sp>
+      <p:cxnSp>
+        <p:nvCxnSpPr>
+          <p:cNvPr id="9" name="Straight Arrow Connector 8">
+            <a:extLst>
+              <a:ext uri="{FF2B5EF4-FFF2-40B4-BE49-F238E27FC236}">
+                <a16:creationId xmlns:a16="http://schemas.microsoft.com/office/drawing/2014/main" id="{4E7770E1-6426-9C11-05E3-5B51AFCD1005}"/>
+              </a:ext>
+            </a:extLst>
+          </p:cNvPr>
+          <p:cNvCxnSpPr>
+            <a:cxnSpLocks/>
+          </p:cNvCxnSpPr>
+          <p:nvPr/>
+        </p:nvCxnSpPr>
+        <p:spPr>
+          <a:xfrm>
+            <a:off x="6310731" y="2379980"/>
+            <a:ext cx="0" cy="826956"/>
+          </a:xfrm>
+          <a:prstGeom prst="straightConnector1">
+            <a:avLst/>
+          </a:prstGeom>
+          <a:ln w="12700">
+            <a:solidFill>
+              <a:schemeClr val="tx1"/>
+            </a:solidFill>
+            <a:prstDash val="solid"/>
+            <a:tailEnd type="none" w="med" len="lg"/>
+          </a:ln>
+        </p:spPr>
+        <p:style>
+          <a:lnRef idx="2">
+            <a:schemeClr val="accent1"/>
+          </a:lnRef>
+          <a:fillRef idx="0">
+            <a:schemeClr val="accent1"/>
+          </a:fillRef>
+          <a:effectRef idx="1">
+            <a:schemeClr val="accent1"/>
+          </a:effectRef>
+          <a:fontRef idx="minor">
+            <a:schemeClr val="tx1"/>
+          </a:fontRef>
+        </p:style>
+      </p:cxnSp>
+      <p:cxnSp>
+        <p:nvCxnSpPr>
+          <p:cNvPr id="11" name="Straight Arrow Connector 10">
+            <a:extLst>
+              <a:ext uri="{FF2B5EF4-FFF2-40B4-BE49-F238E27FC236}">
+                <a16:creationId xmlns:a16="http://schemas.microsoft.com/office/drawing/2014/main" id="{AC2EE79B-AD12-1D4D-1FB6-38A59D5BEDCD}"/>
+              </a:ext>
+            </a:extLst>
+          </p:cNvPr>
+          <p:cNvCxnSpPr>
+            <a:cxnSpLocks/>
+          </p:cNvCxnSpPr>
+          <p:nvPr/>
+        </p:nvCxnSpPr>
+        <p:spPr>
+          <a:xfrm>
+            <a:off x="6310731" y="3206936"/>
+            <a:ext cx="0" cy="840131"/>
+          </a:xfrm>
+          <a:prstGeom prst="straightConnector1">
+            <a:avLst/>
+          </a:prstGeom>
+          <a:ln w="12700">
+            <a:solidFill>
+              <a:schemeClr val="tx1"/>
+            </a:solidFill>
+            <a:prstDash val="dash"/>
+            <a:tailEnd type="none" w="med" len="lg"/>
+          </a:ln>
+        </p:spPr>
+        <p:style>
+          <a:lnRef idx="2">
+            <a:schemeClr val="accent1"/>
+          </a:lnRef>
+          <a:fillRef idx="0">
+            <a:schemeClr val="accent1"/>
+          </a:fillRef>
+          <a:effectRef idx="1">
+            <a:schemeClr val="accent1"/>
+          </a:effectRef>
+          <a:fontRef idx="minor">
+            <a:schemeClr val="tx1"/>
+          </a:fontRef>
+        </p:style>
+      </p:cxnSp>
+      <p:sp>
+        <p:nvSpPr>
+          <p:cNvPr id="12" name="Oval 11">
+            <a:extLst>
+              <a:ext uri="{FF2B5EF4-FFF2-40B4-BE49-F238E27FC236}">
+                <a16:creationId xmlns:a16="http://schemas.microsoft.com/office/drawing/2014/main" id="{8E74A68C-02A8-B987-0A7F-C0D6D47572EA}"/>
+              </a:ext>
+            </a:extLst>
+          </p:cNvPr>
+          <p:cNvSpPr/>
+          <p:nvPr/>
+        </p:nvSpPr>
+        <p:spPr>
+          <a:xfrm>
+            <a:off x="6284390" y="3233546"/>
+            <a:ext cx="52679" cy="49590"/>
+          </a:xfrm>
+          <a:prstGeom prst="ellipse">
+            <a:avLst/>
+          </a:prstGeom>
+          <a:solidFill>
+            <a:schemeClr val="tx1"/>
+          </a:solidFill>
+          <a:ln>
+            <a:noFill/>
+          </a:ln>
+        </p:spPr>
+        <p:style>
+          <a:lnRef idx="2">
+            <a:schemeClr val="accent1">
+              <a:shade val="15000"/>
+            </a:schemeClr>
+          </a:lnRef>
+          <a:fillRef idx="1">
+            <a:schemeClr val="accent1"/>
+          </a:fillRef>
+          <a:effectRef idx="0">
+            <a:schemeClr val="accent1"/>
+          </a:effectRef>
+          <a:fontRef idx="minor">
+            <a:schemeClr val="lt1"/>
+          </a:fontRef>
+        </p:style>
+        <p:txBody>
+          <a:bodyPr rtlCol="0" anchor="ctr"/>
+          <a:lstStyle/>
+          <a:p>
+            <a:pPr algn="ctr"/>
+            <a:endParaRPr lang="en-US"/>
+          </a:p>
+        </p:txBody>
+      </p:sp>
+      <p:cxnSp>
+        <p:nvCxnSpPr>
+          <p:cNvPr id="15" name="Straight Arrow Connector 14">
+            <a:extLst>
+              <a:ext uri="{FF2B5EF4-FFF2-40B4-BE49-F238E27FC236}">
+                <a16:creationId xmlns:a16="http://schemas.microsoft.com/office/drawing/2014/main" id="{01172487-60C5-3B0A-291B-59D60C571AE7}"/>
+              </a:ext>
+            </a:extLst>
+          </p:cNvPr>
+          <p:cNvCxnSpPr>
+            <a:cxnSpLocks/>
+            <a:stCxn id="12" idx="6"/>
+          </p:cNvCxnSpPr>
+          <p:nvPr/>
+        </p:nvCxnSpPr>
+        <p:spPr>
+          <a:xfrm flipH="1">
+            <a:off x="5638197" y="3258341"/>
+            <a:ext cx="698872" cy="141060"/>
+          </a:xfrm>
+          <a:prstGeom prst="straightConnector1">
+            <a:avLst/>
+          </a:prstGeom>
+          <a:ln w="9525">
+            <a:solidFill>
+              <a:schemeClr val="tx1"/>
+            </a:solidFill>
+            <a:prstDash val="dash"/>
+            <a:tailEnd type="none" w="med" len="lg"/>
+          </a:ln>
+        </p:spPr>
+        <p:style>
+          <a:lnRef idx="2">
+            <a:schemeClr val="accent1"/>
+          </a:lnRef>
+          <a:fillRef idx="0">
+            <a:schemeClr val="accent1"/>
+          </a:fillRef>
+          <a:effectRef idx="1">
+            <a:schemeClr val="accent1"/>
+          </a:effectRef>
+          <a:fontRef idx="minor">
+            <a:schemeClr val="tx1"/>
+          </a:fontRef>
+        </p:style>
+      </p:cxnSp>
+      <p:cxnSp>
+        <p:nvCxnSpPr>
+          <p:cNvPr id="18" name="Straight Arrow Connector 17">
+            <a:extLst>
+              <a:ext uri="{FF2B5EF4-FFF2-40B4-BE49-F238E27FC236}">
+                <a16:creationId xmlns:a16="http://schemas.microsoft.com/office/drawing/2014/main" id="{A7F56C88-4BDB-7404-EEB1-4B5EE21C92F9}"/>
+              </a:ext>
+            </a:extLst>
+          </p:cNvPr>
+          <p:cNvCxnSpPr>
+            <a:cxnSpLocks/>
+          </p:cNvCxnSpPr>
+          <p:nvPr/>
+        </p:nvCxnSpPr>
+        <p:spPr>
+          <a:xfrm flipH="1">
+            <a:off x="5644005" y="2828799"/>
+            <a:ext cx="663787" cy="133978"/>
+          </a:xfrm>
+          <a:prstGeom prst="straightConnector1">
+            <a:avLst/>
+          </a:prstGeom>
+          <a:ln w="15875">
+            <a:solidFill>
+              <a:schemeClr val="tx1"/>
+            </a:solidFill>
+            <a:prstDash val="solid"/>
+            <a:headEnd type="stealth" w="med" len="lg"/>
+            <a:tailEnd type="stealth" w="med" len="lg"/>
+          </a:ln>
+        </p:spPr>
+        <p:style>
+          <a:lnRef idx="2">
+            <a:schemeClr val="accent1"/>
+          </a:lnRef>
+          <a:fillRef idx="0">
+            <a:schemeClr val="accent1"/>
+          </a:fillRef>
+          <a:effectRef idx="1">
+            <a:schemeClr val="accent1"/>
+          </a:effectRef>
+          <a:fontRef idx="minor">
+            <a:schemeClr val="tx1"/>
+          </a:fontRef>
+        </p:style>
+      </p:cxnSp>
+      <mc:AlternateContent xmlns:mc="http://schemas.openxmlformats.org/markup-compatibility/2006">
+        <mc:Choice xmlns:a14="http://schemas.microsoft.com/office/drawing/2010/main" Requires="a14">
+          <p:sp>
+            <p:nvSpPr>
+              <p:cNvPr id="21" name="TextBox 20">
+                <a:extLst>
+                  <a:ext uri="{FF2B5EF4-FFF2-40B4-BE49-F238E27FC236}">
+                    <a16:creationId xmlns:a16="http://schemas.microsoft.com/office/drawing/2014/main" id="{68A5210C-1B87-2BBF-50DD-D9C790B7A567}"/>
+                  </a:ext>
+                </a:extLst>
+              </p:cNvPr>
+              <p:cNvSpPr txBox="1"/>
+              <p:nvPr/>
+            </p:nvSpPr>
+            <p:spPr>
+              <a:xfrm>
+                <a:off x="5917325" y="2838747"/>
+                <a:ext cx="140616" cy="215444"/>
+              </a:xfrm>
+              <a:prstGeom prst="rect">
+                <a:avLst/>
+              </a:prstGeom>
+              <a:noFill/>
+            </p:spPr>
+            <p:txBody>
+              <a:bodyPr wrap="none" lIns="0" tIns="0" rIns="0" bIns="0" rtlCol="0">
+                <a:spAutoFit/>
+              </a:bodyPr>
+              <a:lstStyle/>
+              <a:p>
+                <a:pPr/>
+                <a14:m>
+                  <m:oMathPara xmlns:m="http://schemas.openxmlformats.org/officeDocument/2006/math">
+                    <m:oMathParaPr>
+                      <m:jc m:val="centerGroup"/>
+                    </m:oMathParaPr>
+                    <m:oMath xmlns:m="http://schemas.openxmlformats.org/officeDocument/2006/math">
+                      <m:r>
+                        <a:rPr lang="en-US" sz="1400" i="1" smtClean="0">
+                          <a:latin typeface="Cambria Math" panose="02040503050406030204" pitchFamily="18" charset="0"/>
+                          <a:ea typeface="Cambria Math" panose="02040503050406030204" pitchFamily="18" charset="0"/>
+                        </a:rPr>
+                        <m:t>𝑎</m:t>
+                      </m:r>
+                    </m:oMath>
+                  </m:oMathPara>
+                </a14:m>
+                <a:endParaRPr lang="en-US" sz="1400" dirty="0"/>
+              </a:p>
+            </p:txBody>
+          </p:sp>
+        </mc:Choice>
+        <mc:Fallback>
+          <p:sp>
+            <p:nvSpPr>
+              <p:cNvPr id="21" name="TextBox 20">
+                <a:extLst>
+                  <a:ext uri="{FF2B5EF4-FFF2-40B4-BE49-F238E27FC236}">
+                    <a16:creationId xmlns:a16="http://schemas.microsoft.com/office/drawing/2014/main" id="{68A5210C-1B87-2BBF-50DD-D9C790B7A567}"/>
+                  </a:ext>
+                </a:extLst>
+              </p:cNvPr>
+              <p:cNvSpPr txBox="1">
+                <a:spLocks noRot="1" noChangeAspect="1" noMove="1" noResize="1" noEditPoints="1" noAdjustHandles="1" noChangeArrowheads="1" noChangeShapeType="1" noTextEdit="1"/>
+              </p:cNvSpPr>
+              <p:nvPr/>
+            </p:nvSpPr>
+            <p:spPr>
+              <a:xfrm>
+                <a:off x="5917325" y="2838747"/>
+                <a:ext cx="140616" cy="215444"/>
+              </a:xfrm>
+              <a:prstGeom prst="rect">
+                <a:avLst/>
+              </a:prstGeom>
+              <a:blipFill>
+                <a:blip r:embed="rId3"/>
+                <a:stretch>
+                  <a:fillRect l="-21739" r="-13043"/>
+                </a:stretch>
+              </a:blipFill>
+            </p:spPr>
+            <p:txBody>
+              <a:bodyPr/>
+              <a:lstStyle/>
+              <a:p>
+                <a:r>
+                  <a:rPr lang="en-US">
+                    <a:noFill/>
+                  </a:rPr>
+                  <a:t> </a:t>
+                </a:r>
+              </a:p>
+            </p:txBody>
+          </p:sp>
+        </mc:Fallback>
+      </mc:AlternateContent>
+      <mc:AlternateContent xmlns:mc="http://schemas.openxmlformats.org/markup-compatibility/2006">
+        <mc:Choice xmlns:a14="http://schemas.microsoft.com/office/drawing/2010/main" Requires="a14">
+          <p:sp>
+            <p:nvSpPr>
+              <p:cNvPr id="22" name="TextBox 21">
+                <a:extLst>
+                  <a:ext uri="{FF2B5EF4-FFF2-40B4-BE49-F238E27FC236}">
+                    <a16:creationId xmlns:a16="http://schemas.microsoft.com/office/drawing/2014/main" id="{156296C6-B7B5-8833-C4B7-4B5A8B639A25}"/>
+                  </a:ext>
+                </a:extLst>
+              </p:cNvPr>
+              <p:cNvSpPr txBox="1"/>
+              <p:nvPr/>
+            </p:nvSpPr>
+            <p:spPr>
+              <a:xfrm>
+                <a:off x="5472869" y="3377470"/>
+                <a:ext cx="152157" cy="215444"/>
+              </a:xfrm>
+              <a:prstGeom prst="rect">
+                <a:avLst/>
+              </a:prstGeom>
+              <a:noFill/>
+            </p:spPr>
+            <p:txBody>
+              <a:bodyPr wrap="none" lIns="0" tIns="0" rIns="0" bIns="0" rtlCol="0">
+                <a:spAutoFit/>
+              </a:bodyPr>
+              <a:lstStyle/>
+              <a:p>
+                <a:pPr/>
+                <a14:m>
+                  <m:oMathPara xmlns:m="http://schemas.openxmlformats.org/officeDocument/2006/math">
+                    <m:oMathParaPr>
+                      <m:jc m:val="centerGroup"/>
+                    </m:oMathParaPr>
+                    <m:oMath xmlns:m="http://schemas.openxmlformats.org/officeDocument/2006/math">
+                      <m:r>
+                        <a:rPr lang="en-US" sz="1400" b="0" i="1" smtClean="0">
+                          <a:latin typeface="Cambria Math" panose="02040503050406030204" pitchFamily="18" charset="0"/>
+                          <a:ea typeface="Cambria Math" panose="02040503050406030204" pitchFamily="18" charset="0"/>
+                        </a:rPr>
+                        <m:t>𝐶</m:t>
+                      </m:r>
+                    </m:oMath>
+                  </m:oMathPara>
+                </a14:m>
+                <a:endParaRPr lang="en-US" sz="1400" dirty="0"/>
+              </a:p>
+            </p:txBody>
+          </p:sp>
+        </mc:Choice>
+        <mc:Fallback>
+          <p:sp>
+            <p:nvSpPr>
+              <p:cNvPr id="22" name="TextBox 21">
+                <a:extLst>
+                  <a:ext uri="{FF2B5EF4-FFF2-40B4-BE49-F238E27FC236}">
+                    <a16:creationId xmlns:a16="http://schemas.microsoft.com/office/drawing/2014/main" id="{156296C6-B7B5-8833-C4B7-4B5A8B639A25}"/>
+                  </a:ext>
+                </a:extLst>
+              </p:cNvPr>
+              <p:cNvSpPr txBox="1">
+                <a:spLocks noRot="1" noChangeAspect="1" noMove="1" noResize="1" noEditPoints="1" noAdjustHandles="1" noChangeArrowheads="1" noChangeShapeType="1" noTextEdit="1"/>
+              </p:cNvSpPr>
+              <p:nvPr/>
+            </p:nvSpPr>
+            <p:spPr>
+              <a:xfrm>
+                <a:off x="5472869" y="3377470"/>
+                <a:ext cx="152157" cy="215444"/>
+              </a:xfrm>
+              <a:prstGeom prst="rect">
+                <a:avLst/>
+              </a:prstGeom>
+              <a:blipFill>
+                <a:blip r:embed="rId4"/>
+                <a:stretch>
+                  <a:fillRect l="-28000" r="-20000" b="-5714"/>
+                </a:stretch>
+              </a:blipFill>
+            </p:spPr>
+            <p:txBody>
+              <a:bodyPr/>
+              <a:lstStyle/>
+              <a:p>
+                <a:r>
+                  <a:rPr lang="en-US">
+                    <a:noFill/>
+                  </a:rPr>
+                  <a:t> </a:t>
+                </a:r>
+              </a:p>
+            </p:txBody>
+          </p:sp>
+        </mc:Fallback>
+      </mc:AlternateContent>
+      <mc:AlternateContent xmlns:mc="http://schemas.openxmlformats.org/markup-compatibility/2006">
+        <mc:Choice xmlns:a14="http://schemas.microsoft.com/office/drawing/2010/main" Requires="a14">
+          <p:sp>
+            <p:nvSpPr>
+              <p:cNvPr id="23" name="TextBox 22">
+                <a:extLst>
+                  <a:ext uri="{FF2B5EF4-FFF2-40B4-BE49-F238E27FC236}">
+                    <a16:creationId xmlns:a16="http://schemas.microsoft.com/office/drawing/2014/main" id="{606CD6FD-4F9D-6A0A-8284-23B7BE25171E}"/>
+                  </a:ext>
+                </a:extLst>
+              </p:cNvPr>
+              <p:cNvSpPr txBox="1"/>
+              <p:nvPr/>
+            </p:nvSpPr>
+            <p:spPr>
+              <a:xfrm>
+                <a:off x="6317551" y="3160847"/>
+                <a:ext cx="160300" cy="215444"/>
+              </a:xfrm>
+              <a:prstGeom prst="rect">
+                <a:avLst/>
+              </a:prstGeom>
+              <a:noFill/>
+            </p:spPr>
+            <p:txBody>
+              <a:bodyPr wrap="none" lIns="0" tIns="0" rIns="0" bIns="0" rtlCol="0">
+                <a:spAutoFit/>
+              </a:bodyPr>
+              <a:lstStyle/>
+              <a:p>
+                <a:pPr/>
+                <a14:m>
+                  <m:oMathPara xmlns:m="http://schemas.openxmlformats.org/officeDocument/2006/math">
+                    <m:oMathParaPr>
+                      <m:jc m:val="centerGroup"/>
+                    </m:oMathParaPr>
+                    <m:oMath xmlns:m="http://schemas.openxmlformats.org/officeDocument/2006/math">
+                      <m:r>
+                        <a:rPr lang="en-US" sz="1400" b="0" i="1" smtClean="0">
+                          <a:latin typeface="Cambria Math" panose="02040503050406030204" pitchFamily="18" charset="0"/>
+                          <a:ea typeface="Cambria Math" panose="02040503050406030204" pitchFamily="18" charset="0"/>
+                        </a:rPr>
+                        <m:t>𝐵</m:t>
+                      </m:r>
+                    </m:oMath>
+                  </m:oMathPara>
+                </a14:m>
+                <a:endParaRPr lang="en-US" sz="1400" dirty="0"/>
+              </a:p>
+            </p:txBody>
+          </p:sp>
+        </mc:Choice>
+        <mc:Fallback>
+          <p:sp>
+            <p:nvSpPr>
+              <p:cNvPr id="23" name="TextBox 22">
+                <a:extLst>
+                  <a:ext uri="{FF2B5EF4-FFF2-40B4-BE49-F238E27FC236}">
+                    <a16:creationId xmlns:a16="http://schemas.microsoft.com/office/drawing/2014/main" id="{606CD6FD-4F9D-6A0A-8284-23B7BE25171E}"/>
+                  </a:ext>
+                </a:extLst>
+              </p:cNvPr>
+              <p:cNvSpPr txBox="1">
+                <a:spLocks noRot="1" noChangeAspect="1" noMove="1" noResize="1" noEditPoints="1" noAdjustHandles="1" noChangeArrowheads="1" noChangeShapeType="1" noTextEdit="1"/>
+              </p:cNvSpPr>
+              <p:nvPr/>
+            </p:nvSpPr>
+            <p:spPr>
+              <a:xfrm>
+                <a:off x="6317551" y="3160847"/>
+                <a:ext cx="160300" cy="215444"/>
+              </a:xfrm>
+              <a:prstGeom prst="rect">
+                <a:avLst/>
+              </a:prstGeom>
+              <a:blipFill>
+                <a:blip r:embed="rId5"/>
+                <a:stretch>
+                  <a:fillRect l="-25926" r="-18519" b="-5714"/>
+                </a:stretch>
+              </a:blipFill>
+            </p:spPr>
+            <p:txBody>
+              <a:bodyPr/>
+              <a:lstStyle/>
+              <a:p>
+                <a:r>
+                  <a:rPr lang="en-US">
+                    <a:noFill/>
+                  </a:rPr>
+                  <a:t> </a:t>
+                </a:r>
+              </a:p>
+            </p:txBody>
+          </p:sp>
+        </mc:Fallback>
+      </mc:AlternateContent>
+    </p:spTree>
+    <p:extLst>
+      <p:ext uri="{BB962C8B-B14F-4D97-AF65-F5344CB8AC3E}">
+        <p14:creationId xmlns:p14="http://schemas.microsoft.com/office/powerpoint/2010/main" val="3529382890"/>
+      </p:ext>
+    </p:extLst>
+  </p:cSld>
+  <p:clrMapOvr>
+    <a:masterClrMapping/>
+  </p:clrMapOvr>
+</p:sld>
+</file>
+
+<file path=ppt/slides/slide21.xml><?xml version="1.0" encoding="utf-8"?>
+<p:sld xmlns:a="http://schemas.openxmlformats.org/drawingml/2006/main" xmlns:r="http://schemas.openxmlformats.org/officeDocument/2006/relationships" xmlns:p="http://schemas.openxmlformats.org/presentationml/2006/main">
+  <p:cSld>
+    <p:spTree>
+      <p:nvGrpSpPr>
+        <p:cNvPr id="1" name=""/>
+        <p:cNvGrpSpPr/>
+        <p:nvPr/>
+      </p:nvGrpSpPr>
+      <p:grpSpPr>
+        <a:xfrm>
+          <a:off x="0" y="0"/>
+          <a:ext cx="0" cy="0"/>
+          <a:chOff x="0" y="0"/>
+          <a:chExt cx="0" cy="0"/>
+        </a:xfrm>
+      </p:grpSpPr>
+      <p:sp>
+        <p:nvSpPr>
+          <p:cNvPr id="13" name="Cylinder 12">
+            <a:extLst>
+              <a:ext uri="{FF2B5EF4-FFF2-40B4-BE49-F238E27FC236}">
+                <a16:creationId xmlns:a16="http://schemas.microsoft.com/office/drawing/2014/main" id="{2D1C2FBB-828B-B08C-F023-E89E8631409E}"/>
+              </a:ext>
+            </a:extLst>
+          </p:cNvPr>
+          <p:cNvSpPr/>
+          <p:nvPr/>
+        </p:nvSpPr>
+        <p:spPr>
+          <a:xfrm>
+            <a:off x="4781550" y="4205356"/>
+            <a:ext cx="240631" cy="611710"/>
+          </a:xfrm>
+          <a:prstGeom prst="can">
+            <a:avLst/>
+          </a:prstGeom>
+          <a:solidFill>
+            <a:srgbClr val="002060">
+              <a:alpha val="62000"/>
+            </a:srgbClr>
+          </a:solidFill>
+        </p:spPr>
+        <p:style>
+          <a:lnRef idx="2">
+            <a:schemeClr val="accent1">
+              <a:shade val="15000"/>
+            </a:schemeClr>
+          </a:lnRef>
+          <a:fillRef idx="1">
+            <a:schemeClr val="accent1"/>
+          </a:fillRef>
+          <a:effectRef idx="0">
+            <a:schemeClr val="accent1"/>
+          </a:effectRef>
+          <a:fontRef idx="minor">
+            <a:schemeClr val="lt1"/>
+          </a:fontRef>
+        </p:style>
+        <p:txBody>
+          <a:bodyPr rtlCol="0" anchor="ctr"/>
+          <a:lstStyle/>
+          <a:p>
+            <a:pPr algn="ctr"/>
+            <a:endParaRPr lang="en-US" dirty="0"/>
+          </a:p>
+        </p:txBody>
+      </p:sp>
+      <p:cxnSp>
+        <p:nvCxnSpPr>
+          <p:cNvPr id="2" name="Straight Connector 1">
+            <a:extLst>
+              <a:ext uri="{FF2B5EF4-FFF2-40B4-BE49-F238E27FC236}">
+                <a16:creationId xmlns:a16="http://schemas.microsoft.com/office/drawing/2014/main" id="{82B24C13-10B3-8CDA-73D6-C1BD9C5924E5}"/>
+              </a:ext>
+            </a:extLst>
+          </p:cNvPr>
+          <p:cNvCxnSpPr>
+            <a:cxnSpLocks/>
+          </p:cNvCxnSpPr>
+          <p:nvPr/>
+        </p:nvCxnSpPr>
+        <p:spPr>
+          <a:xfrm>
+            <a:off x="3263861" y="2596243"/>
+            <a:ext cx="2353168" cy="0"/>
+          </a:xfrm>
+          <a:prstGeom prst="line">
+            <a:avLst/>
+          </a:prstGeom>
+          <a:ln>
+            <a:solidFill>
+              <a:schemeClr val="tx1"/>
+            </a:solidFill>
+          </a:ln>
+        </p:spPr>
+        <p:style>
+          <a:lnRef idx="2">
+            <a:schemeClr val="accent1"/>
+          </a:lnRef>
+          <a:fillRef idx="0">
+            <a:schemeClr val="accent1"/>
+          </a:fillRef>
+          <a:effectRef idx="1">
+            <a:schemeClr val="accent1"/>
+          </a:effectRef>
+          <a:fontRef idx="minor">
+            <a:schemeClr val="tx1"/>
+          </a:fontRef>
+        </p:style>
+      </p:cxnSp>
+      <p:sp>
+        <p:nvSpPr>
+          <p:cNvPr id="3" name="Isosceles Triangle 2">
+            <a:extLst>
+              <a:ext uri="{FF2B5EF4-FFF2-40B4-BE49-F238E27FC236}">
+                <a16:creationId xmlns:a16="http://schemas.microsoft.com/office/drawing/2014/main" id="{59CA8BA9-D976-405E-4CE5-AEA876473AA7}"/>
+              </a:ext>
+            </a:extLst>
+          </p:cNvPr>
+          <p:cNvSpPr/>
+          <p:nvPr/>
+        </p:nvSpPr>
+        <p:spPr>
+          <a:xfrm rot="10800000">
+            <a:off x="4250431" y="2605769"/>
+            <a:ext cx="352048" cy="696227"/>
+          </a:xfrm>
+          <a:prstGeom prst="triangle">
+            <a:avLst>
+              <a:gd name="adj" fmla="val 50233"/>
+            </a:avLst>
+          </a:prstGeom>
+          <a:solidFill>
+            <a:schemeClr val="tx1"/>
+          </a:solidFill>
+          <a:ln>
+            <a:noFill/>
+          </a:ln>
+        </p:spPr>
+        <p:style>
+          <a:lnRef idx="2">
+            <a:schemeClr val="accent1">
+              <a:shade val="15000"/>
+            </a:schemeClr>
+          </a:lnRef>
+          <a:fillRef idx="1">
+            <a:schemeClr val="accent1"/>
+          </a:fillRef>
+          <a:effectRef idx="0">
+            <a:schemeClr val="accent1"/>
+          </a:effectRef>
+          <a:fontRef idx="minor">
+            <a:schemeClr val="lt1"/>
+          </a:fontRef>
+        </p:style>
+        <p:txBody>
+          <a:bodyPr rtlCol="0" anchor="ctr"/>
+          <a:lstStyle/>
+          <a:p>
+            <a:pPr algn="ctr"/>
+            <a:endParaRPr lang="en-US"/>
+          </a:p>
+        </p:txBody>
+      </p:sp>
+      <p:sp>
+        <p:nvSpPr>
+          <p:cNvPr id="4" name="Oval 3">
+            <a:extLst>
+              <a:ext uri="{FF2B5EF4-FFF2-40B4-BE49-F238E27FC236}">
+                <a16:creationId xmlns:a16="http://schemas.microsoft.com/office/drawing/2014/main" id="{BFA781BF-560A-7B74-1843-06F754027F58}"/>
+              </a:ext>
+            </a:extLst>
+          </p:cNvPr>
+          <p:cNvSpPr/>
+          <p:nvPr/>
+        </p:nvSpPr>
+        <p:spPr>
+          <a:xfrm>
+            <a:off x="3956123" y="2826585"/>
+            <a:ext cx="950824" cy="950824"/>
+          </a:xfrm>
+          <a:prstGeom prst="ellipse">
+            <a:avLst/>
+          </a:prstGeom>
+          <a:solidFill>
+            <a:schemeClr val="tx2">
+              <a:lumMod val="10000"/>
+              <a:lumOff val="90000"/>
+              <a:alpha val="46000"/>
+            </a:schemeClr>
+          </a:solidFill>
+        </p:spPr>
+        <p:style>
+          <a:lnRef idx="2">
+            <a:schemeClr val="accent1">
+              <a:shade val="15000"/>
+            </a:schemeClr>
+          </a:lnRef>
+          <a:fillRef idx="1">
+            <a:schemeClr val="accent1"/>
+          </a:fillRef>
+          <a:effectRef idx="0">
+            <a:schemeClr val="accent1"/>
+          </a:effectRef>
+          <a:fontRef idx="minor">
+            <a:schemeClr val="lt1"/>
+          </a:fontRef>
+        </p:style>
+        <p:txBody>
+          <a:bodyPr rtlCol="0" anchor="ctr"/>
+          <a:lstStyle/>
+          <a:p>
+            <a:pPr algn="ctr"/>
+            <a:endParaRPr lang="en-US"/>
+          </a:p>
+        </p:txBody>
+      </p:sp>
+      <p:cxnSp>
+        <p:nvCxnSpPr>
+          <p:cNvPr id="8" name="Straight Connector 7">
+            <a:extLst>
+              <a:ext uri="{FF2B5EF4-FFF2-40B4-BE49-F238E27FC236}">
+                <a16:creationId xmlns:a16="http://schemas.microsoft.com/office/drawing/2014/main" id="{676583F5-C6CC-98B7-FBFA-D791A34B4D40}"/>
+              </a:ext>
+            </a:extLst>
+          </p:cNvPr>
+          <p:cNvCxnSpPr>
+            <a:cxnSpLocks/>
+          </p:cNvCxnSpPr>
+          <p:nvPr/>
+        </p:nvCxnSpPr>
+        <p:spPr>
+          <a:xfrm>
+            <a:off x="4901866" y="3224373"/>
+            <a:ext cx="0" cy="1010982"/>
+          </a:xfrm>
+          <a:prstGeom prst="line">
+            <a:avLst/>
+          </a:prstGeom>
+          <a:ln>
+            <a:solidFill>
+              <a:schemeClr val="tx1"/>
+            </a:solidFill>
+          </a:ln>
+        </p:spPr>
+        <p:style>
+          <a:lnRef idx="2">
+            <a:schemeClr val="accent1"/>
+          </a:lnRef>
+          <a:fillRef idx="0">
+            <a:schemeClr val="accent1"/>
+          </a:fillRef>
+          <a:effectRef idx="1">
+            <a:schemeClr val="accent1"/>
+          </a:effectRef>
+          <a:fontRef idx="minor">
+            <a:schemeClr val="tx1"/>
+          </a:fontRef>
+        </p:style>
+      </p:cxnSp>
+      <p:cxnSp>
+        <p:nvCxnSpPr>
+          <p:cNvPr id="14" name="Straight Arrow Connector 13">
+            <a:extLst>
+              <a:ext uri="{FF2B5EF4-FFF2-40B4-BE49-F238E27FC236}">
+                <a16:creationId xmlns:a16="http://schemas.microsoft.com/office/drawing/2014/main" id="{9C3469E8-C0B8-893B-6603-96D9F9E757AC}"/>
+              </a:ext>
+            </a:extLst>
+          </p:cNvPr>
+          <p:cNvCxnSpPr>
+            <a:cxnSpLocks/>
+          </p:cNvCxnSpPr>
+          <p:nvPr/>
+        </p:nvCxnSpPr>
+        <p:spPr>
+          <a:xfrm>
+            <a:off x="4901865" y="3729864"/>
+            <a:ext cx="0" cy="411864"/>
+          </a:xfrm>
+          <a:prstGeom prst="straightConnector1">
+            <a:avLst/>
+          </a:prstGeom>
+          <a:ln w="15875">
+            <a:solidFill>
+              <a:schemeClr val="tx1"/>
+            </a:solidFill>
+            <a:prstDash val="solid"/>
+            <a:headEnd type="stealth" w="med" len="lg"/>
+            <a:tailEnd type="none" w="med" len="lg"/>
+          </a:ln>
+        </p:spPr>
+        <p:style>
+          <a:lnRef idx="2">
+            <a:schemeClr val="accent1"/>
+          </a:lnRef>
+          <a:fillRef idx="0">
+            <a:schemeClr val="accent1"/>
+          </a:fillRef>
+          <a:effectRef idx="1">
+            <a:schemeClr val="accent1"/>
+          </a:effectRef>
+          <a:fontRef idx="minor">
+            <a:schemeClr val="tx1"/>
+          </a:fontRef>
+        </p:style>
+      </p:cxnSp>
+      <p:cxnSp>
+        <p:nvCxnSpPr>
+          <p:cNvPr id="16" name="Straight Arrow Connector 15">
+            <a:extLst>
+              <a:ext uri="{FF2B5EF4-FFF2-40B4-BE49-F238E27FC236}">
+                <a16:creationId xmlns:a16="http://schemas.microsoft.com/office/drawing/2014/main" id="{1C89C9A6-E330-3538-3E0B-7DD906377787}"/>
+              </a:ext>
+            </a:extLst>
+          </p:cNvPr>
+          <p:cNvCxnSpPr>
+            <a:cxnSpLocks/>
+          </p:cNvCxnSpPr>
+          <p:nvPr/>
+        </p:nvCxnSpPr>
+        <p:spPr>
+          <a:xfrm flipV="1">
+            <a:off x="4999231" y="3254004"/>
+            <a:ext cx="0" cy="317551"/>
+          </a:xfrm>
+          <a:prstGeom prst="straightConnector1">
+            <a:avLst/>
+          </a:prstGeom>
+          <a:ln w="15875">
+            <a:solidFill>
+              <a:schemeClr val="tx1"/>
+            </a:solidFill>
+            <a:prstDash val="solid"/>
+            <a:headEnd type="stealth" w="med" len="lg"/>
+            <a:tailEnd type="none" w="med" len="lg"/>
+          </a:ln>
+        </p:spPr>
+        <p:style>
+          <a:lnRef idx="2">
+            <a:schemeClr val="accent1"/>
+          </a:lnRef>
+          <a:fillRef idx="0">
+            <a:schemeClr val="accent1"/>
+          </a:fillRef>
+          <a:effectRef idx="1">
+            <a:schemeClr val="accent1"/>
+          </a:effectRef>
+          <a:fontRef idx="minor">
+            <a:schemeClr val="tx1"/>
+          </a:fontRef>
+        </p:style>
+      </p:cxnSp>
+      <p:cxnSp>
+        <p:nvCxnSpPr>
+          <p:cNvPr id="18" name="Straight Arrow Connector 17">
+            <a:extLst>
+              <a:ext uri="{FF2B5EF4-FFF2-40B4-BE49-F238E27FC236}">
+                <a16:creationId xmlns:a16="http://schemas.microsoft.com/office/drawing/2014/main" id="{62E3C087-C6E1-DACF-12B2-AD17F544D6B5}"/>
+              </a:ext>
+            </a:extLst>
+          </p:cNvPr>
+          <p:cNvCxnSpPr>
+            <a:cxnSpLocks/>
+            <a:stCxn id="4" idx="3"/>
+          </p:cNvCxnSpPr>
+          <p:nvPr/>
+        </p:nvCxnSpPr>
+        <p:spPr>
+          <a:xfrm flipV="1">
+            <a:off x="4095368" y="3301997"/>
+            <a:ext cx="331087" cy="336167"/>
+          </a:xfrm>
+          <a:prstGeom prst="straightConnector1">
+            <a:avLst/>
+          </a:prstGeom>
+          <a:ln w="15875">
+            <a:solidFill>
+              <a:schemeClr val="tx1"/>
+            </a:solidFill>
+            <a:prstDash val="solid"/>
+            <a:headEnd type="stealth" w="med" len="lg"/>
+            <a:tailEnd type="stealth" w="med" len="lg"/>
+          </a:ln>
+        </p:spPr>
+        <p:style>
+          <a:lnRef idx="2">
+            <a:schemeClr val="accent1"/>
+          </a:lnRef>
+          <a:fillRef idx="0">
+            <a:schemeClr val="accent1"/>
+          </a:fillRef>
+          <a:effectRef idx="1">
+            <a:schemeClr val="accent1"/>
+          </a:effectRef>
+          <a:fontRef idx="minor">
+            <a:schemeClr val="tx1"/>
+          </a:fontRef>
+        </p:style>
+      </p:cxnSp>
+      <mc:AlternateContent xmlns:mc="http://schemas.openxmlformats.org/markup-compatibility/2006">
+        <mc:Choice xmlns:a14="http://schemas.microsoft.com/office/drawing/2010/main" Requires="a14">
+          <p:sp>
+            <p:nvSpPr>
+              <p:cNvPr id="20" name="TextBox 19">
+                <a:extLst>
+                  <a:ext uri="{FF2B5EF4-FFF2-40B4-BE49-F238E27FC236}">
+                    <a16:creationId xmlns:a16="http://schemas.microsoft.com/office/drawing/2014/main" id="{079F8399-4FF3-6399-0594-6362BE48FC34}"/>
+                  </a:ext>
+                </a:extLst>
+              </p:cNvPr>
+              <p:cNvSpPr txBox="1"/>
+              <p:nvPr/>
+            </p:nvSpPr>
+            <p:spPr>
+              <a:xfrm>
+                <a:off x="4135255" y="3268712"/>
+                <a:ext cx="155940" cy="215444"/>
+              </a:xfrm>
+              <a:prstGeom prst="rect">
+                <a:avLst/>
+              </a:prstGeom>
+              <a:noFill/>
+            </p:spPr>
+            <p:txBody>
+              <a:bodyPr wrap="none" lIns="0" tIns="0" rIns="0" bIns="0" rtlCol="0">
+                <a:spAutoFit/>
+              </a:bodyPr>
+              <a:lstStyle/>
+              <a:p>
+                <a:pPr/>
+                <a14:m>
+                  <m:oMathPara xmlns:m="http://schemas.openxmlformats.org/officeDocument/2006/math">
+                    <m:oMathParaPr>
+                      <m:jc m:val="centerGroup"/>
+                    </m:oMathParaPr>
+                    <m:oMath xmlns:m="http://schemas.openxmlformats.org/officeDocument/2006/math">
+                      <m:r>
+                        <a:rPr lang="en-US" sz="1400" b="0" i="1" smtClean="0">
+                          <a:latin typeface="Cambria Math" panose="02040503050406030204" pitchFamily="18" charset="0"/>
+                          <a:ea typeface="Cambria Math" panose="02040503050406030204" pitchFamily="18" charset="0"/>
+                        </a:rPr>
+                        <m:t>𝑅</m:t>
+                      </m:r>
+                    </m:oMath>
+                  </m:oMathPara>
+                </a14:m>
+                <a:endParaRPr lang="en-US" sz="1400" dirty="0"/>
+              </a:p>
+            </p:txBody>
+          </p:sp>
+        </mc:Choice>
+        <mc:Fallback>
+          <p:sp>
+            <p:nvSpPr>
+              <p:cNvPr id="20" name="TextBox 19">
+                <a:extLst>
+                  <a:ext uri="{FF2B5EF4-FFF2-40B4-BE49-F238E27FC236}">
+                    <a16:creationId xmlns:a16="http://schemas.microsoft.com/office/drawing/2014/main" id="{079F8399-4FF3-6399-0594-6362BE48FC34}"/>
+                  </a:ext>
+                </a:extLst>
+              </p:cNvPr>
+              <p:cNvSpPr txBox="1">
+                <a:spLocks noRot="1" noChangeAspect="1" noMove="1" noResize="1" noEditPoints="1" noAdjustHandles="1" noChangeArrowheads="1" noChangeShapeType="1" noTextEdit="1"/>
+              </p:cNvSpPr>
+              <p:nvPr/>
+            </p:nvSpPr>
+            <p:spPr>
+              <a:xfrm>
+                <a:off x="4135255" y="3268712"/>
+                <a:ext cx="155940" cy="215444"/>
+              </a:xfrm>
+              <a:prstGeom prst="rect">
+                <a:avLst/>
+              </a:prstGeom>
+              <a:blipFill>
+                <a:blip r:embed="rId2"/>
+                <a:stretch>
+                  <a:fillRect l="-26923" r="-19231" b="-2778"/>
+                </a:stretch>
+              </a:blipFill>
+            </p:spPr>
+            <p:txBody>
+              <a:bodyPr/>
+              <a:lstStyle/>
+              <a:p>
+                <a:r>
+                  <a:rPr lang="en-US">
+                    <a:noFill/>
+                  </a:rPr>
+                  <a:t> </a:t>
+                </a:r>
+              </a:p>
+            </p:txBody>
+          </p:sp>
+        </mc:Fallback>
+      </mc:AlternateContent>
+      <mc:AlternateContent xmlns:mc="http://schemas.openxmlformats.org/markup-compatibility/2006">
+        <mc:Choice xmlns:a14="http://schemas.microsoft.com/office/drawing/2010/main" Requires="a14">
+          <p:sp>
+            <p:nvSpPr>
+              <p:cNvPr id="21" name="TextBox 20">
+                <a:extLst>
+                  <a:ext uri="{FF2B5EF4-FFF2-40B4-BE49-F238E27FC236}">
+                    <a16:creationId xmlns:a16="http://schemas.microsoft.com/office/drawing/2014/main" id="{32EA124C-23AA-2474-9CA0-BDF945BEDD17}"/>
+                  </a:ext>
+                </a:extLst>
+              </p:cNvPr>
+              <p:cNvSpPr txBox="1"/>
+              <p:nvPr/>
+            </p:nvSpPr>
+            <p:spPr>
+              <a:xfrm>
+                <a:off x="4524302" y="3470080"/>
+                <a:ext cx="193515" cy="215444"/>
+              </a:xfrm>
+              <a:prstGeom prst="rect">
+                <a:avLst/>
+              </a:prstGeom>
+              <a:noFill/>
+            </p:spPr>
+            <p:txBody>
+              <a:bodyPr wrap="none" lIns="0" tIns="0" rIns="0" bIns="0" rtlCol="0">
+                <a:spAutoFit/>
+              </a:bodyPr>
+              <a:lstStyle/>
+              <a:p>
+                <a:pPr/>
+                <a14:m>
+                  <m:oMathPara xmlns:m="http://schemas.openxmlformats.org/officeDocument/2006/math">
+                    <m:oMathParaPr>
+                      <m:jc m:val="centerGroup"/>
+                    </m:oMathParaPr>
+                    <m:oMath xmlns:m="http://schemas.openxmlformats.org/officeDocument/2006/math">
+                      <m:r>
+                        <a:rPr lang="en-US" sz="1400" b="0" i="1" smtClean="0">
+                          <a:latin typeface="Cambria Math" panose="02040503050406030204" pitchFamily="18" charset="0"/>
+                          <a:ea typeface="Cambria Math" panose="02040503050406030204" pitchFamily="18" charset="0"/>
+                        </a:rPr>
+                        <m:t>𝑀</m:t>
+                      </m:r>
+                    </m:oMath>
+                  </m:oMathPara>
+                </a14:m>
+                <a:endParaRPr lang="en-US" sz="1400" dirty="0"/>
+              </a:p>
+            </p:txBody>
+          </p:sp>
+        </mc:Choice>
+        <mc:Fallback>
+          <p:sp>
+            <p:nvSpPr>
+              <p:cNvPr id="21" name="TextBox 20">
+                <a:extLst>
+                  <a:ext uri="{FF2B5EF4-FFF2-40B4-BE49-F238E27FC236}">
+                    <a16:creationId xmlns:a16="http://schemas.microsoft.com/office/drawing/2014/main" id="{32EA124C-23AA-2474-9CA0-BDF945BEDD17}"/>
+                  </a:ext>
+                </a:extLst>
+              </p:cNvPr>
+              <p:cNvSpPr txBox="1">
+                <a:spLocks noRot="1" noChangeAspect="1" noMove="1" noResize="1" noEditPoints="1" noAdjustHandles="1" noChangeArrowheads="1" noChangeShapeType="1" noTextEdit="1"/>
+              </p:cNvSpPr>
+              <p:nvPr/>
+            </p:nvSpPr>
+            <p:spPr>
+              <a:xfrm>
+                <a:off x="4524302" y="3470080"/>
+                <a:ext cx="193515" cy="215444"/>
+              </a:xfrm>
+              <a:prstGeom prst="rect">
+                <a:avLst/>
+              </a:prstGeom>
+              <a:blipFill>
+                <a:blip r:embed="rId3"/>
+                <a:stretch>
+                  <a:fillRect l="-21875" r="-18750" b="-2778"/>
+                </a:stretch>
+              </a:blipFill>
+            </p:spPr>
+            <p:txBody>
+              <a:bodyPr/>
+              <a:lstStyle/>
+              <a:p>
+                <a:r>
+                  <a:rPr lang="en-US">
+                    <a:noFill/>
+                  </a:rPr>
+                  <a:t> </a:t>
+                </a:r>
+              </a:p>
+            </p:txBody>
+          </p:sp>
+        </mc:Fallback>
+      </mc:AlternateContent>
+      <mc:AlternateContent xmlns:mc="http://schemas.openxmlformats.org/markup-compatibility/2006">
+        <mc:Choice xmlns:a14="http://schemas.microsoft.com/office/drawing/2010/main" Requires="a14">
+          <p:sp>
+            <p:nvSpPr>
+              <p:cNvPr id="22" name="TextBox 21">
+                <a:extLst>
+                  <a:ext uri="{FF2B5EF4-FFF2-40B4-BE49-F238E27FC236}">
+                    <a16:creationId xmlns:a16="http://schemas.microsoft.com/office/drawing/2014/main" id="{45EA85B4-F736-828F-68D7-E76B6A9EED3D}"/>
+                  </a:ext>
+                </a:extLst>
+              </p:cNvPr>
+              <p:cNvSpPr txBox="1"/>
+              <p:nvPr/>
+            </p:nvSpPr>
+            <p:spPr>
+              <a:xfrm>
+                <a:off x="4946589" y="4844736"/>
+                <a:ext cx="302840" cy="215444"/>
+              </a:xfrm>
+              <a:prstGeom prst="rect">
+                <a:avLst/>
+              </a:prstGeom>
+              <a:noFill/>
+            </p:spPr>
+            <p:txBody>
+              <a:bodyPr wrap="none" lIns="0" tIns="0" rIns="0" bIns="0" rtlCol="0">
+                <a:spAutoFit/>
+              </a:bodyPr>
+              <a:lstStyle/>
+              <a:p>
+                <a:pPr/>
+                <a14:m>
+                  <m:oMathPara xmlns:m="http://schemas.openxmlformats.org/officeDocument/2006/math">
+                    <m:oMathParaPr>
+                      <m:jc m:val="centerGroup"/>
+                    </m:oMathParaPr>
+                    <m:oMath xmlns:m="http://schemas.openxmlformats.org/officeDocument/2006/math">
+                      <m:r>
+                        <a:rPr lang="en-US" sz="1400" b="0" i="1" smtClean="0">
+                          <a:latin typeface="Cambria Math" panose="02040503050406030204" pitchFamily="18" charset="0"/>
+                          <a:ea typeface="Cambria Math" panose="02040503050406030204" pitchFamily="18" charset="0"/>
+                        </a:rPr>
+                        <m:t>𝑀𝑔</m:t>
+                      </m:r>
+                    </m:oMath>
+                  </m:oMathPara>
+                </a14:m>
+                <a:endParaRPr lang="en-US" sz="1400" dirty="0"/>
+              </a:p>
+            </p:txBody>
+          </p:sp>
+        </mc:Choice>
+        <mc:Fallback>
+          <p:sp>
+            <p:nvSpPr>
+              <p:cNvPr id="22" name="TextBox 21">
+                <a:extLst>
+                  <a:ext uri="{FF2B5EF4-FFF2-40B4-BE49-F238E27FC236}">
+                    <a16:creationId xmlns:a16="http://schemas.microsoft.com/office/drawing/2014/main" id="{45EA85B4-F736-828F-68D7-E76B6A9EED3D}"/>
+                  </a:ext>
+                </a:extLst>
+              </p:cNvPr>
+              <p:cNvSpPr txBox="1">
+                <a:spLocks noRot="1" noChangeAspect="1" noMove="1" noResize="1" noEditPoints="1" noAdjustHandles="1" noChangeArrowheads="1" noChangeShapeType="1" noTextEdit="1"/>
+              </p:cNvSpPr>
+              <p:nvPr/>
+            </p:nvSpPr>
+            <p:spPr>
+              <a:xfrm>
+                <a:off x="4946589" y="4844736"/>
+                <a:ext cx="302840" cy="215444"/>
+              </a:xfrm>
+              <a:prstGeom prst="rect">
+                <a:avLst/>
+              </a:prstGeom>
+              <a:blipFill>
+                <a:blip r:embed="rId4"/>
+                <a:stretch>
+                  <a:fillRect l="-20000" r="-18000" b="-31429"/>
+                </a:stretch>
+              </a:blipFill>
+            </p:spPr>
+            <p:txBody>
+              <a:bodyPr/>
+              <a:lstStyle/>
+              <a:p>
+                <a:r>
+                  <a:rPr lang="en-US">
+                    <a:noFill/>
+                  </a:rPr>
+                  <a:t> </a:t>
+                </a:r>
+              </a:p>
+            </p:txBody>
+          </p:sp>
+        </mc:Fallback>
+      </mc:AlternateContent>
+      <p:cxnSp>
+        <p:nvCxnSpPr>
+          <p:cNvPr id="23" name="Straight Arrow Connector 22">
+            <a:extLst>
+              <a:ext uri="{FF2B5EF4-FFF2-40B4-BE49-F238E27FC236}">
+                <a16:creationId xmlns:a16="http://schemas.microsoft.com/office/drawing/2014/main" id="{8F8A0CB0-8BE8-BDF2-B7A4-43E2D2B8AE3B}"/>
+              </a:ext>
+            </a:extLst>
+          </p:cNvPr>
+          <p:cNvCxnSpPr>
+            <a:cxnSpLocks/>
+          </p:cNvCxnSpPr>
+          <p:nvPr/>
+        </p:nvCxnSpPr>
+        <p:spPr>
+          <a:xfrm flipV="1">
+            <a:off x="4901865" y="4553592"/>
+            <a:ext cx="0" cy="582288"/>
+          </a:xfrm>
+          <a:prstGeom prst="straightConnector1">
+            <a:avLst/>
+          </a:prstGeom>
+          <a:ln w="15875">
+            <a:solidFill>
+              <a:schemeClr val="tx1"/>
+            </a:solidFill>
+            <a:prstDash val="solid"/>
+            <a:headEnd type="stealth" w="med" len="lg"/>
+            <a:tailEnd type="none" w="med" len="lg"/>
+          </a:ln>
+        </p:spPr>
+        <p:style>
+          <a:lnRef idx="2">
+            <a:schemeClr val="accent1"/>
+          </a:lnRef>
+          <a:fillRef idx="0">
+            <a:schemeClr val="accent1"/>
+          </a:fillRef>
+          <a:effectRef idx="1">
+            <a:schemeClr val="accent1"/>
+          </a:effectRef>
+          <a:fontRef idx="minor">
+            <a:schemeClr val="tx1"/>
+          </a:fontRef>
+        </p:style>
+      </p:cxnSp>
+      <p:sp>
+        <p:nvSpPr>
+          <p:cNvPr id="25" name="Oval 24">
+            <a:extLst>
+              <a:ext uri="{FF2B5EF4-FFF2-40B4-BE49-F238E27FC236}">
+                <a16:creationId xmlns:a16="http://schemas.microsoft.com/office/drawing/2014/main" id="{A02218C8-C186-D808-2D89-EF9DAA6DDA9B}"/>
+              </a:ext>
+            </a:extLst>
+          </p:cNvPr>
+          <p:cNvSpPr/>
+          <p:nvPr/>
+        </p:nvSpPr>
+        <p:spPr>
+          <a:xfrm>
+            <a:off x="4875525" y="4535657"/>
+            <a:ext cx="52679" cy="49590"/>
+          </a:xfrm>
+          <a:prstGeom prst="ellipse">
+            <a:avLst/>
+          </a:prstGeom>
+          <a:solidFill>
+            <a:schemeClr val="tx1"/>
+          </a:solidFill>
+          <a:ln>
+            <a:noFill/>
+          </a:ln>
+        </p:spPr>
+        <p:style>
+          <a:lnRef idx="2">
+            <a:schemeClr val="accent1">
+              <a:shade val="15000"/>
+            </a:schemeClr>
+          </a:lnRef>
+          <a:fillRef idx="1">
+            <a:schemeClr val="accent1"/>
+          </a:fillRef>
+          <a:effectRef idx="0">
+            <a:schemeClr val="accent1"/>
+          </a:effectRef>
+          <a:fontRef idx="minor">
+            <a:schemeClr val="lt1"/>
+          </a:fontRef>
+        </p:style>
+        <p:txBody>
+          <a:bodyPr rtlCol="0" anchor="ctr"/>
+          <a:lstStyle/>
+          <a:p>
+            <a:pPr algn="ctr"/>
+            <a:endParaRPr lang="en-US"/>
+          </a:p>
+        </p:txBody>
+      </p:sp>
+      <mc:AlternateContent xmlns:mc="http://schemas.openxmlformats.org/markup-compatibility/2006">
+        <mc:Choice xmlns:a14="http://schemas.microsoft.com/office/drawing/2010/main" Requires="a14">
+          <p:sp>
+            <p:nvSpPr>
+              <p:cNvPr id="27" name="TextBox 26">
+                <a:extLst>
+                  <a:ext uri="{FF2B5EF4-FFF2-40B4-BE49-F238E27FC236}">
+                    <a16:creationId xmlns:a16="http://schemas.microsoft.com/office/drawing/2014/main" id="{B525C8F4-4377-89F4-AAA3-A558619893E1}"/>
+                  </a:ext>
+                </a:extLst>
+              </p:cNvPr>
+              <p:cNvSpPr txBox="1"/>
+              <p:nvPr/>
+            </p:nvSpPr>
+            <p:spPr>
+              <a:xfrm>
+                <a:off x="4977693" y="4276903"/>
+                <a:ext cx="240631" cy="369332"/>
+              </a:xfrm>
+              <a:prstGeom prst="rect">
+                <a:avLst/>
+              </a:prstGeom>
+              <a:noFill/>
+            </p:spPr>
+            <p:txBody>
+              <a:bodyPr wrap="square">
+                <a:spAutoFit/>
+              </a:bodyPr>
+              <a:lstStyle/>
+              <a:p>
+                <a:pPr/>
+                <a14:m>
+                  <m:oMathPara xmlns:m="http://schemas.openxmlformats.org/officeDocument/2006/math">
+                    <m:oMathParaPr>
+                      <m:jc m:val="centerGroup"/>
+                    </m:oMathParaPr>
+                    <m:oMath xmlns:m="http://schemas.openxmlformats.org/officeDocument/2006/math">
+                      <m:r>
+                        <a:rPr lang="en-US" sz="1800" b="0" i="1" smtClean="0">
+                          <a:latin typeface="Cambria Math" panose="02040503050406030204" pitchFamily="18" charset="0"/>
+                          <a:ea typeface="Cambria Math" panose="02040503050406030204" pitchFamily="18" charset="0"/>
+                        </a:rPr>
+                        <m:t>𝑀</m:t>
+                      </m:r>
+                    </m:oMath>
+                  </m:oMathPara>
+                </a14:m>
+                <a:endParaRPr lang="en-US" dirty="0"/>
+              </a:p>
+            </p:txBody>
+          </p:sp>
+        </mc:Choice>
+        <mc:Fallback>
+          <p:sp>
+            <p:nvSpPr>
+              <p:cNvPr id="27" name="TextBox 26">
+                <a:extLst>
+                  <a:ext uri="{FF2B5EF4-FFF2-40B4-BE49-F238E27FC236}">
+                    <a16:creationId xmlns:a16="http://schemas.microsoft.com/office/drawing/2014/main" id="{B525C8F4-4377-89F4-AAA3-A558619893E1}"/>
+                  </a:ext>
+                </a:extLst>
+              </p:cNvPr>
+              <p:cNvSpPr txBox="1">
+                <a:spLocks noRot="1" noChangeAspect="1" noMove="1" noResize="1" noEditPoints="1" noAdjustHandles="1" noChangeArrowheads="1" noChangeShapeType="1" noTextEdit="1"/>
+              </p:cNvSpPr>
+              <p:nvPr/>
+            </p:nvSpPr>
+            <p:spPr>
+              <a:xfrm>
+                <a:off x="4977693" y="4276903"/>
+                <a:ext cx="240631" cy="369332"/>
+              </a:xfrm>
+              <a:prstGeom prst="rect">
+                <a:avLst/>
+              </a:prstGeom>
+              <a:blipFill>
+                <a:blip r:embed="rId5"/>
+                <a:stretch>
+                  <a:fillRect r="-53846"/>
+                </a:stretch>
+              </a:blipFill>
+            </p:spPr>
+            <p:txBody>
+              <a:bodyPr/>
+              <a:lstStyle/>
+              <a:p>
+                <a:r>
+                  <a:rPr lang="en-US">
+                    <a:noFill/>
+                  </a:rPr>
+                  <a:t> </a:t>
+                </a:r>
+              </a:p>
+            </p:txBody>
+          </p:sp>
+        </mc:Fallback>
+      </mc:AlternateContent>
+      <p:cxnSp>
+        <p:nvCxnSpPr>
+          <p:cNvPr id="28" name="Straight Arrow Connector 27">
+            <a:extLst>
+              <a:ext uri="{FF2B5EF4-FFF2-40B4-BE49-F238E27FC236}">
+                <a16:creationId xmlns:a16="http://schemas.microsoft.com/office/drawing/2014/main" id="{E653395A-F517-847B-F0DC-C89F2E5C793A}"/>
+              </a:ext>
+            </a:extLst>
+          </p:cNvPr>
+          <p:cNvCxnSpPr>
+            <a:cxnSpLocks/>
+          </p:cNvCxnSpPr>
+          <p:nvPr/>
+        </p:nvCxnSpPr>
+        <p:spPr>
+          <a:xfrm flipV="1">
+            <a:off x="4524302" y="4412326"/>
+            <a:ext cx="0" cy="416801"/>
+          </a:xfrm>
+          <a:prstGeom prst="straightConnector1">
+            <a:avLst/>
+          </a:prstGeom>
+          <a:ln w="15875">
+            <a:solidFill>
+              <a:schemeClr val="tx1"/>
+            </a:solidFill>
+            <a:prstDash val="solid"/>
+            <a:headEnd type="stealth" w="med" len="lg"/>
+            <a:tailEnd type="none" w="med" len="lg"/>
+          </a:ln>
+        </p:spPr>
+        <p:style>
+          <a:lnRef idx="2">
+            <a:schemeClr val="accent1"/>
+          </a:lnRef>
+          <a:fillRef idx="0">
+            <a:schemeClr val="accent1"/>
+          </a:fillRef>
+          <a:effectRef idx="1">
+            <a:schemeClr val="accent1"/>
+          </a:effectRef>
+          <a:fontRef idx="minor">
+            <a:schemeClr val="tx1"/>
+          </a:fontRef>
+        </p:style>
+      </p:cxnSp>
+      <mc:AlternateContent xmlns:mc="http://schemas.openxmlformats.org/markup-compatibility/2006">
+        <mc:Choice xmlns:a14="http://schemas.microsoft.com/office/drawing/2010/main" Requires="a14">
+          <p:sp>
+            <p:nvSpPr>
+              <p:cNvPr id="29" name="TextBox 28">
+                <a:extLst>
+                  <a:ext uri="{FF2B5EF4-FFF2-40B4-BE49-F238E27FC236}">
+                    <a16:creationId xmlns:a16="http://schemas.microsoft.com/office/drawing/2014/main" id="{BF556C0B-165E-ADAB-CA6C-0A83A0B48472}"/>
+                  </a:ext>
+                </a:extLst>
+              </p:cNvPr>
+              <p:cNvSpPr txBox="1"/>
+              <p:nvPr/>
+            </p:nvSpPr>
+            <p:spPr>
+              <a:xfrm>
+                <a:off x="4340283" y="4580049"/>
+                <a:ext cx="140616" cy="215444"/>
+              </a:xfrm>
+              <a:prstGeom prst="rect">
+                <a:avLst/>
+              </a:prstGeom>
+              <a:noFill/>
+            </p:spPr>
+            <p:txBody>
+              <a:bodyPr wrap="none" lIns="0" tIns="0" rIns="0" bIns="0" rtlCol="0">
+                <a:spAutoFit/>
+              </a:bodyPr>
+              <a:lstStyle/>
+              <a:p>
+                <a:pPr/>
+                <a14:m>
+                  <m:oMathPara xmlns:m="http://schemas.openxmlformats.org/officeDocument/2006/math">
+                    <m:oMathParaPr>
+                      <m:jc m:val="centerGroup"/>
+                    </m:oMathParaPr>
+                    <m:oMath xmlns:m="http://schemas.openxmlformats.org/officeDocument/2006/math">
+                      <m:acc>
+                        <m:accPr>
+                          <m:chr m:val="⃗"/>
+                          <m:ctrlPr>
+                            <a:rPr lang="en-US" sz="1400" b="0" i="1" smtClean="0">
+                              <a:latin typeface="Cambria Math" panose="02040503050406030204" pitchFamily="18" charset="0"/>
+                              <a:ea typeface="Cambria Math" panose="02040503050406030204" pitchFamily="18" charset="0"/>
+                            </a:rPr>
+                          </m:ctrlPr>
+                        </m:accPr>
+                        <m:e>
+                          <m:r>
+                            <a:rPr lang="en-US" sz="1400" b="0" i="1" smtClean="0">
+                              <a:latin typeface="Cambria Math" panose="02040503050406030204" pitchFamily="18" charset="0"/>
+                              <a:ea typeface="Cambria Math" panose="02040503050406030204" pitchFamily="18" charset="0"/>
+                            </a:rPr>
+                            <m:t>𝑎</m:t>
+                          </m:r>
+                        </m:e>
+                      </m:acc>
+                    </m:oMath>
+                  </m:oMathPara>
+                </a14:m>
+                <a:endParaRPr lang="en-US" sz="1400" dirty="0"/>
+              </a:p>
+            </p:txBody>
+          </p:sp>
+        </mc:Choice>
+        <mc:Fallback>
+          <p:sp>
+            <p:nvSpPr>
+              <p:cNvPr id="29" name="TextBox 28">
+                <a:extLst>
+                  <a:ext uri="{FF2B5EF4-FFF2-40B4-BE49-F238E27FC236}">
+                    <a16:creationId xmlns:a16="http://schemas.microsoft.com/office/drawing/2014/main" id="{BF556C0B-165E-ADAB-CA6C-0A83A0B48472}"/>
+                  </a:ext>
+                </a:extLst>
+              </p:cNvPr>
+              <p:cNvSpPr txBox="1">
+                <a:spLocks noRot="1" noChangeAspect="1" noMove="1" noResize="1" noEditPoints="1" noAdjustHandles="1" noChangeArrowheads="1" noChangeShapeType="1" noTextEdit="1"/>
+              </p:cNvSpPr>
+              <p:nvPr/>
+            </p:nvSpPr>
+            <p:spPr>
+              <a:xfrm>
+                <a:off x="4340283" y="4580049"/>
+                <a:ext cx="140616" cy="215444"/>
+              </a:xfrm>
+              <a:prstGeom prst="rect">
+                <a:avLst/>
+              </a:prstGeom>
+              <a:blipFill>
+                <a:blip r:embed="rId6"/>
+                <a:stretch>
+                  <a:fillRect l="-26087" t="-36111" r="-100000" b="-2778"/>
+                </a:stretch>
+              </a:blipFill>
+            </p:spPr>
+            <p:txBody>
+              <a:bodyPr/>
+              <a:lstStyle/>
+              <a:p>
+                <a:r>
+                  <a:rPr lang="en-US">
+                    <a:noFill/>
+                  </a:rPr>
+                  <a:t> </a:t>
+                </a:r>
+              </a:p>
+            </p:txBody>
+          </p:sp>
+        </mc:Fallback>
+      </mc:AlternateContent>
+      <mc:AlternateContent xmlns:mc="http://schemas.openxmlformats.org/markup-compatibility/2006">
+        <mc:Choice xmlns:a14="http://schemas.microsoft.com/office/drawing/2010/main" Requires="a14">
+          <p:sp>
+            <p:nvSpPr>
+              <p:cNvPr id="31" name="TextBox 30">
+                <a:extLst>
+                  <a:ext uri="{FF2B5EF4-FFF2-40B4-BE49-F238E27FC236}">
+                    <a16:creationId xmlns:a16="http://schemas.microsoft.com/office/drawing/2014/main" id="{D81004D1-46A4-B7C0-7458-D8B85B98E859}"/>
+                  </a:ext>
+                </a:extLst>
+              </p:cNvPr>
+              <p:cNvSpPr txBox="1"/>
+              <p:nvPr/>
+            </p:nvSpPr>
+            <p:spPr>
+              <a:xfrm>
+                <a:off x="4946589" y="3792920"/>
+                <a:ext cx="148246" cy="241605"/>
+              </a:xfrm>
+              <a:prstGeom prst="rect">
+                <a:avLst/>
+              </a:prstGeom>
+              <a:noFill/>
+            </p:spPr>
+            <p:txBody>
+              <a:bodyPr wrap="none" lIns="0" tIns="0" rIns="0" bIns="0" rtlCol="0">
+                <a:spAutoFit/>
+              </a:bodyPr>
+              <a:lstStyle/>
+              <a:p>
+                <a:pPr/>
+                <a14:m>
+                  <m:oMathPara xmlns:m="http://schemas.openxmlformats.org/officeDocument/2006/math">
+                    <m:oMathParaPr>
+                      <m:jc m:val="centerGroup"/>
+                    </m:oMathParaPr>
+                    <m:oMath xmlns:m="http://schemas.openxmlformats.org/officeDocument/2006/math">
+                      <m:acc>
+                        <m:accPr>
+                          <m:chr m:val="⃗"/>
+                          <m:ctrlPr>
+                            <a:rPr lang="en-US" sz="1400" b="0" i="1" smtClean="0">
+                              <a:latin typeface="Cambria Math" panose="02040503050406030204" pitchFamily="18" charset="0"/>
+                              <a:ea typeface="Cambria Math" panose="02040503050406030204" pitchFamily="18" charset="0"/>
+                            </a:rPr>
+                          </m:ctrlPr>
+                        </m:accPr>
+                        <m:e>
+                          <m:r>
+                            <a:rPr lang="en-US" sz="1400" b="0" i="1" smtClean="0">
+                              <a:latin typeface="Cambria Math" panose="02040503050406030204" pitchFamily="18" charset="0"/>
+                              <a:ea typeface="Cambria Math" panose="02040503050406030204" pitchFamily="18" charset="0"/>
+                            </a:rPr>
+                            <m:t>𝑇</m:t>
+                          </m:r>
+                        </m:e>
+                      </m:acc>
+                    </m:oMath>
+                  </m:oMathPara>
+                </a14:m>
+                <a:endParaRPr lang="en-US" sz="1400" dirty="0"/>
+              </a:p>
+            </p:txBody>
+          </p:sp>
+        </mc:Choice>
+        <mc:Fallback>
+          <p:sp>
+            <p:nvSpPr>
+              <p:cNvPr id="31" name="TextBox 30">
+                <a:extLst>
+                  <a:ext uri="{FF2B5EF4-FFF2-40B4-BE49-F238E27FC236}">
+                    <a16:creationId xmlns:a16="http://schemas.microsoft.com/office/drawing/2014/main" id="{D81004D1-46A4-B7C0-7458-D8B85B98E859}"/>
+                  </a:ext>
+                </a:extLst>
+              </p:cNvPr>
+              <p:cNvSpPr txBox="1">
+                <a:spLocks noRot="1" noChangeAspect="1" noMove="1" noResize="1" noEditPoints="1" noAdjustHandles="1" noChangeArrowheads="1" noChangeShapeType="1" noTextEdit="1"/>
+              </p:cNvSpPr>
+              <p:nvPr/>
+            </p:nvSpPr>
+            <p:spPr>
+              <a:xfrm>
+                <a:off x="4946589" y="3792920"/>
+                <a:ext cx="148246" cy="241605"/>
+              </a:xfrm>
+              <a:prstGeom prst="rect">
+                <a:avLst/>
+              </a:prstGeom>
+              <a:blipFill>
+                <a:blip r:embed="rId7"/>
+                <a:stretch>
+                  <a:fillRect l="-28000" r="-20000" b="-2500"/>
+                </a:stretch>
+              </a:blipFill>
+            </p:spPr>
+            <p:txBody>
+              <a:bodyPr/>
+              <a:lstStyle/>
+              <a:p>
+                <a:r>
+                  <a:rPr lang="en-US">
+                    <a:noFill/>
+                  </a:rPr>
+                  <a:t> </a:t>
+                </a:r>
+              </a:p>
+            </p:txBody>
+          </p:sp>
+        </mc:Fallback>
+      </mc:AlternateContent>
+      <mc:AlternateContent xmlns:mc="http://schemas.openxmlformats.org/markup-compatibility/2006">
+        <mc:Choice xmlns:a14="http://schemas.microsoft.com/office/drawing/2010/main" Requires="a14">
+          <p:sp>
+            <p:nvSpPr>
+              <p:cNvPr id="32" name="TextBox 31">
+                <a:extLst>
+                  <a:ext uri="{FF2B5EF4-FFF2-40B4-BE49-F238E27FC236}">
+                    <a16:creationId xmlns:a16="http://schemas.microsoft.com/office/drawing/2014/main" id="{73F3031C-3878-5B62-83F2-F4D2009FC8B4}"/>
+                  </a:ext>
+                </a:extLst>
+              </p:cNvPr>
+              <p:cNvSpPr txBox="1"/>
+              <p:nvPr/>
+            </p:nvSpPr>
+            <p:spPr>
+              <a:xfrm>
+                <a:off x="5022117" y="3315751"/>
+                <a:ext cx="242246" cy="207108"/>
+              </a:xfrm>
+              <a:prstGeom prst="rect">
+                <a:avLst/>
+              </a:prstGeom>
+              <a:noFill/>
+            </p:spPr>
+            <p:txBody>
+              <a:bodyPr wrap="none" lIns="0" tIns="0" rIns="0" bIns="0" rtlCol="0">
+                <a:spAutoFit/>
+              </a:bodyPr>
+              <a:lstStyle/>
+              <a:p>
+                <a:pPr/>
+                <a14:m>
+                  <m:oMathPara xmlns:m="http://schemas.openxmlformats.org/officeDocument/2006/math">
+                    <m:oMathParaPr>
+                      <m:jc m:val="centerGroup"/>
+                    </m:oMathParaPr>
+                    <m:oMath xmlns:m="http://schemas.openxmlformats.org/officeDocument/2006/math">
+                      <m:r>
+                        <a:rPr lang="en-US" sz="1200" b="0" i="1" smtClean="0">
+                          <a:latin typeface="Cambria Math" panose="02040503050406030204" pitchFamily="18" charset="0"/>
+                          <a:ea typeface="Cambria Math" panose="02040503050406030204" pitchFamily="18" charset="0"/>
+                        </a:rPr>
+                        <m:t>−</m:t>
+                      </m:r>
+                      <m:acc>
+                        <m:accPr>
+                          <m:chr m:val="⃗"/>
+                          <m:ctrlPr>
+                            <a:rPr lang="en-US" sz="1200" b="0" i="1" smtClean="0">
+                              <a:latin typeface="Cambria Math" panose="02040503050406030204" pitchFamily="18" charset="0"/>
+                              <a:ea typeface="Cambria Math" panose="02040503050406030204" pitchFamily="18" charset="0"/>
+                            </a:rPr>
+                          </m:ctrlPr>
+                        </m:accPr>
+                        <m:e>
+                          <m:r>
+                            <a:rPr lang="en-US" sz="1200" b="0" i="1" smtClean="0">
+                              <a:latin typeface="Cambria Math" panose="02040503050406030204" pitchFamily="18" charset="0"/>
+                              <a:ea typeface="Cambria Math" panose="02040503050406030204" pitchFamily="18" charset="0"/>
+                            </a:rPr>
+                            <m:t>𝑇</m:t>
+                          </m:r>
+                        </m:e>
+                      </m:acc>
+                    </m:oMath>
+                  </m:oMathPara>
+                </a14:m>
+                <a:endParaRPr lang="en-US" sz="1200" dirty="0"/>
+              </a:p>
+            </p:txBody>
+          </p:sp>
+        </mc:Choice>
+        <mc:Fallback>
+          <p:sp>
+            <p:nvSpPr>
+              <p:cNvPr id="32" name="TextBox 31">
+                <a:extLst>
+                  <a:ext uri="{FF2B5EF4-FFF2-40B4-BE49-F238E27FC236}">
+                    <a16:creationId xmlns:a16="http://schemas.microsoft.com/office/drawing/2014/main" id="{73F3031C-3878-5B62-83F2-F4D2009FC8B4}"/>
+                  </a:ext>
+                </a:extLst>
+              </p:cNvPr>
+              <p:cNvSpPr txBox="1">
+                <a:spLocks noRot="1" noChangeAspect="1" noMove="1" noResize="1" noEditPoints="1" noAdjustHandles="1" noChangeArrowheads="1" noChangeShapeType="1" noTextEdit="1"/>
+              </p:cNvSpPr>
+              <p:nvPr/>
+            </p:nvSpPr>
+            <p:spPr>
+              <a:xfrm>
+                <a:off x="5022117" y="3315751"/>
+                <a:ext cx="242246" cy="207108"/>
+              </a:xfrm>
+              <a:prstGeom prst="rect">
+                <a:avLst/>
+              </a:prstGeom>
+              <a:blipFill>
+                <a:blip r:embed="rId8"/>
+                <a:stretch>
+                  <a:fillRect l="-5000" r="-15000" b="-5882"/>
+                </a:stretch>
+              </a:blipFill>
+            </p:spPr>
+            <p:txBody>
+              <a:bodyPr/>
+              <a:lstStyle/>
+              <a:p>
+                <a:r>
+                  <a:rPr lang="en-US">
+                    <a:noFill/>
+                  </a:rPr>
+                  <a:t> </a:t>
+                </a:r>
+              </a:p>
+            </p:txBody>
+          </p:sp>
+        </mc:Fallback>
+      </mc:AlternateContent>
+    </p:spTree>
+    <p:extLst>
+      <p:ext uri="{BB962C8B-B14F-4D97-AF65-F5344CB8AC3E}">
+        <p14:creationId xmlns:p14="http://schemas.microsoft.com/office/powerpoint/2010/main" val="4001949258"/>
+      </p:ext>
+    </p:extLst>
+  </p:cSld>
+  <p:clrMapOvr>
+    <a:masterClrMapping/>
+  </p:clrMapOvr>
+</p:sld>
+</file>
+
+<file path=ppt/slides/slide22.xml><?xml version="1.0" encoding="utf-8"?>
+<p:sld xmlns:a="http://schemas.openxmlformats.org/drawingml/2006/main" xmlns:r="http://schemas.openxmlformats.org/officeDocument/2006/relationships" xmlns:p="http://schemas.openxmlformats.org/presentationml/2006/main">
+  <p:cSld>
+    <p:spTree>
+      <p:nvGrpSpPr>
+        <p:cNvPr id="1" name=""/>
+        <p:cNvGrpSpPr/>
+        <p:nvPr/>
+      </p:nvGrpSpPr>
+      <p:grpSpPr>
+        <a:xfrm>
+          <a:off x="0" y="0"/>
+          <a:ext cx="0" cy="0"/>
+          <a:chOff x="0" y="0"/>
+          <a:chExt cx="0" cy="0"/>
+        </a:xfrm>
+      </p:grpSpPr>
+      <p:sp>
+        <p:nvSpPr>
+          <p:cNvPr id="2" name="Isosceles Triangle 1">
+            <a:extLst>
+              <a:ext uri="{FF2B5EF4-FFF2-40B4-BE49-F238E27FC236}">
+                <a16:creationId xmlns:a16="http://schemas.microsoft.com/office/drawing/2014/main" id="{C0EB8270-0C45-88E9-EE26-0A50B755DC40}"/>
+              </a:ext>
+            </a:extLst>
+          </p:cNvPr>
+          <p:cNvSpPr/>
+          <p:nvPr/>
+        </p:nvSpPr>
+        <p:spPr>
+          <a:xfrm>
+            <a:off x="2705100" y="2489200"/>
+            <a:ext cx="4178300" cy="2514600"/>
+          </a:xfrm>
+          <a:prstGeom prst="triangle">
+            <a:avLst>
+              <a:gd name="adj" fmla="val 0"/>
+            </a:avLst>
+          </a:prstGeom>
+          <a:solidFill>
+            <a:schemeClr val="accent6">
+              <a:lumMod val="40000"/>
+              <a:lumOff val="60000"/>
+              <a:alpha val="42000"/>
+            </a:schemeClr>
+          </a:solidFill>
+        </p:spPr>
+        <p:style>
+          <a:lnRef idx="2">
+            <a:schemeClr val="accent1">
+              <a:shade val="15000"/>
+            </a:schemeClr>
+          </a:lnRef>
+          <a:fillRef idx="1">
+            <a:schemeClr val="accent1"/>
+          </a:fillRef>
+          <a:effectRef idx="0">
+            <a:schemeClr val="accent1"/>
+          </a:effectRef>
+          <a:fontRef idx="minor">
+            <a:schemeClr val="lt1"/>
+          </a:fontRef>
+        </p:style>
+        <p:txBody>
+          <a:bodyPr rtlCol="0" anchor="ctr"/>
+          <a:lstStyle/>
+          <a:p>
+            <a:pPr algn="ctr"/>
+            <a:endParaRPr lang="en-US"/>
+          </a:p>
+        </p:txBody>
+      </p:sp>
+      <p:sp>
+        <p:nvSpPr>
+          <p:cNvPr id="3" name="Oval 2">
+            <a:extLst>
+              <a:ext uri="{FF2B5EF4-FFF2-40B4-BE49-F238E27FC236}">
+                <a16:creationId xmlns:a16="http://schemas.microsoft.com/office/drawing/2014/main" id="{72F0B772-1F1F-A45F-14E9-EEC0A57805FF}"/>
+              </a:ext>
+            </a:extLst>
+          </p:cNvPr>
+          <p:cNvSpPr/>
+          <p:nvPr/>
+        </p:nvSpPr>
+        <p:spPr>
+          <a:xfrm>
+            <a:off x="3969313" y="2602537"/>
+            <a:ext cx="826463" cy="826463"/>
+          </a:xfrm>
+          <a:prstGeom prst="ellipse">
+            <a:avLst/>
+          </a:prstGeom>
+          <a:solidFill>
+            <a:srgbClr val="0070C0">
+              <a:alpha val="53000"/>
+            </a:srgbClr>
+          </a:solidFill>
+        </p:spPr>
+        <p:style>
+          <a:lnRef idx="2">
+            <a:schemeClr val="accent1">
+              <a:shade val="15000"/>
+            </a:schemeClr>
+          </a:lnRef>
+          <a:fillRef idx="1">
+            <a:schemeClr val="accent1"/>
+          </a:fillRef>
+          <a:effectRef idx="0">
+            <a:schemeClr val="accent1"/>
+          </a:effectRef>
+          <a:fontRef idx="minor">
+            <a:schemeClr val="lt1"/>
+          </a:fontRef>
+        </p:style>
+        <p:txBody>
+          <a:bodyPr rtlCol="0" anchor="ctr"/>
+          <a:lstStyle/>
+          <a:p>
+            <a:pPr algn="ctr"/>
+            <a:endParaRPr lang="en-US"/>
+          </a:p>
+        </p:txBody>
+      </p:sp>
+      <p:cxnSp>
+        <p:nvCxnSpPr>
+          <p:cNvPr id="4" name="Straight Arrow Connector 3">
+            <a:extLst>
+              <a:ext uri="{FF2B5EF4-FFF2-40B4-BE49-F238E27FC236}">
+                <a16:creationId xmlns:a16="http://schemas.microsoft.com/office/drawing/2014/main" id="{0C9D64F1-1D37-5F03-1B88-A366DD9307BD}"/>
+              </a:ext>
+            </a:extLst>
+          </p:cNvPr>
+          <p:cNvCxnSpPr>
+            <a:cxnSpLocks/>
+          </p:cNvCxnSpPr>
+          <p:nvPr/>
+        </p:nvCxnSpPr>
+        <p:spPr>
+          <a:xfrm flipH="1" flipV="1">
+            <a:off x="2851449" y="3138780"/>
+            <a:ext cx="1747142" cy="1065690"/>
+          </a:xfrm>
+          <a:prstGeom prst="straightConnector1">
+            <a:avLst/>
+          </a:prstGeom>
+          <a:ln w="28575">
+            <a:solidFill>
+              <a:schemeClr val="tx1"/>
+            </a:solidFill>
+            <a:prstDash val="solid"/>
+            <a:headEnd type="stealth" w="med" len="lg"/>
+            <a:tailEnd type="none" w="med" len="lg"/>
+          </a:ln>
+        </p:spPr>
+        <p:style>
+          <a:lnRef idx="2">
+            <a:schemeClr val="accent1"/>
+          </a:lnRef>
+          <a:fillRef idx="0">
+            <a:schemeClr val="accent1"/>
+          </a:fillRef>
+          <a:effectRef idx="1">
+            <a:schemeClr val="accent1"/>
+          </a:effectRef>
+          <a:fontRef idx="minor">
+            <a:schemeClr val="tx1"/>
+          </a:fontRef>
+        </p:style>
+      </p:cxnSp>
+      <p:cxnSp>
+        <p:nvCxnSpPr>
+          <p:cNvPr id="7" name="Straight Arrow Connector 6">
+            <a:extLst>
+              <a:ext uri="{FF2B5EF4-FFF2-40B4-BE49-F238E27FC236}">
+                <a16:creationId xmlns:a16="http://schemas.microsoft.com/office/drawing/2014/main" id="{334F0A3C-B453-E5CC-7545-5611C027488D}"/>
+              </a:ext>
+            </a:extLst>
+          </p:cNvPr>
+          <p:cNvCxnSpPr>
+            <a:cxnSpLocks/>
+          </p:cNvCxnSpPr>
+          <p:nvPr/>
+        </p:nvCxnSpPr>
+        <p:spPr>
+          <a:xfrm flipH="1">
+            <a:off x="2851449" y="1862667"/>
+            <a:ext cx="826463" cy="1276112"/>
+          </a:xfrm>
+          <a:prstGeom prst="straightConnector1">
+            <a:avLst/>
+          </a:prstGeom>
+          <a:ln w="28575">
+            <a:solidFill>
+              <a:schemeClr val="tx1"/>
+            </a:solidFill>
+            <a:prstDash val="solid"/>
+            <a:headEnd type="stealth" w="med" len="lg"/>
+            <a:tailEnd type="none" w="med" len="lg"/>
+          </a:ln>
+        </p:spPr>
+        <p:style>
+          <a:lnRef idx="2">
+            <a:schemeClr val="accent1"/>
+          </a:lnRef>
+          <a:fillRef idx="0">
+            <a:schemeClr val="accent1"/>
+          </a:fillRef>
+          <a:effectRef idx="1">
+            <a:schemeClr val="accent1"/>
+          </a:effectRef>
+          <a:fontRef idx="minor">
+            <a:schemeClr val="tx1"/>
+          </a:fontRef>
+        </p:style>
+      </p:cxnSp>
+      <mc:AlternateContent xmlns:mc="http://schemas.openxmlformats.org/markup-compatibility/2006">
+        <mc:Choice xmlns:a14="http://schemas.microsoft.com/office/drawing/2010/main" Requires="a14">
+          <p:sp>
+            <p:nvSpPr>
+              <p:cNvPr id="9" name="TextBox 8">
+                <a:extLst>
+                  <a:ext uri="{FF2B5EF4-FFF2-40B4-BE49-F238E27FC236}">
+                    <a16:creationId xmlns:a16="http://schemas.microsoft.com/office/drawing/2014/main" id="{1C2317D6-20A7-7337-14C2-F2EFB24C972B}"/>
+                  </a:ext>
+                </a:extLst>
+              </p:cNvPr>
+              <p:cNvSpPr txBox="1"/>
+              <p:nvPr/>
+            </p:nvSpPr>
+            <p:spPr>
+              <a:xfrm>
+                <a:off x="4344202" y="4104982"/>
+                <a:ext cx="235321" cy="369332"/>
+              </a:xfrm>
+              <a:prstGeom prst="rect">
+                <a:avLst/>
+              </a:prstGeom>
+              <a:noFill/>
+            </p:spPr>
+            <p:txBody>
+              <a:bodyPr wrap="none" lIns="0" tIns="0" rIns="0" bIns="0" rtlCol="0">
+                <a:spAutoFit/>
+              </a:bodyPr>
+              <a:lstStyle/>
+              <a:p>
+                <a:pPr/>
+                <a14:m>
+                  <m:oMathPara xmlns:m="http://schemas.openxmlformats.org/officeDocument/2006/math">
+                    <m:oMathParaPr>
+                      <m:jc m:val="centerGroup"/>
+                    </m:oMathParaPr>
+                    <m:oMath xmlns:m="http://schemas.openxmlformats.org/officeDocument/2006/math">
+                      <m:r>
+                        <a:rPr lang="en-US" sz="2400" b="0" i="1" smtClean="0">
+                          <a:latin typeface="Cambria Math" panose="02040503050406030204" pitchFamily="18" charset="0"/>
+                        </a:rPr>
+                        <m:t>𝑥</m:t>
+                      </m:r>
+                    </m:oMath>
+                  </m:oMathPara>
+                </a14:m>
+                <a:endParaRPr lang="en-US" sz="2400" dirty="0"/>
+              </a:p>
+            </p:txBody>
+          </p:sp>
+        </mc:Choice>
+        <mc:Fallback>
+          <p:sp>
+            <p:nvSpPr>
+              <p:cNvPr id="9" name="TextBox 8">
+                <a:extLst>
+                  <a:ext uri="{FF2B5EF4-FFF2-40B4-BE49-F238E27FC236}">
+                    <a16:creationId xmlns:a16="http://schemas.microsoft.com/office/drawing/2014/main" id="{1C2317D6-20A7-7337-14C2-F2EFB24C972B}"/>
+                  </a:ext>
+                </a:extLst>
+              </p:cNvPr>
+              <p:cNvSpPr txBox="1">
+                <a:spLocks noRot="1" noChangeAspect="1" noMove="1" noResize="1" noEditPoints="1" noAdjustHandles="1" noChangeArrowheads="1" noChangeShapeType="1" noTextEdit="1"/>
+              </p:cNvSpPr>
+              <p:nvPr/>
+            </p:nvSpPr>
+            <p:spPr>
+              <a:xfrm>
+                <a:off x="4344202" y="4104982"/>
+                <a:ext cx="235321" cy="369332"/>
+              </a:xfrm>
+              <a:prstGeom prst="rect">
+                <a:avLst/>
+              </a:prstGeom>
+              <a:blipFill>
+                <a:blip r:embed="rId2"/>
+                <a:stretch>
+                  <a:fillRect l="-21053" r="-15789"/>
+                </a:stretch>
+              </a:blipFill>
+            </p:spPr>
+            <p:txBody>
+              <a:bodyPr/>
+              <a:lstStyle/>
+              <a:p>
+                <a:r>
+                  <a:rPr lang="en-US">
+                    <a:noFill/>
+                  </a:rPr>
+                  <a:t> </a:t>
+                </a:r>
+              </a:p>
+            </p:txBody>
+          </p:sp>
+        </mc:Fallback>
+      </mc:AlternateContent>
+      <mc:AlternateContent xmlns:mc="http://schemas.openxmlformats.org/markup-compatibility/2006">
+        <mc:Choice xmlns:a14="http://schemas.microsoft.com/office/drawing/2010/main" Requires="a14">
+          <p:sp>
+            <p:nvSpPr>
+              <p:cNvPr id="10" name="TextBox 9">
+                <a:extLst>
+                  <a:ext uri="{FF2B5EF4-FFF2-40B4-BE49-F238E27FC236}">
+                    <a16:creationId xmlns:a16="http://schemas.microsoft.com/office/drawing/2014/main" id="{C8825C09-167A-D63E-CBD6-64AF48077448}"/>
+                  </a:ext>
+                </a:extLst>
+              </p:cNvPr>
+              <p:cNvSpPr txBox="1"/>
+              <p:nvPr/>
+            </p:nvSpPr>
+            <p:spPr>
+              <a:xfrm>
+                <a:off x="3361200" y="1666147"/>
+                <a:ext cx="239296" cy="369332"/>
+              </a:xfrm>
+              <a:prstGeom prst="rect">
+                <a:avLst/>
+              </a:prstGeom>
+              <a:noFill/>
+            </p:spPr>
+            <p:txBody>
+              <a:bodyPr wrap="none" lIns="0" tIns="0" rIns="0" bIns="0" rtlCol="0">
+                <a:spAutoFit/>
+              </a:bodyPr>
+              <a:lstStyle/>
+              <a:p>
+                <a:pPr/>
+                <a14:m>
+                  <m:oMathPara xmlns:m="http://schemas.openxmlformats.org/officeDocument/2006/math">
+                    <m:oMathParaPr>
+                      <m:jc m:val="centerGroup"/>
+                    </m:oMathParaPr>
+                    <m:oMath xmlns:m="http://schemas.openxmlformats.org/officeDocument/2006/math">
+                      <m:r>
+                        <a:rPr lang="en-US" sz="2400" b="0" i="1" smtClean="0">
+                          <a:latin typeface="Cambria Math" panose="02040503050406030204" pitchFamily="18" charset="0"/>
+                        </a:rPr>
+                        <m:t>𝑦</m:t>
+                      </m:r>
+                    </m:oMath>
+                  </m:oMathPara>
+                </a14:m>
+                <a:endParaRPr lang="en-US" sz="2400" dirty="0"/>
+              </a:p>
+            </p:txBody>
+          </p:sp>
+        </mc:Choice>
+        <mc:Fallback>
+          <p:sp>
+            <p:nvSpPr>
+              <p:cNvPr id="10" name="TextBox 9">
+                <a:extLst>
+                  <a:ext uri="{FF2B5EF4-FFF2-40B4-BE49-F238E27FC236}">
+                    <a16:creationId xmlns:a16="http://schemas.microsoft.com/office/drawing/2014/main" id="{C8825C09-167A-D63E-CBD6-64AF48077448}"/>
+                  </a:ext>
+                </a:extLst>
+              </p:cNvPr>
+              <p:cNvSpPr txBox="1">
+                <a:spLocks noRot="1" noChangeAspect="1" noMove="1" noResize="1" noEditPoints="1" noAdjustHandles="1" noChangeArrowheads="1" noChangeShapeType="1" noTextEdit="1"/>
+              </p:cNvSpPr>
+              <p:nvPr/>
+            </p:nvSpPr>
+            <p:spPr>
+              <a:xfrm>
+                <a:off x="3361200" y="1666147"/>
+                <a:ext cx="239296" cy="369332"/>
+              </a:xfrm>
+              <a:prstGeom prst="rect">
+                <a:avLst/>
+              </a:prstGeom>
+              <a:blipFill>
+                <a:blip r:embed="rId3"/>
+                <a:stretch>
+                  <a:fillRect l="-32500" r="-27500" b="-22951"/>
+                </a:stretch>
+              </a:blipFill>
+            </p:spPr>
+            <p:txBody>
+              <a:bodyPr/>
+              <a:lstStyle/>
+              <a:p>
+                <a:r>
+                  <a:rPr lang="en-US">
+                    <a:noFill/>
+                  </a:rPr>
+                  <a:t> </a:t>
+                </a:r>
+              </a:p>
+            </p:txBody>
+          </p:sp>
+        </mc:Fallback>
+      </mc:AlternateContent>
+      <p:cxnSp>
+        <p:nvCxnSpPr>
+          <p:cNvPr id="11" name="Straight Arrow Connector 10">
+            <a:extLst>
+              <a:ext uri="{FF2B5EF4-FFF2-40B4-BE49-F238E27FC236}">
+                <a16:creationId xmlns:a16="http://schemas.microsoft.com/office/drawing/2014/main" id="{38E7913C-A794-ADED-D0DE-9956A32F8689}"/>
+              </a:ext>
+            </a:extLst>
+          </p:cNvPr>
+          <p:cNvCxnSpPr>
+            <a:cxnSpLocks/>
+          </p:cNvCxnSpPr>
+          <p:nvPr/>
+        </p:nvCxnSpPr>
+        <p:spPr>
+          <a:xfrm>
+            <a:off x="3533775" y="2988504"/>
+            <a:ext cx="660339" cy="395978"/>
+          </a:xfrm>
+          <a:prstGeom prst="straightConnector1">
+            <a:avLst/>
+          </a:prstGeom>
+          <a:ln w="28575">
+            <a:solidFill>
+              <a:schemeClr val="tx1"/>
+            </a:solidFill>
+            <a:prstDash val="solid"/>
+            <a:headEnd type="stealth" w="med" len="lg"/>
+            <a:tailEnd type="none" w="med" len="lg"/>
+          </a:ln>
+        </p:spPr>
+        <p:style>
+          <a:lnRef idx="2">
+            <a:schemeClr val="accent1"/>
+          </a:lnRef>
+          <a:fillRef idx="0">
+            <a:schemeClr val="accent1"/>
+          </a:fillRef>
+          <a:effectRef idx="1">
+            <a:schemeClr val="accent1"/>
+          </a:effectRef>
+          <a:fontRef idx="minor">
+            <a:schemeClr val="tx1"/>
+          </a:fontRef>
+        </p:style>
+      </p:cxnSp>
+      <mc:AlternateContent xmlns:mc="http://schemas.openxmlformats.org/markup-compatibility/2006">
+        <mc:Choice xmlns:a14="http://schemas.microsoft.com/office/drawing/2010/main" Requires="a14">
+          <p:sp>
+            <p:nvSpPr>
+              <p:cNvPr id="14" name="TextBox 13">
+                <a:extLst>
+                  <a:ext uri="{FF2B5EF4-FFF2-40B4-BE49-F238E27FC236}">
+                    <a16:creationId xmlns:a16="http://schemas.microsoft.com/office/drawing/2014/main" id="{7ACDE932-F196-1212-2D4F-DA4A660A705D}"/>
+                  </a:ext>
+                </a:extLst>
+              </p:cNvPr>
+              <p:cNvSpPr txBox="1"/>
+              <p:nvPr/>
+            </p:nvSpPr>
+            <p:spPr>
+              <a:xfrm>
+                <a:off x="3595415" y="2716407"/>
+                <a:ext cx="370935" cy="379784"/>
+              </a:xfrm>
+              <a:prstGeom prst="rect">
+                <a:avLst/>
+              </a:prstGeom>
+              <a:noFill/>
+            </p:spPr>
+            <p:txBody>
+              <a:bodyPr wrap="none" lIns="0" tIns="0" rIns="0" bIns="0" rtlCol="0">
+                <a:spAutoFit/>
+              </a:bodyPr>
+              <a:lstStyle/>
+              <a:p>
+                <a:pPr/>
+                <a14:m>
+                  <m:oMathPara xmlns:m="http://schemas.openxmlformats.org/officeDocument/2006/math">
+                    <m:oMathParaPr>
+                      <m:jc m:val="centerGroup"/>
+                    </m:oMathParaPr>
+                    <m:oMath xmlns:m="http://schemas.openxmlformats.org/officeDocument/2006/math">
+                      <m:sSub>
+                        <m:sSubPr>
+                          <m:ctrlPr>
+                            <a:rPr lang="en-US" sz="2000" i="1">
+                              <a:latin typeface="Cambria Math" panose="02040503050406030204" pitchFamily="18" charset="0"/>
+                            </a:rPr>
+                          </m:ctrlPr>
+                        </m:sSubPr>
+                        <m:e>
+                          <m:acc>
+                            <m:accPr>
+                              <m:chr m:val="⃗"/>
+                              <m:ctrlPr>
+                                <a:rPr lang="en-US" sz="2000" i="1">
+                                  <a:latin typeface="Cambria Math" panose="02040503050406030204" pitchFamily="18" charset="0"/>
+                                </a:rPr>
+                              </m:ctrlPr>
+                            </m:accPr>
+                            <m:e>
+                              <m:r>
+                                <a:rPr lang="en-US" sz="2000" i="1">
+                                  <a:latin typeface="Cambria Math" panose="02040503050406030204" pitchFamily="18" charset="0"/>
+                                </a:rPr>
+                                <m:t>𝐹</m:t>
+                              </m:r>
+                            </m:e>
+                          </m:acc>
+                        </m:e>
+                        <m:sub>
+                          <m:r>
+                            <a:rPr lang="ru-RU" sz="2000" i="1">
+                              <a:latin typeface="Cambria Math" panose="02040503050406030204" pitchFamily="18" charset="0"/>
+                            </a:rPr>
+                            <m:t>тр</m:t>
+                          </m:r>
+                        </m:sub>
+                      </m:sSub>
+                    </m:oMath>
+                  </m:oMathPara>
+                </a14:m>
+                <a:endParaRPr lang="en-US" sz="2000" dirty="0"/>
+              </a:p>
+            </p:txBody>
+          </p:sp>
+        </mc:Choice>
+        <mc:Fallback>
+          <p:sp>
+            <p:nvSpPr>
+              <p:cNvPr id="14" name="TextBox 13">
+                <a:extLst>
+                  <a:ext uri="{FF2B5EF4-FFF2-40B4-BE49-F238E27FC236}">
+                    <a16:creationId xmlns:a16="http://schemas.microsoft.com/office/drawing/2014/main" id="{7ACDE932-F196-1212-2D4F-DA4A660A705D}"/>
+                  </a:ext>
+                </a:extLst>
+              </p:cNvPr>
+              <p:cNvSpPr txBox="1">
+                <a:spLocks noRot="1" noChangeAspect="1" noMove="1" noResize="1" noEditPoints="1" noAdjustHandles="1" noChangeArrowheads="1" noChangeShapeType="1" noTextEdit="1"/>
+              </p:cNvSpPr>
+              <p:nvPr/>
+            </p:nvSpPr>
+            <p:spPr>
+              <a:xfrm>
+                <a:off x="3595415" y="2716407"/>
+                <a:ext cx="370935" cy="379784"/>
+              </a:xfrm>
+              <a:prstGeom prst="rect">
+                <a:avLst/>
+              </a:prstGeom>
+              <a:blipFill>
+                <a:blip r:embed="rId4"/>
+                <a:stretch>
+                  <a:fillRect l="-16393" t="-32258" r="-55738" b="-19355"/>
+                </a:stretch>
+              </a:blipFill>
+            </p:spPr>
+            <p:txBody>
+              <a:bodyPr/>
+              <a:lstStyle/>
+              <a:p>
+                <a:r>
+                  <a:rPr lang="en-US">
+                    <a:noFill/>
+                  </a:rPr>
+                  <a:t> </a:t>
+                </a:r>
+              </a:p>
+            </p:txBody>
+          </p:sp>
+        </mc:Fallback>
+      </mc:AlternateContent>
+      <p:cxnSp>
+        <p:nvCxnSpPr>
+          <p:cNvPr id="15" name="Straight Arrow Connector 14">
+            <a:extLst>
+              <a:ext uri="{FF2B5EF4-FFF2-40B4-BE49-F238E27FC236}">
+                <a16:creationId xmlns:a16="http://schemas.microsoft.com/office/drawing/2014/main" id="{AC07C083-F02D-4736-A387-58ADF206A712}"/>
+              </a:ext>
+            </a:extLst>
+          </p:cNvPr>
+          <p:cNvCxnSpPr>
+            <a:cxnSpLocks/>
+          </p:cNvCxnSpPr>
+          <p:nvPr/>
+        </p:nvCxnSpPr>
+        <p:spPr>
+          <a:xfrm flipH="1" flipV="1">
+            <a:off x="4382544" y="3053602"/>
+            <a:ext cx="30172" cy="913941"/>
+          </a:xfrm>
+          <a:prstGeom prst="straightConnector1">
+            <a:avLst/>
+          </a:prstGeom>
+          <a:ln w="22225">
+            <a:solidFill>
+              <a:schemeClr val="tx1"/>
+            </a:solidFill>
+            <a:prstDash val="solid"/>
+            <a:headEnd type="stealth" w="med" len="lg"/>
+            <a:tailEnd type="none" w="med" len="lg"/>
+          </a:ln>
+        </p:spPr>
+        <p:style>
+          <a:lnRef idx="2">
+            <a:schemeClr val="accent1"/>
+          </a:lnRef>
+          <a:fillRef idx="0">
+            <a:schemeClr val="accent1"/>
+          </a:fillRef>
+          <a:effectRef idx="1">
+            <a:schemeClr val="accent1"/>
+          </a:effectRef>
+          <a:fontRef idx="minor">
+            <a:schemeClr val="tx1"/>
+          </a:fontRef>
+        </p:style>
+      </p:cxnSp>
+      <p:sp>
+        <p:nvSpPr>
+          <p:cNvPr id="17" name="Arc 16">
+            <a:extLst>
+              <a:ext uri="{FF2B5EF4-FFF2-40B4-BE49-F238E27FC236}">
+                <a16:creationId xmlns:a16="http://schemas.microsoft.com/office/drawing/2014/main" id="{2F433ACB-42C9-FA85-0A51-1D2BA377F3FA}"/>
+              </a:ext>
+            </a:extLst>
+          </p:cNvPr>
+          <p:cNvSpPr/>
+          <p:nvPr/>
+        </p:nvSpPr>
+        <p:spPr>
+          <a:xfrm rot="9449129">
+            <a:off x="4207016" y="2900486"/>
+            <a:ext cx="351057" cy="336693"/>
+          </a:xfrm>
+          <a:prstGeom prst="arc">
+            <a:avLst>
+              <a:gd name="adj1" fmla="val 13444534"/>
+              <a:gd name="adj2" fmla="val 21250831"/>
+            </a:avLst>
+          </a:prstGeom>
+          <a:ln w="19050">
+            <a:solidFill>
+              <a:schemeClr val="tx1"/>
+            </a:solidFill>
+            <a:headEnd type="none"/>
+            <a:tailEnd type="stealth"/>
+          </a:ln>
+        </p:spPr>
+        <p:style>
+          <a:lnRef idx="2">
+            <a:schemeClr val="accent1"/>
+          </a:lnRef>
+          <a:fillRef idx="0">
+            <a:schemeClr val="accent1"/>
+          </a:fillRef>
+          <a:effectRef idx="1">
+            <a:schemeClr val="accent1"/>
+          </a:effectRef>
+          <a:fontRef idx="minor">
+            <a:schemeClr val="tx1"/>
+          </a:fontRef>
+        </p:style>
+        <p:txBody>
+          <a:bodyPr rtlCol="0" anchor="ctr"/>
+          <a:lstStyle/>
+          <a:p>
+            <a:pPr algn="ctr"/>
+            <a:endParaRPr lang="en-US"/>
+          </a:p>
+        </p:txBody>
+      </p:sp>
+      <mc:AlternateContent xmlns:mc="http://schemas.openxmlformats.org/markup-compatibility/2006">
+        <mc:Choice xmlns:a14="http://schemas.microsoft.com/office/drawing/2010/main" Requires="a14">
+          <p:sp>
+            <p:nvSpPr>
+              <p:cNvPr id="18" name="TextBox 17">
+                <a:extLst>
+                  <a:ext uri="{FF2B5EF4-FFF2-40B4-BE49-F238E27FC236}">
+                    <a16:creationId xmlns:a16="http://schemas.microsoft.com/office/drawing/2014/main" id="{E794474B-E4CC-9366-6AC1-FE88120A4DB1}"/>
+                  </a:ext>
+                </a:extLst>
+              </p:cNvPr>
+              <p:cNvSpPr txBox="1"/>
+              <p:nvPr/>
+            </p:nvSpPr>
+            <p:spPr>
+              <a:xfrm>
+                <a:off x="4476641" y="3135736"/>
+                <a:ext cx="170688" cy="215444"/>
+              </a:xfrm>
+              <a:prstGeom prst="rect">
+                <a:avLst/>
+              </a:prstGeom>
+              <a:noFill/>
+            </p:spPr>
+            <p:txBody>
+              <a:bodyPr wrap="none" lIns="0" tIns="0" rIns="0" bIns="0" rtlCol="0">
+                <a:spAutoFit/>
+              </a:bodyPr>
+              <a:lstStyle/>
+              <a:p>
+                <a:pPr/>
+                <a14:m>
+                  <m:oMathPara xmlns:m="http://schemas.openxmlformats.org/officeDocument/2006/math">
+                    <m:oMathParaPr>
+                      <m:jc m:val="centerGroup"/>
+                    </m:oMathParaPr>
+                    <m:oMath xmlns:m="http://schemas.openxmlformats.org/officeDocument/2006/math">
+                      <m:r>
+                        <a:rPr lang="en-US" sz="1400" i="1">
+                          <a:latin typeface="Cambria Math" panose="02040503050406030204" pitchFamily="18" charset="0"/>
+                          <a:ea typeface="Cambria Math" panose="02040503050406030204" pitchFamily="18" charset="0"/>
+                        </a:rPr>
+                        <m:t>𝜔</m:t>
+                      </m:r>
+                    </m:oMath>
+                  </m:oMathPara>
+                </a14:m>
+                <a:endParaRPr lang="en-US" sz="1400" dirty="0"/>
+              </a:p>
+            </p:txBody>
+          </p:sp>
+        </mc:Choice>
+        <mc:Fallback>
+          <p:sp>
+            <p:nvSpPr>
+              <p:cNvPr id="18" name="TextBox 17">
+                <a:extLst>
+                  <a:ext uri="{FF2B5EF4-FFF2-40B4-BE49-F238E27FC236}">
+                    <a16:creationId xmlns:a16="http://schemas.microsoft.com/office/drawing/2014/main" id="{E794474B-E4CC-9366-6AC1-FE88120A4DB1}"/>
+                  </a:ext>
+                </a:extLst>
+              </p:cNvPr>
+              <p:cNvSpPr txBox="1">
+                <a:spLocks noRot="1" noChangeAspect="1" noMove="1" noResize="1" noEditPoints="1" noAdjustHandles="1" noChangeArrowheads="1" noChangeShapeType="1" noTextEdit="1"/>
+              </p:cNvSpPr>
+              <p:nvPr/>
+            </p:nvSpPr>
+            <p:spPr>
+              <a:xfrm>
+                <a:off x="4476641" y="3135736"/>
+                <a:ext cx="170688" cy="215444"/>
+              </a:xfrm>
+              <a:prstGeom prst="rect">
+                <a:avLst/>
+              </a:prstGeom>
+              <a:blipFill>
+                <a:blip r:embed="rId5"/>
+                <a:stretch>
+                  <a:fillRect l="-14286" r="-14286"/>
+                </a:stretch>
+              </a:blipFill>
+            </p:spPr>
+            <p:txBody>
+              <a:bodyPr/>
+              <a:lstStyle/>
+              <a:p>
+                <a:r>
+                  <a:rPr lang="en-US">
+                    <a:noFill/>
+                  </a:rPr>
+                  <a:t> </a:t>
+                </a:r>
+              </a:p>
+            </p:txBody>
+          </p:sp>
+        </mc:Fallback>
+      </mc:AlternateContent>
+      <p:cxnSp>
+        <p:nvCxnSpPr>
+          <p:cNvPr id="21" name="Straight Arrow Connector 20">
+            <a:extLst>
+              <a:ext uri="{FF2B5EF4-FFF2-40B4-BE49-F238E27FC236}">
+                <a16:creationId xmlns:a16="http://schemas.microsoft.com/office/drawing/2014/main" id="{08DC7A21-5CE3-4D31-521C-D8A162084E14}"/>
+              </a:ext>
+            </a:extLst>
+          </p:cNvPr>
+          <p:cNvCxnSpPr>
+            <a:cxnSpLocks/>
+          </p:cNvCxnSpPr>
+          <p:nvPr/>
+        </p:nvCxnSpPr>
+        <p:spPr>
+          <a:xfrm flipH="1">
+            <a:off x="4188299" y="2816677"/>
+            <a:ext cx="318288" cy="571426"/>
+          </a:xfrm>
+          <a:prstGeom prst="straightConnector1">
+            <a:avLst/>
+          </a:prstGeom>
+          <a:ln w="22225">
+            <a:solidFill>
+              <a:schemeClr val="tx1"/>
+            </a:solidFill>
+            <a:prstDash val="solid"/>
+            <a:headEnd type="stealth" w="med" len="lg"/>
+            <a:tailEnd type="none" w="med" len="lg"/>
+          </a:ln>
+        </p:spPr>
+        <p:style>
+          <a:lnRef idx="2">
+            <a:schemeClr val="accent1"/>
+          </a:lnRef>
+          <a:fillRef idx="0">
+            <a:schemeClr val="accent1"/>
+          </a:fillRef>
+          <a:effectRef idx="1">
+            <a:schemeClr val="accent1"/>
+          </a:effectRef>
+          <a:fontRef idx="minor">
+            <a:schemeClr val="tx1"/>
+          </a:fontRef>
+        </p:style>
+      </p:cxnSp>
+      <p:sp>
+        <p:nvSpPr>
+          <p:cNvPr id="24" name="Oval 23">
+            <a:extLst>
+              <a:ext uri="{FF2B5EF4-FFF2-40B4-BE49-F238E27FC236}">
+                <a16:creationId xmlns:a16="http://schemas.microsoft.com/office/drawing/2014/main" id="{0D1D4121-BFDF-7004-B694-D3C90321E132}"/>
+              </a:ext>
+            </a:extLst>
+          </p:cNvPr>
+          <p:cNvSpPr/>
+          <p:nvPr/>
+        </p:nvSpPr>
+        <p:spPr>
+          <a:xfrm>
+            <a:off x="4343219" y="3025039"/>
+            <a:ext cx="66357" cy="62466"/>
+          </a:xfrm>
+          <a:prstGeom prst="ellipse">
+            <a:avLst/>
+          </a:prstGeom>
+          <a:solidFill>
+            <a:schemeClr val="tx1"/>
+          </a:solidFill>
+          <a:ln>
+            <a:noFill/>
+          </a:ln>
+        </p:spPr>
+        <p:style>
+          <a:lnRef idx="2">
+            <a:schemeClr val="accent1">
+              <a:shade val="15000"/>
+            </a:schemeClr>
+          </a:lnRef>
+          <a:fillRef idx="1">
+            <a:schemeClr val="accent1"/>
+          </a:fillRef>
+          <a:effectRef idx="0">
+            <a:schemeClr val="accent1"/>
+          </a:effectRef>
+          <a:fontRef idx="minor">
+            <a:schemeClr val="lt1"/>
+          </a:fontRef>
+        </p:style>
+        <p:txBody>
+          <a:bodyPr rtlCol="0" anchor="ctr"/>
+          <a:lstStyle/>
+          <a:p>
+            <a:pPr algn="ctr"/>
+            <a:endParaRPr lang="en-US"/>
+          </a:p>
+        </p:txBody>
+      </p:sp>
+      <mc:AlternateContent xmlns:mc="http://schemas.openxmlformats.org/markup-compatibility/2006">
+        <mc:Choice xmlns:a14="http://schemas.microsoft.com/office/drawing/2010/main" Requires="a14">
+          <p:sp>
+            <p:nvSpPr>
+              <p:cNvPr id="25" name="TextBox 24">
+                <a:extLst>
+                  <a:ext uri="{FF2B5EF4-FFF2-40B4-BE49-F238E27FC236}">
+                    <a16:creationId xmlns:a16="http://schemas.microsoft.com/office/drawing/2014/main" id="{49F5447F-8374-E022-EFAD-981E87D93295}"/>
+                  </a:ext>
+                </a:extLst>
+              </p:cNvPr>
+              <p:cNvSpPr txBox="1"/>
+              <p:nvPr/>
+            </p:nvSpPr>
+            <p:spPr>
+              <a:xfrm>
+                <a:off x="4194114" y="2680597"/>
+                <a:ext cx="246734" cy="345159"/>
+              </a:xfrm>
+              <a:prstGeom prst="rect">
+                <a:avLst/>
+              </a:prstGeom>
+              <a:noFill/>
+            </p:spPr>
+            <p:txBody>
+              <a:bodyPr wrap="none" lIns="0" tIns="0" rIns="0" bIns="0" rtlCol="0">
+                <a:spAutoFit/>
+              </a:bodyPr>
+              <a:lstStyle/>
+              <a:p>
+                <a:pPr/>
+                <a14:m>
+                  <m:oMathPara xmlns:m="http://schemas.openxmlformats.org/officeDocument/2006/math">
+                    <m:oMathParaPr>
+                      <m:jc m:val="centerGroup"/>
+                    </m:oMathParaPr>
+                    <m:oMath xmlns:m="http://schemas.openxmlformats.org/officeDocument/2006/math">
+                      <m:acc>
+                        <m:accPr>
+                          <m:chr m:val="⃗"/>
+                          <m:ctrlPr>
+                            <a:rPr lang="en-US" sz="2000" i="1">
+                              <a:latin typeface="Cambria Math" panose="02040503050406030204" pitchFamily="18" charset="0"/>
+                            </a:rPr>
+                          </m:ctrlPr>
+                        </m:accPr>
+                        <m:e>
+                          <m:r>
+                            <a:rPr lang="en-US" sz="2000" i="1">
+                              <a:latin typeface="Cambria Math" panose="02040503050406030204" pitchFamily="18" charset="0"/>
+                            </a:rPr>
+                            <m:t>𝑁</m:t>
+                          </m:r>
+                        </m:e>
+                      </m:acc>
+                    </m:oMath>
+                  </m:oMathPara>
+                </a14:m>
+                <a:endParaRPr lang="en-US" sz="2000" dirty="0"/>
+              </a:p>
+            </p:txBody>
+          </p:sp>
+        </mc:Choice>
+        <mc:Fallback>
+          <p:sp>
+            <p:nvSpPr>
+              <p:cNvPr id="25" name="TextBox 24">
+                <a:extLst>
+                  <a:ext uri="{FF2B5EF4-FFF2-40B4-BE49-F238E27FC236}">
+                    <a16:creationId xmlns:a16="http://schemas.microsoft.com/office/drawing/2014/main" id="{49F5447F-8374-E022-EFAD-981E87D93295}"/>
+                  </a:ext>
+                </a:extLst>
+              </p:cNvPr>
+              <p:cNvSpPr txBox="1">
+                <a:spLocks noRot="1" noChangeAspect="1" noMove="1" noResize="1" noEditPoints="1" noAdjustHandles="1" noChangeArrowheads="1" noChangeShapeType="1" noTextEdit="1"/>
+              </p:cNvSpPr>
+              <p:nvPr/>
+            </p:nvSpPr>
+            <p:spPr>
+              <a:xfrm>
+                <a:off x="4194114" y="2680597"/>
+                <a:ext cx="246734" cy="345159"/>
+              </a:xfrm>
+              <a:prstGeom prst="rect">
+                <a:avLst/>
+              </a:prstGeom>
+              <a:blipFill>
+                <a:blip r:embed="rId6"/>
+                <a:stretch>
+                  <a:fillRect l="-25000" r="-25000" b="-5357"/>
+                </a:stretch>
+              </a:blipFill>
+            </p:spPr>
+            <p:txBody>
+              <a:bodyPr/>
+              <a:lstStyle/>
+              <a:p>
+                <a:r>
+                  <a:rPr lang="en-US">
+                    <a:noFill/>
+                  </a:rPr>
+                  <a:t> </a:t>
+                </a:r>
+              </a:p>
+            </p:txBody>
+          </p:sp>
+        </mc:Fallback>
+      </mc:AlternateContent>
+      <mc:AlternateContent xmlns:mc="http://schemas.openxmlformats.org/markup-compatibility/2006">
+        <mc:Choice xmlns:a14="http://schemas.microsoft.com/office/drawing/2010/main" Requires="a14">
+          <p:sp>
+            <p:nvSpPr>
+              <p:cNvPr id="26" name="TextBox 25">
+                <a:extLst>
+                  <a:ext uri="{FF2B5EF4-FFF2-40B4-BE49-F238E27FC236}">
+                    <a16:creationId xmlns:a16="http://schemas.microsoft.com/office/drawing/2014/main" id="{2376E99A-C0E0-1529-6DBB-8A8D5B2EC3D1}"/>
+                  </a:ext>
+                </a:extLst>
+              </p:cNvPr>
+              <p:cNvSpPr txBox="1"/>
+              <p:nvPr/>
+            </p:nvSpPr>
+            <p:spPr>
+              <a:xfrm>
+                <a:off x="4064289" y="3588917"/>
+                <a:ext cx="345287" cy="246221"/>
+              </a:xfrm>
+              <a:prstGeom prst="rect">
+                <a:avLst/>
+              </a:prstGeom>
+              <a:noFill/>
+            </p:spPr>
+            <p:txBody>
+              <a:bodyPr wrap="none" lIns="0" tIns="0" rIns="0" bIns="0" rtlCol="0">
+                <a:spAutoFit/>
+              </a:bodyPr>
+              <a:lstStyle/>
+              <a:p>
+                <a:pPr/>
+                <a14:m>
+                  <m:oMathPara xmlns:m="http://schemas.openxmlformats.org/officeDocument/2006/math">
+                    <m:oMathParaPr>
+                      <m:jc m:val="centerGroup"/>
+                    </m:oMathParaPr>
+                    <m:oMath xmlns:m="http://schemas.openxmlformats.org/officeDocument/2006/math">
+                      <m:r>
+                        <a:rPr lang="en-US" sz="1600" b="0" i="1" smtClean="0">
+                          <a:latin typeface="Cambria Math" panose="02040503050406030204" pitchFamily="18" charset="0"/>
+                        </a:rPr>
+                        <m:t>𝑚</m:t>
+                      </m:r>
+                      <m:acc>
+                        <m:accPr>
+                          <m:chr m:val="⃗"/>
+                          <m:ctrlPr>
+                            <a:rPr lang="en-US" sz="1600" i="1" smtClean="0">
+                              <a:latin typeface="Cambria Math" panose="02040503050406030204" pitchFamily="18" charset="0"/>
+                            </a:rPr>
+                          </m:ctrlPr>
+                        </m:accPr>
+                        <m:e>
+                          <m:r>
+                            <a:rPr lang="en-US" sz="1600" b="0" i="1" smtClean="0">
+                              <a:latin typeface="Cambria Math" panose="02040503050406030204" pitchFamily="18" charset="0"/>
+                            </a:rPr>
+                            <m:t>𝑔</m:t>
+                          </m:r>
+                        </m:e>
+                      </m:acc>
+                    </m:oMath>
+                  </m:oMathPara>
+                </a14:m>
+                <a:endParaRPr lang="en-US" sz="1600" dirty="0"/>
+              </a:p>
+            </p:txBody>
+          </p:sp>
+        </mc:Choice>
+        <mc:Fallback>
+          <p:sp>
+            <p:nvSpPr>
+              <p:cNvPr id="26" name="TextBox 25">
+                <a:extLst>
+                  <a:ext uri="{FF2B5EF4-FFF2-40B4-BE49-F238E27FC236}">
+                    <a16:creationId xmlns:a16="http://schemas.microsoft.com/office/drawing/2014/main" id="{2376E99A-C0E0-1529-6DBB-8A8D5B2EC3D1}"/>
+                  </a:ext>
+                </a:extLst>
+              </p:cNvPr>
+              <p:cNvSpPr txBox="1">
+                <a:spLocks noRot="1" noChangeAspect="1" noMove="1" noResize="1" noEditPoints="1" noAdjustHandles="1" noChangeArrowheads="1" noChangeShapeType="1" noTextEdit="1"/>
+              </p:cNvSpPr>
+              <p:nvPr/>
+            </p:nvSpPr>
+            <p:spPr>
+              <a:xfrm>
+                <a:off x="4064289" y="3588917"/>
+                <a:ext cx="345287" cy="246221"/>
+              </a:xfrm>
+              <a:prstGeom prst="rect">
+                <a:avLst/>
+              </a:prstGeom>
+              <a:blipFill>
+                <a:blip r:embed="rId7"/>
+                <a:stretch>
+                  <a:fillRect l="-8929" t="-40000" r="-92857" b="-25000"/>
+                </a:stretch>
+              </a:blipFill>
+            </p:spPr>
+            <p:txBody>
+              <a:bodyPr/>
+              <a:lstStyle/>
+              <a:p>
+                <a:r>
+                  <a:rPr lang="en-US">
+                    <a:noFill/>
+                  </a:rPr>
+                  <a:t> </a:t>
+                </a:r>
+              </a:p>
+            </p:txBody>
+          </p:sp>
+        </mc:Fallback>
+      </mc:AlternateContent>
+      <p:sp>
+        <p:nvSpPr>
+          <p:cNvPr id="28" name="Arc 27">
+            <a:extLst>
+              <a:ext uri="{FF2B5EF4-FFF2-40B4-BE49-F238E27FC236}">
+                <a16:creationId xmlns:a16="http://schemas.microsoft.com/office/drawing/2014/main" id="{098CA1ED-048F-80E1-6E87-4AAD0BCC85B4}"/>
+              </a:ext>
+            </a:extLst>
+          </p:cNvPr>
+          <p:cNvSpPr/>
+          <p:nvPr/>
+        </p:nvSpPr>
+        <p:spPr>
+          <a:xfrm rot="15118361">
+            <a:off x="6358632" y="4762856"/>
+            <a:ext cx="366382" cy="353263"/>
+          </a:xfrm>
+          <a:prstGeom prst="arc">
+            <a:avLst/>
+          </a:prstGeom>
+          <a:ln>
+            <a:solidFill>
+              <a:schemeClr val="tx1"/>
+            </a:solidFill>
+          </a:ln>
+        </p:spPr>
+        <p:style>
+          <a:lnRef idx="2">
+            <a:schemeClr val="accent1"/>
+          </a:lnRef>
+          <a:fillRef idx="0">
+            <a:schemeClr val="accent1"/>
+          </a:fillRef>
+          <a:effectRef idx="1">
+            <a:schemeClr val="accent1"/>
+          </a:effectRef>
+          <a:fontRef idx="minor">
+            <a:schemeClr val="tx1"/>
+          </a:fontRef>
+        </p:style>
+        <p:txBody>
+          <a:bodyPr rtlCol="0" anchor="ctr"/>
+          <a:lstStyle/>
+          <a:p>
+            <a:pPr algn="ctr"/>
+            <a:endParaRPr lang="en-US"/>
+          </a:p>
+        </p:txBody>
+      </p:sp>
+      <mc:AlternateContent xmlns:mc="http://schemas.openxmlformats.org/markup-compatibility/2006">
+        <mc:Choice xmlns:a14="http://schemas.microsoft.com/office/drawing/2010/main" Requires="a14">
+          <p:sp>
+            <p:nvSpPr>
+              <p:cNvPr id="29" name="TextBox 28">
+                <a:extLst>
+                  <a:ext uri="{FF2B5EF4-FFF2-40B4-BE49-F238E27FC236}">
+                    <a16:creationId xmlns:a16="http://schemas.microsoft.com/office/drawing/2014/main" id="{D0CE674A-FC92-64EF-2B62-FE7F83436DE4}"/>
+                  </a:ext>
+                </a:extLst>
+              </p:cNvPr>
+              <p:cNvSpPr txBox="1"/>
+              <p:nvPr/>
+            </p:nvSpPr>
+            <p:spPr>
+              <a:xfrm>
+                <a:off x="6017729" y="4572913"/>
+                <a:ext cx="299441" cy="430887"/>
+              </a:xfrm>
+              <a:prstGeom prst="rect">
+                <a:avLst/>
+              </a:prstGeom>
+              <a:noFill/>
+            </p:spPr>
+            <p:txBody>
+              <a:bodyPr wrap="none" lIns="0" tIns="0" rIns="0" bIns="0" rtlCol="0">
+                <a:spAutoFit/>
+              </a:bodyPr>
+              <a:lstStyle/>
+              <a:p>
+                <a:pPr/>
+                <a14:m>
+                  <m:oMathPara xmlns:m="http://schemas.openxmlformats.org/officeDocument/2006/math">
+                    <m:oMathParaPr>
+                      <m:jc m:val="centerGroup"/>
+                    </m:oMathParaPr>
+                    <m:oMath xmlns:m="http://schemas.openxmlformats.org/officeDocument/2006/math">
+                      <m:r>
+                        <a:rPr lang="en-US" sz="2800" i="1" smtClean="0">
+                          <a:latin typeface="Cambria Math" panose="02040503050406030204" pitchFamily="18" charset="0"/>
+                          <a:ea typeface="Cambria Math" panose="02040503050406030204" pitchFamily="18" charset="0"/>
+                        </a:rPr>
+                        <m:t>𝛼</m:t>
+                      </m:r>
+                    </m:oMath>
+                  </m:oMathPara>
+                </a14:m>
+                <a:endParaRPr lang="en-US" sz="2800" dirty="0"/>
+              </a:p>
+            </p:txBody>
+          </p:sp>
+        </mc:Choice>
+        <mc:Fallback>
+          <p:sp>
+            <p:nvSpPr>
+              <p:cNvPr id="29" name="TextBox 28">
+                <a:extLst>
+                  <a:ext uri="{FF2B5EF4-FFF2-40B4-BE49-F238E27FC236}">
+                    <a16:creationId xmlns:a16="http://schemas.microsoft.com/office/drawing/2014/main" id="{D0CE674A-FC92-64EF-2B62-FE7F83436DE4}"/>
+                  </a:ext>
+                </a:extLst>
+              </p:cNvPr>
+              <p:cNvSpPr txBox="1">
+                <a:spLocks noRot="1" noChangeAspect="1" noMove="1" noResize="1" noEditPoints="1" noAdjustHandles="1" noChangeArrowheads="1" noChangeShapeType="1" noTextEdit="1"/>
+              </p:cNvSpPr>
+              <p:nvPr/>
+            </p:nvSpPr>
+            <p:spPr>
+              <a:xfrm>
+                <a:off x="6017729" y="4572913"/>
+                <a:ext cx="299441" cy="430887"/>
+              </a:xfrm>
+              <a:prstGeom prst="rect">
+                <a:avLst/>
+              </a:prstGeom>
+              <a:blipFill>
+                <a:blip r:embed="rId8"/>
+                <a:stretch>
+                  <a:fillRect/>
+                </a:stretch>
+              </a:blipFill>
+            </p:spPr>
+            <p:txBody>
+              <a:bodyPr/>
+              <a:lstStyle/>
+              <a:p>
+                <a:r>
+                  <a:rPr lang="en-US">
+                    <a:noFill/>
+                  </a:rPr>
+                  <a:t> </a:t>
+                </a:r>
+              </a:p>
+            </p:txBody>
+          </p:sp>
+        </mc:Fallback>
+      </mc:AlternateContent>
+    </p:spTree>
+    <p:extLst>
+      <p:ext uri="{BB962C8B-B14F-4D97-AF65-F5344CB8AC3E}">
+        <p14:creationId xmlns:p14="http://schemas.microsoft.com/office/powerpoint/2010/main" val="4123084914"/>
       </p:ext>
     </p:extLst>
   </p:cSld>
@@ -24893,8 +32875,8 @@
           </a:p>
         </p:txBody>
       </p:sp>
-      <mc:AlternateContent xmlns:mc="http://schemas.openxmlformats.org/markup-compatibility/2006">
-        <mc:Choice xmlns:a14="http://schemas.microsoft.com/office/drawing/2010/main" Requires="a14">
+      <mc:AlternateContent xmlns:mc="http://schemas.openxmlformats.org/markup-compatibility/2006" xmlns:a14="http://schemas.microsoft.com/office/drawing/2010/main">
+        <mc:Choice Requires="a14">
           <p:sp>
             <p:nvSpPr>
               <p:cNvPr id="3" name="Rectangle 2">
@@ -24972,7 +32954,7 @@
             </p:txBody>
           </p:sp>
         </mc:Choice>
-        <mc:Fallback>
+        <mc:Fallback xmlns="">
           <p:sp>
             <p:nvSpPr>
               <p:cNvPr id="3" name="Rectangle 2">
@@ -25195,8 +33177,8 @@
           </a:p>
         </p:txBody>
       </p:sp>
-      <mc:AlternateContent xmlns:mc="http://schemas.openxmlformats.org/markup-compatibility/2006">
-        <mc:Choice xmlns:a14="http://schemas.microsoft.com/office/drawing/2010/main" Requires="a14">
+      <mc:AlternateContent xmlns:mc="http://schemas.openxmlformats.org/markup-compatibility/2006" xmlns:a14="http://schemas.microsoft.com/office/drawing/2010/main">
+        <mc:Choice Requires="a14">
           <p:sp>
             <p:nvSpPr>
               <p:cNvPr id="12" name="Rectangle 11">
@@ -25274,7 +33256,7 @@
             </p:txBody>
           </p:sp>
         </mc:Choice>
-        <mc:Fallback>
+        <mc:Fallback xmlns="">
           <p:sp>
             <p:nvSpPr>
               <p:cNvPr id="12" name="Rectangle 11">
@@ -25319,8 +33301,8 @@
           </p:sp>
         </mc:Fallback>
       </mc:AlternateContent>
-      <mc:AlternateContent xmlns:mc="http://schemas.openxmlformats.org/markup-compatibility/2006">
-        <mc:Choice xmlns:a14="http://schemas.microsoft.com/office/drawing/2010/main" Requires="a14">
+      <mc:AlternateContent xmlns:mc="http://schemas.openxmlformats.org/markup-compatibility/2006" xmlns:a14="http://schemas.microsoft.com/office/drawing/2010/main">
+        <mc:Choice Requires="a14">
           <p:sp>
             <p:nvSpPr>
               <p:cNvPr id="13" name="Rectangle 12">
@@ -25398,7 +33380,7 @@
             </p:txBody>
           </p:sp>
         </mc:Choice>
-        <mc:Fallback>
+        <mc:Fallback xmlns="">
           <p:sp>
             <p:nvSpPr>
               <p:cNvPr id="13" name="Rectangle 12">

--- a/theory/lecture-drawings.pptx
+++ b/theory/lecture-drawings.pptx
@@ -27,6 +27,7 @@
     <p:sldId id="276" r:id="rId21"/>
     <p:sldId id="277" r:id="rId22"/>
     <p:sldId id="278" r:id="rId23"/>
+    <p:sldId id="279" r:id="rId24"/>
   </p:sldIdLst>
   <p:sldSz cx="12192000" cy="6858000"/>
   <p:notesSz cx="6858000" cy="9144000"/>
@@ -18310,8 +18311,8 @@
           </a:fontRef>
         </p:style>
       </p:cxnSp>
-      <mc:AlternateContent xmlns:mc="http://schemas.openxmlformats.org/markup-compatibility/2006">
-        <mc:Choice xmlns:a14="http://schemas.microsoft.com/office/drawing/2010/main" Requires="a14">
+      <mc:AlternateContent xmlns:mc="http://schemas.openxmlformats.org/markup-compatibility/2006" xmlns:a14="http://schemas.microsoft.com/office/drawing/2010/main">
+        <mc:Choice Requires="a14">
           <p:sp>
             <p:nvSpPr>
               <p:cNvPr id="20" name="TextBox 19">
@@ -18373,7 +18374,7 @@
             </p:txBody>
           </p:sp>
         </mc:Choice>
-        <mc:Fallback>
+        <mc:Fallback xmlns="">
           <p:sp>
             <p:nvSpPr>
               <p:cNvPr id="20" name="TextBox 19">
@@ -18613,8 +18614,8 @@
           </a:p>
         </p:txBody>
       </p:sp>
-      <mc:AlternateContent xmlns:mc="http://schemas.openxmlformats.org/markup-compatibility/2006">
-        <mc:Choice xmlns:a14="http://schemas.microsoft.com/office/drawing/2010/main" Requires="a14">
+      <mc:AlternateContent xmlns:mc="http://schemas.openxmlformats.org/markup-compatibility/2006" xmlns:a14="http://schemas.microsoft.com/office/drawing/2010/main">
+        <mc:Choice Requires="a14">
           <p:sp>
             <p:nvSpPr>
               <p:cNvPr id="38" name="TextBox 37">
@@ -18665,7 +18666,7 @@
             </p:txBody>
           </p:sp>
         </mc:Choice>
-        <mc:Fallback>
+        <mc:Fallback xmlns="">
           <p:sp>
             <p:nvSpPr>
               <p:cNvPr id="38" name="TextBox 37">
@@ -18710,8 +18711,8 @@
           </p:sp>
         </mc:Fallback>
       </mc:AlternateContent>
-      <mc:AlternateContent xmlns:mc="http://schemas.openxmlformats.org/markup-compatibility/2006">
-        <mc:Choice xmlns:a14="http://schemas.microsoft.com/office/drawing/2010/main" Requires="a14">
+      <mc:AlternateContent xmlns:mc="http://schemas.openxmlformats.org/markup-compatibility/2006" xmlns:a14="http://schemas.microsoft.com/office/drawing/2010/main">
+        <mc:Choice Requires="a14">
           <p:sp>
             <p:nvSpPr>
               <p:cNvPr id="39" name="TextBox 38">
@@ -18762,7 +18763,7 @@
             </p:txBody>
           </p:sp>
         </mc:Choice>
-        <mc:Fallback>
+        <mc:Fallback xmlns="">
           <p:sp>
             <p:nvSpPr>
               <p:cNvPr id="39" name="TextBox 38">
@@ -18928,8 +18929,8 @@
           </a:fontRef>
         </p:style>
       </p:cxnSp>
-      <mc:AlternateContent xmlns:mc="http://schemas.openxmlformats.org/markup-compatibility/2006">
-        <mc:Choice xmlns:a14="http://schemas.microsoft.com/office/drawing/2010/main" Requires="a14">
+      <mc:AlternateContent xmlns:mc="http://schemas.openxmlformats.org/markup-compatibility/2006" xmlns:a14="http://schemas.microsoft.com/office/drawing/2010/main">
+        <mc:Choice Requires="a14">
           <p:sp>
             <p:nvSpPr>
               <p:cNvPr id="10" name="TextBox 9">
@@ -18993,7 +18994,7 @@
             </p:txBody>
           </p:sp>
         </mc:Choice>
-        <mc:Fallback>
+        <mc:Fallback xmlns="">
           <p:sp>
             <p:nvSpPr>
               <p:cNvPr id="10" name="TextBox 9">
@@ -19135,8 +19136,8 @@
           </a:p>
         </p:txBody>
       </p:sp>
-      <mc:AlternateContent xmlns:mc="http://schemas.openxmlformats.org/markup-compatibility/2006">
-        <mc:Choice xmlns:a14="http://schemas.microsoft.com/office/drawing/2010/main" Requires="a14">
+      <mc:AlternateContent xmlns:mc="http://schemas.openxmlformats.org/markup-compatibility/2006" xmlns:a14="http://schemas.microsoft.com/office/drawing/2010/main">
+        <mc:Choice Requires="a14">
           <p:sp>
             <p:nvSpPr>
               <p:cNvPr id="14" name="TextBox 13">
@@ -19187,7 +19188,7 @@
             </p:txBody>
           </p:sp>
         </mc:Choice>
-        <mc:Fallback>
+        <mc:Fallback xmlns="">
           <p:sp>
             <p:nvSpPr>
               <p:cNvPr id="14" name="TextBox 13">
@@ -19286,8 +19287,8 @@
           </a:p>
         </p:txBody>
       </p:sp>
-      <mc:AlternateContent xmlns:mc="http://schemas.openxmlformats.org/markup-compatibility/2006">
-        <mc:Choice xmlns:a14="http://schemas.microsoft.com/office/drawing/2010/main" Requires="a14">
+      <mc:AlternateContent xmlns:mc="http://schemas.openxmlformats.org/markup-compatibility/2006" xmlns:a14="http://schemas.microsoft.com/office/drawing/2010/main">
+        <mc:Choice Requires="a14">
           <p:sp>
             <p:nvSpPr>
               <p:cNvPr id="16" name="TextBox 15">
@@ -19338,7 +19339,7 @@
             </p:txBody>
           </p:sp>
         </mc:Choice>
-        <mc:Fallback>
+        <mc:Fallback xmlns="">
           <p:sp>
             <p:nvSpPr>
               <p:cNvPr id="16" name="TextBox 15">
@@ -19479,8 +19480,8 @@
           </a:p>
         </p:txBody>
       </p:sp>
-      <mc:AlternateContent xmlns:mc="http://schemas.openxmlformats.org/markup-compatibility/2006">
-        <mc:Choice xmlns:a14="http://schemas.microsoft.com/office/drawing/2010/main" Requires="a14">
+      <mc:AlternateContent xmlns:mc="http://schemas.openxmlformats.org/markup-compatibility/2006" xmlns:a14="http://schemas.microsoft.com/office/drawing/2010/main">
+        <mc:Choice Requires="a14">
           <p:sp>
             <p:nvSpPr>
               <p:cNvPr id="24" name="TextBox 23">
@@ -19531,7 +19532,7 @@
             </p:txBody>
           </p:sp>
         </mc:Choice>
-        <mc:Fallback>
+        <mc:Fallback xmlns="">
           <p:sp>
             <p:nvSpPr>
               <p:cNvPr id="24" name="TextBox 23">
@@ -20143,8 +20144,8 @@
           </p:style>
         </p:cxnSp>
       </p:grpSp>
-      <mc:AlternateContent xmlns:mc="http://schemas.openxmlformats.org/markup-compatibility/2006">
-        <mc:Choice xmlns:a14="http://schemas.microsoft.com/office/drawing/2010/main" Requires="a14">
+      <mc:AlternateContent xmlns:mc="http://schemas.openxmlformats.org/markup-compatibility/2006" xmlns:a14="http://schemas.microsoft.com/office/drawing/2010/main">
+        <mc:Choice Requires="a14">
           <p:sp>
             <p:nvSpPr>
               <p:cNvPr id="51" name="TextBox 50">
@@ -20216,7 +20217,7 @@
             </p:txBody>
           </p:sp>
         </mc:Choice>
-        <mc:Fallback>
+        <mc:Fallback xmlns="">
           <p:sp>
             <p:nvSpPr>
               <p:cNvPr id="51" name="TextBox 50">
@@ -20668,8 +20669,8 @@
           </a:fontRef>
         </p:style>
       </p:cxnSp>
-      <mc:AlternateContent xmlns:mc="http://schemas.openxmlformats.org/markup-compatibility/2006">
-        <mc:Choice xmlns:a14="http://schemas.microsoft.com/office/drawing/2010/main" Requires="a14">
+      <mc:AlternateContent xmlns:mc="http://schemas.openxmlformats.org/markup-compatibility/2006" xmlns:a14="http://schemas.microsoft.com/office/drawing/2010/main">
+        <mc:Choice Requires="a14">
           <p:sp>
             <p:nvSpPr>
               <p:cNvPr id="91" name="TextBox 90">
@@ -20719,7 +20720,7 @@
             </p:txBody>
           </p:sp>
         </mc:Choice>
-        <mc:Fallback>
+        <mc:Fallback xmlns="">
           <p:sp>
             <p:nvSpPr>
               <p:cNvPr id="91" name="TextBox 90">
@@ -20764,8 +20765,8 @@
           </p:sp>
         </mc:Fallback>
       </mc:AlternateContent>
-      <mc:AlternateContent xmlns:mc="http://schemas.openxmlformats.org/markup-compatibility/2006">
-        <mc:Choice xmlns:a14="http://schemas.microsoft.com/office/drawing/2010/main" Requires="a14">
+      <mc:AlternateContent xmlns:mc="http://schemas.openxmlformats.org/markup-compatibility/2006" xmlns:a14="http://schemas.microsoft.com/office/drawing/2010/main">
+        <mc:Choice Requires="a14">
           <p:sp>
             <p:nvSpPr>
               <p:cNvPr id="92" name="TextBox 91">
@@ -20822,7 +20823,7 @@
             </p:txBody>
           </p:sp>
         </mc:Choice>
-        <mc:Fallback>
+        <mc:Fallback xmlns="">
           <p:sp>
             <p:nvSpPr>
               <p:cNvPr id="92" name="TextBox 91">
@@ -20929,8 +20930,8 @@
           </a:p>
         </p:txBody>
       </p:sp>
-      <mc:AlternateContent xmlns:mc="http://schemas.openxmlformats.org/markup-compatibility/2006">
-        <mc:Choice xmlns:a14="http://schemas.microsoft.com/office/drawing/2010/main" Requires="a14">
+      <mc:AlternateContent xmlns:mc="http://schemas.openxmlformats.org/markup-compatibility/2006" xmlns:a14="http://schemas.microsoft.com/office/drawing/2010/main">
+        <mc:Choice Requires="a14">
           <p:sp>
             <p:nvSpPr>
               <p:cNvPr id="95" name="TextBox 94">
@@ -21016,7 +21017,7 @@
             </p:txBody>
           </p:sp>
         </mc:Choice>
-        <mc:Fallback>
+        <mc:Fallback xmlns="">
           <p:sp>
             <p:nvSpPr>
               <p:cNvPr id="95" name="TextBox 94">
@@ -21061,8 +21062,8 @@
           </p:sp>
         </mc:Fallback>
       </mc:AlternateContent>
-      <mc:AlternateContent xmlns:mc="http://schemas.openxmlformats.org/markup-compatibility/2006">
-        <mc:Choice xmlns:a14="http://schemas.microsoft.com/office/drawing/2010/main" Requires="a14">
+      <mc:AlternateContent xmlns:mc="http://schemas.openxmlformats.org/markup-compatibility/2006" xmlns:a14="http://schemas.microsoft.com/office/drawing/2010/main">
+        <mc:Choice Requires="a14">
           <p:sp>
             <p:nvSpPr>
               <p:cNvPr id="96" name="TextBox 95">
@@ -21141,7 +21142,7 @@
             </p:txBody>
           </p:sp>
         </mc:Choice>
-        <mc:Fallback>
+        <mc:Fallback xmlns="">
           <p:sp>
             <p:nvSpPr>
               <p:cNvPr id="96" name="TextBox 95">
@@ -21469,8 +21470,8 @@
           </a:p>
         </p:txBody>
       </p:sp>
-      <mc:AlternateContent xmlns:mc="http://schemas.openxmlformats.org/markup-compatibility/2006">
-        <mc:Choice xmlns:a14="http://schemas.microsoft.com/office/drawing/2010/main" Requires="a14">
+      <mc:AlternateContent xmlns:mc="http://schemas.openxmlformats.org/markup-compatibility/2006" xmlns:a14="http://schemas.microsoft.com/office/drawing/2010/main">
+        <mc:Choice Requires="a14">
           <p:sp>
             <p:nvSpPr>
               <p:cNvPr id="10" name="TextBox 9">
@@ -21521,7 +21522,7 @@
             </p:txBody>
           </p:sp>
         </mc:Choice>
-        <mc:Fallback>
+        <mc:Fallback xmlns="">
           <p:sp>
             <p:nvSpPr>
               <p:cNvPr id="10" name="TextBox 9">
@@ -21717,8 +21718,8 @@
           </a:p>
         </p:txBody>
       </p:sp>
-      <mc:AlternateContent xmlns:mc="http://schemas.openxmlformats.org/markup-compatibility/2006">
-        <mc:Choice xmlns:a14="http://schemas.microsoft.com/office/drawing/2010/main" Requires="a14">
+      <mc:AlternateContent xmlns:mc="http://schemas.openxmlformats.org/markup-compatibility/2006" xmlns:a14="http://schemas.microsoft.com/office/drawing/2010/main">
+        <mc:Choice Requires="a14">
           <p:sp>
             <p:nvSpPr>
               <p:cNvPr id="15" name="TextBox 14">
@@ -21769,7 +21770,7 @@
             </p:txBody>
           </p:sp>
         </mc:Choice>
-        <mc:Fallback>
+        <mc:Fallback xmlns="">
           <p:sp>
             <p:nvSpPr>
               <p:cNvPr id="15" name="TextBox 14">
@@ -21950,8 +21951,8 @@
           </a:fontRef>
         </p:style>
       </p:cxnSp>
-      <mc:AlternateContent xmlns:mc="http://schemas.openxmlformats.org/markup-compatibility/2006">
-        <mc:Choice xmlns:a14="http://schemas.microsoft.com/office/drawing/2010/main" Requires="a14">
+      <mc:AlternateContent xmlns:mc="http://schemas.openxmlformats.org/markup-compatibility/2006" xmlns:a14="http://schemas.microsoft.com/office/drawing/2010/main">
+        <mc:Choice Requires="a14">
           <p:sp>
             <p:nvSpPr>
               <p:cNvPr id="25" name="TextBox 24">
@@ -22002,7 +22003,7 @@
             </p:txBody>
           </p:sp>
         </mc:Choice>
-        <mc:Fallback>
+        <mc:Fallback xmlns="">
           <p:sp>
             <p:nvSpPr>
               <p:cNvPr id="25" name="TextBox 24">
@@ -23494,8 +23495,8 @@
           </a:p>
         </p:txBody>
       </p:sp>
-      <mc:AlternateContent xmlns:mc="http://schemas.openxmlformats.org/markup-compatibility/2006">
-        <mc:Choice xmlns:a14="http://schemas.microsoft.com/office/drawing/2010/main" Requires="a14">
+      <mc:AlternateContent xmlns:mc="http://schemas.openxmlformats.org/markup-compatibility/2006" xmlns:a14="http://schemas.microsoft.com/office/drawing/2010/main">
+        <mc:Choice Requires="a14">
           <p:sp>
             <p:nvSpPr>
               <p:cNvPr id="5" name="TextBox 4">
@@ -23546,7 +23547,7 @@
             </p:txBody>
           </p:sp>
         </mc:Choice>
-        <mc:Fallback>
+        <mc:Fallback xmlns="">
           <p:sp>
             <p:nvSpPr>
               <p:cNvPr id="5" name="TextBox 4">
@@ -23922,8 +23923,8 @@
           </a:fontRef>
         </p:style>
       </p:cxnSp>
-      <mc:AlternateContent xmlns:mc="http://schemas.openxmlformats.org/markup-compatibility/2006">
-        <mc:Choice xmlns:a14="http://schemas.microsoft.com/office/drawing/2010/main" Requires="a14">
+      <mc:AlternateContent xmlns:mc="http://schemas.openxmlformats.org/markup-compatibility/2006" xmlns:a14="http://schemas.microsoft.com/office/drawing/2010/main">
+        <mc:Choice Requires="a14">
           <p:sp>
             <p:nvSpPr>
               <p:cNvPr id="21" name="TextBox 20">
@@ -23974,7 +23975,7 @@
             </p:txBody>
           </p:sp>
         </mc:Choice>
-        <mc:Fallback>
+        <mc:Fallback xmlns="">
           <p:sp>
             <p:nvSpPr>
               <p:cNvPr id="21" name="TextBox 20">
@@ -24019,8 +24020,8 @@
           </p:sp>
         </mc:Fallback>
       </mc:AlternateContent>
-      <mc:AlternateContent xmlns:mc="http://schemas.openxmlformats.org/markup-compatibility/2006">
-        <mc:Choice xmlns:a14="http://schemas.microsoft.com/office/drawing/2010/main" Requires="a14">
+      <mc:AlternateContent xmlns:mc="http://schemas.openxmlformats.org/markup-compatibility/2006" xmlns:a14="http://schemas.microsoft.com/office/drawing/2010/main">
+        <mc:Choice Requires="a14">
           <p:sp>
             <p:nvSpPr>
               <p:cNvPr id="22" name="TextBox 21">
@@ -24071,7 +24072,7 @@
             </p:txBody>
           </p:sp>
         </mc:Choice>
-        <mc:Fallback>
+        <mc:Fallback xmlns="">
           <p:sp>
             <p:nvSpPr>
               <p:cNvPr id="22" name="TextBox 21">
@@ -24116,8 +24117,8 @@
           </p:sp>
         </mc:Fallback>
       </mc:AlternateContent>
-      <mc:AlternateContent xmlns:mc="http://schemas.openxmlformats.org/markup-compatibility/2006">
-        <mc:Choice xmlns:a14="http://schemas.microsoft.com/office/drawing/2010/main" Requires="a14">
+      <mc:AlternateContent xmlns:mc="http://schemas.openxmlformats.org/markup-compatibility/2006" xmlns:a14="http://schemas.microsoft.com/office/drawing/2010/main">
+        <mc:Choice Requires="a14">
           <p:sp>
             <p:nvSpPr>
               <p:cNvPr id="23" name="TextBox 22">
@@ -24168,7 +24169,7 @@
             </p:txBody>
           </p:sp>
         </mc:Choice>
-        <mc:Fallback>
+        <mc:Fallback xmlns="">
           <p:sp>
             <p:nvSpPr>
               <p:cNvPr id="23" name="TextBox 22">
@@ -24626,8 +24627,8 @@
           </a:fontRef>
         </p:style>
       </p:cxnSp>
-      <mc:AlternateContent xmlns:mc="http://schemas.openxmlformats.org/markup-compatibility/2006">
-        <mc:Choice xmlns:a14="http://schemas.microsoft.com/office/drawing/2010/main" Requires="a14">
+      <mc:AlternateContent xmlns:mc="http://schemas.openxmlformats.org/markup-compatibility/2006" xmlns:a14="http://schemas.microsoft.com/office/drawing/2010/main">
+        <mc:Choice Requires="a14">
           <p:sp>
             <p:nvSpPr>
               <p:cNvPr id="20" name="TextBox 19">
@@ -24678,7 +24679,7 @@
             </p:txBody>
           </p:sp>
         </mc:Choice>
-        <mc:Fallback>
+        <mc:Fallback xmlns="">
           <p:sp>
             <p:nvSpPr>
               <p:cNvPr id="20" name="TextBox 19">
@@ -24723,8 +24724,8 @@
           </p:sp>
         </mc:Fallback>
       </mc:AlternateContent>
-      <mc:AlternateContent xmlns:mc="http://schemas.openxmlformats.org/markup-compatibility/2006">
-        <mc:Choice xmlns:a14="http://schemas.microsoft.com/office/drawing/2010/main" Requires="a14">
+      <mc:AlternateContent xmlns:mc="http://schemas.openxmlformats.org/markup-compatibility/2006" xmlns:a14="http://schemas.microsoft.com/office/drawing/2010/main">
+        <mc:Choice Requires="a14">
           <p:sp>
             <p:nvSpPr>
               <p:cNvPr id="21" name="TextBox 20">
@@ -24775,7 +24776,7 @@
             </p:txBody>
           </p:sp>
         </mc:Choice>
-        <mc:Fallback>
+        <mc:Fallback xmlns="">
           <p:sp>
             <p:nvSpPr>
               <p:cNvPr id="21" name="TextBox 20">
@@ -24820,8 +24821,8 @@
           </p:sp>
         </mc:Fallback>
       </mc:AlternateContent>
-      <mc:AlternateContent xmlns:mc="http://schemas.openxmlformats.org/markup-compatibility/2006">
-        <mc:Choice xmlns:a14="http://schemas.microsoft.com/office/drawing/2010/main" Requires="a14">
+      <mc:AlternateContent xmlns:mc="http://schemas.openxmlformats.org/markup-compatibility/2006" xmlns:a14="http://schemas.microsoft.com/office/drawing/2010/main">
+        <mc:Choice Requires="a14">
           <p:sp>
             <p:nvSpPr>
               <p:cNvPr id="22" name="TextBox 21">
@@ -24872,7 +24873,7 @@
             </p:txBody>
           </p:sp>
         </mc:Choice>
-        <mc:Fallback>
+        <mc:Fallback xmlns="">
           <p:sp>
             <p:nvSpPr>
               <p:cNvPr id="22" name="TextBox 21">
@@ -25015,8 +25016,8 @@
           </a:p>
         </p:txBody>
       </p:sp>
-      <mc:AlternateContent xmlns:mc="http://schemas.openxmlformats.org/markup-compatibility/2006">
-        <mc:Choice xmlns:a14="http://schemas.microsoft.com/office/drawing/2010/main" Requires="a14">
+      <mc:AlternateContent xmlns:mc="http://schemas.openxmlformats.org/markup-compatibility/2006" xmlns:a14="http://schemas.microsoft.com/office/drawing/2010/main">
+        <mc:Choice Requires="a14">
           <p:sp>
             <p:nvSpPr>
               <p:cNvPr id="27" name="TextBox 26">
@@ -25067,7 +25068,7 @@
             </p:txBody>
           </p:sp>
         </mc:Choice>
-        <mc:Fallback>
+        <mc:Fallback xmlns="">
           <p:sp>
             <p:nvSpPr>
               <p:cNvPr id="27" name="TextBox 26">
@@ -25158,8 +25159,8 @@
           </a:fontRef>
         </p:style>
       </p:cxnSp>
-      <mc:AlternateContent xmlns:mc="http://schemas.openxmlformats.org/markup-compatibility/2006">
-        <mc:Choice xmlns:a14="http://schemas.microsoft.com/office/drawing/2010/main" Requires="a14">
+      <mc:AlternateContent xmlns:mc="http://schemas.openxmlformats.org/markup-compatibility/2006" xmlns:a14="http://schemas.microsoft.com/office/drawing/2010/main">
+        <mc:Choice Requires="a14">
           <p:sp>
             <p:nvSpPr>
               <p:cNvPr id="29" name="TextBox 28">
@@ -25223,7 +25224,7 @@
             </p:txBody>
           </p:sp>
         </mc:Choice>
-        <mc:Fallback>
+        <mc:Fallback xmlns="">
           <p:sp>
             <p:nvSpPr>
               <p:cNvPr id="29" name="TextBox 28">
@@ -25268,8 +25269,8 @@
           </p:sp>
         </mc:Fallback>
       </mc:AlternateContent>
-      <mc:AlternateContent xmlns:mc="http://schemas.openxmlformats.org/markup-compatibility/2006">
-        <mc:Choice xmlns:a14="http://schemas.microsoft.com/office/drawing/2010/main" Requires="a14">
+      <mc:AlternateContent xmlns:mc="http://schemas.openxmlformats.org/markup-compatibility/2006" xmlns:a14="http://schemas.microsoft.com/office/drawing/2010/main">
+        <mc:Choice Requires="a14">
           <p:sp>
             <p:nvSpPr>
               <p:cNvPr id="31" name="TextBox 30">
@@ -25333,7 +25334,7 @@
             </p:txBody>
           </p:sp>
         </mc:Choice>
-        <mc:Fallback>
+        <mc:Fallback xmlns="">
           <p:sp>
             <p:nvSpPr>
               <p:cNvPr id="31" name="TextBox 30">
@@ -25378,8 +25379,8 @@
           </p:sp>
         </mc:Fallback>
       </mc:AlternateContent>
-      <mc:AlternateContent xmlns:mc="http://schemas.openxmlformats.org/markup-compatibility/2006">
-        <mc:Choice xmlns:a14="http://schemas.microsoft.com/office/drawing/2010/main" Requires="a14">
+      <mc:AlternateContent xmlns:mc="http://schemas.openxmlformats.org/markup-compatibility/2006" xmlns:a14="http://schemas.microsoft.com/office/drawing/2010/main">
+        <mc:Choice Requires="a14">
           <p:sp>
             <p:nvSpPr>
               <p:cNvPr id="32" name="TextBox 31">
@@ -25450,7 +25451,7 @@
             </p:txBody>
           </p:sp>
         </mc:Choice>
-        <mc:Fallback>
+        <mc:Fallback xmlns="">
           <p:sp>
             <p:nvSpPr>
               <p:cNvPr id="32" name="TextBox 31">
@@ -25627,7 +25628,11 @@
           <a:lstStyle/>
           <a:p>
             <a:pPr algn="ctr"/>
-            <a:endParaRPr lang="en-US"/>
+            <a:r>
+              <a:rPr lang="ru-RU" dirty="0"/>
+              <a:t> </a:t>
+            </a:r>
+            <a:endParaRPr lang="en-US" dirty="0"/>
           </a:p>
         </p:txBody>
       </p:sp>
@@ -25723,8 +25728,8 @@
           </a:fontRef>
         </p:style>
       </p:cxnSp>
-      <mc:AlternateContent xmlns:mc="http://schemas.openxmlformats.org/markup-compatibility/2006">
-        <mc:Choice xmlns:a14="http://schemas.microsoft.com/office/drawing/2010/main" Requires="a14">
+      <mc:AlternateContent xmlns:mc="http://schemas.openxmlformats.org/markup-compatibility/2006" xmlns:a14="http://schemas.microsoft.com/office/drawing/2010/main">
+        <mc:Choice Requires="a14">
           <p:sp>
             <p:nvSpPr>
               <p:cNvPr id="9" name="TextBox 8">
@@ -25774,7 +25779,7 @@
             </p:txBody>
           </p:sp>
         </mc:Choice>
-        <mc:Fallback>
+        <mc:Fallback xmlns="">
           <p:sp>
             <p:nvSpPr>
               <p:cNvPr id="9" name="TextBox 8">
@@ -25819,8 +25824,8 @@
           </p:sp>
         </mc:Fallback>
       </mc:AlternateContent>
-      <mc:AlternateContent xmlns:mc="http://schemas.openxmlformats.org/markup-compatibility/2006">
-        <mc:Choice xmlns:a14="http://schemas.microsoft.com/office/drawing/2010/main" Requires="a14">
+      <mc:AlternateContent xmlns:mc="http://schemas.openxmlformats.org/markup-compatibility/2006" xmlns:a14="http://schemas.microsoft.com/office/drawing/2010/main">
+        <mc:Choice Requires="a14">
           <p:sp>
             <p:nvSpPr>
               <p:cNvPr id="10" name="TextBox 9">
@@ -25870,7 +25875,7 @@
             </p:txBody>
           </p:sp>
         </mc:Choice>
-        <mc:Fallback>
+        <mc:Fallback xmlns="">
           <p:sp>
             <p:nvSpPr>
               <p:cNvPr id="10" name="TextBox 9">
@@ -25961,8 +25966,8 @@
           </a:fontRef>
         </p:style>
       </p:cxnSp>
-      <mc:AlternateContent xmlns:mc="http://schemas.openxmlformats.org/markup-compatibility/2006">
-        <mc:Choice xmlns:a14="http://schemas.microsoft.com/office/drawing/2010/main" Requires="a14">
+      <mc:AlternateContent xmlns:mc="http://schemas.openxmlformats.org/markup-compatibility/2006" xmlns:a14="http://schemas.microsoft.com/office/drawing/2010/main">
+        <mc:Choice Requires="a14">
           <p:sp>
             <p:nvSpPr>
               <p:cNvPr id="14" name="TextBox 13">
@@ -26043,7 +26048,7 @@
             </p:txBody>
           </p:sp>
         </mc:Choice>
-        <mc:Fallback>
+        <mc:Fallback xmlns="">
           <p:sp>
             <p:nvSpPr>
               <p:cNvPr id="14" name="TextBox 13">
@@ -26188,8 +26193,8 @@
           </a:p>
         </p:txBody>
       </p:sp>
-      <mc:AlternateContent xmlns:mc="http://schemas.openxmlformats.org/markup-compatibility/2006">
-        <mc:Choice xmlns:a14="http://schemas.microsoft.com/office/drawing/2010/main" Requires="a14">
+      <mc:AlternateContent xmlns:mc="http://schemas.openxmlformats.org/markup-compatibility/2006" xmlns:a14="http://schemas.microsoft.com/office/drawing/2010/main">
+        <mc:Choice Requires="a14">
           <p:sp>
             <p:nvSpPr>
               <p:cNvPr id="18" name="TextBox 17">
@@ -26240,7 +26245,7 @@
             </p:txBody>
           </p:sp>
         </mc:Choice>
-        <mc:Fallback>
+        <mc:Fallback xmlns="">
           <p:sp>
             <p:nvSpPr>
               <p:cNvPr id="18" name="TextBox 17">
@@ -26383,8 +26388,8 @@
           </a:p>
         </p:txBody>
       </p:sp>
-      <mc:AlternateContent xmlns:mc="http://schemas.openxmlformats.org/markup-compatibility/2006">
-        <mc:Choice xmlns:a14="http://schemas.microsoft.com/office/drawing/2010/main" Requires="a14">
+      <mc:AlternateContent xmlns:mc="http://schemas.openxmlformats.org/markup-compatibility/2006" xmlns:a14="http://schemas.microsoft.com/office/drawing/2010/main">
+        <mc:Choice Requires="a14">
           <p:sp>
             <p:nvSpPr>
               <p:cNvPr id="25" name="TextBox 24">
@@ -26446,7 +26451,7 @@
             </p:txBody>
           </p:sp>
         </mc:Choice>
-        <mc:Fallback>
+        <mc:Fallback xmlns="">
           <p:sp>
             <p:nvSpPr>
               <p:cNvPr id="25" name="TextBox 24">
@@ -26491,8 +26496,8 @@
           </p:sp>
         </mc:Fallback>
       </mc:AlternateContent>
-      <mc:AlternateContent xmlns:mc="http://schemas.openxmlformats.org/markup-compatibility/2006">
-        <mc:Choice xmlns:a14="http://schemas.microsoft.com/office/drawing/2010/main" Requires="a14">
+      <mc:AlternateContent xmlns:mc="http://schemas.openxmlformats.org/markup-compatibility/2006" xmlns:a14="http://schemas.microsoft.com/office/drawing/2010/main">
+        <mc:Choice Requires="a14">
           <p:sp>
             <p:nvSpPr>
               <p:cNvPr id="26" name="TextBox 25">
@@ -26560,7 +26565,7 @@
             </p:txBody>
           </p:sp>
         </mc:Choice>
-        <mc:Fallback>
+        <mc:Fallback xmlns="">
           <p:sp>
             <p:nvSpPr>
               <p:cNvPr id="26" name="TextBox 25">
@@ -26654,8 +26659,8 @@
           </a:p>
         </p:txBody>
       </p:sp>
-      <mc:AlternateContent xmlns:mc="http://schemas.openxmlformats.org/markup-compatibility/2006">
-        <mc:Choice xmlns:a14="http://schemas.microsoft.com/office/drawing/2010/main" Requires="a14">
+      <mc:AlternateContent xmlns:mc="http://schemas.openxmlformats.org/markup-compatibility/2006" xmlns:a14="http://schemas.microsoft.com/office/drawing/2010/main">
+        <mc:Choice Requires="a14">
           <p:sp>
             <p:nvSpPr>
               <p:cNvPr id="29" name="TextBox 28">
@@ -26706,7 +26711,7 @@
             </p:txBody>
           </p:sp>
         </mc:Choice>
-        <mc:Fallback>
+        <mc:Fallback xmlns="">
           <p:sp>
             <p:nvSpPr>
               <p:cNvPr id="29" name="TextBox 28">
@@ -26755,6 +26760,2630 @@
     <p:extLst>
       <p:ext uri="{BB962C8B-B14F-4D97-AF65-F5344CB8AC3E}">
         <p14:creationId xmlns:p14="http://schemas.microsoft.com/office/powerpoint/2010/main" val="4123084914"/>
+      </p:ext>
+    </p:extLst>
+  </p:cSld>
+  <p:clrMapOvr>
+    <a:masterClrMapping/>
+  </p:clrMapOvr>
+</p:sld>
+</file>
+
+<file path=ppt/slides/slide23.xml><?xml version="1.0" encoding="utf-8"?>
+<p:sld xmlns:a="http://schemas.openxmlformats.org/drawingml/2006/main" xmlns:r="http://schemas.openxmlformats.org/officeDocument/2006/relationships" xmlns:p="http://schemas.openxmlformats.org/presentationml/2006/main">
+  <p:cSld>
+    <p:spTree>
+      <p:nvGrpSpPr>
+        <p:cNvPr id="1" name=""/>
+        <p:cNvGrpSpPr/>
+        <p:nvPr/>
+      </p:nvGrpSpPr>
+      <p:grpSpPr>
+        <a:xfrm>
+          <a:off x="0" y="0"/>
+          <a:ext cx="0" cy="0"/>
+          <a:chOff x="0" y="0"/>
+          <a:chExt cx="0" cy="0"/>
+        </a:xfrm>
+      </p:grpSpPr>
+      <p:sp>
+        <p:nvSpPr>
+          <p:cNvPr id="4" name="Oval 3">
+            <a:extLst>
+              <a:ext uri="{FF2B5EF4-FFF2-40B4-BE49-F238E27FC236}">
+                <a16:creationId xmlns:a16="http://schemas.microsoft.com/office/drawing/2014/main" id="{F1723ED8-9EB5-8CEB-0A62-EFCB462C05CE}"/>
+              </a:ext>
+            </a:extLst>
+          </p:cNvPr>
+          <p:cNvSpPr/>
+          <p:nvPr/>
+        </p:nvSpPr>
+        <p:spPr>
+          <a:xfrm>
+            <a:off x="591113" y="341938"/>
+            <a:ext cx="826463" cy="826463"/>
+          </a:xfrm>
+          <a:custGeom>
+            <a:avLst/>
+            <a:gdLst>
+              <a:gd name="connsiteX0" fmla="*/ 0 w 826463"/>
+              <a:gd name="connsiteY0" fmla="*/ 413232 h 826463"/>
+              <a:gd name="connsiteX1" fmla="*/ 413232 w 826463"/>
+              <a:gd name="connsiteY1" fmla="*/ 0 h 826463"/>
+              <a:gd name="connsiteX2" fmla="*/ 826464 w 826463"/>
+              <a:gd name="connsiteY2" fmla="*/ 413232 h 826463"/>
+              <a:gd name="connsiteX3" fmla="*/ 413232 w 826463"/>
+              <a:gd name="connsiteY3" fmla="*/ 826464 h 826463"/>
+              <a:gd name="connsiteX4" fmla="*/ 0 w 826463"/>
+              <a:gd name="connsiteY4" fmla="*/ 413232 h 826463"/>
+            </a:gdLst>
+            <a:ahLst/>
+            <a:cxnLst>
+              <a:cxn ang="0">
+                <a:pos x="connsiteX0" y="connsiteY0"/>
+              </a:cxn>
+              <a:cxn ang="0">
+                <a:pos x="connsiteX1" y="connsiteY1"/>
+              </a:cxn>
+              <a:cxn ang="0">
+                <a:pos x="connsiteX2" y="connsiteY2"/>
+              </a:cxn>
+              <a:cxn ang="0">
+                <a:pos x="connsiteX3" y="connsiteY3"/>
+              </a:cxn>
+              <a:cxn ang="0">
+                <a:pos x="connsiteX4" y="connsiteY4"/>
+              </a:cxn>
+            </a:cxnLst>
+            <a:rect l="l" t="t" r="r" b="b"/>
+            <a:pathLst>
+              <a:path w="826463" h="826463" fill="none" extrusionOk="0">
+                <a:moveTo>
+                  <a:pt x="0" y="413232"/>
+                </a:moveTo>
+                <a:cubicBezTo>
+                  <a:pt x="3054" y="185372"/>
+                  <a:pt x="200301" y="-31468"/>
+                  <a:pt x="413232" y="0"/>
+                </a:cubicBezTo>
+                <a:cubicBezTo>
+                  <a:pt x="618906" y="-3453"/>
+                  <a:pt x="809145" y="201316"/>
+                  <a:pt x="826464" y="413232"/>
+                </a:cubicBezTo>
+                <a:cubicBezTo>
+                  <a:pt x="825818" y="635290"/>
+                  <a:pt x="619220" y="857363"/>
+                  <a:pt x="413232" y="826464"/>
+                </a:cubicBezTo>
+                <a:cubicBezTo>
+                  <a:pt x="209139" y="839972"/>
+                  <a:pt x="19563" y="646158"/>
+                  <a:pt x="0" y="413232"/>
+                </a:cubicBezTo>
+                <a:close/>
+              </a:path>
+              <a:path w="826463" h="826463" stroke="0" extrusionOk="0">
+                <a:moveTo>
+                  <a:pt x="0" y="413232"/>
+                </a:moveTo>
+                <a:cubicBezTo>
+                  <a:pt x="-30228" y="166365"/>
+                  <a:pt x="177966" y="2644"/>
+                  <a:pt x="413232" y="0"/>
+                </a:cubicBezTo>
+                <a:cubicBezTo>
+                  <a:pt x="653000" y="2431"/>
+                  <a:pt x="798226" y="185908"/>
+                  <a:pt x="826464" y="413232"/>
+                </a:cubicBezTo>
+                <a:cubicBezTo>
+                  <a:pt x="821990" y="645823"/>
+                  <a:pt x="638725" y="841547"/>
+                  <a:pt x="413232" y="826464"/>
+                </a:cubicBezTo>
+                <a:cubicBezTo>
+                  <a:pt x="160130" y="812851"/>
+                  <a:pt x="13582" y="647944"/>
+                  <a:pt x="0" y="413232"/>
+                </a:cubicBezTo>
+                <a:close/>
+              </a:path>
+            </a:pathLst>
+          </a:custGeom>
+          <a:solidFill>
+            <a:srgbClr val="0070C0">
+              <a:alpha val="53000"/>
+            </a:srgbClr>
+          </a:solidFill>
+          <a:ln>
+            <a:extLst>
+              <a:ext uri="{C807C97D-BFC1-408E-A445-0C87EB9F89A2}">
+                <ask:lineSketchStyleProps xmlns:ask="http://schemas.microsoft.com/office/drawing/2018/sketchyshapes" sd="1219033472">
+                  <a:prstGeom prst="ellipse">
+                    <a:avLst/>
+                  </a:prstGeom>
+                  <ask:type>
+                    <ask:lineSketchCurved/>
+                  </ask:type>
+                </ask:lineSketchStyleProps>
+              </a:ext>
+            </a:extLst>
+          </a:ln>
+        </p:spPr>
+        <p:style>
+          <a:lnRef idx="2">
+            <a:schemeClr val="accent1">
+              <a:shade val="15000"/>
+            </a:schemeClr>
+          </a:lnRef>
+          <a:fillRef idx="1">
+            <a:schemeClr val="accent1"/>
+          </a:fillRef>
+          <a:effectRef idx="0">
+            <a:schemeClr val="accent1"/>
+          </a:effectRef>
+          <a:fontRef idx="minor">
+            <a:schemeClr val="lt1"/>
+          </a:fontRef>
+        </p:style>
+        <p:txBody>
+          <a:bodyPr rtlCol="0" anchor="ctr"/>
+          <a:lstStyle/>
+          <a:p>
+            <a:pPr algn="ctr"/>
+            <a:r>
+              <a:rPr lang="ru-RU" dirty="0"/>
+              <a:t> </a:t>
+            </a:r>
+            <a:endParaRPr lang="en-US" dirty="0"/>
+          </a:p>
+        </p:txBody>
+      </p:sp>
+      <p:sp>
+        <p:nvSpPr>
+          <p:cNvPr id="10" name="Oval 9">
+            <a:extLst>
+              <a:ext uri="{FF2B5EF4-FFF2-40B4-BE49-F238E27FC236}">
+                <a16:creationId xmlns:a16="http://schemas.microsoft.com/office/drawing/2014/main" id="{B728F9A3-7472-1BD9-7D25-CB35325A4800}"/>
+              </a:ext>
+            </a:extLst>
+          </p:cNvPr>
+          <p:cNvSpPr/>
+          <p:nvPr/>
+        </p:nvSpPr>
+        <p:spPr>
+          <a:xfrm>
+            <a:off x="3294377" y="253803"/>
+            <a:ext cx="826463" cy="826463"/>
+          </a:xfrm>
+          <a:custGeom>
+            <a:avLst/>
+            <a:gdLst>
+              <a:gd name="connsiteX0" fmla="*/ 0 w 826463"/>
+              <a:gd name="connsiteY0" fmla="*/ 413232 h 826463"/>
+              <a:gd name="connsiteX1" fmla="*/ 413232 w 826463"/>
+              <a:gd name="connsiteY1" fmla="*/ 0 h 826463"/>
+              <a:gd name="connsiteX2" fmla="*/ 826464 w 826463"/>
+              <a:gd name="connsiteY2" fmla="*/ 413232 h 826463"/>
+              <a:gd name="connsiteX3" fmla="*/ 413232 w 826463"/>
+              <a:gd name="connsiteY3" fmla="*/ 826464 h 826463"/>
+              <a:gd name="connsiteX4" fmla="*/ 0 w 826463"/>
+              <a:gd name="connsiteY4" fmla="*/ 413232 h 826463"/>
+            </a:gdLst>
+            <a:ahLst/>
+            <a:cxnLst>
+              <a:cxn ang="0">
+                <a:pos x="connsiteX0" y="connsiteY0"/>
+              </a:cxn>
+              <a:cxn ang="0">
+                <a:pos x="connsiteX1" y="connsiteY1"/>
+              </a:cxn>
+              <a:cxn ang="0">
+                <a:pos x="connsiteX2" y="connsiteY2"/>
+              </a:cxn>
+              <a:cxn ang="0">
+                <a:pos x="connsiteX3" y="connsiteY3"/>
+              </a:cxn>
+              <a:cxn ang="0">
+                <a:pos x="connsiteX4" y="connsiteY4"/>
+              </a:cxn>
+            </a:cxnLst>
+            <a:rect l="l" t="t" r="r" b="b"/>
+            <a:pathLst>
+              <a:path w="826463" h="826463" fill="none" extrusionOk="0">
+                <a:moveTo>
+                  <a:pt x="0" y="413232"/>
+                </a:moveTo>
+                <a:cubicBezTo>
+                  <a:pt x="3054" y="185372"/>
+                  <a:pt x="200301" y="-31468"/>
+                  <a:pt x="413232" y="0"/>
+                </a:cubicBezTo>
+                <a:cubicBezTo>
+                  <a:pt x="618906" y="-3453"/>
+                  <a:pt x="809145" y="201316"/>
+                  <a:pt x="826464" y="413232"/>
+                </a:cubicBezTo>
+                <a:cubicBezTo>
+                  <a:pt x="825818" y="635290"/>
+                  <a:pt x="619220" y="857363"/>
+                  <a:pt x="413232" y="826464"/>
+                </a:cubicBezTo>
+                <a:cubicBezTo>
+                  <a:pt x="209139" y="839972"/>
+                  <a:pt x="19563" y="646158"/>
+                  <a:pt x="0" y="413232"/>
+                </a:cubicBezTo>
+                <a:close/>
+              </a:path>
+              <a:path w="826463" h="826463" stroke="0" extrusionOk="0">
+                <a:moveTo>
+                  <a:pt x="0" y="413232"/>
+                </a:moveTo>
+                <a:cubicBezTo>
+                  <a:pt x="-30228" y="166365"/>
+                  <a:pt x="177966" y="2644"/>
+                  <a:pt x="413232" y="0"/>
+                </a:cubicBezTo>
+                <a:cubicBezTo>
+                  <a:pt x="653000" y="2431"/>
+                  <a:pt x="798226" y="185908"/>
+                  <a:pt x="826464" y="413232"/>
+                </a:cubicBezTo>
+                <a:cubicBezTo>
+                  <a:pt x="821990" y="645823"/>
+                  <a:pt x="638725" y="841547"/>
+                  <a:pt x="413232" y="826464"/>
+                </a:cubicBezTo>
+                <a:cubicBezTo>
+                  <a:pt x="160130" y="812851"/>
+                  <a:pt x="13582" y="647944"/>
+                  <a:pt x="0" y="413232"/>
+                </a:cubicBezTo>
+                <a:close/>
+              </a:path>
+            </a:pathLst>
+          </a:custGeom>
+          <a:solidFill>
+            <a:schemeClr val="accent5">
+              <a:lumMod val="60000"/>
+              <a:lumOff val="40000"/>
+              <a:alpha val="55000"/>
+            </a:schemeClr>
+          </a:solidFill>
+          <a:ln>
+            <a:extLst>
+              <a:ext uri="{C807C97D-BFC1-408E-A445-0C87EB9F89A2}">
+                <ask:lineSketchStyleProps xmlns:ask="http://schemas.microsoft.com/office/drawing/2018/sketchyshapes" sd="1219033472">
+                  <a:prstGeom prst="ellipse">
+                    <a:avLst/>
+                  </a:prstGeom>
+                  <ask:type>
+                    <ask:lineSketchCurved/>
+                  </ask:type>
+                </ask:lineSketchStyleProps>
+              </a:ext>
+            </a:extLst>
+          </a:ln>
+        </p:spPr>
+        <p:style>
+          <a:lnRef idx="2">
+            <a:schemeClr val="accent1">
+              <a:shade val="15000"/>
+            </a:schemeClr>
+          </a:lnRef>
+          <a:fillRef idx="1">
+            <a:schemeClr val="accent1"/>
+          </a:fillRef>
+          <a:effectRef idx="0">
+            <a:schemeClr val="accent1"/>
+          </a:effectRef>
+          <a:fontRef idx="minor">
+            <a:schemeClr val="lt1"/>
+          </a:fontRef>
+        </p:style>
+        <p:txBody>
+          <a:bodyPr rtlCol="0" anchor="ctr"/>
+          <a:lstStyle/>
+          <a:p>
+            <a:pPr algn="ctr"/>
+            <a:r>
+              <a:rPr lang="ru-RU" dirty="0"/>
+              <a:t> </a:t>
+            </a:r>
+            <a:endParaRPr lang="en-US" dirty="0"/>
+          </a:p>
+        </p:txBody>
+      </p:sp>
+      <p:sp>
+        <p:nvSpPr>
+          <p:cNvPr id="11" name="Oval 10">
+            <a:extLst>
+              <a:ext uri="{FF2B5EF4-FFF2-40B4-BE49-F238E27FC236}">
+                <a16:creationId xmlns:a16="http://schemas.microsoft.com/office/drawing/2014/main" id="{D1AE508A-F6F2-DDF4-CD2C-C7F721319E4A}"/>
+              </a:ext>
+            </a:extLst>
+          </p:cNvPr>
+          <p:cNvSpPr/>
+          <p:nvPr/>
+        </p:nvSpPr>
+        <p:spPr>
+          <a:xfrm>
+            <a:off x="2122655" y="2174181"/>
+            <a:ext cx="795285" cy="795285"/>
+          </a:xfrm>
+          <a:custGeom>
+            <a:avLst/>
+            <a:gdLst>
+              <a:gd name="connsiteX0" fmla="*/ 0 w 795285"/>
+              <a:gd name="connsiteY0" fmla="*/ 397643 h 795285"/>
+              <a:gd name="connsiteX1" fmla="*/ 397643 w 795285"/>
+              <a:gd name="connsiteY1" fmla="*/ 0 h 795285"/>
+              <a:gd name="connsiteX2" fmla="*/ 795286 w 795285"/>
+              <a:gd name="connsiteY2" fmla="*/ 397643 h 795285"/>
+              <a:gd name="connsiteX3" fmla="*/ 397643 w 795285"/>
+              <a:gd name="connsiteY3" fmla="*/ 795286 h 795285"/>
+              <a:gd name="connsiteX4" fmla="*/ 0 w 795285"/>
+              <a:gd name="connsiteY4" fmla="*/ 397643 h 795285"/>
+            </a:gdLst>
+            <a:ahLst/>
+            <a:cxnLst>
+              <a:cxn ang="0">
+                <a:pos x="connsiteX0" y="connsiteY0"/>
+              </a:cxn>
+              <a:cxn ang="0">
+                <a:pos x="connsiteX1" y="connsiteY1"/>
+              </a:cxn>
+              <a:cxn ang="0">
+                <a:pos x="connsiteX2" y="connsiteY2"/>
+              </a:cxn>
+              <a:cxn ang="0">
+                <a:pos x="connsiteX3" y="connsiteY3"/>
+              </a:cxn>
+              <a:cxn ang="0">
+                <a:pos x="connsiteX4" y="connsiteY4"/>
+              </a:cxn>
+            </a:cxnLst>
+            <a:rect l="l" t="t" r="r" b="b"/>
+            <a:pathLst>
+              <a:path w="795285" h="795285" fill="none" extrusionOk="0">
+                <a:moveTo>
+                  <a:pt x="0" y="397643"/>
+                </a:moveTo>
+                <a:cubicBezTo>
+                  <a:pt x="25562" y="181063"/>
+                  <a:pt x="195906" y="-36787"/>
+                  <a:pt x="397643" y="0"/>
+                </a:cubicBezTo>
+                <a:cubicBezTo>
+                  <a:pt x="582115" y="-5381"/>
+                  <a:pt x="781964" y="190574"/>
+                  <a:pt x="795286" y="397643"/>
+                </a:cubicBezTo>
+                <a:cubicBezTo>
+                  <a:pt x="791130" y="577617"/>
+                  <a:pt x="591918" y="830498"/>
+                  <a:pt x="397643" y="795286"/>
+                </a:cubicBezTo>
+                <a:cubicBezTo>
+                  <a:pt x="211370" y="813951"/>
+                  <a:pt x="34429" y="625533"/>
+                  <a:pt x="0" y="397643"/>
+                </a:cubicBezTo>
+                <a:close/>
+              </a:path>
+              <a:path w="795285" h="795285" stroke="0" extrusionOk="0">
+                <a:moveTo>
+                  <a:pt x="0" y="397643"/>
+                </a:moveTo>
+                <a:cubicBezTo>
+                  <a:pt x="-6487" y="174030"/>
+                  <a:pt x="160821" y="6459"/>
+                  <a:pt x="397643" y="0"/>
+                </a:cubicBezTo>
+                <a:cubicBezTo>
+                  <a:pt x="659521" y="8898"/>
+                  <a:pt x="781005" y="178485"/>
+                  <a:pt x="795286" y="397643"/>
+                </a:cubicBezTo>
+                <a:cubicBezTo>
+                  <a:pt x="790801" y="621635"/>
+                  <a:pt x="614354" y="811323"/>
+                  <a:pt x="397643" y="795286"/>
+                </a:cubicBezTo>
+                <a:cubicBezTo>
+                  <a:pt x="160977" y="785955"/>
+                  <a:pt x="7796" y="620980"/>
+                  <a:pt x="0" y="397643"/>
+                </a:cubicBezTo>
+                <a:close/>
+              </a:path>
+            </a:pathLst>
+          </a:custGeom>
+          <a:solidFill>
+            <a:schemeClr val="accent6">
+              <a:lumMod val="60000"/>
+              <a:lumOff val="40000"/>
+              <a:alpha val="41000"/>
+            </a:schemeClr>
+          </a:solidFill>
+          <a:ln>
+            <a:extLst>
+              <a:ext uri="{C807C97D-BFC1-408E-A445-0C87EB9F89A2}">
+                <ask:lineSketchStyleProps xmlns:ask="http://schemas.microsoft.com/office/drawing/2018/sketchyshapes" sd="1219033472">
+                  <a:prstGeom prst="ellipse">
+                    <a:avLst/>
+                  </a:prstGeom>
+                  <ask:type>
+                    <ask:lineSketchCurved/>
+                  </ask:type>
+                </ask:lineSketchStyleProps>
+              </a:ext>
+            </a:extLst>
+          </a:ln>
+        </p:spPr>
+        <p:style>
+          <a:lnRef idx="2">
+            <a:schemeClr val="accent1">
+              <a:shade val="15000"/>
+            </a:schemeClr>
+          </a:lnRef>
+          <a:fillRef idx="1">
+            <a:schemeClr val="accent1"/>
+          </a:fillRef>
+          <a:effectRef idx="0">
+            <a:schemeClr val="accent1"/>
+          </a:effectRef>
+          <a:fontRef idx="minor">
+            <a:schemeClr val="lt1"/>
+          </a:fontRef>
+        </p:style>
+        <p:txBody>
+          <a:bodyPr rtlCol="0" anchor="ctr"/>
+          <a:lstStyle/>
+          <a:p>
+            <a:pPr algn="ctr"/>
+            <a:r>
+              <a:rPr lang="ru-RU" dirty="0"/>
+              <a:t> </a:t>
+            </a:r>
+            <a:endParaRPr lang="en-US" dirty="0"/>
+          </a:p>
+        </p:txBody>
+      </p:sp>
+      <mc:AlternateContent xmlns:mc="http://schemas.openxmlformats.org/markup-compatibility/2006">
+        <mc:Choice xmlns:a14="http://schemas.microsoft.com/office/drawing/2010/main" Requires="a14">
+          <p:sp>
+            <p:nvSpPr>
+              <p:cNvPr id="12" name="TextBox 11">
+                <a:extLst>
+                  <a:ext uri="{FF2B5EF4-FFF2-40B4-BE49-F238E27FC236}">
+                    <a16:creationId xmlns:a16="http://schemas.microsoft.com/office/drawing/2014/main" id="{94E15961-74CF-6E56-BC2B-ED74AE9F2986}"/>
+                  </a:ext>
+                </a:extLst>
+              </p:cNvPr>
+              <p:cNvSpPr txBox="1"/>
+              <p:nvPr/>
+            </p:nvSpPr>
+            <p:spPr>
+              <a:xfrm>
+                <a:off x="829616" y="478170"/>
+                <a:ext cx="349455" cy="553998"/>
+              </a:xfrm>
+              <a:prstGeom prst="rect">
+                <a:avLst/>
+              </a:prstGeom>
+              <a:noFill/>
+            </p:spPr>
+            <p:txBody>
+              <a:bodyPr wrap="none" lIns="0" tIns="0" rIns="0" bIns="0" rtlCol="0">
+                <a:spAutoFit/>
+              </a:bodyPr>
+              <a:lstStyle/>
+              <a:p>
+                <a14:m>
+                  <m:oMathPara xmlns:m="http://schemas.openxmlformats.org/officeDocument/2006/math">
+                    <m:oMathParaPr>
+                      <m:jc m:val="centerGroup"/>
+                    </m:oMathParaPr>
+                    <m:oMath xmlns:m="http://schemas.openxmlformats.org/officeDocument/2006/math">
+                      <m:r>
+                        <a:rPr lang="ru-RU" sz="3600" b="0" i="1" smtClean="0">
+                          <a:latin typeface="Cambria Math" panose="02040503050406030204" pitchFamily="18" charset="0"/>
+                        </a:rPr>
+                        <m:t>1</m:t>
+                      </m:r>
+                    </m:oMath>
+                  </m:oMathPara>
+                </a14:m>
+                <a:endParaRPr lang="en-US" sz="3600" dirty="0"/>
+              </a:p>
+            </p:txBody>
+          </p:sp>
+        </mc:Choice>
+        <mc:Fallback>
+          <p:sp>
+            <p:nvSpPr>
+              <p:cNvPr id="12" name="TextBox 11">
+                <a:extLst>
+                  <a:ext uri="{FF2B5EF4-FFF2-40B4-BE49-F238E27FC236}">
+                    <a16:creationId xmlns:a16="http://schemas.microsoft.com/office/drawing/2014/main" id="{94E15961-74CF-6E56-BC2B-ED74AE9F2986}"/>
+                  </a:ext>
+                </a:extLst>
+              </p:cNvPr>
+              <p:cNvSpPr txBox="1">
+                <a:spLocks noRot="1" noChangeAspect="1" noMove="1" noResize="1" noEditPoints="1" noAdjustHandles="1" noChangeArrowheads="1" noChangeShapeType="1" noTextEdit="1"/>
+              </p:cNvSpPr>
+              <p:nvPr/>
+            </p:nvSpPr>
+            <p:spPr>
+              <a:xfrm>
+                <a:off x="829616" y="478170"/>
+                <a:ext cx="349455" cy="553998"/>
+              </a:xfrm>
+              <a:prstGeom prst="rect">
+                <a:avLst/>
+              </a:prstGeom>
+              <a:blipFill>
+                <a:blip r:embed="rId2"/>
+                <a:stretch>
+                  <a:fillRect/>
+                </a:stretch>
+              </a:blipFill>
+            </p:spPr>
+            <p:txBody>
+              <a:bodyPr/>
+              <a:lstStyle/>
+              <a:p>
+                <a:r>
+                  <a:rPr lang="en-US">
+                    <a:noFill/>
+                  </a:rPr>
+                  <a:t> </a:t>
+                </a:r>
+              </a:p>
+            </p:txBody>
+          </p:sp>
+        </mc:Fallback>
+      </mc:AlternateContent>
+      <mc:AlternateContent xmlns:mc="http://schemas.openxmlformats.org/markup-compatibility/2006">
+        <mc:Choice xmlns:a14="http://schemas.microsoft.com/office/drawing/2010/main" Requires="a14">
+          <p:sp>
+            <p:nvSpPr>
+              <p:cNvPr id="13" name="TextBox 12">
+                <a:extLst>
+                  <a:ext uri="{FF2B5EF4-FFF2-40B4-BE49-F238E27FC236}">
+                    <a16:creationId xmlns:a16="http://schemas.microsoft.com/office/drawing/2014/main" id="{1F773556-E970-0980-A39F-7A218427A271}"/>
+                  </a:ext>
+                </a:extLst>
+              </p:cNvPr>
+              <p:cNvSpPr txBox="1"/>
+              <p:nvPr/>
+            </p:nvSpPr>
+            <p:spPr>
+              <a:xfrm>
+                <a:off x="3532880" y="414822"/>
+                <a:ext cx="349455" cy="553998"/>
+              </a:xfrm>
+              <a:prstGeom prst="rect">
+                <a:avLst/>
+              </a:prstGeom>
+              <a:noFill/>
+            </p:spPr>
+            <p:txBody>
+              <a:bodyPr wrap="none" lIns="0" tIns="0" rIns="0" bIns="0" rtlCol="0">
+                <a:spAutoFit/>
+              </a:bodyPr>
+              <a:lstStyle/>
+              <a:p>
+                <a14:m>
+                  <m:oMathPara xmlns:m="http://schemas.openxmlformats.org/officeDocument/2006/math">
+                    <m:oMathParaPr>
+                      <m:jc m:val="centerGroup"/>
+                    </m:oMathParaPr>
+                    <m:oMath xmlns:m="http://schemas.openxmlformats.org/officeDocument/2006/math">
+                      <m:r>
+                        <a:rPr lang="ru-RU" sz="3600" b="0" i="1" smtClean="0">
+                          <a:latin typeface="Cambria Math" panose="02040503050406030204" pitchFamily="18" charset="0"/>
+                        </a:rPr>
+                        <m:t>3</m:t>
+                      </m:r>
+                    </m:oMath>
+                  </m:oMathPara>
+                </a14:m>
+                <a:endParaRPr lang="en-US" sz="3600" dirty="0"/>
+              </a:p>
+            </p:txBody>
+          </p:sp>
+        </mc:Choice>
+        <mc:Fallback>
+          <p:sp>
+            <p:nvSpPr>
+              <p:cNvPr id="13" name="TextBox 12">
+                <a:extLst>
+                  <a:ext uri="{FF2B5EF4-FFF2-40B4-BE49-F238E27FC236}">
+                    <a16:creationId xmlns:a16="http://schemas.microsoft.com/office/drawing/2014/main" id="{1F773556-E970-0980-A39F-7A218427A271}"/>
+                  </a:ext>
+                </a:extLst>
+              </p:cNvPr>
+              <p:cNvSpPr txBox="1">
+                <a:spLocks noRot="1" noChangeAspect="1" noMove="1" noResize="1" noEditPoints="1" noAdjustHandles="1" noChangeArrowheads="1" noChangeShapeType="1" noTextEdit="1"/>
+              </p:cNvSpPr>
+              <p:nvPr/>
+            </p:nvSpPr>
+            <p:spPr>
+              <a:xfrm>
+                <a:off x="3532880" y="414822"/>
+                <a:ext cx="349455" cy="553998"/>
+              </a:xfrm>
+              <a:prstGeom prst="rect">
+                <a:avLst/>
+              </a:prstGeom>
+              <a:blipFill>
+                <a:blip r:embed="rId3"/>
+                <a:stretch>
+                  <a:fillRect/>
+                </a:stretch>
+              </a:blipFill>
+            </p:spPr>
+            <p:txBody>
+              <a:bodyPr/>
+              <a:lstStyle/>
+              <a:p>
+                <a:r>
+                  <a:rPr lang="en-US">
+                    <a:noFill/>
+                  </a:rPr>
+                  <a:t> </a:t>
+                </a:r>
+              </a:p>
+            </p:txBody>
+          </p:sp>
+        </mc:Fallback>
+      </mc:AlternateContent>
+      <mc:AlternateContent xmlns:mc="http://schemas.openxmlformats.org/markup-compatibility/2006">
+        <mc:Choice xmlns:a14="http://schemas.microsoft.com/office/drawing/2010/main" Requires="a14">
+          <p:sp>
+            <p:nvSpPr>
+              <p:cNvPr id="14" name="TextBox 13">
+                <a:extLst>
+                  <a:ext uri="{FF2B5EF4-FFF2-40B4-BE49-F238E27FC236}">
+                    <a16:creationId xmlns:a16="http://schemas.microsoft.com/office/drawing/2014/main" id="{07ED562E-C46A-DC06-7795-AF81909D8B12}"/>
+                  </a:ext>
+                </a:extLst>
+              </p:cNvPr>
+              <p:cNvSpPr txBox="1"/>
+              <p:nvPr/>
+            </p:nvSpPr>
+            <p:spPr>
+              <a:xfrm>
+                <a:off x="2345569" y="2294824"/>
+                <a:ext cx="349455" cy="553998"/>
+              </a:xfrm>
+              <a:prstGeom prst="rect">
+                <a:avLst/>
+              </a:prstGeom>
+              <a:noFill/>
+            </p:spPr>
+            <p:txBody>
+              <a:bodyPr wrap="none" lIns="0" tIns="0" rIns="0" bIns="0" rtlCol="0">
+                <a:spAutoFit/>
+              </a:bodyPr>
+              <a:lstStyle/>
+              <a:p>
+                <a14:m>
+                  <m:oMathPara xmlns:m="http://schemas.openxmlformats.org/officeDocument/2006/math">
+                    <m:oMathParaPr>
+                      <m:jc m:val="centerGroup"/>
+                    </m:oMathParaPr>
+                    <m:oMath xmlns:m="http://schemas.openxmlformats.org/officeDocument/2006/math">
+                      <m:r>
+                        <a:rPr lang="ru-RU" sz="3600" b="0" i="1" smtClean="0">
+                          <a:latin typeface="Cambria Math" panose="02040503050406030204" pitchFamily="18" charset="0"/>
+                        </a:rPr>
+                        <m:t>2</m:t>
+                      </m:r>
+                    </m:oMath>
+                  </m:oMathPara>
+                </a14:m>
+                <a:endParaRPr lang="en-US" sz="3600" dirty="0"/>
+              </a:p>
+            </p:txBody>
+          </p:sp>
+        </mc:Choice>
+        <mc:Fallback>
+          <p:sp>
+            <p:nvSpPr>
+              <p:cNvPr id="14" name="TextBox 13">
+                <a:extLst>
+                  <a:ext uri="{FF2B5EF4-FFF2-40B4-BE49-F238E27FC236}">
+                    <a16:creationId xmlns:a16="http://schemas.microsoft.com/office/drawing/2014/main" id="{07ED562E-C46A-DC06-7795-AF81909D8B12}"/>
+                  </a:ext>
+                </a:extLst>
+              </p:cNvPr>
+              <p:cNvSpPr txBox="1">
+                <a:spLocks noRot="1" noChangeAspect="1" noMove="1" noResize="1" noEditPoints="1" noAdjustHandles="1" noChangeArrowheads="1" noChangeShapeType="1" noTextEdit="1"/>
+              </p:cNvSpPr>
+              <p:nvPr/>
+            </p:nvSpPr>
+            <p:spPr>
+              <a:xfrm>
+                <a:off x="2345569" y="2294824"/>
+                <a:ext cx="349455" cy="553998"/>
+              </a:xfrm>
+              <a:prstGeom prst="rect">
+                <a:avLst/>
+              </a:prstGeom>
+              <a:blipFill>
+                <a:blip r:embed="rId4"/>
+                <a:stretch>
+                  <a:fillRect/>
+                </a:stretch>
+              </a:blipFill>
+            </p:spPr>
+            <p:txBody>
+              <a:bodyPr/>
+              <a:lstStyle/>
+              <a:p>
+                <a:r>
+                  <a:rPr lang="en-US">
+                    <a:noFill/>
+                  </a:rPr>
+                  <a:t> </a:t>
+                </a:r>
+              </a:p>
+            </p:txBody>
+          </p:sp>
+        </mc:Fallback>
+      </mc:AlternateContent>
+      <p:grpSp>
+        <p:nvGrpSpPr>
+          <p:cNvPr id="22" name="Group 21">
+            <a:extLst>
+              <a:ext uri="{FF2B5EF4-FFF2-40B4-BE49-F238E27FC236}">
+                <a16:creationId xmlns:a16="http://schemas.microsoft.com/office/drawing/2014/main" id="{70C79A22-0DF9-B953-BFAE-0836C0518806}"/>
+              </a:ext>
+            </a:extLst>
+          </p:cNvPr>
+          <p:cNvGrpSpPr/>
+          <p:nvPr/>
+        </p:nvGrpSpPr>
+        <p:grpSpPr>
+          <a:xfrm>
+            <a:off x="1775846" y="517071"/>
+            <a:ext cx="1160260" cy="309203"/>
+            <a:chOff x="4696846" y="2777670"/>
+            <a:chExt cx="1160260" cy="309203"/>
+          </a:xfrm>
+        </p:grpSpPr>
+        <p:cxnSp>
+          <p:nvCxnSpPr>
+            <p:cNvPr id="16" name="Straight Arrow Connector 15">
+              <a:extLst>
+                <a:ext uri="{FF2B5EF4-FFF2-40B4-BE49-F238E27FC236}">
+                  <a16:creationId xmlns:a16="http://schemas.microsoft.com/office/drawing/2014/main" id="{4A6A505A-A195-8F1F-2F9F-DD9772927E23}"/>
+                </a:ext>
+              </a:extLst>
+            </p:cNvPr>
+            <p:cNvCxnSpPr>
+              <a:cxnSpLocks/>
+            </p:cNvCxnSpPr>
+            <p:nvPr/>
+          </p:nvCxnSpPr>
+          <p:spPr>
+            <a:xfrm flipV="1">
+              <a:off x="4696846" y="2777670"/>
+              <a:ext cx="1160260" cy="57619"/>
+            </a:xfrm>
+            <a:prstGeom prst="straightConnector1">
+              <a:avLst/>
+            </a:prstGeom>
+            <a:ln w="41275">
+              <a:solidFill>
+                <a:schemeClr val="tx1"/>
+              </a:solidFill>
+              <a:tailEnd type="stealth" w="med" len="lg"/>
+            </a:ln>
+          </p:spPr>
+          <p:style>
+            <a:lnRef idx="2">
+              <a:schemeClr val="accent1"/>
+            </a:lnRef>
+            <a:fillRef idx="0">
+              <a:schemeClr val="accent1"/>
+            </a:fillRef>
+            <a:effectRef idx="1">
+              <a:schemeClr val="accent1"/>
+            </a:effectRef>
+            <a:fontRef idx="minor">
+              <a:schemeClr val="tx1"/>
+            </a:fontRef>
+          </p:style>
+        </p:cxnSp>
+        <p:cxnSp>
+          <p:nvCxnSpPr>
+            <p:cNvPr id="19" name="Straight Arrow Connector 18">
+              <a:extLst>
+                <a:ext uri="{FF2B5EF4-FFF2-40B4-BE49-F238E27FC236}">
+                  <a16:creationId xmlns:a16="http://schemas.microsoft.com/office/drawing/2014/main" id="{FC34E0FD-32EC-9EEB-C798-0A4F3587EF20}"/>
+                </a:ext>
+              </a:extLst>
+            </p:cNvPr>
+            <p:cNvCxnSpPr>
+              <a:cxnSpLocks/>
+            </p:cNvCxnSpPr>
+            <p:nvPr/>
+          </p:nvCxnSpPr>
+          <p:spPr>
+            <a:xfrm flipH="1">
+              <a:off x="4733179" y="3048940"/>
+              <a:ext cx="1050787" cy="37933"/>
+            </a:xfrm>
+            <a:prstGeom prst="straightConnector1">
+              <a:avLst/>
+            </a:prstGeom>
+            <a:ln w="41275">
+              <a:solidFill>
+                <a:schemeClr val="tx1"/>
+              </a:solidFill>
+              <a:tailEnd type="stealth" w="med" len="lg"/>
+            </a:ln>
+          </p:spPr>
+          <p:style>
+            <a:lnRef idx="2">
+              <a:schemeClr val="accent1"/>
+            </a:lnRef>
+            <a:fillRef idx="0">
+              <a:schemeClr val="accent1"/>
+            </a:fillRef>
+            <a:effectRef idx="1">
+              <a:schemeClr val="accent1"/>
+            </a:effectRef>
+            <a:fontRef idx="minor">
+              <a:schemeClr val="tx1"/>
+            </a:fontRef>
+          </p:style>
+        </p:cxnSp>
+      </p:grpSp>
+      <p:grpSp>
+        <p:nvGrpSpPr>
+          <p:cNvPr id="23" name="Group 22">
+            <a:extLst>
+              <a:ext uri="{FF2B5EF4-FFF2-40B4-BE49-F238E27FC236}">
+                <a16:creationId xmlns:a16="http://schemas.microsoft.com/office/drawing/2014/main" id="{5D4D3C4C-A571-0E5B-8AD0-C420F7970E25}"/>
+              </a:ext>
+            </a:extLst>
+          </p:cNvPr>
+          <p:cNvGrpSpPr/>
+          <p:nvPr/>
+        </p:nvGrpSpPr>
+        <p:grpSpPr>
+          <a:xfrm rot="18444105">
+            <a:off x="2498541" y="1466270"/>
+            <a:ext cx="1160260" cy="309203"/>
+            <a:chOff x="4696846" y="2777670"/>
+            <a:chExt cx="1160260" cy="309203"/>
+          </a:xfrm>
+        </p:grpSpPr>
+        <p:cxnSp>
+          <p:nvCxnSpPr>
+            <p:cNvPr id="24" name="Straight Arrow Connector 23">
+              <a:extLst>
+                <a:ext uri="{FF2B5EF4-FFF2-40B4-BE49-F238E27FC236}">
+                  <a16:creationId xmlns:a16="http://schemas.microsoft.com/office/drawing/2014/main" id="{B992C2EF-C03E-E273-5D4D-B483778CA118}"/>
+                </a:ext>
+              </a:extLst>
+            </p:cNvPr>
+            <p:cNvCxnSpPr>
+              <a:cxnSpLocks/>
+            </p:cNvCxnSpPr>
+            <p:nvPr/>
+          </p:nvCxnSpPr>
+          <p:spPr>
+            <a:xfrm flipV="1">
+              <a:off x="4696846" y="2777670"/>
+              <a:ext cx="1160260" cy="57619"/>
+            </a:xfrm>
+            <a:prstGeom prst="straightConnector1">
+              <a:avLst/>
+            </a:prstGeom>
+            <a:ln w="41275">
+              <a:solidFill>
+                <a:schemeClr val="tx1"/>
+              </a:solidFill>
+              <a:tailEnd type="stealth" w="med" len="lg"/>
+            </a:ln>
+          </p:spPr>
+          <p:style>
+            <a:lnRef idx="2">
+              <a:schemeClr val="accent1"/>
+            </a:lnRef>
+            <a:fillRef idx="0">
+              <a:schemeClr val="accent1"/>
+            </a:fillRef>
+            <a:effectRef idx="1">
+              <a:schemeClr val="accent1"/>
+            </a:effectRef>
+            <a:fontRef idx="minor">
+              <a:schemeClr val="tx1"/>
+            </a:fontRef>
+          </p:style>
+        </p:cxnSp>
+        <p:cxnSp>
+          <p:nvCxnSpPr>
+            <p:cNvPr id="25" name="Straight Arrow Connector 24">
+              <a:extLst>
+                <a:ext uri="{FF2B5EF4-FFF2-40B4-BE49-F238E27FC236}">
+                  <a16:creationId xmlns:a16="http://schemas.microsoft.com/office/drawing/2014/main" id="{C64F1477-EAB1-68BE-5ABE-CDDD0E36639D}"/>
+                </a:ext>
+              </a:extLst>
+            </p:cNvPr>
+            <p:cNvCxnSpPr>
+              <a:cxnSpLocks/>
+            </p:cNvCxnSpPr>
+            <p:nvPr/>
+          </p:nvCxnSpPr>
+          <p:spPr>
+            <a:xfrm flipH="1">
+              <a:off x="4733179" y="3048940"/>
+              <a:ext cx="1050787" cy="37933"/>
+            </a:xfrm>
+            <a:prstGeom prst="straightConnector1">
+              <a:avLst/>
+            </a:prstGeom>
+            <a:ln w="41275">
+              <a:solidFill>
+                <a:schemeClr val="tx1"/>
+              </a:solidFill>
+              <a:tailEnd type="stealth" w="med" len="lg"/>
+            </a:ln>
+          </p:spPr>
+          <p:style>
+            <a:lnRef idx="2">
+              <a:schemeClr val="accent1"/>
+            </a:lnRef>
+            <a:fillRef idx="0">
+              <a:schemeClr val="accent1"/>
+            </a:fillRef>
+            <a:effectRef idx="1">
+              <a:schemeClr val="accent1"/>
+            </a:effectRef>
+            <a:fontRef idx="minor">
+              <a:schemeClr val="tx1"/>
+            </a:fontRef>
+          </p:style>
+        </p:cxnSp>
+      </p:grpSp>
+      <p:grpSp>
+        <p:nvGrpSpPr>
+          <p:cNvPr id="26" name="Group 25">
+            <a:extLst>
+              <a:ext uri="{FF2B5EF4-FFF2-40B4-BE49-F238E27FC236}">
+                <a16:creationId xmlns:a16="http://schemas.microsoft.com/office/drawing/2014/main" id="{3ACF2471-EACD-20C8-BBA7-4351AC02F570}"/>
+              </a:ext>
+            </a:extLst>
+          </p:cNvPr>
+          <p:cNvGrpSpPr/>
+          <p:nvPr/>
+        </p:nvGrpSpPr>
+        <p:grpSpPr>
+          <a:xfrm rot="3056020">
+            <a:off x="1084585" y="1560263"/>
+            <a:ext cx="1160260" cy="309203"/>
+            <a:chOff x="4696846" y="2777670"/>
+            <a:chExt cx="1160260" cy="309203"/>
+          </a:xfrm>
+        </p:grpSpPr>
+        <p:cxnSp>
+          <p:nvCxnSpPr>
+            <p:cNvPr id="27" name="Straight Arrow Connector 26">
+              <a:extLst>
+                <a:ext uri="{FF2B5EF4-FFF2-40B4-BE49-F238E27FC236}">
+                  <a16:creationId xmlns:a16="http://schemas.microsoft.com/office/drawing/2014/main" id="{17DC1120-ED7B-B5B3-4CD2-6785C8740AF5}"/>
+                </a:ext>
+              </a:extLst>
+            </p:cNvPr>
+            <p:cNvCxnSpPr>
+              <a:cxnSpLocks/>
+            </p:cNvCxnSpPr>
+            <p:nvPr/>
+          </p:nvCxnSpPr>
+          <p:spPr>
+            <a:xfrm flipV="1">
+              <a:off x="4696846" y="2777670"/>
+              <a:ext cx="1160260" cy="57619"/>
+            </a:xfrm>
+            <a:prstGeom prst="straightConnector1">
+              <a:avLst/>
+            </a:prstGeom>
+            <a:ln w="41275">
+              <a:solidFill>
+                <a:schemeClr val="tx1"/>
+              </a:solidFill>
+              <a:tailEnd type="stealth" w="med" len="lg"/>
+            </a:ln>
+          </p:spPr>
+          <p:style>
+            <a:lnRef idx="2">
+              <a:schemeClr val="accent1"/>
+            </a:lnRef>
+            <a:fillRef idx="0">
+              <a:schemeClr val="accent1"/>
+            </a:fillRef>
+            <a:effectRef idx="1">
+              <a:schemeClr val="accent1"/>
+            </a:effectRef>
+            <a:fontRef idx="minor">
+              <a:schemeClr val="tx1"/>
+            </a:fontRef>
+          </p:style>
+        </p:cxnSp>
+        <p:cxnSp>
+          <p:nvCxnSpPr>
+            <p:cNvPr id="28" name="Straight Arrow Connector 27">
+              <a:extLst>
+                <a:ext uri="{FF2B5EF4-FFF2-40B4-BE49-F238E27FC236}">
+                  <a16:creationId xmlns:a16="http://schemas.microsoft.com/office/drawing/2014/main" id="{8DF5CB50-60AC-81FF-0801-C07AC1D49AEF}"/>
+                </a:ext>
+              </a:extLst>
+            </p:cNvPr>
+            <p:cNvCxnSpPr>
+              <a:cxnSpLocks/>
+            </p:cNvCxnSpPr>
+            <p:nvPr/>
+          </p:nvCxnSpPr>
+          <p:spPr>
+            <a:xfrm flipH="1">
+              <a:off x="4733179" y="3048940"/>
+              <a:ext cx="1050787" cy="37933"/>
+            </a:xfrm>
+            <a:prstGeom prst="straightConnector1">
+              <a:avLst/>
+            </a:prstGeom>
+            <a:ln w="41275">
+              <a:solidFill>
+                <a:schemeClr val="tx1"/>
+              </a:solidFill>
+              <a:tailEnd type="stealth" w="med" len="lg"/>
+            </a:ln>
+          </p:spPr>
+          <p:style>
+            <a:lnRef idx="2">
+              <a:schemeClr val="accent1"/>
+            </a:lnRef>
+            <a:fillRef idx="0">
+              <a:schemeClr val="accent1"/>
+            </a:fillRef>
+            <a:effectRef idx="1">
+              <a:schemeClr val="accent1"/>
+            </a:effectRef>
+            <a:fontRef idx="minor">
+              <a:schemeClr val="tx1"/>
+            </a:fontRef>
+          </p:style>
+        </p:cxnSp>
+      </p:grpSp>
+      <p:sp>
+        <p:nvSpPr>
+          <p:cNvPr id="43" name="Rectangle 42">
+            <a:extLst>
+              <a:ext uri="{FF2B5EF4-FFF2-40B4-BE49-F238E27FC236}">
+                <a16:creationId xmlns:a16="http://schemas.microsoft.com/office/drawing/2014/main" id="{0E1802B7-7DCF-D54C-AEFF-2C8CF5E4F9A2}"/>
+              </a:ext>
+            </a:extLst>
+          </p:cNvPr>
+          <p:cNvSpPr/>
+          <p:nvPr/>
+        </p:nvSpPr>
+        <p:spPr>
+          <a:xfrm>
+            <a:off x="8620393" y="470841"/>
+            <a:ext cx="1587500" cy="317500"/>
+          </a:xfrm>
+          <a:prstGeom prst="rect">
+            <a:avLst/>
+          </a:prstGeom>
+          <a:solidFill>
+            <a:schemeClr val="accent6">
+              <a:lumMod val="60000"/>
+              <a:lumOff val="40000"/>
+              <a:alpha val="31000"/>
+            </a:schemeClr>
+          </a:solidFill>
+        </p:spPr>
+        <p:style>
+          <a:lnRef idx="2">
+            <a:schemeClr val="accent1">
+              <a:shade val="15000"/>
+            </a:schemeClr>
+          </a:lnRef>
+          <a:fillRef idx="1">
+            <a:schemeClr val="accent1"/>
+          </a:fillRef>
+          <a:effectRef idx="0">
+            <a:schemeClr val="accent1"/>
+          </a:effectRef>
+          <a:fontRef idx="minor">
+            <a:schemeClr val="lt1"/>
+          </a:fontRef>
+        </p:style>
+        <p:txBody>
+          <a:bodyPr rtlCol="0" anchor="ctr"/>
+          <a:lstStyle/>
+          <a:p>
+            <a:pPr algn="ctr"/>
+            <a:endParaRPr lang="en-US"/>
+          </a:p>
+        </p:txBody>
+      </p:sp>
+      <p:cxnSp>
+        <p:nvCxnSpPr>
+          <p:cNvPr id="52" name="Straight Arrow Connector 51">
+            <a:extLst>
+              <a:ext uri="{FF2B5EF4-FFF2-40B4-BE49-F238E27FC236}">
+                <a16:creationId xmlns:a16="http://schemas.microsoft.com/office/drawing/2014/main" id="{87A8237C-1493-F931-3598-176E48C8C3D7}"/>
+              </a:ext>
+            </a:extLst>
+          </p:cNvPr>
+          <p:cNvCxnSpPr>
+            <a:cxnSpLocks/>
+          </p:cNvCxnSpPr>
+          <p:nvPr/>
+        </p:nvCxnSpPr>
+        <p:spPr>
+          <a:xfrm>
+            <a:off x="7481279" y="1398008"/>
+            <a:ext cx="1139114" cy="0"/>
+          </a:xfrm>
+          <a:prstGeom prst="straightConnector1">
+            <a:avLst/>
+          </a:prstGeom>
+          <a:ln w="38100">
+            <a:solidFill>
+              <a:schemeClr val="tx1"/>
+            </a:solidFill>
+            <a:prstDash val="solid"/>
+            <a:headEnd type="stealth" w="lg" len="lg"/>
+            <a:tailEnd type="none" w="med" len="sm"/>
+          </a:ln>
+        </p:spPr>
+        <p:style>
+          <a:lnRef idx="1">
+            <a:schemeClr val="accent1"/>
+          </a:lnRef>
+          <a:fillRef idx="0">
+            <a:schemeClr val="accent1"/>
+          </a:fillRef>
+          <a:effectRef idx="0">
+            <a:schemeClr val="accent1"/>
+          </a:effectRef>
+          <a:fontRef idx="minor">
+            <a:schemeClr val="tx1"/>
+          </a:fontRef>
+        </p:style>
+      </p:cxnSp>
+      <mc:AlternateContent xmlns:mc="http://schemas.openxmlformats.org/markup-compatibility/2006">
+        <mc:Choice xmlns:a14="http://schemas.microsoft.com/office/drawing/2010/main" Requires="a14">
+          <p:sp>
+            <p:nvSpPr>
+              <p:cNvPr id="53" name="TextBox 52">
+                <a:extLst>
+                  <a:ext uri="{FF2B5EF4-FFF2-40B4-BE49-F238E27FC236}">
+                    <a16:creationId xmlns:a16="http://schemas.microsoft.com/office/drawing/2014/main" id="{A5315A14-8877-D07C-5E31-E00FFBABEAC9}"/>
+                  </a:ext>
+                </a:extLst>
+              </p:cNvPr>
+              <p:cNvSpPr txBox="1"/>
+              <p:nvPr/>
+            </p:nvSpPr>
+            <p:spPr>
+              <a:xfrm>
+                <a:off x="7257113" y="879692"/>
+                <a:ext cx="1322743" cy="483146"/>
+              </a:xfrm>
+              <a:prstGeom prst="rect">
+                <a:avLst/>
+              </a:prstGeom>
+              <a:noFill/>
+            </p:spPr>
+            <p:txBody>
+              <a:bodyPr wrap="square" lIns="0" tIns="0" rIns="0" bIns="0" rtlCol="0">
+                <a:spAutoFit/>
+              </a:bodyPr>
+              <a:lstStyle/>
+              <a:p>
+                <a:pPr/>
+                <a14:m>
+                  <m:oMathPara xmlns:m="http://schemas.openxmlformats.org/officeDocument/2006/math">
+                    <m:oMathParaPr>
+                      <m:jc m:val="centerGroup"/>
+                    </m:oMathParaPr>
+                    <m:oMath xmlns:m="http://schemas.openxmlformats.org/officeDocument/2006/math">
+                      <m:r>
+                        <a:rPr lang="en-US" sz="2800" b="0" i="1" smtClean="0">
+                          <a:latin typeface="Cambria Math" panose="02040503050406030204" pitchFamily="18" charset="0"/>
+                        </a:rPr>
+                        <m:t>𝑀</m:t>
+                      </m:r>
+                      <m:acc>
+                        <m:accPr>
+                          <m:chr m:val="⃗"/>
+                          <m:ctrlPr>
+                            <a:rPr lang="en-US" sz="2800" b="0" i="1" smtClean="0">
+                              <a:latin typeface="Cambria Math" panose="02040503050406030204" pitchFamily="18" charset="0"/>
+                            </a:rPr>
+                          </m:ctrlPr>
+                        </m:accPr>
+                        <m:e>
+                          <m:r>
+                            <a:rPr lang="en-US" sz="2800" b="0" i="1" smtClean="0">
+                              <a:latin typeface="Cambria Math" panose="02040503050406030204" pitchFamily="18" charset="0"/>
+                            </a:rPr>
+                            <m:t>𝑉</m:t>
+                          </m:r>
+                        </m:e>
+                      </m:acc>
+                    </m:oMath>
+                  </m:oMathPara>
+                </a14:m>
+                <a:endParaRPr lang="en-US" sz="2800" dirty="0"/>
+              </a:p>
+            </p:txBody>
+          </p:sp>
+        </mc:Choice>
+        <mc:Fallback>
+          <p:sp>
+            <p:nvSpPr>
+              <p:cNvPr id="53" name="TextBox 52">
+                <a:extLst>
+                  <a:ext uri="{FF2B5EF4-FFF2-40B4-BE49-F238E27FC236}">
+                    <a16:creationId xmlns:a16="http://schemas.microsoft.com/office/drawing/2014/main" id="{A5315A14-8877-D07C-5E31-E00FFBABEAC9}"/>
+                  </a:ext>
+                </a:extLst>
+              </p:cNvPr>
+              <p:cNvSpPr txBox="1">
+                <a:spLocks noRot="1" noChangeAspect="1" noMove="1" noResize="1" noEditPoints="1" noAdjustHandles="1" noChangeArrowheads="1" noChangeShapeType="1" noTextEdit="1"/>
+              </p:cNvSpPr>
+              <p:nvPr/>
+            </p:nvSpPr>
+            <p:spPr>
+              <a:xfrm>
+                <a:off x="7257113" y="879692"/>
+                <a:ext cx="1322743" cy="483146"/>
+              </a:xfrm>
+              <a:prstGeom prst="rect">
+                <a:avLst/>
+              </a:prstGeom>
+              <a:blipFill>
+                <a:blip r:embed="rId5"/>
+                <a:stretch>
+                  <a:fillRect/>
+                </a:stretch>
+              </a:blipFill>
+            </p:spPr>
+            <p:txBody>
+              <a:bodyPr/>
+              <a:lstStyle/>
+              <a:p>
+                <a:r>
+                  <a:rPr lang="en-US">
+                    <a:noFill/>
+                  </a:rPr>
+                  <a:t> </a:t>
+                </a:r>
+              </a:p>
+            </p:txBody>
+          </p:sp>
+        </mc:Fallback>
+      </mc:AlternateContent>
+      <p:cxnSp>
+        <p:nvCxnSpPr>
+          <p:cNvPr id="54" name="Straight Arrow Connector 53">
+            <a:extLst>
+              <a:ext uri="{FF2B5EF4-FFF2-40B4-BE49-F238E27FC236}">
+                <a16:creationId xmlns:a16="http://schemas.microsoft.com/office/drawing/2014/main" id="{4EF2C298-1CBE-4094-8108-8824F4FB7C0F}"/>
+              </a:ext>
+            </a:extLst>
+          </p:cNvPr>
+          <p:cNvCxnSpPr>
+            <a:cxnSpLocks/>
+          </p:cNvCxnSpPr>
+          <p:nvPr/>
+        </p:nvCxnSpPr>
+        <p:spPr>
+          <a:xfrm flipH="1" flipV="1">
+            <a:off x="10278144" y="1386837"/>
+            <a:ext cx="860109" cy="11171"/>
+          </a:xfrm>
+          <a:prstGeom prst="straightConnector1">
+            <a:avLst/>
+          </a:prstGeom>
+          <a:ln w="38100">
+            <a:solidFill>
+              <a:schemeClr val="tx1"/>
+            </a:solidFill>
+            <a:prstDash val="solid"/>
+            <a:headEnd type="stealth" w="lg" len="lg"/>
+            <a:tailEnd type="none" w="med" len="sm"/>
+          </a:ln>
+        </p:spPr>
+        <p:style>
+          <a:lnRef idx="1">
+            <a:schemeClr val="accent1"/>
+          </a:lnRef>
+          <a:fillRef idx="0">
+            <a:schemeClr val="accent1"/>
+          </a:fillRef>
+          <a:effectRef idx="0">
+            <a:schemeClr val="accent1"/>
+          </a:effectRef>
+          <a:fontRef idx="minor">
+            <a:schemeClr val="tx1"/>
+          </a:fontRef>
+        </p:style>
+      </p:cxnSp>
+      <mc:AlternateContent xmlns:mc="http://schemas.openxmlformats.org/markup-compatibility/2006">
+        <mc:Choice xmlns:a14="http://schemas.microsoft.com/office/drawing/2010/main" Requires="a14">
+          <p:sp>
+            <p:nvSpPr>
+              <p:cNvPr id="55" name="TextBox 54">
+                <a:extLst>
+                  <a:ext uri="{FF2B5EF4-FFF2-40B4-BE49-F238E27FC236}">
+                    <a16:creationId xmlns:a16="http://schemas.microsoft.com/office/drawing/2014/main" id="{2621CD44-341E-FE1F-6632-D6B848E63A08}"/>
+                  </a:ext>
+                </a:extLst>
+              </p:cNvPr>
+              <p:cNvSpPr txBox="1"/>
+              <p:nvPr/>
+            </p:nvSpPr>
+            <p:spPr>
+              <a:xfrm>
+                <a:off x="10278144" y="986244"/>
+                <a:ext cx="1322743" cy="369332"/>
+              </a:xfrm>
+              <a:prstGeom prst="rect">
+                <a:avLst/>
+              </a:prstGeom>
+              <a:noFill/>
+            </p:spPr>
+            <p:txBody>
+              <a:bodyPr wrap="square" lIns="0" tIns="0" rIns="0" bIns="0" rtlCol="0">
+                <a:spAutoFit/>
+              </a:bodyPr>
+              <a:lstStyle/>
+              <a:p>
+                <a:pPr/>
+                <a14:m>
+                  <m:oMathPara xmlns:m="http://schemas.openxmlformats.org/officeDocument/2006/math">
+                    <m:oMathParaPr>
+                      <m:jc m:val="centerGroup"/>
+                    </m:oMathParaPr>
+                    <m:oMath xmlns:m="http://schemas.openxmlformats.org/officeDocument/2006/math">
+                      <m:r>
+                        <a:rPr lang="en-US" sz="2400" b="0" i="1" smtClean="0">
+                          <a:latin typeface="Cambria Math" panose="02040503050406030204" pitchFamily="18" charset="0"/>
+                        </a:rPr>
+                        <m:t>𝑚</m:t>
+                      </m:r>
+                      <m:acc>
+                        <m:accPr>
+                          <m:chr m:val="⃗"/>
+                          <m:ctrlPr>
+                            <a:rPr lang="en-US" sz="2400" i="1" smtClean="0">
+                              <a:latin typeface="Cambria Math" panose="02040503050406030204" pitchFamily="18" charset="0"/>
+                            </a:rPr>
+                          </m:ctrlPr>
+                        </m:accPr>
+                        <m:e>
+                          <m:r>
+                            <a:rPr lang="en-US" sz="2400" b="0" i="1" smtClean="0">
+                              <a:latin typeface="Cambria Math" panose="02040503050406030204" pitchFamily="18" charset="0"/>
+                            </a:rPr>
+                            <m:t>𝑣</m:t>
+                          </m:r>
+                        </m:e>
+                      </m:acc>
+                    </m:oMath>
+                  </m:oMathPara>
+                </a14:m>
+                <a:endParaRPr lang="en-US" sz="2400" dirty="0"/>
+              </a:p>
+            </p:txBody>
+          </p:sp>
+        </mc:Choice>
+        <mc:Fallback>
+          <p:sp>
+            <p:nvSpPr>
+              <p:cNvPr id="55" name="TextBox 54">
+                <a:extLst>
+                  <a:ext uri="{FF2B5EF4-FFF2-40B4-BE49-F238E27FC236}">
+                    <a16:creationId xmlns:a16="http://schemas.microsoft.com/office/drawing/2014/main" id="{2621CD44-341E-FE1F-6632-D6B848E63A08}"/>
+                  </a:ext>
+                </a:extLst>
+              </p:cNvPr>
+              <p:cNvSpPr txBox="1">
+                <a:spLocks noRot="1" noChangeAspect="1" noMove="1" noResize="1" noEditPoints="1" noAdjustHandles="1" noChangeArrowheads="1" noChangeShapeType="1" noTextEdit="1"/>
+              </p:cNvSpPr>
+              <p:nvPr/>
+            </p:nvSpPr>
+            <p:spPr>
+              <a:xfrm>
+                <a:off x="10278144" y="986244"/>
+                <a:ext cx="1322743" cy="369332"/>
+              </a:xfrm>
+              <a:prstGeom prst="rect">
+                <a:avLst/>
+              </a:prstGeom>
+              <a:blipFill>
+                <a:blip r:embed="rId6"/>
+                <a:stretch>
+                  <a:fillRect t="-40000" r="-4147" b="-1667"/>
+                </a:stretch>
+              </a:blipFill>
+            </p:spPr>
+            <p:txBody>
+              <a:bodyPr/>
+              <a:lstStyle/>
+              <a:p>
+                <a:r>
+                  <a:rPr lang="en-US">
+                    <a:noFill/>
+                  </a:rPr>
+                  <a:t> </a:t>
+                </a:r>
+              </a:p>
+            </p:txBody>
+          </p:sp>
+        </mc:Fallback>
+      </mc:AlternateContent>
+      <mc:AlternateContent xmlns:mc="http://schemas.openxmlformats.org/markup-compatibility/2006">
+        <mc:Choice xmlns:a14="http://schemas.microsoft.com/office/drawing/2010/main" Requires="a14">
+          <p:sp>
+            <p:nvSpPr>
+              <p:cNvPr id="56" name="TextBox 55">
+                <a:extLst>
+                  <a:ext uri="{FF2B5EF4-FFF2-40B4-BE49-F238E27FC236}">
+                    <a16:creationId xmlns:a16="http://schemas.microsoft.com/office/drawing/2014/main" id="{0AD614D9-6538-E744-B14A-A7D5ADB8A3BC}"/>
+                  </a:ext>
+                </a:extLst>
+              </p:cNvPr>
+              <p:cNvSpPr txBox="1"/>
+              <p:nvPr/>
+            </p:nvSpPr>
+            <p:spPr>
+              <a:xfrm>
+                <a:off x="8933384" y="1232943"/>
+                <a:ext cx="426075" cy="307777"/>
+              </a:xfrm>
+              <a:prstGeom prst="rect">
+                <a:avLst/>
+              </a:prstGeom>
+              <a:noFill/>
+            </p:spPr>
+            <p:txBody>
+              <a:bodyPr wrap="square" lIns="0" tIns="0" rIns="0" bIns="0" rtlCol="0">
+                <a:spAutoFit/>
+              </a:bodyPr>
+              <a:lstStyle/>
+              <a:p>
+                <a:pPr/>
+                <a14:m>
+                  <m:oMathPara xmlns:m="http://schemas.openxmlformats.org/officeDocument/2006/math">
+                    <m:oMathParaPr>
+                      <m:jc m:val="centerGroup"/>
+                    </m:oMathParaPr>
+                    <m:oMath xmlns:m="http://schemas.openxmlformats.org/officeDocument/2006/math">
+                      <m:r>
+                        <a:rPr lang="en-US" sz="2000" b="0" i="1" smtClean="0">
+                          <a:effectLst>
+                            <a:outerShdw blurRad="38100" dist="38100" dir="2700000" algn="tl">
+                              <a:srgbClr val="000000">
+                                <a:alpha val="43137"/>
+                              </a:srgbClr>
+                            </a:outerShdw>
+                          </a:effectLst>
+                          <a:latin typeface="Cambria Math" panose="02040503050406030204" pitchFamily="18" charset="0"/>
+                        </a:rPr>
+                        <m:t>𝑀</m:t>
+                      </m:r>
+                    </m:oMath>
+                  </m:oMathPara>
+                </a14:m>
+                <a:endParaRPr lang="en-US" sz="2000" dirty="0">
+                  <a:effectLst>
+                    <a:outerShdw blurRad="38100" dist="38100" dir="2700000" algn="tl">
+                      <a:srgbClr val="000000">
+                        <a:alpha val="43137"/>
+                      </a:srgbClr>
+                    </a:outerShdw>
+                  </a:effectLst>
+                </a:endParaRPr>
+              </a:p>
+            </p:txBody>
+          </p:sp>
+        </mc:Choice>
+        <mc:Fallback>
+          <p:sp>
+            <p:nvSpPr>
+              <p:cNvPr id="56" name="TextBox 55">
+                <a:extLst>
+                  <a:ext uri="{FF2B5EF4-FFF2-40B4-BE49-F238E27FC236}">
+                    <a16:creationId xmlns:a16="http://schemas.microsoft.com/office/drawing/2014/main" id="{0AD614D9-6538-E744-B14A-A7D5ADB8A3BC}"/>
+                  </a:ext>
+                </a:extLst>
+              </p:cNvPr>
+              <p:cNvSpPr txBox="1">
+                <a:spLocks noRot="1" noChangeAspect="1" noMove="1" noResize="1" noEditPoints="1" noAdjustHandles="1" noChangeArrowheads="1" noChangeShapeType="1" noTextEdit="1"/>
+              </p:cNvSpPr>
+              <p:nvPr/>
+            </p:nvSpPr>
+            <p:spPr>
+              <a:xfrm>
+                <a:off x="8933384" y="1232943"/>
+                <a:ext cx="426075" cy="307777"/>
+              </a:xfrm>
+              <a:prstGeom prst="rect">
+                <a:avLst/>
+              </a:prstGeom>
+              <a:blipFill>
+                <a:blip r:embed="rId7"/>
+                <a:stretch>
+                  <a:fillRect r="-2857" b="-13725"/>
+                </a:stretch>
+              </a:blipFill>
+            </p:spPr>
+            <p:txBody>
+              <a:bodyPr/>
+              <a:lstStyle/>
+              <a:p>
+                <a:r>
+                  <a:rPr lang="en-US">
+                    <a:noFill/>
+                  </a:rPr>
+                  <a:t> </a:t>
+                </a:r>
+              </a:p>
+            </p:txBody>
+          </p:sp>
+        </mc:Fallback>
+      </mc:AlternateContent>
+      <mc:AlternateContent xmlns:mc="http://schemas.openxmlformats.org/markup-compatibility/2006">
+        <mc:Choice xmlns:a14="http://schemas.microsoft.com/office/drawing/2010/main" Requires="a14">
+          <p:sp>
+            <p:nvSpPr>
+              <p:cNvPr id="58" name="TextBox 57">
+                <a:extLst>
+                  <a:ext uri="{FF2B5EF4-FFF2-40B4-BE49-F238E27FC236}">
+                    <a16:creationId xmlns:a16="http://schemas.microsoft.com/office/drawing/2014/main" id="{CFB2487F-4E9F-E981-EA2A-C8AEB6D86960}"/>
+                  </a:ext>
+                </a:extLst>
+              </p:cNvPr>
+              <p:cNvSpPr txBox="1"/>
+              <p:nvPr/>
+            </p:nvSpPr>
+            <p:spPr>
+              <a:xfrm>
+                <a:off x="9852068" y="1232942"/>
+                <a:ext cx="426075" cy="307777"/>
+              </a:xfrm>
+              <a:prstGeom prst="rect">
+                <a:avLst/>
+              </a:prstGeom>
+              <a:noFill/>
+            </p:spPr>
+            <p:txBody>
+              <a:bodyPr wrap="square" lIns="0" tIns="0" rIns="0" bIns="0" rtlCol="0">
+                <a:spAutoFit/>
+              </a:bodyPr>
+              <a:lstStyle/>
+              <a:p>
+                <a:pPr/>
+                <a14:m>
+                  <m:oMathPara xmlns:m="http://schemas.openxmlformats.org/officeDocument/2006/math">
+                    <m:oMathParaPr>
+                      <m:jc m:val="centerGroup"/>
+                    </m:oMathParaPr>
+                    <m:oMath xmlns:m="http://schemas.openxmlformats.org/officeDocument/2006/math">
+                      <m:r>
+                        <a:rPr lang="en-US" sz="2000" b="0" i="1" smtClean="0">
+                          <a:effectLst>
+                            <a:outerShdw blurRad="38100" dist="38100" dir="2700000" algn="tl">
+                              <a:srgbClr val="000000">
+                                <a:alpha val="43137"/>
+                              </a:srgbClr>
+                            </a:outerShdw>
+                          </a:effectLst>
+                          <a:latin typeface="Cambria Math" panose="02040503050406030204" pitchFamily="18" charset="0"/>
+                        </a:rPr>
+                        <m:t>𝑚</m:t>
+                      </m:r>
+                    </m:oMath>
+                  </m:oMathPara>
+                </a14:m>
+                <a:endParaRPr lang="en-US" sz="2000" dirty="0">
+                  <a:effectLst>
+                    <a:outerShdw blurRad="38100" dist="38100" dir="2700000" algn="tl">
+                      <a:srgbClr val="000000">
+                        <a:alpha val="43137"/>
+                      </a:srgbClr>
+                    </a:outerShdw>
+                  </a:effectLst>
+                </a:endParaRPr>
+              </a:p>
+            </p:txBody>
+          </p:sp>
+        </mc:Choice>
+        <mc:Fallback>
+          <p:sp>
+            <p:nvSpPr>
+              <p:cNvPr id="58" name="TextBox 57">
+                <a:extLst>
+                  <a:ext uri="{FF2B5EF4-FFF2-40B4-BE49-F238E27FC236}">
+                    <a16:creationId xmlns:a16="http://schemas.microsoft.com/office/drawing/2014/main" id="{CFB2487F-4E9F-E981-EA2A-C8AEB6D86960}"/>
+                  </a:ext>
+                </a:extLst>
+              </p:cNvPr>
+              <p:cNvSpPr txBox="1">
+                <a:spLocks noRot="1" noChangeAspect="1" noMove="1" noResize="1" noEditPoints="1" noAdjustHandles="1" noChangeArrowheads="1" noChangeShapeType="1" noTextEdit="1"/>
+              </p:cNvSpPr>
+              <p:nvPr/>
+            </p:nvSpPr>
+            <p:spPr>
+              <a:xfrm>
+                <a:off x="9852068" y="1232942"/>
+                <a:ext cx="426075" cy="307777"/>
+              </a:xfrm>
+              <a:prstGeom prst="rect">
+                <a:avLst/>
+              </a:prstGeom>
+              <a:blipFill>
+                <a:blip r:embed="rId8"/>
+                <a:stretch>
+                  <a:fillRect b="-5882"/>
+                </a:stretch>
+              </a:blipFill>
+            </p:spPr>
+            <p:txBody>
+              <a:bodyPr/>
+              <a:lstStyle/>
+              <a:p>
+                <a:r>
+                  <a:rPr lang="en-US">
+                    <a:noFill/>
+                  </a:rPr>
+                  <a:t> </a:t>
+                </a:r>
+              </a:p>
+            </p:txBody>
+          </p:sp>
+        </mc:Fallback>
+      </mc:AlternateContent>
+      <p:sp>
+        <p:nvSpPr>
+          <p:cNvPr id="62" name="Rectangle 61">
+            <a:extLst>
+              <a:ext uri="{FF2B5EF4-FFF2-40B4-BE49-F238E27FC236}">
+                <a16:creationId xmlns:a16="http://schemas.microsoft.com/office/drawing/2014/main" id="{416A3C0A-DE61-2289-F19F-A9C7EA6F946F}"/>
+              </a:ext>
+            </a:extLst>
+          </p:cNvPr>
+          <p:cNvSpPr/>
+          <p:nvPr/>
+        </p:nvSpPr>
+        <p:spPr>
+          <a:xfrm>
+            <a:off x="8635250" y="1210647"/>
+            <a:ext cx="985076" cy="352377"/>
+          </a:xfrm>
+          <a:prstGeom prst="rect">
+            <a:avLst/>
+          </a:prstGeom>
+          <a:solidFill>
+            <a:schemeClr val="accent6">
+              <a:lumMod val="60000"/>
+              <a:lumOff val="40000"/>
+              <a:alpha val="31000"/>
+            </a:schemeClr>
+          </a:solidFill>
+        </p:spPr>
+        <p:style>
+          <a:lnRef idx="2">
+            <a:schemeClr val="accent1">
+              <a:shade val="15000"/>
+            </a:schemeClr>
+          </a:lnRef>
+          <a:fillRef idx="1">
+            <a:schemeClr val="accent1"/>
+          </a:fillRef>
+          <a:effectRef idx="0">
+            <a:schemeClr val="accent1"/>
+          </a:effectRef>
+          <a:fontRef idx="minor">
+            <a:schemeClr val="lt1"/>
+          </a:fontRef>
+        </p:style>
+        <p:txBody>
+          <a:bodyPr rtlCol="0" anchor="ctr"/>
+          <a:lstStyle/>
+          <a:p>
+            <a:pPr algn="ctr"/>
+            <a:endParaRPr lang="en-US"/>
+          </a:p>
+        </p:txBody>
+      </p:sp>
+      <p:sp>
+        <p:nvSpPr>
+          <p:cNvPr id="63" name="Rectangle 62">
+            <a:extLst>
+              <a:ext uri="{FF2B5EF4-FFF2-40B4-BE49-F238E27FC236}">
+                <a16:creationId xmlns:a16="http://schemas.microsoft.com/office/drawing/2014/main" id="{3CD6DD70-DBFD-D9FB-BB51-6E7A963B15D6}"/>
+              </a:ext>
+            </a:extLst>
+          </p:cNvPr>
+          <p:cNvSpPr/>
+          <p:nvPr/>
+        </p:nvSpPr>
+        <p:spPr>
+          <a:xfrm>
+            <a:off x="9852067" y="1217586"/>
+            <a:ext cx="411220" cy="352377"/>
+          </a:xfrm>
+          <a:prstGeom prst="rect">
+            <a:avLst/>
+          </a:prstGeom>
+          <a:solidFill>
+            <a:schemeClr val="accent6">
+              <a:lumMod val="60000"/>
+              <a:lumOff val="40000"/>
+              <a:alpha val="31000"/>
+            </a:schemeClr>
+          </a:solidFill>
+        </p:spPr>
+        <p:style>
+          <a:lnRef idx="2">
+            <a:schemeClr val="accent1">
+              <a:shade val="15000"/>
+            </a:schemeClr>
+          </a:lnRef>
+          <a:fillRef idx="1">
+            <a:schemeClr val="accent1"/>
+          </a:fillRef>
+          <a:effectRef idx="0">
+            <a:schemeClr val="accent1"/>
+          </a:effectRef>
+          <a:fontRef idx="minor">
+            <a:schemeClr val="lt1"/>
+          </a:fontRef>
+        </p:style>
+        <p:txBody>
+          <a:bodyPr rtlCol="0" anchor="ctr"/>
+          <a:lstStyle/>
+          <a:p>
+            <a:pPr algn="ctr"/>
+            <a:endParaRPr lang="en-US"/>
+          </a:p>
+        </p:txBody>
+      </p:sp>
+      <p:sp>
+        <p:nvSpPr>
+          <p:cNvPr id="64" name="Rectangle 63">
+            <a:extLst>
+              <a:ext uri="{FF2B5EF4-FFF2-40B4-BE49-F238E27FC236}">
+                <a16:creationId xmlns:a16="http://schemas.microsoft.com/office/drawing/2014/main" id="{54BAAE84-38E3-8AD6-AB32-E8904730808A}"/>
+              </a:ext>
+            </a:extLst>
+          </p:cNvPr>
+          <p:cNvSpPr/>
+          <p:nvPr/>
+        </p:nvSpPr>
+        <p:spPr>
+          <a:xfrm>
+            <a:off x="8861355" y="3076623"/>
+            <a:ext cx="985076" cy="352377"/>
+          </a:xfrm>
+          <a:prstGeom prst="rect">
+            <a:avLst/>
+          </a:prstGeom>
+          <a:solidFill>
+            <a:schemeClr val="accent6">
+              <a:lumMod val="60000"/>
+              <a:lumOff val="40000"/>
+              <a:alpha val="31000"/>
+            </a:schemeClr>
+          </a:solidFill>
+        </p:spPr>
+        <p:style>
+          <a:lnRef idx="2">
+            <a:schemeClr val="accent1">
+              <a:shade val="15000"/>
+            </a:schemeClr>
+          </a:lnRef>
+          <a:fillRef idx="1">
+            <a:schemeClr val="accent1"/>
+          </a:fillRef>
+          <a:effectRef idx="0">
+            <a:schemeClr val="accent1"/>
+          </a:effectRef>
+          <a:fontRef idx="minor">
+            <a:schemeClr val="lt1"/>
+          </a:fontRef>
+        </p:style>
+        <p:txBody>
+          <a:bodyPr rtlCol="0" anchor="ctr"/>
+          <a:lstStyle/>
+          <a:p>
+            <a:pPr algn="ctr"/>
+            <a:endParaRPr lang="en-US"/>
+          </a:p>
+        </p:txBody>
+      </p:sp>
+      <mc:AlternateContent xmlns:mc="http://schemas.openxmlformats.org/markup-compatibility/2006">
+        <mc:Choice xmlns:a14="http://schemas.microsoft.com/office/drawing/2010/main" Requires="a14">
+          <p:sp>
+            <p:nvSpPr>
+              <p:cNvPr id="65" name="TextBox 64">
+                <a:extLst>
+                  <a:ext uri="{FF2B5EF4-FFF2-40B4-BE49-F238E27FC236}">
+                    <a16:creationId xmlns:a16="http://schemas.microsoft.com/office/drawing/2014/main" id="{99266A8B-6D72-088D-014A-44CF005ECE2B}"/>
+                  </a:ext>
+                </a:extLst>
+              </p:cNvPr>
+              <p:cNvSpPr txBox="1"/>
+              <p:nvPr/>
+            </p:nvSpPr>
+            <p:spPr>
+              <a:xfrm>
+                <a:off x="9147074" y="3079945"/>
+                <a:ext cx="426075" cy="307777"/>
+              </a:xfrm>
+              <a:prstGeom prst="rect">
+                <a:avLst/>
+              </a:prstGeom>
+              <a:noFill/>
+            </p:spPr>
+            <p:txBody>
+              <a:bodyPr wrap="square" lIns="0" tIns="0" rIns="0" bIns="0" rtlCol="0">
+                <a:spAutoFit/>
+              </a:bodyPr>
+              <a:lstStyle/>
+              <a:p>
+                <a:pPr/>
+                <a14:m>
+                  <m:oMathPara xmlns:m="http://schemas.openxmlformats.org/officeDocument/2006/math">
+                    <m:oMathParaPr>
+                      <m:jc m:val="centerGroup"/>
+                    </m:oMathParaPr>
+                    <m:oMath xmlns:m="http://schemas.openxmlformats.org/officeDocument/2006/math">
+                      <m:r>
+                        <a:rPr lang="en-US" sz="2000" b="0" i="1" smtClean="0">
+                          <a:effectLst>
+                            <a:outerShdw blurRad="38100" dist="38100" dir="2700000" algn="tl">
+                              <a:srgbClr val="000000">
+                                <a:alpha val="43137"/>
+                              </a:srgbClr>
+                            </a:outerShdw>
+                          </a:effectLst>
+                          <a:latin typeface="Cambria Math" panose="02040503050406030204" pitchFamily="18" charset="0"/>
+                        </a:rPr>
+                        <m:t>𝑀</m:t>
+                      </m:r>
+                    </m:oMath>
+                  </m:oMathPara>
+                </a14:m>
+                <a:endParaRPr lang="en-US" sz="2000" dirty="0">
+                  <a:effectLst>
+                    <a:outerShdw blurRad="38100" dist="38100" dir="2700000" algn="tl">
+                      <a:srgbClr val="000000">
+                        <a:alpha val="43137"/>
+                      </a:srgbClr>
+                    </a:outerShdw>
+                  </a:effectLst>
+                </a:endParaRPr>
+              </a:p>
+            </p:txBody>
+          </p:sp>
+        </mc:Choice>
+        <mc:Fallback>
+          <p:sp>
+            <p:nvSpPr>
+              <p:cNvPr id="65" name="TextBox 64">
+                <a:extLst>
+                  <a:ext uri="{FF2B5EF4-FFF2-40B4-BE49-F238E27FC236}">
+                    <a16:creationId xmlns:a16="http://schemas.microsoft.com/office/drawing/2014/main" id="{99266A8B-6D72-088D-014A-44CF005ECE2B}"/>
+                  </a:ext>
+                </a:extLst>
+              </p:cNvPr>
+              <p:cNvSpPr txBox="1">
+                <a:spLocks noRot="1" noChangeAspect="1" noMove="1" noResize="1" noEditPoints="1" noAdjustHandles="1" noChangeArrowheads="1" noChangeShapeType="1" noTextEdit="1"/>
+              </p:cNvSpPr>
+              <p:nvPr/>
+            </p:nvSpPr>
+            <p:spPr>
+              <a:xfrm>
+                <a:off x="9147074" y="3079945"/>
+                <a:ext cx="426075" cy="307777"/>
+              </a:xfrm>
+              <a:prstGeom prst="rect">
+                <a:avLst/>
+              </a:prstGeom>
+              <a:blipFill>
+                <a:blip r:embed="rId9"/>
+                <a:stretch>
+                  <a:fillRect r="-4348" b="-13725"/>
+                </a:stretch>
+              </a:blipFill>
+            </p:spPr>
+            <p:txBody>
+              <a:bodyPr/>
+              <a:lstStyle/>
+              <a:p>
+                <a:r>
+                  <a:rPr lang="en-US">
+                    <a:noFill/>
+                  </a:rPr>
+                  <a:t> </a:t>
+                </a:r>
+              </a:p>
+            </p:txBody>
+          </p:sp>
+        </mc:Fallback>
+      </mc:AlternateContent>
+      <p:cxnSp>
+        <p:nvCxnSpPr>
+          <p:cNvPr id="67" name="Straight Connector 66">
+            <a:extLst>
+              <a:ext uri="{FF2B5EF4-FFF2-40B4-BE49-F238E27FC236}">
+                <a16:creationId xmlns:a16="http://schemas.microsoft.com/office/drawing/2014/main" id="{34A06CE5-6F3B-CD22-22CE-0C8B78A870A1}"/>
+              </a:ext>
+            </a:extLst>
+          </p:cNvPr>
+          <p:cNvCxnSpPr>
+            <a:cxnSpLocks/>
+          </p:cNvCxnSpPr>
+          <p:nvPr/>
+        </p:nvCxnSpPr>
+        <p:spPr>
+          <a:xfrm flipH="1">
+            <a:off x="8252725" y="3429000"/>
+            <a:ext cx="2277313" cy="0"/>
+          </a:xfrm>
+          <a:prstGeom prst="line">
+            <a:avLst/>
+          </a:prstGeom>
+          <a:ln>
+            <a:solidFill>
+              <a:schemeClr val="tx1"/>
+            </a:solidFill>
+          </a:ln>
+        </p:spPr>
+        <p:style>
+          <a:lnRef idx="2">
+            <a:schemeClr val="accent1"/>
+          </a:lnRef>
+          <a:fillRef idx="0">
+            <a:schemeClr val="accent1"/>
+          </a:fillRef>
+          <a:effectRef idx="1">
+            <a:schemeClr val="accent1"/>
+          </a:effectRef>
+          <a:fontRef idx="minor">
+            <a:schemeClr val="tx1"/>
+          </a:fontRef>
+        </p:style>
+      </p:cxnSp>
+      <p:sp>
+        <p:nvSpPr>
+          <p:cNvPr id="70" name="Rectangle 69">
+            <a:extLst>
+              <a:ext uri="{FF2B5EF4-FFF2-40B4-BE49-F238E27FC236}">
+                <a16:creationId xmlns:a16="http://schemas.microsoft.com/office/drawing/2014/main" id="{4E013870-E6DC-FAC5-8E53-1E859D903EE0}"/>
+              </a:ext>
+            </a:extLst>
+          </p:cNvPr>
+          <p:cNvSpPr/>
+          <p:nvPr/>
+        </p:nvSpPr>
+        <p:spPr>
+          <a:xfrm>
+            <a:off x="8144775" y="3218329"/>
+            <a:ext cx="215901" cy="76736"/>
+          </a:xfrm>
+          <a:custGeom>
+            <a:avLst/>
+            <a:gdLst>
+              <a:gd name="connsiteX0" fmla="*/ 0 w 495300"/>
+              <a:gd name="connsiteY0" fmla="*/ 0 h 186574"/>
+              <a:gd name="connsiteX1" fmla="*/ 495300 w 495300"/>
+              <a:gd name="connsiteY1" fmla="*/ 0 h 186574"/>
+              <a:gd name="connsiteX2" fmla="*/ 495300 w 495300"/>
+              <a:gd name="connsiteY2" fmla="*/ 186574 h 186574"/>
+              <a:gd name="connsiteX3" fmla="*/ 0 w 495300"/>
+              <a:gd name="connsiteY3" fmla="*/ 186574 h 186574"/>
+              <a:gd name="connsiteX4" fmla="*/ 0 w 495300"/>
+              <a:gd name="connsiteY4" fmla="*/ 0 h 186574"/>
+              <a:gd name="connsiteX0" fmla="*/ 0 w 495300"/>
+              <a:gd name="connsiteY0" fmla="*/ 0 h 186574"/>
+              <a:gd name="connsiteX1" fmla="*/ 342900 w 495300"/>
+              <a:gd name="connsiteY1" fmla="*/ 2117 h 186574"/>
+              <a:gd name="connsiteX2" fmla="*/ 495300 w 495300"/>
+              <a:gd name="connsiteY2" fmla="*/ 186574 h 186574"/>
+              <a:gd name="connsiteX3" fmla="*/ 0 w 495300"/>
+              <a:gd name="connsiteY3" fmla="*/ 186574 h 186574"/>
+              <a:gd name="connsiteX4" fmla="*/ 0 w 495300"/>
+              <a:gd name="connsiteY4" fmla="*/ 0 h 186574"/>
+              <a:gd name="connsiteX0" fmla="*/ 0 w 522816"/>
+              <a:gd name="connsiteY0" fmla="*/ 0 h 186574"/>
+              <a:gd name="connsiteX1" fmla="*/ 342900 w 522816"/>
+              <a:gd name="connsiteY1" fmla="*/ 2117 h 186574"/>
+              <a:gd name="connsiteX2" fmla="*/ 522816 w 522816"/>
+              <a:gd name="connsiteY2" fmla="*/ 97674 h 186574"/>
+              <a:gd name="connsiteX3" fmla="*/ 0 w 522816"/>
+              <a:gd name="connsiteY3" fmla="*/ 186574 h 186574"/>
+              <a:gd name="connsiteX4" fmla="*/ 0 w 522816"/>
+              <a:gd name="connsiteY4" fmla="*/ 0 h 186574"/>
+              <a:gd name="connsiteX0" fmla="*/ 0 w 505883"/>
+              <a:gd name="connsiteY0" fmla="*/ 0 h 186574"/>
+              <a:gd name="connsiteX1" fmla="*/ 342900 w 505883"/>
+              <a:gd name="connsiteY1" fmla="*/ 2117 h 186574"/>
+              <a:gd name="connsiteX2" fmla="*/ 505883 w 505883"/>
+              <a:gd name="connsiteY2" fmla="*/ 84974 h 186574"/>
+              <a:gd name="connsiteX3" fmla="*/ 0 w 505883"/>
+              <a:gd name="connsiteY3" fmla="*/ 186574 h 186574"/>
+              <a:gd name="connsiteX4" fmla="*/ 0 w 505883"/>
+              <a:gd name="connsiteY4" fmla="*/ 0 h 186574"/>
+              <a:gd name="connsiteX0" fmla="*/ 0 w 505883"/>
+              <a:gd name="connsiteY0" fmla="*/ 0 h 186574"/>
+              <a:gd name="connsiteX1" fmla="*/ 342900 w 505883"/>
+              <a:gd name="connsiteY1" fmla="*/ 2117 h 186574"/>
+              <a:gd name="connsiteX2" fmla="*/ 505883 w 505883"/>
+              <a:gd name="connsiteY2" fmla="*/ 84974 h 186574"/>
+              <a:gd name="connsiteX3" fmla="*/ 0 w 505883"/>
+              <a:gd name="connsiteY3" fmla="*/ 186574 h 186574"/>
+              <a:gd name="connsiteX4" fmla="*/ 0 w 505883"/>
+              <a:gd name="connsiteY4" fmla="*/ 0 h 186574"/>
+              <a:gd name="connsiteX0" fmla="*/ 0 w 524933"/>
+              <a:gd name="connsiteY0" fmla="*/ 0 h 186574"/>
+              <a:gd name="connsiteX1" fmla="*/ 342900 w 524933"/>
+              <a:gd name="connsiteY1" fmla="*/ 2117 h 186574"/>
+              <a:gd name="connsiteX2" fmla="*/ 524933 w 524933"/>
+              <a:gd name="connsiteY2" fmla="*/ 84974 h 186574"/>
+              <a:gd name="connsiteX3" fmla="*/ 0 w 524933"/>
+              <a:gd name="connsiteY3" fmla="*/ 186574 h 186574"/>
+              <a:gd name="connsiteX4" fmla="*/ 0 w 524933"/>
+              <a:gd name="connsiteY4" fmla="*/ 0 h 186574"/>
+              <a:gd name="connsiteX0" fmla="*/ 0 w 524933"/>
+              <a:gd name="connsiteY0" fmla="*/ 0 h 186574"/>
+              <a:gd name="connsiteX1" fmla="*/ 342900 w 524933"/>
+              <a:gd name="connsiteY1" fmla="*/ 2117 h 186574"/>
+              <a:gd name="connsiteX2" fmla="*/ 524933 w 524933"/>
+              <a:gd name="connsiteY2" fmla="*/ 84974 h 186574"/>
+              <a:gd name="connsiteX3" fmla="*/ 0 w 524933"/>
+              <a:gd name="connsiteY3" fmla="*/ 186574 h 186574"/>
+              <a:gd name="connsiteX4" fmla="*/ 0 w 524933"/>
+              <a:gd name="connsiteY4" fmla="*/ 0 h 186574"/>
+              <a:gd name="connsiteX0" fmla="*/ 0 w 524933"/>
+              <a:gd name="connsiteY0" fmla="*/ 0 h 186574"/>
+              <a:gd name="connsiteX1" fmla="*/ 342900 w 524933"/>
+              <a:gd name="connsiteY1" fmla="*/ 2117 h 186574"/>
+              <a:gd name="connsiteX2" fmla="*/ 524933 w 524933"/>
+              <a:gd name="connsiteY2" fmla="*/ 84974 h 186574"/>
+              <a:gd name="connsiteX3" fmla="*/ 0 w 524933"/>
+              <a:gd name="connsiteY3" fmla="*/ 186574 h 186574"/>
+              <a:gd name="connsiteX4" fmla="*/ 0 w 524933"/>
+              <a:gd name="connsiteY4" fmla="*/ 0 h 186574"/>
+            </a:gdLst>
+            <a:ahLst/>
+            <a:cxnLst>
+              <a:cxn ang="0">
+                <a:pos x="connsiteX0" y="connsiteY0"/>
+              </a:cxn>
+              <a:cxn ang="0">
+                <a:pos x="connsiteX1" y="connsiteY1"/>
+              </a:cxn>
+              <a:cxn ang="0">
+                <a:pos x="connsiteX2" y="connsiteY2"/>
+              </a:cxn>
+              <a:cxn ang="0">
+                <a:pos x="connsiteX3" y="connsiteY3"/>
+              </a:cxn>
+              <a:cxn ang="0">
+                <a:pos x="connsiteX4" y="connsiteY4"/>
+              </a:cxn>
+            </a:cxnLst>
+            <a:rect l="l" t="t" r="r" b="b"/>
+            <a:pathLst>
+              <a:path w="524933" h="186574">
+                <a:moveTo>
+                  <a:pt x="0" y="0"/>
+                </a:moveTo>
+                <a:lnTo>
+                  <a:pt x="342900" y="2117"/>
+                </a:lnTo>
+                <a:cubicBezTo>
+                  <a:pt x="522111" y="40319"/>
+                  <a:pt x="517172" y="40422"/>
+                  <a:pt x="524933" y="84974"/>
+                </a:cubicBezTo>
+                <a:cubicBezTo>
+                  <a:pt x="449438" y="222557"/>
+                  <a:pt x="168628" y="152707"/>
+                  <a:pt x="0" y="186574"/>
+                </a:cubicBezTo>
+                <a:lnTo>
+                  <a:pt x="0" y="0"/>
+                </a:lnTo>
+                <a:close/>
+              </a:path>
+            </a:pathLst>
+          </a:custGeom>
+          <a:solidFill>
+            <a:srgbClr val="7030A0">
+              <a:alpha val="37000"/>
+            </a:srgbClr>
+          </a:solidFill>
+          <a:ln w="12700"/>
+        </p:spPr>
+        <p:style>
+          <a:lnRef idx="2">
+            <a:schemeClr val="accent1">
+              <a:shade val="15000"/>
+            </a:schemeClr>
+          </a:lnRef>
+          <a:fillRef idx="1">
+            <a:schemeClr val="accent1"/>
+          </a:fillRef>
+          <a:effectRef idx="0">
+            <a:schemeClr val="accent1"/>
+          </a:effectRef>
+          <a:fontRef idx="minor">
+            <a:schemeClr val="lt1"/>
+          </a:fontRef>
+        </p:style>
+        <p:txBody>
+          <a:bodyPr rtlCol="0" anchor="ctr"/>
+          <a:lstStyle/>
+          <a:p>
+            <a:pPr algn="ctr"/>
+            <a:endParaRPr lang="en-US"/>
+          </a:p>
+        </p:txBody>
+      </p:sp>
+      <p:cxnSp>
+        <p:nvCxnSpPr>
+          <p:cNvPr id="71" name="Straight Arrow Connector 70">
+            <a:extLst>
+              <a:ext uri="{FF2B5EF4-FFF2-40B4-BE49-F238E27FC236}">
+                <a16:creationId xmlns:a16="http://schemas.microsoft.com/office/drawing/2014/main" id="{137C6A51-8E19-4AB8-D505-DBDE984182DD}"/>
+              </a:ext>
+            </a:extLst>
+          </p:cNvPr>
+          <p:cNvCxnSpPr>
+            <a:cxnSpLocks/>
+          </p:cNvCxnSpPr>
+          <p:nvPr/>
+        </p:nvCxnSpPr>
+        <p:spPr>
+          <a:xfrm flipH="1">
+            <a:off x="8361228" y="3246964"/>
+            <a:ext cx="408122" cy="0"/>
+          </a:xfrm>
+          <a:prstGeom prst="straightConnector1">
+            <a:avLst/>
+          </a:prstGeom>
+          <a:ln w="28575">
+            <a:solidFill>
+              <a:schemeClr val="tx1"/>
+            </a:solidFill>
+            <a:prstDash val="solid"/>
+            <a:headEnd type="stealth" w="med" len="lg"/>
+            <a:tailEnd type="none" w="med" len="sm"/>
+          </a:ln>
+        </p:spPr>
+        <p:style>
+          <a:lnRef idx="1">
+            <a:schemeClr val="accent1"/>
+          </a:lnRef>
+          <a:fillRef idx="0">
+            <a:schemeClr val="accent1"/>
+          </a:fillRef>
+          <a:effectRef idx="0">
+            <a:schemeClr val="accent1"/>
+          </a:effectRef>
+          <a:fontRef idx="minor">
+            <a:schemeClr val="tx1"/>
+          </a:fontRef>
+        </p:style>
+      </p:cxnSp>
+      <mc:AlternateContent xmlns:mc="http://schemas.openxmlformats.org/markup-compatibility/2006">
+        <mc:Choice xmlns:a14="http://schemas.microsoft.com/office/drawing/2010/main" Requires="a14">
+          <p:sp>
+            <p:nvSpPr>
+              <p:cNvPr id="72" name="TextBox 71">
+                <a:extLst>
+                  <a:ext uri="{FF2B5EF4-FFF2-40B4-BE49-F238E27FC236}">
+                    <a16:creationId xmlns:a16="http://schemas.microsoft.com/office/drawing/2014/main" id="{CDE4F9CB-7161-90A0-9AC7-7065D0914B59}"/>
+                  </a:ext>
+                </a:extLst>
+              </p:cNvPr>
+              <p:cNvSpPr txBox="1"/>
+              <p:nvPr/>
+            </p:nvSpPr>
+            <p:spPr>
+              <a:xfrm>
+                <a:off x="7868629" y="2992369"/>
+                <a:ext cx="1322743" cy="246221"/>
+              </a:xfrm>
+              <a:prstGeom prst="rect">
+                <a:avLst/>
+              </a:prstGeom>
+              <a:noFill/>
+            </p:spPr>
+            <p:txBody>
+              <a:bodyPr wrap="square" lIns="0" tIns="0" rIns="0" bIns="0" rtlCol="0">
+                <a:spAutoFit/>
+              </a:bodyPr>
+              <a:lstStyle/>
+              <a:p>
+                <a:pPr/>
+                <a14:m>
+                  <m:oMathPara xmlns:m="http://schemas.openxmlformats.org/officeDocument/2006/math">
+                    <m:oMathParaPr>
+                      <m:jc m:val="centerGroup"/>
+                    </m:oMathParaPr>
+                    <m:oMath xmlns:m="http://schemas.openxmlformats.org/officeDocument/2006/math">
+                      <m:r>
+                        <a:rPr lang="en-US" sz="1600" b="0" i="1" smtClean="0">
+                          <a:latin typeface="Cambria Math" panose="02040503050406030204" pitchFamily="18" charset="0"/>
+                        </a:rPr>
+                        <m:t>𝑚</m:t>
+                      </m:r>
+                      <m:acc>
+                        <m:accPr>
+                          <m:chr m:val="⃗"/>
+                          <m:ctrlPr>
+                            <a:rPr lang="en-US" sz="1600" i="1" smtClean="0">
+                              <a:latin typeface="Cambria Math" panose="02040503050406030204" pitchFamily="18" charset="0"/>
+                            </a:rPr>
+                          </m:ctrlPr>
+                        </m:accPr>
+                        <m:e>
+                          <m:r>
+                            <a:rPr lang="en-US" sz="1600" b="0" i="1" smtClean="0">
+                              <a:latin typeface="Cambria Math" panose="02040503050406030204" pitchFamily="18" charset="0"/>
+                            </a:rPr>
+                            <m:t>𝑣</m:t>
+                          </m:r>
+                        </m:e>
+                      </m:acc>
+                    </m:oMath>
+                  </m:oMathPara>
+                </a14:m>
+                <a:endParaRPr lang="en-US" sz="1600" dirty="0"/>
+              </a:p>
+            </p:txBody>
+          </p:sp>
+        </mc:Choice>
+        <mc:Fallback>
+          <p:sp>
+            <p:nvSpPr>
+              <p:cNvPr id="72" name="TextBox 71">
+                <a:extLst>
+                  <a:ext uri="{FF2B5EF4-FFF2-40B4-BE49-F238E27FC236}">
+                    <a16:creationId xmlns:a16="http://schemas.microsoft.com/office/drawing/2014/main" id="{CDE4F9CB-7161-90A0-9AC7-7065D0914B59}"/>
+                  </a:ext>
+                </a:extLst>
+              </p:cNvPr>
+              <p:cNvSpPr txBox="1">
+                <a:spLocks noRot="1" noChangeAspect="1" noMove="1" noResize="1" noEditPoints="1" noAdjustHandles="1" noChangeArrowheads="1" noChangeShapeType="1" noTextEdit="1"/>
+              </p:cNvSpPr>
+              <p:nvPr/>
+            </p:nvSpPr>
+            <p:spPr>
+              <a:xfrm>
+                <a:off x="7868629" y="2992369"/>
+                <a:ext cx="1322743" cy="246221"/>
+              </a:xfrm>
+              <a:prstGeom prst="rect">
+                <a:avLst/>
+              </a:prstGeom>
+              <a:blipFill>
+                <a:blip r:embed="rId10"/>
+                <a:stretch>
+                  <a:fillRect t="-40000" b="-2500"/>
+                </a:stretch>
+              </a:blipFill>
+            </p:spPr>
+            <p:txBody>
+              <a:bodyPr/>
+              <a:lstStyle/>
+              <a:p>
+                <a:r>
+                  <a:rPr lang="en-US">
+                    <a:noFill/>
+                  </a:rPr>
+                  <a:t> </a:t>
+                </a:r>
+              </a:p>
+            </p:txBody>
+          </p:sp>
+        </mc:Fallback>
+      </mc:AlternateContent>
+      <p:sp>
+        <p:nvSpPr>
+          <p:cNvPr id="75" name="Rectangle 69">
+            <a:extLst>
+              <a:ext uri="{FF2B5EF4-FFF2-40B4-BE49-F238E27FC236}">
+                <a16:creationId xmlns:a16="http://schemas.microsoft.com/office/drawing/2014/main" id="{A338DB2A-FA10-7A33-A42E-BAC88A18AF57}"/>
+              </a:ext>
+            </a:extLst>
+          </p:cNvPr>
+          <p:cNvSpPr/>
+          <p:nvPr/>
+        </p:nvSpPr>
+        <p:spPr>
+          <a:xfrm>
+            <a:off x="8975747" y="3208596"/>
+            <a:ext cx="215901" cy="76736"/>
+          </a:xfrm>
+          <a:custGeom>
+            <a:avLst/>
+            <a:gdLst>
+              <a:gd name="connsiteX0" fmla="*/ 0 w 495300"/>
+              <a:gd name="connsiteY0" fmla="*/ 0 h 186574"/>
+              <a:gd name="connsiteX1" fmla="*/ 495300 w 495300"/>
+              <a:gd name="connsiteY1" fmla="*/ 0 h 186574"/>
+              <a:gd name="connsiteX2" fmla="*/ 495300 w 495300"/>
+              <a:gd name="connsiteY2" fmla="*/ 186574 h 186574"/>
+              <a:gd name="connsiteX3" fmla="*/ 0 w 495300"/>
+              <a:gd name="connsiteY3" fmla="*/ 186574 h 186574"/>
+              <a:gd name="connsiteX4" fmla="*/ 0 w 495300"/>
+              <a:gd name="connsiteY4" fmla="*/ 0 h 186574"/>
+              <a:gd name="connsiteX0" fmla="*/ 0 w 495300"/>
+              <a:gd name="connsiteY0" fmla="*/ 0 h 186574"/>
+              <a:gd name="connsiteX1" fmla="*/ 342900 w 495300"/>
+              <a:gd name="connsiteY1" fmla="*/ 2117 h 186574"/>
+              <a:gd name="connsiteX2" fmla="*/ 495300 w 495300"/>
+              <a:gd name="connsiteY2" fmla="*/ 186574 h 186574"/>
+              <a:gd name="connsiteX3" fmla="*/ 0 w 495300"/>
+              <a:gd name="connsiteY3" fmla="*/ 186574 h 186574"/>
+              <a:gd name="connsiteX4" fmla="*/ 0 w 495300"/>
+              <a:gd name="connsiteY4" fmla="*/ 0 h 186574"/>
+              <a:gd name="connsiteX0" fmla="*/ 0 w 522816"/>
+              <a:gd name="connsiteY0" fmla="*/ 0 h 186574"/>
+              <a:gd name="connsiteX1" fmla="*/ 342900 w 522816"/>
+              <a:gd name="connsiteY1" fmla="*/ 2117 h 186574"/>
+              <a:gd name="connsiteX2" fmla="*/ 522816 w 522816"/>
+              <a:gd name="connsiteY2" fmla="*/ 97674 h 186574"/>
+              <a:gd name="connsiteX3" fmla="*/ 0 w 522816"/>
+              <a:gd name="connsiteY3" fmla="*/ 186574 h 186574"/>
+              <a:gd name="connsiteX4" fmla="*/ 0 w 522816"/>
+              <a:gd name="connsiteY4" fmla="*/ 0 h 186574"/>
+              <a:gd name="connsiteX0" fmla="*/ 0 w 505883"/>
+              <a:gd name="connsiteY0" fmla="*/ 0 h 186574"/>
+              <a:gd name="connsiteX1" fmla="*/ 342900 w 505883"/>
+              <a:gd name="connsiteY1" fmla="*/ 2117 h 186574"/>
+              <a:gd name="connsiteX2" fmla="*/ 505883 w 505883"/>
+              <a:gd name="connsiteY2" fmla="*/ 84974 h 186574"/>
+              <a:gd name="connsiteX3" fmla="*/ 0 w 505883"/>
+              <a:gd name="connsiteY3" fmla="*/ 186574 h 186574"/>
+              <a:gd name="connsiteX4" fmla="*/ 0 w 505883"/>
+              <a:gd name="connsiteY4" fmla="*/ 0 h 186574"/>
+              <a:gd name="connsiteX0" fmla="*/ 0 w 505883"/>
+              <a:gd name="connsiteY0" fmla="*/ 0 h 186574"/>
+              <a:gd name="connsiteX1" fmla="*/ 342900 w 505883"/>
+              <a:gd name="connsiteY1" fmla="*/ 2117 h 186574"/>
+              <a:gd name="connsiteX2" fmla="*/ 505883 w 505883"/>
+              <a:gd name="connsiteY2" fmla="*/ 84974 h 186574"/>
+              <a:gd name="connsiteX3" fmla="*/ 0 w 505883"/>
+              <a:gd name="connsiteY3" fmla="*/ 186574 h 186574"/>
+              <a:gd name="connsiteX4" fmla="*/ 0 w 505883"/>
+              <a:gd name="connsiteY4" fmla="*/ 0 h 186574"/>
+              <a:gd name="connsiteX0" fmla="*/ 0 w 524933"/>
+              <a:gd name="connsiteY0" fmla="*/ 0 h 186574"/>
+              <a:gd name="connsiteX1" fmla="*/ 342900 w 524933"/>
+              <a:gd name="connsiteY1" fmla="*/ 2117 h 186574"/>
+              <a:gd name="connsiteX2" fmla="*/ 524933 w 524933"/>
+              <a:gd name="connsiteY2" fmla="*/ 84974 h 186574"/>
+              <a:gd name="connsiteX3" fmla="*/ 0 w 524933"/>
+              <a:gd name="connsiteY3" fmla="*/ 186574 h 186574"/>
+              <a:gd name="connsiteX4" fmla="*/ 0 w 524933"/>
+              <a:gd name="connsiteY4" fmla="*/ 0 h 186574"/>
+              <a:gd name="connsiteX0" fmla="*/ 0 w 524933"/>
+              <a:gd name="connsiteY0" fmla="*/ 0 h 186574"/>
+              <a:gd name="connsiteX1" fmla="*/ 342900 w 524933"/>
+              <a:gd name="connsiteY1" fmla="*/ 2117 h 186574"/>
+              <a:gd name="connsiteX2" fmla="*/ 524933 w 524933"/>
+              <a:gd name="connsiteY2" fmla="*/ 84974 h 186574"/>
+              <a:gd name="connsiteX3" fmla="*/ 0 w 524933"/>
+              <a:gd name="connsiteY3" fmla="*/ 186574 h 186574"/>
+              <a:gd name="connsiteX4" fmla="*/ 0 w 524933"/>
+              <a:gd name="connsiteY4" fmla="*/ 0 h 186574"/>
+              <a:gd name="connsiteX0" fmla="*/ 0 w 524933"/>
+              <a:gd name="connsiteY0" fmla="*/ 0 h 186574"/>
+              <a:gd name="connsiteX1" fmla="*/ 342900 w 524933"/>
+              <a:gd name="connsiteY1" fmla="*/ 2117 h 186574"/>
+              <a:gd name="connsiteX2" fmla="*/ 524933 w 524933"/>
+              <a:gd name="connsiteY2" fmla="*/ 84974 h 186574"/>
+              <a:gd name="connsiteX3" fmla="*/ 0 w 524933"/>
+              <a:gd name="connsiteY3" fmla="*/ 186574 h 186574"/>
+              <a:gd name="connsiteX4" fmla="*/ 0 w 524933"/>
+              <a:gd name="connsiteY4" fmla="*/ 0 h 186574"/>
+            </a:gdLst>
+            <a:ahLst/>
+            <a:cxnLst>
+              <a:cxn ang="0">
+                <a:pos x="connsiteX0" y="connsiteY0"/>
+              </a:cxn>
+              <a:cxn ang="0">
+                <a:pos x="connsiteX1" y="connsiteY1"/>
+              </a:cxn>
+              <a:cxn ang="0">
+                <a:pos x="connsiteX2" y="connsiteY2"/>
+              </a:cxn>
+              <a:cxn ang="0">
+                <a:pos x="connsiteX3" y="connsiteY3"/>
+              </a:cxn>
+              <a:cxn ang="0">
+                <a:pos x="connsiteX4" y="connsiteY4"/>
+              </a:cxn>
+            </a:cxnLst>
+            <a:rect l="l" t="t" r="r" b="b"/>
+            <a:pathLst>
+              <a:path w="524933" h="186574">
+                <a:moveTo>
+                  <a:pt x="0" y="0"/>
+                </a:moveTo>
+                <a:lnTo>
+                  <a:pt x="342900" y="2117"/>
+                </a:lnTo>
+                <a:cubicBezTo>
+                  <a:pt x="522111" y="40319"/>
+                  <a:pt x="517172" y="40422"/>
+                  <a:pt x="524933" y="84974"/>
+                </a:cubicBezTo>
+                <a:cubicBezTo>
+                  <a:pt x="449438" y="222557"/>
+                  <a:pt x="168628" y="152707"/>
+                  <a:pt x="0" y="186574"/>
+                </a:cubicBezTo>
+                <a:lnTo>
+                  <a:pt x="0" y="0"/>
+                </a:lnTo>
+                <a:close/>
+              </a:path>
+            </a:pathLst>
+          </a:custGeom>
+          <a:solidFill>
+            <a:srgbClr val="7030A0">
+              <a:alpha val="27000"/>
+            </a:srgbClr>
+          </a:solidFill>
+          <a:ln w="6350">
+            <a:prstDash val="dash"/>
+          </a:ln>
+        </p:spPr>
+        <p:style>
+          <a:lnRef idx="2">
+            <a:schemeClr val="accent1">
+              <a:shade val="15000"/>
+            </a:schemeClr>
+          </a:lnRef>
+          <a:fillRef idx="1">
+            <a:schemeClr val="accent1"/>
+          </a:fillRef>
+          <a:effectRef idx="0">
+            <a:schemeClr val="accent1"/>
+          </a:effectRef>
+          <a:fontRef idx="minor">
+            <a:schemeClr val="lt1"/>
+          </a:fontRef>
+        </p:style>
+        <p:txBody>
+          <a:bodyPr rtlCol="0" anchor="ctr"/>
+          <a:lstStyle/>
+          <a:p>
+            <a:pPr algn="ctr"/>
+            <a:endParaRPr lang="en-US"/>
+          </a:p>
+        </p:txBody>
+      </p:sp>
+      <p:cxnSp>
+        <p:nvCxnSpPr>
+          <p:cNvPr id="76" name="Straight Arrow Connector 75">
+            <a:extLst>
+              <a:ext uri="{FF2B5EF4-FFF2-40B4-BE49-F238E27FC236}">
+                <a16:creationId xmlns:a16="http://schemas.microsoft.com/office/drawing/2014/main" id="{31833968-1179-82D8-2842-AD4EB29349A3}"/>
+              </a:ext>
+            </a:extLst>
+          </p:cNvPr>
+          <p:cNvCxnSpPr>
+            <a:cxnSpLocks/>
+          </p:cNvCxnSpPr>
+          <p:nvPr/>
+        </p:nvCxnSpPr>
+        <p:spPr>
+          <a:xfrm flipH="1" flipV="1">
+            <a:off x="8858178" y="3208595"/>
+            <a:ext cx="183986" cy="794"/>
+          </a:xfrm>
+          <a:prstGeom prst="straightConnector1">
+            <a:avLst/>
+          </a:prstGeom>
+          <a:ln w="6350">
+            <a:solidFill>
+              <a:schemeClr val="tx1"/>
+            </a:solidFill>
+            <a:prstDash val="dash"/>
+            <a:headEnd type="none" w="med" len="lg"/>
+            <a:tailEnd type="none" w="med" len="sm"/>
+          </a:ln>
+        </p:spPr>
+        <p:style>
+          <a:lnRef idx="1">
+            <a:schemeClr val="accent1"/>
+          </a:lnRef>
+          <a:fillRef idx="0">
+            <a:schemeClr val="accent1"/>
+          </a:fillRef>
+          <a:effectRef idx="0">
+            <a:schemeClr val="accent1"/>
+          </a:effectRef>
+          <a:fontRef idx="minor">
+            <a:schemeClr val="tx1"/>
+          </a:fontRef>
+        </p:style>
+      </p:cxnSp>
+      <p:cxnSp>
+        <p:nvCxnSpPr>
+          <p:cNvPr id="81" name="Straight Arrow Connector 80">
+            <a:extLst>
+              <a:ext uri="{FF2B5EF4-FFF2-40B4-BE49-F238E27FC236}">
+                <a16:creationId xmlns:a16="http://schemas.microsoft.com/office/drawing/2014/main" id="{835538DC-FBAA-0D93-9514-62FEBFBD1C7D}"/>
+              </a:ext>
+            </a:extLst>
+          </p:cNvPr>
+          <p:cNvCxnSpPr>
+            <a:cxnSpLocks/>
+          </p:cNvCxnSpPr>
+          <p:nvPr/>
+        </p:nvCxnSpPr>
+        <p:spPr>
+          <a:xfrm flipH="1" flipV="1">
+            <a:off x="8858178" y="3281714"/>
+            <a:ext cx="176045" cy="2382"/>
+          </a:xfrm>
+          <a:prstGeom prst="straightConnector1">
+            <a:avLst/>
+          </a:prstGeom>
+          <a:ln w="6350">
+            <a:solidFill>
+              <a:schemeClr val="tx1"/>
+            </a:solidFill>
+            <a:prstDash val="dash"/>
+            <a:headEnd type="none" w="med" len="lg"/>
+            <a:tailEnd type="none" w="med" len="sm"/>
+          </a:ln>
+        </p:spPr>
+        <p:style>
+          <a:lnRef idx="1">
+            <a:schemeClr val="accent1"/>
+          </a:lnRef>
+          <a:fillRef idx="0">
+            <a:schemeClr val="accent1"/>
+          </a:fillRef>
+          <a:effectRef idx="0">
+            <a:schemeClr val="accent1"/>
+          </a:effectRef>
+          <a:fontRef idx="minor">
+            <a:schemeClr val="tx1"/>
+          </a:fontRef>
+        </p:style>
+      </p:cxnSp>
+    </p:spTree>
+    <p:extLst>
+      <p:ext uri="{BB962C8B-B14F-4D97-AF65-F5344CB8AC3E}">
+        <p14:creationId xmlns:p14="http://schemas.microsoft.com/office/powerpoint/2010/main" val="912194697"/>
       </p:ext>
     </p:extLst>
   </p:cSld>

--- a/theory/lecture-drawings.pptx
+++ b/theory/lecture-drawings.pptx
@@ -28,6 +28,8 @@
     <p:sldId id="277" r:id="rId22"/>
     <p:sldId id="278" r:id="rId23"/>
     <p:sldId id="279" r:id="rId24"/>
+    <p:sldId id="280" r:id="rId25"/>
+    <p:sldId id="281" r:id="rId26"/>
   </p:sldIdLst>
   <p:sldSz cx="12192000" cy="6858000"/>
   <p:notesSz cx="6858000" cy="9144000"/>
@@ -281,7 +283,7 @@
           <a:p>
             <a:fld id="{2FDE7089-442F-4E99-86D8-0A1D11EB158F}" type="datetimeFigureOut">
               <a:rPr lang="en-US" smtClean="0"/>
-              <a:t>9/25/2024</a:t>
+              <a:t>9/27/2024</a:t>
             </a:fld>
             <a:endParaRPr lang="en-US"/>
           </a:p>
@@ -479,7 +481,7 @@
           <a:p>
             <a:fld id="{2FDE7089-442F-4E99-86D8-0A1D11EB158F}" type="datetimeFigureOut">
               <a:rPr lang="en-US" smtClean="0"/>
-              <a:t>9/25/2024</a:t>
+              <a:t>9/27/2024</a:t>
             </a:fld>
             <a:endParaRPr lang="en-US"/>
           </a:p>
@@ -687,7 +689,7 @@
           <a:p>
             <a:fld id="{2FDE7089-442F-4E99-86D8-0A1D11EB158F}" type="datetimeFigureOut">
               <a:rPr lang="en-US" smtClean="0"/>
-              <a:t>9/25/2024</a:t>
+              <a:t>9/27/2024</a:t>
             </a:fld>
             <a:endParaRPr lang="en-US"/>
           </a:p>
@@ -885,7 +887,7 @@
           <a:p>
             <a:fld id="{2FDE7089-442F-4E99-86D8-0A1D11EB158F}" type="datetimeFigureOut">
               <a:rPr lang="en-US" smtClean="0"/>
-              <a:t>9/25/2024</a:t>
+              <a:t>9/27/2024</a:t>
             </a:fld>
             <a:endParaRPr lang="en-US"/>
           </a:p>
@@ -1160,7 +1162,7 @@
           <a:p>
             <a:fld id="{2FDE7089-442F-4E99-86D8-0A1D11EB158F}" type="datetimeFigureOut">
               <a:rPr lang="en-US" smtClean="0"/>
-              <a:t>9/25/2024</a:t>
+              <a:t>9/27/2024</a:t>
             </a:fld>
             <a:endParaRPr lang="en-US"/>
           </a:p>
@@ -1425,7 +1427,7 @@
           <a:p>
             <a:fld id="{2FDE7089-442F-4E99-86D8-0A1D11EB158F}" type="datetimeFigureOut">
               <a:rPr lang="en-US" smtClean="0"/>
-              <a:t>9/25/2024</a:t>
+              <a:t>9/27/2024</a:t>
             </a:fld>
             <a:endParaRPr lang="en-US"/>
           </a:p>
@@ -1837,7 +1839,7 @@
           <a:p>
             <a:fld id="{2FDE7089-442F-4E99-86D8-0A1D11EB158F}" type="datetimeFigureOut">
               <a:rPr lang="en-US" smtClean="0"/>
-              <a:t>9/25/2024</a:t>
+              <a:t>9/27/2024</a:t>
             </a:fld>
             <a:endParaRPr lang="en-US"/>
           </a:p>
@@ -1978,7 +1980,7 @@
           <a:p>
             <a:fld id="{2FDE7089-442F-4E99-86D8-0A1D11EB158F}" type="datetimeFigureOut">
               <a:rPr lang="en-US" smtClean="0"/>
-              <a:t>9/25/2024</a:t>
+              <a:t>9/27/2024</a:t>
             </a:fld>
             <a:endParaRPr lang="en-US"/>
           </a:p>
@@ -2091,7 +2093,7 @@
           <a:p>
             <a:fld id="{2FDE7089-442F-4E99-86D8-0A1D11EB158F}" type="datetimeFigureOut">
               <a:rPr lang="en-US" smtClean="0"/>
-              <a:t>9/25/2024</a:t>
+              <a:t>9/27/2024</a:t>
             </a:fld>
             <a:endParaRPr lang="en-US"/>
           </a:p>
@@ -2402,7 +2404,7 @@
           <a:p>
             <a:fld id="{2FDE7089-442F-4E99-86D8-0A1D11EB158F}" type="datetimeFigureOut">
               <a:rPr lang="en-US" smtClean="0"/>
-              <a:t>9/25/2024</a:t>
+              <a:t>9/27/2024</a:t>
             </a:fld>
             <a:endParaRPr lang="en-US"/>
           </a:p>
@@ -2690,7 +2692,7 @@
           <a:p>
             <a:fld id="{2FDE7089-442F-4E99-86D8-0A1D11EB158F}" type="datetimeFigureOut">
               <a:rPr lang="en-US" smtClean="0"/>
-              <a:t>9/25/2024</a:t>
+              <a:t>9/27/2024</a:t>
             </a:fld>
             <a:endParaRPr lang="en-US"/>
           </a:p>
@@ -2931,7 +2933,7 @@
           <a:p>
             <a:fld id="{2FDE7089-442F-4E99-86D8-0A1D11EB158F}" type="datetimeFigureOut">
               <a:rPr lang="en-US" smtClean="0"/>
-              <a:t>9/25/2024</a:t>
+              <a:t>9/27/2024</a:t>
             </a:fld>
             <a:endParaRPr lang="en-US"/>
           </a:p>
@@ -27252,8 +27254,8 @@
           </a:p>
         </p:txBody>
       </p:sp>
-      <mc:AlternateContent xmlns:mc="http://schemas.openxmlformats.org/markup-compatibility/2006">
-        <mc:Choice xmlns:a14="http://schemas.microsoft.com/office/drawing/2010/main" Requires="a14">
+      <mc:AlternateContent xmlns:mc="http://schemas.openxmlformats.org/markup-compatibility/2006" xmlns:a14="http://schemas.microsoft.com/office/drawing/2010/main">
+        <mc:Choice Requires="a14">
           <p:sp>
             <p:nvSpPr>
               <p:cNvPr id="12" name="TextBox 11">
@@ -27282,6 +27284,7 @@
               </a:bodyPr>
               <a:lstStyle/>
               <a:p>
+                <a:pPr/>
                 <a14:m>
                   <m:oMathPara xmlns:m="http://schemas.openxmlformats.org/officeDocument/2006/math">
                     <m:oMathParaPr>
@@ -27302,7 +27305,7 @@
             </p:txBody>
           </p:sp>
         </mc:Choice>
-        <mc:Fallback>
+        <mc:Fallback xmlns="">
           <p:sp>
             <p:nvSpPr>
               <p:cNvPr id="12" name="TextBox 11">
@@ -27347,8 +27350,8 @@
           </p:sp>
         </mc:Fallback>
       </mc:AlternateContent>
-      <mc:AlternateContent xmlns:mc="http://schemas.openxmlformats.org/markup-compatibility/2006">
-        <mc:Choice xmlns:a14="http://schemas.microsoft.com/office/drawing/2010/main" Requires="a14">
+      <mc:AlternateContent xmlns:mc="http://schemas.openxmlformats.org/markup-compatibility/2006" xmlns:a14="http://schemas.microsoft.com/office/drawing/2010/main">
+        <mc:Choice Requires="a14">
           <p:sp>
             <p:nvSpPr>
               <p:cNvPr id="13" name="TextBox 12">
@@ -27377,6 +27380,7 @@
               </a:bodyPr>
               <a:lstStyle/>
               <a:p>
+                <a:pPr/>
                 <a14:m>
                   <m:oMathPara xmlns:m="http://schemas.openxmlformats.org/officeDocument/2006/math">
                     <m:oMathParaPr>
@@ -27397,7 +27401,7 @@
             </p:txBody>
           </p:sp>
         </mc:Choice>
-        <mc:Fallback>
+        <mc:Fallback xmlns="">
           <p:sp>
             <p:nvSpPr>
               <p:cNvPr id="13" name="TextBox 12">
@@ -27442,8 +27446,8 @@
           </p:sp>
         </mc:Fallback>
       </mc:AlternateContent>
-      <mc:AlternateContent xmlns:mc="http://schemas.openxmlformats.org/markup-compatibility/2006">
-        <mc:Choice xmlns:a14="http://schemas.microsoft.com/office/drawing/2010/main" Requires="a14">
+      <mc:AlternateContent xmlns:mc="http://schemas.openxmlformats.org/markup-compatibility/2006" xmlns:a14="http://schemas.microsoft.com/office/drawing/2010/main">
+        <mc:Choice Requires="a14">
           <p:sp>
             <p:nvSpPr>
               <p:cNvPr id="14" name="TextBox 13">
@@ -27472,6 +27476,7 @@
               </a:bodyPr>
               <a:lstStyle/>
               <a:p>
+                <a:pPr/>
                 <a14:m>
                   <m:oMathPara xmlns:m="http://schemas.openxmlformats.org/officeDocument/2006/math">
                     <m:oMathParaPr>
@@ -27492,7 +27497,7 @@
             </p:txBody>
           </p:sp>
         </mc:Choice>
-        <mc:Fallback>
+        <mc:Fallback xmlns="">
           <p:sp>
             <p:nvSpPr>
               <p:cNvPr id="14" name="TextBox 13">
@@ -27963,8 +27968,8 @@
           </a:fontRef>
         </p:style>
       </p:cxnSp>
-      <mc:AlternateContent xmlns:mc="http://schemas.openxmlformats.org/markup-compatibility/2006">
-        <mc:Choice xmlns:a14="http://schemas.microsoft.com/office/drawing/2010/main" Requires="a14">
+      <mc:AlternateContent xmlns:mc="http://schemas.openxmlformats.org/markup-compatibility/2006" xmlns:a14="http://schemas.microsoft.com/office/drawing/2010/main">
+        <mc:Choice Requires="a14">
           <p:sp>
             <p:nvSpPr>
               <p:cNvPr id="53" name="TextBox 52">
@@ -28032,7 +28037,7 @@
             </p:txBody>
           </p:sp>
         </mc:Choice>
-        <mc:Fallback>
+        <mc:Fallback xmlns="">
           <p:sp>
             <p:nvSpPr>
               <p:cNvPr id="53" name="TextBox 52">
@@ -28123,8 +28128,8 @@
           </a:fontRef>
         </p:style>
       </p:cxnSp>
-      <mc:AlternateContent xmlns:mc="http://schemas.openxmlformats.org/markup-compatibility/2006">
-        <mc:Choice xmlns:a14="http://schemas.microsoft.com/office/drawing/2010/main" Requires="a14">
+      <mc:AlternateContent xmlns:mc="http://schemas.openxmlformats.org/markup-compatibility/2006" xmlns:a14="http://schemas.microsoft.com/office/drawing/2010/main">
+        <mc:Choice Requires="a14">
           <p:sp>
             <p:nvSpPr>
               <p:cNvPr id="55" name="TextBox 54">
@@ -28192,7 +28197,7 @@
             </p:txBody>
           </p:sp>
         </mc:Choice>
-        <mc:Fallback>
+        <mc:Fallback xmlns="">
           <p:sp>
             <p:nvSpPr>
               <p:cNvPr id="55" name="TextBox 54">
@@ -28237,8 +28242,8 @@
           </p:sp>
         </mc:Fallback>
       </mc:AlternateContent>
-      <mc:AlternateContent xmlns:mc="http://schemas.openxmlformats.org/markup-compatibility/2006">
-        <mc:Choice xmlns:a14="http://schemas.microsoft.com/office/drawing/2010/main" Requires="a14">
+      <mc:AlternateContent xmlns:mc="http://schemas.openxmlformats.org/markup-compatibility/2006" xmlns:a14="http://schemas.microsoft.com/office/drawing/2010/main">
+        <mc:Choice Requires="a14">
           <p:sp>
             <p:nvSpPr>
               <p:cNvPr id="56" name="TextBox 55">
@@ -28303,7 +28308,7 @@
             </p:txBody>
           </p:sp>
         </mc:Choice>
-        <mc:Fallback>
+        <mc:Fallback xmlns="">
           <p:sp>
             <p:nvSpPr>
               <p:cNvPr id="56" name="TextBox 55">
@@ -28348,8 +28353,8 @@
           </p:sp>
         </mc:Fallback>
       </mc:AlternateContent>
-      <mc:AlternateContent xmlns:mc="http://schemas.openxmlformats.org/markup-compatibility/2006">
-        <mc:Choice xmlns:a14="http://schemas.microsoft.com/office/drawing/2010/main" Requires="a14">
+      <mc:AlternateContent xmlns:mc="http://schemas.openxmlformats.org/markup-compatibility/2006" xmlns:a14="http://schemas.microsoft.com/office/drawing/2010/main">
+        <mc:Choice Requires="a14">
           <p:sp>
             <p:nvSpPr>
               <p:cNvPr id="58" name="TextBox 57">
@@ -28414,7 +28419,7 @@
             </p:txBody>
           </p:sp>
         </mc:Choice>
-        <mc:Fallback>
+        <mc:Fallback xmlns="">
           <p:sp>
             <p:nvSpPr>
               <p:cNvPr id="58" name="TextBox 57">
@@ -28618,8 +28623,8 @@
           </a:p>
         </p:txBody>
       </p:sp>
-      <mc:AlternateContent xmlns:mc="http://schemas.openxmlformats.org/markup-compatibility/2006">
-        <mc:Choice xmlns:a14="http://schemas.microsoft.com/office/drawing/2010/main" Requires="a14">
+      <mc:AlternateContent xmlns:mc="http://schemas.openxmlformats.org/markup-compatibility/2006" xmlns:a14="http://schemas.microsoft.com/office/drawing/2010/main">
+        <mc:Choice Requires="a14">
           <p:sp>
             <p:nvSpPr>
               <p:cNvPr id="65" name="TextBox 64">
@@ -28684,7 +28689,7 @@
             </p:txBody>
           </p:sp>
         </mc:Choice>
-        <mc:Fallback>
+        <mc:Fallback xmlns="">
           <p:sp>
             <p:nvSpPr>
               <p:cNvPr id="65" name="TextBox 64">
@@ -28995,8 +29000,8 @@
           </a:fontRef>
         </p:style>
       </p:cxnSp>
-      <mc:AlternateContent xmlns:mc="http://schemas.openxmlformats.org/markup-compatibility/2006">
-        <mc:Choice xmlns:a14="http://schemas.microsoft.com/office/drawing/2010/main" Requires="a14">
+      <mc:AlternateContent xmlns:mc="http://schemas.openxmlformats.org/markup-compatibility/2006" xmlns:a14="http://schemas.microsoft.com/office/drawing/2010/main">
+        <mc:Choice Requires="a14">
           <p:sp>
             <p:nvSpPr>
               <p:cNvPr id="72" name="TextBox 71">
@@ -29064,7 +29069,7 @@
             </p:txBody>
           </p:sp>
         </mc:Choice>
-        <mc:Fallback>
+        <mc:Fallback xmlns="">
           <p:sp>
             <p:nvSpPr>
               <p:cNvPr id="72" name="TextBox 71">
@@ -29384,6 +29389,3939 @@
     <p:extLst>
       <p:ext uri="{BB962C8B-B14F-4D97-AF65-F5344CB8AC3E}">
         <p14:creationId xmlns:p14="http://schemas.microsoft.com/office/powerpoint/2010/main" val="912194697"/>
+      </p:ext>
+    </p:extLst>
+  </p:cSld>
+  <p:clrMapOvr>
+    <a:masterClrMapping/>
+  </p:clrMapOvr>
+</p:sld>
+</file>
+
+<file path=ppt/slides/slide24.xml><?xml version="1.0" encoding="utf-8"?>
+<p:sld xmlns:a="http://schemas.openxmlformats.org/drawingml/2006/main" xmlns:r="http://schemas.openxmlformats.org/officeDocument/2006/relationships" xmlns:p="http://schemas.openxmlformats.org/presentationml/2006/main">
+  <p:cSld>
+    <p:spTree>
+      <p:nvGrpSpPr>
+        <p:cNvPr id="1" name=""/>
+        <p:cNvGrpSpPr/>
+        <p:nvPr/>
+      </p:nvGrpSpPr>
+      <p:grpSpPr>
+        <a:xfrm>
+          <a:off x="0" y="0"/>
+          <a:ext cx="0" cy="0"/>
+          <a:chOff x="0" y="0"/>
+          <a:chExt cx="0" cy="0"/>
+        </a:xfrm>
+      </p:grpSpPr>
+      <p:sp>
+        <p:nvSpPr>
+          <p:cNvPr id="3" name="Oval 2">
+            <a:extLst>
+              <a:ext uri="{FF2B5EF4-FFF2-40B4-BE49-F238E27FC236}">
+                <a16:creationId xmlns:a16="http://schemas.microsoft.com/office/drawing/2014/main" id="{3212D5D3-6C52-479C-8639-AF26E830764B}"/>
+              </a:ext>
+            </a:extLst>
+          </p:cNvPr>
+          <p:cNvSpPr/>
+          <p:nvPr/>
+        </p:nvSpPr>
+        <p:spPr>
+          <a:xfrm>
+            <a:off x="5742622" y="1796514"/>
+            <a:ext cx="70183" cy="66067"/>
+          </a:xfrm>
+          <a:prstGeom prst="ellipse">
+            <a:avLst/>
+          </a:prstGeom>
+          <a:solidFill>
+            <a:schemeClr val="tx1"/>
+          </a:solidFill>
+          <a:ln>
+            <a:noFill/>
+          </a:ln>
+        </p:spPr>
+        <p:style>
+          <a:lnRef idx="2">
+            <a:schemeClr val="accent1">
+              <a:shade val="15000"/>
+            </a:schemeClr>
+          </a:lnRef>
+          <a:fillRef idx="1">
+            <a:schemeClr val="accent1"/>
+          </a:fillRef>
+          <a:effectRef idx="0">
+            <a:schemeClr val="accent1"/>
+          </a:effectRef>
+          <a:fontRef idx="minor">
+            <a:schemeClr val="lt1"/>
+          </a:fontRef>
+        </p:style>
+        <p:txBody>
+          <a:bodyPr rtlCol="0" anchor="ctr"/>
+          <a:lstStyle/>
+          <a:p>
+            <a:pPr algn="ctr"/>
+            <a:endParaRPr lang="en-US"/>
+          </a:p>
+        </p:txBody>
+      </p:sp>
+      <p:grpSp>
+        <p:nvGrpSpPr>
+          <p:cNvPr id="5" name="Group 4">
+            <a:extLst>
+              <a:ext uri="{FF2B5EF4-FFF2-40B4-BE49-F238E27FC236}">
+                <a16:creationId xmlns:a16="http://schemas.microsoft.com/office/drawing/2014/main" id="{2FA9EAEE-C374-5482-8E61-80AFCA3FAE89}"/>
+              </a:ext>
+            </a:extLst>
+          </p:cNvPr>
+          <p:cNvGrpSpPr/>
+          <p:nvPr/>
+        </p:nvGrpSpPr>
+        <p:grpSpPr>
+          <a:xfrm rot="17006950">
+            <a:off x="4867982" y="906574"/>
+            <a:ext cx="1851237" cy="1980507"/>
+            <a:chOff x="5393276" y="3052210"/>
+            <a:chExt cx="1851237" cy="1980507"/>
+          </a:xfrm>
+        </p:grpSpPr>
+        <p:grpSp>
+          <p:nvGrpSpPr>
+            <p:cNvPr id="6" name="Group 5">
+              <a:extLst>
+                <a:ext uri="{FF2B5EF4-FFF2-40B4-BE49-F238E27FC236}">
+                  <a16:creationId xmlns:a16="http://schemas.microsoft.com/office/drawing/2014/main" id="{8D53BECB-3DA0-44FE-0E6B-0946C63C321C}"/>
+                </a:ext>
+              </a:extLst>
+            </p:cNvPr>
+            <p:cNvGrpSpPr/>
+            <p:nvPr/>
+          </p:nvGrpSpPr>
+          <p:grpSpPr>
+            <a:xfrm rot="783338">
+              <a:off x="5393276" y="3052210"/>
+              <a:ext cx="1851237" cy="1980507"/>
+              <a:chOff x="5393276" y="3052210"/>
+              <a:chExt cx="1851237" cy="1980507"/>
+            </a:xfrm>
+          </p:grpSpPr>
+          <p:grpSp>
+            <p:nvGrpSpPr>
+              <p:cNvPr id="8" name="Group 7">
+                <a:extLst>
+                  <a:ext uri="{FF2B5EF4-FFF2-40B4-BE49-F238E27FC236}">
+                    <a16:creationId xmlns:a16="http://schemas.microsoft.com/office/drawing/2014/main" id="{5AF350E9-19A6-3897-4093-4179A72DE46E}"/>
+                  </a:ext>
+                </a:extLst>
+              </p:cNvPr>
+              <p:cNvGrpSpPr/>
+              <p:nvPr/>
+            </p:nvGrpSpPr>
+            <p:grpSpPr>
+              <a:xfrm rot="300842">
+                <a:off x="5393276" y="3052210"/>
+                <a:ext cx="1851237" cy="1980507"/>
+                <a:chOff x="5393276" y="3052210"/>
+                <a:chExt cx="1851237" cy="1980507"/>
+              </a:xfrm>
+            </p:grpSpPr>
+            <p:grpSp>
+              <p:nvGrpSpPr>
+                <p:cNvPr id="10" name="Group 9">
+                  <a:extLst>
+                    <a:ext uri="{FF2B5EF4-FFF2-40B4-BE49-F238E27FC236}">
+                      <a16:creationId xmlns:a16="http://schemas.microsoft.com/office/drawing/2014/main" id="{40C79852-00DE-B525-A3A0-1D1DC4C27F7A}"/>
+                    </a:ext>
+                  </a:extLst>
+                </p:cNvPr>
+                <p:cNvGrpSpPr/>
+                <p:nvPr/>
+              </p:nvGrpSpPr>
+              <p:grpSpPr>
+                <a:xfrm rot="699529">
+                  <a:off x="5393276" y="3052210"/>
+                  <a:ext cx="1851237" cy="1955246"/>
+                  <a:chOff x="5395000" y="3052297"/>
+                  <a:chExt cx="1851237" cy="1955246"/>
+                </a:xfrm>
+              </p:grpSpPr>
+              <p:grpSp>
+                <p:nvGrpSpPr>
+                  <p:cNvPr id="12" name="Group 11">
+                    <a:extLst>
+                      <a:ext uri="{FF2B5EF4-FFF2-40B4-BE49-F238E27FC236}">
+                        <a16:creationId xmlns:a16="http://schemas.microsoft.com/office/drawing/2014/main" id="{CCF6FBB6-38A2-4C22-6B6D-FDF39E658FF4}"/>
+                      </a:ext>
+                    </a:extLst>
+                  </p:cNvPr>
+                  <p:cNvGrpSpPr/>
+                  <p:nvPr/>
+                </p:nvGrpSpPr>
+                <p:grpSpPr>
+                  <a:xfrm rot="320053">
+                    <a:off x="5395000" y="3052297"/>
+                    <a:ext cx="1851237" cy="1928959"/>
+                    <a:chOff x="5394565" y="3052277"/>
+                    <a:chExt cx="1851237" cy="1928959"/>
+                  </a:xfrm>
+                </p:grpSpPr>
+                <p:grpSp>
+                  <p:nvGrpSpPr>
+                    <p:cNvPr id="14" name="Group 13">
+                      <a:extLst>
+                        <a:ext uri="{FF2B5EF4-FFF2-40B4-BE49-F238E27FC236}">
+                          <a16:creationId xmlns:a16="http://schemas.microsoft.com/office/drawing/2014/main" id="{18867AAE-87D6-34D9-2797-180B81181C56}"/>
+                        </a:ext>
+                      </a:extLst>
+                    </p:cNvPr>
+                    <p:cNvGrpSpPr/>
+                    <p:nvPr/>
+                  </p:nvGrpSpPr>
+                  <p:grpSpPr>
+                    <a:xfrm rot="1277091">
+                      <a:off x="5394565" y="3052277"/>
+                      <a:ext cx="1851237" cy="1928959"/>
+                      <a:chOff x="5394565" y="3052277"/>
+                      <a:chExt cx="1851237" cy="1928959"/>
+                    </a:xfrm>
+                  </p:grpSpPr>
+                  <p:grpSp>
+                    <p:nvGrpSpPr>
+                      <p:cNvPr id="16" name="Group 15">
+                        <a:extLst>
+                          <a:ext uri="{FF2B5EF4-FFF2-40B4-BE49-F238E27FC236}">
+                            <a16:creationId xmlns:a16="http://schemas.microsoft.com/office/drawing/2014/main" id="{D36FA588-6CEC-9E49-40BF-3627559468A7}"/>
+                          </a:ext>
+                        </a:extLst>
+                      </p:cNvPr>
+                      <p:cNvGrpSpPr/>
+                      <p:nvPr/>
+                    </p:nvGrpSpPr>
+                    <p:grpSpPr>
+                      <a:xfrm rot="413313">
+                        <a:off x="5394565" y="3052277"/>
+                        <a:ext cx="1851237" cy="1928959"/>
+                        <a:chOff x="5394565" y="3052277"/>
+                        <a:chExt cx="1851237" cy="1928959"/>
+                      </a:xfrm>
+                    </p:grpSpPr>
+                    <p:grpSp>
+                      <p:nvGrpSpPr>
+                        <p:cNvPr id="18" name="Group 17">
+                          <a:extLst>
+                            <a:ext uri="{FF2B5EF4-FFF2-40B4-BE49-F238E27FC236}">
+                              <a16:creationId xmlns:a16="http://schemas.microsoft.com/office/drawing/2014/main" id="{514F5CCA-147C-4BA1-F68D-21262DCB4758}"/>
+                            </a:ext>
+                          </a:extLst>
+                        </p:cNvPr>
+                        <p:cNvGrpSpPr/>
+                        <p:nvPr/>
+                      </p:nvGrpSpPr>
+                      <p:grpSpPr>
+                        <a:xfrm rot="582989">
+                          <a:off x="5394565" y="3052277"/>
+                          <a:ext cx="1851237" cy="1926123"/>
+                          <a:chOff x="5394565" y="3052277"/>
+                          <a:chExt cx="1851237" cy="1926123"/>
+                        </a:xfrm>
+                      </p:grpSpPr>
+                      <p:sp>
+                        <p:nvSpPr>
+                          <p:cNvPr id="20" name="Oval 19">
+                            <a:extLst>
+                              <a:ext uri="{FF2B5EF4-FFF2-40B4-BE49-F238E27FC236}">
+                                <a16:creationId xmlns:a16="http://schemas.microsoft.com/office/drawing/2014/main" id="{CBC62BFA-9F81-0E8E-72C5-DEFDE6D2D43D}"/>
+                              </a:ext>
+                            </a:extLst>
+                          </p:cNvPr>
+                          <p:cNvSpPr/>
+                          <p:nvPr/>
+                        </p:nvSpPr>
+                        <p:spPr>
+                          <a:xfrm>
+                            <a:off x="5394565" y="3052277"/>
+                            <a:ext cx="1851237" cy="1851237"/>
+                          </a:xfrm>
+                          <a:prstGeom prst="ellipse">
+                            <a:avLst/>
+                          </a:prstGeom>
+                          <a:noFill/>
+                        </p:spPr>
+                        <p:style>
+                          <a:lnRef idx="2">
+                            <a:schemeClr val="accent1">
+                              <a:shade val="15000"/>
+                            </a:schemeClr>
+                          </a:lnRef>
+                          <a:fillRef idx="1">
+                            <a:schemeClr val="accent1"/>
+                          </a:fillRef>
+                          <a:effectRef idx="0">
+                            <a:schemeClr val="accent1"/>
+                          </a:effectRef>
+                          <a:fontRef idx="minor">
+                            <a:schemeClr val="lt1"/>
+                          </a:fontRef>
+                        </p:style>
+                        <p:txBody>
+                          <a:bodyPr rtlCol="0" anchor="ctr"/>
+                          <a:lstStyle/>
+                          <a:p>
+                            <a:pPr algn="ctr"/>
+                            <a:endParaRPr lang="en-US"/>
+                          </a:p>
+                        </p:txBody>
+                      </p:sp>
+                      <p:cxnSp>
+                        <p:nvCxnSpPr>
+                          <p:cNvPr id="21" name="Straight Arrow Connector 20">
+                            <a:extLst>
+                              <a:ext uri="{FF2B5EF4-FFF2-40B4-BE49-F238E27FC236}">
+                                <a16:creationId xmlns:a16="http://schemas.microsoft.com/office/drawing/2014/main" id="{B9A18AA0-4A62-C01F-9B50-E663F1292AE2}"/>
+                              </a:ext>
+                            </a:extLst>
+                          </p:cNvPr>
+                          <p:cNvCxnSpPr>
+                            <a:cxnSpLocks/>
+                          </p:cNvCxnSpPr>
+                          <p:nvPr/>
+                        </p:nvCxnSpPr>
+                        <p:spPr>
+                          <a:xfrm>
+                            <a:off x="6302772" y="4830063"/>
+                            <a:ext cx="0" cy="148337"/>
+                          </a:xfrm>
+                          <a:prstGeom prst="straightConnector1">
+                            <a:avLst/>
+                          </a:prstGeom>
+                          <a:ln w="22225">
+                            <a:solidFill>
+                              <a:schemeClr val="tx1"/>
+                            </a:solidFill>
+                            <a:tailEnd type="none" w="med" len="lg"/>
+                          </a:ln>
+                        </p:spPr>
+                        <p:style>
+                          <a:lnRef idx="2">
+                            <a:schemeClr val="accent1"/>
+                          </a:lnRef>
+                          <a:fillRef idx="0">
+                            <a:schemeClr val="accent1"/>
+                          </a:fillRef>
+                          <a:effectRef idx="1">
+                            <a:schemeClr val="accent1"/>
+                          </a:effectRef>
+                          <a:fontRef idx="minor">
+                            <a:schemeClr val="tx1"/>
+                          </a:fontRef>
+                        </p:style>
+                      </p:cxnSp>
+                    </p:grpSp>
+                    <p:cxnSp>
+                      <p:nvCxnSpPr>
+                        <p:cNvPr id="19" name="Straight Arrow Connector 18">
+                          <a:extLst>
+                            <a:ext uri="{FF2B5EF4-FFF2-40B4-BE49-F238E27FC236}">
+                              <a16:creationId xmlns:a16="http://schemas.microsoft.com/office/drawing/2014/main" id="{3C1DF725-E5F0-B4CE-3AC9-AFA35CC079F7}"/>
+                            </a:ext>
+                          </a:extLst>
+                        </p:cNvPr>
+                        <p:cNvCxnSpPr>
+                          <a:cxnSpLocks/>
+                        </p:cNvCxnSpPr>
+                        <p:nvPr/>
+                      </p:nvCxnSpPr>
+                      <p:spPr>
+                        <a:xfrm>
+                          <a:off x="6372622" y="4832899"/>
+                          <a:ext cx="0" cy="148337"/>
+                        </a:xfrm>
+                        <a:prstGeom prst="straightConnector1">
+                          <a:avLst/>
+                        </a:prstGeom>
+                        <a:ln w="22225">
+                          <a:solidFill>
+                            <a:schemeClr val="tx1"/>
+                          </a:solidFill>
+                          <a:tailEnd type="none" w="med" len="lg"/>
+                        </a:ln>
+                      </p:spPr>
+                      <p:style>
+                        <a:lnRef idx="2">
+                          <a:schemeClr val="accent1"/>
+                        </a:lnRef>
+                        <a:fillRef idx="0">
+                          <a:schemeClr val="accent1"/>
+                        </a:fillRef>
+                        <a:effectRef idx="1">
+                          <a:schemeClr val="accent1"/>
+                        </a:effectRef>
+                        <a:fontRef idx="minor">
+                          <a:schemeClr val="tx1"/>
+                        </a:fontRef>
+                      </p:style>
+                    </p:cxnSp>
+                  </p:grpSp>
+                  <p:cxnSp>
+                    <p:nvCxnSpPr>
+                      <p:cNvPr id="17" name="Straight Arrow Connector 16">
+                        <a:extLst>
+                          <a:ext uri="{FF2B5EF4-FFF2-40B4-BE49-F238E27FC236}">
+                            <a16:creationId xmlns:a16="http://schemas.microsoft.com/office/drawing/2014/main" id="{A158966E-E955-34C4-6FA2-D3985D16EAD9}"/>
+                          </a:ext>
+                        </a:extLst>
+                      </p:cNvPr>
+                      <p:cNvCxnSpPr>
+                        <a:cxnSpLocks/>
+                      </p:cNvCxnSpPr>
+                      <p:nvPr/>
+                    </p:nvCxnSpPr>
+                    <p:spPr>
+                      <a:xfrm>
+                        <a:off x="6446705" y="4831924"/>
+                        <a:ext cx="0" cy="148337"/>
+                      </a:xfrm>
+                      <a:prstGeom prst="straightConnector1">
+                        <a:avLst/>
+                      </a:prstGeom>
+                      <a:ln w="22225">
+                        <a:solidFill>
+                          <a:schemeClr val="tx1"/>
+                        </a:solidFill>
+                        <a:tailEnd type="none" w="med" len="lg"/>
+                      </a:ln>
+                    </p:spPr>
+                    <p:style>
+                      <a:lnRef idx="2">
+                        <a:schemeClr val="accent1"/>
+                      </a:lnRef>
+                      <a:fillRef idx="0">
+                        <a:schemeClr val="accent1"/>
+                      </a:fillRef>
+                      <a:effectRef idx="1">
+                        <a:schemeClr val="accent1"/>
+                      </a:effectRef>
+                      <a:fontRef idx="minor">
+                        <a:schemeClr val="tx1"/>
+                      </a:fontRef>
+                    </p:style>
+                  </p:cxnSp>
+                </p:grpSp>
+                <p:cxnSp>
+                  <p:nvCxnSpPr>
+                    <p:cNvPr id="15" name="Straight Arrow Connector 14">
+                      <a:extLst>
+                        <a:ext uri="{FF2B5EF4-FFF2-40B4-BE49-F238E27FC236}">
+                          <a16:creationId xmlns:a16="http://schemas.microsoft.com/office/drawing/2014/main" id="{331FEB9B-BE5A-B621-B748-54002BA46D74}"/>
+                        </a:ext>
+                      </a:extLst>
+                    </p:cNvPr>
+                    <p:cNvCxnSpPr>
+                      <a:cxnSpLocks/>
+                    </p:cNvCxnSpPr>
+                    <p:nvPr/>
+                  </p:nvCxnSpPr>
+                  <p:spPr>
+                    <a:xfrm rot="20580418" flipH="1">
+                      <a:off x="6216757" y="4848642"/>
+                      <a:ext cx="62135" cy="123257"/>
+                    </a:xfrm>
+                    <a:prstGeom prst="straightConnector1">
+                      <a:avLst/>
+                    </a:prstGeom>
+                    <a:ln w="22225">
+                      <a:solidFill>
+                        <a:schemeClr val="tx1"/>
+                      </a:solidFill>
+                      <a:tailEnd type="none" w="med" len="lg"/>
+                    </a:ln>
+                  </p:spPr>
+                  <p:style>
+                    <a:lnRef idx="2">
+                      <a:schemeClr val="accent1"/>
+                    </a:lnRef>
+                    <a:fillRef idx="0">
+                      <a:schemeClr val="accent1"/>
+                    </a:fillRef>
+                    <a:effectRef idx="1">
+                      <a:schemeClr val="accent1"/>
+                    </a:effectRef>
+                    <a:fontRef idx="minor">
+                      <a:schemeClr val="tx1"/>
+                    </a:fontRef>
+                  </p:style>
+                </p:cxnSp>
+              </p:grpSp>
+              <p:cxnSp>
+                <p:nvCxnSpPr>
+                  <p:cNvPr id="13" name="Straight Arrow Connector 12">
+                    <a:extLst>
+                      <a:ext uri="{FF2B5EF4-FFF2-40B4-BE49-F238E27FC236}">
+                        <a16:creationId xmlns:a16="http://schemas.microsoft.com/office/drawing/2014/main" id="{8174FEE3-8FB8-967B-D368-67E08FFAA4BC}"/>
+                      </a:ext>
+                    </a:extLst>
+                  </p:cNvPr>
+                  <p:cNvCxnSpPr>
+                    <a:cxnSpLocks/>
+                  </p:cNvCxnSpPr>
+                  <p:nvPr/>
+                </p:nvCxnSpPr>
+                <p:spPr>
+                  <a:xfrm>
+                    <a:off x="6307246" y="4859206"/>
+                    <a:ext cx="0" cy="148337"/>
+                  </a:xfrm>
+                  <a:prstGeom prst="straightConnector1">
+                    <a:avLst/>
+                  </a:prstGeom>
+                  <a:ln w="22225">
+                    <a:solidFill>
+                      <a:schemeClr val="tx1"/>
+                    </a:solidFill>
+                    <a:tailEnd type="none" w="med" len="lg"/>
+                  </a:ln>
+                </p:spPr>
+                <p:style>
+                  <a:lnRef idx="2">
+                    <a:schemeClr val="accent1"/>
+                  </a:lnRef>
+                  <a:fillRef idx="0">
+                    <a:schemeClr val="accent1"/>
+                  </a:fillRef>
+                  <a:effectRef idx="1">
+                    <a:schemeClr val="accent1"/>
+                  </a:effectRef>
+                  <a:fontRef idx="minor">
+                    <a:schemeClr val="tx1"/>
+                  </a:fontRef>
+                </p:style>
+              </p:cxnSp>
+            </p:grpSp>
+            <p:cxnSp>
+              <p:nvCxnSpPr>
+                <p:cNvPr id="11" name="Straight Arrow Connector 10">
+                  <a:extLst>
+                    <a:ext uri="{FF2B5EF4-FFF2-40B4-BE49-F238E27FC236}">
+                      <a16:creationId xmlns:a16="http://schemas.microsoft.com/office/drawing/2014/main" id="{927C89D5-7784-034E-2FA0-1157DE5C828E}"/>
+                    </a:ext>
+                  </a:extLst>
+                </p:cNvPr>
+                <p:cNvCxnSpPr>
+                  <a:cxnSpLocks/>
+                </p:cNvCxnSpPr>
+                <p:nvPr/>
+              </p:nvCxnSpPr>
+              <p:spPr>
+                <a:xfrm>
+                  <a:off x="6280547" y="4884380"/>
+                  <a:ext cx="0" cy="148337"/>
+                </a:xfrm>
+                <a:prstGeom prst="straightConnector1">
+                  <a:avLst/>
+                </a:prstGeom>
+                <a:ln w="22225">
+                  <a:solidFill>
+                    <a:schemeClr val="tx1"/>
+                  </a:solidFill>
+                  <a:tailEnd type="none" w="med" len="lg"/>
+                </a:ln>
+              </p:spPr>
+              <p:style>
+                <a:lnRef idx="2">
+                  <a:schemeClr val="accent1"/>
+                </a:lnRef>
+                <a:fillRef idx="0">
+                  <a:schemeClr val="accent1"/>
+                </a:fillRef>
+                <a:effectRef idx="1">
+                  <a:schemeClr val="accent1"/>
+                </a:effectRef>
+                <a:fontRef idx="minor">
+                  <a:schemeClr val="tx1"/>
+                </a:fontRef>
+              </p:style>
+            </p:cxnSp>
+          </p:grpSp>
+          <p:cxnSp>
+            <p:nvCxnSpPr>
+              <p:cNvPr id="9" name="Straight Arrow Connector 8">
+                <a:extLst>
+                  <a:ext uri="{FF2B5EF4-FFF2-40B4-BE49-F238E27FC236}">
+                    <a16:creationId xmlns:a16="http://schemas.microsoft.com/office/drawing/2014/main" id="{5744E1BF-A4A4-9864-E853-491B64A6CC31}"/>
+                  </a:ext>
+                </a:extLst>
+              </p:cNvPr>
+              <p:cNvCxnSpPr>
+                <a:cxnSpLocks/>
+              </p:cNvCxnSpPr>
+              <p:nvPr/>
+            </p:nvCxnSpPr>
+            <p:spPr>
+              <a:xfrm>
+                <a:off x="6366115" y="4869685"/>
+                <a:ext cx="0" cy="148337"/>
+              </a:xfrm>
+              <a:prstGeom prst="straightConnector1">
+                <a:avLst/>
+              </a:prstGeom>
+              <a:ln w="22225">
+                <a:solidFill>
+                  <a:schemeClr val="tx1"/>
+                </a:solidFill>
+                <a:tailEnd type="none" w="med" len="lg"/>
+              </a:ln>
+            </p:spPr>
+            <p:style>
+              <a:lnRef idx="2">
+                <a:schemeClr val="accent1"/>
+              </a:lnRef>
+              <a:fillRef idx="0">
+                <a:schemeClr val="accent1"/>
+              </a:fillRef>
+              <a:effectRef idx="1">
+                <a:schemeClr val="accent1"/>
+              </a:effectRef>
+              <a:fontRef idx="minor">
+                <a:schemeClr val="tx1"/>
+              </a:fontRef>
+            </p:style>
+          </p:cxnSp>
+        </p:grpSp>
+        <p:cxnSp>
+          <p:nvCxnSpPr>
+            <p:cNvPr id="7" name="Straight Arrow Connector 6">
+              <a:extLst>
+                <a:ext uri="{FF2B5EF4-FFF2-40B4-BE49-F238E27FC236}">
+                  <a16:creationId xmlns:a16="http://schemas.microsoft.com/office/drawing/2014/main" id="{8AB62B57-051A-ED9B-5786-17164882A20A}"/>
+                </a:ext>
+              </a:extLst>
+            </p:cNvPr>
+            <p:cNvCxnSpPr>
+              <a:cxnSpLocks/>
+            </p:cNvCxnSpPr>
+            <p:nvPr/>
+          </p:nvCxnSpPr>
+          <p:spPr>
+            <a:xfrm>
+              <a:off x="6322880" y="4874630"/>
+              <a:ext cx="0" cy="148337"/>
+            </a:xfrm>
+            <a:prstGeom prst="straightConnector1">
+              <a:avLst/>
+            </a:prstGeom>
+            <a:ln w="22225">
+              <a:solidFill>
+                <a:schemeClr val="tx1"/>
+              </a:solidFill>
+              <a:tailEnd type="none" w="med" len="lg"/>
+            </a:ln>
+          </p:spPr>
+          <p:style>
+            <a:lnRef idx="2">
+              <a:schemeClr val="accent1"/>
+            </a:lnRef>
+            <a:fillRef idx="0">
+              <a:schemeClr val="accent1"/>
+            </a:fillRef>
+            <a:effectRef idx="1">
+              <a:schemeClr val="accent1"/>
+            </a:effectRef>
+            <a:fontRef idx="minor">
+              <a:schemeClr val="tx1"/>
+            </a:fontRef>
+          </p:style>
+        </p:cxnSp>
+      </p:grpSp>
+      <mc:AlternateContent xmlns:mc="http://schemas.openxmlformats.org/markup-compatibility/2006">
+        <mc:Choice xmlns:a14="http://schemas.microsoft.com/office/drawing/2010/main" Requires="a14">
+          <p:sp>
+            <p:nvSpPr>
+              <p:cNvPr id="22" name="TextBox 21">
+                <a:extLst>
+                  <a:ext uri="{FF2B5EF4-FFF2-40B4-BE49-F238E27FC236}">
+                    <a16:creationId xmlns:a16="http://schemas.microsoft.com/office/drawing/2014/main" id="{0213B6BF-CD55-6EE4-9FE7-B6A1E84A6605}"/>
+                  </a:ext>
+                </a:extLst>
+              </p:cNvPr>
+              <p:cNvSpPr txBox="1"/>
+              <p:nvPr/>
+            </p:nvSpPr>
+            <p:spPr>
+              <a:xfrm>
+                <a:off x="6640193" y="2223736"/>
+                <a:ext cx="315086" cy="276999"/>
+              </a:xfrm>
+              <a:prstGeom prst="rect">
+                <a:avLst/>
+              </a:prstGeom>
+              <a:noFill/>
+            </p:spPr>
+            <p:txBody>
+              <a:bodyPr wrap="none" lIns="0" tIns="0" rIns="0" bIns="0" rtlCol="0">
+                <a:spAutoFit/>
+              </a:bodyPr>
+              <a:lstStyle/>
+              <a:p>
+                <a:pPr/>
+                <a14:m>
+                  <m:oMathPara xmlns:m="http://schemas.openxmlformats.org/officeDocument/2006/math">
+                    <m:oMathParaPr>
+                      <m:jc m:val="centerGroup"/>
+                    </m:oMathParaPr>
+                    <m:oMath xmlns:m="http://schemas.openxmlformats.org/officeDocument/2006/math">
+                      <m:sSub>
+                        <m:sSubPr>
+                          <m:ctrlPr>
+                            <a:rPr lang="en-US" i="1" smtClean="0">
+                              <a:latin typeface="Cambria Math" panose="02040503050406030204" pitchFamily="18" charset="0"/>
+                              <a:ea typeface="Cambria Math" panose="02040503050406030204" pitchFamily="18" charset="0"/>
+                            </a:rPr>
+                          </m:ctrlPr>
+                        </m:sSubPr>
+                        <m:e>
+                          <m:r>
+                            <a:rPr lang="en-US" i="1">
+                              <a:latin typeface="Cambria Math" panose="02040503050406030204" pitchFamily="18" charset="0"/>
+                              <a:ea typeface="Cambria Math" panose="02040503050406030204" pitchFamily="18" charset="0"/>
+                            </a:rPr>
+                            <m:t>𝑚</m:t>
+                          </m:r>
+                        </m:e>
+                        <m:sub>
+                          <m:r>
+                            <a:rPr lang="en-US" b="0" i="1" smtClean="0">
+                              <a:latin typeface="Cambria Math" panose="02040503050406030204" pitchFamily="18" charset="0"/>
+                              <a:ea typeface="Cambria Math" panose="02040503050406030204" pitchFamily="18" charset="0"/>
+                            </a:rPr>
+                            <m:t>𝑖</m:t>
+                          </m:r>
+                        </m:sub>
+                      </m:sSub>
+                    </m:oMath>
+                  </m:oMathPara>
+                </a14:m>
+                <a:endParaRPr lang="en-US" dirty="0"/>
+              </a:p>
+            </p:txBody>
+          </p:sp>
+        </mc:Choice>
+        <mc:Fallback>
+          <p:sp>
+            <p:nvSpPr>
+              <p:cNvPr id="22" name="TextBox 21">
+                <a:extLst>
+                  <a:ext uri="{FF2B5EF4-FFF2-40B4-BE49-F238E27FC236}">
+                    <a16:creationId xmlns:a16="http://schemas.microsoft.com/office/drawing/2014/main" id="{0213B6BF-CD55-6EE4-9FE7-B6A1E84A6605}"/>
+                  </a:ext>
+                </a:extLst>
+              </p:cNvPr>
+              <p:cNvSpPr txBox="1">
+                <a:spLocks noRot="1" noChangeAspect="1" noMove="1" noResize="1" noEditPoints="1" noAdjustHandles="1" noChangeArrowheads="1" noChangeShapeType="1" noTextEdit="1"/>
+              </p:cNvSpPr>
+              <p:nvPr/>
+            </p:nvSpPr>
+            <p:spPr>
+              <a:xfrm>
+                <a:off x="6640193" y="2223736"/>
+                <a:ext cx="315086" cy="276999"/>
+              </a:xfrm>
+              <a:prstGeom prst="rect">
+                <a:avLst/>
+              </a:prstGeom>
+              <a:blipFill>
+                <a:blip r:embed="rId2"/>
+                <a:stretch>
+                  <a:fillRect l="-11538" r="-9615" b="-17778"/>
+                </a:stretch>
+              </a:blipFill>
+            </p:spPr>
+            <p:txBody>
+              <a:bodyPr/>
+              <a:lstStyle/>
+              <a:p>
+                <a:r>
+                  <a:rPr lang="en-US">
+                    <a:noFill/>
+                  </a:rPr>
+                  <a:t> </a:t>
+                </a:r>
+              </a:p>
+            </p:txBody>
+          </p:sp>
+        </mc:Fallback>
+      </mc:AlternateContent>
+      <p:cxnSp>
+        <p:nvCxnSpPr>
+          <p:cNvPr id="23" name="Straight Arrow Connector 22">
+            <a:extLst>
+              <a:ext uri="{FF2B5EF4-FFF2-40B4-BE49-F238E27FC236}">
+                <a16:creationId xmlns:a16="http://schemas.microsoft.com/office/drawing/2014/main" id="{1973B3B4-764D-DE91-BED9-C6F15BB7AB4A}"/>
+              </a:ext>
+            </a:extLst>
+          </p:cNvPr>
+          <p:cNvCxnSpPr>
+            <a:cxnSpLocks/>
+          </p:cNvCxnSpPr>
+          <p:nvPr/>
+        </p:nvCxnSpPr>
+        <p:spPr>
+          <a:xfrm flipV="1">
+            <a:off x="6617714" y="1736084"/>
+            <a:ext cx="174190" cy="513317"/>
+          </a:xfrm>
+          <a:prstGeom prst="straightConnector1">
+            <a:avLst/>
+          </a:prstGeom>
+          <a:ln w="25400">
+            <a:solidFill>
+              <a:schemeClr val="tx1"/>
+            </a:solidFill>
+            <a:tailEnd type="stealth" w="med" len="lg"/>
+          </a:ln>
+        </p:spPr>
+        <p:style>
+          <a:lnRef idx="2">
+            <a:schemeClr val="accent1"/>
+          </a:lnRef>
+          <a:fillRef idx="0">
+            <a:schemeClr val="accent1"/>
+          </a:fillRef>
+          <a:effectRef idx="1">
+            <a:schemeClr val="accent1"/>
+          </a:effectRef>
+          <a:fontRef idx="minor">
+            <a:schemeClr val="tx1"/>
+          </a:fontRef>
+        </p:style>
+      </p:cxnSp>
+      <mc:AlternateContent xmlns:mc="http://schemas.openxmlformats.org/markup-compatibility/2006">
+        <mc:Choice xmlns:a14="http://schemas.microsoft.com/office/drawing/2010/main" Requires="a14">
+          <p:sp>
+            <p:nvSpPr>
+              <p:cNvPr id="26" name="TextBox 25">
+                <a:extLst>
+                  <a:ext uri="{FF2B5EF4-FFF2-40B4-BE49-F238E27FC236}">
+                    <a16:creationId xmlns:a16="http://schemas.microsoft.com/office/drawing/2014/main" id="{F489F450-DAAF-C910-4B77-B29A40C7BE90}"/>
+                  </a:ext>
+                </a:extLst>
+              </p:cNvPr>
+              <p:cNvSpPr txBox="1"/>
+              <p:nvPr/>
+            </p:nvSpPr>
+            <p:spPr>
+              <a:xfrm>
+                <a:off x="6793820" y="1746359"/>
+                <a:ext cx="243913" cy="276999"/>
+              </a:xfrm>
+              <a:prstGeom prst="rect">
+                <a:avLst/>
+              </a:prstGeom>
+              <a:noFill/>
+            </p:spPr>
+            <p:txBody>
+              <a:bodyPr wrap="none" lIns="0" tIns="0" rIns="0" bIns="0" rtlCol="0">
+                <a:spAutoFit/>
+              </a:bodyPr>
+              <a:lstStyle/>
+              <a:p>
+                <a:pPr/>
+                <a14:m>
+                  <m:oMathPara xmlns:m="http://schemas.openxmlformats.org/officeDocument/2006/math">
+                    <m:oMathParaPr>
+                      <m:jc m:val="centerGroup"/>
+                    </m:oMathParaPr>
+                    <m:oMath xmlns:m="http://schemas.openxmlformats.org/officeDocument/2006/math">
+                      <m:acc>
+                        <m:accPr>
+                          <m:chr m:val="⃗"/>
+                          <m:ctrlPr>
+                            <a:rPr lang="en-US" i="1" smtClean="0">
+                              <a:latin typeface="Cambria Math" panose="02040503050406030204" pitchFamily="18" charset="0"/>
+                              <a:ea typeface="Cambria Math" panose="02040503050406030204" pitchFamily="18" charset="0"/>
+                            </a:rPr>
+                          </m:ctrlPr>
+                        </m:accPr>
+                        <m:e>
+                          <m:sSub>
+                            <m:sSubPr>
+                              <m:ctrlPr>
+                                <a:rPr lang="en-US" i="1">
+                                  <a:latin typeface="Cambria Math" panose="02040503050406030204" pitchFamily="18" charset="0"/>
+                                  <a:ea typeface="Cambria Math" panose="02040503050406030204" pitchFamily="18" charset="0"/>
+                                </a:rPr>
+                              </m:ctrlPr>
+                            </m:sSubPr>
+                            <m:e>
+                              <m:r>
+                                <a:rPr lang="en-US" i="1">
+                                  <a:latin typeface="Cambria Math" panose="02040503050406030204" pitchFamily="18" charset="0"/>
+                                  <a:ea typeface="Cambria Math" panose="02040503050406030204" pitchFamily="18" charset="0"/>
+                                </a:rPr>
+                                <m:t>𝑣</m:t>
+                              </m:r>
+                            </m:e>
+                            <m:sub>
+                              <m:r>
+                                <a:rPr lang="en-US" i="1">
+                                  <a:latin typeface="Cambria Math" panose="02040503050406030204" pitchFamily="18" charset="0"/>
+                                  <a:ea typeface="Cambria Math" panose="02040503050406030204" pitchFamily="18" charset="0"/>
+                                </a:rPr>
+                                <m:t>𝑖</m:t>
+                              </m:r>
+                            </m:sub>
+                          </m:sSub>
+                        </m:e>
+                      </m:acc>
+                    </m:oMath>
+                  </m:oMathPara>
+                </a14:m>
+                <a:endParaRPr lang="en-US" dirty="0"/>
+              </a:p>
+            </p:txBody>
+          </p:sp>
+        </mc:Choice>
+        <mc:Fallback>
+          <p:sp>
+            <p:nvSpPr>
+              <p:cNvPr id="26" name="TextBox 25">
+                <a:extLst>
+                  <a:ext uri="{FF2B5EF4-FFF2-40B4-BE49-F238E27FC236}">
+                    <a16:creationId xmlns:a16="http://schemas.microsoft.com/office/drawing/2014/main" id="{F489F450-DAAF-C910-4B77-B29A40C7BE90}"/>
+                  </a:ext>
+                </a:extLst>
+              </p:cNvPr>
+              <p:cNvSpPr txBox="1">
+                <a:spLocks noRot="1" noChangeAspect="1" noMove="1" noResize="1" noEditPoints="1" noAdjustHandles="1" noChangeArrowheads="1" noChangeShapeType="1" noTextEdit="1"/>
+              </p:cNvSpPr>
+              <p:nvPr/>
+            </p:nvSpPr>
+            <p:spPr>
+              <a:xfrm>
+                <a:off x="6793820" y="1746359"/>
+                <a:ext cx="243913" cy="276999"/>
+              </a:xfrm>
+              <a:prstGeom prst="rect">
+                <a:avLst/>
+              </a:prstGeom>
+              <a:blipFill>
+                <a:blip r:embed="rId3"/>
+                <a:stretch>
+                  <a:fillRect l="-15000" r="-12500" b="-17391"/>
+                </a:stretch>
+              </a:blipFill>
+            </p:spPr>
+            <p:txBody>
+              <a:bodyPr/>
+              <a:lstStyle/>
+              <a:p>
+                <a:r>
+                  <a:rPr lang="en-US">
+                    <a:noFill/>
+                  </a:rPr>
+                  <a:t> </a:t>
+                </a:r>
+              </a:p>
+            </p:txBody>
+          </p:sp>
+        </mc:Fallback>
+      </mc:AlternateContent>
+      <p:cxnSp>
+        <p:nvCxnSpPr>
+          <p:cNvPr id="27" name="Straight Arrow Connector 26">
+            <a:extLst>
+              <a:ext uri="{FF2B5EF4-FFF2-40B4-BE49-F238E27FC236}">
+                <a16:creationId xmlns:a16="http://schemas.microsoft.com/office/drawing/2014/main" id="{B0B9EED6-2552-823D-306A-2D5928F2AACE}"/>
+              </a:ext>
+            </a:extLst>
+          </p:cNvPr>
+          <p:cNvCxnSpPr>
+            <a:cxnSpLocks/>
+          </p:cNvCxnSpPr>
+          <p:nvPr/>
+        </p:nvCxnSpPr>
+        <p:spPr>
+          <a:xfrm>
+            <a:off x="5770571" y="1825754"/>
+            <a:ext cx="828987" cy="423647"/>
+          </a:xfrm>
+          <a:prstGeom prst="straightConnector1">
+            <a:avLst/>
+          </a:prstGeom>
+          <a:ln w="12700">
+            <a:solidFill>
+              <a:schemeClr val="tx1"/>
+            </a:solidFill>
+            <a:tailEnd type="none" w="med" len="lg"/>
+          </a:ln>
+        </p:spPr>
+        <p:style>
+          <a:lnRef idx="2">
+            <a:schemeClr val="accent1"/>
+          </a:lnRef>
+          <a:fillRef idx="0">
+            <a:schemeClr val="accent1"/>
+          </a:fillRef>
+          <a:effectRef idx="1">
+            <a:schemeClr val="accent1"/>
+          </a:effectRef>
+          <a:fontRef idx="minor">
+            <a:schemeClr val="tx1"/>
+          </a:fontRef>
+        </p:style>
+      </p:cxnSp>
+      <p:cxnSp>
+        <p:nvCxnSpPr>
+          <p:cNvPr id="30" name="Straight Arrow Connector 29">
+            <a:extLst>
+              <a:ext uri="{FF2B5EF4-FFF2-40B4-BE49-F238E27FC236}">
+                <a16:creationId xmlns:a16="http://schemas.microsoft.com/office/drawing/2014/main" id="{C941764F-804B-1631-65AC-60EA7918A541}"/>
+              </a:ext>
+            </a:extLst>
+          </p:cNvPr>
+          <p:cNvCxnSpPr>
+            <a:cxnSpLocks/>
+            <a:stCxn id="3" idx="1"/>
+          </p:cNvCxnSpPr>
+          <p:nvPr/>
+        </p:nvCxnSpPr>
+        <p:spPr>
+          <a:xfrm>
+            <a:off x="5752900" y="1806189"/>
+            <a:ext cx="773791" cy="585160"/>
+          </a:xfrm>
+          <a:prstGeom prst="straightConnector1">
+            <a:avLst/>
+          </a:prstGeom>
+          <a:ln w="12700">
+            <a:solidFill>
+              <a:schemeClr val="tx1"/>
+            </a:solidFill>
+            <a:tailEnd type="none" w="med" len="lg"/>
+          </a:ln>
+        </p:spPr>
+        <p:style>
+          <a:lnRef idx="2">
+            <a:schemeClr val="accent1"/>
+          </a:lnRef>
+          <a:fillRef idx="0">
+            <a:schemeClr val="accent1"/>
+          </a:fillRef>
+          <a:effectRef idx="1">
+            <a:schemeClr val="accent1"/>
+          </a:effectRef>
+          <a:fontRef idx="minor">
+            <a:schemeClr val="tx1"/>
+          </a:fontRef>
+        </p:style>
+      </p:cxnSp>
+      <p:cxnSp>
+        <p:nvCxnSpPr>
+          <p:cNvPr id="36" name="Straight Arrow Connector 35">
+            <a:extLst>
+              <a:ext uri="{FF2B5EF4-FFF2-40B4-BE49-F238E27FC236}">
+                <a16:creationId xmlns:a16="http://schemas.microsoft.com/office/drawing/2014/main" id="{DF6B4F70-78C0-D5A3-E25F-B6ACAF97BDB0}"/>
+              </a:ext>
+            </a:extLst>
+          </p:cNvPr>
+          <p:cNvCxnSpPr>
+            <a:cxnSpLocks/>
+            <a:stCxn id="3" idx="1"/>
+          </p:cNvCxnSpPr>
+          <p:nvPr/>
+        </p:nvCxnSpPr>
+        <p:spPr>
+          <a:xfrm>
+            <a:off x="5752900" y="1806189"/>
+            <a:ext cx="669789" cy="698805"/>
+          </a:xfrm>
+          <a:prstGeom prst="straightConnector1">
+            <a:avLst/>
+          </a:prstGeom>
+          <a:ln w="12700">
+            <a:solidFill>
+              <a:schemeClr val="tx1"/>
+            </a:solidFill>
+            <a:tailEnd type="none" w="med" len="lg"/>
+          </a:ln>
+        </p:spPr>
+        <p:style>
+          <a:lnRef idx="2">
+            <a:schemeClr val="accent1"/>
+          </a:lnRef>
+          <a:fillRef idx="0">
+            <a:schemeClr val="accent1"/>
+          </a:fillRef>
+          <a:effectRef idx="1">
+            <a:schemeClr val="accent1"/>
+          </a:effectRef>
+          <a:fontRef idx="minor">
+            <a:schemeClr val="tx1"/>
+          </a:fontRef>
+        </p:style>
+      </p:cxnSp>
+      <p:cxnSp>
+        <p:nvCxnSpPr>
+          <p:cNvPr id="43" name="Straight Arrow Connector 42">
+            <a:extLst>
+              <a:ext uri="{FF2B5EF4-FFF2-40B4-BE49-F238E27FC236}">
+                <a16:creationId xmlns:a16="http://schemas.microsoft.com/office/drawing/2014/main" id="{45BD039D-8624-5400-4162-0EE5330E0E54}"/>
+              </a:ext>
+            </a:extLst>
+          </p:cNvPr>
+          <p:cNvCxnSpPr>
+            <a:cxnSpLocks/>
+            <a:stCxn id="3" idx="1"/>
+          </p:cNvCxnSpPr>
+          <p:nvPr/>
+        </p:nvCxnSpPr>
+        <p:spPr>
+          <a:xfrm>
+            <a:off x="5752900" y="1806189"/>
+            <a:ext cx="558647" cy="798668"/>
+          </a:xfrm>
+          <a:prstGeom prst="straightConnector1">
+            <a:avLst/>
+          </a:prstGeom>
+          <a:ln w="12700">
+            <a:solidFill>
+              <a:schemeClr val="tx1"/>
+            </a:solidFill>
+            <a:tailEnd type="none" w="med" len="lg"/>
+          </a:ln>
+        </p:spPr>
+        <p:style>
+          <a:lnRef idx="2">
+            <a:schemeClr val="accent1"/>
+          </a:lnRef>
+          <a:fillRef idx="0">
+            <a:schemeClr val="accent1"/>
+          </a:fillRef>
+          <a:effectRef idx="1">
+            <a:schemeClr val="accent1"/>
+          </a:effectRef>
+          <a:fontRef idx="minor">
+            <a:schemeClr val="tx1"/>
+          </a:fontRef>
+        </p:style>
+      </p:cxnSp>
+      <p:cxnSp>
+        <p:nvCxnSpPr>
+          <p:cNvPr id="45" name="Straight Arrow Connector 44">
+            <a:extLst>
+              <a:ext uri="{FF2B5EF4-FFF2-40B4-BE49-F238E27FC236}">
+                <a16:creationId xmlns:a16="http://schemas.microsoft.com/office/drawing/2014/main" id="{703043B9-1D8E-4D4A-39BF-FD371FCB65A4}"/>
+              </a:ext>
+            </a:extLst>
+          </p:cNvPr>
+          <p:cNvCxnSpPr>
+            <a:cxnSpLocks/>
+            <a:stCxn id="3" idx="1"/>
+          </p:cNvCxnSpPr>
+          <p:nvPr/>
+        </p:nvCxnSpPr>
+        <p:spPr>
+          <a:xfrm>
+            <a:off x="5752900" y="1806189"/>
+            <a:ext cx="443776" cy="861488"/>
+          </a:xfrm>
+          <a:prstGeom prst="straightConnector1">
+            <a:avLst/>
+          </a:prstGeom>
+          <a:ln w="12700">
+            <a:solidFill>
+              <a:schemeClr val="tx1"/>
+            </a:solidFill>
+            <a:tailEnd type="none" w="med" len="lg"/>
+          </a:ln>
+        </p:spPr>
+        <p:style>
+          <a:lnRef idx="2">
+            <a:schemeClr val="accent1"/>
+          </a:lnRef>
+          <a:fillRef idx="0">
+            <a:schemeClr val="accent1"/>
+          </a:fillRef>
+          <a:effectRef idx="1">
+            <a:schemeClr val="accent1"/>
+          </a:effectRef>
+          <a:fontRef idx="minor">
+            <a:schemeClr val="tx1"/>
+          </a:fontRef>
+        </p:style>
+      </p:cxnSp>
+      <p:cxnSp>
+        <p:nvCxnSpPr>
+          <p:cNvPr id="47" name="Straight Arrow Connector 46">
+            <a:extLst>
+              <a:ext uri="{FF2B5EF4-FFF2-40B4-BE49-F238E27FC236}">
+                <a16:creationId xmlns:a16="http://schemas.microsoft.com/office/drawing/2014/main" id="{71852EF3-EF0F-EDCE-4EE1-A75E8E619F8A}"/>
+              </a:ext>
+            </a:extLst>
+          </p:cNvPr>
+          <p:cNvCxnSpPr>
+            <a:cxnSpLocks/>
+            <a:stCxn id="3" idx="0"/>
+          </p:cNvCxnSpPr>
+          <p:nvPr/>
+        </p:nvCxnSpPr>
+        <p:spPr>
+          <a:xfrm>
+            <a:off x="5777714" y="1796514"/>
+            <a:ext cx="241280" cy="927555"/>
+          </a:xfrm>
+          <a:prstGeom prst="straightConnector1">
+            <a:avLst/>
+          </a:prstGeom>
+          <a:ln w="12700">
+            <a:solidFill>
+              <a:schemeClr val="tx1"/>
+            </a:solidFill>
+            <a:tailEnd type="none" w="med" len="lg"/>
+          </a:ln>
+        </p:spPr>
+        <p:style>
+          <a:lnRef idx="2">
+            <a:schemeClr val="accent1"/>
+          </a:lnRef>
+          <a:fillRef idx="0">
+            <a:schemeClr val="accent1"/>
+          </a:fillRef>
+          <a:effectRef idx="1">
+            <a:schemeClr val="accent1"/>
+          </a:effectRef>
+          <a:fontRef idx="minor">
+            <a:schemeClr val="tx1"/>
+          </a:fontRef>
+        </p:style>
+      </p:cxnSp>
+      <p:cxnSp>
+        <p:nvCxnSpPr>
+          <p:cNvPr id="50" name="Straight Arrow Connector 49">
+            <a:extLst>
+              <a:ext uri="{FF2B5EF4-FFF2-40B4-BE49-F238E27FC236}">
+                <a16:creationId xmlns:a16="http://schemas.microsoft.com/office/drawing/2014/main" id="{541836D4-82B2-DFAA-A538-87257A053EB9}"/>
+              </a:ext>
+            </a:extLst>
+          </p:cNvPr>
+          <p:cNvCxnSpPr>
+            <a:cxnSpLocks/>
+            <a:stCxn id="3" idx="0"/>
+          </p:cNvCxnSpPr>
+          <p:nvPr/>
+        </p:nvCxnSpPr>
+        <p:spPr>
+          <a:xfrm>
+            <a:off x="5777714" y="1796514"/>
+            <a:ext cx="33881" cy="974715"/>
+          </a:xfrm>
+          <a:prstGeom prst="straightConnector1">
+            <a:avLst/>
+          </a:prstGeom>
+          <a:ln w="12700">
+            <a:solidFill>
+              <a:schemeClr val="tx1"/>
+            </a:solidFill>
+            <a:tailEnd type="none" w="med" len="lg"/>
+          </a:ln>
+        </p:spPr>
+        <p:style>
+          <a:lnRef idx="2">
+            <a:schemeClr val="accent1"/>
+          </a:lnRef>
+          <a:fillRef idx="0">
+            <a:schemeClr val="accent1"/>
+          </a:fillRef>
+          <a:effectRef idx="1">
+            <a:schemeClr val="accent1"/>
+          </a:effectRef>
+          <a:fontRef idx="minor">
+            <a:schemeClr val="tx1"/>
+          </a:fontRef>
+        </p:style>
+      </p:cxnSp>
+      <mc:AlternateContent xmlns:mc="http://schemas.openxmlformats.org/markup-compatibility/2006">
+        <mc:Choice xmlns:a14="http://schemas.microsoft.com/office/drawing/2010/main" Requires="a14">
+          <p:sp>
+            <p:nvSpPr>
+              <p:cNvPr id="58" name="TextBox 57">
+                <a:extLst>
+                  <a:ext uri="{FF2B5EF4-FFF2-40B4-BE49-F238E27FC236}">
+                    <a16:creationId xmlns:a16="http://schemas.microsoft.com/office/drawing/2014/main" id="{26A1C35B-A7B3-F78B-8F50-C812E20E1679}"/>
+                  </a:ext>
+                </a:extLst>
+              </p:cNvPr>
+              <p:cNvSpPr txBox="1"/>
+              <p:nvPr/>
+            </p:nvSpPr>
+            <p:spPr>
+              <a:xfrm>
+                <a:off x="6229284" y="1789277"/>
+                <a:ext cx="264623" cy="310598"/>
+              </a:xfrm>
+              <a:prstGeom prst="rect">
+                <a:avLst/>
+              </a:prstGeom>
+              <a:noFill/>
+            </p:spPr>
+            <p:txBody>
+              <a:bodyPr wrap="none" lIns="0" tIns="0" rIns="0" bIns="0" rtlCol="0">
+                <a:spAutoFit/>
+              </a:bodyPr>
+              <a:lstStyle/>
+              <a:p>
+                <a:pPr/>
+                <a14:m>
+                  <m:oMathPara xmlns:m="http://schemas.openxmlformats.org/officeDocument/2006/math">
+                    <m:oMathParaPr>
+                      <m:jc m:val="centerGroup"/>
+                    </m:oMathParaPr>
+                    <m:oMath xmlns:m="http://schemas.openxmlformats.org/officeDocument/2006/math">
+                      <m:acc>
+                        <m:accPr>
+                          <m:chr m:val="⃗"/>
+                          <m:ctrlPr>
+                            <a:rPr lang="en-US" i="1" smtClean="0">
+                              <a:latin typeface="Cambria Math" panose="02040503050406030204" pitchFamily="18" charset="0"/>
+                              <a:ea typeface="Cambria Math" panose="02040503050406030204" pitchFamily="18" charset="0"/>
+                            </a:rPr>
+                          </m:ctrlPr>
+                        </m:accPr>
+                        <m:e>
+                          <m:sSub>
+                            <m:sSubPr>
+                              <m:ctrlPr>
+                                <a:rPr lang="en-US" i="1">
+                                  <a:latin typeface="Cambria Math" panose="02040503050406030204" pitchFamily="18" charset="0"/>
+                                  <a:ea typeface="Cambria Math" panose="02040503050406030204" pitchFamily="18" charset="0"/>
+                                </a:rPr>
+                              </m:ctrlPr>
+                            </m:sSubPr>
+                            <m:e>
+                              <m:r>
+                                <a:rPr lang="en-US" b="0" i="1" smtClean="0">
+                                  <a:latin typeface="Cambria Math" panose="02040503050406030204" pitchFamily="18" charset="0"/>
+                                  <a:ea typeface="Cambria Math" panose="02040503050406030204" pitchFamily="18" charset="0"/>
+                                </a:rPr>
+                                <m:t>𝑅</m:t>
+                              </m:r>
+                            </m:e>
+                            <m:sub>
+                              <m:r>
+                                <a:rPr lang="en-US" i="1">
+                                  <a:latin typeface="Cambria Math" panose="02040503050406030204" pitchFamily="18" charset="0"/>
+                                  <a:ea typeface="Cambria Math" panose="02040503050406030204" pitchFamily="18" charset="0"/>
+                                </a:rPr>
+                                <m:t>𝑖</m:t>
+                              </m:r>
+                            </m:sub>
+                          </m:sSub>
+                        </m:e>
+                      </m:acc>
+                    </m:oMath>
+                  </m:oMathPara>
+                </a14:m>
+                <a:endParaRPr lang="en-US" dirty="0"/>
+              </a:p>
+            </p:txBody>
+          </p:sp>
+        </mc:Choice>
+        <mc:Fallback>
+          <p:sp>
+            <p:nvSpPr>
+              <p:cNvPr id="58" name="TextBox 57">
+                <a:extLst>
+                  <a:ext uri="{FF2B5EF4-FFF2-40B4-BE49-F238E27FC236}">
+                    <a16:creationId xmlns:a16="http://schemas.microsoft.com/office/drawing/2014/main" id="{26A1C35B-A7B3-F78B-8F50-C812E20E1679}"/>
+                  </a:ext>
+                </a:extLst>
+              </p:cNvPr>
+              <p:cNvSpPr txBox="1">
+                <a:spLocks noRot="1" noChangeAspect="1" noMove="1" noResize="1" noEditPoints="1" noAdjustHandles="1" noChangeArrowheads="1" noChangeShapeType="1" noTextEdit="1"/>
+              </p:cNvSpPr>
+              <p:nvPr/>
+            </p:nvSpPr>
+            <p:spPr>
+              <a:xfrm>
+                <a:off x="6229284" y="1789277"/>
+                <a:ext cx="264623" cy="310598"/>
+              </a:xfrm>
+              <a:prstGeom prst="rect">
+                <a:avLst/>
+              </a:prstGeom>
+              <a:blipFill>
+                <a:blip r:embed="rId4"/>
+                <a:stretch>
+                  <a:fillRect l="-23256" r="-9302" b="-16000"/>
+                </a:stretch>
+              </a:blipFill>
+            </p:spPr>
+            <p:txBody>
+              <a:bodyPr/>
+              <a:lstStyle/>
+              <a:p>
+                <a:r>
+                  <a:rPr lang="en-US">
+                    <a:noFill/>
+                  </a:rPr>
+                  <a:t> </a:t>
+                </a:r>
+              </a:p>
+            </p:txBody>
+          </p:sp>
+        </mc:Fallback>
+      </mc:AlternateContent>
+      <mc:AlternateContent xmlns:mc="http://schemas.openxmlformats.org/markup-compatibility/2006">
+        <mc:Choice xmlns:a14="http://schemas.microsoft.com/office/drawing/2010/main" Requires="a14">
+          <p:sp>
+            <p:nvSpPr>
+              <p:cNvPr id="59" name="TextBox 58">
+                <a:extLst>
+                  <a:ext uri="{FF2B5EF4-FFF2-40B4-BE49-F238E27FC236}">
+                    <a16:creationId xmlns:a16="http://schemas.microsoft.com/office/drawing/2014/main" id="{D00E6E8C-6DC6-6309-CC98-62BB4DE0E85A}"/>
+                  </a:ext>
+                </a:extLst>
+              </p:cNvPr>
+              <p:cNvSpPr txBox="1"/>
+              <p:nvPr/>
+            </p:nvSpPr>
+            <p:spPr>
+              <a:xfrm>
+                <a:off x="5095410" y="1806077"/>
+                <a:ext cx="171596" cy="276999"/>
+              </a:xfrm>
+              <a:prstGeom prst="rect">
+                <a:avLst/>
+              </a:prstGeom>
+              <a:noFill/>
+            </p:spPr>
+            <p:txBody>
+              <a:bodyPr wrap="square" lIns="0" tIns="0" rIns="0" bIns="0" rtlCol="0">
+                <a:spAutoFit/>
+              </a:bodyPr>
+              <a:lstStyle/>
+              <a:p>
+                <a14:m>
+                  <m:oMathPara xmlns:m="http://schemas.openxmlformats.org/officeDocument/2006/math">
+                    <m:oMathParaPr>
+                      <m:jc m:val="centerGroup"/>
+                    </m:oMathParaPr>
+                    <m:oMath xmlns:m="http://schemas.openxmlformats.org/officeDocument/2006/math">
+                      <m:r>
+                        <a:rPr lang="en-US" i="1" smtClean="0">
+                          <a:solidFill>
+                            <a:schemeClr val="accent5">
+                              <a:lumMod val="50000"/>
+                            </a:schemeClr>
+                          </a:solidFill>
+                          <a:latin typeface="Cambria Math" panose="02040503050406030204" pitchFamily="18" charset="0"/>
+                          <a:ea typeface="Cambria Math" panose="02040503050406030204" pitchFamily="18" charset="0"/>
+                        </a:rPr>
+                        <m:t>⊙</m:t>
+                      </m:r>
+                    </m:oMath>
+                  </m:oMathPara>
+                </a14:m>
+                <a:endParaRPr lang="en-US" dirty="0">
+                  <a:solidFill>
+                    <a:schemeClr val="accent5">
+                      <a:lumMod val="50000"/>
+                    </a:schemeClr>
+                  </a:solidFill>
+                </a:endParaRPr>
+              </a:p>
+            </p:txBody>
+          </p:sp>
+        </mc:Choice>
+        <mc:Fallback>
+          <p:sp>
+            <p:nvSpPr>
+              <p:cNvPr id="59" name="TextBox 58">
+                <a:extLst>
+                  <a:ext uri="{FF2B5EF4-FFF2-40B4-BE49-F238E27FC236}">
+                    <a16:creationId xmlns:a16="http://schemas.microsoft.com/office/drawing/2014/main" id="{D00E6E8C-6DC6-6309-CC98-62BB4DE0E85A}"/>
+                  </a:ext>
+                </a:extLst>
+              </p:cNvPr>
+              <p:cNvSpPr txBox="1">
+                <a:spLocks noRot="1" noChangeAspect="1" noMove="1" noResize="1" noEditPoints="1" noAdjustHandles="1" noChangeArrowheads="1" noChangeShapeType="1" noTextEdit="1"/>
+              </p:cNvSpPr>
+              <p:nvPr/>
+            </p:nvSpPr>
+            <p:spPr>
+              <a:xfrm>
+                <a:off x="5095410" y="1806077"/>
+                <a:ext cx="171596" cy="276999"/>
+              </a:xfrm>
+              <a:prstGeom prst="rect">
+                <a:avLst/>
+              </a:prstGeom>
+              <a:blipFill>
+                <a:blip r:embed="rId5"/>
+                <a:stretch>
+                  <a:fillRect l="-60714" r="-92857" b="-23913"/>
+                </a:stretch>
+              </a:blipFill>
+            </p:spPr>
+            <p:txBody>
+              <a:bodyPr/>
+              <a:lstStyle/>
+              <a:p>
+                <a:r>
+                  <a:rPr lang="en-US">
+                    <a:noFill/>
+                  </a:rPr>
+                  <a:t> </a:t>
+                </a:r>
+              </a:p>
+            </p:txBody>
+          </p:sp>
+        </mc:Fallback>
+      </mc:AlternateContent>
+      <mc:AlternateContent xmlns:mc="http://schemas.openxmlformats.org/markup-compatibility/2006">
+        <mc:Choice xmlns:a14="http://schemas.microsoft.com/office/drawing/2010/main" Requires="a14">
+          <p:sp>
+            <p:nvSpPr>
+              <p:cNvPr id="60" name="TextBox 59">
+                <a:extLst>
+                  <a:ext uri="{FF2B5EF4-FFF2-40B4-BE49-F238E27FC236}">
+                    <a16:creationId xmlns:a16="http://schemas.microsoft.com/office/drawing/2014/main" id="{C01C73EE-EC39-09A8-E87C-1FCCB58D935A}"/>
+                  </a:ext>
+                </a:extLst>
+              </p:cNvPr>
+              <p:cNvSpPr txBox="1"/>
+              <p:nvPr/>
+            </p:nvSpPr>
+            <p:spPr>
+              <a:xfrm>
+                <a:off x="5206633" y="1580785"/>
+                <a:ext cx="244554" cy="310598"/>
+              </a:xfrm>
+              <a:prstGeom prst="rect">
+                <a:avLst/>
+              </a:prstGeom>
+              <a:noFill/>
+            </p:spPr>
+            <p:txBody>
+              <a:bodyPr wrap="none" lIns="0" tIns="0" rIns="0" bIns="0" rtlCol="0">
+                <a:spAutoFit/>
+              </a:bodyPr>
+              <a:lstStyle/>
+              <a:p>
+                <a:pPr/>
+                <a14:m>
+                  <m:oMathPara xmlns:m="http://schemas.openxmlformats.org/officeDocument/2006/math">
+                    <m:oMathParaPr>
+                      <m:jc m:val="centerGroup"/>
+                    </m:oMathParaPr>
+                    <m:oMath xmlns:m="http://schemas.openxmlformats.org/officeDocument/2006/math">
+                      <m:acc>
+                        <m:accPr>
+                          <m:chr m:val="⃗"/>
+                          <m:ctrlPr>
+                            <a:rPr lang="en-US" i="1" smtClean="0">
+                              <a:solidFill>
+                                <a:schemeClr val="accent5">
+                                  <a:lumMod val="50000"/>
+                                </a:schemeClr>
+                              </a:solidFill>
+                              <a:latin typeface="Cambria Math" panose="02040503050406030204" pitchFamily="18" charset="0"/>
+                              <a:ea typeface="Cambria Math" panose="02040503050406030204" pitchFamily="18" charset="0"/>
+                            </a:rPr>
+                          </m:ctrlPr>
+                        </m:accPr>
+                        <m:e>
+                          <m:sSub>
+                            <m:sSubPr>
+                              <m:ctrlPr>
+                                <a:rPr lang="en-US" i="1" smtClean="0">
+                                  <a:solidFill>
+                                    <a:schemeClr val="accent5">
+                                      <a:lumMod val="50000"/>
+                                    </a:schemeClr>
+                                  </a:solidFill>
+                                  <a:latin typeface="Cambria Math" panose="02040503050406030204" pitchFamily="18" charset="0"/>
+                                  <a:ea typeface="Cambria Math" panose="02040503050406030204" pitchFamily="18" charset="0"/>
+                                </a:rPr>
+                              </m:ctrlPr>
+                            </m:sSubPr>
+                            <m:e>
+                              <m:r>
+                                <a:rPr lang="en-US" b="0" i="1" smtClean="0">
+                                  <a:solidFill>
+                                    <a:schemeClr val="accent5">
+                                      <a:lumMod val="50000"/>
+                                    </a:schemeClr>
+                                  </a:solidFill>
+                                  <a:latin typeface="Cambria Math" panose="02040503050406030204" pitchFamily="18" charset="0"/>
+                                  <a:ea typeface="Cambria Math" panose="02040503050406030204" pitchFamily="18" charset="0"/>
+                                </a:rPr>
+                                <m:t>𝐿</m:t>
+                              </m:r>
+                            </m:e>
+                            <m:sub>
+                              <m:r>
+                                <a:rPr lang="en-US" i="1">
+                                  <a:solidFill>
+                                    <a:schemeClr val="accent5">
+                                      <a:lumMod val="50000"/>
+                                    </a:schemeClr>
+                                  </a:solidFill>
+                                  <a:latin typeface="Cambria Math" panose="02040503050406030204" pitchFamily="18" charset="0"/>
+                                  <a:ea typeface="Cambria Math" panose="02040503050406030204" pitchFamily="18" charset="0"/>
+                                </a:rPr>
+                                <m:t>𝑖</m:t>
+                              </m:r>
+                            </m:sub>
+                          </m:sSub>
+                        </m:e>
+                      </m:acc>
+                    </m:oMath>
+                  </m:oMathPara>
+                </a14:m>
+                <a:endParaRPr lang="en-US" dirty="0">
+                  <a:solidFill>
+                    <a:schemeClr val="accent5">
+                      <a:lumMod val="50000"/>
+                    </a:schemeClr>
+                  </a:solidFill>
+                </a:endParaRPr>
+              </a:p>
+            </p:txBody>
+          </p:sp>
+        </mc:Choice>
+        <mc:Fallback>
+          <p:sp>
+            <p:nvSpPr>
+              <p:cNvPr id="60" name="TextBox 59">
+                <a:extLst>
+                  <a:ext uri="{FF2B5EF4-FFF2-40B4-BE49-F238E27FC236}">
+                    <a16:creationId xmlns:a16="http://schemas.microsoft.com/office/drawing/2014/main" id="{C01C73EE-EC39-09A8-E87C-1FCCB58D935A}"/>
+                  </a:ext>
+                </a:extLst>
+              </p:cNvPr>
+              <p:cNvSpPr txBox="1">
+                <a:spLocks noRot="1" noChangeAspect="1" noMove="1" noResize="1" noEditPoints="1" noAdjustHandles="1" noChangeArrowheads="1" noChangeShapeType="1" noTextEdit="1"/>
+              </p:cNvSpPr>
+              <p:nvPr/>
+            </p:nvSpPr>
+            <p:spPr>
+              <a:xfrm>
+                <a:off x="5206633" y="1580785"/>
+                <a:ext cx="244554" cy="310598"/>
+              </a:xfrm>
+              <a:prstGeom prst="rect">
+                <a:avLst/>
+              </a:prstGeom>
+              <a:blipFill>
+                <a:blip r:embed="rId6"/>
+                <a:stretch>
+                  <a:fillRect l="-22500" r="-12500" b="-15686"/>
+                </a:stretch>
+              </a:blipFill>
+            </p:spPr>
+            <p:txBody>
+              <a:bodyPr/>
+              <a:lstStyle/>
+              <a:p>
+                <a:r>
+                  <a:rPr lang="en-US">
+                    <a:noFill/>
+                  </a:rPr>
+                  <a:t> </a:t>
+                </a:r>
+              </a:p>
+            </p:txBody>
+          </p:sp>
+        </mc:Fallback>
+      </mc:AlternateContent>
+      <p:sp>
+        <p:nvSpPr>
+          <p:cNvPr id="61" name="Arc 60">
+            <a:extLst>
+              <a:ext uri="{FF2B5EF4-FFF2-40B4-BE49-F238E27FC236}">
+                <a16:creationId xmlns:a16="http://schemas.microsoft.com/office/drawing/2014/main" id="{8B9F3AA5-4D6B-E90A-24E5-C5F11052E339}"/>
+              </a:ext>
+            </a:extLst>
+          </p:cNvPr>
+          <p:cNvSpPr/>
+          <p:nvPr/>
+        </p:nvSpPr>
+        <p:spPr>
+          <a:xfrm rot="1063478">
+            <a:off x="5264498" y="1235688"/>
+            <a:ext cx="1146027" cy="1099135"/>
+          </a:xfrm>
+          <a:prstGeom prst="arc">
+            <a:avLst>
+              <a:gd name="adj1" fmla="val 13444534"/>
+              <a:gd name="adj2" fmla="val 16976159"/>
+            </a:avLst>
+          </a:prstGeom>
+          <a:ln w="19050">
+            <a:solidFill>
+              <a:schemeClr val="tx1"/>
+            </a:solidFill>
+            <a:headEnd type="stealth"/>
+            <a:tailEnd type="none"/>
+          </a:ln>
+        </p:spPr>
+        <p:style>
+          <a:lnRef idx="2">
+            <a:schemeClr val="accent1"/>
+          </a:lnRef>
+          <a:fillRef idx="0">
+            <a:schemeClr val="accent1"/>
+          </a:fillRef>
+          <a:effectRef idx="1">
+            <a:schemeClr val="accent1"/>
+          </a:effectRef>
+          <a:fontRef idx="minor">
+            <a:schemeClr val="tx1"/>
+          </a:fontRef>
+        </p:style>
+        <p:txBody>
+          <a:bodyPr rtlCol="0" anchor="ctr"/>
+          <a:lstStyle/>
+          <a:p>
+            <a:pPr algn="ctr"/>
+            <a:endParaRPr lang="en-US"/>
+          </a:p>
+        </p:txBody>
+      </p:sp>
+      <mc:AlternateContent xmlns:mc="http://schemas.openxmlformats.org/markup-compatibility/2006">
+        <mc:Choice xmlns:a14="http://schemas.microsoft.com/office/drawing/2010/main" Requires="a14">
+          <p:sp>
+            <p:nvSpPr>
+              <p:cNvPr id="62" name="TextBox 61">
+                <a:extLst>
+                  <a:ext uri="{FF2B5EF4-FFF2-40B4-BE49-F238E27FC236}">
+                    <a16:creationId xmlns:a16="http://schemas.microsoft.com/office/drawing/2014/main" id="{0A33EF18-5AA3-DDBE-12D2-BA513861B8F7}"/>
+                  </a:ext>
+                </a:extLst>
+              </p:cNvPr>
+              <p:cNvSpPr txBox="1"/>
+              <p:nvPr/>
+            </p:nvSpPr>
+            <p:spPr>
+              <a:xfrm>
+                <a:off x="5752900" y="975949"/>
+                <a:ext cx="195245" cy="246221"/>
+              </a:xfrm>
+              <a:prstGeom prst="rect">
+                <a:avLst/>
+              </a:prstGeom>
+              <a:noFill/>
+            </p:spPr>
+            <p:txBody>
+              <a:bodyPr wrap="none" lIns="0" tIns="0" rIns="0" bIns="0" rtlCol="0">
+                <a:spAutoFit/>
+              </a:bodyPr>
+              <a:lstStyle/>
+              <a:p>
+                <a:pPr/>
+                <a14:m>
+                  <m:oMathPara xmlns:m="http://schemas.openxmlformats.org/officeDocument/2006/math">
+                    <m:oMathParaPr>
+                      <m:jc m:val="centerGroup"/>
+                    </m:oMathParaPr>
+                    <m:oMath xmlns:m="http://schemas.openxmlformats.org/officeDocument/2006/math">
+                      <m:r>
+                        <a:rPr lang="en-US" sz="1600" i="1">
+                          <a:latin typeface="Cambria Math" panose="02040503050406030204" pitchFamily="18" charset="0"/>
+                          <a:ea typeface="Cambria Math" panose="02040503050406030204" pitchFamily="18" charset="0"/>
+                        </a:rPr>
+                        <m:t>𝜔</m:t>
+                      </m:r>
+                    </m:oMath>
+                  </m:oMathPara>
+                </a14:m>
+                <a:endParaRPr lang="en-US" sz="1600" dirty="0"/>
+              </a:p>
+            </p:txBody>
+          </p:sp>
+        </mc:Choice>
+        <mc:Fallback>
+          <p:sp>
+            <p:nvSpPr>
+              <p:cNvPr id="62" name="TextBox 61">
+                <a:extLst>
+                  <a:ext uri="{FF2B5EF4-FFF2-40B4-BE49-F238E27FC236}">
+                    <a16:creationId xmlns:a16="http://schemas.microsoft.com/office/drawing/2014/main" id="{0A33EF18-5AA3-DDBE-12D2-BA513861B8F7}"/>
+                  </a:ext>
+                </a:extLst>
+              </p:cNvPr>
+              <p:cNvSpPr txBox="1">
+                <a:spLocks noRot="1" noChangeAspect="1" noMove="1" noResize="1" noEditPoints="1" noAdjustHandles="1" noChangeArrowheads="1" noChangeShapeType="1" noTextEdit="1"/>
+              </p:cNvSpPr>
+              <p:nvPr/>
+            </p:nvSpPr>
+            <p:spPr>
+              <a:xfrm>
+                <a:off x="5752900" y="975949"/>
+                <a:ext cx="195245" cy="246221"/>
+              </a:xfrm>
+              <a:prstGeom prst="rect">
+                <a:avLst/>
+              </a:prstGeom>
+              <a:blipFill>
+                <a:blip r:embed="rId7"/>
+                <a:stretch>
+                  <a:fillRect l="-18750" r="-9375"/>
+                </a:stretch>
+              </a:blipFill>
+            </p:spPr>
+            <p:txBody>
+              <a:bodyPr/>
+              <a:lstStyle/>
+              <a:p>
+                <a:r>
+                  <a:rPr lang="en-US">
+                    <a:noFill/>
+                  </a:rPr>
+                  <a:t> </a:t>
+                </a:r>
+              </a:p>
+            </p:txBody>
+          </p:sp>
+        </mc:Fallback>
+      </mc:AlternateContent>
+      <p:sp>
+        <p:nvSpPr>
+          <p:cNvPr id="63" name="Oval 62">
+            <a:extLst>
+              <a:ext uri="{FF2B5EF4-FFF2-40B4-BE49-F238E27FC236}">
+                <a16:creationId xmlns:a16="http://schemas.microsoft.com/office/drawing/2014/main" id="{93D2A921-90C9-3AD6-165B-9D9D7B4DBBD5}"/>
+              </a:ext>
+            </a:extLst>
+          </p:cNvPr>
+          <p:cNvSpPr/>
+          <p:nvPr/>
+        </p:nvSpPr>
+        <p:spPr>
+          <a:xfrm>
+            <a:off x="7896080" y="1474363"/>
+            <a:ext cx="2060874" cy="523441"/>
+          </a:xfrm>
+          <a:prstGeom prst="ellipse">
+            <a:avLst/>
+          </a:prstGeom>
+          <a:noFill/>
+        </p:spPr>
+        <p:style>
+          <a:lnRef idx="2">
+            <a:schemeClr val="accent1">
+              <a:shade val="15000"/>
+            </a:schemeClr>
+          </a:lnRef>
+          <a:fillRef idx="1">
+            <a:schemeClr val="accent1"/>
+          </a:fillRef>
+          <a:effectRef idx="0">
+            <a:schemeClr val="accent1"/>
+          </a:effectRef>
+          <a:fontRef idx="minor">
+            <a:schemeClr val="lt1"/>
+          </a:fontRef>
+        </p:style>
+        <p:txBody>
+          <a:bodyPr rtlCol="0" anchor="ctr"/>
+          <a:lstStyle/>
+          <a:p>
+            <a:pPr algn="ctr"/>
+            <a:endParaRPr lang="en-US"/>
+          </a:p>
+        </p:txBody>
+      </p:sp>
+      <p:cxnSp>
+        <p:nvCxnSpPr>
+          <p:cNvPr id="64" name="Straight Arrow Connector 63">
+            <a:extLst>
+              <a:ext uri="{FF2B5EF4-FFF2-40B4-BE49-F238E27FC236}">
+                <a16:creationId xmlns:a16="http://schemas.microsoft.com/office/drawing/2014/main" id="{3AB266D3-E989-9167-2EFB-D157C09570DD}"/>
+              </a:ext>
+            </a:extLst>
+          </p:cNvPr>
+          <p:cNvCxnSpPr>
+            <a:cxnSpLocks/>
+          </p:cNvCxnSpPr>
+          <p:nvPr/>
+        </p:nvCxnSpPr>
+        <p:spPr>
+          <a:xfrm flipV="1">
+            <a:off x="9815059" y="1807507"/>
+            <a:ext cx="107950" cy="60325"/>
+          </a:xfrm>
+          <a:prstGeom prst="straightConnector1">
+            <a:avLst/>
+          </a:prstGeom>
+          <a:ln w="19050">
+            <a:solidFill>
+              <a:schemeClr val="tx1"/>
+            </a:solidFill>
+            <a:tailEnd type="stealth" w="lg" len="lg"/>
+          </a:ln>
+        </p:spPr>
+        <p:style>
+          <a:lnRef idx="2">
+            <a:schemeClr val="accent1"/>
+          </a:lnRef>
+          <a:fillRef idx="0">
+            <a:schemeClr val="accent1"/>
+          </a:fillRef>
+          <a:effectRef idx="1">
+            <a:schemeClr val="accent1"/>
+          </a:effectRef>
+          <a:fontRef idx="minor">
+            <a:schemeClr val="tx1"/>
+          </a:fontRef>
+        </p:style>
+      </p:cxnSp>
+      <p:cxnSp>
+        <p:nvCxnSpPr>
+          <p:cNvPr id="65" name="Straight Arrow Connector 64">
+            <a:extLst>
+              <a:ext uri="{FF2B5EF4-FFF2-40B4-BE49-F238E27FC236}">
+                <a16:creationId xmlns:a16="http://schemas.microsoft.com/office/drawing/2014/main" id="{63986B49-E890-FCFD-DFA3-2D0279ADEDD0}"/>
+              </a:ext>
+            </a:extLst>
+          </p:cNvPr>
+          <p:cNvCxnSpPr>
+            <a:cxnSpLocks/>
+            <a:stCxn id="63" idx="1"/>
+          </p:cNvCxnSpPr>
+          <p:nvPr/>
+        </p:nvCxnSpPr>
+        <p:spPr>
+          <a:xfrm flipH="1">
+            <a:off x="8067530" y="1551019"/>
+            <a:ext cx="130358" cy="48540"/>
+          </a:xfrm>
+          <a:prstGeom prst="straightConnector1">
+            <a:avLst/>
+          </a:prstGeom>
+          <a:ln w="19050">
+            <a:solidFill>
+              <a:schemeClr val="tx1"/>
+            </a:solidFill>
+            <a:tailEnd type="stealth" w="lg" len="lg"/>
+          </a:ln>
+        </p:spPr>
+        <p:style>
+          <a:lnRef idx="2">
+            <a:schemeClr val="accent1"/>
+          </a:lnRef>
+          <a:fillRef idx="0">
+            <a:schemeClr val="accent1"/>
+          </a:fillRef>
+          <a:effectRef idx="1">
+            <a:schemeClr val="accent1"/>
+          </a:effectRef>
+          <a:fontRef idx="minor">
+            <a:schemeClr val="tx1"/>
+          </a:fontRef>
+        </p:style>
+      </p:cxnSp>
+      <p:sp>
+        <p:nvSpPr>
+          <p:cNvPr id="66" name="Arc 65">
+            <a:extLst>
+              <a:ext uri="{FF2B5EF4-FFF2-40B4-BE49-F238E27FC236}">
+                <a16:creationId xmlns:a16="http://schemas.microsoft.com/office/drawing/2014/main" id="{13DD0F48-3A8A-9ECA-4A4C-5C9FB60298C7}"/>
+              </a:ext>
+            </a:extLst>
+          </p:cNvPr>
+          <p:cNvSpPr/>
+          <p:nvPr/>
+        </p:nvSpPr>
+        <p:spPr>
+          <a:xfrm rot="11401623">
+            <a:off x="8224680" y="1662615"/>
+            <a:ext cx="569601" cy="197265"/>
+          </a:xfrm>
+          <a:prstGeom prst="arc">
+            <a:avLst>
+              <a:gd name="adj1" fmla="val 16200000"/>
+              <a:gd name="adj2" fmla="val 485002"/>
+            </a:avLst>
+          </a:prstGeom>
+          <a:ln>
+            <a:solidFill>
+              <a:schemeClr val="tx1"/>
+            </a:solidFill>
+            <a:headEnd type="stealth"/>
+          </a:ln>
+        </p:spPr>
+        <p:style>
+          <a:lnRef idx="2">
+            <a:schemeClr val="accent1"/>
+          </a:lnRef>
+          <a:fillRef idx="0">
+            <a:schemeClr val="accent1"/>
+          </a:fillRef>
+          <a:effectRef idx="1">
+            <a:schemeClr val="accent1"/>
+          </a:effectRef>
+          <a:fontRef idx="minor">
+            <a:schemeClr val="tx1"/>
+          </a:fontRef>
+        </p:style>
+        <p:txBody>
+          <a:bodyPr rtlCol="0" anchor="ctr"/>
+          <a:lstStyle/>
+          <a:p>
+            <a:pPr algn="ctr"/>
+            <a:endParaRPr lang="en-US"/>
+          </a:p>
+        </p:txBody>
+      </p:sp>
+      <mc:AlternateContent xmlns:mc="http://schemas.openxmlformats.org/markup-compatibility/2006">
+        <mc:Choice xmlns:a14="http://schemas.microsoft.com/office/drawing/2010/main" Requires="a14">
+          <p:sp>
+            <p:nvSpPr>
+              <p:cNvPr id="67" name="TextBox 66">
+                <a:extLst>
+                  <a:ext uri="{FF2B5EF4-FFF2-40B4-BE49-F238E27FC236}">
+                    <a16:creationId xmlns:a16="http://schemas.microsoft.com/office/drawing/2014/main" id="{4437510C-D9E7-B97F-3EC7-F93D078C02E5}"/>
+                  </a:ext>
+                </a:extLst>
+              </p:cNvPr>
+              <p:cNvSpPr txBox="1"/>
+              <p:nvPr/>
+            </p:nvSpPr>
+            <p:spPr>
+              <a:xfrm>
+                <a:off x="8400347" y="1590833"/>
+                <a:ext cx="218265" cy="276999"/>
+              </a:xfrm>
+              <a:prstGeom prst="rect">
+                <a:avLst/>
+              </a:prstGeom>
+              <a:noFill/>
+            </p:spPr>
+            <p:txBody>
+              <a:bodyPr wrap="none" lIns="0" tIns="0" rIns="0" bIns="0" rtlCol="0">
+                <a:spAutoFit/>
+              </a:bodyPr>
+              <a:lstStyle/>
+              <a:p>
+                <a:pPr/>
+                <a14:m>
+                  <m:oMathPara xmlns:m="http://schemas.openxmlformats.org/officeDocument/2006/math">
+                    <m:oMathParaPr>
+                      <m:jc m:val="centerGroup"/>
+                    </m:oMathParaPr>
+                    <m:oMath xmlns:m="http://schemas.openxmlformats.org/officeDocument/2006/math">
+                      <m:r>
+                        <a:rPr lang="en-US" i="1" smtClean="0">
+                          <a:latin typeface="Cambria Math" panose="02040503050406030204" pitchFamily="18" charset="0"/>
+                          <a:ea typeface="Cambria Math" panose="02040503050406030204" pitchFamily="18" charset="0"/>
+                        </a:rPr>
+                        <m:t>𝜔</m:t>
+                      </m:r>
+                    </m:oMath>
+                  </m:oMathPara>
+                </a14:m>
+                <a:endParaRPr lang="en-US" dirty="0"/>
+              </a:p>
+            </p:txBody>
+          </p:sp>
+        </mc:Choice>
+        <mc:Fallback>
+          <p:sp>
+            <p:nvSpPr>
+              <p:cNvPr id="67" name="TextBox 66">
+                <a:extLst>
+                  <a:ext uri="{FF2B5EF4-FFF2-40B4-BE49-F238E27FC236}">
+                    <a16:creationId xmlns:a16="http://schemas.microsoft.com/office/drawing/2014/main" id="{4437510C-D9E7-B97F-3EC7-F93D078C02E5}"/>
+                  </a:ext>
+                </a:extLst>
+              </p:cNvPr>
+              <p:cNvSpPr txBox="1">
+                <a:spLocks noRot="1" noChangeAspect="1" noMove="1" noResize="1" noEditPoints="1" noAdjustHandles="1" noChangeArrowheads="1" noChangeShapeType="1" noTextEdit="1"/>
+              </p:cNvSpPr>
+              <p:nvPr/>
+            </p:nvSpPr>
+            <p:spPr>
+              <a:xfrm>
+                <a:off x="8400347" y="1590833"/>
+                <a:ext cx="218265" cy="276999"/>
+              </a:xfrm>
+              <a:prstGeom prst="rect">
+                <a:avLst/>
+              </a:prstGeom>
+              <a:blipFill>
+                <a:blip r:embed="rId8"/>
+                <a:stretch>
+                  <a:fillRect l="-16667" r="-16667"/>
+                </a:stretch>
+              </a:blipFill>
+            </p:spPr>
+            <p:txBody>
+              <a:bodyPr/>
+              <a:lstStyle/>
+              <a:p>
+                <a:r>
+                  <a:rPr lang="en-US">
+                    <a:noFill/>
+                  </a:rPr>
+                  <a:t> </a:t>
+                </a:r>
+              </a:p>
+            </p:txBody>
+          </p:sp>
+        </mc:Fallback>
+      </mc:AlternateContent>
+      <p:sp>
+        <p:nvSpPr>
+          <p:cNvPr id="68" name="Oval 67">
+            <a:extLst>
+              <a:ext uri="{FF2B5EF4-FFF2-40B4-BE49-F238E27FC236}">
+                <a16:creationId xmlns:a16="http://schemas.microsoft.com/office/drawing/2014/main" id="{7035536D-D43C-722F-62E1-430507F9397C}"/>
+              </a:ext>
+            </a:extLst>
+          </p:cNvPr>
+          <p:cNvSpPr/>
+          <p:nvPr/>
+        </p:nvSpPr>
+        <p:spPr>
+          <a:xfrm>
+            <a:off x="8902719" y="1703940"/>
+            <a:ext cx="53948" cy="50784"/>
+          </a:xfrm>
+          <a:prstGeom prst="ellipse">
+            <a:avLst/>
+          </a:prstGeom>
+          <a:solidFill>
+            <a:schemeClr val="tx1"/>
+          </a:solidFill>
+          <a:ln>
+            <a:noFill/>
+          </a:ln>
+        </p:spPr>
+        <p:style>
+          <a:lnRef idx="2">
+            <a:schemeClr val="accent1">
+              <a:shade val="15000"/>
+            </a:schemeClr>
+          </a:lnRef>
+          <a:fillRef idx="1">
+            <a:schemeClr val="accent1"/>
+          </a:fillRef>
+          <a:effectRef idx="0">
+            <a:schemeClr val="accent1"/>
+          </a:effectRef>
+          <a:fontRef idx="minor">
+            <a:schemeClr val="lt1"/>
+          </a:fontRef>
+        </p:style>
+        <p:txBody>
+          <a:bodyPr rtlCol="0" anchor="ctr"/>
+          <a:lstStyle/>
+          <a:p>
+            <a:pPr algn="ctr"/>
+            <a:endParaRPr lang="en-US"/>
+          </a:p>
+        </p:txBody>
+      </p:sp>
+      <p:cxnSp>
+        <p:nvCxnSpPr>
+          <p:cNvPr id="69" name="Straight Arrow Connector 68">
+            <a:extLst>
+              <a:ext uri="{FF2B5EF4-FFF2-40B4-BE49-F238E27FC236}">
+                <a16:creationId xmlns:a16="http://schemas.microsoft.com/office/drawing/2014/main" id="{19E1F9FE-4046-F7A4-67B0-506AAA88DC85}"/>
+              </a:ext>
+            </a:extLst>
+          </p:cNvPr>
+          <p:cNvCxnSpPr>
+            <a:cxnSpLocks/>
+          </p:cNvCxnSpPr>
+          <p:nvPr/>
+        </p:nvCxnSpPr>
+        <p:spPr>
+          <a:xfrm flipV="1">
+            <a:off x="8931769" y="1519229"/>
+            <a:ext cx="0" cy="210103"/>
+          </a:xfrm>
+          <a:prstGeom prst="straightConnector1">
+            <a:avLst/>
+          </a:prstGeom>
+          <a:ln w="19050">
+            <a:solidFill>
+              <a:schemeClr val="tx1"/>
+            </a:solidFill>
+            <a:tailEnd type="stealth" w="med" len="lg"/>
+          </a:ln>
+        </p:spPr>
+        <p:style>
+          <a:lnRef idx="2">
+            <a:schemeClr val="accent1"/>
+          </a:lnRef>
+          <a:fillRef idx="0">
+            <a:schemeClr val="accent1"/>
+          </a:fillRef>
+          <a:effectRef idx="1">
+            <a:schemeClr val="accent1"/>
+          </a:effectRef>
+          <a:fontRef idx="minor">
+            <a:schemeClr val="tx1"/>
+          </a:fontRef>
+        </p:style>
+      </p:cxnSp>
+      <mc:AlternateContent xmlns:mc="http://schemas.openxmlformats.org/markup-compatibility/2006">
+        <mc:Choice xmlns:a14="http://schemas.microsoft.com/office/drawing/2010/main" Requires="a14">
+          <p:sp>
+            <p:nvSpPr>
+              <p:cNvPr id="71" name="TextBox 70">
+                <a:extLst>
+                  <a:ext uri="{FF2B5EF4-FFF2-40B4-BE49-F238E27FC236}">
+                    <a16:creationId xmlns:a16="http://schemas.microsoft.com/office/drawing/2014/main" id="{2C751199-5A53-30A8-6097-EB142A7D3F11}"/>
+                  </a:ext>
+                </a:extLst>
+              </p:cNvPr>
+              <p:cNvSpPr txBox="1"/>
+              <p:nvPr/>
+            </p:nvSpPr>
+            <p:spPr>
+              <a:xfrm>
+                <a:off x="8990916" y="975949"/>
+                <a:ext cx="244554" cy="310598"/>
+              </a:xfrm>
+              <a:prstGeom prst="rect">
+                <a:avLst/>
+              </a:prstGeom>
+              <a:noFill/>
+            </p:spPr>
+            <p:txBody>
+              <a:bodyPr wrap="none" lIns="0" tIns="0" rIns="0" bIns="0" rtlCol="0">
+                <a:spAutoFit/>
+              </a:bodyPr>
+              <a:lstStyle/>
+              <a:p>
+                <a:pPr/>
+                <a14:m>
+                  <m:oMathPara xmlns:m="http://schemas.openxmlformats.org/officeDocument/2006/math">
+                    <m:oMathParaPr>
+                      <m:jc m:val="centerGroup"/>
+                    </m:oMathParaPr>
+                    <m:oMath xmlns:m="http://schemas.openxmlformats.org/officeDocument/2006/math">
+                      <m:acc>
+                        <m:accPr>
+                          <m:chr m:val="⃗"/>
+                          <m:ctrlPr>
+                            <a:rPr lang="en-US" i="1" smtClean="0">
+                              <a:solidFill>
+                                <a:schemeClr val="tx1"/>
+                              </a:solidFill>
+                              <a:latin typeface="Cambria Math" panose="02040503050406030204" pitchFamily="18" charset="0"/>
+                              <a:ea typeface="Cambria Math" panose="02040503050406030204" pitchFamily="18" charset="0"/>
+                            </a:rPr>
+                          </m:ctrlPr>
+                        </m:accPr>
+                        <m:e>
+                          <m:sSub>
+                            <m:sSubPr>
+                              <m:ctrlPr>
+                                <a:rPr lang="en-US" i="1" smtClean="0">
+                                  <a:solidFill>
+                                    <a:schemeClr val="tx1"/>
+                                  </a:solidFill>
+                                  <a:latin typeface="Cambria Math" panose="02040503050406030204" pitchFamily="18" charset="0"/>
+                                  <a:ea typeface="Cambria Math" panose="02040503050406030204" pitchFamily="18" charset="0"/>
+                                </a:rPr>
+                              </m:ctrlPr>
+                            </m:sSubPr>
+                            <m:e>
+                              <m:r>
+                                <a:rPr lang="en-US" b="0" i="1" smtClean="0">
+                                  <a:solidFill>
+                                    <a:schemeClr val="tx1"/>
+                                  </a:solidFill>
+                                  <a:latin typeface="Cambria Math" panose="02040503050406030204" pitchFamily="18" charset="0"/>
+                                  <a:ea typeface="Cambria Math" panose="02040503050406030204" pitchFamily="18" charset="0"/>
+                                </a:rPr>
+                                <m:t>𝐿</m:t>
+                              </m:r>
+                            </m:e>
+                            <m:sub>
+                              <m:r>
+                                <a:rPr lang="en-US" i="1">
+                                  <a:solidFill>
+                                    <a:schemeClr val="tx1"/>
+                                  </a:solidFill>
+                                  <a:latin typeface="Cambria Math" panose="02040503050406030204" pitchFamily="18" charset="0"/>
+                                  <a:ea typeface="Cambria Math" panose="02040503050406030204" pitchFamily="18" charset="0"/>
+                                </a:rPr>
+                                <m:t>𝑖</m:t>
+                              </m:r>
+                            </m:sub>
+                          </m:sSub>
+                        </m:e>
+                      </m:acc>
+                    </m:oMath>
+                  </m:oMathPara>
+                </a14:m>
+                <a:endParaRPr lang="en-US" dirty="0">
+                  <a:solidFill>
+                    <a:schemeClr val="tx1"/>
+                  </a:solidFill>
+                </a:endParaRPr>
+              </a:p>
+            </p:txBody>
+          </p:sp>
+        </mc:Choice>
+        <mc:Fallback>
+          <p:sp>
+            <p:nvSpPr>
+              <p:cNvPr id="71" name="TextBox 70">
+                <a:extLst>
+                  <a:ext uri="{FF2B5EF4-FFF2-40B4-BE49-F238E27FC236}">
+                    <a16:creationId xmlns:a16="http://schemas.microsoft.com/office/drawing/2014/main" id="{2C751199-5A53-30A8-6097-EB142A7D3F11}"/>
+                  </a:ext>
+                </a:extLst>
+              </p:cNvPr>
+              <p:cNvSpPr txBox="1">
+                <a:spLocks noRot="1" noChangeAspect="1" noMove="1" noResize="1" noEditPoints="1" noAdjustHandles="1" noChangeArrowheads="1" noChangeShapeType="1" noTextEdit="1"/>
+              </p:cNvSpPr>
+              <p:nvPr/>
+            </p:nvSpPr>
+            <p:spPr>
+              <a:xfrm>
+                <a:off x="8990916" y="975949"/>
+                <a:ext cx="244554" cy="310598"/>
+              </a:xfrm>
+              <a:prstGeom prst="rect">
+                <a:avLst/>
+              </a:prstGeom>
+              <a:blipFill>
+                <a:blip r:embed="rId9"/>
+                <a:stretch>
+                  <a:fillRect l="-25000" r="-10000" b="-15686"/>
+                </a:stretch>
+              </a:blipFill>
+            </p:spPr>
+            <p:txBody>
+              <a:bodyPr/>
+              <a:lstStyle/>
+              <a:p>
+                <a:r>
+                  <a:rPr lang="en-US">
+                    <a:noFill/>
+                  </a:rPr>
+                  <a:t> </a:t>
+                </a:r>
+              </a:p>
+            </p:txBody>
+          </p:sp>
+        </mc:Fallback>
+      </mc:AlternateContent>
+      <p:cxnSp>
+        <p:nvCxnSpPr>
+          <p:cNvPr id="73" name="Straight Arrow Connector 72">
+            <a:extLst>
+              <a:ext uri="{FF2B5EF4-FFF2-40B4-BE49-F238E27FC236}">
+                <a16:creationId xmlns:a16="http://schemas.microsoft.com/office/drawing/2014/main" id="{9A0E17A5-FBEC-569B-B522-2FEBE74C8AE6}"/>
+              </a:ext>
+            </a:extLst>
+          </p:cNvPr>
+          <p:cNvCxnSpPr>
+            <a:cxnSpLocks/>
+          </p:cNvCxnSpPr>
+          <p:nvPr/>
+        </p:nvCxnSpPr>
+        <p:spPr>
+          <a:xfrm flipV="1">
+            <a:off x="8931755" y="1340916"/>
+            <a:ext cx="0" cy="210103"/>
+          </a:xfrm>
+          <a:prstGeom prst="straightConnector1">
+            <a:avLst/>
+          </a:prstGeom>
+          <a:ln w="19050">
+            <a:solidFill>
+              <a:schemeClr val="tx1"/>
+            </a:solidFill>
+            <a:tailEnd type="stealth" w="med" len="lg"/>
+          </a:ln>
+        </p:spPr>
+        <p:style>
+          <a:lnRef idx="2">
+            <a:schemeClr val="accent1"/>
+          </a:lnRef>
+          <a:fillRef idx="0">
+            <a:schemeClr val="accent1"/>
+          </a:fillRef>
+          <a:effectRef idx="1">
+            <a:schemeClr val="accent1"/>
+          </a:effectRef>
+          <a:fontRef idx="minor">
+            <a:schemeClr val="tx1"/>
+          </a:fontRef>
+        </p:style>
+      </p:cxnSp>
+      <p:cxnSp>
+        <p:nvCxnSpPr>
+          <p:cNvPr id="76" name="Straight Arrow Connector 75">
+            <a:extLst>
+              <a:ext uri="{FF2B5EF4-FFF2-40B4-BE49-F238E27FC236}">
+                <a16:creationId xmlns:a16="http://schemas.microsoft.com/office/drawing/2014/main" id="{5540BD48-56DF-0589-0438-5CB4675EB027}"/>
+              </a:ext>
+            </a:extLst>
+          </p:cNvPr>
+          <p:cNvCxnSpPr>
+            <a:cxnSpLocks/>
+          </p:cNvCxnSpPr>
+          <p:nvPr/>
+        </p:nvCxnSpPr>
+        <p:spPr>
+          <a:xfrm flipV="1">
+            <a:off x="8931766" y="1163906"/>
+            <a:ext cx="0" cy="210103"/>
+          </a:xfrm>
+          <a:prstGeom prst="straightConnector1">
+            <a:avLst/>
+          </a:prstGeom>
+          <a:ln w="19050">
+            <a:solidFill>
+              <a:schemeClr val="tx1"/>
+            </a:solidFill>
+            <a:tailEnd type="stealth" w="med" len="lg"/>
+          </a:ln>
+        </p:spPr>
+        <p:style>
+          <a:lnRef idx="2">
+            <a:schemeClr val="accent1"/>
+          </a:lnRef>
+          <a:fillRef idx="0">
+            <a:schemeClr val="accent1"/>
+          </a:fillRef>
+          <a:effectRef idx="1">
+            <a:schemeClr val="accent1"/>
+          </a:effectRef>
+          <a:fontRef idx="minor">
+            <a:schemeClr val="tx1"/>
+          </a:fontRef>
+        </p:style>
+      </p:cxnSp>
+      <p:cxnSp>
+        <p:nvCxnSpPr>
+          <p:cNvPr id="77" name="Straight Arrow Connector 76">
+            <a:extLst>
+              <a:ext uri="{FF2B5EF4-FFF2-40B4-BE49-F238E27FC236}">
+                <a16:creationId xmlns:a16="http://schemas.microsoft.com/office/drawing/2014/main" id="{DF539F19-16BB-4E55-5206-74A4050D658B}"/>
+              </a:ext>
+            </a:extLst>
+          </p:cNvPr>
+          <p:cNvCxnSpPr>
+            <a:cxnSpLocks/>
+          </p:cNvCxnSpPr>
+          <p:nvPr/>
+        </p:nvCxnSpPr>
+        <p:spPr>
+          <a:xfrm flipV="1">
+            <a:off x="8931752" y="985593"/>
+            <a:ext cx="0" cy="210103"/>
+          </a:xfrm>
+          <a:prstGeom prst="straightConnector1">
+            <a:avLst/>
+          </a:prstGeom>
+          <a:ln w="19050">
+            <a:solidFill>
+              <a:schemeClr val="tx1"/>
+            </a:solidFill>
+            <a:tailEnd type="stealth" w="med" len="lg"/>
+          </a:ln>
+        </p:spPr>
+        <p:style>
+          <a:lnRef idx="2">
+            <a:schemeClr val="accent1"/>
+          </a:lnRef>
+          <a:fillRef idx="0">
+            <a:schemeClr val="accent1"/>
+          </a:fillRef>
+          <a:effectRef idx="1">
+            <a:schemeClr val="accent1"/>
+          </a:effectRef>
+          <a:fontRef idx="minor">
+            <a:schemeClr val="tx1"/>
+          </a:fontRef>
+        </p:style>
+      </p:cxnSp>
+      <p:cxnSp>
+        <p:nvCxnSpPr>
+          <p:cNvPr id="80" name="Straight Connector 79">
+            <a:extLst>
+              <a:ext uri="{FF2B5EF4-FFF2-40B4-BE49-F238E27FC236}">
+                <a16:creationId xmlns:a16="http://schemas.microsoft.com/office/drawing/2014/main" id="{DBDBAB9A-4B7A-4458-A260-734A5BC96E9A}"/>
+              </a:ext>
+            </a:extLst>
+          </p:cNvPr>
+          <p:cNvCxnSpPr>
+            <a:cxnSpLocks/>
+          </p:cNvCxnSpPr>
+          <p:nvPr/>
+        </p:nvCxnSpPr>
+        <p:spPr>
+          <a:xfrm>
+            <a:off x="1037539" y="6031110"/>
+            <a:ext cx="2353168" cy="0"/>
+          </a:xfrm>
+          <a:prstGeom prst="line">
+            <a:avLst/>
+          </a:prstGeom>
+          <a:ln>
+            <a:solidFill>
+              <a:schemeClr val="tx1"/>
+            </a:solidFill>
+          </a:ln>
+        </p:spPr>
+        <p:style>
+          <a:lnRef idx="2">
+            <a:schemeClr val="accent1"/>
+          </a:lnRef>
+          <a:fillRef idx="0">
+            <a:schemeClr val="accent1"/>
+          </a:fillRef>
+          <a:effectRef idx="1">
+            <a:schemeClr val="accent1"/>
+          </a:effectRef>
+          <a:fontRef idx="minor">
+            <a:schemeClr val="tx1"/>
+          </a:fontRef>
+        </p:style>
+      </p:cxnSp>
+      <p:sp>
+        <p:nvSpPr>
+          <p:cNvPr id="81" name="Rectangle 80">
+            <a:extLst>
+              <a:ext uri="{FF2B5EF4-FFF2-40B4-BE49-F238E27FC236}">
+                <a16:creationId xmlns:a16="http://schemas.microsoft.com/office/drawing/2014/main" id="{1DD36C60-F9C9-A238-3DDB-3A99133397E2}"/>
+              </a:ext>
+            </a:extLst>
+          </p:cNvPr>
+          <p:cNvSpPr/>
+          <p:nvPr/>
+        </p:nvSpPr>
+        <p:spPr>
+          <a:xfrm>
+            <a:off x="1478585" y="5454125"/>
+            <a:ext cx="943276" cy="558265"/>
+          </a:xfrm>
+          <a:prstGeom prst="rect">
+            <a:avLst/>
+          </a:prstGeom>
+          <a:solidFill>
+            <a:schemeClr val="accent6">
+              <a:lumMod val="60000"/>
+              <a:lumOff val="40000"/>
+              <a:alpha val="48000"/>
+            </a:schemeClr>
+          </a:solidFill>
+        </p:spPr>
+        <p:style>
+          <a:lnRef idx="2">
+            <a:schemeClr val="accent1">
+              <a:shade val="15000"/>
+            </a:schemeClr>
+          </a:lnRef>
+          <a:fillRef idx="1">
+            <a:schemeClr val="accent1"/>
+          </a:fillRef>
+          <a:effectRef idx="0">
+            <a:schemeClr val="accent1"/>
+          </a:effectRef>
+          <a:fontRef idx="minor">
+            <a:schemeClr val="lt1"/>
+          </a:fontRef>
+        </p:style>
+        <p:txBody>
+          <a:bodyPr rtlCol="0" anchor="ctr"/>
+          <a:lstStyle/>
+          <a:p>
+            <a:pPr algn="ctr"/>
+            <a:endParaRPr lang="en-US"/>
+          </a:p>
+        </p:txBody>
+      </p:sp>
+      <p:cxnSp>
+        <p:nvCxnSpPr>
+          <p:cNvPr id="82" name="Straight Arrow Connector 81">
+            <a:extLst>
+              <a:ext uri="{FF2B5EF4-FFF2-40B4-BE49-F238E27FC236}">
+                <a16:creationId xmlns:a16="http://schemas.microsoft.com/office/drawing/2014/main" id="{2B1313FA-5C64-5373-0B11-B51333C03A26}"/>
+              </a:ext>
+            </a:extLst>
+          </p:cNvPr>
+          <p:cNvCxnSpPr>
+            <a:cxnSpLocks/>
+          </p:cNvCxnSpPr>
+          <p:nvPr/>
+        </p:nvCxnSpPr>
+        <p:spPr>
+          <a:xfrm flipH="1">
+            <a:off x="1891485" y="4840514"/>
+            <a:ext cx="943275" cy="927097"/>
+          </a:xfrm>
+          <a:prstGeom prst="straightConnector1">
+            <a:avLst/>
+          </a:prstGeom>
+          <a:ln w="28575">
+            <a:solidFill>
+              <a:schemeClr val="tx1"/>
+            </a:solidFill>
+            <a:prstDash val="solid"/>
+            <a:headEnd type="stealth" w="med" len="lg"/>
+            <a:tailEnd type="none" w="med" len="sm"/>
+          </a:ln>
+        </p:spPr>
+        <p:style>
+          <a:lnRef idx="1">
+            <a:schemeClr val="accent1"/>
+          </a:lnRef>
+          <a:fillRef idx="0">
+            <a:schemeClr val="accent1"/>
+          </a:fillRef>
+          <a:effectRef idx="0">
+            <a:schemeClr val="accent1"/>
+          </a:effectRef>
+          <a:fontRef idx="minor">
+            <a:schemeClr val="tx1"/>
+          </a:fontRef>
+        </p:style>
+      </p:cxnSp>
+      <p:cxnSp>
+        <p:nvCxnSpPr>
+          <p:cNvPr id="83" name="Straight Arrow Connector 82">
+            <a:extLst>
+              <a:ext uri="{FF2B5EF4-FFF2-40B4-BE49-F238E27FC236}">
+                <a16:creationId xmlns:a16="http://schemas.microsoft.com/office/drawing/2014/main" id="{D93E8367-7543-582E-5DB3-1C587A5922D1}"/>
+              </a:ext>
+            </a:extLst>
+          </p:cNvPr>
+          <p:cNvCxnSpPr>
+            <a:cxnSpLocks/>
+          </p:cNvCxnSpPr>
+          <p:nvPr/>
+        </p:nvCxnSpPr>
+        <p:spPr>
+          <a:xfrm flipH="1">
+            <a:off x="1891484" y="5776858"/>
+            <a:ext cx="1049473" cy="0"/>
+          </a:xfrm>
+          <a:prstGeom prst="straightConnector1">
+            <a:avLst/>
+          </a:prstGeom>
+          <a:ln w="28575">
+            <a:solidFill>
+              <a:schemeClr val="tx1"/>
+            </a:solidFill>
+            <a:prstDash val="solid"/>
+            <a:headEnd type="stealth" w="med" len="lg"/>
+            <a:tailEnd type="none" w="med" len="sm"/>
+          </a:ln>
+        </p:spPr>
+        <p:style>
+          <a:lnRef idx="1">
+            <a:schemeClr val="accent1"/>
+          </a:lnRef>
+          <a:fillRef idx="0">
+            <a:schemeClr val="accent1"/>
+          </a:fillRef>
+          <a:effectRef idx="0">
+            <a:schemeClr val="accent1"/>
+          </a:effectRef>
+          <a:fontRef idx="minor">
+            <a:schemeClr val="tx1"/>
+          </a:fontRef>
+        </p:style>
+      </p:cxnSp>
+      <p:sp>
+        <p:nvSpPr>
+          <p:cNvPr id="84" name="Arc 83">
+            <a:extLst>
+              <a:ext uri="{FF2B5EF4-FFF2-40B4-BE49-F238E27FC236}">
+                <a16:creationId xmlns:a16="http://schemas.microsoft.com/office/drawing/2014/main" id="{EE8791AD-E2D5-2C55-6705-91B9068708F2}"/>
+              </a:ext>
+            </a:extLst>
+          </p:cNvPr>
+          <p:cNvSpPr/>
+          <p:nvPr/>
+        </p:nvSpPr>
+        <p:spPr>
+          <a:xfrm rot="976525">
+            <a:off x="1885097" y="5580560"/>
+            <a:ext cx="320629" cy="309148"/>
+          </a:xfrm>
+          <a:prstGeom prst="arc">
+            <a:avLst/>
+          </a:prstGeom>
+          <a:ln>
+            <a:solidFill>
+              <a:schemeClr val="tx1"/>
+            </a:solidFill>
+          </a:ln>
+        </p:spPr>
+        <p:style>
+          <a:lnRef idx="2">
+            <a:schemeClr val="accent1"/>
+          </a:lnRef>
+          <a:fillRef idx="0">
+            <a:schemeClr val="accent1"/>
+          </a:fillRef>
+          <a:effectRef idx="1">
+            <a:schemeClr val="accent1"/>
+          </a:effectRef>
+          <a:fontRef idx="minor">
+            <a:schemeClr val="tx1"/>
+          </a:fontRef>
+        </p:style>
+        <p:txBody>
+          <a:bodyPr rtlCol="0" anchor="ctr"/>
+          <a:lstStyle/>
+          <a:p>
+            <a:pPr algn="ctr"/>
+            <a:endParaRPr lang="en-US"/>
+          </a:p>
+        </p:txBody>
+      </p:sp>
+      <mc:AlternateContent xmlns:mc="http://schemas.openxmlformats.org/markup-compatibility/2006">
+        <mc:Choice xmlns:a14="http://schemas.microsoft.com/office/drawing/2010/main" Requires="a14">
+          <p:sp>
+            <p:nvSpPr>
+              <p:cNvPr id="85" name="TextBox 84">
+                <a:extLst>
+                  <a:ext uri="{FF2B5EF4-FFF2-40B4-BE49-F238E27FC236}">
+                    <a16:creationId xmlns:a16="http://schemas.microsoft.com/office/drawing/2014/main" id="{2CD88B43-27A3-DCE4-5586-C1EBA4E3B28D}"/>
+                  </a:ext>
+                </a:extLst>
+              </p:cNvPr>
+              <p:cNvSpPr txBox="1"/>
+              <p:nvPr/>
+            </p:nvSpPr>
+            <p:spPr>
+              <a:xfrm>
+                <a:off x="2165701" y="5386477"/>
+                <a:ext cx="256160" cy="369332"/>
+              </a:xfrm>
+              <a:prstGeom prst="rect">
+                <a:avLst/>
+              </a:prstGeom>
+              <a:noFill/>
+            </p:spPr>
+            <p:txBody>
+              <a:bodyPr wrap="none" lIns="0" tIns="0" rIns="0" bIns="0" rtlCol="0">
+                <a:spAutoFit/>
+              </a:bodyPr>
+              <a:lstStyle/>
+              <a:p>
+                <a:pPr/>
+                <a14:m>
+                  <m:oMathPara xmlns:m="http://schemas.openxmlformats.org/officeDocument/2006/math">
+                    <m:oMathParaPr>
+                      <m:jc m:val="centerGroup"/>
+                    </m:oMathParaPr>
+                    <m:oMath xmlns:m="http://schemas.openxmlformats.org/officeDocument/2006/math">
+                      <m:r>
+                        <a:rPr lang="en-US" sz="2400" i="1" smtClean="0">
+                          <a:latin typeface="Cambria Math" panose="02040503050406030204" pitchFamily="18" charset="0"/>
+                          <a:ea typeface="Cambria Math" panose="02040503050406030204" pitchFamily="18" charset="0"/>
+                        </a:rPr>
+                        <m:t>𝛼</m:t>
+                      </m:r>
+                    </m:oMath>
+                  </m:oMathPara>
+                </a14:m>
+                <a:endParaRPr lang="en-US" sz="2400" dirty="0"/>
+              </a:p>
+            </p:txBody>
+          </p:sp>
+        </mc:Choice>
+        <mc:Fallback>
+          <p:sp>
+            <p:nvSpPr>
+              <p:cNvPr id="85" name="TextBox 84">
+                <a:extLst>
+                  <a:ext uri="{FF2B5EF4-FFF2-40B4-BE49-F238E27FC236}">
+                    <a16:creationId xmlns:a16="http://schemas.microsoft.com/office/drawing/2014/main" id="{2CD88B43-27A3-DCE4-5586-C1EBA4E3B28D}"/>
+                  </a:ext>
+                </a:extLst>
+              </p:cNvPr>
+              <p:cNvSpPr txBox="1">
+                <a:spLocks noRot="1" noChangeAspect="1" noMove="1" noResize="1" noEditPoints="1" noAdjustHandles="1" noChangeArrowheads="1" noChangeShapeType="1" noTextEdit="1"/>
+              </p:cNvSpPr>
+              <p:nvPr/>
+            </p:nvSpPr>
+            <p:spPr>
+              <a:xfrm>
+                <a:off x="2165701" y="5386477"/>
+                <a:ext cx="256160" cy="369332"/>
+              </a:xfrm>
+              <a:prstGeom prst="rect">
+                <a:avLst/>
+              </a:prstGeom>
+              <a:blipFill>
+                <a:blip r:embed="rId10"/>
+                <a:stretch>
+                  <a:fillRect l="-16667" r="-14286"/>
+                </a:stretch>
+              </a:blipFill>
+            </p:spPr>
+            <p:txBody>
+              <a:bodyPr/>
+              <a:lstStyle/>
+              <a:p>
+                <a:r>
+                  <a:rPr lang="en-US">
+                    <a:noFill/>
+                  </a:rPr>
+                  <a:t> </a:t>
+                </a:r>
+              </a:p>
+            </p:txBody>
+          </p:sp>
+        </mc:Fallback>
+      </mc:AlternateContent>
+      <mc:AlternateContent xmlns:mc="http://schemas.openxmlformats.org/markup-compatibility/2006">
+        <mc:Choice xmlns:a14="http://schemas.microsoft.com/office/drawing/2010/main" Requires="a14">
+          <p:sp>
+            <p:nvSpPr>
+              <p:cNvPr id="86" name="TextBox 85">
+                <a:extLst>
+                  <a:ext uri="{FF2B5EF4-FFF2-40B4-BE49-F238E27FC236}">
+                    <a16:creationId xmlns:a16="http://schemas.microsoft.com/office/drawing/2014/main" id="{B026C1E6-5E46-2017-72F7-D9DE292E6A0F}"/>
+                  </a:ext>
+                </a:extLst>
+              </p:cNvPr>
+              <p:cNvSpPr txBox="1"/>
+              <p:nvPr/>
+            </p:nvSpPr>
+            <p:spPr>
+              <a:xfrm>
+                <a:off x="2471740" y="4586262"/>
+                <a:ext cx="262123" cy="414088"/>
+              </a:xfrm>
+              <a:prstGeom prst="rect">
+                <a:avLst/>
+              </a:prstGeom>
+              <a:noFill/>
+            </p:spPr>
+            <p:txBody>
+              <a:bodyPr wrap="none" lIns="0" tIns="0" rIns="0" bIns="0" rtlCol="0">
+                <a:spAutoFit/>
+              </a:bodyPr>
+              <a:lstStyle/>
+              <a:p>
+                <a:pPr/>
+                <a14:m>
+                  <m:oMathPara xmlns:m="http://schemas.openxmlformats.org/officeDocument/2006/math">
+                    <m:oMathParaPr>
+                      <m:jc m:val="centerGroup"/>
+                    </m:oMathParaPr>
+                    <m:oMath xmlns:m="http://schemas.openxmlformats.org/officeDocument/2006/math">
+                      <m:acc>
+                        <m:accPr>
+                          <m:chr m:val="⃗"/>
+                          <m:ctrlPr>
+                            <a:rPr lang="en-US" sz="2400" i="1" smtClean="0">
+                              <a:latin typeface="Cambria Math" panose="02040503050406030204" pitchFamily="18" charset="0"/>
+                              <a:ea typeface="Cambria Math" panose="02040503050406030204" pitchFamily="18" charset="0"/>
+                            </a:rPr>
+                          </m:ctrlPr>
+                        </m:accPr>
+                        <m:e>
+                          <m:r>
+                            <a:rPr lang="en-US" sz="2400" b="0" i="1" smtClean="0">
+                              <a:latin typeface="Cambria Math" panose="02040503050406030204" pitchFamily="18" charset="0"/>
+                              <a:ea typeface="Cambria Math" panose="02040503050406030204" pitchFamily="18" charset="0"/>
+                            </a:rPr>
+                            <m:t>𝐹</m:t>
+                          </m:r>
+                        </m:e>
+                      </m:acc>
+                    </m:oMath>
+                  </m:oMathPara>
+                </a14:m>
+                <a:endParaRPr lang="en-US" sz="2400" dirty="0"/>
+              </a:p>
+            </p:txBody>
+          </p:sp>
+        </mc:Choice>
+        <mc:Fallback>
+          <p:sp>
+            <p:nvSpPr>
+              <p:cNvPr id="86" name="TextBox 85">
+                <a:extLst>
+                  <a:ext uri="{FF2B5EF4-FFF2-40B4-BE49-F238E27FC236}">
+                    <a16:creationId xmlns:a16="http://schemas.microsoft.com/office/drawing/2014/main" id="{B026C1E6-5E46-2017-72F7-D9DE292E6A0F}"/>
+                  </a:ext>
+                </a:extLst>
+              </p:cNvPr>
+              <p:cNvSpPr txBox="1">
+                <a:spLocks noRot="1" noChangeAspect="1" noMove="1" noResize="1" noEditPoints="1" noAdjustHandles="1" noChangeArrowheads="1" noChangeShapeType="1" noTextEdit="1"/>
+              </p:cNvSpPr>
+              <p:nvPr/>
+            </p:nvSpPr>
+            <p:spPr>
+              <a:xfrm>
+                <a:off x="2471740" y="4586262"/>
+                <a:ext cx="262123" cy="414088"/>
+              </a:xfrm>
+              <a:prstGeom prst="rect">
+                <a:avLst/>
+              </a:prstGeom>
+              <a:blipFill>
+                <a:blip r:embed="rId11"/>
+                <a:stretch>
+                  <a:fillRect/>
+                </a:stretch>
+              </a:blipFill>
+            </p:spPr>
+            <p:txBody>
+              <a:bodyPr/>
+              <a:lstStyle/>
+              <a:p>
+                <a:r>
+                  <a:rPr lang="en-US">
+                    <a:noFill/>
+                  </a:rPr>
+                  <a:t> </a:t>
+                </a:r>
+              </a:p>
+            </p:txBody>
+          </p:sp>
+        </mc:Fallback>
+      </mc:AlternateContent>
+      <mc:AlternateContent xmlns:mc="http://schemas.openxmlformats.org/markup-compatibility/2006">
+        <mc:Choice xmlns:a14="http://schemas.microsoft.com/office/drawing/2010/main" Requires="a14">
+          <p:sp>
+            <p:nvSpPr>
+              <p:cNvPr id="87" name="TextBox 86">
+                <a:extLst>
+                  <a:ext uri="{FF2B5EF4-FFF2-40B4-BE49-F238E27FC236}">
+                    <a16:creationId xmlns:a16="http://schemas.microsoft.com/office/drawing/2014/main" id="{309EE3EB-B09E-B7B1-8C5E-D274E033E9C6}"/>
+                  </a:ext>
+                </a:extLst>
+              </p:cNvPr>
+              <p:cNvSpPr txBox="1"/>
+              <p:nvPr/>
+            </p:nvSpPr>
+            <p:spPr>
+              <a:xfrm>
+                <a:off x="2617837" y="5362881"/>
+                <a:ext cx="232051" cy="416524"/>
+              </a:xfrm>
+              <a:prstGeom prst="rect">
+                <a:avLst/>
+              </a:prstGeom>
+              <a:noFill/>
+            </p:spPr>
+            <p:txBody>
+              <a:bodyPr wrap="none" lIns="0" tIns="0" rIns="0" bIns="0" rtlCol="0">
+                <a:spAutoFit/>
+              </a:bodyPr>
+              <a:lstStyle/>
+              <a:p>
+                <a:pPr/>
+                <a14:m>
+                  <m:oMathPara xmlns:m="http://schemas.openxmlformats.org/officeDocument/2006/math">
+                    <m:oMathParaPr>
+                      <m:jc m:val="centerGroup"/>
+                    </m:oMathParaPr>
+                    <m:oMath xmlns:m="http://schemas.openxmlformats.org/officeDocument/2006/math">
+                      <m:acc>
+                        <m:accPr>
+                          <m:chr m:val="⃗"/>
+                          <m:ctrlPr>
+                            <a:rPr lang="en-US" sz="2400" i="1" smtClean="0">
+                              <a:latin typeface="Cambria Math" panose="02040503050406030204" pitchFamily="18" charset="0"/>
+                              <a:ea typeface="Cambria Math" panose="02040503050406030204" pitchFamily="18" charset="0"/>
+                            </a:rPr>
+                          </m:ctrlPr>
+                        </m:accPr>
+                        <m:e>
+                          <m:r>
+                            <a:rPr lang="en-US" sz="2400" b="0" i="1" smtClean="0">
+                              <a:latin typeface="Cambria Math" panose="02040503050406030204" pitchFamily="18" charset="0"/>
+                              <a:ea typeface="Cambria Math" panose="02040503050406030204" pitchFamily="18" charset="0"/>
+                            </a:rPr>
+                            <m:t>𝑆</m:t>
+                          </m:r>
+                        </m:e>
+                      </m:acc>
+                    </m:oMath>
+                  </m:oMathPara>
+                </a14:m>
+                <a:endParaRPr lang="en-US" sz="2400" dirty="0"/>
+              </a:p>
+            </p:txBody>
+          </p:sp>
+        </mc:Choice>
+        <mc:Fallback>
+          <p:sp>
+            <p:nvSpPr>
+              <p:cNvPr id="87" name="TextBox 86">
+                <a:extLst>
+                  <a:ext uri="{FF2B5EF4-FFF2-40B4-BE49-F238E27FC236}">
+                    <a16:creationId xmlns:a16="http://schemas.microsoft.com/office/drawing/2014/main" id="{309EE3EB-B09E-B7B1-8C5E-D274E033E9C6}"/>
+                  </a:ext>
+                </a:extLst>
+              </p:cNvPr>
+              <p:cNvSpPr txBox="1">
+                <a:spLocks noRot="1" noChangeAspect="1" noMove="1" noResize="1" noEditPoints="1" noAdjustHandles="1" noChangeArrowheads="1" noChangeShapeType="1" noTextEdit="1"/>
+              </p:cNvSpPr>
+              <p:nvPr/>
+            </p:nvSpPr>
+            <p:spPr>
+              <a:xfrm>
+                <a:off x="2617837" y="5362881"/>
+                <a:ext cx="232051" cy="416524"/>
+              </a:xfrm>
+              <a:prstGeom prst="rect">
+                <a:avLst/>
+              </a:prstGeom>
+              <a:blipFill>
+                <a:blip r:embed="rId12"/>
+                <a:stretch>
+                  <a:fillRect/>
+                </a:stretch>
+              </a:blipFill>
+            </p:spPr>
+            <p:txBody>
+              <a:bodyPr/>
+              <a:lstStyle/>
+              <a:p>
+                <a:r>
+                  <a:rPr lang="en-US">
+                    <a:noFill/>
+                  </a:rPr>
+                  <a:t> </a:t>
+                </a:r>
+              </a:p>
+            </p:txBody>
+          </p:sp>
+        </mc:Fallback>
+      </mc:AlternateContent>
+      <p:cxnSp>
+        <p:nvCxnSpPr>
+          <p:cNvPr id="88" name="Straight Connector 87">
+            <a:extLst>
+              <a:ext uri="{FF2B5EF4-FFF2-40B4-BE49-F238E27FC236}">
+                <a16:creationId xmlns:a16="http://schemas.microsoft.com/office/drawing/2014/main" id="{622CD8FC-B84A-C5C2-6031-6C96C56A7C77}"/>
+              </a:ext>
+            </a:extLst>
+          </p:cNvPr>
+          <p:cNvCxnSpPr>
+            <a:cxnSpLocks/>
+          </p:cNvCxnSpPr>
+          <p:nvPr/>
+        </p:nvCxnSpPr>
+        <p:spPr>
+          <a:xfrm>
+            <a:off x="6448127" y="6012390"/>
+            <a:ext cx="4742387" cy="0"/>
+          </a:xfrm>
+          <a:prstGeom prst="line">
+            <a:avLst/>
+          </a:prstGeom>
+          <a:ln>
+            <a:solidFill>
+              <a:schemeClr val="tx1"/>
+            </a:solidFill>
+          </a:ln>
+        </p:spPr>
+        <p:style>
+          <a:lnRef idx="2">
+            <a:schemeClr val="accent1"/>
+          </a:lnRef>
+          <a:fillRef idx="0">
+            <a:schemeClr val="accent1"/>
+          </a:fillRef>
+          <a:effectRef idx="1">
+            <a:schemeClr val="accent1"/>
+          </a:effectRef>
+          <a:fontRef idx="minor">
+            <a:schemeClr val="tx1"/>
+          </a:fontRef>
+        </p:style>
+      </p:cxnSp>
+      <p:sp>
+        <p:nvSpPr>
+          <p:cNvPr id="89" name="Rectangle 88">
+            <a:extLst>
+              <a:ext uri="{FF2B5EF4-FFF2-40B4-BE49-F238E27FC236}">
+                <a16:creationId xmlns:a16="http://schemas.microsoft.com/office/drawing/2014/main" id="{DD3DFC24-EEFD-8F65-0BC7-A52905C11CEE}"/>
+              </a:ext>
+            </a:extLst>
+          </p:cNvPr>
+          <p:cNvSpPr/>
+          <p:nvPr/>
+        </p:nvSpPr>
+        <p:spPr>
+          <a:xfrm>
+            <a:off x="6889173" y="5577146"/>
+            <a:ext cx="943276" cy="416524"/>
+          </a:xfrm>
+          <a:prstGeom prst="rect">
+            <a:avLst/>
+          </a:prstGeom>
+          <a:solidFill>
+            <a:schemeClr val="accent4">
+              <a:lumMod val="60000"/>
+              <a:lumOff val="40000"/>
+              <a:alpha val="48000"/>
+            </a:schemeClr>
+          </a:solidFill>
+        </p:spPr>
+        <p:style>
+          <a:lnRef idx="2">
+            <a:schemeClr val="accent1">
+              <a:shade val="15000"/>
+            </a:schemeClr>
+          </a:lnRef>
+          <a:fillRef idx="1">
+            <a:schemeClr val="accent1"/>
+          </a:fillRef>
+          <a:effectRef idx="0">
+            <a:schemeClr val="accent1"/>
+          </a:effectRef>
+          <a:fontRef idx="minor">
+            <a:schemeClr val="lt1"/>
+          </a:fontRef>
+        </p:style>
+        <p:txBody>
+          <a:bodyPr rtlCol="0" anchor="ctr"/>
+          <a:lstStyle/>
+          <a:p>
+            <a:pPr algn="ctr"/>
+            <a:endParaRPr lang="en-US"/>
+          </a:p>
+        </p:txBody>
+      </p:sp>
+      <p:sp>
+        <p:nvSpPr>
+          <p:cNvPr id="97" name="Rectangle 96">
+            <a:extLst>
+              <a:ext uri="{FF2B5EF4-FFF2-40B4-BE49-F238E27FC236}">
+                <a16:creationId xmlns:a16="http://schemas.microsoft.com/office/drawing/2014/main" id="{61634C32-9B64-9911-545E-23983663C57C}"/>
+              </a:ext>
+            </a:extLst>
+          </p:cNvPr>
+          <p:cNvSpPr/>
+          <p:nvPr/>
+        </p:nvSpPr>
+        <p:spPr>
+          <a:xfrm>
+            <a:off x="9675916" y="5588032"/>
+            <a:ext cx="943276" cy="416524"/>
+          </a:xfrm>
+          <a:prstGeom prst="rect">
+            <a:avLst/>
+          </a:prstGeom>
+          <a:solidFill>
+            <a:schemeClr val="accent5">
+              <a:lumMod val="60000"/>
+              <a:lumOff val="40000"/>
+              <a:alpha val="48000"/>
+            </a:schemeClr>
+          </a:solidFill>
+        </p:spPr>
+        <p:style>
+          <a:lnRef idx="2">
+            <a:schemeClr val="accent1">
+              <a:shade val="15000"/>
+            </a:schemeClr>
+          </a:lnRef>
+          <a:fillRef idx="1">
+            <a:schemeClr val="accent1"/>
+          </a:fillRef>
+          <a:effectRef idx="0">
+            <a:schemeClr val="accent1"/>
+          </a:effectRef>
+          <a:fontRef idx="minor">
+            <a:schemeClr val="lt1"/>
+          </a:fontRef>
+        </p:style>
+        <p:txBody>
+          <a:bodyPr rtlCol="0" anchor="ctr"/>
+          <a:lstStyle/>
+          <a:p>
+            <a:pPr algn="ctr"/>
+            <a:endParaRPr lang="en-US"/>
+          </a:p>
+        </p:txBody>
+      </p:sp>
+      <p:cxnSp>
+        <p:nvCxnSpPr>
+          <p:cNvPr id="98" name="Straight Arrow Connector 97">
+            <a:extLst>
+              <a:ext uri="{FF2B5EF4-FFF2-40B4-BE49-F238E27FC236}">
+                <a16:creationId xmlns:a16="http://schemas.microsoft.com/office/drawing/2014/main" id="{FAF72760-D88A-F438-FE1D-2280AC533815}"/>
+              </a:ext>
+            </a:extLst>
+          </p:cNvPr>
+          <p:cNvCxnSpPr>
+            <a:cxnSpLocks/>
+          </p:cNvCxnSpPr>
+          <p:nvPr/>
+        </p:nvCxnSpPr>
+        <p:spPr>
+          <a:xfrm flipH="1">
+            <a:off x="7350874" y="5811109"/>
+            <a:ext cx="901065" cy="0"/>
+          </a:xfrm>
+          <a:prstGeom prst="straightConnector1">
+            <a:avLst/>
+          </a:prstGeom>
+          <a:ln w="28575">
+            <a:solidFill>
+              <a:schemeClr val="tx1"/>
+            </a:solidFill>
+            <a:prstDash val="solid"/>
+            <a:headEnd type="stealth" w="med" len="lg"/>
+            <a:tailEnd type="none" w="med" len="sm"/>
+          </a:ln>
+        </p:spPr>
+        <p:style>
+          <a:lnRef idx="1">
+            <a:schemeClr val="accent1"/>
+          </a:lnRef>
+          <a:fillRef idx="0">
+            <a:schemeClr val="accent1"/>
+          </a:fillRef>
+          <a:effectRef idx="0">
+            <a:schemeClr val="accent1"/>
+          </a:effectRef>
+          <a:fontRef idx="minor">
+            <a:schemeClr val="tx1"/>
+          </a:fontRef>
+        </p:style>
+      </p:cxnSp>
+      <mc:AlternateContent xmlns:mc="http://schemas.openxmlformats.org/markup-compatibility/2006">
+        <mc:Choice xmlns:a14="http://schemas.microsoft.com/office/drawing/2010/main" Requires="a14">
+          <p:sp>
+            <p:nvSpPr>
+              <p:cNvPr id="99" name="TextBox 98">
+                <a:extLst>
+                  <a:ext uri="{FF2B5EF4-FFF2-40B4-BE49-F238E27FC236}">
+                    <a16:creationId xmlns:a16="http://schemas.microsoft.com/office/drawing/2014/main" id="{C03C4B26-4F77-DABA-0C1D-36D622EBEA32}"/>
+                  </a:ext>
+                </a:extLst>
+              </p:cNvPr>
+              <p:cNvSpPr txBox="1"/>
+              <p:nvPr/>
+            </p:nvSpPr>
+            <p:spPr>
+              <a:xfrm>
+                <a:off x="7896080" y="5416076"/>
+                <a:ext cx="368819" cy="369332"/>
+              </a:xfrm>
+              <a:prstGeom prst="rect">
+                <a:avLst/>
+              </a:prstGeom>
+              <a:noFill/>
+            </p:spPr>
+            <p:txBody>
+              <a:bodyPr wrap="none" lIns="0" tIns="0" rIns="0" bIns="0" rtlCol="0">
+                <a:spAutoFit/>
+              </a:bodyPr>
+              <a:lstStyle/>
+              <a:p>
+                <a:pPr/>
+                <a14:m>
+                  <m:oMathPara xmlns:m="http://schemas.openxmlformats.org/officeDocument/2006/math">
+                    <m:oMathParaPr>
+                      <m:jc m:val="centerGroup"/>
+                    </m:oMathParaPr>
+                    <m:oMath xmlns:m="http://schemas.openxmlformats.org/officeDocument/2006/math">
+                      <m:acc>
+                        <m:accPr>
+                          <m:chr m:val="⃗"/>
+                          <m:ctrlPr>
+                            <a:rPr lang="en-US" sz="2400" i="1" smtClean="0">
+                              <a:latin typeface="Cambria Math" panose="02040503050406030204" pitchFamily="18" charset="0"/>
+                              <a:ea typeface="Cambria Math" panose="02040503050406030204" pitchFamily="18" charset="0"/>
+                            </a:rPr>
+                          </m:ctrlPr>
+                        </m:accPr>
+                        <m:e>
+                          <m:sSub>
+                            <m:sSubPr>
+                              <m:ctrlPr>
+                                <a:rPr lang="en-US" sz="2400" i="1" smtClean="0">
+                                  <a:latin typeface="Cambria Math" panose="02040503050406030204" pitchFamily="18" charset="0"/>
+                                  <a:ea typeface="Cambria Math" panose="02040503050406030204" pitchFamily="18" charset="0"/>
+                                </a:rPr>
+                              </m:ctrlPr>
+                            </m:sSubPr>
+                            <m:e>
+                              <m:r>
+                                <a:rPr lang="en-US" sz="2400" b="0" i="1" smtClean="0">
+                                  <a:latin typeface="Cambria Math" panose="02040503050406030204" pitchFamily="18" charset="0"/>
+                                  <a:ea typeface="Cambria Math" panose="02040503050406030204" pitchFamily="18" charset="0"/>
+                                </a:rPr>
+                                <m:t>𝑣</m:t>
+                              </m:r>
+                            </m:e>
+                            <m:sub>
+                              <m:r>
+                                <a:rPr lang="en-US" sz="2400" b="0" i="1" smtClean="0">
+                                  <a:latin typeface="Cambria Math" panose="02040503050406030204" pitchFamily="18" charset="0"/>
+                                  <a:ea typeface="Cambria Math" panose="02040503050406030204" pitchFamily="18" charset="0"/>
+                                </a:rPr>
+                                <m:t>0</m:t>
+                              </m:r>
+                            </m:sub>
+                          </m:sSub>
+                        </m:e>
+                      </m:acc>
+                    </m:oMath>
+                  </m:oMathPara>
+                </a14:m>
+                <a:endParaRPr lang="en-US" sz="2400" dirty="0"/>
+              </a:p>
+            </p:txBody>
+          </p:sp>
+        </mc:Choice>
+        <mc:Fallback>
+          <p:sp>
+            <p:nvSpPr>
+              <p:cNvPr id="99" name="TextBox 98">
+                <a:extLst>
+                  <a:ext uri="{FF2B5EF4-FFF2-40B4-BE49-F238E27FC236}">
+                    <a16:creationId xmlns:a16="http://schemas.microsoft.com/office/drawing/2014/main" id="{C03C4B26-4F77-DABA-0C1D-36D622EBEA32}"/>
+                  </a:ext>
+                </a:extLst>
+              </p:cNvPr>
+              <p:cNvSpPr txBox="1">
+                <a:spLocks noRot="1" noChangeAspect="1" noMove="1" noResize="1" noEditPoints="1" noAdjustHandles="1" noChangeArrowheads="1" noChangeShapeType="1" noTextEdit="1"/>
+              </p:cNvSpPr>
+              <p:nvPr/>
+            </p:nvSpPr>
+            <p:spPr>
+              <a:xfrm>
+                <a:off x="7896080" y="5416076"/>
+                <a:ext cx="368819" cy="369332"/>
+              </a:xfrm>
+              <a:prstGeom prst="rect">
+                <a:avLst/>
+              </a:prstGeom>
+              <a:blipFill>
+                <a:blip r:embed="rId13"/>
+                <a:stretch>
+                  <a:fillRect l="-13115" r="-6557" b="-11475"/>
+                </a:stretch>
+              </a:blipFill>
+            </p:spPr>
+            <p:txBody>
+              <a:bodyPr/>
+              <a:lstStyle/>
+              <a:p>
+                <a:r>
+                  <a:rPr lang="en-US">
+                    <a:noFill/>
+                  </a:rPr>
+                  <a:t> </a:t>
+                </a:r>
+              </a:p>
+            </p:txBody>
+          </p:sp>
+        </mc:Fallback>
+      </mc:AlternateContent>
+      <p:cxnSp>
+        <p:nvCxnSpPr>
+          <p:cNvPr id="101" name="Straight Arrow Connector 100">
+            <a:extLst>
+              <a:ext uri="{FF2B5EF4-FFF2-40B4-BE49-F238E27FC236}">
+                <a16:creationId xmlns:a16="http://schemas.microsoft.com/office/drawing/2014/main" id="{B69ABA0D-6F35-5D9D-A4DA-C387323012E0}"/>
+              </a:ext>
+            </a:extLst>
+          </p:cNvPr>
+          <p:cNvCxnSpPr>
+            <a:cxnSpLocks/>
+          </p:cNvCxnSpPr>
+          <p:nvPr/>
+        </p:nvCxnSpPr>
+        <p:spPr>
+          <a:xfrm>
+            <a:off x="9175750" y="5811109"/>
+            <a:ext cx="971804" cy="0"/>
+          </a:xfrm>
+          <a:prstGeom prst="straightConnector1">
+            <a:avLst/>
+          </a:prstGeom>
+          <a:ln w="28575">
+            <a:solidFill>
+              <a:schemeClr val="tx1"/>
+            </a:solidFill>
+            <a:prstDash val="solid"/>
+            <a:headEnd type="stealth" w="med" len="lg"/>
+            <a:tailEnd type="none" w="med" len="sm"/>
+          </a:ln>
+        </p:spPr>
+        <p:style>
+          <a:lnRef idx="1">
+            <a:schemeClr val="accent1"/>
+          </a:lnRef>
+          <a:fillRef idx="0">
+            <a:schemeClr val="accent1"/>
+          </a:fillRef>
+          <a:effectRef idx="0">
+            <a:schemeClr val="accent1"/>
+          </a:effectRef>
+          <a:fontRef idx="minor">
+            <a:schemeClr val="tx1"/>
+          </a:fontRef>
+        </p:style>
+      </p:cxnSp>
+      <mc:AlternateContent xmlns:mc="http://schemas.openxmlformats.org/markup-compatibility/2006">
+        <mc:Choice xmlns:a14="http://schemas.microsoft.com/office/drawing/2010/main" Requires="a14">
+          <p:sp>
+            <p:nvSpPr>
+              <p:cNvPr id="103" name="TextBox 102">
+                <a:extLst>
+                  <a:ext uri="{FF2B5EF4-FFF2-40B4-BE49-F238E27FC236}">
+                    <a16:creationId xmlns:a16="http://schemas.microsoft.com/office/drawing/2014/main" id="{E0E5CB96-E097-FCD0-BEDE-E3C29506EF5B}"/>
+                  </a:ext>
+                </a:extLst>
+              </p:cNvPr>
+              <p:cNvSpPr txBox="1"/>
+              <p:nvPr/>
+            </p:nvSpPr>
+            <p:spPr>
+              <a:xfrm>
+                <a:off x="9299347" y="5395666"/>
+                <a:ext cx="394659" cy="376898"/>
+              </a:xfrm>
+              <a:prstGeom prst="rect">
+                <a:avLst/>
+              </a:prstGeom>
+              <a:noFill/>
+            </p:spPr>
+            <p:txBody>
+              <a:bodyPr wrap="none" lIns="0" tIns="0" rIns="0" bIns="0" rtlCol="0">
+                <a:spAutoFit/>
+              </a:bodyPr>
+              <a:lstStyle/>
+              <a:p>
+                <a:pPr/>
+                <a14:m>
+                  <m:oMathPara xmlns:m="http://schemas.openxmlformats.org/officeDocument/2006/math">
+                    <m:oMathParaPr>
+                      <m:jc m:val="centerGroup"/>
+                    </m:oMathParaPr>
+                    <m:oMath xmlns:m="http://schemas.openxmlformats.org/officeDocument/2006/math">
+                      <m:acc>
+                        <m:accPr>
+                          <m:chr m:val="⃗"/>
+                          <m:ctrlPr>
+                            <a:rPr lang="en-US" sz="2000" i="1" smtClean="0">
+                              <a:latin typeface="Cambria Math" panose="02040503050406030204" pitchFamily="18" charset="0"/>
+                              <a:ea typeface="Cambria Math" panose="02040503050406030204" pitchFamily="18" charset="0"/>
+                            </a:rPr>
+                          </m:ctrlPr>
+                        </m:accPr>
+                        <m:e>
+                          <m:sSub>
+                            <m:sSubPr>
+                              <m:ctrlPr>
+                                <a:rPr lang="en-US" sz="2000" i="1" smtClean="0">
+                                  <a:latin typeface="Cambria Math" panose="02040503050406030204" pitchFamily="18" charset="0"/>
+                                  <a:ea typeface="Cambria Math" panose="02040503050406030204" pitchFamily="18" charset="0"/>
+                                </a:rPr>
+                              </m:ctrlPr>
+                            </m:sSubPr>
+                            <m:e>
+                              <m:r>
+                                <a:rPr lang="en-US" sz="2000" b="0" i="1" smtClean="0">
+                                  <a:latin typeface="Cambria Math" panose="02040503050406030204" pitchFamily="18" charset="0"/>
+                                  <a:ea typeface="Cambria Math" panose="02040503050406030204" pitchFamily="18" charset="0"/>
+                                </a:rPr>
+                                <m:t>𝐹</m:t>
+                              </m:r>
+                            </m:e>
+                            <m:sub>
+                              <m:r>
+                                <a:rPr lang="en-US" sz="2000" b="0" i="1" smtClean="0">
+                                  <a:latin typeface="Cambria Math" panose="02040503050406030204" pitchFamily="18" charset="0"/>
+                                  <a:ea typeface="Cambria Math" panose="02040503050406030204" pitchFamily="18" charset="0"/>
+                                </a:rPr>
+                                <m:t>𝑓𝑟</m:t>
+                              </m:r>
+                            </m:sub>
+                          </m:sSub>
+                        </m:e>
+                      </m:acc>
+                    </m:oMath>
+                  </m:oMathPara>
+                </a14:m>
+                <a:endParaRPr lang="en-US" sz="2000" dirty="0"/>
+              </a:p>
+            </p:txBody>
+          </p:sp>
+        </mc:Choice>
+        <mc:Fallback>
+          <p:sp>
+            <p:nvSpPr>
+              <p:cNvPr id="103" name="TextBox 102">
+                <a:extLst>
+                  <a:ext uri="{FF2B5EF4-FFF2-40B4-BE49-F238E27FC236}">
+                    <a16:creationId xmlns:a16="http://schemas.microsoft.com/office/drawing/2014/main" id="{E0E5CB96-E097-FCD0-BEDE-E3C29506EF5B}"/>
+                  </a:ext>
+                </a:extLst>
+              </p:cNvPr>
+              <p:cNvSpPr txBox="1">
+                <a:spLocks noRot="1" noChangeAspect="1" noMove="1" noResize="1" noEditPoints="1" noAdjustHandles="1" noChangeArrowheads="1" noChangeShapeType="1" noTextEdit="1"/>
+              </p:cNvSpPr>
+              <p:nvPr/>
+            </p:nvSpPr>
+            <p:spPr>
+              <a:xfrm>
+                <a:off x="9299347" y="5395666"/>
+                <a:ext cx="394659" cy="376898"/>
+              </a:xfrm>
+              <a:prstGeom prst="rect">
+                <a:avLst/>
+              </a:prstGeom>
+              <a:blipFill>
+                <a:blip r:embed="rId14"/>
+                <a:stretch>
+                  <a:fillRect l="-13846" r="-10769" b="-22581"/>
+                </a:stretch>
+              </a:blipFill>
+            </p:spPr>
+            <p:txBody>
+              <a:bodyPr/>
+              <a:lstStyle/>
+              <a:p>
+                <a:r>
+                  <a:rPr lang="en-US">
+                    <a:noFill/>
+                  </a:rPr>
+                  <a:t> </a:t>
+                </a:r>
+              </a:p>
+            </p:txBody>
+          </p:sp>
+        </mc:Fallback>
+      </mc:AlternateContent>
+      <p:cxnSp>
+        <p:nvCxnSpPr>
+          <p:cNvPr id="104" name="Straight Arrow Connector 103">
+            <a:extLst>
+              <a:ext uri="{FF2B5EF4-FFF2-40B4-BE49-F238E27FC236}">
+                <a16:creationId xmlns:a16="http://schemas.microsoft.com/office/drawing/2014/main" id="{2D4AFD25-0765-F583-F45D-69B37208D7BB}"/>
+              </a:ext>
+            </a:extLst>
+          </p:cNvPr>
+          <p:cNvCxnSpPr>
+            <a:cxnSpLocks/>
+          </p:cNvCxnSpPr>
+          <p:nvPr/>
+        </p:nvCxnSpPr>
+        <p:spPr>
+          <a:xfrm flipH="1">
+            <a:off x="7553406" y="6446109"/>
+            <a:ext cx="2536744" cy="0"/>
+          </a:xfrm>
+          <a:prstGeom prst="straightConnector1">
+            <a:avLst/>
+          </a:prstGeom>
+          <a:ln w="28575">
+            <a:solidFill>
+              <a:schemeClr val="tx1"/>
+            </a:solidFill>
+            <a:prstDash val="solid"/>
+            <a:headEnd type="stealth" w="med" len="lg"/>
+            <a:tailEnd type="stealth" w="med" len="lg"/>
+          </a:ln>
+        </p:spPr>
+        <p:style>
+          <a:lnRef idx="1">
+            <a:schemeClr val="accent1"/>
+          </a:lnRef>
+          <a:fillRef idx="0">
+            <a:schemeClr val="accent1"/>
+          </a:fillRef>
+          <a:effectRef idx="0">
+            <a:schemeClr val="accent1"/>
+          </a:effectRef>
+          <a:fontRef idx="minor">
+            <a:schemeClr val="tx1"/>
+          </a:fontRef>
+        </p:style>
+      </p:cxnSp>
+      <p:cxnSp>
+        <p:nvCxnSpPr>
+          <p:cNvPr id="108" name="Straight Arrow Connector 107">
+            <a:extLst>
+              <a:ext uri="{FF2B5EF4-FFF2-40B4-BE49-F238E27FC236}">
+                <a16:creationId xmlns:a16="http://schemas.microsoft.com/office/drawing/2014/main" id="{2C14002B-BBFB-4865-CD09-186106FBA62A}"/>
+              </a:ext>
+            </a:extLst>
+          </p:cNvPr>
+          <p:cNvCxnSpPr>
+            <a:cxnSpLocks/>
+          </p:cNvCxnSpPr>
+          <p:nvPr/>
+        </p:nvCxnSpPr>
+        <p:spPr>
+          <a:xfrm flipV="1">
+            <a:off x="7350874" y="5811109"/>
+            <a:ext cx="0" cy="733624"/>
+          </a:xfrm>
+          <a:prstGeom prst="straightConnector1">
+            <a:avLst/>
+          </a:prstGeom>
+          <a:ln w="28575">
+            <a:solidFill>
+              <a:schemeClr val="tx1"/>
+            </a:solidFill>
+            <a:prstDash val="solid"/>
+            <a:headEnd type="none" w="med" len="lg"/>
+            <a:tailEnd type="none" w="med" len="sm"/>
+          </a:ln>
+        </p:spPr>
+        <p:style>
+          <a:lnRef idx="1">
+            <a:schemeClr val="accent1"/>
+          </a:lnRef>
+          <a:fillRef idx="0">
+            <a:schemeClr val="accent1"/>
+          </a:fillRef>
+          <a:effectRef idx="0">
+            <a:schemeClr val="accent1"/>
+          </a:effectRef>
+          <a:fontRef idx="minor">
+            <a:schemeClr val="tx1"/>
+          </a:fontRef>
+        </p:style>
+      </p:cxnSp>
+      <mc:AlternateContent xmlns:mc="http://schemas.openxmlformats.org/markup-compatibility/2006">
+        <mc:Choice xmlns:a14="http://schemas.microsoft.com/office/drawing/2010/main" Requires="a14">
+          <p:sp>
+            <p:nvSpPr>
+              <p:cNvPr id="110" name="TextBox 109">
+                <a:extLst>
+                  <a:ext uri="{FF2B5EF4-FFF2-40B4-BE49-F238E27FC236}">
+                    <a16:creationId xmlns:a16="http://schemas.microsoft.com/office/drawing/2014/main" id="{8DC2C85E-15E7-8500-860B-A73991954EA0}"/>
+                  </a:ext>
+                </a:extLst>
+              </p:cNvPr>
+              <p:cNvSpPr txBox="1"/>
+              <p:nvPr/>
+            </p:nvSpPr>
+            <p:spPr>
+              <a:xfrm>
+                <a:off x="8786693" y="6093896"/>
+                <a:ext cx="232051" cy="369332"/>
+              </a:xfrm>
+              <a:prstGeom prst="rect">
+                <a:avLst/>
+              </a:prstGeom>
+              <a:noFill/>
+            </p:spPr>
+            <p:txBody>
+              <a:bodyPr wrap="none" lIns="0" tIns="0" rIns="0" bIns="0" rtlCol="0">
+                <a:spAutoFit/>
+              </a:bodyPr>
+              <a:lstStyle/>
+              <a:p>
+                <a:pPr/>
+                <a14:m>
+                  <m:oMathPara xmlns:m="http://schemas.openxmlformats.org/officeDocument/2006/math">
+                    <m:oMathParaPr>
+                      <m:jc m:val="centerGroup"/>
+                    </m:oMathParaPr>
+                    <m:oMath xmlns:m="http://schemas.openxmlformats.org/officeDocument/2006/math">
+                      <m:r>
+                        <a:rPr lang="en-US" sz="2400" i="1" smtClean="0">
+                          <a:latin typeface="Cambria Math" panose="02040503050406030204" pitchFamily="18" charset="0"/>
+                          <a:ea typeface="Cambria Math" panose="02040503050406030204" pitchFamily="18" charset="0"/>
+                        </a:rPr>
+                        <m:t>𝑆</m:t>
+                      </m:r>
+                    </m:oMath>
+                  </m:oMathPara>
+                </a14:m>
+                <a:endParaRPr lang="en-US" sz="2400" dirty="0"/>
+              </a:p>
+            </p:txBody>
+          </p:sp>
+        </mc:Choice>
+        <mc:Fallback>
+          <p:sp>
+            <p:nvSpPr>
+              <p:cNvPr id="110" name="TextBox 109">
+                <a:extLst>
+                  <a:ext uri="{FF2B5EF4-FFF2-40B4-BE49-F238E27FC236}">
+                    <a16:creationId xmlns:a16="http://schemas.microsoft.com/office/drawing/2014/main" id="{8DC2C85E-15E7-8500-860B-A73991954EA0}"/>
+                  </a:ext>
+                </a:extLst>
+              </p:cNvPr>
+              <p:cNvSpPr txBox="1">
+                <a:spLocks noRot="1" noChangeAspect="1" noMove="1" noResize="1" noEditPoints="1" noAdjustHandles="1" noChangeArrowheads="1" noChangeShapeType="1" noTextEdit="1"/>
+              </p:cNvSpPr>
+              <p:nvPr/>
+            </p:nvSpPr>
+            <p:spPr>
+              <a:xfrm>
+                <a:off x="8786693" y="6093896"/>
+                <a:ext cx="232051" cy="369332"/>
+              </a:xfrm>
+              <a:prstGeom prst="rect">
+                <a:avLst/>
+              </a:prstGeom>
+              <a:blipFill>
+                <a:blip r:embed="rId15"/>
+                <a:stretch>
+                  <a:fillRect l="-31579" r="-28947" b="-5000"/>
+                </a:stretch>
+              </a:blipFill>
+            </p:spPr>
+            <p:txBody>
+              <a:bodyPr/>
+              <a:lstStyle/>
+              <a:p>
+                <a:r>
+                  <a:rPr lang="en-US">
+                    <a:noFill/>
+                  </a:rPr>
+                  <a:t> </a:t>
+                </a:r>
+              </a:p>
+            </p:txBody>
+          </p:sp>
+        </mc:Fallback>
+      </mc:AlternateContent>
+      <mc:AlternateContent xmlns:mc="http://schemas.openxmlformats.org/markup-compatibility/2006">
+        <mc:Choice xmlns:a14="http://schemas.microsoft.com/office/drawing/2010/main" Requires="a14">
+          <p:sp>
+            <p:nvSpPr>
+              <p:cNvPr id="112" name="TextBox 111">
+                <a:extLst>
+                  <a:ext uri="{FF2B5EF4-FFF2-40B4-BE49-F238E27FC236}">
+                    <a16:creationId xmlns:a16="http://schemas.microsoft.com/office/drawing/2014/main" id="{CB9B5ECD-8033-B75A-6533-C6FA24976B9E}"/>
+                  </a:ext>
+                </a:extLst>
+              </p:cNvPr>
+              <p:cNvSpPr txBox="1"/>
+              <p:nvPr/>
+            </p:nvSpPr>
+            <p:spPr>
+              <a:xfrm>
+                <a:off x="7104404" y="5191200"/>
+                <a:ext cx="325858" cy="369332"/>
+              </a:xfrm>
+              <a:prstGeom prst="rect">
+                <a:avLst/>
+              </a:prstGeom>
+              <a:noFill/>
+            </p:spPr>
+            <p:txBody>
+              <a:bodyPr wrap="none" lIns="0" tIns="0" rIns="0" bIns="0" rtlCol="0">
+                <a:spAutoFit/>
+              </a:bodyPr>
+              <a:lstStyle/>
+              <a:p>
+                <a:pPr/>
+                <a14:m>
+                  <m:oMathPara xmlns:m="http://schemas.openxmlformats.org/officeDocument/2006/math">
+                    <m:oMathParaPr>
+                      <m:jc m:val="centerGroup"/>
+                    </m:oMathParaPr>
+                    <m:oMath xmlns:m="http://schemas.openxmlformats.org/officeDocument/2006/math">
+                      <m:r>
+                        <a:rPr lang="en-US" sz="2400" i="1" smtClean="0">
+                          <a:latin typeface="Cambria Math" panose="02040503050406030204" pitchFamily="18" charset="0"/>
+                          <a:ea typeface="Cambria Math" panose="02040503050406030204" pitchFamily="18" charset="0"/>
+                        </a:rPr>
+                        <m:t>𝑚</m:t>
+                      </m:r>
+                    </m:oMath>
+                  </m:oMathPara>
+                </a14:m>
+                <a:endParaRPr lang="en-US" sz="2400" dirty="0"/>
+              </a:p>
+            </p:txBody>
+          </p:sp>
+        </mc:Choice>
+        <mc:Fallback>
+          <p:sp>
+            <p:nvSpPr>
+              <p:cNvPr id="112" name="TextBox 111">
+                <a:extLst>
+                  <a:ext uri="{FF2B5EF4-FFF2-40B4-BE49-F238E27FC236}">
+                    <a16:creationId xmlns:a16="http://schemas.microsoft.com/office/drawing/2014/main" id="{CB9B5ECD-8033-B75A-6533-C6FA24976B9E}"/>
+                  </a:ext>
+                </a:extLst>
+              </p:cNvPr>
+              <p:cNvSpPr txBox="1">
+                <a:spLocks noRot="1" noChangeAspect="1" noMove="1" noResize="1" noEditPoints="1" noAdjustHandles="1" noChangeArrowheads="1" noChangeShapeType="1" noTextEdit="1"/>
+              </p:cNvSpPr>
+              <p:nvPr/>
+            </p:nvSpPr>
+            <p:spPr>
+              <a:xfrm>
+                <a:off x="7104404" y="5191200"/>
+                <a:ext cx="325858" cy="369332"/>
+              </a:xfrm>
+              <a:prstGeom prst="rect">
+                <a:avLst/>
+              </a:prstGeom>
+              <a:blipFill>
+                <a:blip r:embed="rId16"/>
+                <a:stretch>
+                  <a:fillRect l="-12963" r="-11111"/>
+                </a:stretch>
+              </a:blipFill>
+            </p:spPr>
+            <p:txBody>
+              <a:bodyPr/>
+              <a:lstStyle/>
+              <a:p>
+                <a:r>
+                  <a:rPr lang="en-US">
+                    <a:noFill/>
+                  </a:rPr>
+                  <a:t> </a:t>
+                </a:r>
+              </a:p>
+            </p:txBody>
+          </p:sp>
+        </mc:Fallback>
+      </mc:AlternateContent>
+      <mc:AlternateContent xmlns:mc="http://schemas.openxmlformats.org/markup-compatibility/2006">
+        <mc:Choice xmlns:a14="http://schemas.microsoft.com/office/drawing/2010/main" Requires="a14">
+          <p:sp>
+            <p:nvSpPr>
+              <p:cNvPr id="113" name="TextBox 112">
+                <a:extLst>
+                  <a:ext uri="{FF2B5EF4-FFF2-40B4-BE49-F238E27FC236}">
+                    <a16:creationId xmlns:a16="http://schemas.microsoft.com/office/drawing/2014/main" id="{D7166BF0-B40E-0094-EDBC-ECF86EB5391A}"/>
+                  </a:ext>
+                </a:extLst>
+              </p:cNvPr>
+              <p:cNvSpPr txBox="1"/>
+              <p:nvPr/>
+            </p:nvSpPr>
+            <p:spPr>
+              <a:xfrm>
+                <a:off x="6436905" y="5928443"/>
+                <a:ext cx="239103" cy="369332"/>
+              </a:xfrm>
+              <a:prstGeom prst="rect">
+                <a:avLst/>
+              </a:prstGeom>
+              <a:noFill/>
+            </p:spPr>
+            <p:txBody>
+              <a:bodyPr wrap="none" lIns="0" tIns="0" rIns="0" bIns="0" rtlCol="0">
+                <a:spAutoFit/>
+              </a:bodyPr>
+              <a:lstStyle/>
+              <a:p>
+                <a:pPr/>
+                <a14:m>
+                  <m:oMathPara xmlns:m="http://schemas.openxmlformats.org/officeDocument/2006/math">
+                    <m:oMathParaPr>
+                      <m:jc m:val="centerGroup"/>
+                    </m:oMathParaPr>
+                    <m:oMath xmlns:m="http://schemas.openxmlformats.org/officeDocument/2006/math">
+                      <m:r>
+                        <a:rPr lang="en-US" sz="2400" i="1" smtClean="0">
+                          <a:latin typeface="Cambria Math" panose="02040503050406030204" pitchFamily="18" charset="0"/>
+                          <a:ea typeface="Cambria Math" panose="02040503050406030204" pitchFamily="18" charset="0"/>
+                        </a:rPr>
+                        <m:t>𝜇</m:t>
+                      </m:r>
+                    </m:oMath>
+                  </m:oMathPara>
+                </a14:m>
+                <a:endParaRPr lang="en-US" sz="2400" dirty="0"/>
+              </a:p>
+            </p:txBody>
+          </p:sp>
+        </mc:Choice>
+        <mc:Fallback>
+          <p:sp>
+            <p:nvSpPr>
+              <p:cNvPr id="113" name="TextBox 112">
+                <a:extLst>
+                  <a:ext uri="{FF2B5EF4-FFF2-40B4-BE49-F238E27FC236}">
+                    <a16:creationId xmlns:a16="http://schemas.microsoft.com/office/drawing/2014/main" id="{D7166BF0-B40E-0094-EDBC-ECF86EB5391A}"/>
+                  </a:ext>
+                </a:extLst>
+              </p:cNvPr>
+              <p:cNvSpPr txBox="1">
+                <a:spLocks noRot="1" noChangeAspect="1" noMove="1" noResize="1" noEditPoints="1" noAdjustHandles="1" noChangeArrowheads="1" noChangeShapeType="1" noTextEdit="1"/>
+              </p:cNvSpPr>
+              <p:nvPr/>
+            </p:nvSpPr>
+            <p:spPr>
+              <a:xfrm>
+                <a:off x="6436905" y="5928443"/>
+                <a:ext cx="239103" cy="369332"/>
+              </a:xfrm>
+              <a:prstGeom prst="rect">
+                <a:avLst/>
+              </a:prstGeom>
+              <a:blipFill>
+                <a:blip r:embed="rId17"/>
+                <a:stretch>
+                  <a:fillRect l="-33333" r="-25641" b="-21667"/>
+                </a:stretch>
+              </a:blipFill>
+            </p:spPr>
+            <p:txBody>
+              <a:bodyPr/>
+              <a:lstStyle/>
+              <a:p>
+                <a:r>
+                  <a:rPr lang="en-US">
+                    <a:noFill/>
+                  </a:rPr>
+                  <a:t> </a:t>
+                </a:r>
+              </a:p>
+            </p:txBody>
+          </p:sp>
+        </mc:Fallback>
+      </mc:AlternateContent>
+    </p:spTree>
+    <p:extLst>
+      <p:ext uri="{BB962C8B-B14F-4D97-AF65-F5344CB8AC3E}">
+        <p14:creationId xmlns:p14="http://schemas.microsoft.com/office/powerpoint/2010/main" val="3206780011"/>
+      </p:ext>
+    </p:extLst>
+  </p:cSld>
+  <p:clrMapOvr>
+    <a:masterClrMapping/>
+  </p:clrMapOvr>
+</p:sld>
+</file>
+
+<file path=ppt/slides/slide25.xml><?xml version="1.0" encoding="utf-8"?>
+<p:sld xmlns:a="http://schemas.openxmlformats.org/drawingml/2006/main" xmlns:r="http://schemas.openxmlformats.org/officeDocument/2006/relationships" xmlns:p="http://schemas.openxmlformats.org/presentationml/2006/main">
+  <p:cSld>
+    <p:spTree>
+      <p:nvGrpSpPr>
+        <p:cNvPr id="1" name=""/>
+        <p:cNvGrpSpPr/>
+        <p:nvPr/>
+      </p:nvGrpSpPr>
+      <p:grpSpPr>
+        <a:xfrm>
+          <a:off x="0" y="0"/>
+          <a:ext cx="0" cy="0"/>
+          <a:chOff x="0" y="0"/>
+          <a:chExt cx="0" cy="0"/>
+        </a:xfrm>
+      </p:grpSpPr>
+    </p:spTree>
+    <p:extLst>
+      <p:ext uri="{BB962C8B-B14F-4D97-AF65-F5344CB8AC3E}">
+        <p14:creationId xmlns:p14="http://schemas.microsoft.com/office/powerpoint/2010/main" val="3085883213"/>
       </p:ext>
     </p:extLst>
   </p:cSld>

--- a/theory/lecture-drawings.pptx
+++ b/theory/lecture-drawings.pptx
@@ -283,7 +283,7 @@
           <a:p>
             <a:fld id="{2FDE7089-442F-4E99-86D8-0A1D11EB158F}" type="datetimeFigureOut">
               <a:rPr lang="en-US" smtClean="0"/>
-              <a:t>9/27/2024</a:t>
+              <a:t>10/4/2024</a:t>
             </a:fld>
             <a:endParaRPr lang="en-US"/>
           </a:p>
@@ -481,7 +481,7 @@
           <a:p>
             <a:fld id="{2FDE7089-442F-4E99-86D8-0A1D11EB158F}" type="datetimeFigureOut">
               <a:rPr lang="en-US" smtClean="0"/>
-              <a:t>9/27/2024</a:t>
+              <a:t>10/4/2024</a:t>
             </a:fld>
             <a:endParaRPr lang="en-US"/>
           </a:p>
@@ -689,7 +689,7 @@
           <a:p>
             <a:fld id="{2FDE7089-442F-4E99-86D8-0A1D11EB158F}" type="datetimeFigureOut">
               <a:rPr lang="en-US" smtClean="0"/>
-              <a:t>9/27/2024</a:t>
+              <a:t>10/4/2024</a:t>
             </a:fld>
             <a:endParaRPr lang="en-US"/>
           </a:p>
@@ -887,7 +887,7 @@
           <a:p>
             <a:fld id="{2FDE7089-442F-4E99-86D8-0A1D11EB158F}" type="datetimeFigureOut">
               <a:rPr lang="en-US" smtClean="0"/>
-              <a:t>9/27/2024</a:t>
+              <a:t>10/4/2024</a:t>
             </a:fld>
             <a:endParaRPr lang="en-US"/>
           </a:p>
@@ -1162,7 +1162,7 @@
           <a:p>
             <a:fld id="{2FDE7089-442F-4E99-86D8-0A1D11EB158F}" type="datetimeFigureOut">
               <a:rPr lang="en-US" smtClean="0"/>
-              <a:t>9/27/2024</a:t>
+              <a:t>10/4/2024</a:t>
             </a:fld>
             <a:endParaRPr lang="en-US"/>
           </a:p>
@@ -1427,7 +1427,7 @@
           <a:p>
             <a:fld id="{2FDE7089-442F-4E99-86D8-0A1D11EB158F}" type="datetimeFigureOut">
               <a:rPr lang="en-US" smtClean="0"/>
-              <a:t>9/27/2024</a:t>
+              <a:t>10/4/2024</a:t>
             </a:fld>
             <a:endParaRPr lang="en-US"/>
           </a:p>
@@ -1839,7 +1839,7 @@
           <a:p>
             <a:fld id="{2FDE7089-442F-4E99-86D8-0A1D11EB158F}" type="datetimeFigureOut">
               <a:rPr lang="en-US" smtClean="0"/>
-              <a:t>9/27/2024</a:t>
+              <a:t>10/4/2024</a:t>
             </a:fld>
             <a:endParaRPr lang="en-US"/>
           </a:p>
@@ -1980,7 +1980,7 @@
           <a:p>
             <a:fld id="{2FDE7089-442F-4E99-86D8-0A1D11EB158F}" type="datetimeFigureOut">
               <a:rPr lang="en-US" smtClean="0"/>
-              <a:t>9/27/2024</a:t>
+              <a:t>10/4/2024</a:t>
             </a:fld>
             <a:endParaRPr lang="en-US"/>
           </a:p>
@@ -2093,7 +2093,7 @@
           <a:p>
             <a:fld id="{2FDE7089-442F-4E99-86D8-0A1D11EB158F}" type="datetimeFigureOut">
               <a:rPr lang="en-US" smtClean="0"/>
-              <a:t>9/27/2024</a:t>
+              <a:t>10/4/2024</a:t>
             </a:fld>
             <a:endParaRPr lang="en-US"/>
           </a:p>
@@ -2404,7 +2404,7 @@
           <a:p>
             <a:fld id="{2FDE7089-442F-4E99-86D8-0A1D11EB158F}" type="datetimeFigureOut">
               <a:rPr lang="en-US" smtClean="0"/>
-              <a:t>9/27/2024</a:t>
+              <a:t>10/4/2024</a:t>
             </a:fld>
             <a:endParaRPr lang="en-US"/>
           </a:p>
@@ -2692,7 +2692,7 @@
           <a:p>
             <a:fld id="{2FDE7089-442F-4E99-86D8-0A1D11EB158F}" type="datetimeFigureOut">
               <a:rPr lang="en-US" smtClean="0"/>
-              <a:t>9/27/2024</a:t>
+              <a:t>10/4/2024</a:t>
             </a:fld>
             <a:endParaRPr lang="en-US"/>
           </a:p>
@@ -2933,7 +2933,7 @@
           <a:p>
             <a:fld id="{2FDE7089-442F-4E99-86D8-0A1D11EB158F}" type="datetimeFigureOut">
               <a:rPr lang="en-US" smtClean="0"/>
-              <a:t>9/27/2024</a:t>
+              <a:t>10/4/2024</a:t>
             </a:fld>
             <a:endParaRPr lang="en-US"/>
           </a:p>
@@ -30034,8 +30034,8 @@
           </p:style>
         </p:cxnSp>
       </p:grpSp>
-      <mc:AlternateContent xmlns:mc="http://schemas.openxmlformats.org/markup-compatibility/2006">
-        <mc:Choice xmlns:a14="http://schemas.microsoft.com/office/drawing/2010/main" Requires="a14">
+      <mc:AlternateContent xmlns:mc="http://schemas.openxmlformats.org/markup-compatibility/2006" xmlns:a14="http://schemas.microsoft.com/office/drawing/2010/main">
+        <mc:Choice Requires="a14">
           <p:sp>
             <p:nvSpPr>
               <p:cNvPr id="22" name="TextBox 21">
@@ -30107,7 +30107,7 @@
             </p:txBody>
           </p:sp>
         </mc:Choice>
-        <mc:Fallback>
+        <mc:Fallback xmlns="">
           <p:sp>
             <p:nvSpPr>
               <p:cNvPr id="22" name="TextBox 21">
@@ -30196,8 +30196,8 @@
           </a:fontRef>
         </p:style>
       </p:cxnSp>
-      <mc:AlternateContent xmlns:mc="http://schemas.openxmlformats.org/markup-compatibility/2006">
-        <mc:Choice xmlns:a14="http://schemas.microsoft.com/office/drawing/2010/main" Requires="a14">
+      <mc:AlternateContent xmlns:mc="http://schemas.openxmlformats.org/markup-compatibility/2006" xmlns:a14="http://schemas.microsoft.com/office/drawing/2010/main">
+        <mc:Choice Requires="a14">
           <p:sp>
             <p:nvSpPr>
               <p:cNvPr id="26" name="TextBox 25">
@@ -30282,7 +30282,7 @@
             </p:txBody>
           </p:sp>
         </mc:Choice>
-        <mc:Fallback>
+        <mc:Fallback xmlns="">
           <p:sp>
             <p:nvSpPr>
               <p:cNvPr id="26" name="TextBox 25">
@@ -30641,8 +30641,8 @@
           </a:fontRef>
         </p:style>
       </p:cxnSp>
-      <mc:AlternateContent xmlns:mc="http://schemas.openxmlformats.org/markup-compatibility/2006">
-        <mc:Choice xmlns:a14="http://schemas.microsoft.com/office/drawing/2010/main" Requires="a14">
+      <mc:AlternateContent xmlns:mc="http://schemas.openxmlformats.org/markup-compatibility/2006" xmlns:a14="http://schemas.microsoft.com/office/drawing/2010/main">
+        <mc:Choice Requires="a14">
           <p:sp>
             <p:nvSpPr>
               <p:cNvPr id="58" name="TextBox 57">
@@ -30727,7 +30727,7 @@
             </p:txBody>
           </p:sp>
         </mc:Choice>
-        <mc:Fallback>
+        <mc:Fallback xmlns="">
           <p:sp>
             <p:nvSpPr>
               <p:cNvPr id="58" name="TextBox 57">
@@ -30772,8 +30772,8 @@
           </p:sp>
         </mc:Fallback>
       </mc:AlternateContent>
-      <mc:AlternateContent xmlns:mc="http://schemas.openxmlformats.org/markup-compatibility/2006">
-        <mc:Choice xmlns:a14="http://schemas.microsoft.com/office/drawing/2010/main" Requires="a14">
+      <mc:AlternateContent xmlns:mc="http://schemas.openxmlformats.org/markup-compatibility/2006" xmlns:a14="http://schemas.microsoft.com/office/drawing/2010/main">
+        <mc:Choice Requires="a14">
           <p:sp>
             <p:nvSpPr>
               <p:cNvPr id="59" name="TextBox 58">
@@ -30802,6 +30802,7 @@
               </a:bodyPr>
               <a:lstStyle/>
               <a:p>
+                <a:pPr/>
                 <a14:m>
                   <m:oMathPara xmlns:m="http://schemas.openxmlformats.org/officeDocument/2006/math">
                     <m:oMathParaPr>
@@ -30834,7 +30835,7 @@
             </p:txBody>
           </p:sp>
         </mc:Choice>
-        <mc:Fallback>
+        <mc:Fallback xmlns="">
           <p:sp>
             <p:nvSpPr>
               <p:cNvPr id="59" name="TextBox 58">
@@ -30879,8 +30880,8 @@
           </p:sp>
         </mc:Fallback>
       </mc:AlternateContent>
-      <mc:AlternateContent xmlns:mc="http://schemas.openxmlformats.org/markup-compatibility/2006">
-        <mc:Choice xmlns:a14="http://schemas.microsoft.com/office/drawing/2010/main" Requires="a14">
+      <mc:AlternateContent xmlns:mc="http://schemas.openxmlformats.org/markup-compatibility/2006" xmlns:a14="http://schemas.microsoft.com/office/drawing/2010/main">
+        <mc:Choice Requires="a14">
           <p:sp>
             <p:nvSpPr>
               <p:cNvPr id="60" name="TextBox 59">
@@ -30991,7 +30992,7 @@
             </p:txBody>
           </p:sp>
         </mc:Choice>
-        <mc:Fallback>
+        <mc:Fallback xmlns="">
           <p:sp>
             <p:nvSpPr>
               <p:cNvPr id="60" name="TextBox 59">
@@ -31090,8 +31091,8 @@
           </a:p>
         </p:txBody>
       </p:sp>
-      <mc:AlternateContent xmlns:mc="http://schemas.openxmlformats.org/markup-compatibility/2006">
-        <mc:Choice xmlns:a14="http://schemas.microsoft.com/office/drawing/2010/main" Requires="a14">
+      <mc:AlternateContent xmlns:mc="http://schemas.openxmlformats.org/markup-compatibility/2006" xmlns:a14="http://schemas.microsoft.com/office/drawing/2010/main">
+        <mc:Choice Requires="a14">
           <p:sp>
             <p:nvSpPr>
               <p:cNvPr id="62" name="TextBox 61">
@@ -31142,7 +31143,7 @@
             </p:txBody>
           </p:sp>
         </mc:Choice>
-        <mc:Fallback>
+        <mc:Fallback xmlns="">
           <p:sp>
             <p:nvSpPr>
               <p:cNvPr id="62" name="TextBox 61">
@@ -31376,8 +31377,8 @@
           </a:p>
         </p:txBody>
       </p:sp>
-      <mc:AlternateContent xmlns:mc="http://schemas.openxmlformats.org/markup-compatibility/2006">
-        <mc:Choice xmlns:a14="http://schemas.microsoft.com/office/drawing/2010/main" Requires="a14">
+      <mc:AlternateContent xmlns:mc="http://schemas.openxmlformats.org/markup-compatibility/2006" xmlns:a14="http://schemas.microsoft.com/office/drawing/2010/main">
+        <mc:Choice Requires="a14">
           <p:sp>
             <p:nvSpPr>
               <p:cNvPr id="67" name="TextBox 66">
@@ -31428,7 +31429,7 @@
             </p:txBody>
           </p:sp>
         </mc:Choice>
-        <mc:Fallback>
+        <mc:Fallback xmlns="">
           <p:sp>
             <p:nvSpPr>
               <p:cNvPr id="67" name="TextBox 66">
@@ -31569,8 +31570,8 @@
           </a:fontRef>
         </p:style>
       </p:cxnSp>
-      <mc:AlternateContent xmlns:mc="http://schemas.openxmlformats.org/markup-compatibility/2006">
-        <mc:Choice xmlns:a14="http://schemas.microsoft.com/office/drawing/2010/main" Requires="a14">
+      <mc:AlternateContent xmlns:mc="http://schemas.openxmlformats.org/markup-compatibility/2006" xmlns:a14="http://schemas.microsoft.com/office/drawing/2010/main">
+        <mc:Choice Requires="a14">
           <p:sp>
             <p:nvSpPr>
               <p:cNvPr id="71" name="TextBox 70">
@@ -31671,7 +31672,7 @@
             </p:txBody>
           </p:sp>
         </mc:Choice>
-        <mc:Fallback>
+        <mc:Fallback xmlns="">
           <p:sp>
             <p:nvSpPr>
               <p:cNvPr id="71" name="TextBox 70">
@@ -32085,8 +32086,8 @@
           </a:p>
         </p:txBody>
       </p:sp>
-      <mc:AlternateContent xmlns:mc="http://schemas.openxmlformats.org/markup-compatibility/2006">
-        <mc:Choice xmlns:a14="http://schemas.microsoft.com/office/drawing/2010/main" Requires="a14">
+      <mc:AlternateContent xmlns:mc="http://schemas.openxmlformats.org/markup-compatibility/2006" xmlns:a14="http://schemas.microsoft.com/office/drawing/2010/main">
+        <mc:Choice Requires="a14">
           <p:sp>
             <p:nvSpPr>
               <p:cNvPr id="85" name="TextBox 84">
@@ -32137,7 +32138,7 @@
             </p:txBody>
           </p:sp>
         </mc:Choice>
-        <mc:Fallback>
+        <mc:Fallback xmlns="">
           <p:sp>
             <p:nvSpPr>
               <p:cNvPr id="85" name="TextBox 84">
@@ -32182,8 +32183,8 @@
           </p:sp>
         </mc:Fallback>
       </mc:AlternateContent>
-      <mc:AlternateContent xmlns:mc="http://schemas.openxmlformats.org/markup-compatibility/2006">
-        <mc:Choice xmlns:a14="http://schemas.microsoft.com/office/drawing/2010/main" Requires="a14">
+      <mc:AlternateContent xmlns:mc="http://schemas.openxmlformats.org/markup-compatibility/2006" xmlns:a14="http://schemas.microsoft.com/office/drawing/2010/main">
+        <mc:Choice Requires="a14">
           <p:sp>
             <p:nvSpPr>
               <p:cNvPr id="86" name="TextBox 85">
@@ -32247,7 +32248,7 @@
             </p:txBody>
           </p:sp>
         </mc:Choice>
-        <mc:Fallback>
+        <mc:Fallback xmlns="">
           <p:sp>
             <p:nvSpPr>
               <p:cNvPr id="86" name="TextBox 85">
@@ -32292,8 +32293,8 @@
           </p:sp>
         </mc:Fallback>
       </mc:AlternateContent>
-      <mc:AlternateContent xmlns:mc="http://schemas.openxmlformats.org/markup-compatibility/2006">
-        <mc:Choice xmlns:a14="http://schemas.microsoft.com/office/drawing/2010/main" Requires="a14">
+      <mc:AlternateContent xmlns:mc="http://schemas.openxmlformats.org/markup-compatibility/2006" xmlns:a14="http://schemas.microsoft.com/office/drawing/2010/main">
+        <mc:Choice Requires="a14">
           <p:sp>
             <p:nvSpPr>
               <p:cNvPr id="87" name="TextBox 86">
@@ -32357,7 +32358,7 @@
             </p:txBody>
           </p:sp>
         </mc:Choice>
-        <mc:Fallback>
+        <mc:Fallback xmlns="">
           <p:sp>
             <p:nvSpPr>
               <p:cNvPr id="87" name="TextBox 86">
@@ -32597,8 +32598,8 @@
           </a:fontRef>
         </p:style>
       </p:cxnSp>
-      <mc:AlternateContent xmlns:mc="http://schemas.openxmlformats.org/markup-compatibility/2006">
-        <mc:Choice xmlns:a14="http://schemas.microsoft.com/office/drawing/2010/main" Requires="a14">
+      <mc:AlternateContent xmlns:mc="http://schemas.openxmlformats.org/markup-compatibility/2006" xmlns:a14="http://schemas.microsoft.com/office/drawing/2010/main">
+        <mc:Choice Requires="a14">
           <p:sp>
             <p:nvSpPr>
               <p:cNvPr id="99" name="TextBox 98">
@@ -32683,7 +32684,7 @@
             </p:txBody>
           </p:sp>
         </mc:Choice>
-        <mc:Fallback>
+        <mc:Fallback xmlns="">
           <p:sp>
             <p:nvSpPr>
               <p:cNvPr id="99" name="TextBox 98">
@@ -32774,8 +32775,8 @@
           </a:fontRef>
         </p:style>
       </p:cxnSp>
-      <mc:AlternateContent xmlns:mc="http://schemas.openxmlformats.org/markup-compatibility/2006">
-        <mc:Choice xmlns:a14="http://schemas.microsoft.com/office/drawing/2010/main" Requires="a14">
+      <mc:AlternateContent xmlns:mc="http://schemas.openxmlformats.org/markup-compatibility/2006" xmlns:a14="http://schemas.microsoft.com/office/drawing/2010/main">
+        <mc:Choice Requires="a14">
           <p:sp>
             <p:nvSpPr>
               <p:cNvPr id="103" name="TextBox 102">
@@ -32860,7 +32861,7 @@
             </p:txBody>
           </p:sp>
         </mc:Choice>
-        <mc:Fallback>
+        <mc:Fallback xmlns="">
           <p:sp>
             <p:nvSpPr>
               <p:cNvPr id="103" name="TextBox 102">
@@ -32997,8 +32998,8 @@
           </a:fontRef>
         </p:style>
       </p:cxnSp>
-      <mc:AlternateContent xmlns:mc="http://schemas.openxmlformats.org/markup-compatibility/2006">
-        <mc:Choice xmlns:a14="http://schemas.microsoft.com/office/drawing/2010/main" Requires="a14">
+      <mc:AlternateContent xmlns:mc="http://schemas.openxmlformats.org/markup-compatibility/2006" xmlns:a14="http://schemas.microsoft.com/office/drawing/2010/main">
+        <mc:Choice Requires="a14">
           <p:sp>
             <p:nvSpPr>
               <p:cNvPr id="110" name="TextBox 109">
@@ -33049,7 +33050,7 @@
             </p:txBody>
           </p:sp>
         </mc:Choice>
-        <mc:Fallback>
+        <mc:Fallback xmlns="">
           <p:sp>
             <p:nvSpPr>
               <p:cNvPr id="110" name="TextBox 109">
@@ -33094,8 +33095,8 @@
           </p:sp>
         </mc:Fallback>
       </mc:AlternateContent>
-      <mc:AlternateContent xmlns:mc="http://schemas.openxmlformats.org/markup-compatibility/2006">
-        <mc:Choice xmlns:a14="http://schemas.microsoft.com/office/drawing/2010/main" Requires="a14">
+      <mc:AlternateContent xmlns:mc="http://schemas.openxmlformats.org/markup-compatibility/2006" xmlns:a14="http://schemas.microsoft.com/office/drawing/2010/main">
+        <mc:Choice Requires="a14">
           <p:sp>
             <p:nvSpPr>
               <p:cNvPr id="112" name="TextBox 111">
@@ -33146,7 +33147,7 @@
             </p:txBody>
           </p:sp>
         </mc:Choice>
-        <mc:Fallback>
+        <mc:Fallback xmlns="">
           <p:sp>
             <p:nvSpPr>
               <p:cNvPr id="112" name="TextBox 111">
@@ -33191,8 +33192,8 @@
           </p:sp>
         </mc:Fallback>
       </mc:AlternateContent>
-      <mc:AlternateContent xmlns:mc="http://schemas.openxmlformats.org/markup-compatibility/2006">
-        <mc:Choice xmlns:a14="http://schemas.microsoft.com/office/drawing/2010/main" Requires="a14">
+      <mc:AlternateContent xmlns:mc="http://schemas.openxmlformats.org/markup-compatibility/2006" xmlns:a14="http://schemas.microsoft.com/office/drawing/2010/main">
+        <mc:Choice Requires="a14">
           <p:sp>
             <p:nvSpPr>
               <p:cNvPr id="113" name="TextBox 112">
@@ -33243,7 +33244,7 @@
             </p:txBody>
           </p:sp>
         </mc:Choice>
-        <mc:Fallback>
+        <mc:Fallback xmlns="">
           <p:sp>
             <p:nvSpPr>
               <p:cNvPr id="113" name="TextBox 112">

--- a/theory/lecture-drawings.pptx
+++ b/theory/lecture-drawings.pptx
@@ -30,6 +30,7 @@
     <p:sldId id="279" r:id="rId24"/>
     <p:sldId id="280" r:id="rId25"/>
     <p:sldId id="281" r:id="rId26"/>
+    <p:sldId id="282" r:id="rId27"/>
   </p:sldIdLst>
   <p:sldSz cx="12192000" cy="6858000"/>
   <p:notesSz cx="6858000" cy="9144000"/>
@@ -283,7 +284,7 @@
           <a:p>
             <a:fld id="{2FDE7089-442F-4E99-86D8-0A1D11EB158F}" type="datetimeFigureOut">
               <a:rPr lang="en-US" smtClean="0"/>
-              <a:t>10/4/2024</a:t>
+              <a:t>10/10/2024</a:t>
             </a:fld>
             <a:endParaRPr lang="en-US"/>
           </a:p>
@@ -481,7 +482,7 @@
           <a:p>
             <a:fld id="{2FDE7089-442F-4E99-86D8-0A1D11EB158F}" type="datetimeFigureOut">
               <a:rPr lang="en-US" smtClean="0"/>
-              <a:t>10/4/2024</a:t>
+              <a:t>10/10/2024</a:t>
             </a:fld>
             <a:endParaRPr lang="en-US"/>
           </a:p>
@@ -689,7 +690,7 @@
           <a:p>
             <a:fld id="{2FDE7089-442F-4E99-86D8-0A1D11EB158F}" type="datetimeFigureOut">
               <a:rPr lang="en-US" smtClean="0"/>
-              <a:t>10/4/2024</a:t>
+              <a:t>10/10/2024</a:t>
             </a:fld>
             <a:endParaRPr lang="en-US"/>
           </a:p>
@@ -887,7 +888,7 @@
           <a:p>
             <a:fld id="{2FDE7089-442F-4E99-86D8-0A1D11EB158F}" type="datetimeFigureOut">
               <a:rPr lang="en-US" smtClean="0"/>
-              <a:t>10/4/2024</a:t>
+              <a:t>10/10/2024</a:t>
             </a:fld>
             <a:endParaRPr lang="en-US"/>
           </a:p>
@@ -1162,7 +1163,7 @@
           <a:p>
             <a:fld id="{2FDE7089-442F-4E99-86D8-0A1D11EB158F}" type="datetimeFigureOut">
               <a:rPr lang="en-US" smtClean="0"/>
-              <a:t>10/4/2024</a:t>
+              <a:t>10/10/2024</a:t>
             </a:fld>
             <a:endParaRPr lang="en-US"/>
           </a:p>
@@ -1427,7 +1428,7 @@
           <a:p>
             <a:fld id="{2FDE7089-442F-4E99-86D8-0A1D11EB158F}" type="datetimeFigureOut">
               <a:rPr lang="en-US" smtClean="0"/>
-              <a:t>10/4/2024</a:t>
+              <a:t>10/10/2024</a:t>
             </a:fld>
             <a:endParaRPr lang="en-US"/>
           </a:p>
@@ -1839,7 +1840,7 @@
           <a:p>
             <a:fld id="{2FDE7089-442F-4E99-86D8-0A1D11EB158F}" type="datetimeFigureOut">
               <a:rPr lang="en-US" smtClean="0"/>
-              <a:t>10/4/2024</a:t>
+              <a:t>10/10/2024</a:t>
             </a:fld>
             <a:endParaRPr lang="en-US"/>
           </a:p>
@@ -1980,7 +1981,7 @@
           <a:p>
             <a:fld id="{2FDE7089-442F-4E99-86D8-0A1D11EB158F}" type="datetimeFigureOut">
               <a:rPr lang="en-US" smtClean="0"/>
-              <a:t>10/4/2024</a:t>
+              <a:t>10/10/2024</a:t>
             </a:fld>
             <a:endParaRPr lang="en-US"/>
           </a:p>
@@ -2093,7 +2094,7 @@
           <a:p>
             <a:fld id="{2FDE7089-442F-4E99-86D8-0A1D11EB158F}" type="datetimeFigureOut">
               <a:rPr lang="en-US" smtClean="0"/>
-              <a:t>10/4/2024</a:t>
+              <a:t>10/10/2024</a:t>
             </a:fld>
             <a:endParaRPr lang="en-US"/>
           </a:p>
@@ -2404,7 +2405,7 @@
           <a:p>
             <a:fld id="{2FDE7089-442F-4E99-86D8-0A1D11EB158F}" type="datetimeFigureOut">
               <a:rPr lang="en-US" smtClean="0"/>
-              <a:t>10/4/2024</a:t>
+              <a:t>10/10/2024</a:t>
             </a:fld>
             <a:endParaRPr lang="en-US"/>
           </a:p>
@@ -2692,7 +2693,7 @@
           <a:p>
             <a:fld id="{2FDE7089-442F-4E99-86D8-0A1D11EB158F}" type="datetimeFigureOut">
               <a:rPr lang="en-US" smtClean="0"/>
-              <a:t>10/4/2024</a:t>
+              <a:t>10/10/2024</a:t>
             </a:fld>
             <a:endParaRPr lang="en-US"/>
           </a:p>
@@ -2933,7 +2934,7 @@
           <a:p>
             <a:fld id="{2FDE7089-442F-4E99-86D8-0A1D11EB158F}" type="datetimeFigureOut">
               <a:rPr lang="en-US" smtClean="0"/>
-              <a:t>10/4/2024</a:t>
+              <a:t>10/10/2024</a:t>
             </a:fld>
             <a:endParaRPr lang="en-US"/>
           </a:p>
@@ -33319,10 +33320,1773 @@
           <a:chExt cx="0" cy="0"/>
         </a:xfrm>
       </p:grpSpPr>
+      <p:sp>
+        <p:nvSpPr>
+          <p:cNvPr id="19" name="Oval 18">
+            <a:extLst>
+              <a:ext uri="{FF2B5EF4-FFF2-40B4-BE49-F238E27FC236}">
+                <a16:creationId xmlns:a16="http://schemas.microsoft.com/office/drawing/2014/main" id="{372250D4-42B0-FF42-6BA0-8EF187297F62}"/>
+              </a:ext>
+            </a:extLst>
+          </p:cNvPr>
+          <p:cNvSpPr/>
+          <p:nvPr/>
+        </p:nvSpPr>
+        <p:spPr>
+          <a:xfrm>
+            <a:off x="2090058" y="1513114"/>
+            <a:ext cx="1763486" cy="1763486"/>
+          </a:xfrm>
+          <a:prstGeom prst="ellipse">
+            <a:avLst/>
+          </a:prstGeom>
+          <a:noFill/>
+          <a:ln>
+            <a:solidFill>
+              <a:schemeClr val="tx1"/>
+            </a:solidFill>
+          </a:ln>
+        </p:spPr>
+        <p:style>
+          <a:lnRef idx="2">
+            <a:schemeClr val="accent1">
+              <a:shade val="15000"/>
+            </a:schemeClr>
+          </a:lnRef>
+          <a:fillRef idx="1">
+            <a:schemeClr val="accent1"/>
+          </a:fillRef>
+          <a:effectRef idx="0">
+            <a:schemeClr val="accent1"/>
+          </a:effectRef>
+          <a:fontRef idx="minor">
+            <a:schemeClr val="lt1"/>
+          </a:fontRef>
+        </p:style>
+        <p:txBody>
+          <a:bodyPr rtlCol="0" anchor="ctr"/>
+          <a:lstStyle/>
+          <a:p>
+            <a:pPr algn="ctr"/>
+            <a:endParaRPr lang="en-US"/>
+          </a:p>
+        </p:txBody>
+      </p:sp>
+      <p:cxnSp>
+        <p:nvCxnSpPr>
+          <p:cNvPr id="20" name="Straight Arrow Connector 19">
+            <a:extLst>
+              <a:ext uri="{FF2B5EF4-FFF2-40B4-BE49-F238E27FC236}">
+                <a16:creationId xmlns:a16="http://schemas.microsoft.com/office/drawing/2014/main" id="{E2B83D68-4661-354C-3939-66C242DEB96B}"/>
+              </a:ext>
+            </a:extLst>
+          </p:cNvPr>
+          <p:cNvCxnSpPr>
+            <a:cxnSpLocks/>
+          </p:cNvCxnSpPr>
+          <p:nvPr/>
+        </p:nvCxnSpPr>
+        <p:spPr>
+          <a:xfrm flipH="1">
+            <a:off x="2997202" y="1583267"/>
+            <a:ext cx="351365" cy="811590"/>
+          </a:xfrm>
+          <a:prstGeom prst="straightConnector1">
+            <a:avLst/>
+          </a:prstGeom>
+          <a:ln w="22225">
+            <a:solidFill>
+              <a:schemeClr val="tx1"/>
+            </a:solidFill>
+            <a:tailEnd type="none" w="med" len="lg"/>
+          </a:ln>
+        </p:spPr>
+        <p:style>
+          <a:lnRef idx="2">
+            <a:schemeClr val="accent1"/>
+          </a:lnRef>
+          <a:fillRef idx="0">
+            <a:schemeClr val="accent1"/>
+          </a:fillRef>
+          <a:effectRef idx="1">
+            <a:schemeClr val="accent1"/>
+          </a:effectRef>
+          <a:fontRef idx="minor">
+            <a:schemeClr val="tx1"/>
+          </a:fontRef>
+        </p:style>
+      </p:cxnSp>
+      <mc:AlternateContent xmlns:mc="http://schemas.openxmlformats.org/markup-compatibility/2006">
+        <mc:Choice xmlns:a14="http://schemas.microsoft.com/office/drawing/2010/main" Requires="a14">
+          <p:sp>
+            <p:nvSpPr>
+              <p:cNvPr id="23" name="TextBox 22">
+                <a:extLst>
+                  <a:ext uri="{FF2B5EF4-FFF2-40B4-BE49-F238E27FC236}">
+                    <a16:creationId xmlns:a16="http://schemas.microsoft.com/office/drawing/2014/main" id="{BBD7418E-6657-1744-715A-58F07A9FDC1D}"/>
+                  </a:ext>
+                </a:extLst>
+              </p:cNvPr>
+              <p:cNvSpPr txBox="1"/>
+              <p:nvPr/>
+            </p:nvSpPr>
+            <p:spPr>
+              <a:xfrm>
+                <a:off x="2905760" y="1704646"/>
+                <a:ext cx="267124" cy="369332"/>
+              </a:xfrm>
+              <a:prstGeom prst="rect">
+                <a:avLst/>
+              </a:prstGeom>
+              <a:noFill/>
+            </p:spPr>
+            <p:txBody>
+              <a:bodyPr wrap="none" lIns="0" tIns="0" rIns="0" bIns="0" rtlCol="0">
+                <a:spAutoFit/>
+              </a:bodyPr>
+              <a:lstStyle/>
+              <a:p>
+                <a:pPr/>
+                <a14:m>
+                  <m:oMathPara xmlns:m="http://schemas.openxmlformats.org/officeDocument/2006/math">
+                    <m:oMathParaPr>
+                      <m:jc m:val="centerGroup"/>
+                    </m:oMathParaPr>
+                    <m:oMath xmlns:m="http://schemas.openxmlformats.org/officeDocument/2006/math">
+                      <m:r>
+                        <a:rPr lang="en-US" sz="2400" i="1" smtClean="0">
+                          <a:latin typeface="Cambria Math" panose="02040503050406030204" pitchFamily="18" charset="0"/>
+                          <a:ea typeface="Cambria Math" panose="02040503050406030204" pitchFamily="18" charset="0"/>
+                        </a:rPr>
+                        <m:t>𝑅</m:t>
+                      </m:r>
+                    </m:oMath>
+                  </m:oMathPara>
+                </a14:m>
+                <a:endParaRPr lang="en-US" sz="2400" dirty="0"/>
+              </a:p>
+            </p:txBody>
+          </p:sp>
+        </mc:Choice>
+        <mc:Fallback>
+          <p:sp>
+            <p:nvSpPr>
+              <p:cNvPr id="23" name="TextBox 22">
+                <a:extLst>
+                  <a:ext uri="{FF2B5EF4-FFF2-40B4-BE49-F238E27FC236}">
+                    <a16:creationId xmlns:a16="http://schemas.microsoft.com/office/drawing/2014/main" id="{BBD7418E-6657-1744-715A-58F07A9FDC1D}"/>
+                  </a:ext>
+                </a:extLst>
+              </p:cNvPr>
+              <p:cNvSpPr txBox="1">
+                <a:spLocks noRot="1" noChangeAspect="1" noMove="1" noResize="1" noEditPoints="1" noAdjustHandles="1" noChangeArrowheads="1" noChangeShapeType="1" noTextEdit="1"/>
+              </p:cNvSpPr>
+              <p:nvPr/>
+            </p:nvSpPr>
+            <p:spPr>
+              <a:xfrm>
+                <a:off x="2905760" y="1704646"/>
+                <a:ext cx="267124" cy="369332"/>
+              </a:xfrm>
+              <a:prstGeom prst="rect">
+                <a:avLst/>
+              </a:prstGeom>
+              <a:blipFill>
+                <a:blip r:embed="rId2"/>
+                <a:stretch>
+                  <a:fillRect l="-30233" r="-25581" b="-5000"/>
+                </a:stretch>
+              </a:blipFill>
+            </p:spPr>
+            <p:txBody>
+              <a:bodyPr/>
+              <a:lstStyle/>
+              <a:p>
+                <a:r>
+                  <a:rPr lang="en-US">
+                    <a:noFill/>
+                  </a:rPr>
+                  <a:t> </a:t>
+                </a:r>
+              </a:p>
+            </p:txBody>
+          </p:sp>
+        </mc:Fallback>
+      </mc:AlternateContent>
+      <p:cxnSp>
+        <p:nvCxnSpPr>
+          <p:cNvPr id="24" name="Straight Arrow Connector 23">
+            <a:extLst>
+              <a:ext uri="{FF2B5EF4-FFF2-40B4-BE49-F238E27FC236}">
+                <a16:creationId xmlns:a16="http://schemas.microsoft.com/office/drawing/2014/main" id="{096ACADD-E170-13BA-E617-64627459449A}"/>
+              </a:ext>
+            </a:extLst>
+          </p:cNvPr>
+          <p:cNvCxnSpPr>
+            <a:cxnSpLocks/>
+          </p:cNvCxnSpPr>
+          <p:nvPr/>
+        </p:nvCxnSpPr>
+        <p:spPr>
+          <a:xfrm flipH="1">
+            <a:off x="3004159" y="2394857"/>
+            <a:ext cx="2336191" cy="0"/>
+          </a:xfrm>
+          <a:prstGeom prst="straightConnector1">
+            <a:avLst/>
+          </a:prstGeom>
+          <a:ln w="19050">
+            <a:solidFill>
+              <a:schemeClr val="tx1"/>
+            </a:solidFill>
+            <a:tailEnd type="none" w="med" len="lg"/>
+          </a:ln>
+        </p:spPr>
+        <p:style>
+          <a:lnRef idx="2">
+            <a:schemeClr val="accent1"/>
+          </a:lnRef>
+          <a:fillRef idx="0">
+            <a:schemeClr val="accent1"/>
+          </a:fillRef>
+          <a:effectRef idx="1">
+            <a:schemeClr val="accent1"/>
+          </a:effectRef>
+          <a:fontRef idx="minor">
+            <a:schemeClr val="tx1"/>
+          </a:fontRef>
+        </p:style>
+      </p:cxnSp>
+      <p:cxnSp>
+        <p:nvCxnSpPr>
+          <p:cNvPr id="26" name="Straight Arrow Connector 25">
+            <a:extLst>
+              <a:ext uri="{FF2B5EF4-FFF2-40B4-BE49-F238E27FC236}">
+                <a16:creationId xmlns:a16="http://schemas.microsoft.com/office/drawing/2014/main" id="{931D2879-BD7E-6873-A603-7CB85AF4C9F7}"/>
+              </a:ext>
+            </a:extLst>
+          </p:cNvPr>
+          <p:cNvCxnSpPr>
+            <a:cxnSpLocks/>
+          </p:cNvCxnSpPr>
+          <p:nvPr/>
+        </p:nvCxnSpPr>
+        <p:spPr>
+          <a:xfrm flipH="1">
+            <a:off x="5340350" y="2394857"/>
+            <a:ext cx="1023015" cy="0"/>
+          </a:xfrm>
+          <a:prstGeom prst="straightConnector1">
+            <a:avLst/>
+          </a:prstGeom>
+          <a:ln w="28575">
+            <a:solidFill>
+              <a:schemeClr val="tx1"/>
+            </a:solidFill>
+            <a:prstDash val="solid"/>
+            <a:headEnd type="stealth" w="med" len="lg"/>
+            <a:tailEnd type="none" w="med" len="sm"/>
+          </a:ln>
+        </p:spPr>
+        <p:style>
+          <a:lnRef idx="1">
+            <a:schemeClr val="accent1"/>
+          </a:lnRef>
+          <a:fillRef idx="0">
+            <a:schemeClr val="accent1"/>
+          </a:fillRef>
+          <a:effectRef idx="0">
+            <a:schemeClr val="accent1"/>
+          </a:effectRef>
+          <a:fontRef idx="minor">
+            <a:schemeClr val="tx1"/>
+          </a:fontRef>
+        </p:style>
+      </p:cxnSp>
+      <mc:AlternateContent xmlns:mc="http://schemas.openxmlformats.org/markup-compatibility/2006">
+        <mc:Choice xmlns:a14="http://schemas.microsoft.com/office/drawing/2010/main" Requires="a14">
+          <p:sp>
+            <p:nvSpPr>
+              <p:cNvPr id="28" name="TextBox 27">
+                <a:extLst>
+                  <a:ext uri="{FF2B5EF4-FFF2-40B4-BE49-F238E27FC236}">
+                    <a16:creationId xmlns:a16="http://schemas.microsoft.com/office/drawing/2014/main" id="{F70A8ECF-D261-5530-B8FA-42758E401B56}"/>
+                  </a:ext>
+                </a:extLst>
+              </p:cNvPr>
+              <p:cNvSpPr txBox="1"/>
+              <p:nvPr/>
+            </p:nvSpPr>
+            <p:spPr>
+              <a:xfrm>
+                <a:off x="4495565" y="2057471"/>
+                <a:ext cx="215123" cy="369332"/>
+              </a:xfrm>
+              <a:prstGeom prst="rect">
+                <a:avLst/>
+              </a:prstGeom>
+              <a:noFill/>
+            </p:spPr>
+            <p:txBody>
+              <a:bodyPr wrap="none" lIns="0" tIns="0" rIns="0" bIns="0" rtlCol="0">
+                <a:spAutoFit/>
+              </a:bodyPr>
+              <a:lstStyle/>
+              <a:p>
+                <a:pPr/>
+                <a14:m>
+                  <m:oMathPara xmlns:m="http://schemas.openxmlformats.org/officeDocument/2006/math">
+                    <m:oMathParaPr>
+                      <m:jc m:val="centerGroup"/>
+                    </m:oMathParaPr>
+                    <m:oMath xmlns:m="http://schemas.openxmlformats.org/officeDocument/2006/math">
+                      <m:r>
+                        <a:rPr lang="en-US" sz="2400" b="0" i="1" smtClean="0">
+                          <a:latin typeface="Cambria Math" panose="02040503050406030204" pitchFamily="18" charset="0"/>
+                          <a:ea typeface="Cambria Math" panose="02040503050406030204" pitchFamily="18" charset="0"/>
+                        </a:rPr>
+                        <m:t>𝑟</m:t>
+                      </m:r>
+                    </m:oMath>
+                  </m:oMathPara>
+                </a14:m>
+                <a:endParaRPr lang="en-US" sz="2400" dirty="0"/>
+              </a:p>
+            </p:txBody>
+          </p:sp>
+        </mc:Choice>
+        <mc:Fallback>
+          <p:sp>
+            <p:nvSpPr>
+              <p:cNvPr id="28" name="TextBox 27">
+                <a:extLst>
+                  <a:ext uri="{FF2B5EF4-FFF2-40B4-BE49-F238E27FC236}">
+                    <a16:creationId xmlns:a16="http://schemas.microsoft.com/office/drawing/2014/main" id="{F70A8ECF-D261-5530-B8FA-42758E401B56}"/>
+                  </a:ext>
+                </a:extLst>
+              </p:cNvPr>
+              <p:cNvSpPr txBox="1">
+                <a:spLocks noRot="1" noChangeAspect="1" noMove="1" noResize="1" noEditPoints="1" noAdjustHandles="1" noChangeArrowheads="1" noChangeShapeType="1" noTextEdit="1"/>
+              </p:cNvSpPr>
+              <p:nvPr/>
+            </p:nvSpPr>
+            <p:spPr>
+              <a:xfrm>
+                <a:off x="4495565" y="2057471"/>
+                <a:ext cx="215123" cy="369332"/>
+              </a:xfrm>
+              <a:prstGeom prst="rect">
+                <a:avLst/>
+              </a:prstGeom>
+              <a:blipFill>
+                <a:blip r:embed="rId3"/>
+                <a:stretch>
+                  <a:fillRect l="-19444" r="-16667"/>
+                </a:stretch>
+              </a:blipFill>
+            </p:spPr>
+            <p:txBody>
+              <a:bodyPr/>
+              <a:lstStyle/>
+              <a:p>
+                <a:r>
+                  <a:rPr lang="en-US">
+                    <a:noFill/>
+                  </a:rPr>
+                  <a:t> </a:t>
+                </a:r>
+              </a:p>
+            </p:txBody>
+          </p:sp>
+        </mc:Fallback>
+      </mc:AlternateContent>
+      <p:sp>
+        <p:nvSpPr>
+          <p:cNvPr id="29" name="Oval 28">
+            <a:extLst>
+              <a:ext uri="{FF2B5EF4-FFF2-40B4-BE49-F238E27FC236}">
+                <a16:creationId xmlns:a16="http://schemas.microsoft.com/office/drawing/2014/main" id="{4F31BE4C-5942-CFEC-D144-1F92028FD979}"/>
+              </a:ext>
+            </a:extLst>
+          </p:cNvPr>
+          <p:cNvSpPr/>
+          <p:nvPr/>
+        </p:nvSpPr>
+        <p:spPr>
+          <a:xfrm>
+            <a:off x="5305258" y="2363230"/>
+            <a:ext cx="70183" cy="66067"/>
+          </a:xfrm>
+          <a:prstGeom prst="ellipse">
+            <a:avLst/>
+          </a:prstGeom>
+          <a:solidFill>
+            <a:schemeClr val="tx1"/>
+          </a:solidFill>
+          <a:ln>
+            <a:noFill/>
+          </a:ln>
+        </p:spPr>
+        <p:style>
+          <a:lnRef idx="2">
+            <a:schemeClr val="accent1">
+              <a:shade val="15000"/>
+            </a:schemeClr>
+          </a:lnRef>
+          <a:fillRef idx="1">
+            <a:schemeClr val="accent1"/>
+          </a:fillRef>
+          <a:effectRef idx="0">
+            <a:schemeClr val="accent1"/>
+          </a:effectRef>
+          <a:fontRef idx="minor">
+            <a:schemeClr val="lt1"/>
+          </a:fontRef>
+        </p:style>
+        <p:txBody>
+          <a:bodyPr rtlCol="0" anchor="ctr"/>
+          <a:lstStyle/>
+          <a:p>
+            <a:pPr algn="ctr"/>
+            <a:endParaRPr lang="en-US"/>
+          </a:p>
+        </p:txBody>
+      </p:sp>
+      <mc:AlternateContent xmlns:mc="http://schemas.openxmlformats.org/markup-compatibility/2006">
+        <mc:Choice xmlns:a14="http://schemas.microsoft.com/office/drawing/2010/main" Requires="a14">
+          <p:sp>
+            <p:nvSpPr>
+              <p:cNvPr id="30" name="TextBox 29">
+                <a:extLst>
+                  <a:ext uri="{FF2B5EF4-FFF2-40B4-BE49-F238E27FC236}">
+                    <a16:creationId xmlns:a16="http://schemas.microsoft.com/office/drawing/2014/main" id="{33127470-809A-AFF2-96F7-DCD0B68D11E8}"/>
+                  </a:ext>
+                </a:extLst>
+              </p:cNvPr>
+              <p:cNvSpPr txBox="1"/>
+              <p:nvPr/>
+            </p:nvSpPr>
+            <p:spPr>
+              <a:xfrm>
+                <a:off x="5567714" y="2057471"/>
+                <a:ext cx="397866" cy="369332"/>
+              </a:xfrm>
+              <a:prstGeom prst="rect">
+                <a:avLst/>
+              </a:prstGeom>
+              <a:noFill/>
+            </p:spPr>
+            <p:txBody>
+              <a:bodyPr wrap="none" lIns="0" tIns="0" rIns="0" bIns="0" rtlCol="0">
+                <a:spAutoFit/>
+              </a:bodyPr>
+              <a:lstStyle/>
+              <a:p>
+                <a:pPr/>
+                <a14:m>
+                  <m:oMathPara xmlns:m="http://schemas.openxmlformats.org/officeDocument/2006/math">
+                    <m:oMathParaPr>
+                      <m:jc m:val="centerGroup"/>
+                    </m:oMathParaPr>
+                    <m:oMath xmlns:m="http://schemas.openxmlformats.org/officeDocument/2006/math">
+                      <m:r>
+                        <a:rPr lang="en-US" sz="2400" b="0" i="1" smtClean="0">
+                          <a:latin typeface="Cambria Math" panose="02040503050406030204" pitchFamily="18" charset="0"/>
+                          <a:ea typeface="Cambria Math" panose="02040503050406030204" pitchFamily="18" charset="0"/>
+                        </a:rPr>
+                        <m:t>∆</m:t>
+                      </m:r>
+                      <m:r>
+                        <a:rPr lang="en-US" sz="2400" b="0" i="1" smtClean="0">
+                          <a:latin typeface="Cambria Math" panose="02040503050406030204" pitchFamily="18" charset="0"/>
+                          <a:ea typeface="Cambria Math" panose="02040503050406030204" pitchFamily="18" charset="0"/>
+                        </a:rPr>
+                        <m:t>𝑟</m:t>
+                      </m:r>
+                    </m:oMath>
+                  </m:oMathPara>
+                </a14:m>
+                <a:endParaRPr lang="en-US" sz="2400" dirty="0"/>
+              </a:p>
+            </p:txBody>
+          </p:sp>
+        </mc:Choice>
+        <mc:Fallback>
+          <p:sp>
+            <p:nvSpPr>
+              <p:cNvPr id="30" name="TextBox 29">
+                <a:extLst>
+                  <a:ext uri="{FF2B5EF4-FFF2-40B4-BE49-F238E27FC236}">
+                    <a16:creationId xmlns:a16="http://schemas.microsoft.com/office/drawing/2014/main" id="{33127470-809A-AFF2-96F7-DCD0B68D11E8}"/>
+                  </a:ext>
+                </a:extLst>
+              </p:cNvPr>
+              <p:cNvSpPr txBox="1">
+                <a:spLocks noRot="1" noChangeAspect="1" noMove="1" noResize="1" noEditPoints="1" noAdjustHandles="1" noChangeArrowheads="1" noChangeShapeType="1" noTextEdit="1"/>
+              </p:cNvSpPr>
+              <p:nvPr/>
+            </p:nvSpPr>
+            <p:spPr>
+              <a:xfrm>
+                <a:off x="5567714" y="2057471"/>
+                <a:ext cx="397866" cy="369332"/>
+              </a:xfrm>
+              <a:prstGeom prst="rect">
+                <a:avLst/>
+              </a:prstGeom>
+              <a:blipFill>
+                <a:blip r:embed="rId4"/>
+                <a:stretch>
+                  <a:fillRect l="-18182" r="-9091" b="-5000"/>
+                </a:stretch>
+              </a:blipFill>
+            </p:spPr>
+            <p:txBody>
+              <a:bodyPr/>
+              <a:lstStyle/>
+              <a:p>
+                <a:r>
+                  <a:rPr lang="en-US">
+                    <a:noFill/>
+                  </a:rPr>
+                  <a:t> </a:t>
+                </a:r>
+              </a:p>
+            </p:txBody>
+          </p:sp>
+        </mc:Fallback>
+      </mc:AlternateContent>
+      <p:sp>
+        <p:nvSpPr>
+          <p:cNvPr id="32" name="Oval 31">
+            <a:extLst>
+              <a:ext uri="{FF2B5EF4-FFF2-40B4-BE49-F238E27FC236}">
+                <a16:creationId xmlns:a16="http://schemas.microsoft.com/office/drawing/2014/main" id="{AA526F24-6F8F-FF35-C6B7-4717529FC264}"/>
+              </a:ext>
+            </a:extLst>
+          </p:cNvPr>
+          <p:cNvSpPr/>
+          <p:nvPr/>
+        </p:nvSpPr>
+        <p:spPr>
+          <a:xfrm>
+            <a:off x="2962110" y="2361521"/>
+            <a:ext cx="70183" cy="66067"/>
+          </a:xfrm>
+          <a:prstGeom prst="ellipse">
+            <a:avLst/>
+          </a:prstGeom>
+          <a:solidFill>
+            <a:schemeClr val="tx1"/>
+          </a:solidFill>
+          <a:ln>
+            <a:noFill/>
+          </a:ln>
+        </p:spPr>
+        <p:style>
+          <a:lnRef idx="2">
+            <a:schemeClr val="accent1">
+              <a:shade val="15000"/>
+            </a:schemeClr>
+          </a:lnRef>
+          <a:fillRef idx="1">
+            <a:schemeClr val="accent1"/>
+          </a:fillRef>
+          <a:effectRef idx="0">
+            <a:schemeClr val="accent1"/>
+          </a:effectRef>
+          <a:fontRef idx="minor">
+            <a:schemeClr val="lt1"/>
+          </a:fontRef>
+        </p:style>
+        <p:txBody>
+          <a:bodyPr rtlCol="0" anchor="ctr"/>
+          <a:lstStyle/>
+          <a:p>
+            <a:pPr algn="ctr"/>
+            <a:endParaRPr lang="en-US"/>
+          </a:p>
+        </p:txBody>
+      </p:sp>
     </p:spTree>
     <p:extLst>
       <p:ext uri="{BB962C8B-B14F-4D97-AF65-F5344CB8AC3E}">
         <p14:creationId xmlns:p14="http://schemas.microsoft.com/office/powerpoint/2010/main" val="3085883213"/>
+      </p:ext>
+    </p:extLst>
+  </p:cSld>
+  <p:clrMapOvr>
+    <a:masterClrMapping/>
+  </p:clrMapOvr>
+</p:sld>
+</file>
+
+<file path=ppt/slides/slide26.xml><?xml version="1.0" encoding="utf-8"?>
+<p:sld xmlns:a="http://schemas.openxmlformats.org/drawingml/2006/main" xmlns:r="http://schemas.openxmlformats.org/officeDocument/2006/relationships" xmlns:p="http://schemas.openxmlformats.org/presentationml/2006/main">
+  <p:cSld>
+    <p:spTree>
+      <p:nvGrpSpPr>
+        <p:cNvPr id="1" name=""/>
+        <p:cNvGrpSpPr/>
+        <p:nvPr/>
+      </p:nvGrpSpPr>
+      <p:grpSpPr>
+        <a:xfrm>
+          <a:off x="0" y="0"/>
+          <a:ext cx="0" cy="0"/>
+          <a:chOff x="0" y="0"/>
+          <a:chExt cx="0" cy="0"/>
+        </a:xfrm>
+      </p:grpSpPr>
+      <p:cxnSp>
+        <p:nvCxnSpPr>
+          <p:cNvPr id="20" name="Straight Connector 19">
+            <a:extLst>
+              <a:ext uri="{FF2B5EF4-FFF2-40B4-BE49-F238E27FC236}">
+                <a16:creationId xmlns:a16="http://schemas.microsoft.com/office/drawing/2014/main" id="{3097782A-A343-0EB2-DAE5-3C11E54D7C14}"/>
+              </a:ext>
+            </a:extLst>
+          </p:cNvPr>
+          <p:cNvCxnSpPr>
+            <a:cxnSpLocks/>
+          </p:cNvCxnSpPr>
+          <p:nvPr/>
+        </p:nvCxnSpPr>
+        <p:spPr>
+          <a:xfrm flipH="1">
+            <a:off x="6015695" y="2977922"/>
+            <a:ext cx="925736" cy="1110041"/>
+          </a:xfrm>
+          <a:prstGeom prst="line">
+            <a:avLst/>
+          </a:prstGeom>
+          <a:ln w="19050">
+            <a:solidFill>
+              <a:schemeClr val="tx1"/>
+            </a:solidFill>
+            <a:prstDash val="solid"/>
+          </a:ln>
+        </p:spPr>
+        <p:style>
+          <a:lnRef idx="1">
+            <a:schemeClr val="accent1"/>
+          </a:lnRef>
+          <a:fillRef idx="0">
+            <a:schemeClr val="accent1"/>
+          </a:fillRef>
+          <a:effectRef idx="0">
+            <a:schemeClr val="accent1"/>
+          </a:effectRef>
+          <a:fontRef idx="minor">
+            <a:schemeClr val="tx1"/>
+          </a:fontRef>
+        </p:style>
+      </p:cxnSp>
+      <p:cxnSp>
+        <p:nvCxnSpPr>
+          <p:cNvPr id="4" name="Straight Connector 3">
+            <a:extLst>
+              <a:ext uri="{FF2B5EF4-FFF2-40B4-BE49-F238E27FC236}">
+                <a16:creationId xmlns:a16="http://schemas.microsoft.com/office/drawing/2014/main" id="{EBFEBC60-8E2D-8368-BFAF-8C24B4AAF351}"/>
+              </a:ext>
+            </a:extLst>
+          </p:cNvPr>
+          <p:cNvCxnSpPr>
+            <a:cxnSpLocks/>
+            <a:stCxn id="6" idx="0"/>
+            <a:endCxn id="6" idx="4"/>
+          </p:cNvCxnSpPr>
+          <p:nvPr/>
+        </p:nvCxnSpPr>
+        <p:spPr>
+          <a:xfrm flipV="1">
+            <a:off x="2899973" y="2955549"/>
+            <a:ext cx="4707328" cy="1"/>
+          </a:xfrm>
+          <a:prstGeom prst="line">
+            <a:avLst/>
+          </a:prstGeom>
+          <a:ln w="15875">
+            <a:solidFill>
+              <a:schemeClr val="tx1"/>
+            </a:solidFill>
+            <a:prstDash val="dash"/>
+          </a:ln>
+        </p:spPr>
+        <p:style>
+          <a:lnRef idx="1">
+            <a:schemeClr val="accent1"/>
+          </a:lnRef>
+          <a:fillRef idx="0">
+            <a:schemeClr val="accent1"/>
+          </a:fillRef>
+          <a:effectRef idx="0">
+            <a:schemeClr val="accent1"/>
+          </a:effectRef>
+          <a:fontRef idx="minor">
+            <a:schemeClr val="tx1"/>
+          </a:fontRef>
+        </p:style>
+      </p:cxnSp>
+      <p:sp>
+        <p:nvSpPr>
+          <p:cNvPr id="6" name="Oval 5">
+            <a:extLst>
+              <a:ext uri="{FF2B5EF4-FFF2-40B4-BE49-F238E27FC236}">
+                <a16:creationId xmlns:a16="http://schemas.microsoft.com/office/drawing/2014/main" id="{A8CB709D-D53C-A484-7B77-B03DFC8F4B1E}"/>
+              </a:ext>
+            </a:extLst>
+          </p:cNvPr>
+          <p:cNvSpPr/>
+          <p:nvPr/>
+        </p:nvSpPr>
+        <p:spPr>
+          <a:xfrm rot="16200000">
+            <a:off x="4081086" y="601886"/>
+            <a:ext cx="2345101" cy="4707328"/>
+          </a:xfrm>
+          <a:prstGeom prst="ellipse">
+            <a:avLst/>
+          </a:prstGeom>
+          <a:noFill/>
+          <a:ln w="38100">
+            <a:solidFill>
+              <a:schemeClr val="tx1"/>
+            </a:solidFill>
+            <a:prstDash val="solid"/>
+          </a:ln>
+        </p:spPr>
+        <p:style>
+          <a:lnRef idx="2">
+            <a:schemeClr val="accent1">
+              <a:shade val="15000"/>
+            </a:schemeClr>
+          </a:lnRef>
+          <a:fillRef idx="1">
+            <a:schemeClr val="accent1"/>
+          </a:fillRef>
+          <a:effectRef idx="0">
+            <a:schemeClr val="accent1"/>
+          </a:effectRef>
+          <a:fontRef idx="minor">
+            <a:schemeClr val="lt1"/>
+          </a:fontRef>
+        </p:style>
+        <p:txBody>
+          <a:bodyPr rtlCol="0" anchor="ctr"/>
+          <a:lstStyle/>
+          <a:p>
+            <a:pPr algn="ctr"/>
+            <a:endParaRPr lang="en-US"/>
+          </a:p>
+        </p:txBody>
+      </p:sp>
+      <p:sp>
+        <p:nvSpPr>
+          <p:cNvPr id="7" name="Oval 6">
+            <a:extLst>
+              <a:ext uri="{FF2B5EF4-FFF2-40B4-BE49-F238E27FC236}">
+                <a16:creationId xmlns:a16="http://schemas.microsoft.com/office/drawing/2014/main" id="{9CFF764C-5DF5-92CD-D35F-8EBFEFF8C29C}"/>
+              </a:ext>
+            </a:extLst>
+          </p:cNvPr>
+          <p:cNvSpPr/>
+          <p:nvPr/>
+        </p:nvSpPr>
+        <p:spPr>
+          <a:xfrm>
+            <a:off x="5225202" y="2920160"/>
+            <a:ext cx="56867" cy="58829"/>
+          </a:xfrm>
+          <a:prstGeom prst="ellipse">
+            <a:avLst/>
+          </a:prstGeom>
+          <a:solidFill>
+            <a:schemeClr val="tx1"/>
+          </a:solidFill>
+          <a:ln>
+            <a:solidFill>
+              <a:schemeClr val="tx1"/>
+            </a:solidFill>
+          </a:ln>
+        </p:spPr>
+        <p:style>
+          <a:lnRef idx="2">
+            <a:schemeClr val="accent1">
+              <a:shade val="50000"/>
+            </a:schemeClr>
+          </a:lnRef>
+          <a:fillRef idx="1">
+            <a:schemeClr val="accent1"/>
+          </a:fillRef>
+          <a:effectRef idx="0">
+            <a:schemeClr val="accent1"/>
+          </a:effectRef>
+          <a:fontRef idx="minor">
+            <a:schemeClr val="lt1"/>
+          </a:fontRef>
+        </p:style>
+        <p:txBody>
+          <a:bodyPr rtlCol="0" anchor="ctr"/>
+          <a:lstStyle/>
+          <a:p>
+            <a:pPr algn="ctr"/>
+            <a:endParaRPr lang="en-US"/>
+          </a:p>
+        </p:txBody>
+      </p:sp>
+      <p:cxnSp>
+        <p:nvCxnSpPr>
+          <p:cNvPr id="9" name="Straight Arrow Connector 8">
+            <a:extLst>
+              <a:ext uri="{FF2B5EF4-FFF2-40B4-BE49-F238E27FC236}">
+                <a16:creationId xmlns:a16="http://schemas.microsoft.com/office/drawing/2014/main" id="{4C24E4B9-B60B-E83B-282C-86A29040E2B6}"/>
+              </a:ext>
+            </a:extLst>
+          </p:cNvPr>
+          <p:cNvCxnSpPr>
+            <a:cxnSpLocks/>
+          </p:cNvCxnSpPr>
+          <p:nvPr/>
+        </p:nvCxnSpPr>
+        <p:spPr>
+          <a:xfrm flipV="1">
+            <a:off x="3744383" y="1802561"/>
+            <a:ext cx="842951" cy="120820"/>
+          </a:xfrm>
+          <a:prstGeom prst="straightConnector1">
+            <a:avLst/>
+          </a:prstGeom>
+          <a:ln w="38100">
+            <a:solidFill>
+              <a:schemeClr val="tx1"/>
+            </a:solidFill>
+            <a:prstDash val="solid"/>
+            <a:headEnd type="stealth" w="med" len="lg"/>
+            <a:tailEnd type="none" w="med" len="med"/>
+          </a:ln>
+        </p:spPr>
+        <p:style>
+          <a:lnRef idx="1">
+            <a:schemeClr val="accent1"/>
+          </a:lnRef>
+          <a:fillRef idx="0">
+            <a:schemeClr val="accent1"/>
+          </a:fillRef>
+          <a:effectRef idx="0">
+            <a:schemeClr val="accent1"/>
+          </a:effectRef>
+          <a:fontRef idx="minor">
+            <a:schemeClr val="tx1"/>
+          </a:fontRef>
+        </p:style>
+      </p:cxnSp>
+      <p:cxnSp>
+        <p:nvCxnSpPr>
+          <p:cNvPr id="11" name="Straight Connector 10">
+            <a:extLst>
+              <a:ext uri="{FF2B5EF4-FFF2-40B4-BE49-F238E27FC236}">
+                <a16:creationId xmlns:a16="http://schemas.microsoft.com/office/drawing/2014/main" id="{546C8D70-64AE-F697-8ECD-0076AC6FC11C}"/>
+              </a:ext>
+            </a:extLst>
+          </p:cNvPr>
+          <p:cNvCxnSpPr>
+            <a:cxnSpLocks/>
+          </p:cNvCxnSpPr>
+          <p:nvPr/>
+        </p:nvCxnSpPr>
+        <p:spPr>
+          <a:xfrm>
+            <a:off x="5253635" y="1803850"/>
+            <a:ext cx="2" cy="2324251"/>
+          </a:xfrm>
+          <a:prstGeom prst="line">
+            <a:avLst/>
+          </a:prstGeom>
+          <a:ln w="15875">
+            <a:solidFill>
+              <a:schemeClr val="tx1"/>
+            </a:solidFill>
+            <a:prstDash val="dash"/>
+          </a:ln>
+        </p:spPr>
+        <p:style>
+          <a:lnRef idx="1">
+            <a:schemeClr val="accent1"/>
+          </a:lnRef>
+          <a:fillRef idx="0">
+            <a:schemeClr val="accent1"/>
+          </a:fillRef>
+          <a:effectRef idx="0">
+            <a:schemeClr val="accent1"/>
+          </a:effectRef>
+          <a:fontRef idx="minor">
+            <a:schemeClr val="tx1"/>
+          </a:fontRef>
+        </p:style>
+      </p:cxnSp>
+      <mc:AlternateContent xmlns:mc="http://schemas.openxmlformats.org/markup-compatibility/2006">
+        <mc:Choice xmlns:a14="http://schemas.microsoft.com/office/drawing/2010/main" Requires="a14">
+          <p:sp>
+            <p:nvSpPr>
+              <p:cNvPr id="12" name="TextBox 11">
+                <a:extLst>
+                  <a:ext uri="{FF2B5EF4-FFF2-40B4-BE49-F238E27FC236}">
+                    <a16:creationId xmlns:a16="http://schemas.microsoft.com/office/drawing/2014/main" id="{042F10E4-8644-A6C2-EBC8-D300D4790301}"/>
+                  </a:ext>
+                </a:extLst>
+              </p:cNvPr>
+              <p:cNvSpPr txBox="1"/>
+              <p:nvPr/>
+            </p:nvSpPr>
+            <p:spPr>
+              <a:xfrm>
+                <a:off x="3774614" y="1468785"/>
+                <a:ext cx="452207" cy="369332"/>
+              </a:xfrm>
+              <a:prstGeom prst="rect">
+                <a:avLst/>
+              </a:prstGeom>
+              <a:noFill/>
+            </p:spPr>
+            <p:txBody>
+              <a:bodyPr wrap="square" lIns="0" tIns="0" rIns="0" bIns="0" rtlCol="0">
+                <a:spAutoFit/>
+              </a:bodyPr>
+              <a:lstStyle/>
+              <a:p>
+                <a:pPr/>
+                <a14:m>
+                  <m:oMathPara xmlns:m="http://schemas.openxmlformats.org/officeDocument/2006/math">
+                    <m:oMathParaPr>
+                      <m:jc m:val="centerGroup"/>
+                    </m:oMathParaPr>
+                    <m:oMath xmlns:m="http://schemas.openxmlformats.org/officeDocument/2006/math">
+                      <m:sSub>
+                        <m:sSubPr>
+                          <m:ctrlPr>
+                            <a:rPr lang="en-US" sz="2400" i="1" smtClean="0">
+                              <a:latin typeface="Cambria Math" panose="02040503050406030204" pitchFamily="18" charset="0"/>
+                            </a:rPr>
+                          </m:ctrlPr>
+                        </m:sSubPr>
+                        <m:e>
+                          <m:acc>
+                            <m:accPr>
+                              <m:chr m:val="⃗"/>
+                              <m:ctrlPr>
+                                <a:rPr lang="en-US" sz="2400" i="1">
+                                  <a:latin typeface="Cambria Math" panose="02040503050406030204" pitchFamily="18" charset="0"/>
+                                </a:rPr>
+                              </m:ctrlPr>
+                            </m:accPr>
+                            <m:e>
+                              <m:r>
+                                <a:rPr lang="en-US" sz="2400" i="1" smtClean="0">
+                                  <a:latin typeface="Cambria Math" panose="02040503050406030204" pitchFamily="18" charset="0"/>
+                                </a:rPr>
+                                <m:t>𝑣</m:t>
+                              </m:r>
+                            </m:e>
+                          </m:acc>
+                        </m:e>
+                        <m:sub>
+                          <m:r>
+                            <a:rPr lang="en-US" sz="2400" b="0" i="1" smtClean="0">
+                              <a:latin typeface="Cambria Math" panose="02040503050406030204" pitchFamily="18" charset="0"/>
+                            </a:rPr>
+                            <m:t>1</m:t>
+                          </m:r>
+                        </m:sub>
+                      </m:sSub>
+                    </m:oMath>
+                  </m:oMathPara>
+                </a14:m>
+                <a:endParaRPr lang="en-US" sz="2400" dirty="0">
+                  <a:solidFill>
+                    <a:schemeClr val="tx1"/>
+                  </a:solidFill>
+                </a:endParaRPr>
+              </a:p>
+            </p:txBody>
+          </p:sp>
+        </mc:Choice>
+        <mc:Fallback>
+          <p:sp>
+            <p:nvSpPr>
+              <p:cNvPr id="12" name="TextBox 11">
+                <a:extLst>
+                  <a:ext uri="{FF2B5EF4-FFF2-40B4-BE49-F238E27FC236}">
+                    <a16:creationId xmlns:a16="http://schemas.microsoft.com/office/drawing/2014/main" id="{042F10E4-8644-A6C2-EBC8-D300D4790301}"/>
+                  </a:ext>
+                </a:extLst>
+              </p:cNvPr>
+              <p:cNvSpPr txBox="1">
+                <a:spLocks noRot="1" noChangeAspect="1" noMove="1" noResize="1" noEditPoints="1" noAdjustHandles="1" noChangeArrowheads="1" noChangeShapeType="1" noTextEdit="1"/>
+              </p:cNvSpPr>
+              <p:nvPr/>
+            </p:nvSpPr>
+            <p:spPr>
+              <a:xfrm>
+                <a:off x="3774614" y="1468785"/>
+                <a:ext cx="452207" cy="369332"/>
+              </a:xfrm>
+              <a:prstGeom prst="rect">
+                <a:avLst/>
+              </a:prstGeom>
+              <a:blipFill>
+                <a:blip r:embed="rId2"/>
+                <a:stretch>
+                  <a:fillRect l="-2703" t="-39344" r="-63514" b="-11475"/>
+                </a:stretch>
+              </a:blipFill>
+            </p:spPr>
+            <p:txBody>
+              <a:bodyPr/>
+              <a:lstStyle/>
+              <a:p>
+                <a:r>
+                  <a:rPr lang="en-US">
+                    <a:noFill/>
+                  </a:rPr>
+                  <a:t> </a:t>
+                </a:r>
+              </a:p>
+            </p:txBody>
+          </p:sp>
+        </mc:Fallback>
+      </mc:AlternateContent>
+      <mc:AlternateContent xmlns:mc="http://schemas.openxmlformats.org/markup-compatibility/2006">
+        <mc:Choice xmlns:a14="http://schemas.microsoft.com/office/drawing/2010/main" Requires="a14">
+          <p:sp>
+            <p:nvSpPr>
+              <p:cNvPr id="13" name="TextBox 12">
+                <a:extLst>
+                  <a:ext uri="{FF2B5EF4-FFF2-40B4-BE49-F238E27FC236}">
+                    <a16:creationId xmlns:a16="http://schemas.microsoft.com/office/drawing/2014/main" id="{0325DDEA-A382-3D52-E563-874C82425397}"/>
+                  </a:ext>
+                </a:extLst>
+              </p:cNvPr>
+              <p:cNvSpPr txBox="1"/>
+              <p:nvPr/>
+            </p:nvSpPr>
+            <p:spPr>
+              <a:xfrm>
+                <a:off x="6985408" y="3040284"/>
+                <a:ext cx="452207" cy="369332"/>
+              </a:xfrm>
+              <a:prstGeom prst="rect">
+                <a:avLst/>
+              </a:prstGeom>
+              <a:noFill/>
+            </p:spPr>
+            <p:txBody>
+              <a:bodyPr wrap="square" lIns="0" tIns="0" rIns="0" bIns="0" rtlCol="0">
+                <a:spAutoFit/>
+              </a:bodyPr>
+              <a:lstStyle/>
+              <a:p>
+                <a:pPr/>
+                <a14:m>
+                  <m:oMathPara xmlns:m="http://schemas.openxmlformats.org/officeDocument/2006/math">
+                    <m:oMathParaPr>
+                      <m:jc m:val="centerGroup"/>
+                    </m:oMathParaPr>
+                    <m:oMath xmlns:m="http://schemas.openxmlformats.org/officeDocument/2006/math">
+                      <m:r>
+                        <a:rPr lang="en-US" sz="2400" b="0" i="1" smtClean="0">
+                          <a:solidFill>
+                            <a:schemeClr val="tx1"/>
+                          </a:solidFill>
+                          <a:latin typeface="Cambria Math" panose="02040503050406030204" pitchFamily="18" charset="0"/>
+                        </a:rPr>
+                        <m:t>𝑆</m:t>
+                      </m:r>
+                    </m:oMath>
+                  </m:oMathPara>
+                </a14:m>
+                <a:endParaRPr lang="en-US" sz="2400" dirty="0">
+                  <a:solidFill>
+                    <a:schemeClr val="tx1"/>
+                  </a:solidFill>
+                </a:endParaRPr>
+              </a:p>
+            </p:txBody>
+          </p:sp>
+        </mc:Choice>
+        <mc:Fallback>
+          <p:sp>
+            <p:nvSpPr>
+              <p:cNvPr id="13" name="TextBox 12">
+                <a:extLst>
+                  <a:ext uri="{FF2B5EF4-FFF2-40B4-BE49-F238E27FC236}">
+                    <a16:creationId xmlns:a16="http://schemas.microsoft.com/office/drawing/2014/main" id="{0325DDEA-A382-3D52-E563-874C82425397}"/>
+                  </a:ext>
+                </a:extLst>
+              </p:cNvPr>
+              <p:cNvSpPr txBox="1">
+                <a:spLocks noRot="1" noChangeAspect="1" noMove="1" noResize="1" noEditPoints="1" noAdjustHandles="1" noChangeArrowheads="1" noChangeShapeType="1" noTextEdit="1"/>
+              </p:cNvSpPr>
+              <p:nvPr/>
+            </p:nvSpPr>
+            <p:spPr>
+              <a:xfrm>
+                <a:off x="6985408" y="3040284"/>
+                <a:ext cx="452207" cy="369332"/>
+              </a:xfrm>
+              <a:prstGeom prst="rect">
+                <a:avLst/>
+              </a:prstGeom>
+              <a:blipFill>
+                <a:blip r:embed="rId3"/>
+                <a:stretch>
+                  <a:fillRect b="-5000"/>
+                </a:stretch>
+              </a:blipFill>
+            </p:spPr>
+            <p:txBody>
+              <a:bodyPr/>
+              <a:lstStyle/>
+              <a:p>
+                <a:r>
+                  <a:rPr lang="en-US">
+                    <a:noFill/>
+                  </a:rPr>
+                  <a:t> </a:t>
+                </a:r>
+              </a:p>
+            </p:txBody>
+          </p:sp>
+        </mc:Fallback>
+      </mc:AlternateContent>
+      <p:cxnSp>
+        <p:nvCxnSpPr>
+          <p:cNvPr id="14" name="Straight Connector 13">
+            <a:extLst>
+              <a:ext uri="{FF2B5EF4-FFF2-40B4-BE49-F238E27FC236}">
+                <a16:creationId xmlns:a16="http://schemas.microsoft.com/office/drawing/2014/main" id="{CB3A6F02-3C13-D527-78E1-967B805817AA}"/>
+              </a:ext>
+            </a:extLst>
+          </p:cNvPr>
+          <p:cNvCxnSpPr>
+            <a:cxnSpLocks/>
+          </p:cNvCxnSpPr>
+          <p:nvPr/>
+        </p:nvCxnSpPr>
+        <p:spPr>
+          <a:xfrm>
+            <a:off x="4597494" y="1850098"/>
+            <a:ext cx="2416279" cy="1116384"/>
+          </a:xfrm>
+          <a:prstGeom prst="line">
+            <a:avLst/>
+          </a:prstGeom>
+          <a:ln w="19050">
+            <a:solidFill>
+              <a:schemeClr val="tx1"/>
+            </a:solidFill>
+            <a:prstDash val="solid"/>
+          </a:ln>
+        </p:spPr>
+        <p:style>
+          <a:lnRef idx="1">
+            <a:schemeClr val="accent1"/>
+          </a:lnRef>
+          <a:fillRef idx="0">
+            <a:schemeClr val="accent1"/>
+          </a:fillRef>
+          <a:effectRef idx="0">
+            <a:schemeClr val="accent1"/>
+          </a:effectRef>
+          <a:fontRef idx="minor">
+            <a:schemeClr val="tx1"/>
+          </a:fontRef>
+        </p:style>
+      </p:cxnSp>
+      <p:sp>
+        <p:nvSpPr>
+          <p:cNvPr id="8" name="Oval 7">
+            <a:extLst>
+              <a:ext uri="{FF2B5EF4-FFF2-40B4-BE49-F238E27FC236}">
+                <a16:creationId xmlns:a16="http://schemas.microsoft.com/office/drawing/2014/main" id="{93EAD591-544C-05C7-1C86-68D8CD9B6134}"/>
+              </a:ext>
+            </a:extLst>
+          </p:cNvPr>
+          <p:cNvSpPr/>
+          <p:nvPr/>
+        </p:nvSpPr>
+        <p:spPr>
+          <a:xfrm rot="5400000">
+            <a:off x="6825595" y="2829214"/>
+            <a:ext cx="319626" cy="330656"/>
+          </a:xfrm>
+          <a:prstGeom prst="ellipse">
+            <a:avLst/>
+          </a:prstGeom>
+          <a:blipFill>
+            <a:blip r:embed="rId4"/>
+            <a:stretch>
+              <a:fillRect/>
+            </a:stretch>
+          </a:blipFill>
+          <a:ln>
+            <a:noFill/>
+          </a:ln>
+        </p:spPr>
+        <p:style>
+          <a:lnRef idx="2">
+            <a:schemeClr val="accent1">
+              <a:shade val="50000"/>
+            </a:schemeClr>
+          </a:lnRef>
+          <a:fillRef idx="1">
+            <a:schemeClr val="accent1"/>
+          </a:fillRef>
+          <a:effectRef idx="0">
+            <a:schemeClr val="accent1"/>
+          </a:effectRef>
+          <a:fontRef idx="minor">
+            <a:schemeClr val="lt1"/>
+          </a:fontRef>
+        </p:style>
+        <p:txBody>
+          <a:bodyPr rtlCol="0" anchor="ctr"/>
+          <a:lstStyle/>
+          <a:p>
+            <a:pPr algn="ctr"/>
+            <a:endParaRPr lang="en-US" dirty="0"/>
+          </a:p>
+        </p:txBody>
+      </p:sp>
+      <p:cxnSp>
+        <p:nvCxnSpPr>
+          <p:cNvPr id="17" name="Straight Arrow Connector 16">
+            <a:extLst>
+              <a:ext uri="{FF2B5EF4-FFF2-40B4-BE49-F238E27FC236}">
+                <a16:creationId xmlns:a16="http://schemas.microsoft.com/office/drawing/2014/main" id="{2DA70E6B-B3EE-E6FF-0C4B-8AAEF2E69DB4}"/>
+              </a:ext>
+            </a:extLst>
+          </p:cNvPr>
+          <p:cNvCxnSpPr>
+            <a:cxnSpLocks/>
+          </p:cNvCxnSpPr>
+          <p:nvPr/>
+        </p:nvCxnSpPr>
+        <p:spPr>
+          <a:xfrm flipH="1">
+            <a:off x="6036858" y="3891351"/>
+            <a:ext cx="685675" cy="196612"/>
+          </a:xfrm>
+          <a:prstGeom prst="straightConnector1">
+            <a:avLst/>
+          </a:prstGeom>
+          <a:ln w="38100">
+            <a:solidFill>
+              <a:schemeClr val="tx1"/>
+            </a:solidFill>
+            <a:prstDash val="solid"/>
+            <a:headEnd type="stealth" w="med" len="lg"/>
+            <a:tailEnd type="none" w="med" len="med"/>
+          </a:ln>
+        </p:spPr>
+        <p:style>
+          <a:lnRef idx="1">
+            <a:schemeClr val="accent1"/>
+          </a:lnRef>
+          <a:fillRef idx="0">
+            <a:schemeClr val="accent1"/>
+          </a:fillRef>
+          <a:effectRef idx="0">
+            <a:schemeClr val="accent1"/>
+          </a:effectRef>
+          <a:fontRef idx="minor">
+            <a:schemeClr val="tx1"/>
+          </a:fontRef>
+        </p:style>
+      </p:cxnSp>
+      <p:sp>
+        <p:nvSpPr>
+          <p:cNvPr id="16" name="Oval 15">
+            <a:extLst>
+              <a:ext uri="{FF2B5EF4-FFF2-40B4-BE49-F238E27FC236}">
+                <a16:creationId xmlns:a16="http://schemas.microsoft.com/office/drawing/2014/main" id="{FCC2BF1B-4077-9693-7195-B94A624A61A8}"/>
+              </a:ext>
+            </a:extLst>
+          </p:cNvPr>
+          <p:cNvSpPr/>
+          <p:nvPr/>
+        </p:nvSpPr>
+        <p:spPr>
+          <a:xfrm rot="10800000" flipH="1">
+            <a:off x="5795908" y="3902283"/>
+            <a:ext cx="454917" cy="339300"/>
+          </a:xfrm>
+          <a:prstGeom prst="ellipse">
+            <a:avLst/>
+          </a:prstGeom>
+          <a:blipFill>
+            <a:blip r:embed="rId5"/>
+            <a:stretch>
+              <a:fillRect/>
+            </a:stretch>
+          </a:blipFill>
+          <a:ln>
+            <a:noFill/>
+          </a:ln>
+        </p:spPr>
+        <p:style>
+          <a:lnRef idx="2">
+            <a:schemeClr val="accent1">
+              <a:shade val="50000"/>
+            </a:schemeClr>
+          </a:lnRef>
+          <a:fillRef idx="1">
+            <a:schemeClr val="accent1"/>
+          </a:fillRef>
+          <a:effectRef idx="0">
+            <a:schemeClr val="accent1"/>
+          </a:effectRef>
+          <a:fontRef idx="minor">
+            <a:schemeClr val="lt1"/>
+          </a:fontRef>
+        </p:style>
+        <p:txBody>
+          <a:bodyPr rtlCol="0" anchor="ctr"/>
+          <a:lstStyle/>
+          <a:p>
+            <a:pPr algn="ctr"/>
+            <a:endParaRPr lang="en-US"/>
+          </a:p>
+        </p:txBody>
+      </p:sp>
+      <p:sp>
+        <p:nvSpPr>
+          <p:cNvPr id="10" name="Oval 9">
+            <a:extLst>
+              <a:ext uri="{FF2B5EF4-FFF2-40B4-BE49-F238E27FC236}">
+                <a16:creationId xmlns:a16="http://schemas.microsoft.com/office/drawing/2014/main" id="{8D990D23-E0BF-699E-C375-D496E14B0718}"/>
+              </a:ext>
+            </a:extLst>
+          </p:cNvPr>
+          <p:cNvSpPr/>
+          <p:nvPr/>
+        </p:nvSpPr>
+        <p:spPr>
+          <a:xfrm rot="15895864" flipH="1">
+            <a:off x="4342242" y="1637838"/>
+            <a:ext cx="454917" cy="339300"/>
+          </a:xfrm>
+          <a:prstGeom prst="ellipse">
+            <a:avLst/>
+          </a:prstGeom>
+          <a:blipFill>
+            <a:blip r:embed="rId5"/>
+            <a:stretch>
+              <a:fillRect/>
+            </a:stretch>
+          </a:blipFill>
+          <a:ln>
+            <a:noFill/>
+          </a:ln>
+        </p:spPr>
+        <p:style>
+          <a:lnRef idx="2">
+            <a:schemeClr val="accent1">
+              <a:shade val="50000"/>
+            </a:schemeClr>
+          </a:lnRef>
+          <a:fillRef idx="1">
+            <a:schemeClr val="accent1"/>
+          </a:fillRef>
+          <a:effectRef idx="0">
+            <a:schemeClr val="accent1"/>
+          </a:effectRef>
+          <a:fontRef idx="minor">
+            <a:schemeClr val="lt1"/>
+          </a:fontRef>
+        </p:style>
+        <p:txBody>
+          <a:bodyPr rtlCol="0" anchor="ctr"/>
+          <a:lstStyle/>
+          <a:p>
+            <a:pPr algn="ctr"/>
+            <a:endParaRPr lang="en-US"/>
+          </a:p>
+        </p:txBody>
+      </p:sp>
+      <mc:AlternateContent xmlns:mc="http://schemas.openxmlformats.org/markup-compatibility/2006">
+        <mc:Choice xmlns:a14="http://schemas.microsoft.com/office/drawing/2010/main" Requires="a14">
+          <p:sp>
+            <p:nvSpPr>
+              <p:cNvPr id="19" name="TextBox 18">
+                <a:extLst>
+                  <a:ext uri="{FF2B5EF4-FFF2-40B4-BE49-F238E27FC236}">
+                    <a16:creationId xmlns:a16="http://schemas.microsoft.com/office/drawing/2014/main" id="{104CE83B-B3F3-D6D7-501E-F72E86E2AB08}"/>
+                  </a:ext>
+                </a:extLst>
+              </p:cNvPr>
+              <p:cNvSpPr txBox="1"/>
+              <p:nvPr/>
+            </p:nvSpPr>
+            <p:spPr>
+              <a:xfrm>
+                <a:off x="6388161" y="3957573"/>
+                <a:ext cx="452207" cy="369332"/>
+              </a:xfrm>
+              <a:prstGeom prst="rect">
+                <a:avLst/>
+              </a:prstGeom>
+              <a:noFill/>
+            </p:spPr>
+            <p:txBody>
+              <a:bodyPr wrap="square" lIns="0" tIns="0" rIns="0" bIns="0" rtlCol="0">
+                <a:spAutoFit/>
+              </a:bodyPr>
+              <a:lstStyle/>
+              <a:p>
+                <a:pPr/>
+                <a14:m>
+                  <m:oMathPara xmlns:m="http://schemas.openxmlformats.org/officeDocument/2006/math">
+                    <m:oMathParaPr>
+                      <m:jc m:val="centerGroup"/>
+                    </m:oMathParaPr>
+                    <m:oMath xmlns:m="http://schemas.openxmlformats.org/officeDocument/2006/math">
+                      <m:sSub>
+                        <m:sSubPr>
+                          <m:ctrlPr>
+                            <a:rPr lang="en-US" sz="2400" i="1" smtClean="0">
+                              <a:latin typeface="Cambria Math" panose="02040503050406030204" pitchFamily="18" charset="0"/>
+                            </a:rPr>
+                          </m:ctrlPr>
+                        </m:sSubPr>
+                        <m:e>
+                          <m:acc>
+                            <m:accPr>
+                              <m:chr m:val="⃗"/>
+                              <m:ctrlPr>
+                                <a:rPr lang="en-US" sz="2400" i="1">
+                                  <a:latin typeface="Cambria Math" panose="02040503050406030204" pitchFamily="18" charset="0"/>
+                                </a:rPr>
+                              </m:ctrlPr>
+                            </m:accPr>
+                            <m:e>
+                              <m:r>
+                                <a:rPr lang="en-US" sz="2400" i="1" smtClean="0">
+                                  <a:latin typeface="Cambria Math" panose="02040503050406030204" pitchFamily="18" charset="0"/>
+                                </a:rPr>
+                                <m:t>𝑣</m:t>
+                              </m:r>
+                            </m:e>
+                          </m:acc>
+                        </m:e>
+                        <m:sub>
+                          <m:r>
+                            <a:rPr lang="en-US" sz="2400" b="0" i="1" smtClean="0">
+                              <a:latin typeface="Cambria Math" panose="02040503050406030204" pitchFamily="18" charset="0"/>
+                            </a:rPr>
+                            <m:t>2</m:t>
+                          </m:r>
+                        </m:sub>
+                      </m:sSub>
+                    </m:oMath>
+                  </m:oMathPara>
+                </a14:m>
+                <a:endParaRPr lang="en-US" sz="2400" dirty="0">
+                  <a:solidFill>
+                    <a:schemeClr val="tx1"/>
+                  </a:solidFill>
+                </a:endParaRPr>
+              </a:p>
+            </p:txBody>
+          </p:sp>
+        </mc:Choice>
+        <mc:Fallback>
+          <p:sp>
+            <p:nvSpPr>
+              <p:cNvPr id="19" name="TextBox 18">
+                <a:extLst>
+                  <a:ext uri="{FF2B5EF4-FFF2-40B4-BE49-F238E27FC236}">
+                    <a16:creationId xmlns:a16="http://schemas.microsoft.com/office/drawing/2014/main" id="{104CE83B-B3F3-D6D7-501E-F72E86E2AB08}"/>
+                  </a:ext>
+                </a:extLst>
+              </p:cNvPr>
+              <p:cNvSpPr txBox="1">
+                <a:spLocks noRot="1" noChangeAspect="1" noMove="1" noResize="1" noEditPoints="1" noAdjustHandles="1" noChangeArrowheads="1" noChangeShapeType="1" noTextEdit="1"/>
+              </p:cNvSpPr>
+              <p:nvPr/>
+            </p:nvSpPr>
+            <p:spPr>
+              <a:xfrm>
+                <a:off x="6388161" y="3957573"/>
+                <a:ext cx="452207" cy="369332"/>
+              </a:xfrm>
+              <a:prstGeom prst="rect">
+                <a:avLst/>
+              </a:prstGeom>
+              <a:blipFill>
+                <a:blip r:embed="rId6"/>
+                <a:stretch>
+                  <a:fillRect l="-5405" t="-37705" r="-60811" b="-11475"/>
+                </a:stretch>
+              </a:blipFill>
+            </p:spPr>
+            <p:txBody>
+              <a:bodyPr/>
+              <a:lstStyle/>
+              <a:p>
+                <a:r>
+                  <a:rPr lang="en-US">
+                    <a:noFill/>
+                  </a:rPr>
+                  <a:t> </a:t>
+                </a:r>
+              </a:p>
+            </p:txBody>
+          </p:sp>
+        </mc:Fallback>
+      </mc:AlternateContent>
+      <mc:AlternateContent xmlns:mc="http://schemas.openxmlformats.org/markup-compatibility/2006">
+        <mc:Choice xmlns:a14="http://schemas.microsoft.com/office/drawing/2010/main" Requires="a14">
+          <p:sp>
+            <p:nvSpPr>
+              <p:cNvPr id="22" name="TextBox 21">
+                <a:extLst>
+                  <a:ext uri="{FF2B5EF4-FFF2-40B4-BE49-F238E27FC236}">
+                    <a16:creationId xmlns:a16="http://schemas.microsoft.com/office/drawing/2014/main" id="{07CAEB9B-8197-6A9A-F91F-7B0861DB4C37}"/>
+                  </a:ext>
+                </a:extLst>
+              </p:cNvPr>
+              <p:cNvSpPr txBox="1"/>
+              <p:nvPr/>
+            </p:nvSpPr>
+            <p:spPr>
+              <a:xfrm>
+                <a:off x="6053667" y="3262292"/>
+                <a:ext cx="452207" cy="369332"/>
+              </a:xfrm>
+              <a:prstGeom prst="rect">
+                <a:avLst/>
+              </a:prstGeom>
+              <a:noFill/>
+            </p:spPr>
+            <p:txBody>
+              <a:bodyPr wrap="square" lIns="0" tIns="0" rIns="0" bIns="0" rtlCol="0">
+                <a:spAutoFit/>
+              </a:bodyPr>
+              <a:lstStyle/>
+              <a:p>
+                <a:pPr/>
+                <a14:m>
+                  <m:oMathPara xmlns:m="http://schemas.openxmlformats.org/officeDocument/2006/math">
+                    <m:oMathParaPr>
+                      <m:jc m:val="centerGroup"/>
+                    </m:oMathParaPr>
+                    <m:oMath xmlns:m="http://schemas.openxmlformats.org/officeDocument/2006/math">
+                      <m:sSub>
+                        <m:sSubPr>
+                          <m:ctrlPr>
+                            <a:rPr lang="en-US" sz="2400" i="1" smtClean="0">
+                              <a:latin typeface="Cambria Math" panose="02040503050406030204" pitchFamily="18" charset="0"/>
+                            </a:rPr>
+                          </m:ctrlPr>
+                        </m:sSubPr>
+                        <m:e>
+                          <m:r>
+                            <a:rPr lang="en-US" sz="2400" b="0" i="1" smtClean="0">
+                              <a:latin typeface="Cambria Math" panose="02040503050406030204" pitchFamily="18" charset="0"/>
+                            </a:rPr>
+                            <m:t>𝑟</m:t>
+                          </m:r>
+                        </m:e>
+                        <m:sub>
+                          <m:r>
+                            <a:rPr lang="en-US" sz="2400" b="0" i="1" smtClean="0">
+                              <a:latin typeface="Cambria Math" panose="02040503050406030204" pitchFamily="18" charset="0"/>
+                            </a:rPr>
+                            <m:t>2</m:t>
+                          </m:r>
+                        </m:sub>
+                      </m:sSub>
+                    </m:oMath>
+                  </m:oMathPara>
+                </a14:m>
+                <a:endParaRPr lang="en-US" sz="2400" dirty="0">
+                  <a:solidFill>
+                    <a:schemeClr val="tx1"/>
+                  </a:solidFill>
+                </a:endParaRPr>
+              </a:p>
+            </p:txBody>
+          </p:sp>
+        </mc:Choice>
+        <mc:Fallback>
+          <p:sp>
+            <p:nvSpPr>
+              <p:cNvPr id="22" name="TextBox 21">
+                <a:extLst>
+                  <a:ext uri="{FF2B5EF4-FFF2-40B4-BE49-F238E27FC236}">
+                    <a16:creationId xmlns:a16="http://schemas.microsoft.com/office/drawing/2014/main" id="{07CAEB9B-8197-6A9A-F91F-7B0861DB4C37}"/>
+                  </a:ext>
+                </a:extLst>
+              </p:cNvPr>
+              <p:cNvSpPr txBox="1">
+                <a:spLocks noRot="1" noChangeAspect="1" noMove="1" noResize="1" noEditPoints="1" noAdjustHandles="1" noChangeArrowheads="1" noChangeShapeType="1" noTextEdit="1"/>
+              </p:cNvSpPr>
+              <p:nvPr/>
+            </p:nvSpPr>
+            <p:spPr>
+              <a:xfrm>
+                <a:off x="6053667" y="3262292"/>
+                <a:ext cx="452207" cy="369332"/>
+              </a:xfrm>
+              <a:prstGeom prst="rect">
+                <a:avLst/>
+              </a:prstGeom>
+              <a:blipFill>
+                <a:blip r:embed="rId7"/>
+                <a:stretch>
+                  <a:fillRect b="-11475"/>
+                </a:stretch>
+              </a:blipFill>
+            </p:spPr>
+            <p:txBody>
+              <a:bodyPr/>
+              <a:lstStyle/>
+              <a:p>
+                <a:r>
+                  <a:rPr lang="en-US">
+                    <a:noFill/>
+                  </a:rPr>
+                  <a:t> </a:t>
+                </a:r>
+              </a:p>
+            </p:txBody>
+          </p:sp>
+        </mc:Fallback>
+      </mc:AlternateContent>
+      <mc:AlternateContent xmlns:mc="http://schemas.openxmlformats.org/markup-compatibility/2006">
+        <mc:Choice xmlns:a14="http://schemas.microsoft.com/office/drawing/2010/main" Requires="a14">
+          <p:sp>
+            <p:nvSpPr>
+              <p:cNvPr id="23" name="TextBox 22">
+                <a:extLst>
+                  <a:ext uri="{FF2B5EF4-FFF2-40B4-BE49-F238E27FC236}">
+                    <a16:creationId xmlns:a16="http://schemas.microsoft.com/office/drawing/2014/main" id="{175150F4-79F8-A901-4D52-3781E1DCD484}"/>
+                  </a:ext>
+                </a:extLst>
+              </p:cNvPr>
+              <p:cNvSpPr txBox="1"/>
+              <p:nvPr/>
+            </p:nvSpPr>
+            <p:spPr>
+              <a:xfrm>
+                <a:off x="5805633" y="2089742"/>
+                <a:ext cx="452207" cy="369332"/>
+              </a:xfrm>
+              <a:prstGeom prst="rect">
+                <a:avLst/>
+              </a:prstGeom>
+              <a:noFill/>
+            </p:spPr>
+            <p:txBody>
+              <a:bodyPr wrap="square" lIns="0" tIns="0" rIns="0" bIns="0" rtlCol="0">
+                <a:spAutoFit/>
+              </a:bodyPr>
+              <a:lstStyle/>
+              <a:p>
+                <a:pPr/>
+                <a14:m>
+                  <m:oMathPara xmlns:m="http://schemas.openxmlformats.org/officeDocument/2006/math">
+                    <m:oMathParaPr>
+                      <m:jc m:val="centerGroup"/>
+                    </m:oMathParaPr>
+                    <m:oMath xmlns:m="http://schemas.openxmlformats.org/officeDocument/2006/math">
+                      <m:sSub>
+                        <m:sSubPr>
+                          <m:ctrlPr>
+                            <a:rPr lang="en-US" sz="2400" i="1" smtClean="0">
+                              <a:latin typeface="Cambria Math" panose="02040503050406030204" pitchFamily="18" charset="0"/>
+                            </a:rPr>
+                          </m:ctrlPr>
+                        </m:sSubPr>
+                        <m:e>
+                          <m:r>
+                            <a:rPr lang="en-US" sz="2400" b="0" i="1" smtClean="0">
+                              <a:latin typeface="Cambria Math" panose="02040503050406030204" pitchFamily="18" charset="0"/>
+                            </a:rPr>
+                            <m:t>𝑟</m:t>
+                          </m:r>
+                        </m:e>
+                        <m:sub>
+                          <m:r>
+                            <a:rPr lang="en-US" sz="2400" b="0" i="1" smtClean="0">
+                              <a:latin typeface="Cambria Math" panose="02040503050406030204" pitchFamily="18" charset="0"/>
+                            </a:rPr>
+                            <m:t>1</m:t>
+                          </m:r>
+                        </m:sub>
+                      </m:sSub>
+                    </m:oMath>
+                  </m:oMathPara>
+                </a14:m>
+                <a:endParaRPr lang="en-US" sz="2400" dirty="0">
+                  <a:solidFill>
+                    <a:schemeClr val="tx1"/>
+                  </a:solidFill>
+                </a:endParaRPr>
+              </a:p>
+            </p:txBody>
+          </p:sp>
+        </mc:Choice>
+        <mc:Fallback>
+          <p:sp>
+            <p:nvSpPr>
+              <p:cNvPr id="23" name="TextBox 22">
+                <a:extLst>
+                  <a:ext uri="{FF2B5EF4-FFF2-40B4-BE49-F238E27FC236}">
+                    <a16:creationId xmlns:a16="http://schemas.microsoft.com/office/drawing/2014/main" id="{175150F4-79F8-A901-4D52-3781E1DCD484}"/>
+                  </a:ext>
+                </a:extLst>
+              </p:cNvPr>
+              <p:cNvSpPr txBox="1">
+                <a:spLocks noRot="1" noChangeAspect="1" noMove="1" noResize="1" noEditPoints="1" noAdjustHandles="1" noChangeArrowheads="1" noChangeShapeType="1" noTextEdit="1"/>
+              </p:cNvSpPr>
+              <p:nvPr/>
+            </p:nvSpPr>
+            <p:spPr>
+              <a:xfrm>
+                <a:off x="5805633" y="2089742"/>
+                <a:ext cx="452207" cy="369332"/>
+              </a:xfrm>
+              <a:prstGeom prst="rect">
+                <a:avLst/>
+              </a:prstGeom>
+              <a:blipFill>
+                <a:blip r:embed="rId8"/>
+                <a:stretch>
+                  <a:fillRect b="-13333"/>
+                </a:stretch>
+              </a:blipFill>
+            </p:spPr>
+            <p:txBody>
+              <a:bodyPr/>
+              <a:lstStyle/>
+              <a:p>
+                <a:r>
+                  <a:rPr lang="en-US">
+                    <a:noFill/>
+                  </a:rPr>
+                  <a:t> </a:t>
+                </a:r>
+              </a:p>
+            </p:txBody>
+          </p:sp>
+        </mc:Fallback>
+      </mc:AlternateContent>
+    </p:spTree>
+    <p:extLst>
+      <p:ext uri="{BB962C8B-B14F-4D97-AF65-F5344CB8AC3E}">
+        <p14:creationId xmlns:p14="http://schemas.microsoft.com/office/powerpoint/2010/main" val="1190079514"/>
       </p:ext>
     </p:extLst>
   </p:cSld>
